--- a/cours/ensg-asi-2014/src/raws/img_gen.pptx
+++ b/cours/ensg-asi-2014/src/raws/img_gen.pptx
@@ -9,6 +9,7 @@
     <p:sldId id="257" r:id="rId3"/>
     <p:sldId id="258" r:id="rId4"/>
     <p:sldId id="259" r:id="rId5"/>
+    <p:sldId id="260" r:id="rId6"/>
   </p:sldIdLst>
   <p:sldSz cx="9144000" cy="6858000" type="screen4x3"/>
   <p:notesSz cx="6858000" cy="9144000"/>
@@ -5012,6 +5013,477 @@
 </p:sld>
 </file>
 
+<file path=ppt/slides/slide5.xml><?xml version="1.0" encoding="utf-8"?>
+<p:sld xmlns:a="http://schemas.openxmlformats.org/drawingml/2006/main" xmlns:r="http://schemas.openxmlformats.org/officeDocument/2006/relationships" xmlns:p="http://schemas.openxmlformats.org/presentationml/2006/main">
+  <p:cSld>
+    <p:spTree>
+      <p:nvGrpSpPr>
+        <p:cNvPr id="1" name=""/>
+        <p:cNvGrpSpPr/>
+        <p:nvPr/>
+      </p:nvGrpSpPr>
+      <p:grpSpPr>
+        <a:xfrm>
+          <a:off x="0" y="0"/>
+          <a:ext cx="0" cy="0"/>
+          <a:chOff x="0" y="0"/>
+          <a:chExt cx="0" cy="0"/>
+        </a:xfrm>
+      </p:grpSpPr>
+      <p:sp>
+        <p:nvSpPr>
+          <p:cNvPr id="2" name="Rectangle à coins arrondis 1"/>
+          <p:cNvSpPr/>
+          <p:nvPr/>
+        </p:nvSpPr>
+        <p:spPr>
+          <a:xfrm>
+            <a:off x="2877433" y="1362069"/>
+            <a:ext cx="2808312" cy="826190"/>
+          </a:xfrm>
+          <a:prstGeom prst="roundRect">
+            <a:avLst/>
+          </a:prstGeom>
+        </p:spPr>
+        <p:style>
+          <a:lnRef idx="2">
+            <a:schemeClr val="accent3">
+              <a:shade val="50000"/>
+            </a:schemeClr>
+          </a:lnRef>
+          <a:fillRef idx="1">
+            <a:schemeClr val="accent3"/>
+          </a:fillRef>
+          <a:effectRef idx="0">
+            <a:schemeClr val="accent3"/>
+          </a:effectRef>
+          <a:fontRef idx="minor">
+            <a:schemeClr val="lt1"/>
+          </a:fontRef>
+        </p:style>
+        <p:txBody>
+          <a:bodyPr rtlCol="0" anchor="ctr"/>
+          <a:lstStyle/>
+          <a:p>
+            <a:r>
+              <a:rPr lang="fr-FR" sz="2400" dirty="0" smtClean="0"/>
+              <a:t>Présentation</a:t>
+            </a:r>
+            <a:endParaRPr lang="fr-FR" sz="2400" dirty="0"/>
+          </a:p>
+        </p:txBody>
+      </p:sp>
+      <p:sp>
+        <p:nvSpPr>
+          <p:cNvPr id="5" name="Rectangle à coins arrondis 4"/>
+          <p:cNvSpPr/>
+          <p:nvPr/>
+        </p:nvSpPr>
+        <p:spPr>
+          <a:xfrm>
+            <a:off x="2877433" y="2708920"/>
+            <a:ext cx="2808312" cy="826190"/>
+          </a:xfrm>
+          <a:prstGeom prst="roundRect">
+            <a:avLst/>
+          </a:prstGeom>
+        </p:spPr>
+        <p:style>
+          <a:lnRef idx="2">
+            <a:schemeClr val="accent1">
+              <a:shade val="50000"/>
+            </a:schemeClr>
+          </a:lnRef>
+          <a:fillRef idx="1">
+            <a:schemeClr val="accent1"/>
+          </a:fillRef>
+          <a:effectRef idx="0">
+            <a:schemeClr val="accent1"/>
+          </a:effectRef>
+          <a:fontRef idx="minor">
+            <a:schemeClr val="lt1"/>
+          </a:fontRef>
+        </p:style>
+        <p:txBody>
+          <a:bodyPr rtlCol="0" anchor="ctr"/>
+          <a:lstStyle/>
+          <a:p>
+            <a:r>
+              <a:rPr lang="fr-FR" sz="2400" dirty="0" smtClean="0"/>
+              <a:t>Métier</a:t>
+            </a:r>
+            <a:endParaRPr lang="fr-FR" sz="2400" dirty="0"/>
+          </a:p>
+        </p:txBody>
+      </p:sp>
+      <p:sp>
+        <p:nvSpPr>
+          <p:cNvPr id="6" name="Rectangle à coins arrondis 5"/>
+          <p:cNvSpPr/>
+          <p:nvPr/>
+        </p:nvSpPr>
+        <p:spPr>
+          <a:xfrm>
+            <a:off x="2877433" y="4061923"/>
+            <a:ext cx="2808312" cy="826190"/>
+          </a:xfrm>
+          <a:prstGeom prst="roundRect">
+            <a:avLst/>
+          </a:prstGeom>
+        </p:spPr>
+        <p:style>
+          <a:lnRef idx="2">
+            <a:schemeClr val="accent2">
+              <a:shade val="50000"/>
+            </a:schemeClr>
+          </a:lnRef>
+          <a:fillRef idx="1">
+            <a:schemeClr val="accent2"/>
+          </a:fillRef>
+          <a:effectRef idx="0">
+            <a:schemeClr val="accent2"/>
+          </a:effectRef>
+          <a:fontRef idx="minor">
+            <a:schemeClr val="lt1"/>
+          </a:fontRef>
+        </p:style>
+        <p:txBody>
+          <a:bodyPr rtlCol="0" anchor="ctr"/>
+          <a:lstStyle/>
+          <a:p>
+            <a:r>
+              <a:rPr lang="fr-FR" sz="2400" dirty="0" smtClean="0"/>
+              <a:t>Accès aux donnée</a:t>
+            </a:r>
+            <a:endParaRPr lang="fr-FR" sz="2400" dirty="0"/>
+          </a:p>
+        </p:txBody>
+      </p:sp>
+      <p:sp>
+        <p:nvSpPr>
+          <p:cNvPr id="7" name="Émoticône 6"/>
+          <p:cNvSpPr/>
+          <p:nvPr/>
+        </p:nvSpPr>
+        <p:spPr>
+          <a:xfrm>
+            <a:off x="3966560" y="404664"/>
+            <a:ext cx="630057" cy="576064"/>
+          </a:xfrm>
+          <a:prstGeom prst="smileyFace">
+            <a:avLst/>
+          </a:prstGeom>
+        </p:spPr>
+        <p:style>
+          <a:lnRef idx="2">
+            <a:schemeClr val="accent3">
+              <a:shade val="50000"/>
+            </a:schemeClr>
+          </a:lnRef>
+          <a:fillRef idx="1">
+            <a:schemeClr val="accent3"/>
+          </a:fillRef>
+          <a:effectRef idx="0">
+            <a:schemeClr val="accent3"/>
+          </a:effectRef>
+          <a:fontRef idx="minor">
+            <a:schemeClr val="lt1"/>
+          </a:fontRef>
+        </p:style>
+        <p:txBody>
+          <a:bodyPr rtlCol="0" anchor="ctr"/>
+          <a:lstStyle/>
+          <a:p>
+            <a:pPr algn="ctr"/>
+            <a:endParaRPr lang="fr-FR"/>
+          </a:p>
+        </p:txBody>
+      </p:sp>
+      <p:sp>
+        <p:nvSpPr>
+          <p:cNvPr id="8" name="Cylindre 7"/>
+          <p:cNvSpPr/>
+          <p:nvPr/>
+        </p:nvSpPr>
+        <p:spPr>
+          <a:xfrm>
+            <a:off x="3743908" y="5464937"/>
+            <a:ext cx="1080120" cy="936104"/>
+          </a:xfrm>
+          <a:prstGeom prst="can">
+            <a:avLst/>
+          </a:prstGeom>
+        </p:spPr>
+        <p:style>
+          <a:lnRef idx="2">
+            <a:schemeClr val="accent6">
+              <a:shade val="50000"/>
+            </a:schemeClr>
+          </a:lnRef>
+          <a:fillRef idx="1">
+            <a:schemeClr val="accent6"/>
+          </a:fillRef>
+          <a:effectRef idx="0">
+            <a:schemeClr val="accent6"/>
+          </a:effectRef>
+          <a:fontRef idx="minor">
+            <a:schemeClr val="lt1"/>
+          </a:fontRef>
+        </p:style>
+        <p:txBody>
+          <a:bodyPr rtlCol="0" anchor="ctr"/>
+          <a:lstStyle/>
+          <a:p>
+            <a:pPr algn="ctr"/>
+            <a:r>
+              <a:rPr lang="fr-FR" dirty="0" smtClean="0"/>
+              <a:t>Donnée</a:t>
+            </a:r>
+            <a:endParaRPr lang="fr-FR" dirty="0"/>
+          </a:p>
+        </p:txBody>
+      </p:sp>
+      <p:sp>
+        <p:nvSpPr>
+          <p:cNvPr id="9" name="Éclair 8"/>
+          <p:cNvSpPr/>
+          <p:nvPr/>
+        </p:nvSpPr>
+        <p:spPr>
+          <a:xfrm>
+            <a:off x="4878315" y="1553601"/>
+            <a:ext cx="576064" cy="443126"/>
+          </a:xfrm>
+          <a:prstGeom prst="lightningBolt">
+            <a:avLst/>
+          </a:prstGeom>
+        </p:spPr>
+        <p:style>
+          <a:lnRef idx="2">
+            <a:schemeClr val="accent3">
+              <a:shade val="50000"/>
+            </a:schemeClr>
+          </a:lnRef>
+          <a:fillRef idx="1">
+            <a:schemeClr val="accent3"/>
+          </a:fillRef>
+          <a:effectRef idx="0">
+            <a:schemeClr val="accent3"/>
+          </a:effectRef>
+          <a:fontRef idx="minor">
+            <a:schemeClr val="lt1"/>
+          </a:fontRef>
+        </p:style>
+        <p:txBody>
+          <a:bodyPr rtlCol="0" anchor="ctr"/>
+          <a:lstStyle/>
+          <a:p>
+            <a:pPr algn="ctr"/>
+            <a:endParaRPr lang="fr-FR"/>
+          </a:p>
+        </p:txBody>
+      </p:sp>
+      <p:sp>
+        <p:nvSpPr>
+          <p:cNvPr id="10" name="Éclair 9"/>
+          <p:cNvSpPr/>
+          <p:nvPr/>
+        </p:nvSpPr>
+        <p:spPr>
+          <a:xfrm>
+            <a:off x="4878315" y="2900452"/>
+            <a:ext cx="576064" cy="443126"/>
+          </a:xfrm>
+          <a:prstGeom prst="lightningBolt">
+            <a:avLst/>
+          </a:prstGeom>
+        </p:spPr>
+        <p:style>
+          <a:lnRef idx="2">
+            <a:schemeClr val="accent1">
+              <a:shade val="50000"/>
+            </a:schemeClr>
+          </a:lnRef>
+          <a:fillRef idx="1">
+            <a:schemeClr val="accent1"/>
+          </a:fillRef>
+          <a:effectRef idx="0">
+            <a:schemeClr val="accent1"/>
+          </a:effectRef>
+          <a:fontRef idx="minor">
+            <a:schemeClr val="lt1"/>
+          </a:fontRef>
+        </p:style>
+        <p:txBody>
+          <a:bodyPr rtlCol="0" anchor="ctr"/>
+          <a:lstStyle/>
+          <a:p>
+            <a:pPr algn="ctr"/>
+            <a:endParaRPr lang="fr-FR"/>
+          </a:p>
+        </p:txBody>
+      </p:sp>
+      <p:cxnSp>
+        <p:nvCxnSpPr>
+          <p:cNvPr id="12" name="Connecteur droit avec flèche 11"/>
+          <p:cNvCxnSpPr>
+            <a:stCxn id="7" idx="4"/>
+            <a:endCxn id="2" idx="0"/>
+          </p:cNvCxnSpPr>
+          <p:nvPr/>
+        </p:nvCxnSpPr>
+        <p:spPr>
+          <a:xfrm>
+            <a:off x="4281589" y="980728"/>
+            <a:ext cx="0" cy="381341"/>
+          </a:xfrm>
+          <a:prstGeom prst="straightConnector1">
+            <a:avLst/>
+          </a:prstGeom>
+          <a:ln>
+            <a:headEnd type="arrow"/>
+            <a:tailEnd type="arrow"/>
+          </a:ln>
+        </p:spPr>
+        <p:style>
+          <a:lnRef idx="2">
+            <a:schemeClr val="dk1"/>
+          </a:lnRef>
+          <a:fillRef idx="0">
+            <a:schemeClr val="dk1"/>
+          </a:fillRef>
+          <a:effectRef idx="1">
+            <a:schemeClr val="dk1"/>
+          </a:effectRef>
+          <a:fontRef idx="minor">
+            <a:schemeClr val="tx1"/>
+          </a:fontRef>
+        </p:style>
+      </p:cxnSp>
+      <p:cxnSp>
+        <p:nvCxnSpPr>
+          <p:cNvPr id="13" name="Connecteur droit avec flèche 12"/>
+          <p:cNvCxnSpPr>
+            <a:stCxn id="2" idx="2"/>
+            <a:endCxn id="5" idx="0"/>
+          </p:cNvCxnSpPr>
+          <p:nvPr/>
+        </p:nvCxnSpPr>
+        <p:spPr>
+          <a:xfrm>
+            <a:off x="4281589" y="2188259"/>
+            <a:ext cx="0" cy="520661"/>
+          </a:xfrm>
+          <a:prstGeom prst="straightConnector1">
+            <a:avLst/>
+          </a:prstGeom>
+          <a:ln>
+            <a:headEnd type="arrow"/>
+            <a:tailEnd type="arrow"/>
+          </a:ln>
+        </p:spPr>
+        <p:style>
+          <a:lnRef idx="2">
+            <a:schemeClr val="dk1"/>
+          </a:lnRef>
+          <a:fillRef idx="0">
+            <a:schemeClr val="dk1"/>
+          </a:fillRef>
+          <a:effectRef idx="1">
+            <a:schemeClr val="dk1"/>
+          </a:effectRef>
+          <a:fontRef idx="minor">
+            <a:schemeClr val="tx1"/>
+          </a:fontRef>
+        </p:style>
+      </p:cxnSp>
+      <p:cxnSp>
+        <p:nvCxnSpPr>
+          <p:cNvPr id="16" name="Connecteur droit avec flèche 15"/>
+          <p:cNvCxnSpPr>
+            <a:stCxn id="5" idx="2"/>
+            <a:endCxn id="6" idx="0"/>
+          </p:cNvCxnSpPr>
+          <p:nvPr/>
+        </p:nvCxnSpPr>
+        <p:spPr>
+          <a:xfrm>
+            <a:off x="4281589" y="3535110"/>
+            <a:ext cx="0" cy="526813"/>
+          </a:xfrm>
+          <a:prstGeom prst="straightConnector1">
+            <a:avLst/>
+          </a:prstGeom>
+          <a:ln>
+            <a:headEnd type="arrow"/>
+            <a:tailEnd type="arrow"/>
+          </a:ln>
+        </p:spPr>
+        <p:style>
+          <a:lnRef idx="2">
+            <a:schemeClr val="dk1"/>
+          </a:lnRef>
+          <a:fillRef idx="0">
+            <a:schemeClr val="dk1"/>
+          </a:fillRef>
+          <a:effectRef idx="1">
+            <a:schemeClr val="dk1"/>
+          </a:effectRef>
+          <a:fontRef idx="minor">
+            <a:schemeClr val="tx1"/>
+          </a:fontRef>
+        </p:style>
+      </p:cxnSp>
+      <p:cxnSp>
+        <p:nvCxnSpPr>
+          <p:cNvPr id="19" name="Connecteur droit avec flèche 18"/>
+          <p:cNvCxnSpPr>
+            <a:stCxn id="6" idx="2"/>
+            <a:endCxn id="8" idx="1"/>
+          </p:cNvCxnSpPr>
+          <p:nvPr/>
+        </p:nvCxnSpPr>
+        <p:spPr>
+          <a:xfrm>
+            <a:off x="4281589" y="4888113"/>
+            <a:ext cx="2379" cy="576824"/>
+          </a:xfrm>
+          <a:prstGeom prst="straightConnector1">
+            <a:avLst/>
+          </a:prstGeom>
+          <a:ln>
+            <a:headEnd type="arrow"/>
+            <a:tailEnd type="arrow"/>
+          </a:ln>
+        </p:spPr>
+        <p:style>
+          <a:lnRef idx="2">
+            <a:schemeClr val="dk1"/>
+          </a:lnRef>
+          <a:fillRef idx="0">
+            <a:schemeClr val="dk1"/>
+          </a:fillRef>
+          <a:effectRef idx="1">
+            <a:schemeClr val="dk1"/>
+          </a:effectRef>
+          <a:fontRef idx="minor">
+            <a:schemeClr val="tx1"/>
+          </a:fontRef>
+        </p:style>
+      </p:cxnSp>
+    </p:spTree>
+    <p:extLst>
+      <p:ext uri="{BB962C8B-B14F-4D97-AF65-F5344CB8AC3E}">
+        <p14:creationId xmlns:p14="http://schemas.microsoft.com/office/powerpoint/2010/main" val="526575183"/>
+      </p:ext>
+    </p:extLst>
+  </p:cSld>
+  <p:clrMapOvr>
+    <a:masterClrMapping/>
+  </p:clrMapOvr>
+</p:sld>
+</file>
+
 <file path=ppt/theme/theme1.xml><?xml version="1.0" encoding="utf-8"?>
 <a:theme xmlns:a="http://schemas.openxmlformats.org/drawingml/2006/main" name="Thème Office">
   <a:themeElements>

--- a/cours/ensg-asi-2014/src/raws/img_gen.pptx
+++ b/cours/ensg-asi-2014/src/raws/img_gen.pptx
@@ -10,6 +10,9 @@
     <p:sldId id="258" r:id="rId4"/>
     <p:sldId id="259" r:id="rId5"/>
     <p:sldId id="260" r:id="rId6"/>
+    <p:sldId id="263" r:id="rId7"/>
+    <p:sldId id="261" r:id="rId8"/>
+    <p:sldId id="262" r:id="rId9"/>
   </p:sldIdLst>
   <p:sldSz cx="9144000" cy="6858000" type="screen4x3"/>
   <p:notesSz cx="6858000" cy="9144000"/>
@@ -5153,7 +5156,11 @@
           <a:p>
             <a:r>
               <a:rPr lang="fr-FR" sz="2400" dirty="0" smtClean="0"/>
-              <a:t>Accès aux donnée</a:t>
+              <a:t>Accès aux </a:t>
+            </a:r>
+            <a:r>
+              <a:rPr lang="fr-FR" sz="2400" dirty="0" smtClean="0"/>
+              <a:t>données</a:t>
             </a:r>
             <a:endParaRPr lang="fr-FR" sz="2400" dirty="0"/>
           </a:p>
@@ -5237,7 +5244,7 @@
             <a:pPr algn="ctr"/>
             <a:r>
               <a:rPr lang="fr-FR" dirty="0" smtClean="0"/>
-              <a:t>Donnée</a:t>
+              <a:t>Données</a:t>
             </a:r>
             <a:endParaRPr lang="fr-FR" dirty="0"/>
           </a:p>
@@ -5475,6 +5482,1622 @@
     <p:extLst>
       <p:ext uri="{BB962C8B-B14F-4D97-AF65-F5344CB8AC3E}">
         <p14:creationId xmlns:p14="http://schemas.microsoft.com/office/powerpoint/2010/main" val="526575183"/>
+      </p:ext>
+    </p:extLst>
+  </p:cSld>
+  <p:clrMapOvr>
+    <a:masterClrMapping/>
+  </p:clrMapOvr>
+</p:sld>
+</file>
+
+<file path=ppt/slides/slide6.xml><?xml version="1.0" encoding="utf-8"?>
+<p:sld xmlns:a="http://schemas.openxmlformats.org/drawingml/2006/main" xmlns:r="http://schemas.openxmlformats.org/officeDocument/2006/relationships" xmlns:p="http://schemas.openxmlformats.org/presentationml/2006/main">
+  <p:cSld>
+    <p:spTree>
+      <p:nvGrpSpPr>
+        <p:cNvPr id="1" name=""/>
+        <p:cNvGrpSpPr/>
+        <p:nvPr/>
+      </p:nvGrpSpPr>
+      <p:grpSpPr>
+        <a:xfrm>
+          <a:off x="0" y="0"/>
+          <a:ext cx="0" cy="0"/>
+          <a:chOff x="0" y="0"/>
+          <a:chExt cx="0" cy="0"/>
+        </a:xfrm>
+      </p:grpSpPr>
+      <p:sp>
+        <p:nvSpPr>
+          <p:cNvPr id="2" name="Rectangle à coins arrondis 1"/>
+          <p:cNvSpPr/>
+          <p:nvPr/>
+        </p:nvSpPr>
+        <p:spPr>
+          <a:xfrm>
+            <a:off x="935596" y="1362069"/>
+            <a:ext cx="2808312" cy="826190"/>
+          </a:xfrm>
+          <a:prstGeom prst="roundRect">
+            <a:avLst/>
+          </a:prstGeom>
+        </p:spPr>
+        <p:style>
+          <a:lnRef idx="2">
+            <a:schemeClr val="accent3">
+              <a:shade val="50000"/>
+            </a:schemeClr>
+          </a:lnRef>
+          <a:fillRef idx="1">
+            <a:schemeClr val="accent3"/>
+          </a:fillRef>
+          <a:effectRef idx="0">
+            <a:schemeClr val="accent3"/>
+          </a:effectRef>
+          <a:fontRef idx="minor">
+            <a:schemeClr val="lt1"/>
+          </a:fontRef>
+        </p:style>
+        <p:txBody>
+          <a:bodyPr rtlCol="0" anchor="ctr"/>
+          <a:lstStyle/>
+          <a:p>
+            <a:pPr algn="ctr"/>
+            <a:r>
+              <a:rPr lang="fr-FR" sz="2400" dirty="0" smtClean="0"/>
+              <a:t>Présentation 1</a:t>
+            </a:r>
+            <a:endParaRPr lang="fr-FR" sz="2400" dirty="0"/>
+          </a:p>
+        </p:txBody>
+      </p:sp>
+      <p:sp>
+        <p:nvSpPr>
+          <p:cNvPr id="5" name="Rectangle à coins arrondis 4"/>
+          <p:cNvSpPr/>
+          <p:nvPr/>
+        </p:nvSpPr>
+        <p:spPr>
+          <a:xfrm>
+            <a:off x="645439" y="2829282"/>
+            <a:ext cx="1694313" cy="826190"/>
+          </a:xfrm>
+          <a:prstGeom prst="roundRect">
+            <a:avLst/>
+          </a:prstGeom>
+        </p:spPr>
+        <p:style>
+          <a:lnRef idx="2">
+            <a:schemeClr val="accent1">
+              <a:shade val="50000"/>
+            </a:schemeClr>
+          </a:lnRef>
+          <a:fillRef idx="1">
+            <a:schemeClr val="accent1"/>
+          </a:fillRef>
+          <a:effectRef idx="0">
+            <a:schemeClr val="accent1"/>
+          </a:effectRef>
+          <a:fontRef idx="minor">
+            <a:schemeClr val="lt1"/>
+          </a:fontRef>
+        </p:style>
+        <p:txBody>
+          <a:bodyPr rtlCol="0" anchor="ctr"/>
+          <a:lstStyle/>
+          <a:p>
+            <a:pPr algn="ctr"/>
+            <a:r>
+              <a:rPr lang="fr-FR" sz="2400" dirty="0" smtClean="0"/>
+              <a:t>Métier  1</a:t>
+            </a:r>
+            <a:endParaRPr lang="fr-FR" sz="2400" dirty="0"/>
+          </a:p>
+        </p:txBody>
+      </p:sp>
+      <p:sp>
+        <p:nvSpPr>
+          <p:cNvPr id="6" name="Rectangle à coins arrondis 5"/>
+          <p:cNvSpPr/>
+          <p:nvPr/>
+        </p:nvSpPr>
+        <p:spPr>
+          <a:xfrm>
+            <a:off x="1619672" y="4445318"/>
+            <a:ext cx="2952328" cy="826190"/>
+          </a:xfrm>
+          <a:prstGeom prst="roundRect">
+            <a:avLst/>
+          </a:prstGeom>
+        </p:spPr>
+        <p:style>
+          <a:lnRef idx="2">
+            <a:schemeClr val="accent2">
+              <a:shade val="50000"/>
+            </a:schemeClr>
+          </a:lnRef>
+          <a:fillRef idx="1">
+            <a:schemeClr val="accent2"/>
+          </a:fillRef>
+          <a:effectRef idx="0">
+            <a:schemeClr val="accent2"/>
+          </a:effectRef>
+          <a:fontRef idx="minor">
+            <a:schemeClr val="lt1"/>
+          </a:fontRef>
+        </p:style>
+        <p:txBody>
+          <a:bodyPr rtlCol="0" anchor="ctr"/>
+          <a:lstStyle/>
+          <a:p>
+            <a:r>
+              <a:rPr lang="fr-FR" sz="2400" dirty="0" smtClean="0"/>
+              <a:t>Accès aux </a:t>
+            </a:r>
+            <a:r>
+              <a:rPr lang="fr-FR" sz="2400" dirty="0" smtClean="0"/>
+              <a:t>données 1</a:t>
+            </a:r>
+            <a:endParaRPr lang="fr-FR" sz="2400" dirty="0"/>
+          </a:p>
+        </p:txBody>
+      </p:sp>
+      <p:sp>
+        <p:nvSpPr>
+          <p:cNvPr id="7" name="Émoticône 6"/>
+          <p:cNvSpPr/>
+          <p:nvPr/>
+        </p:nvSpPr>
+        <p:spPr>
+          <a:xfrm>
+            <a:off x="4085959" y="404664"/>
+            <a:ext cx="630057" cy="576064"/>
+          </a:xfrm>
+          <a:prstGeom prst="smileyFace">
+            <a:avLst/>
+          </a:prstGeom>
+        </p:spPr>
+        <p:style>
+          <a:lnRef idx="2">
+            <a:schemeClr val="accent3">
+              <a:shade val="50000"/>
+            </a:schemeClr>
+          </a:lnRef>
+          <a:fillRef idx="1">
+            <a:schemeClr val="accent3"/>
+          </a:fillRef>
+          <a:effectRef idx="0">
+            <a:schemeClr val="accent3"/>
+          </a:effectRef>
+          <a:fontRef idx="minor">
+            <a:schemeClr val="lt1"/>
+          </a:fontRef>
+        </p:style>
+        <p:txBody>
+          <a:bodyPr rtlCol="0" anchor="ctr"/>
+          <a:lstStyle/>
+          <a:p>
+            <a:pPr algn="ctr"/>
+            <a:endParaRPr lang="fr-FR"/>
+          </a:p>
+        </p:txBody>
+      </p:sp>
+      <p:sp>
+        <p:nvSpPr>
+          <p:cNvPr id="8" name="Cylindre 7"/>
+          <p:cNvSpPr/>
+          <p:nvPr/>
+        </p:nvSpPr>
+        <p:spPr>
+          <a:xfrm>
+            <a:off x="2555776" y="5661248"/>
+            <a:ext cx="1080120" cy="936104"/>
+          </a:xfrm>
+          <a:prstGeom prst="can">
+            <a:avLst/>
+          </a:prstGeom>
+        </p:spPr>
+        <p:style>
+          <a:lnRef idx="2">
+            <a:schemeClr val="accent6">
+              <a:shade val="50000"/>
+            </a:schemeClr>
+          </a:lnRef>
+          <a:fillRef idx="1">
+            <a:schemeClr val="accent6"/>
+          </a:fillRef>
+          <a:effectRef idx="0">
+            <a:schemeClr val="accent6"/>
+          </a:effectRef>
+          <a:fontRef idx="minor">
+            <a:schemeClr val="lt1"/>
+          </a:fontRef>
+        </p:style>
+        <p:txBody>
+          <a:bodyPr rtlCol="0" anchor="ctr"/>
+          <a:lstStyle/>
+          <a:p>
+            <a:pPr algn="ctr"/>
+            <a:endParaRPr lang="fr-FR" dirty="0"/>
+          </a:p>
+        </p:txBody>
+      </p:sp>
+      <p:cxnSp>
+        <p:nvCxnSpPr>
+          <p:cNvPr id="12" name="Connecteur droit avec flèche 11"/>
+          <p:cNvCxnSpPr>
+            <a:stCxn id="7" idx="3"/>
+            <a:endCxn id="2" idx="0"/>
+          </p:cNvCxnSpPr>
+          <p:nvPr/>
+        </p:nvCxnSpPr>
+        <p:spPr>
+          <a:xfrm flipH="1">
+            <a:off x="2339752" y="896365"/>
+            <a:ext cx="1838477" cy="465704"/>
+          </a:xfrm>
+          <a:prstGeom prst="straightConnector1">
+            <a:avLst/>
+          </a:prstGeom>
+          <a:ln>
+            <a:headEnd type="arrow"/>
+            <a:tailEnd type="arrow"/>
+          </a:ln>
+        </p:spPr>
+        <p:style>
+          <a:lnRef idx="2">
+            <a:schemeClr val="dk1"/>
+          </a:lnRef>
+          <a:fillRef idx="0">
+            <a:schemeClr val="dk1"/>
+          </a:fillRef>
+          <a:effectRef idx="1">
+            <a:schemeClr val="dk1"/>
+          </a:effectRef>
+          <a:fontRef idx="minor">
+            <a:schemeClr val="tx1"/>
+          </a:fontRef>
+        </p:style>
+      </p:cxnSp>
+      <p:cxnSp>
+        <p:nvCxnSpPr>
+          <p:cNvPr id="13" name="Connecteur droit avec flèche 12"/>
+          <p:cNvCxnSpPr>
+            <a:stCxn id="2" idx="2"/>
+            <a:endCxn id="5" idx="0"/>
+          </p:cNvCxnSpPr>
+          <p:nvPr/>
+        </p:nvCxnSpPr>
+        <p:spPr>
+          <a:xfrm flipH="1">
+            <a:off x="1492596" y="2188259"/>
+            <a:ext cx="847156" cy="641023"/>
+          </a:xfrm>
+          <a:prstGeom prst="straightConnector1">
+            <a:avLst/>
+          </a:prstGeom>
+          <a:ln>
+            <a:headEnd type="arrow"/>
+            <a:tailEnd type="arrow"/>
+          </a:ln>
+        </p:spPr>
+        <p:style>
+          <a:lnRef idx="2">
+            <a:schemeClr val="dk1"/>
+          </a:lnRef>
+          <a:fillRef idx="0">
+            <a:schemeClr val="dk1"/>
+          </a:fillRef>
+          <a:effectRef idx="1">
+            <a:schemeClr val="dk1"/>
+          </a:effectRef>
+          <a:fontRef idx="minor">
+            <a:schemeClr val="tx1"/>
+          </a:fontRef>
+        </p:style>
+      </p:cxnSp>
+      <p:cxnSp>
+        <p:nvCxnSpPr>
+          <p:cNvPr id="16" name="Connecteur droit avec flèche 15"/>
+          <p:cNvCxnSpPr>
+            <a:stCxn id="5" idx="2"/>
+            <a:endCxn id="6" idx="0"/>
+          </p:cNvCxnSpPr>
+          <p:nvPr/>
+        </p:nvCxnSpPr>
+        <p:spPr>
+          <a:xfrm>
+            <a:off x="1492596" y="3655472"/>
+            <a:ext cx="1603240" cy="789846"/>
+          </a:xfrm>
+          <a:prstGeom prst="straightConnector1">
+            <a:avLst/>
+          </a:prstGeom>
+          <a:ln>
+            <a:headEnd type="arrow"/>
+            <a:tailEnd type="arrow"/>
+          </a:ln>
+        </p:spPr>
+        <p:style>
+          <a:lnRef idx="2">
+            <a:schemeClr val="dk1"/>
+          </a:lnRef>
+          <a:fillRef idx="0">
+            <a:schemeClr val="dk1"/>
+          </a:fillRef>
+          <a:effectRef idx="1">
+            <a:schemeClr val="dk1"/>
+          </a:effectRef>
+          <a:fontRef idx="minor">
+            <a:schemeClr val="tx1"/>
+          </a:fontRef>
+        </p:style>
+      </p:cxnSp>
+      <p:cxnSp>
+        <p:nvCxnSpPr>
+          <p:cNvPr id="19" name="Connecteur droit avec flèche 18"/>
+          <p:cNvCxnSpPr>
+            <a:stCxn id="6" idx="2"/>
+            <a:endCxn id="8" idx="1"/>
+          </p:cNvCxnSpPr>
+          <p:nvPr/>
+        </p:nvCxnSpPr>
+        <p:spPr>
+          <a:xfrm>
+            <a:off x="3095836" y="5271508"/>
+            <a:ext cx="0" cy="389740"/>
+          </a:xfrm>
+          <a:prstGeom prst="straightConnector1">
+            <a:avLst/>
+          </a:prstGeom>
+          <a:ln>
+            <a:headEnd type="arrow"/>
+            <a:tailEnd type="arrow"/>
+          </a:ln>
+        </p:spPr>
+        <p:style>
+          <a:lnRef idx="2">
+            <a:schemeClr val="dk1"/>
+          </a:lnRef>
+          <a:fillRef idx="0">
+            <a:schemeClr val="dk1"/>
+          </a:fillRef>
+          <a:effectRef idx="1">
+            <a:schemeClr val="dk1"/>
+          </a:effectRef>
+          <a:fontRef idx="minor">
+            <a:schemeClr val="tx1"/>
+          </a:fontRef>
+        </p:style>
+      </p:cxnSp>
+      <p:sp>
+        <p:nvSpPr>
+          <p:cNvPr id="22" name="Rectangle à coins arrondis 21"/>
+          <p:cNvSpPr/>
+          <p:nvPr/>
+        </p:nvSpPr>
+        <p:spPr>
+          <a:xfrm>
+            <a:off x="3436811" y="2863740"/>
+            <a:ext cx="1694313" cy="826190"/>
+          </a:xfrm>
+          <a:prstGeom prst="roundRect">
+            <a:avLst/>
+          </a:prstGeom>
+        </p:spPr>
+        <p:style>
+          <a:lnRef idx="2">
+            <a:schemeClr val="accent1">
+              <a:shade val="50000"/>
+            </a:schemeClr>
+          </a:lnRef>
+          <a:fillRef idx="1">
+            <a:schemeClr val="accent1"/>
+          </a:fillRef>
+          <a:effectRef idx="0">
+            <a:schemeClr val="accent1"/>
+          </a:effectRef>
+          <a:fontRef idx="minor">
+            <a:schemeClr val="lt1"/>
+          </a:fontRef>
+        </p:style>
+        <p:txBody>
+          <a:bodyPr rtlCol="0" anchor="ctr"/>
+          <a:lstStyle/>
+          <a:p>
+            <a:pPr algn="ctr"/>
+            <a:r>
+              <a:rPr lang="fr-FR" sz="2400" dirty="0" smtClean="0"/>
+              <a:t>Métier 2</a:t>
+            </a:r>
+            <a:endParaRPr lang="fr-FR" sz="2400" dirty="0"/>
+          </a:p>
+        </p:txBody>
+      </p:sp>
+      <p:sp>
+        <p:nvSpPr>
+          <p:cNvPr id="23" name="Rectangle à coins arrondis 22"/>
+          <p:cNvSpPr/>
+          <p:nvPr/>
+        </p:nvSpPr>
+        <p:spPr>
+          <a:xfrm>
+            <a:off x="4788113" y="1362069"/>
+            <a:ext cx="2808312" cy="826190"/>
+          </a:xfrm>
+          <a:prstGeom prst="roundRect">
+            <a:avLst/>
+          </a:prstGeom>
+        </p:spPr>
+        <p:style>
+          <a:lnRef idx="2">
+            <a:schemeClr val="accent3">
+              <a:shade val="50000"/>
+            </a:schemeClr>
+          </a:lnRef>
+          <a:fillRef idx="1">
+            <a:schemeClr val="accent3"/>
+          </a:fillRef>
+          <a:effectRef idx="0">
+            <a:schemeClr val="accent3"/>
+          </a:effectRef>
+          <a:fontRef idx="minor">
+            <a:schemeClr val="lt1"/>
+          </a:fontRef>
+        </p:style>
+        <p:txBody>
+          <a:bodyPr rtlCol="0" anchor="ctr"/>
+          <a:lstStyle/>
+          <a:p>
+            <a:pPr algn="ctr"/>
+            <a:r>
+              <a:rPr lang="fr-FR" sz="2400" dirty="0" smtClean="0"/>
+              <a:t>Présentation 2</a:t>
+            </a:r>
+            <a:endParaRPr lang="fr-FR" sz="2400" dirty="0"/>
+          </a:p>
+        </p:txBody>
+      </p:sp>
+      <p:sp>
+        <p:nvSpPr>
+          <p:cNvPr id="24" name="Rectangle à coins arrondis 23"/>
+          <p:cNvSpPr/>
+          <p:nvPr/>
+        </p:nvSpPr>
+        <p:spPr>
+          <a:xfrm>
+            <a:off x="6111788" y="2863740"/>
+            <a:ext cx="1694313" cy="826190"/>
+          </a:xfrm>
+          <a:prstGeom prst="roundRect">
+            <a:avLst/>
+          </a:prstGeom>
+        </p:spPr>
+        <p:style>
+          <a:lnRef idx="2">
+            <a:schemeClr val="accent1">
+              <a:shade val="50000"/>
+            </a:schemeClr>
+          </a:lnRef>
+          <a:fillRef idx="1">
+            <a:schemeClr val="accent1"/>
+          </a:fillRef>
+          <a:effectRef idx="0">
+            <a:schemeClr val="accent1"/>
+          </a:effectRef>
+          <a:fontRef idx="minor">
+            <a:schemeClr val="lt1"/>
+          </a:fontRef>
+        </p:style>
+        <p:txBody>
+          <a:bodyPr rtlCol="0" anchor="ctr"/>
+          <a:lstStyle/>
+          <a:p>
+            <a:pPr algn="ctr"/>
+            <a:r>
+              <a:rPr lang="fr-FR" sz="2400" dirty="0" smtClean="0"/>
+              <a:t>Métier 3</a:t>
+            </a:r>
+            <a:endParaRPr lang="fr-FR" sz="2400" dirty="0"/>
+          </a:p>
+        </p:txBody>
+      </p:sp>
+      <p:sp>
+        <p:nvSpPr>
+          <p:cNvPr id="32" name="Rectangle à coins arrondis 31"/>
+          <p:cNvSpPr/>
+          <p:nvPr/>
+        </p:nvSpPr>
+        <p:spPr>
+          <a:xfrm>
+            <a:off x="4853773" y="4446062"/>
+            <a:ext cx="2952328" cy="826190"/>
+          </a:xfrm>
+          <a:prstGeom prst="roundRect">
+            <a:avLst/>
+          </a:prstGeom>
+        </p:spPr>
+        <p:style>
+          <a:lnRef idx="2">
+            <a:schemeClr val="accent2">
+              <a:shade val="50000"/>
+            </a:schemeClr>
+          </a:lnRef>
+          <a:fillRef idx="1">
+            <a:schemeClr val="accent2"/>
+          </a:fillRef>
+          <a:effectRef idx="0">
+            <a:schemeClr val="accent2"/>
+          </a:effectRef>
+          <a:fontRef idx="minor">
+            <a:schemeClr val="lt1"/>
+          </a:fontRef>
+        </p:style>
+        <p:txBody>
+          <a:bodyPr rtlCol="0" anchor="ctr"/>
+          <a:lstStyle/>
+          <a:p>
+            <a:r>
+              <a:rPr lang="fr-FR" sz="2400" dirty="0" smtClean="0"/>
+              <a:t>Accès aux </a:t>
+            </a:r>
+            <a:r>
+              <a:rPr lang="fr-FR" sz="2400" dirty="0" smtClean="0"/>
+              <a:t>données 2</a:t>
+            </a:r>
+            <a:endParaRPr lang="fr-FR" sz="2400" dirty="0"/>
+          </a:p>
+        </p:txBody>
+      </p:sp>
+      <p:sp>
+        <p:nvSpPr>
+          <p:cNvPr id="33" name="Cylindre 32"/>
+          <p:cNvSpPr/>
+          <p:nvPr/>
+        </p:nvSpPr>
+        <p:spPr>
+          <a:xfrm>
+            <a:off x="5796136" y="5661248"/>
+            <a:ext cx="1080120" cy="936104"/>
+          </a:xfrm>
+          <a:prstGeom prst="can">
+            <a:avLst/>
+          </a:prstGeom>
+        </p:spPr>
+        <p:style>
+          <a:lnRef idx="2">
+            <a:schemeClr val="accent6">
+              <a:shade val="50000"/>
+            </a:schemeClr>
+          </a:lnRef>
+          <a:fillRef idx="1">
+            <a:schemeClr val="accent6"/>
+          </a:fillRef>
+          <a:effectRef idx="0">
+            <a:schemeClr val="accent6"/>
+          </a:effectRef>
+          <a:fontRef idx="minor">
+            <a:schemeClr val="lt1"/>
+          </a:fontRef>
+        </p:style>
+        <p:txBody>
+          <a:bodyPr rtlCol="0" anchor="ctr"/>
+          <a:lstStyle/>
+          <a:p>
+            <a:pPr algn="ctr"/>
+            <a:endParaRPr lang="fr-FR" dirty="0"/>
+          </a:p>
+        </p:txBody>
+      </p:sp>
+      <p:cxnSp>
+        <p:nvCxnSpPr>
+          <p:cNvPr id="34" name="Connecteur droit avec flèche 33"/>
+          <p:cNvCxnSpPr>
+            <a:stCxn id="32" idx="2"/>
+            <a:endCxn id="33" idx="1"/>
+          </p:cNvCxnSpPr>
+          <p:nvPr/>
+        </p:nvCxnSpPr>
+        <p:spPr>
+          <a:xfrm>
+            <a:off x="6329937" y="5272252"/>
+            <a:ext cx="6259" cy="388996"/>
+          </a:xfrm>
+          <a:prstGeom prst="straightConnector1">
+            <a:avLst/>
+          </a:prstGeom>
+          <a:ln>
+            <a:headEnd type="arrow"/>
+            <a:tailEnd type="arrow"/>
+          </a:ln>
+        </p:spPr>
+        <p:style>
+          <a:lnRef idx="2">
+            <a:schemeClr val="dk1"/>
+          </a:lnRef>
+          <a:fillRef idx="0">
+            <a:schemeClr val="dk1"/>
+          </a:fillRef>
+          <a:effectRef idx="1">
+            <a:schemeClr val="dk1"/>
+          </a:effectRef>
+          <a:fontRef idx="minor">
+            <a:schemeClr val="tx1"/>
+          </a:fontRef>
+        </p:style>
+      </p:cxnSp>
+      <p:cxnSp>
+        <p:nvCxnSpPr>
+          <p:cNvPr id="35" name="Connecteur droit avec flèche 34"/>
+          <p:cNvCxnSpPr>
+            <a:stCxn id="22" idx="2"/>
+            <a:endCxn id="32" idx="0"/>
+          </p:cNvCxnSpPr>
+          <p:nvPr/>
+        </p:nvCxnSpPr>
+        <p:spPr>
+          <a:xfrm>
+            <a:off x="4283968" y="3689930"/>
+            <a:ext cx="2045969" cy="756132"/>
+          </a:xfrm>
+          <a:prstGeom prst="straightConnector1">
+            <a:avLst/>
+          </a:prstGeom>
+          <a:ln>
+            <a:headEnd type="arrow"/>
+            <a:tailEnd type="arrow"/>
+          </a:ln>
+        </p:spPr>
+        <p:style>
+          <a:lnRef idx="2">
+            <a:schemeClr val="dk1"/>
+          </a:lnRef>
+          <a:fillRef idx="0">
+            <a:schemeClr val="dk1"/>
+          </a:fillRef>
+          <a:effectRef idx="1">
+            <a:schemeClr val="dk1"/>
+          </a:effectRef>
+          <a:fontRef idx="minor">
+            <a:schemeClr val="tx1"/>
+          </a:fontRef>
+        </p:style>
+      </p:cxnSp>
+      <p:cxnSp>
+        <p:nvCxnSpPr>
+          <p:cNvPr id="41" name="Connecteur droit avec flèche 40"/>
+          <p:cNvCxnSpPr>
+            <a:stCxn id="24" idx="2"/>
+            <a:endCxn id="32" idx="0"/>
+          </p:cNvCxnSpPr>
+          <p:nvPr/>
+        </p:nvCxnSpPr>
+        <p:spPr>
+          <a:xfrm flipH="1">
+            <a:off x="6329937" y="3689930"/>
+            <a:ext cx="629008" cy="756132"/>
+          </a:xfrm>
+          <a:prstGeom prst="straightConnector1">
+            <a:avLst/>
+          </a:prstGeom>
+          <a:ln>
+            <a:headEnd type="arrow"/>
+            <a:tailEnd type="arrow"/>
+          </a:ln>
+        </p:spPr>
+        <p:style>
+          <a:lnRef idx="2">
+            <a:schemeClr val="dk1"/>
+          </a:lnRef>
+          <a:fillRef idx="0">
+            <a:schemeClr val="dk1"/>
+          </a:fillRef>
+          <a:effectRef idx="1">
+            <a:schemeClr val="dk1"/>
+          </a:effectRef>
+          <a:fontRef idx="minor">
+            <a:schemeClr val="tx1"/>
+          </a:fontRef>
+        </p:style>
+      </p:cxnSp>
+      <p:cxnSp>
+        <p:nvCxnSpPr>
+          <p:cNvPr id="45" name="Connecteur droit avec flèche 44"/>
+          <p:cNvCxnSpPr>
+            <a:stCxn id="2" idx="2"/>
+            <a:endCxn id="22" idx="0"/>
+          </p:cNvCxnSpPr>
+          <p:nvPr/>
+        </p:nvCxnSpPr>
+        <p:spPr>
+          <a:xfrm>
+            <a:off x="2339752" y="2188259"/>
+            <a:ext cx="1944216" cy="675481"/>
+          </a:xfrm>
+          <a:prstGeom prst="straightConnector1">
+            <a:avLst/>
+          </a:prstGeom>
+          <a:ln>
+            <a:headEnd type="arrow"/>
+            <a:tailEnd type="arrow"/>
+          </a:ln>
+        </p:spPr>
+        <p:style>
+          <a:lnRef idx="2">
+            <a:schemeClr val="dk1"/>
+          </a:lnRef>
+          <a:fillRef idx="0">
+            <a:schemeClr val="dk1"/>
+          </a:fillRef>
+          <a:effectRef idx="1">
+            <a:schemeClr val="dk1"/>
+          </a:effectRef>
+          <a:fontRef idx="minor">
+            <a:schemeClr val="tx1"/>
+          </a:fontRef>
+        </p:style>
+      </p:cxnSp>
+      <p:cxnSp>
+        <p:nvCxnSpPr>
+          <p:cNvPr id="48" name="Connecteur droit avec flèche 47"/>
+          <p:cNvCxnSpPr>
+            <a:stCxn id="22" idx="2"/>
+            <a:endCxn id="6" idx="0"/>
+          </p:cNvCxnSpPr>
+          <p:nvPr/>
+        </p:nvCxnSpPr>
+        <p:spPr>
+          <a:xfrm flipH="1">
+            <a:off x="3095836" y="3689930"/>
+            <a:ext cx="1188132" cy="755388"/>
+          </a:xfrm>
+          <a:prstGeom prst="straightConnector1">
+            <a:avLst/>
+          </a:prstGeom>
+          <a:ln>
+            <a:headEnd type="arrow"/>
+            <a:tailEnd type="arrow"/>
+          </a:ln>
+        </p:spPr>
+        <p:style>
+          <a:lnRef idx="2">
+            <a:schemeClr val="dk1"/>
+          </a:lnRef>
+          <a:fillRef idx="0">
+            <a:schemeClr val="dk1"/>
+          </a:fillRef>
+          <a:effectRef idx="1">
+            <a:schemeClr val="dk1"/>
+          </a:effectRef>
+          <a:fontRef idx="minor">
+            <a:schemeClr val="tx1"/>
+          </a:fontRef>
+        </p:style>
+      </p:cxnSp>
+      <p:cxnSp>
+        <p:nvCxnSpPr>
+          <p:cNvPr id="51" name="Connecteur droit avec flèche 50"/>
+          <p:cNvCxnSpPr>
+            <a:stCxn id="23" idx="2"/>
+            <a:endCxn id="24" idx="0"/>
+          </p:cNvCxnSpPr>
+          <p:nvPr/>
+        </p:nvCxnSpPr>
+        <p:spPr>
+          <a:xfrm>
+            <a:off x="6192269" y="2188259"/>
+            <a:ext cx="766676" cy="675481"/>
+          </a:xfrm>
+          <a:prstGeom prst="straightConnector1">
+            <a:avLst/>
+          </a:prstGeom>
+          <a:ln>
+            <a:headEnd type="arrow"/>
+            <a:tailEnd type="arrow"/>
+          </a:ln>
+        </p:spPr>
+        <p:style>
+          <a:lnRef idx="2">
+            <a:schemeClr val="dk1"/>
+          </a:lnRef>
+          <a:fillRef idx="0">
+            <a:schemeClr val="dk1"/>
+          </a:fillRef>
+          <a:effectRef idx="1">
+            <a:schemeClr val="dk1"/>
+          </a:effectRef>
+          <a:fontRef idx="minor">
+            <a:schemeClr val="tx1"/>
+          </a:fontRef>
+        </p:style>
+      </p:cxnSp>
+      <p:cxnSp>
+        <p:nvCxnSpPr>
+          <p:cNvPr id="54" name="Connecteur droit avec flèche 53"/>
+          <p:cNvCxnSpPr>
+            <a:stCxn id="23" idx="0"/>
+            <a:endCxn id="7" idx="5"/>
+          </p:cNvCxnSpPr>
+          <p:nvPr/>
+        </p:nvCxnSpPr>
+        <p:spPr>
+          <a:xfrm flipH="1" flipV="1">
+            <a:off x="4623746" y="896365"/>
+            <a:ext cx="1568523" cy="465704"/>
+          </a:xfrm>
+          <a:prstGeom prst="straightConnector1">
+            <a:avLst/>
+          </a:prstGeom>
+          <a:ln>
+            <a:headEnd type="arrow"/>
+            <a:tailEnd type="arrow"/>
+          </a:ln>
+        </p:spPr>
+        <p:style>
+          <a:lnRef idx="2">
+            <a:schemeClr val="dk1"/>
+          </a:lnRef>
+          <a:fillRef idx="0">
+            <a:schemeClr val="dk1"/>
+          </a:fillRef>
+          <a:effectRef idx="1">
+            <a:schemeClr val="dk1"/>
+          </a:effectRef>
+          <a:fontRef idx="minor">
+            <a:schemeClr val="tx1"/>
+          </a:fontRef>
+        </p:style>
+      </p:cxnSp>
+    </p:spTree>
+    <p:extLst>
+      <p:ext uri="{BB962C8B-B14F-4D97-AF65-F5344CB8AC3E}">
+        <p14:creationId xmlns:p14="http://schemas.microsoft.com/office/powerpoint/2010/main" val="1085324764"/>
+      </p:ext>
+    </p:extLst>
+  </p:cSld>
+  <p:clrMapOvr>
+    <a:masterClrMapping/>
+  </p:clrMapOvr>
+</p:sld>
+</file>
+
+<file path=ppt/slides/slide7.xml><?xml version="1.0" encoding="utf-8"?>
+<p:sld xmlns:a="http://schemas.openxmlformats.org/drawingml/2006/main" xmlns:r="http://schemas.openxmlformats.org/officeDocument/2006/relationships" xmlns:p="http://schemas.openxmlformats.org/presentationml/2006/main">
+  <p:cSld>
+    <p:spTree>
+      <p:nvGrpSpPr>
+        <p:cNvPr id="1" name=""/>
+        <p:cNvGrpSpPr/>
+        <p:nvPr/>
+      </p:nvGrpSpPr>
+      <p:grpSpPr>
+        <a:xfrm>
+          <a:off x="0" y="0"/>
+          <a:ext cx="0" cy="0"/>
+          <a:chOff x="0" y="0"/>
+          <a:chExt cx="0" cy="0"/>
+        </a:xfrm>
+      </p:grpSpPr>
+      <p:sp>
+        <p:nvSpPr>
+          <p:cNvPr id="2" name="Rectangle à coins arrondis 1"/>
+          <p:cNvSpPr/>
+          <p:nvPr/>
+        </p:nvSpPr>
+        <p:spPr>
+          <a:xfrm>
+            <a:off x="611560" y="764704"/>
+            <a:ext cx="4176464" cy="4824536"/>
+          </a:xfrm>
+          <a:prstGeom prst="roundRect">
+            <a:avLst/>
+          </a:prstGeom>
+        </p:spPr>
+        <p:style>
+          <a:lnRef idx="1">
+            <a:schemeClr val="dk1"/>
+          </a:lnRef>
+          <a:fillRef idx="2">
+            <a:schemeClr val="dk1"/>
+          </a:fillRef>
+          <a:effectRef idx="1">
+            <a:schemeClr val="dk1"/>
+          </a:effectRef>
+          <a:fontRef idx="minor">
+            <a:schemeClr val="dk1"/>
+          </a:fontRef>
+        </p:style>
+        <p:txBody>
+          <a:bodyPr vert="vert270" rtlCol="0" anchor="b" anchorCtr="1"/>
+          <a:lstStyle/>
+          <a:p>
+            <a:pPr algn="ctr"/>
+            <a:r>
+              <a:rPr lang="fr-FR" sz="2400" dirty="0" smtClean="0"/>
+              <a:t>Système</a:t>
+            </a:r>
+          </a:p>
+          <a:p>
+            <a:pPr algn="ctr"/>
+            <a:r>
+              <a:rPr lang="fr-FR" sz="2400" dirty="0" smtClean="0"/>
+              <a:t>d’Information</a:t>
+            </a:r>
+            <a:endParaRPr lang="fr-FR" sz="2400" dirty="0"/>
+          </a:p>
+        </p:txBody>
+      </p:sp>
+      <p:sp>
+        <p:nvSpPr>
+          <p:cNvPr id="3" name="Rectangle à coins arrondis 2"/>
+          <p:cNvSpPr/>
+          <p:nvPr/>
+        </p:nvSpPr>
+        <p:spPr>
+          <a:xfrm>
+            <a:off x="1152778" y="1143697"/>
+            <a:ext cx="1622559" cy="826190"/>
+          </a:xfrm>
+          <a:prstGeom prst="roundRect">
+            <a:avLst/>
+          </a:prstGeom>
+        </p:spPr>
+        <p:style>
+          <a:lnRef idx="2">
+            <a:schemeClr val="accent3">
+              <a:shade val="50000"/>
+            </a:schemeClr>
+          </a:lnRef>
+          <a:fillRef idx="1">
+            <a:schemeClr val="accent3"/>
+          </a:fillRef>
+          <a:effectRef idx="0">
+            <a:schemeClr val="accent3"/>
+          </a:effectRef>
+          <a:fontRef idx="minor">
+            <a:schemeClr val="lt1"/>
+          </a:fontRef>
+        </p:style>
+        <p:txBody>
+          <a:bodyPr rtlCol="0" anchor="ctr"/>
+          <a:lstStyle/>
+          <a:p>
+            <a:r>
+              <a:rPr lang="fr-FR" sz="2400" dirty="0" smtClean="0"/>
+              <a:t>Personnel</a:t>
+            </a:r>
+            <a:endParaRPr lang="fr-FR" sz="2400" dirty="0"/>
+          </a:p>
+        </p:txBody>
+      </p:sp>
+      <p:sp>
+        <p:nvSpPr>
+          <p:cNvPr id="4" name="Rectangle à coins arrondis 3"/>
+          <p:cNvSpPr/>
+          <p:nvPr/>
+        </p:nvSpPr>
+        <p:spPr>
+          <a:xfrm>
+            <a:off x="1152777" y="3176972"/>
+            <a:ext cx="1622559" cy="826190"/>
+          </a:xfrm>
+          <a:prstGeom prst="roundRect">
+            <a:avLst/>
+          </a:prstGeom>
+        </p:spPr>
+        <p:style>
+          <a:lnRef idx="2">
+            <a:schemeClr val="accent3">
+              <a:shade val="50000"/>
+            </a:schemeClr>
+          </a:lnRef>
+          <a:fillRef idx="1">
+            <a:schemeClr val="accent3"/>
+          </a:fillRef>
+          <a:effectRef idx="0">
+            <a:schemeClr val="accent3"/>
+          </a:effectRef>
+          <a:fontRef idx="minor">
+            <a:schemeClr val="lt1"/>
+          </a:fontRef>
+        </p:style>
+        <p:txBody>
+          <a:bodyPr rtlCol="0" anchor="ctr"/>
+          <a:lstStyle/>
+          <a:p>
+            <a:r>
+              <a:rPr lang="fr-FR" sz="2400" dirty="0" smtClean="0"/>
+              <a:t>Matériel</a:t>
+            </a:r>
+            <a:endParaRPr lang="fr-FR" sz="2400" dirty="0"/>
+          </a:p>
+        </p:txBody>
+      </p:sp>
+      <p:sp>
+        <p:nvSpPr>
+          <p:cNvPr id="5" name="Rectangle à coins arrondis 4"/>
+          <p:cNvSpPr/>
+          <p:nvPr/>
+        </p:nvSpPr>
+        <p:spPr>
+          <a:xfrm>
+            <a:off x="1152778" y="2153606"/>
+            <a:ext cx="1622559" cy="826190"/>
+          </a:xfrm>
+          <a:prstGeom prst="roundRect">
+            <a:avLst/>
+          </a:prstGeom>
+        </p:spPr>
+        <p:style>
+          <a:lnRef idx="2">
+            <a:schemeClr val="accent3">
+              <a:shade val="50000"/>
+            </a:schemeClr>
+          </a:lnRef>
+          <a:fillRef idx="1">
+            <a:schemeClr val="accent3"/>
+          </a:fillRef>
+          <a:effectRef idx="0">
+            <a:schemeClr val="accent3"/>
+          </a:effectRef>
+          <a:fontRef idx="minor">
+            <a:schemeClr val="lt1"/>
+          </a:fontRef>
+        </p:style>
+        <p:txBody>
+          <a:bodyPr rtlCol="0" anchor="ctr"/>
+          <a:lstStyle/>
+          <a:p>
+            <a:r>
+              <a:rPr lang="fr-FR" sz="2400" dirty="0" smtClean="0"/>
+              <a:t>Logiciel</a:t>
+            </a:r>
+            <a:endParaRPr lang="fr-FR" sz="2400" dirty="0"/>
+          </a:p>
+        </p:txBody>
+      </p:sp>
+      <p:sp>
+        <p:nvSpPr>
+          <p:cNvPr id="6" name="Rectangle à coins arrondis 5"/>
+          <p:cNvSpPr/>
+          <p:nvPr/>
+        </p:nvSpPr>
+        <p:spPr>
+          <a:xfrm>
+            <a:off x="1152778" y="4229981"/>
+            <a:ext cx="1622559" cy="826190"/>
+          </a:xfrm>
+          <a:prstGeom prst="roundRect">
+            <a:avLst/>
+          </a:prstGeom>
+        </p:spPr>
+        <p:style>
+          <a:lnRef idx="2">
+            <a:schemeClr val="accent3">
+              <a:shade val="50000"/>
+            </a:schemeClr>
+          </a:lnRef>
+          <a:fillRef idx="1">
+            <a:schemeClr val="accent3"/>
+          </a:fillRef>
+          <a:effectRef idx="0">
+            <a:schemeClr val="accent3"/>
+          </a:effectRef>
+          <a:fontRef idx="minor">
+            <a:schemeClr val="lt1"/>
+          </a:fontRef>
+        </p:style>
+        <p:txBody>
+          <a:bodyPr rtlCol="0" anchor="ctr"/>
+          <a:lstStyle/>
+          <a:p>
+            <a:r>
+              <a:rPr lang="fr-FR" sz="2400" dirty="0" smtClean="0"/>
+              <a:t>Données</a:t>
+            </a:r>
+            <a:endParaRPr lang="fr-FR" sz="2400" dirty="0"/>
+          </a:p>
+        </p:txBody>
+      </p:sp>
+      <p:cxnSp>
+        <p:nvCxnSpPr>
+          <p:cNvPr id="10" name="Connecteur droit avec flèche 9"/>
+          <p:cNvCxnSpPr/>
+          <p:nvPr/>
+        </p:nvCxnSpPr>
+        <p:spPr>
+          <a:xfrm>
+            <a:off x="4788024" y="1588150"/>
+            <a:ext cx="1008112" cy="0"/>
+          </a:xfrm>
+          <a:prstGeom prst="straightConnector1">
+            <a:avLst/>
+          </a:prstGeom>
+          <a:ln>
+            <a:tailEnd type="arrow"/>
+          </a:ln>
+        </p:spPr>
+        <p:style>
+          <a:lnRef idx="2">
+            <a:schemeClr val="dk1"/>
+          </a:lnRef>
+          <a:fillRef idx="0">
+            <a:schemeClr val="dk1"/>
+          </a:fillRef>
+          <a:effectRef idx="1">
+            <a:schemeClr val="dk1"/>
+          </a:effectRef>
+          <a:fontRef idx="minor">
+            <a:schemeClr val="tx1"/>
+          </a:fontRef>
+        </p:style>
+      </p:cxnSp>
+      <p:cxnSp>
+        <p:nvCxnSpPr>
+          <p:cNvPr id="13" name="Connecteur droit avec flèche 12"/>
+          <p:cNvCxnSpPr/>
+          <p:nvPr/>
+        </p:nvCxnSpPr>
+        <p:spPr>
+          <a:xfrm>
+            <a:off x="4788024" y="2492896"/>
+            <a:ext cx="1008112" cy="0"/>
+          </a:xfrm>
+          <a:prstGeom prst="straightConnector1">
+            <a:avLst/>
+          </a:prstGeom>
+          <a:ln>
+            <a:tailEnd type="arrow"/>
+          </a:ln>
+        </p:spPr>
+        <p:style>
+          <a:lnRef idx="2">
+            <a:schemeClr val="dk1"/>
+          </a:lnRef>
+          <a:fillRef idx="0">
+            <a:schemeClr val="dk1"/>
+          </a:fillRef>
+          <a:effectRef idx="1">
+            <a:schemeClr val="dk1"/>
+          </a:effectRef>
+          <a:fontRef idx="minor">
+            <a:schemeClr val="tx1"/>
+          </a:fontRef>
+        </p:style>
+      </p:cxnSp>
+      <p:cxnSp>
+        <p:nvCxnSpPr>
+          <p:cNvPr id="14" name="Connecteur droit avec flèche 13"/>
+          <p:cNvCxnSpPr/>
+          <p:nvPr/>
+        </p:nvCxnSpPr>
+        <p:spPr>
+          <a:xfrm>
+            <a:off x="4788024" y="3573016"/>
+            <a:ext cx="1008112" cy="0"/>
+          </a:xfrm>
+          <a:prstGeom prst="straightConnector1">
+            <a:avLst/>
+          </a:prstGeom>
+          <a:ln>
+            <a:tailEnd type="arrow"/>
+          </a:ln>
+        </p:spPr>
+        <p:style>
+          <a:lnRef idx="2">
+            <a:schemeClr val="dk1"/>
+          </a:lnRef>
+          <a:fillRef idx="0">
+            <a:schemeClr val="dk1"/>
+          </a:fillRef>
+          <a:effectRef idx="1">
+            <a:schemeClr val="dk1"/>
+          </a:effectRef>
+          <a:fontRef idx="minor">
+            <a:schemeClr val="tx1"/>
+          </a:fontRef>
+        </p:style>
+      </p:cxnSp>
+      <p:cxnSp>
+        <p:nvCxnSpPr>
+          <p:cNvPr id="15" name="Connecteur droit avec flèche 14"/>
+          <p:cNvCxnSpPr/>
+          <p:nvPr/>
+        </p:nvCxnSpPr>
+        <p:spPr>
+          <a:xfrm>
+            <a:off x="4788024" y="4581128"/>
+            <a:ext cx="1008112" cy="0"/>
+          </a:xfrm>
+          <a:prstGeom prst="straightConnector1">
+            <a:avLst/>
+          </a:prstGeom>
+          <a:ln>
+            <a:tailEnd type="arrow"/>
+          </a:ln>
+        </p:spPr>
+        <p:style>
+          <a:lnRef idx="2">
+            <a:schemeClr val="dk1"/>
+          </a:lnRef>
+          <a:fillRef idx="0">
+            <a:schemeClr val="dk1"/>
+          </a:fillRef>
+          <a:effectRef idx="1">
+            <a:schemeClr val="dk1"/>
+          </a:effectRef>
+          <a:fontRef idx="minor">
+            <a:schemeClr val="tx1"/>
+          </a:fontRef>
+        </p:style>
+      </p:cxnSp>
+      <p:sp>
+        <p:nvSpPr>
+          <p:cNvPr id="16" name="ZoneTexte 15"/>
+          <p:cNvSpPr txBox="1"/>
+          <p:nvPr/>
+        </p:nvSpPr>
+        <p:spPr>
+          <a:xfrm>
+            <a:off x="6084168" y="1403484"/>
+            <a:ext cx="1656184" cy="369332"/>
+          </a:xfrm>
+          <a:prstGeom prst="rect">
+            <a:avLst/>
+          </a:prstGeom>
+          <a:noFill/>
+        </p:spPr>
+        <p:txBody>
+          <a:bodyPr wrap="square" rtlCol="0">
+            <a:spAutoFit/>
+          </a:bodyPr>
+          <a:lstStyle/>
+          <a:p>
+            <a:r>
+              <a:rPr lang="fr-FR" dirty="0" smtClean="0"/>
+              <a:t>Collecter</a:t>
+            </a:r>
+            <a:endParaRPr lang="fr-FR" dirty="0"/>
+          </a:p>
+        </p:txBody>
+      </p:sp>
+      <p:sp>
+        <p:nvSpPr>
+          <p:cNvPr id="17" name="ZoneTexte 16"/>
+          <p:cNvSpPr txBox="1"/>
+          <p:nvPr/>
+        </p:nvSpPr>
+        <p:spPr>
+          <a:xfrm>
+            <a:off x="6084168" y="2308230"/>
+            <a:ext cx="1656184" cy="369332"/>
+          </a:xfrm>
+          <a:prstGeom prst="rect">
+            <a:avLst/>
+          </a:prstGeom>
+          <a:noFill/>
+        </p:spPr>
+        <p:txBody>
+          <a:bodyPr wrap="square" rtlCol="0">
+            <a:spAutoFit/>
+          </a:bodyPr>
+          <a:lstStyle/>
+          <a:p>
+            <a:r>
+              <a:rPr lang="fr-FR" dirty="0" smtClean="0"/>
+              <a:t>Transformer</a:t>
+            </a:r>
+            <a:endParaRPr lang="fr-FR" dirty="0"/>
+          </a:p>
+        </p:txBody>
+      </p:sp>
+      <p:sp>
+        <p:nvSpPr>
+          <p:cNvPr id="18" name="ZoneTexte 17"/>
+          <p:cNvSpPr txBox="1"/>
+          <p:nvPr/>
+        </p:nvSpPr>
+        <p:spPr>
+          <a:xfrm>
+            <a:off x="6084168" y="3347329"/>
+            <a:ext cx="1656184" cy="369332"/>
+          </a:xfrm>
+          <a:prstGeom prst="rect">
+            <a:avLst/>
+          </a:prstGeom>
+          <a:noFill/>
+        </p:spPr>
+        <p:txBody>
+          <a:bodyPr wrap="square" rtlCol="0">
+            <a:spAutoFit/>
+          </a:bodyPr>
+          <a:lstStyle/>
+          <a:p>
+            <a:r>
+              <a:rPr lang="fr-FR" dirty="0" smtClean="0"/>
+              <a:t>Conserver</a:t>
+            </a:r>
+            <a:endParaRPr lang="fr-FR" dirty="0"/>
+          </a:p>
+        </p:txBody>
+      </p:sp>
+      <p:sp>
+        <p:nvSpPr>
+          <p:cNvPr id="19" name="ZoneTexte 18"/>
+          <p:cNvSpPr txBox="1"/>
+          <p:nvPr/>
+        </p:nvSpPr>
+        <p:spPr>
+          <a:xfrm>
+            <a:off x="6084168" y="4396462"/>
+            <a:ext cx="1656184" cy="369332"/>
+          </a:xfrm>
+          <a:prstGeom prst="rect">
+            <a:avLst/>
+          </a:prstGeom>
+          <a:noFill/>
+        </p:spPr>
+        <p:txBody>
+          <a:bodyPr wrap="square" rtlCol="0">
+            <a:spAutoFit/>
+          </a:bodyPr>
+          <a:lstStyle/>
+          <a:p>
+            <a:r>
+              <a:rPr lang="fr-FR" dirty="0" smtClean="0"/>
+              <a:t>Diffuser</a:t>
+            </a:r>
+            <a:endParaRPr lang="fr-FR" dirty="0"/>
+          </a:p>
+        </p:txBody>
+      </p:sp>
+    </p:spTree>
+    <p:extLst>
+      <p:ext uri="{BB962C8B-B14F-4D97-AF65-F5344CB8AC3E}">
+        <p14:creationId xmlns:p14="http://schemas.microsoft.com/office/powerpoint/2010/main" val="643032167"/>
+      </p:ext>
+    </p:extLst>
+  </p:cSld>
+  <p:clrMapOvr>
+    <a:masterClrMapping/>
+  </p:clrMapOvr>
+</p:sld>
+</file>
+
+<file path=ppt/slides/slide8.xml><?xml version="1.0" encoding="utf-8"?>
+<p:sld xmlns:a="http://schemas.openxmlformats.org/drawingml/2006/main" xmlns:r="http://schemas.openxmlformats.org/officeDocument/2006/relationships" xmlns:p="http://schemas.openxmlformats.org/presentationml/2006/main">
+  <p:cSld>
+    <p:spTree>
+      <p:nvGrpSpPr>
+        <p:cNvPr id="1" name=""/>
+        <p:cNvGrpSpPr/>
+        <p:nvPr/>
+      </p:nvGrpSpPr>
+      <p:grpSpPr>
+        <a:xfrm>
+          <a:off x="0" y="0"/>
+          <a:ext cx="0" cy="0"/>
+          <a:chOff x="0" y="0"/>
+          <a:chExt cx="0" cy="0"/>
+        </a:xfrm>
+      </p:grpSpPr>
+      <p:sp>
+        <p:nvSpPr>
+          <p:cNvPr id="2" name="Ellipse 1"/>
+          <p:cNvSpPr/>
+          <p:nvPr/>
+        </p:nvSpPr>
+        <p:spPr>
+          <a:xfrm>
+            <a:off x="2195736" y="1412776"/>
+            <a:ext cx="4896544" cy="3816424"/>
+          </a:xfrm>
+          <a:prstGeom prst="ellipse">
+            <a:avLst/>
+          </a:prstGeom>
+        </p:spPr>
+        <p:style>
+          <a:lnRef idx="2">
+            <a:schemeClr val="accent1">
+              <a:shade val="50000"/>
+            </a:schemeClr>
+          </a:lnRef>
+          <a:fillRef idx="1">
+            <a:schemeClr val="accent1"/>
+          </a:fillRef>
+          <a:effectRef idx="0">
+            <a:schemeClr val="accent1"/>
+          </a:effectRef>
+          <a:fontRef idx="minor">
+            <a:schemeClr val="lt1"/>
+          </a:fontRef>
+        </p:style>
+        <p:txBody>
+          <a:bodyPr rtlCol="0" anchor="ctr"/>
+          <a:lstStyle/>
+          <a:p>
+            <a:pPr algn="ctr"/>
+            <a:r>
+              <a:rPr lang="fr-FR" sz="2400" dirty="0" smtClean="0"/>
+              <a:t>Use cases</a:t>
+            </a:r>
+            <a:endParaRPr lang="fr-FR" sz="2400" dirty="0"/>
+          </a:p>
+        </p:txBody>
+      </p:sp>
+      <p:sp>
+        <p:nvSpPr>
+          <p:cNvPr id="3" name="Rectangle à coins arrondis 2"/>
+          <p:cNvSpPr/>
+          <p:nvPr/>
+        </p:nvSpPr>
+        <p:spPr>
+          <a:xfrm>
+            <a:off x="1475656" y="1124744"/>
+            <a:ext cx="2304256" cy="1656184"/>
+          </a:xfrm>
+          <a:prstGeom prst="roundRect">
+            <a:avLst/>
+          </a:prstGeom>
+        </p:spPr>
+        <p:style>
+          <a:lnRef idx="2">
+            <a:schemeClr val="accent2"/>
+          </a:lnRef>
+          <a:fillRef idx="1">
+            <a:schemeClr val="lt1"/>
+          </a:fillRef>
+          <a:effectRef idx="0">
+            <a:schemeClr val="accent2"/>
+          </a:effectRef>
+          <a:fontRef idx="minor">
+            <a:schemeClr val="dk1"/>
+          </a:fontRef>
+        </p:style>
+        <p:txBody>
+          <a:bodyPr rtlCol="0" anchor="ctr"/>
+          <a:lstStyle/>
+          <a:p>
+            <a:pPr algn="ctr"/>
+            <a:r>
+              <a:rPr lang="fr-FR" dirty="0" smtClean="0"/>
+              <a:t>Vue logique</a:t>
+            </a:r>
+            <a:endParaRPr lang="fr-FR" dirty="0"/>
+          </a:p>
+        </p:txBody>
+      </p:sp>
+      <p:sp>
+        <p:nvSpPr>
+          <p:cNvPr id="4" name="Rectangle à coins arrondis 3"/>
+          <p:cNvSpPr/>
+          <p:nvPr/>
+        </p:nvSpPr>
+        <p:spPr>
+          <a:xfrm>
+            <a:off x="1475656" y="3789040"/>
+            <a:ext cx="2304256" cy="1656184"/>
+          </a:xfrm>
+          <a:prstGeom prst="roundRect">
+            <a:avLst/>
+          </a:prstGeom>
+        </p:spPr>
+        <p:style>
+          <a:lnRef idx="2">
+            <a:schemeClr val="accent3"/>
+          </a:lnRef>
+          <a:fillRef idx="1">
+            <a:schemeClr val="lt1"/>
+          </a:fillRef>
+          <a:effectRef idx="0">
+            <a:schemeClr val="accent3"/>
+          </a:effectRef>
+          <a:fontRef idx="minor">
+            <a:schemeClr val="dk1"/>
+          </a:fontRef>
+        </p:style>
+        <p:txBody>
+          <a:bodyPr rtlCol="0" anchor="ctr"/>
+          <a:lstStyle/>
+          <a:p>
+            <a:pPr algn="ctr"/>
+            <a:r>
+              <a:rPr lang="fr-FR" dirty="0" smtClean="0"/>
+              <a:t>Vue processus</a:t>
+            </a:r>
+            <a:endParaRPr lang="fr-FR" dirty="0"/>
+          </a:p>
+        </p:txBody>
+      </p:sp>
+      <p:sp>
+        <p:nvSpPr>
+          <p:cNvPr id="5" name="Rectangle à coins arrondis 4"/>
+          <p:cNvSpPr/>
+          <p:nvPr/>
+        </p:nvSpPr>
+        <p:spPr>
+          <a:xfrm>
+            <a:off x="5652120" y="3789040"/>
+            <a:ext cx="2304256" cy="1656184"/>
+          </a:xfrm>
+          <a:prstGeom prst="roundRect">
+            <a:avLst/>
+          </a:prstGeom>
+        </p:spPr>
+        <p:style>
+          <a:lnRef idx="2">
+            <a:schemeClr val="accent6"/>
+          </a:lnRef>
+          <a:fillRef idx="1">
+            <a:schemeClr val="lt1"/>
+          </a:fillRef>
+          <a:effectRef idx="0">
+            <a:schemeClr val="accent6"/>
+          </a:effectRef>
+          <a:fontRef idx="minor">
+            <a:schemeClr val="dk1"/>
+          </a:fontRef>
+        </p:style>
+        <p:txBody>
+          <a:bodyPr rtlCol="0" anchor="ctr"/>
+          <a:lstStyle/>
+          <a:p>
+            <a:pPr algn="ctr"/>
+            <a:r>
+              <a:rPr lang="fr-FR" dirty="0" smtClean="0"/>
+              <a:t>Vue déploiement</a:t>
+            </a:r>
+            <a:endParaRPr lang="fr-FR" dirty="0"/>
+          </a:p>
+        </p:txBody>
+      </p:sp>
+      <p:sp>
+        <p:nvSpPr>
+          <p:cNvPr id="6" name="Rectangle à coins arrondis 5"/>
+          <p:cNvSpPr/>
+          <p:nvPr/>
+        </p:nvSpPr>
+        <p:spPr>
+          <a:xfrm>
+            <a:off x="5652120" y="1124744"/>
+            <a:ext cx="2304256" cy="1656184"/>
+          </a:xfrm>
+          <a:prstGeom prst="roundRect">
+            <a:avLst/>
+          </a:prstGeom>
+        </p:spPr>
+        <p:style>
+          <a:lnRef idx="2">
+            <a:schemeClr val="dk1"/>
+          </a:lnRef>
+          <a:fillRef idx="1">
+            <a:schemeClr val="lt1"/>
+          </a:fillRef>
+          <a:effectRef idx="0">
+            <a:schemeClr val="dk1"/>
+          </a:effectRef>
+          <a:fontRef idx="minor">
+            <a:schemeClr val="dk1"/>
+          </a:fontRef>
+        </p:style>
+        <p:txBody>
+          <a:bodyPr rtlCol="0" anchor="ctr"/>
+          <a:lstStyle/>
+          <a:p>
+            <a:pPr algn="ctr"/>
+            <a:r>
+              <a:rPr lang="fr-FR" dirty="0" smtClean="0"/>
+              <a:t>Vue composants</a:t>
+            </a:r>
+            <a:endParaRPr lang="fr-FR" dirty="0"/>
+          </a:p>
+        </p:txBody>
+      </p:sp>
+    </p:spTree>
+    <p:extLst>
+      <p:ext uri="{BB962C8B-B14F-4D97-AF65-F5344CB8AC3E}">
+        <p14:creationId xmlns:p14="http://schemas.microsoft.com/office/powerpoint/2010/main" val="972004577"/>
       </p:ext>
     </p:extLst>
   </p:cSld>

--- a/cours/ensg-asi-2014/src/raws/img_gen.pptx
+++ b/cours/ensg-asi-2014/src/raws/img_gen.pptx
@@ -10,6 +10,9 @@
     <p:sldId id="258" r:id="rId4"/>
     <p:sldId id="259" r:id="rId5"/>
     <p:sldId id="260" r:id="rId6"/>
+    <p:sldId id="263" r:id="rId7"/>
+    <p:sldId id="261" r:id="rId8"/>
+    <p:sldId id="262" r:id="rId9"/>
   </p:sldIdLst>
   <p:sldSz cx="9144000" cy="6858000" type="screen4x3"/>
   <p:notesSz cx="6858000" cy="9144000"/>
@@ -292,7 +295,7 @@
           <a:p>
             <a:fld id="{B511EEBD-DB93-4DB6-9ADA-68547254FD74}" type="datetimeFigureOut">
               <a:rPr lang="fr-FR" smtClean="0"/>
-              <a:t>19/10/2014</a:t>
+              <a:t>20/10/2014</a:t>
             </a:fld>
             <a:endParaRPr lang="fr-FR"/>
           </a:p>
@@ -462,7 +465,7 @@
           <a:p>
             <a:fld id="{B511EEBD-DB93-4DB6-9ADA-68547254FD74}" type="datetimeFigureOut">
               <a:rPr lang="fr-FR" smtClean="0"/>
-              <a:t>19/10/2014</a:t>
+              <a:t>20/10/2014</a:t>
             </a:fld>
             <a:endParaRPr lang="fr-FR"/>
           </a:p>
@@ -642,7 +645,7 @@
           <a:p>
             <a:fld id="{B511EEBD-DB93-4DB6-9ADA-68547254FD74}" type="datetimeFigureOut">
               <a:rPr lang="fr-FR" smtClean="0"/>
-              <a:t>19/10/2014</a:t>
+              <a:t>20/10/2014</a:t>
             </a:fld>
             <a:endParaRPr lang="fr-FR"/>
           </a:p>
@@ -812,7 +815,7 @@
           <a:p>
             <a:fld id="{B511EEBD-DB93-4DB6-9ADA-68547254FD74}" type="datetimeFigureOut">
               <a:rPr lang="fr-FR" smtClean="0"/>
-              <a:t>19/10/2014</a:t>
+              <a:t>20/10/2014</a:t>
             </a:fld>
             <a:endParaRPr lang="fr-FR"/>
           </a:p>
@@ -1058,7 +1061,7 @@
           <a:p>
             <a:fld id="{B511EEBD-DB93-4DB6-9ADA-68547254FD74}" type="datetimeFigureOut">
               <a:rPr lang="fr-FR" smtClean="0"/>
-              <a:t>19/10/2014</a:t>
+              <a:t>20/10/2014</a:t>
             </a:fld>
             <a:endParaRPr lang="fr-FR"/>
           </a:p>
@@ -1346,7 +1349,7 @@
           <a:p>
             <a:fld id="{B511EEBD-DB93-4DB6-9ADA-68547254FD74}" type="datetimeFigureOut">
               <a:rPr lang="fr-FR" smtClean="0"/>
-              <a:t>19/10/2014</a:t>
+              <a:t>20/10/2014</a:t>
             </a:fld>
             <a:endParaRPr lang="fr-FR"/>
           </a:p>
@@ -1768,7 +1771,7 @@
           <a:p>
             <a:fld id="{B511EEBD-DB93-4DB6-9ADA-68547254FD74}" type="datetimeFigureOut">
               <a:rPr lang="fr-FR" smtClean="0"/>
-              <a:t>19/10/2014</a:t>
+              <a:t>20/10/2014</a:t>
             </a:fld>
             <a:endParaRPr lang="fr-FR"/>
           </a:p>
@@ -1886,7 +1889,7 @@
           <a:p>
             <a:fld id="{B511EEBD-DB93-4DB6-9ADA-68547254FD74}" type="datetimeFigureOut">
               <a:rPr lang="fr-FR" smtClean="0"/>
-              <a:t>19/10/2014</a:t>
+              <a:t>20/10/2014</a:t>
             </a:fld>
             <a:endParaRPr lang="fr-FR"/>
           </a:p>
@@ -1981,7 +1984,7 @@
           <a:p>
             <a:fld id="{B511EEBD-DB93-4DB6-9ADA-68547254FD74}" type="datetimeFigureOut">
               <a:rPr lang="fr-FR" smtClean="0"/>
-              <a:t>19/10/2014</a:t>
+              <a:t>20/10/2014</a:t>
             </a:fld>
             <a:endParaRPr lang="fr-FR"/>
           </a:p>
@@ -2258,7 +2261,7 @@
           <a:p>
             <a:fld id="{B511EEBD-DB93-4DB6-9ADA-68547254FD74}" type="datetimeFigureOut">
               <a:rPr lang="fr-FR" smtClean="0"/>
-              <a:t>19/10/2014</a:t>
+              <a:t>20/10/2014</a:t>
             </a:fld>
             <a:endParaRPr lang="fr-FR"/>
           </a:p>
@@ -2511,7 +2514,7 @@
           <a:p>
             <a:fld id="{B511EEBD-DB93-4DB6-9ADA-68547254FD74}" type="datetimeFigureOut">
               <a:rPr lang="fr-FR" smtClean="0"/>
-              <a:t>19/10/2014</a:t>
+              <a:t>20/10/2014</a:t>
             </a:fld>
             <a:endParaRPr lang="fr-FR"/>
           </a:p>
@@ -2724,7 +2727,7 @@
           <a:p>
             <a:fld id="{B511EEBD-DB93-4DB6-9ADA-68547254FD74}" type="datetimeFigureOut">
               <a:rPr lang="fr-FR" smtClean="0"/>
-              <a:t>19/10/2014</a:t>
+              <a:t>20/10/2014</a:t>
             </a:fld>
             <a:endParaRPr lang="fr-FR"/>
           </a:p>
@@ -3207,7 +3210,7 @@
             <a:pPr algn="ctr"/>
             <a:r>
               <a:rPr lang="fr-FR" sz="4000" dirty="0" smtClean="0"/>
-              <a:t>Client</a:t>
+              <a:t>Serveur</a:t>
             </a:r>
             <a:endParaRPr lang="fr-FR" sz="4000" dirty="0"/>
           </a:p>
@@ -3248,8 +3251,8 @@
           <a:p>
             <a:pPr algn="ctr"/>
             <a:r>
-              <a:rPr lang="fr-FR" sz="4000" dirty="0" smtClean="0"/>
-              <a:t>Serveur</a:t>
+              <a:rPr lang="fr-FR" sz="4000" dirty="0"/>
+              <a:t>Client</a:t>
             </a:r>
             <a:endParaRPr lang="fr-FR" sz="4000" dirty="0"/>
           </a:p>
@@ -5153,7 +5156,7 @@
           <a:p>
             <a:r>
               <a:rPr lang="fr-FR" sz="2400" dirty="0" smtClean="0"/>
-              <a:t>Accès aux donnée</a:t>
+              <a:t>Accès aux données</a:t>
             </a:r>
             <a:endParaRPr lang="fr-FR" sz="2400" dirty="0"/>
           </a:p>
@@ -5237,7 +5240,7 @@
             <a:pPr algn="ctr"/>
             <a:r>
               <a:rPr lang="fr-FR" dirty="0" smtClean="0"/>
-              <a:t>Donnée</a:t>
+              <a:t>Données</a:t>
             </a:r>
             <a:endParaRPr lang="fr-FR" dirty="0"/>
           </a:p>
@@ -5475,6 +5478,1614 @@
     <p:extLst>
       <p:ext uri="{BB962C8B-B14F-4D97-AF65-F5344CB8AC3E}">
         <p14:creationId xmlns:p14="http://schemas.microsoft.com/office/powerpoint/2010/main" val="526575183"/>
+      </p:ext>
+    </p:extLst>
+  </p:cSld>
+  <p:clrMapOvr>
+    <a:masterClrMapping/>
+  </p:clrMapOvr>
+</p:sld>
+</file>
+
+<file path=ppt/slides/slide6.xml><?xml version="1.0" encoding="utf-8"?>
+<p:sld xmlns:a="http://schemas.openxmlformats.org/drawingml/2006/main" xmlns:r="http://schemas.openxmlformats.org/officeDocument/2006/relationships" xmlns:p="http://schemas.openxmlformats.org/presentationml/2006/main">
+  <p:cSld>
+    <p:spTree>
+      <p:nvGrpSpPr>
+        <p:cNvPr id="1" name=""/>
+        <p:cNvGrpSpPr/>
+        <p:nvPr/>
+      </p:nvGrpSpPr>
+      <p:grpSpPr>
+        <a:xfrm>
+          <a:off x="0" y="0"/>
+          <a:ext cx="0" cy="0"/>
+          <a:chOff x="0" y="0"/>
+          <a:chExt cx="0" cy="0"/>
+        </a:xfrm>
+      </p:grpSpPr>
+      <p:sp>
+        <p:nvSpPr>
+          <p:cNvPr id="2" name="Rectangle à coins arrondis 1"/>
+          <p:cNvSpPr/>
+          <p:nvPr/>
+        </p:nvSpPr>
+        <p:spPr>
+          <a:xfrm>
+            <a:off x="935596" y="1362069"/>
+            <a:ext cx="2808312" cy="826190"/>
+          </a:xfrm>
+          <a:prstGeom prst="roundRect">
+            <a:avLst/>
+          </a:prstGeom>
+        </p:spPr>
+        <p:style>
+          <a:lnRef idx="2">
+            <a:schemeClr val="accent3">
+              <a:shade val="50000"/>
+            </a:schemeClr>
+          </a:lnRef>
+          <a:fillRef idx="1">
+            <a:schemeClr val="accent3"/>
+          </a:fillRef>
+          <a:effectRef idx="0">
+            <a:schemeClr val="accent3"/>
+          </a:effectRef>
+          <a:fontRef idx="minor">
+            <a:schemeClr val="lt1"/>
+          </a:fontRef>
+        </p:style>
+        <p:txBody>
+          <a:bodyPr rtlCol="0" anchor="ctr"/>
+          <a:lstStyle/>
+          <a:p>
+            <a:pPr algn="ctr"/>
+            <a:r>
+              <a:rPr lang="fr-FR" sz="2400" dirty="0" smtClean="0"/>
+              <a:t>Présentation 1</a:t>
+            </a:r>
+            <a:endParaRPr lang="fr-FR" sz="2400" dirty="0"/>
+          </a:p>
+        </p:txBody>
+      </p:sp>
+      <p:sp>
+        <p:nvSpPr>
+          <p:cNvPr id="5" name="Rectangle à coins arrondis 4"/>
+          <p:cNvSpPr/>
+          <p:nvPr/>
+        </p:nvSpPr>
+        <p:spPr>
+          <a:xfrm>
+            <a:off x="645439" y="2829282"/>
+            <a:ext cx="1694313" cy="826190"/>
+          </a:xfrm>
+          <a:prstGeom prst="roundRect">
+            <a:avLst/>
+          </a:prstGeom>
+        </p:spPr>
+        <p:style>
+          <a:lnRef idx="2">
+            <a:schemeClr val="accent1">
+              <a:shade val="50000"/>
+            </a:schemeClr>
+          </a:lnRef>
+          <a:fillRef idx="1">
+            <a:schemeClr val="accent1"/>
+          </a:fillRef>
+          <a:effectRef idx="0">
+            <a:schemeClr val="accent1"/>
+          </a:effectRef>
+          <a:fontRef idx="minor">
+            <a:schemeClr val="lt1"/>
+          </a:fontRef>
+        </p:style>
+        <p:txBody>
+          <a:bodyPr rtlCol="0" anchor="ctr"/>
+          <a:lstStyle/>
+          <a:p>
+            <a:pPr algn="ctr"/>
+            <a:r>
+              <a:rPr lang="fr-FR" sz="2400" dirty="0" smtClean="0"/>
+              <a:t>Métier  1</a:t>
+            </a:r>
+            <a:endParaRPr lang="fr-FR" sz="2400" dirty="0"/>
+          </a:p>
+        </p:txBody>
+      </p:sp>
+      <p:sp>
+        <p:nvSpPr>
+          <p:cNvPr id="6" name="Rectangle à coins arrondis 5"/>
+          <p:cNvSpPr/>
+          <p:nvPr/>
+        </p:nvSpPr>
+        <p:spPr>
+          <a:xfrm>
+            <a:off x="1619672" y="4445318"/>
+            <a:ext cx="2952328" cy="826190"/>
+          </a:xfrm>
+          <a:prstGeom prst="roundRect">
+            <a:avLst/>
+          </a:prstGeom>
+        </p:spPr>
+        <p:style>
+          <a:lnRef idx="2">
+            <a:schemeClr val="accent2">
+              <a:shade val="50000"/>
+            </a:schemeClr>
+          </a:lnRef>
+          <a:fillRef idx="1">
+            <a:schemeClr val="accent2"/>
+          </a:fillRef>
+          <a:effectRef idx="0">
+            <a:schemeClr val="accent2"/>
+          </a:effectRef>
+          <a:fontRef idx="minor">
+            <a:schemeClr val="lt1"/>
+          </a:fontRef>
+        </p:style>
+        <p:txBody>
+          <a:bodyPr rtlCol="0" anchor="ctr"/>
+          <a:lstStyle/>
+          <a:p>
+            <a:r>
+              <a:rPr lang="fr-FR" sz="2400" dirty="0" smtClean="0"/>
+              <a:t>Accès aux données 1</a:t>
+            </a:r>
+            <a:endParaRPr lang="fr-FR" sz="2400" dirty="0"/>
+          </a:p>
+        </p:txBody>
+      </p:sp>
+      <p:sp>
+        <p:nvSpPr>
+          <p:cNvPr id="7" name="Émoticône 6"/>
+          <p:cNvSpPr/>
+          <p:nvPr/>
+        </p:nvSpPr>
+        <p:spPr>
+          <a:xfrm>
+            <a:off x="4085959" y="404664"/>
+            <a:ext cx="630057" cy="576064"/>
+          </a:xfrm>
+          <a:prstGeom prst="smileyFace">
+            <a:avLst/>
+          </a:prstGeom>
+        </p:spPr>
+        <p:style>
+          <a:lnRef idx="2">
+            <a:schemeClr val="accent3">
+              <a:shade val="50000"/>
+            </a:schemeClr>
+          </a:lnRef>
+          <a:fillRef idx="1">
+            <a:schemeClr val="accent3"/>
+          </a:fillRef>
+          <a:effectRef idx="0">
+            <a:schemeClr val="accent3"/>
+          </a:effectRef>
+          <a:fontRef idx="minor">
+            <a:schemeClr val="lt1"/>
+          </a:fontRef>
+        </p:style>
+        <p:txBody>
+          <a:bodyPr rtlCol="0" anchor="ctr"/>
+          <a:lstStyle/>
+          <a:p>
+            <a:pPr algn="ctr"/>
+            <a:endParaRPr lang="fr-FR"/>
+          </a:p>
+        </p:txBody>
+      </p:sp>
+      <p:sp>
+        <p:nvSpPr>
+          <p:cNvPr id="8" name="Cylindre 7"/>
+          <p:cNvSpPr/>
+          <p:nvPr/>
+        </p:nvSpPr>
+        <p:spPr>
+          <a:xfrm>
+            <a:off x="2555776" y="5661248"/>
+            <a:ext cx="1080120" cy="936104"/>
+          </a:xfrm>
+          <a:prstGeom prst="can">
+            <a:avLst/>
+          </a:prstGeom>
+        </p:spPr>
+        <p:style>
+          <a:lnRef idx="2">
+            <a:schemeClr val="accent6">
+              <a:shade val="50000"/>
+            </a:schemeClr>
+          </a:lnRef>
+          <a:fillRef idx="1">
+            <a:schemeClr val="accent6"/>
+          </a:fillRef>
+          <a:effectRef idx="0">
+            <a:schemeClr val="accent6"/>
+          </a:effectRef>
+          <a:fontRef idx="minor">
+            <a:schemeClr val="lt1"/>
+          </a:fontRef>
+        </p:style>
+        <p:txBody>
+          <a:bodyPr rtlCol="0" anchor="ctr"/>
+          <a:lstStyle/>
+          <a:p>
+            <a:pPr algn="ctr"/>
+            <a:endParaRPr lang="fr-FR" dirty="0"/>
+          </a:p>
+        </p:txBody>
+      </p:sp>
+      <p:cxnSp>
+        <p:nvCxnSpPr>
+          <p:cNvPr id="12" name="Connecteur droit avec flèche 11"/>
+          <p:cNvCxnSpPr>
+            <a:stCxn id="7" idx="3"/>
+            <a:endCxn id="2" idx="0"/>
+          </p:cNvCxnSpPr>
+          <p:nvPr/>
+        </p:nvCxnSpPr>
+        <p:spPr>
+          <a:xfrm flipH="1">
+            <a:off x="2339752" y="896365"/>
+            <a:ext cx="1838477" cy="465704"/>
+          </a:xfrm>
+          <a:prstGeom prst="straightConnector1">
+            <a:avLst/>
+          </a:prstGeom>
+          <a:ln>
+            <a:headEnd type="arrow"/>
+            <a:tailEnd type="arrow"/>
+          </a:ln>
+        </p:spPr>
+        <p:style>
+          <a:lnRef idx="2">
+            <a:schemeClr val="dk1"/>
+          </a:lnRef>
+          <a:fillRef idx="0">
+            <a:schemeClr val="dk1"/>
+          </a:fillRef>
+          <a:effectRef idx="1">
+            <a:schemeClr val="dk1"/>
+          </a:effectRef>
+          <a:fontRef idx="minor">
+            <a:schemeClr val="tx1"/>
+          </a:fontRef>
+        </p:style>
+      </p:cxnSp>
+      <p:cxnSp>
+        <p:nvCxnSpPr>
+          <p:cNvPr id="13" name="Connecteur droit avec flèche 12"/>
+          <p:cNvCxnSpPr>
+            <a:stCxn id="2" idx="2"/>
+            <a:endCxn id="5" idx="0"/>
+          </p:cNvCxnSpPr>
+          <p:nvPr/>
+        </p:nvCxnSpPr>
+        <p:spPr>
+          <a:xfrm flipH="1">
+            <a:off x="1492596" y="2188259"/>
+            <a:ext cx="847156" cy="641023"/>
+          </a:xfrm>
+          <a:prstGeom prst="straightConnector1">
+            <a:avLst/>
+          </a:prstGeom>
+          <a:ln>
+            <a:headEnd type="arrow"/>
+            <a:tailEnd type="arrow"/>
+          </a:ln>
+        </p:spPr>
+        <p:style>
+          <a:lnRef idx="2">
+            <a:schemeClr val="dk1"/>
+          </a:lnRef>
+          <a:fillRef idx="0">
+            <a:schemeClr val="dk1"/>
+          </a:fillRef>
+          <a:effectRef idx="1">
+            <a:schemeClr val="dk1"/>
+          </a:effectRef>
+          <a:fontRef idx="minor">
+            <a:schemeClr val="tx1"/>
+          </a:fontRef>
+        </p:style>
+      </p:cxnSp>
+      <p:cxnSp>
+        <p:nvCxnSpPr>
+          <p:cNvPr id="16" name="Connecteur droit avec flèche 15"/>
+          <p:cNvCxnSpPr>
+            <a:stCxn id="5" idx="2"/>
+            <a:endCxn id="6" idx="0"/>
+          </p:cNvCxnSpPr>
+          <p:nvPr/>
+        </p:nvCxnSpPr>
+        <p:spPr>
+          <a:xfrm>
+            <a:off x="1492596" y="3655472"/>
+            <a:ext cx="1603240" cy="789846"/>
+          </a:xfrm>
+          <a:prstGeom prst="straightConnector1">
+            <a:avLst/>
+          </a:prstGeom>
+          <a:ln>
+            <a:headEnd type="arrow"/>
+            <a:tailEnd type="arrow"/>
+          </a:ln>
+        </p:spPr>
+        <p:style>
+          <a:lnRef idx="2">
+            <a:schemeClr val="dk1"/>
+          </a:lnRef>
+          <a:fillRef idx="0">
+            <a:schemeClr val="dk1"/>
+          </a:fillRef>
+          <a:effectRef idx="1">
+            <a:schemeClr val="dk1"/>
+          </a:effectRef>
+          <a:fontRef idx="minor">
+            <a:schemeClr val="tx1"/>
+          </a:fontRef>
+        </p:style>
+      </p:cxnSp>
+      <p:cxnSp>
+        <p:nvCxnSpPr>
+          <p:cNvPr id="19" name="Connecteur droit avec flèche 18"/>
+          <p:cNvCxnSpPr>
+            <a:stCxn id="6" idx="2"/>
+            <a:endCxn id="8" idx="1"/>
+          </p:cNvCxnSpPr>
+          <p:nvPr/>
+        </p:nvCxnSpPr>
+        <p:spPr>
+          <a:xfrm>
+            <a:off x="3095836" y="5271508"/>
+            <a:ext cx="0" cy="389740"/>
+          </a:xfrm>
+          <a:prstGeom prst="straightConnector1">
+            <a:avLst/>
+          </a:prstGeom>
+          <a:ln>
+            <a:headEnd type="arrow"/>
+            <a:tailEnd type="arrow"/>
+          </a:ln>
+        </p:spPr>
+        <p:style>
+          <a:lnRef idx="2">
+            <a:schemeClr val="dk1"/>
+          </a:lnRef>
+          <a:fillRef idx="0">
+            <a:schemeClr val="dk1"/>
+          </a:fillRef>
+          <a:effectRef idx="1">
+            <a:schemeClr val="dk1"/>
+          </a:effectRef>
+          <a:fontRef idx="minor">
+            <a:schemeClr val="tx1"/>
+          </a:fontRef>
+        </p:style>
+      </p:cxnSp>
+      <p:sp>
+        <p:nvSpPr>
+          <p:cNvPr id="22" name="Rectangle à coins arrondis 21"/>
+          <p:cNvSpPr/>
+          <p:nvPr/>
+        </p:nvSpPr>
+        <p:spPr>
+          <a:xfrm>
+            <a:off x="3436811" y="2863740"/>
+            <a:ext cx="1694313" cy="826190"/>
+          </a:xfrm>
+          <a:prstGeom prst="roundRect">
+            <a:avLst/>
+          </a:prstGeom>
+        </p:spPr>
+        <p:style>
+          <a:lnRef idx="2">
+            <a:schemeClr val="accent1">
+              <a:shade val="50000"/>
+            </a:schemeClr>
+          </a:lnRef>
+          <a:fillRef idx="1">
+            <a:schemeClr val="accent1"/>
+          </a:fillRef>
+          <a:effectRef idx="0">
+            <a:schemeClr val="accent1"/>
+          </a:effectRef>
+          <a:fontRef idx="minor">
+            <a:schemeClr val="lt1"/>
+          </a:fontRef>
+        </p:style>
+        <p:txBody>
+          <a:bodyPr rtlCol="0" anchor="ctr"/>
+          <a:lstStyle/>
+          <a:p>
+            <a:pPr algn="ctr"/>
+            <a:r>
+              <a:rPr lang="fr-FR" sz="2400" dirty="0" smtClean="0"/>
+              <a:t>Métier 2</a:t>
+            </a:r>
+            <a:endParaRPr lang="fr-FR" sz="2400" dirty="0"/>
+          </a:p>
+        </p:txBody>
+      </p:sp>
+      <p:sp>
+        <p:nvSpPr>
+          <p:cNvPr id="23" name="Rectangle à coins arrondis 22"/>
+          <p:cNvSpPr/>
+          <p:nvPr/>
+        </p:nvSpPr>
+        <p:spPr>
+          <a:xfrm>
+            <a:off x="4788113" y="1362069"/>
+            <a:ext cx="2808312" cy="826190"/>
+          </a:xfrm>
+          <a:prstGeom prst="roundRect">
+            <a:avLst/>
+          </a:prstGeom>
+        </p:spPr>
+        <p:style>
+          <a:lnRef idx="2">
+            <a:schemeClr val="accent3">
+              <a:shade val="50000"/>
+            </a:schemeClr>
+          </a:lnRef>
+          <a:fillRef idx="1">
+            <a:schemeClr val="accent3"/>
+          </a:fillRef>
+          <a:effectRef idx="0">
+            <a:schemeClr val="accent3"/>
+          </a:effectRef>
+          <a:fontRef idx="minor">
+            <a:schemeClr val="lt1"/>
+          </a:fontRef>
+        </p:style>
+        <p:txBody>
+          <a:bodyPr rtlCol="0" anchor="ctr"/>
+          <a:lstStyle/>
+          <a:p>
+            <a:pPr algn="ctr"/>
+            <a:r>
+              <a:rPr lang="fr-FR" sz="2400" dirty="0" smtClean="0"/>
+              <a:t>Présentation 2</a:t>
+            </a:r>
+            <a:endParaRPr lang="fr-FR" sz="2400" dirty="0"/>
+          </a:p>
+        </p:txBody>
+      </p:sp>
+      <p:sp>
+        <p:nvSpPr>
+          <p:cNvPr id="24" name="Rectangle à coins arrondis 23"/>
+          <p:cNvSpPr/>
+          <p:nvPr/>
+        </p:nvSpPr>
+        <p:spPr>
+          <a:xfrm>
+            <a:off x="6111788" y="2863740"/>
+            <a:ext cx="1694313" cy="826190"/>
+          </a:xfrm>
+          <a:prstGeom prst="roundRect">
+            <a:avLst/>
+          </a:prstGeom>
+        </p:spPr>
+        <p:style>
+          <a:lnRef idx="2">
+            <a:schemeClr val="accent1">
+              <a:shade val="50000"/>
+            </a:schemeClr>
+          </a:lnRef>
+          <a:fillRef idx="1">
+            <a:schemeClr val="accent1"/>
+          </a:fillRef>
+          <a:effectRef idx="0">
+            <a:schemeClr val="accent1"/>
+          </a:effectRef>
+          <a:fontRef idx="minor">
+            <a:schemeClr val="lt1"/>
+          </a:fontRef>
+        </p:style>
+        <p:txBody>
+          <a:bodyPr rtlCol="0" anchor="ctr"/>
+          <a:lstStyle/>
+          <a:p>
+            <a:pPr algn="ctr"/>
+            <a:r>
+              <a:rPr lang="fr-FR" sz="2400" dirty="0" smtClean="0"/>
+              <a:t>Métier 3</a:t>
+            </a:r>
+            <a:endParaRPr lang="fr-FR" sz="2400" dirty="0"/>
+          </a:p>
+        </p:txBody>
+      </p:sp>
+      <p:sp>
+        <p:nvSpPr>
+          <p:cNvPr id="32" name="Rectangle à coins arrondis 31"/>
+          <p:cNvSpPr/>
+          <p:nvPr/>
+        </p:nvSpPr>
+        <p:spPr>
+          <a:xfrm>
+            <a:off x="4853773" y="4446062"/>
+            <a:ext cx="2952328" cy="826190"/>
+          </a:xfrm>
+          <a:prstGeom prst="roundRect">
+            <a:avLst/>
+          </a:prstGeom>
+        </p:spPr>
+        <p:style>
+          <a:lnRef idx="2">
+            <a:schemeClr val="accent2">
+              <a:shade val="50000"/>
+            </a:schemeClr>
+          </a:lnRef>
+          <a:fillRef idx="1">
+            <a:schemeClr val="accent2"/>
+          </a:fillRef>
+          <a:effectRef idx="0">
+            <a:schemeClr val="accent2"/>
+          </a:effectRef>
+          <a:fontRef idx="minor">
+            <a:schemeClr val="lt1"/>
+          </a:fontRef>
+        </p:style>
+        <p:txBody>
+          <a:bodyPr rtlCol="0" anchor="ctr"/>
+          <a:lstStyle/>
+          <a:p>
+            <a:r>
+              <a:rPr lang="fr-FR" sz="2400" dirty="0" smtClean="0"/>
+              <a:t>Accès aux données 2</a:t>
+            </a:r>
+            <a:endParaRPr lang="fr-FR" sz="2400" dirty="0"/>
+          </a:p>
+        </p:txBody>
+      </p:sp>
+      <p:sp>
+        <p:nvSpPr>
+          <p:cNvPr id="33" name="Cylindre 32"/>
+          <p:cNvSpPr/>
+          <p:nvPr/>
+        </p:nvSpPr>
+        <p:spPr>
+          <a:xfrm>
+            <a:off x="5796136" y="5661248"/>
+            <a:ext cx="1080120" cy="936104"/>
+          </a:xfrm>
+          <a:prstGeom prst="can">
+            <a:avLst/>
+          </a:prstGeom>
+        </p:spPr>
+        <p:style>
+          <a:lnRef idx="2">
+            <a:schemeClr val="accent6">
+              <a:shade val="50000"/>
+            </a:schemeClr>
+          </a:lnRef>
+          <a:fillRef idx="1">
+            <a:schemeClr val="accent6"/>
+          </a:fillRef>
+          <a:effectRef idx="0">
+            <a:schemeClr val="accent6"/>
+          </a:effectRef>
+          <a:fontRef idx="minor">
+            <a:schemeClr val="lt1"/>
+          </a:fontRef>
+        </p:style>
+        <p:txBody>
+          <a:bodyPr rtlCol="0" anchor="ctr"/>
+          <a:lstStyle/>
+          <a:p>
+            <a:pPr algn="ctr"/>
+            <a:endParaRPr lang="fr-FR" dirty="0"/>
+          </a:p>
+        </p:txBody>
+      </p:sp>
+      <p:cxnSp>
+        <p:nvCxnSpPr>
+          <p:cNvPr id="34" name="Connecteur droit avec flèche 33"/>
+          <p:cNvCxnSpPr>
+            <a:stCxn id="32" idx="2"/>
+            <a:endCxn id="33" idx="1"/>
+          </p:cNvCxnSpPr>
+          <p:nvPr/>
+        </p:nvCxnSpPr>
+        <p:spPr>
+          <a:xfrm>
+            <a:off x="6329937" y="5272252"/>
+            <a:ext cx="6259" cy="388996"/>
+          </a:xfrm>
+          <a:prstGeom prst="straightConnector1">
+            <a:avLst/>
+          </a:prstGeom>
+          <a:ln>
+            <a:headEnd type="arrow"/>
+            <a:tailEnd type="arrow"/>
+          </a:ln>
+        </p:spPr>
+        <p:style>
+          <a:lnRef idx="2">
+            <a:schemeClr val="dk1"/>
+          </a:lnRef>
+          <a:fillRef idx="0">
+            <a:schemeClr val="dk1"/>
+          </a:fillRef>
+          <a:effectRef idx="1">
+            <a:schemeClr val="dk1"/>
+          </a:effectRef>
+          <a:fontRef idx="minor">
+            <a:schemeClr val="tx1"/>
+          </a:fontRef>
+        </p:style>
+      </p:cxnSp>
+      <p:cxnSp>
+        <p:nvCxnSpPr>
+          <p:cNvPr id="35" name="Connecteur droit avec flèche 34"/>
+          <p:cNvCxnSpPr>
+            <a:stCxn id="22" idx="2"/>
+            <a:endCxn id="32" idx="0"/>
+          </p:cNvCxnSpPr>
+          <p:nvPr/>
+        </p:nvCxnSpPr>
+        <p:spPr>
+          <a:xfrm>
+            <a:off x="4283968" y="3689930"/>
+            <a:ext cx="2045969" cy="756132"/>
+          </a:xfrm>
+          <a:prstGeom prst="straightConnector1">
+            <a:avLst/>
+          </a:prstGeom>
+          <a:ln>
+            <a:headEnd type="arrow"/>
+            <a:tailEnd type="arrow"/>
+          </a:ln>
+        </p:spPr>
+        <p:style>
+          <a:lnRef idx="2">
+            <a:schemeClr val="dk1"/>
+          </a:lnRef>
+          <a:fillRef idx="0">
+            <a:schemeClr val="dk1"/>
+          </a:fillRef>
+          <a:effectRef idx="1">
+            <a:schemeClr val="dk1"/>
+          </a:effectRef>
+          <a:fontRef idx="minor">
+            <a:schemeClr val="tx1"/>
+          </a:fontRef>
+        </p:style>
+      </p:cxnSp>
+      <p:cxnSp>
+        <p:nvCxnSpPr>
+          <p:cNvPr id="41" name="Connecteur droit avec flèche 40"/>
+          <p:cNvCxnSpPr>
+            <a:stCxn id="24" idx="2"/>
+            <a:endCxn id="32" idx="0"/>
+          </p:cNvCxnSpPr>
+          <p:nvPr/>
+        </p:nvCxnSpPr>
+        <p:spPr>
+          <a:xfrm flipH="1">
+            <a:off x="6329937" y="3689930"/>
+            <a:ext cx="629008" cy="756132"/>
+          </a:xfrm>
+          <a:prstGeom prst="straightConnector1">
+            <a:avLst/>
+          </a:prstGeom>
+          <a:ln>
+            <a:headEnd type="arrow"/>
+            <a:tailEnd type="arrow"/>
+          </a:ln>
+        </p:spPr>
+        <p:style>
+          <a:lnRef idx="2">
+            <a:schemeClr val="dk1"/>
+          </a:lnRef>
+          <a:fillRef idx="0">
+            <a:schemeClr val="dk1"/>
+          </a:fillRef>
+          <a:effectRef idx="1">
+            <a:schemeClr val="dk1"/>
+          </a:effectRef>
+          <a:fontRef idx="minor">
+            <a:schemeClr val="tx1"/>
+          </a:fontRef>
+        </p:style>
+      </p:cxnSp>
+      <p:cxnSp>
+        <p:nvCxnSpPr>
+          <p:cNvPr id="45" name="Connecteur droit avec flèche 44"/>
+          <p:cNvCxnSpPr>
+            <a:stCxn id="2" idx="2"/>
+            <a:endCxn id="22" idx="0"/>
+          </p:cNvCxnSpPr>
+          <p:nvPr/>
+        </p:nvCxnSpPr>
+        <p:spPr>
+          <a:xfrm>
+            <a:off x="2339752" y="2188259"/>
+            <a:ext cx="1944216" cy="675481"/>
+          </a:xfrm>
+          <a:prstGeom prst="straightConnector1">
+            <a:avLst/>
+          </a:prstGeom>
+          <a:ln>
+            <a:headEnd type="arrow"/>
+            <a:tailEnd type="arrow"/>
+          </a:ln>
+        </p:spPr>
+        <p:style>
+          <a:lnRef idx="2">
+            <a:schemeClr val="dk1"/>
+          </a:lnRef>
+          <a:fillRef idx="0">
+            <a:schemeClr val="dk1"/>
+          </a:fillRef>
+          <a:effectRef idx="1">
+            <a:schemeClr val="dk1"/>
+          </a:effectRef>
+          <a:fontRef idx="minor">
+            <a:schemeClr val="tx1"/>
+          </a:fontRef>
+        </p:style>
+      </p:cxnSp>
+      <p:cxnSp>
+        <p:nvCxnSpPr>
+          <p:cNvPr id="48" name="Connecteur droit avec flèche 47"/>
+          <p:cNvCxnSpPr>
+            <a:stCxn id="22" idx="2"/>
+            <a:endCxn id="6" idx="0"/>
+          </p:cNvCxnSpPr>
+          <p:nvPr/>
+        </p:nvCxnSpPr>
+        <p:spPr>
+          <a:xfrm flipH="1">
+            <a:off x="3095836" y="3689930"/>
+            <a:ext cx="1188132" cy="755388"/>
+          </a:xfrm>
+          <a:prstGeom prst="straightConnector1">
+            <a:avLst/>
+          </a:prstGeom>
+          <a:ln>
+            <a:headEnd type="arrow"/>
+            <a:tailEnd type="arrow"/>
+          </a:ln>
+        </p:spPr>
+        <p:style>
+          <a:lnRef idx="2">
+            <a:schemeClr val="dk1"/>
+          </a:lnRef>
+          <a:fillRef idx="0">
+            <a:schemeClr val="dk1"/>
+          </a:fillRef>
+          <a:effectRef idx="1">
+            <a:schemeClr val="dk1"/>
+          </a:effectRef>
+          <a:fontRef idx="minor">
+            <a:schemeClr val="tx1"/>
+          </a:fontRef>
+        </p:style>
+      </p:cxnSp>
+      <p:cxnSp>
+        <p:nvCxnSpPr>
+          <p:cNvPr id="51" name="Connecteur droit avec flèche 50"/>
+          <p:cNvCxnSpPr>
+            <a:stCxn id="23" idx="2"/>
+            <a:endCxn id="24" idx="0"/>
+          </p:cNvCxnSpPr>
+          <p:nvPr/>
+        </p:nvCxnSpPr>
+        <p:spPr>
+          <a:xfrm>
+            <a:off x="6192269" y="2188259"/>
+            <a:ext cx="766676" cy="675481"/>
+          </a:xfrm>
+          <a:prstGeom prst="straightConnector1">
+            <a:avLst/>
+          </a:prstGeom>
+          <a:ln>
+            <a:headEnd type="arrow"/>
+            <a:tailEnd type="arrow"/>
+          </a:ln>
+        </p:spPr>
+        <p:style>
+          <a:lnRef idx="2">
+            <a:schemeClr val="dk1"/>
+          </a:lnRef>
+          <a:fillRef idx="0">
+            <a:schemeClr val="dk1"/>
+          </a:fillRef>
+          <a:effectRef idx="1">
+            <a:schemeClr val="dk1"/>
+          </a:effectRef>
+          <a:fontRef idx="minor">
+            <a:schemeClr val="tx1"/>
+          </a:fontRef>
+        </p:style>
+      </p:cxnSp>
+      <p:cxnSp>
+        <p:nvCxnSpPr>
+          <p:cNvPr id="54" name="Connecteur droit avec flèche 53"/>
+          <p:cNvCxnSpPr>
+            <a:stCxn id="23" idx="0"/>
+            <a:endCxn id="7" idx="5"/>
+          </p:cNvCxnSpPr>
+          <p:nvPr/>
+        </p:nvCxnSpPr>
+        <p:spPr>
+          <a:xfrm flipH="1" flipV="1">
+            <a:off x="4623746" y="896365"/>
+            <a:ext cx="1568523" cy="465704"/>
+          </a:xfrm>
+          <a:prstGeom prst="straightConnector1">
+            <a:avLst/>
+          </a:prstGeom>
+          <a:ln>
+            <a:headEnd type="arrow"/>
+            <a:tailEnd type="arrow"/>
+          </a:ln>
+        </p:spPr>
+        <p:style>
+          <a:lnRef idx="2">
+            <a:schemeClr val="dk1"/>
+          </a:lnRef>
+          <a:fillRef idx="0">
+            <a:schemeClr val="dk1"/>
+          </a:fillRef>
+          <a:effectRef idx="1">
+            <a:schemeClr val="dk1"/>
+          </a:effectRef>
+          <a:fontRef idx="minor">
+            <a:schemeClr val="tx1"/>
+          </a:fontRef>
+        </p:style>
+      </p:cxnSp>
+    </p:spTree>
+    <p:extLst>
+      <p:ext uri="{BB962C8B-B14F-4D97-AF65-F5344CB8AC3E}">
+        <p14:creationId xmlns:p14="http://schemas.microsoft.com/office/powerpoint/2010/main" val="1085324764"/>
+      </p:ext>
+    </p:extLst>
+  </p:cSld>
+  <p:clrMapOvr>
+    <a:masterClrMapping/>
+  </p:clrMapOvr>
+</p:sld>
+</file>
+
+<file path=ppt/slides/slide7.xml><?xml version="1.0" encoding="utf-8"?>
+<p:sld xmlns:a="http://schemas.openxmlformats.org/drawingml/2006/main" xmlns:r="http://schemas.openxmlformats.org/officeDocument/2006/relationships" xmlns:p="http://schemas.openxmlformats.org/presentationml/2006/main">
+  <p:cSld>
+    <p:spTree>
+      <p:nvGrpSpPr>
+        <p:cNvPr id="1" name=""/>
+        <p:cNvGrpSpPr/>
+        <p:nvPr/>
+      </p:nvGrpSpPr>
+      <p:grpSpPr>
+        <a:xfrm>
+          <a:off x="0" y="0"/>
+          <a:ext cx="0" cy="0"/>
+          <a:chOff x="0" y="0"/>
+          <a:chExt cx="0" cy="0"/>
+        </a:xfrm>
+      </p:grpSpPr>
+      <p:sp>
+        <p:nvSpPr>
+          <p:cNvPr id="2" name="Rectangle à coins arrondis 1"/>
+          <p:cNvSpPr/>
+          <p:nvPr/>
+        </p:nvSpPr>
+        <p:spPr>
+          <a:xfrm>
+            <a:off x="611560" y="764704"/>
+            <a:ext cx="4176464" cy="4824536"/>
+          </a:xfrm>
+          <a:prstGeom prst="roundRect">
+            <a:avLst/>
+          </a:prstGeom>
+        </p:spPr>
+        <p:style>
+          <a:lnRef idx="1">
+            <a:schemeClr val="dk1"/>
+          </a:lnRef>
+          <a:fillRef idx="2">
+            <a:schemeClr val="dk1"/>
+          </a:fillRef>
+          <a:effectRef idx="1">
+            <a:schemeClr val="dk1"/>
+          </a:effectRef>
+          <a:fontRef idx="minor">
+            <a:schemeClr val="dk1"/>
+          </a:fontRef>
+        </p:style>
+        <p:txBody>
+          <a:bodyPr vert="vert270" rtlCol="0" anchor="b" anchorCtr="1"/>
+          <a:lstStyle/>
+          <a:p>
+            <a:pPr algn="ctr"/>
+            <a:r>
+              <a:rPr lang="fr-FR" sz="2400" dirty="0" smtClean="0"/>
+              <a:t>Système</a:t>
+            </a:r>
+          </a:p>
+          <a:p>
+            <a:pPr algn="ctr"/>
+            <a:r>
+              <a:rPr lang="fr-FR" sz="2400" dirty="0" smtClean="0"/>
+              <a:t>d’Information</a:t>
+            </a:r>
+            <a:endParaRPr lang="fr-FR" sz="2400" dirty="0"/>
+          </a:p>
+        </p:txBody>
+      </p:sp>
+      <p:sp>
+        <p:nvSpPr>
+          <p:cNvPr id="3" name="Rectangle à coins arrondis 2"/>
+          <p:cNvSpPr/>
+          <p:nvPr/>
+        </p:nvSpPr>
+        <p:spPr>
+          <a:xfrm>
+            <a:off x="1152778" y="1143697"/>
+            <a:ext cx="1622559" cy="826190"/>
+          </a:xfrm>
+          <a:prstGeom prst="roundRect">
+            <a:avLst/>
+          </a:prstGeom>
+        </p:spPr>
+        <p:style>
+          <a:lnRef idx="2">
+            <a:schemeClr val="accent3">
+              <a:shade val="50000"/>
+            </a:schemeClr>
+          </a:lnRef>
+          <a:fillRef idx="1">
+            <a:schemeClr val="accent3"/>
+          </a:fillRef>
+          <a:effectRef idx="0">
+            <a:schemeClr val="accent3"/>
+          </a:effectRef>
+          <a:fontRef idx="minor">
+            <a:schemeClr val="lt1"/>
+          </a:fontRef>
+        </p:style>
+        <p:txBody>
+          <a:bodyPr rtlCol="0" anchor="ctr"/>
+          <a:lstStyle/>
+          <a:p>
+            <a:r>
+              <a:rPr lang="fr-FR" sz="2400" dirty="0" smtClean="0"/>
+              <a:t>Personnel</a:t>
+            </a:r>
+            <a:endParaRPr lang="fr-FR" sz="2400" dirty="0"/>
+          </a:p>
+        </p:txBody>
+      </p:sp>
+      <p:sp>
+        <p:nvSpPr>
+          <p:cNvPr id="4" name="Rectangle à coins arrondis 3"/>
+          <p:cNvSpPr/>
+          <p:nvPr/>
+        </p:nvSpPr>
+        <p:spPr>
+          <a:xfrm>
+            <a:off x="1152777" y="3176972"/>
+            <a:ext cx="1622559" cy="826190"/>
+          </a:xfrm>
+          <a:prstGeom prst="roundRect">
+            <a:avLst/>
+          </a:prstGeom>
+        </p:spPr>
+        <p:style>
+          <a:lnRef idx="2">
+            <a:schemeClr val="accent3">
+              <a:shade val="50000"/>
+            </a:schemeClr>
+          </a:lnRef>
+          <a:fillRef idx="1">
+            <a:schemeClr val="accent3"/>
+          </a:fillRef>
+          <a:effectRef idx="0">
+            <a:schemeClr val="accent3"/>
+          </a:effectRef>
+          <a:fontRef idx="minor">
+            <a:schemeClr val="lt1"/>
+          </a:fontRef>
+        </p:style>
+        <p:txBody>
+          <a:bodyPr rtlCol="0" anchor="ctr"/>
+          <a:lstStyle/>
+          <a:p>
+            <a:r>
+              <a:rPr lang="fr-FR" sz="2400" dirty="0" smtClean="0"/>
+              <a:t>Matériel</a:t>
+            </a:r>
+            <a:endParaRPr lang="fr-FR" sz="2400" dirty="0"/>
+          </a:p>
+        </p:txBody>
+      </p:sp>
+      <p:sp>
+        <p:nvSpPr>
+          <p:cNvPr id="5" name="Rectangle à coins arrondis 4"/>
+          <p:cNvSpPr/>
+          <p:nvPr/>
+        </p:nvSpPr>
+        <p:spPr>
+          <a:xfrm>
+            <a:off x="1152778" y="2153606"/>
+            <a:ext cx="1622559" cy="826190"/>
+          </a:xfrm>
+          <a:prstGeom prst="roundRect">
+            <a:avLst/>
+          </a:prstGeom>
+        </p:spPr>
+        <p:style>
+          <a:lnRef idx="2">
+            <a:schemeClr val="accent3">
+              <a:shade val="50000"/>
+            </a:schemeClr>
+          </a:lnRef>
+          <a:fillRef idx="1">
+            <a:schemeClr val="accent3"/>
+          </a:fillRef>
+          <a:effectRef idx="0">
+            <a:schemeClr val="accent3"/>
+          </a:effectRef>
+          <a:fontRef idx="minor">
+            <a:schemeClr val="lt1"/>
+          </a:fontRef>
+        </p:style>
+        <p:txBody>
+          <a:bodyPr rtlCol="0" anchor="ctr"/>
+          <a:lstStyle/>
+          <a:p>
+            <a:r>
+              <a:rPr lang="fr-FR" sz="2400" dirty="0" smtClean="0"/>
+              <a:t>Logiciel</a:t>
+            </a:r>
+            <a:endParaRPr lang="fr-FR" sz="2400" dirty="0"/>
+          </a:p>
+        </p:txBody>
+      </p:sp>
+      <p:sp>
+        <p:nvSpPr>
+          <p:cNvPr id="6" name="Rectangle à coins arrondis 5"/>
+          <p:cNvSpPr/>
+          <p:nvPr/>
+        </p:nvSpPr>
+        <p:spPr>
+          <a:xfrm>
+            <a:off x="1152778" y="4229981"/>
+            <a:ext cx="1622559" cy="826190"/>
+          </a:xfrm>
+          <a:prstGeom prst="roundRect">
+            <a:avLst/>
+          </a:prstGeom>
+        </p:spPr>
+        <p:style>
+          <a:lnRef idx="2">
+            <a:schemeClr val="accent3">
+              <a:shade val="50000"/>
+            </a:schemeClr>
+          </a:lnRef>
+          <a:fillRef idx="1">
+            <a:schemeClr val="accent3"/>
+          </a:fillRef>
+          <a:effectRef idx="0">
+            <a:schemeClr val="accent3"/>
+          </a:effectRef>
+          <a:fontRef idx="minor">
+            <a:schemeClr val="lt1"/>
+          </a:fontRef>
+        </p:style>
+        <p:txBody>
+          <a:bodyPr rtlCol="0" anchor="ctr"/>
+          <a:lstStyle/>
+          <a:p>
+            <a:r>
+              <a:rPr lang="fr-FR" sz="2400" dirty="0" smtClean="0"/>
+              <a:t>Données</a:t>
+            </a:r>
+            <a:endParaRPr lang="fr-FR" sz="2400" dirty="0"/>
+          </a:p>
+        </p:txBody>
+      </p:sp>
+      <p:cxnSp>
+        <p:nvCxnSpPr>
+          <p:cNvPr id="10" name="Connecteur droit avec flèche 9"/>
+          <p:cNvCxnSpPr/>
+          <p:nvPr/>
+        </p:nvCxnSpPr>
+        <p:spPr>
+          <a:xfrm>
+            <a:off x="4788024" y="1588150"/>
+            <a:ext cx="1008112" cy="0"/>
+          </a:xfrm>
+          <a:prstGeom prst="straightConnector1">
+            <a:avLst/>
+          </a:prstGeom>
+          <a:ln>
+            <a:tailEnd type="arrow"/>
+          </a:ln>
+        </p:spPr>
+        <p:style>
+          <a:lnRef idx="2">
+            <a:schemeClr val="dk1"/>
+          </a:lnRef>
+          <a:fillRef idx="0">
+            <a:schemeClr val="dk1"/>
+          </a:fillRef>
+          <a:effectRef idx="1">
+            <a:schemeClr val="dk1"/>
+          </a:effectRef>
+          <a:fontRef idx="minor">
+            <a:schemeClr val="tx1"/>
+          </a:fontRef>
+        </p:style>
+      </p:cxnSp>
+      <p:cxnSp>
+        <p:nvCxnSpPr>
+          <p:cNvPr id="13" name="Connecteur droit avec flèche 12"/>
+          <p:cNvCxnSpPr/>
+          <p:nvPr/>
+        </p:nvCxnSpPr>
+        <p:spPr>
+          <a:xfrm>
+            <a:off x="4788024" y="2492896"/>
+            <a:ext cx="1008112" cy="0"/>
+          </a:xfrm>
+          <a:prstGeom prst="straightConnector1">
+            <a:avLst/>
+          </a:prstGeom>
+          <a:ln>
+            <a:tailEnd type="arrow"/>
+          </a:ln>
+        </p:spPr>
+        <p:style>
+          <a:lnRef idx="2">
+            <a:schemeClr val="dk1"/>
+          </a:lnRef>
+          <a:fillRef idx="0">
+            <a:schemeClr val="dk1"/>
+          </a:fillRef>
+          <a:effectRef idx="1">
+            <a:schemeClr val="dk1"/>
+          </a:effectRef>
+          <a:fontRef idx="minor">
+            <a:schemeClr val="tx1"/>
+          </a:fontRef>
+        </p:style>
+      </p:cxnSp>
+      <p:cxnSp>
+        <p:nvCxnSpPr>
+          <p:cNvPr id="14" name="Connecteur droit avec flèche 13"/>
+          <p:cNvCxnSpPr/>
+          <p:nvPr/>
+        </p:nvCxnSpPr>
+        <p:spPr>
+          <a:xfrm>
+            <a:off x="4788024" y="3573016"/>
+            <a:ext cx="1008112" cy="0"/>
+          </a:xfrm>
+          <a:prstGeom prst="straightConnector1">
+            <a:avLst/>
+          </a:prstGeom>
+          <a:ln>
+            <a:tailEnd type="arrow"/>
+          </a:ln>
+        </p:spPr>
+        <p:style>
+          <a:lnRef idx="2">
+            <a:schemeClr val="dk1"/>
+          </a:lnRef>
+          <a:fillRef idx="0">
+            <a:schemeClr val="dk1"/>
+          </a:fillRef>
+          <a:effectRef idx="1">
+            <a:schemeClr val="dk1"/>
+          </a:effectRef>
+          <a:fontRef idx="minor">
+            <a:schemeClr val="tx1"/>
+          </a:fontRef>
+        </p:style>
+      </p:cxnSp>
+      <p:cxnSp>
+        <p:nvCxnSpPr>
+          <p:cNvPr id="15" name="Connecteur droit avec flèche 14"/>
+          <p:cNvCxnSpPr/>
+          <p:nvPr/>
+        </p:nvCxnSpPr>
+        <p:spPr>
+          <a:xfrm>
+            <a:off x="4788024" y="4581128"/>
+            <a:ext cx="1008112" cy="0"/>
+          </a:xfrm>
+          <a:prstGeom prst="straightConnector1">
+            <a:avLst/>
+          </a:prstGeom>
+          <a:ln>
+            <a:tailEnd type="arrow"/>
+          </a:ln>
+        </p:spPr>
+        <p:style>
+          <a:lnRef idx="2">
+            <a:schemeClr val="dk1"/>
+          </a:lnRef>
+          <a:fillRef idx="0">
+            <a:schemeClr val="dk1"/>
+          </a:fillRef>
+          <a:effectRef idx="1">
+            <a:schemeClr val="dk1"/>
+          </a:effectRef>
+          <a:fontRef idx="minor">
+            <a:schemeClr val="tx1"/>
+          </a:fontRef>
+        </p:style>
+      </p:cxnSp>
+      <p:sp>
+        <p:nvSpPr>
+          <p:cNvPr id="16" name="ZoneTexte 15"/>
+          <p:cNvSpPr txBox="1"/>
+          <p:nvPr/>
+        </p:nvSpPr>
+        <p:spPr>
+          <a:xfrm>
+            <a:off x="6084168" y="1403484"/>
+            <a:ext cx="1656184" cy="369332"/>
+          </a:xfrm>
+          <a:prstGeom prst="rect">
+            <a:avLst/>
+          </a:prstGeom>
+          <a:noFill/>
+        </p:spPr>
+        <p:txBody>
+          <a:bodyPr wrap="square" rtlCol="0">
+            <a:spAutoFit/>
+          </a:bodyPr>
+          <a:lstStyle/>
+          <a:p>
+            <a:r>
+              <a:rPr lang="fr-FR" dirty="0" smtClean="0"/>
+              <a:t>Collecter</a:t>
+            </a:r>
+            <a:endParaRPr lang="fr-FR" dirty="0"/>
+          </a:p>
+        </p:txBody>
+      </p:sp>
+      <p:sp>
+        <p:nvSpPr>
+          <p:cNvPr id="17" name="ZoneTexte 16"/>
+          <p:cNvSpPr txBox="1"/>
+          <p:nvPr/>
+        </p:nvSpPr>
+        <p:spPr>
+          <a:xfrm>
+            <a:off x="6084168" y="2308230"/>
+            <a:ext cx="1656184" cy="369332"/>
+          </a:xfrm>
+          <a:prstGeom prst="rect">
+            <a:avLst/>
+          </a:prstGeom>
+          <a:noFill/>
+        </p:spPr>
+        <p:txBody>
+          <a:bodyPr wrap="square" rtlCol="0">
+            <a:spAutoFit/>
+          </a:bodyPr>
+          <a:lstStyle/>
+          <a:p>
+            <a:r>
+              <a:rPr lang="fr-FR" dirty="0" smtClean="0"/>
+              <a:t>Transformer</a:t>
+            </a:r>
+            <a:endParaRPr lang="fr-FR" dirty="0"/>
+          </a:p>
+        </p:txBody>
+      </p:sp>
+      <p:sp>
+        <p:nvSpPr>
+          <p:cNvPr id="18" name="ZoneTexte 17"/>
+          <p:cNvSpPr txBox="1"/>
+          <p:nvPr/>
+        </p:nvSpPr>
+        <p:spPr>
+          <a:xfrm>
+            <a:off x="6084168" y="3347329"/>
+            <a:ext cx="1656184" cy="369332"/>
+          </a:xfrm>
+          <a:prstGeom prst="rect">
+            <a:avLst/>
+          </a:prstGeom>
+          <a:noFill/>
+        </p:spPr>
+        <p:txBody>
+          <a:bodyPr wrap="square" rtlCol="0">
+            <a:spAutoFit/>
+          </a:bodyPr>
+          <a:lstStyle/>
+          <a:p>
+            <a:r>
+              <a:rPr lang="fr-FR" dirty="0" smtClean="0"/>
+              <a:t>Conserver</a:t>
+            </a:r>
+            <a:endParaRPr lang="fr-FR" dirty="0"/>
+          </a:p>
+        </p:txBody>
+      </p:sp>
+      <p:sp>
+        <p:nvSpPr>
+          <p:cNvPr id="19" name="ZoneTexte 18"/>
+          <p:cNvSpPr txBox="1"/>
+          <p:nvPr/>
+        </p:nvSpPr>
+        <p:spPr>
+          <a:xfrm>
+            <a:off x="6084168" y="4396462"/>
+            <a:ext cx="1656184" cy="369332"/>
+          </a:xfrm>
+          <a:prstGeom prst="rect">
+            <a:avLst/>
+          </a:prstGeom>
+          <a:noFill/>
+        </p:spPr>
+        <p:txBody>
+          <a:bodyPr wrap="square" rtlCol="0">
+            <a:spAutoFit/>
+          </a:bodyPr>
+          <a:lstStyle/>
+          <a:p>
+            <a:r>
+              <a:rPr lang="fr-FR" dirty="0" smtClean="0"/>
+              <a:t>Diffuser</a:t>
+            </a:r>
+            <a:endParaRPr lang="fr-FR" dirty="0"/>
+          </a:p>
+        </p:txBody>
+      </p:sp>
+    </p:spTree>
+    <p:extLst>
+      <p:ext uri="{BB962C8B-B14F-4D97-AF65-F5344CB8AC3E}">
+        <p14:creationId xmlns:p14="http://schemas.microsoft.com/office/powerpoint/2010/main" val="643032167"/>
+      </p:ext>
+    </p:extLst>
+  </p:cSld>
+  <p:clrMapOvr>
+    <a:masterClrMapping/>
+  </p:clrMapOvr>
+</p:sld>
+</file>
+
+<file path=ppt/slides/slide8.xml><?xml version="1.0" encoding="utf-8"?>
+<p:sld xmlns:a="http://schemas.openxmlformats.org/drawingml/2006/main" xmlns:r="http://schemas.openxmlformats.org/officeDocument/2006/relationships" xmlns:p="http://schemas.openxmlformats.org/presentationml/2006/main">
+  <p:cSld>
+    <p:spTree>
+      <p:nvGrpSpPr>
+        <p:cNvPr id="1" name=""/>
+        <p:cNvGrpSpPr/>
+        <p:nvPr/>
+      </p:nvGrpSpPr>
+      <p:grpSpPr>
+        <a:xfrm>
+          <a:off x="0" y="0"/>
+          <a:ext cx="0" cy="0"/>
+          <a:chOff x="0" y="0"/>
+          <a:chExt cx="0" cy="0"/>
+        </a:xfrm>
+      </p:grpSpPr>
+      <p:sp>
+        <p:nvSpPr>
+          <p:cNvPr id="2" name="Ellipse 1"/>
+          <p:cNvSpPr/>
+          <p:nvPr/>
+        </p:nvSpPr>
+        <p:spPr>
+          <a:xfrm>
+            <a:off x="2195736" y="1412776"/>
+            <a:ext cx="4896544" cy="3816424"/>
+          </a:xfrm>
+          <a:prstGeom prst="ellipse">
+            <a:avLst/>
+          </a:prstGeom>
+        </p:spPr>
+        <p:style>
+          <a:lnRef idx="2">
+            <a:schemeClr val="accent1">
+              <a:shade val="50000"/>
+            </a:schemeClr>
+          </a:lnRef>
+          <a:fillRef idx="1">
+            <a:schemeClr val="accent1"/>
+          </a:fillRef>
+          <a:effectRef idx="0">
+            <a:schemeClr val="accent1"/>
+          </a:effectRef>
+          <a:fontRef idx="minor">
+            <a:schemeClr val="lt1"/>
+          </a:fontRef>
+        </p:style>
+        <p:txBody>
+          <a:bodyPr rtlCol="0" anchor="ctr"/>
+          <a:lstStyle/>
+          <a:p>
+            <a:pPr algn="ctr"/>
+            <a:r>
+              <a:rPr lang="fr-FR" sz="2400" dirty="0" smtClean="0"/>
+              <a:t>Use cases</a:t>
+            </a:r>
+            <a:endParaRPr lang="fr-FR" sz="2400" dirty="0"/>
+          </a:p>
+        </p:txBody>
+      </p:sp>
+      <p:sp>
+        <p:nvSpPr>
+          <p:cNvPr id="3" name="Rectangle à coins arrondis 2"/>
+          <p:cNvSpPr/>
+          <p:nvPr/>
+        </p:nvSpPr>
+        <p:spPr>
+          <a:xfrm>
+            <a:off x="1475656" y="1124744"/>
+            <a:ext cx="2304256" cy="1656184"/>
+          </a:xfrm>
+          <a:prstGeom prst="roundRect">
+            <a:avLst/>
+          </a:prstGeom>
+        </p:spPr>
+        <p:style>
+          <a:lnRef idx="2">
+            <a:schemeClr val="accent2"/>
+          </a:lnRef>
+          <a:fillRef idx="1">
+            <a:schemeClr val="lt1"/>
+          </a:fillRef>
+          <a:effectRef idx="0">
+            <a:schemeClr val="accent2"/>
+          </a:effectRef>
+          <a:fontRef idx="minor">
+            <a:schemeClr val="dk1"/>
+          </a:fontRef>
+        </p:style>
+        <p:txBody>
+          <a:bodyPr rtlCol="0" anchor="ctr"/>
+          <a:lstStyle/>
+          <a:p>
+            <a:pPr algn="ctr"/>
+            <a:r>
+              <a:rPr lang="fr-FR" dirty="0" smtClean="0"/>
+              <a:t>Vue logique</a:t>
+            </a:r>
+            <a:endParaRPr lang="fr-FR" dirty="0"/>
+          </a:p>
+        </p:txBody>
+      </p:sp>
+      <p:sp>
+        <p:nvSpPr>
+          <p:cNvPr id="4" name="Rectangle à coins arrondis 3"/>
+          <p:cNvSpPr/>
+          <p:nvPr/>
+        </p:nvSpPr>
+        <p:spPr>
+          <a:xfrm>
+            <a:off x="1475656" y="3789040"/>
+            <a:ext cx="2304256" cy="1656184"/>
+          </a:xfrm>
+          <a:prstGeom prst="roundRect">
+            <a:avLst/>
+          </a:prstGeom>
+        </p:spPr>
+        <p:style>
+          <a:lnRef idx="2">
+            <a:schemeClr val="accent3"/>
+          </a:lnRef>
+          <a:fillRef idx="1">
+            <a:schemeClr val="lt1"/>
+          </a:fillRef>
+          <a:effectRef idx="0">
+            <a:schemeClr val="accent3"/>
+          </a:effectRef>
+          <a:fontRef idx="minor">
+            <a:schemeClr val="dk1"/>
+          </a:fontRef>
+        </p:style>
+        <p:txBody>
+          <a:bodyPr rtlCol="0" anchor="ctr"/>
+          <a:lstStyle/>
+          <a:p>
+            <a:pPr algn="ctr"/>
+            <a:r>
+              <a:rPr lang="fr-FR" dirty="0" smtClean="0"/>
+              <a:t>Vue processus</a:t>
+            </a:r>
+            <a:endParaRPr lang="fr-FR" dirty="0"/>
+          </a:p>
+        </p:txBody>
+      </p:sp>
+      <p:sp>
+        <p:nvSpPr>
+          <p:cNvPr id="5" name="Rectangle à coins arrondis 4"/>
+          <p:cNvSpPr/>
+          <p:nvPr/>
+        </p:nvSpPr>
+        <p:spPr>
+          <a:xfrm>
+            <a:off x="5652120" y="3789040"/>
+            <a:ext cx="2304256" cy="1656184"/>
+          </a:xfrm>
+          <a:prstGeom prst="roundRect">
+            <a:avLst/>
+          </a:prstGeom>
+        </p:spPr>
+        <p:style>
+          <a:lnRef idx="2">
+            <a:schemeClr val="accent6"/>
+          </a:lnRef>
+          <a:fillRef idx="1">
+            <a:schemeClr val="lt1"/>
+          </a:fillRef>
+          <a:effectRef idx="0">
+            <a:schemeClr val="accent6"/>
+          </a:effectRef>
+          <a:fontRef idx="minor">
+            <a:schemeClr val="dk1"/>
+          </a:fontRef>
+        </p:style>
+        <p:txBody>
+          <a:bodyPr rtlCol="0" anchor="ctr"/>
+          <a:lstStyle/>
+          <a:p>
+            <a:pPr algn="ctr"/>
+            <a:r>
+              <a:rPr lang="fr-FR" dirty="0" smtClean="0"/>
+              <a:t>Vue déploiement</a:t>
+            </a:r>
+            <a:endParaRPr lang="fr-FR" dirty="0"/>
+          </a:p>
+        </p:txBody>
+      </p:sp>
+      <p:sp>
+        <p:nvSpPr>
+          <p:cNvPr id="6" name="Rectangle à coins arrondis 5"/>
+          <p:cNvSpPr/>
+          <p:nvPr/>
+        </p:nvSpPr>
+        <p:spPr>
+          <a:xfrm>
+            <a:off x="5652120" y="1124744"/>
+            <a:ext cx="2304256" cy="1656184"/>
+          </a:xfrm>
+          <a:prstGeom prst="roundRect">
+            <a:avLst/>
+          </a:prstGeom>
+        </p:spPr>
+        <p:style>
+          <a:lnRef idx="2">
+            <a:schemeClr val="dk1"/>
+          </a:lnRef>
+          <a:fillRef idx="1">
+            <a:schemeClr val="lt1"/>
+          </a:fillRef>
+          <a:effectRef idx="0">
+            <a:schemeClr val="dk1"/>
+          </a:effectRef>
+          <a:fontRef idx="minor">
+            <a:schemeClr val="dk1"/>
+          </a:fontRef>
+        </p:style>
+        <p:txBody>
+          <a:bodyPr rtlCol="0" anchor="ctr"/>
+          <a:lstStyle/>
+          <a:p>
+            <a:pPr algn="ctr"/>
+            <a:r>
+              <a:rPr lang="fr-FR" dirty="0" smtClean="0"/>
+              <a:t>Vue composants</a:t>
+            </a:r>
+            <a:endParaRPr lang="fr-FR" dirty="0"/>
+          </a:p>
+        </p:txBody>
+      </p:sp>
+    </p:spTree>
+    <p:extLst>
+      <p:ext uri="{BB962C8B-B14F-4D97-AF65-F5344CB8AC3E}">
+        <p14:creationId xmlns:p14="http://schemas.microsoft.com/office/powerpoint/2010/main" val="972004577"/>
       </p:ext>
     </p:extLst>
   </p:cSld>

--- a/cours/ensg-asi-2014/src/raws/img_gen.pptx
+++ b/cours/ensg-asi-2014/src/raws/img_gen.pptx
@@ -13,6 +13,7 @@
     <p:sldId id="263" r:id="rId7"/>
     <p:sldId id="261" r:id="rId8"/>
     <p:sldId id="262" r:id="rId9"/>
+    <p:sldId id="264" r:id="rId10"/>
   </p:sldIdLst>
   <p:sldSz cx="9144000" cy="6858000" type="screen4x3"/>
   <p:notesSz cx="6858000" cy="9144000"/>
@@ -295,7 +296,7 @@
           <a:p>
             <a:fld id="{B511EEBD-DB93-4DB6-9ADA-68547254FD74}" type="datetimeFigureOut">
               <a:rPr lang="fr-FR" smtClean="0"/>
-              <a:t>20/10/2014</a:t>
+              <a:t>14/11/2014</a:t>
             </a:fld>
             <a:endParaRPr lang="fr-FR"/>
           </a:p>
@@ -465,7 +466,7 @@
           <a:p>
             <a:fld id="{B511EEBD-DB93-4DB6-9ADA-68547254FD74}" type="datetimeFigureOut">
               <a:rPr lang="fr-FR" smtClean="0"/>
-              <a:t>20/10/2014</a:t>
+              <a:t>14/11/2014</a:t>
             </a:fld>
             <a:endParaRPr lang="fr-FR"/>
           </a:p>
@@ -645,7 +646,7 @@
           <a:p>
             <a:fld id="{B511EEBD-DB93-4DB6-9ADA-68547254FD74}" type="datetimeFigureOut">
               <a:rPr lang="fr-FR" smtClean="0"/>
-              <a:t>20/10/2014</a:t>
+              <a:t>14/11/2014</a:t>
             </a:fld>
             <a:endParaRPr lang="fr-FR"/>
           </a:p>
@@ -815,7 +816,7 @@
           <a:p>
             <a:fld id="{B511EEBD-DB93-4DB6-9ADA-68547254FD74}" type="datetimeFigureOut">
               <a:rPr lang="fr-FR" smtClean="0"/>
-              <a:t>20/10/2014</a:t>
+              <a:t>14/11/2014</a:t>
             </a:fld>
             <a:endParaRPr lang="fr-FR"/>
           </a:p>
@@ -1061,7 +1062,7 @@
           <a:p>
             <a:fld id="{B511EEBD-DB93-4DB6-9ADA-68547254FD74}" type="datetimeFigureOut">
               <a:rPr lang="fr-FR" smtClean="0"/>
-              <a:t>20/10/2014</a:t>
+              <a:t>14/11/2014</a:t>
             </a:fld>
             <a:endParaRPr lang="fr-FR"/>
           </a:p>
@@ -1349,7 +1350,7 @@
           <a:p>
             <a:fld id="{B511EEBD-DB93-4DB6-9ADA-68547254FD74}" type="datetimeFigureOut">
               <a:rPr lang="fr-FR" smtClean="0"/>
-              <a:t>20/10/2014</a:t>
+              <a:t>14/11/2014</a:t>
             </a:fld>
             <a:endParaRPr lang="fr-FR"/>
           </a:p>
@@ -1771,7 +1772,7 @@
           <a:p>
             <a:fld id="{B511EEBD-DB93-4DB6-9ADA-68547254FD74}" type="datetimeFigureOut">
               <a:rPr lang="fr-FR" smtClean="0"/>
-              <a:t>20/10/2014</a:t>
+              <a:t>14/11/2014</a:t>
             </a:fld>
             <a:endParaRPr lang="fr-FR"/>
           </a:p>
@@ -1889,7 +1890,7 @@
           <a:p>
             <a:fld id="{B511EEBD-DB93-4DB6-9ADA-68547254FD74}" type="datetimeFigureOut">
               <a:rPr lang="fr-FR" smtClean="0"/>
-              <a:t>20/10/2014</a:t>
+              <a:t>14/11/2014</a:t>
             </a:fld>
             <a:endParaRPr lang="fr-FR"/>
           </a:p>
@@ -1984,7 +1985,7 @@
           <a:p>
             <a:fld id="{B511EEBD-DB93-4DB6-9ADA-68547254FD74}" type="datetimeFigureOut">
               <a:rPr lang="fr-FR" smtClean="0"/>
-              <a:t>20/10/2014</a:t>
+              <a:t>14/11/2014</a:t>
             </a:fld>
             <a:endParaRPr lang="fr-FR"/>
           </a:p>
@@ -2261,7 +2262,7 @@
           <a:p>
             <a:fld id="{B511EEBD-DB93-4DB6-9ADA-68547254FD74}" type="datetimeFigureOut">
               <a:rPr lang="fr-FR" smtClean="0"/>
-              <a:t>20/10/2014</a:t>
+              <a:t>14/11/2014</a:t>
             </a:fld>
             <a:endParaRPr lang="fr-FR"/>
           </a:p>
@@ -2514,7 +2515,7 @@
           <a:p>
             <a:fld id="{B511EEBD-DB93-4DB6-9ADA-68547254FD74}" type="datetimeFigureOut">
               <a:rPr lang="fr-FR" smtClean="0"/>
-              <a:t>20/10/2014</a:t>
+              <a:t>14/11/2014</a:t>
             </a:fld>
             <a:endParaRPr lang="fr-FR"/>
           </a:p>
@@ -2727,7 +2728,7 @@
           <a:p>
             <a:fld id="{B511EEBD-DB93-4DB6-9ADA-68547254FD74}" type="datetimeFigureOut">
               <a:rPr lang="fr-FR" smtClean="0"/>
-              <a:t>20/10/2014</a:t>
+              <a:t>14/11/2014</a:t>
             </a:fld>
             <a:endParaRPr lang="fr-FR"/>
           </a:p>
@@ -7086,6 +7087,733 @@
     <p:extLst>
       <p:ext uri="{BB962C8B-B14F-4D97-AF65-F5344CB8AC3E}">
         <p14:creationId xmlns:p14="http://schemas.microsoft.com/office/powerpoint/2010/main" val="972004577"/>
+      </p:ext>
+    </p:extLst>
+  </p:cSld>
+  <p:clrMapOvr>
+    <a:masterClrMapping/>
+  </p:clrMapOvr>
+</p:sld>
+</file>
+
+<file path=ppt/slides/slide9.xml><?xml version="1.0" encoding="utf-8"?>
+<p:sld xmlns:a="http://schemas.openxmlformats.org/drawingml/2006/main" xmlns:r="http://schemas.openxmlformats.org/officeDocument/2006/relationships" xmlns:p="http://schemas.openxmlformats.org/presentationml/2006/main">
+  <p:cSld>
+    <p:spTree>
+      <p:nvGrpSpPr>
+        <p:cNvPr id="1" name=""/>
+        <p:cNvGrpSpPr/>
+        <p:nvPr/>
+      </p:nvGrpSpPr>
+      <p:grpSpPr>
+        <a:xfrm>
+          <a:off x="0" y="0"/>
+          <a:ext cx="0" cy="0"/>
+          <a:chOff x="0" y="0"/>
+          <a:chExt cx="0" cy="0"/>
+        </a:xfrm>
+      </p:grpSpPr>
+      <p:sp>
+        <p:nvSpPr>
+          <p:cNvPr id="2" name="Rectangle à coins arrondis 1"/>
+          <p:cNvSpPr/>
+          <p:nvPr/>
+        </p:nvSpPr>
+        <p:spPr>
+          <a:xfrm>
+            <a:off x="169640" y="2705797"/>
+            <a:ext cx="2304256" cy="1152128"/>
+          </a:xfrm>
+          <a:prstGeom prst="roundRect">
+            <a:avLst/>
+          </a:prstGeom>
+        </p:spPr>
+        <p:style>
+          <a:lnRef idx="2">
+            <a:schemeClr val="accent3">
+              <a:shade val="50000"/>
+            </a:schemeClr>
+          </a:lnRef>
+          <a:fillRef idx="1">
+            <a:schemeClr val="accent3"/>
+          </a:fillRef>
+          <a:effectRef idx="0">
+            <a:schemeClr val="accent3"/>
+          </a:effectRef>
+          <a:fontRef idx="minor">
+            <a:schemeClr val="lt1"/>
+          </a:fontRef>
+        </p:style>
+        <p:txBody>
+          <a:bodyPr rtlCol="0" anchor="ctr"/>
+          <a:lstStyle/>
+          <a:p>
+            <a:pPr algn="ctr"/>
+            <a:r>
+              <a:rPr lang="fr-FR" dirty="0" smtClean="0"/>
+              <a:t>Etat nominal</a:t>
+            </a:r>
+          </a:p>
+          <a:p>
+            <a:pPr algn="ctr"/>
+            <a:r>
+              <a:rPr lang="fr-FR" dirty="0" smtClean="0"/>
+              <a:t>(service rendu)</a:t>
+            </a:r>
+            <a:endParaRPr lang="fr-FR" dirty="0"/>
+          </a:p>
+        </p:txBody>
+      </p:sp>
+      <p:sp>
+        <p:nvSpPr>
+          <p:cNvPr id="3" name="Rectangle à coins arrondis 2"/>
+          <p:cNvSpPr/>
+          <p:nvPr/>
+        </p:nvSpPr>
+        <p:spPr>
+          <a:xfrm>
+            <a:off x="3347864" y="2705797"/>
+            <a:ext cx="2304256" cy="1152128"/>
+          </a:xfrm>
+          <a:prstGeom prst="roundRect">
+            <a:avLst/>
+          </a:prstGeom>
+        </p:spPr>
+        <p:style>
+          <a:lnRef idx="2">
+            <a:schemeClr val="accent6">
+              <a:shade val="50000"/>
+            </a:schemeClr>
+          </a:lnRef>
+          <a:fillRef idx="1">
+            <a:schemeClr val="accent6"/>
+          </a:fillRef>
+          <a:effectRef idx="0">
+            <a:schemeClr val="accent6"/>
+          </a:effectRef>
+          <a:fontRef idx="minor">
+            <a:schemeClr val="lt1"/>
+          </a:fontRef>
+        </p:style>
+        <p:txBody>
+          <a:bodyPr rtlCol="0" anchor="ctr"/>
+          <a:lstStyle/>
+          <a:p>
+            <a:pPr algn="ctr"/>
+            <a:r>
+              <a:rPr lang="fr-FR" dirty="0" smtClean="0"/>
+              <a:t>Etat dégradé</a:t>
+            </a:r>
+          </a:p>
+          <a:p>
+            <a:pPr algn="ctr"/>
+            <a:r>
+              <a:rPr lang="fr-FR" dirty="0" smtClean="0"/>
+              <a:t>(service partiel)</a:t>
+            </a:r>
+            <a:endParaRPr lang="fr-FR" dirty="0"/>
+          </a:p>
+        </p:txBody>
+      </p:sp>
+      <p:sp>
+        <p:nvSpPr>
+          <p:cNvPr id="4" name="Rectangle à coins arrondis 3"/>
+          <p:cNvSpPr/>
+          <p:nvPr/>
+        </p:nvSpPr>
+        <p:spPr>
+          <a:xfrm>
+            <a:off x="6588224" y="2705797"/>
+            <a:ext cx="2304256" cy="1152128"/>
+          </a:xfrm>
+          <a:prstGeom prst="roundRect">
+            <a:avLst/>
+          </a:prstGeom>
+        </p:spPr>
+        <p:style>
+          <a:lnRef idx="2">
+            <a:schemeClr val="accent2">
+              <a:shade val="50000"/>
+            </a:schemeClr>
+          </a:lnRef>
+          <a:fillRef idx="1">
+            <a:schemeClr val="accent2"/>
+          </a:fillRef>
+          <a:effectRef idx="0">
+            <a:schemeClr val="accent2"/>
+          </a:effectRef>
+          <a:fontRef idx="minor">
+            <a:schemeClr val="lt1"/>
+          </a:fontRef>
+        </p:style>
+        <p:txBody>
+          <a:bodyPr rtlCol="0" anchor="ctr"/>
+          <a:lstStyle/>
+          <a:p>
+            <a:pPr algn="ctr"/>
+            <a:r>
+              <a:rPr lang="fr-FR" dirty="0" smtClean="0"/>
+              <a:t>Etat défaillant</a:t>
+            </a:r>
+          </a:p>
+          <a:p>
+            <a:pPr algn="ctr"/>
+            <a:r>
+              <a:rPr lang="fr-FR" dirty="0" smtClean="0"/>
+              <a:t>(service non rendu)</a:t>
+            </a:r>
+            <a:endParaRPr lang="fr-FR" dirty="0"/>
+          </a:p>
+        </p:txBody>
+      </p:sp>
+      <p:cxnSp>
+        <p:nvCxnSpPr>
+          <p:cNvPr id="6" name="Connecteur en angle 5"/>
+          <p:cNvCxnSpPr>
+            <a:stCxn id="2" idx="0"/>
+          </p:cNvCxnSpPr>
+          <p:nvPr/>
+        </p:nvCxnSpPr>
+        <p:spPr>
+          <a:xfrm rot="16200000" flipH="1">
+            <a:off x="2190800" y="1836764"/>
+            <a:ext cx="288031" cy="2026096"/>
+          </a:xfrm>
+          <a:prstGeom prst="bentConnector4">
+            <a:avLst>
+              <a:gd name="adj1" fmla="val -79366"/>
+              <a:gd name="adj2" fmla="val 78432"/>
+            </a:avLst>
+          </a:prstGeom>
+          <a:ln>
+            <a:tailEnd type="arrow"/>
+          </a:ln>
+        </p:spPr>
+        <p:style>
+          <a:lnRef idx="2">
+            <a:schemeClr val="dk1"/>
+          </a:lnRef>
+          <a:fillRef idx="0">
+            <a:schemeClr val="dk1"/>
+          </a:fillRef>
+          <a:effectRef idx="1">
+            <a:schemeClr val="dk1"/>
+          </a:effectRef>
+          <a:fontRef idx="minor">
+            <a:schemeClr val="tx1"/>
+          </a:fontRef>
+        </p:style>
+      </p:cxnSp>
+      <p:cxnSp>
+        <p:nvCxnSpPr>
+          <p:cNvPr id="12" name="Connecteur en angle 11"/>
+          <p:cNvCxnSpPr>
+            <a:endCxn id="2" idx="2"/>
+          </p:cNvCxnSpPr>
+          <p:nvPr/>
+        </p:nvCxnSpPr>
+        <p:spPr>
+          <a:xfrm rot="10800000" flipV="1">
+            <a:off x="1321768" y="3569893"/>
+            <a:ext cx="2026096" cy="288032"/>
+          </a:xfrm>
+          <a:prstGeom prst="bentConnector4">
+            <a:avLst>
+              <a:gd name="adj1" fmla="val 21568"/>
+              <a:gd name="adj2" fmla="val 179366"/>
+            </a:avLst>
+          </a:prstGeom>
+          <a:ln>
+            <a:tailEnd type="arrow"/>
+          </a:ln>
+        </p:spPr>
+        <p:style>
+          <a:lnRef idx="2">
+            <a:schemeClr val="dk1"/>
+          </a:lnRef>
+          <a:fillRef idx="0">
+            <a:schemeClr val="dk1"/>
+          </a:fillRef>
+          <a:effectRef idx="1">
+            <a:schemeClr val="dk1"/>
+          </a:effectRef>
+          <a:fontRef idx="minor">
+            <a:schemeClr val="tx1"/>
+          </a:fontRef>
+        </p:style>
+      </p:cxnSp>
+      <p:cxnSp>
+        <p:nvCxnSpPr>
+          <p:cNvPr id="17" name="Connecteur en angle 16"/>
+          <p:cNvCxnSpPr>
+            <a:endCxn id="4" idx="0"/>
+          </p:cNvCxnSpPr>
+          <p:nvPr/>
+        </p:nvCxnSpPr>
+        <p:spPr>
+          <a:xfrm flipV="1">
+            <a:off x="5645770" y="2705797"/>
+            <a:ext cx="2094582" cy="294381"/>
+          </a:xfrm>
+          <a:prstGeom prst="bentConnector4">
+            <a:avLst>
+              <a:gd name="adj1" fmla="val 22497"/>
+              <a:gd name="adj2" fmla="val 177654"/>
+            </a:avLst>
+          </a:prstGeom>
+          <a:ln>
+            <a:tailEnd type="arrow"/>
+          </a:ln>
+        </p:spPr>
+        <p:style>
+          <a:lnRef idx="2">
+            <a:schemeClr val="dk1"/>
+          </a:lnRef>
+          <a:fillRef idx="0">
+            <a:schemeClr val="dk1"/>
+          </a:fillRef>
+          <a:effectRef idx="1">
+            <a:schemeClr val="dk1"/>
+          </a:effectRef>
+          <a:fontRef idx="minor">
+            <a:schemeClr val="tx1"/>
+          </a:fontRef>
+        </p:style>
+      </p:cxnSp>
+      <p:cxnSp>
+        <p:nvCxnSpPr>
+          <p:cNvPr id="20" name="Connecteur en angle 19"/>
+          <p:cNvCxnSpPr>
+            <a:stCxn id="4" idx="2"/>
+          </p:cNvCxnSpPr>
+          <p:nvPr/>
+        </p:nvCxnSpPr>
+        <p:spPr>
+          <a:xfrm rot="5400000" flipH="1">
+            <a:off x="6552222" y="2669795"/>
+            <a:ext cx="288032" cy="2088228"/>
+          </a:xfrm>
+          <a:prstGeom prst="bentConnector4">
+            <a:avLst>
+              <a:gd name="adj1" fmla="val -79366"/>
+              <a:gd name="adj2" fmla="val 77586"/>
+            </a:avLst>
+          </a:prstGeom>
+          <a:ln>
+            <a:tailEnd type="arrow"/>
+          </a:ln>
+        </p:spPr>
+        <p:style>
+          <a:lnRef idx="2">
+            <a:schemeClr val="dk1"/>
+          </a:lnRef>
+          <a:fillRef idx="0">
+            <a:schemeClr val="dk1"/>
+          </a:fillRef>
+          <a:effectRef idx="1">
+            <a:schemeClr val="dk1"/>
+          </a:effectRef>
+          <a:fontRef idx="minor">
+            <a:schemeClr val="tx1"/>
+          </a:fontRef>
+        </p:style>
+      </p:cxnSp>
+      <p:cxnSp>
+        <p:nvCxnSpPr>
+          <p:cNvPr id="25" name="Connecteur en angle 24"/>
+          <p:cNvCxnSpPr>
+            <a:endCxn id="3" idx="0"/>
+          </p:cNvCxnSpPr>
+          <p:nvPr/>
+        </p:nvCxnSpPr>
+        <p:spPr>
+          <a:xfrm>
+            <a:off x="3779913" y="2705797"/>
+            <a:ext cx="720079" cy="12700"/>
+          </a:xfrm>
+          <a:prstGeom prst="bentConnector4">
+            <a:avLst>
+              <a:gd name="adj1" fmla="val -2630"/>
+              <a:gd name="adj2" fmla="val -7145457"/>
+            </a:avLst>
+          </a:prstGeom>
+          <a:ln>
+            <a:tailEnd type="arrow"/>
+          </a:ln>
+        </p:spPr>
+        <p:style>
+          <a:lnRef idx="2">
+            <a:schemeClr val="dk1"/>
+          </a:lnRef>
+          <a:fillRef idx="0">
+            <a:schemeClr val="dk1"/>
+          </a:fillRef>
+          <a:effectRef idx="1">
+            <a:schemeClr val="dk1"/>
+          </a:effectRef>
+          <a:fontRef idx="minor">
+            <a:schemeClr val="tx1"/>
+          </a:fontRef>
+        </p:style>
+      </p:cxnSp>
+      <p:cxnSp>
+        <p:nvCxnSpPr>
+          <p:cNvPr id="37" name="Connecteur en angle 36"/>
+          <p:cNvCxnSpPr>
+            <a:endCxn id="3" idx="2"/>
+          </p:cNvCxnSpPr>
+          <p:nvPr/>
+        </p:nvCxnSpPr>
+        <p:spPr>
+          <a:xfrm rot="10800000">
+            <a:off x="4499993" y="3857925"/>
+            <a:ext cx="576065" cy="12700"/>
+          </a:xfrm>
+          <a:prstGeom prst="bentConnector4">
+            <a:avLst>
+              <a:gd name="adj1" fmla="val -4237"/>
+              <a:gd name="adj2" fmla="val -5618189"/>
+            </a:avLst>
+          </a:prstGeom>
+          <a:ln>
+            <a:tailEnd type="arrow"/>
+          </a:ln>
+        </p:spPr>
+        <p:style>
+          <a:lnRef idx="2">
+            <a:schemeClr val="dk1"/>
+          </a:lnRef>
+          <a:fillRef idx="0">
+            <a:schemeClr val="dk1"/>
+          </a:fillRef>
+          <a:effectRef idx="1">
+            <a:schemeClr val="dk1"/>
+          </a:effectRef>
+          <a:fontRef idx="minor">
+            <a:schemeClr val="tx1"/>
+          </a:fontRef>
+        </p:style>
+      </p:cxnSp>
+      <p:cxnSp>
+        <p:nvCxnSpPr>
+          <p:cNvPr id="58" name="Connecteur en angle 57"/>
+          <p:cNvCxnSpPr>
+            <a:stCxn id="2" idx="0"/>
+            <a:endCxn id="4" idx="0"/>
+          </p:cNvCxnSpPr>
+          <p:nvPr/>
+        </p:nvCxnSpPr>
+        <p:spPr>
+          <a:xfrm rot="5400000" flipH="1" flipV="1">
+            <a:off x="4531060" y="-503495"/>
+            <a:ext cx="12700" cy="6418584"/>
+          </a:xfrm>
+          <a:prstGeom prst="bentConnector3">
+            <a:avLst>
+              <a:gd name="adj1" fmla="val 15654543"/>
+            </a:avLst>
+          </a:prstGeom>
+          <a:ln>
+            <a:tailEnd type="arrow"/>
+          </a:ln>
+        </p:spPr>
+        <p:style>
+          <a:lnRef idx="2">
+            <a:schemeClr val="dk1"/>
+          </a:lnRef>
+          <a:fillRef idx="0">
+            <a:schemeClr val="dk1"/>
+          </a:fillRef>
+          <a:effectRef idx="1">
+            <a:schemeClr val="dk1"/>
+          </a:effectRef>
+          <a:fontRef idx="minor">
+            <a:schemeClr val="tx1"/>
+          </a:fontRef>
+        </p:style>
+      </p:cxnSp>
+      <p:cxnSp>
+        <p:nvCxnSpPr>
+          <p:cNvPr id="62" name="Connecteur en angle 61"/>
+          <p:cNvCxnSpPr>
+            <a:stCxn id="4" idx="2"/>
+            <a:endCxn id="2" idx="2"/>
+          </p:cNvCxnSpPr>
+          <p:nvPr/>
+        </p:nvCxnSpPr>
+        <p:spPr>
+          <a:xfrm rot="5400000">
+            <a:off x="4531060" y="648633"/>
+            <a:ext cx="12700" cy="6418584"/>
+          </a:xfrm>
+          <a:prstGeom prst="bentConnector3">
+            <a:avLst>
+              <a:gd name="adj1" fmla="val 11400000"/>
+            </a:avLst>
+          </a:prstGeom>
+          <a:ln>
+            <a:tailEnd type="arrow"/>
+          </a:ln>
+        </p:spPr>
+        <p:style>
+          <a:lnRef idx="2">
+            <a:schemeClr val="dk1"/>
+          </a:lnRef>
+          <a:fillRef idx="0">
+            <a:schemeClr val="dk1"/>
+          </a:fillRef>
+          <a:effectRef idx="1">
+            <a:schemeClr val="dk1"/>
+          </a:effectRef>
+          <a:fontRef idx="minor">
+            <a:schemeClr val="tx1"/>
+          </a:fontRef>
+        </p:style>
+      </p:cxnSp>
+      <p:sp>
+        <p:nvSpPr>
+          <p:cNvPr id="67" name="ZoneTexte 66"/>
+          <p:cNvSpPr txBox="1"/>
+          <p:nvPr/>
+        </p:nvSpPr>
+        <p:spPr>
+          <a:xfrm>
+            <a:off x="3347864" y="260648"/>
+            <a:ext cx="2155398" cy="369332"/>
+          </a:xfrm>
+          <a:prstGeom prst="rect">
+            <a:avLst/>
+          </a:prstGeom>
+          <a:noFill/>
+        </p:spPr>
+        <p:txBody>
+          <a:bodyPr wrap="none" rtlCol="0">
+            <a:spAutoFit/>
+          </a:bodyPr>
+          <a:lstStyle/>
+          <a:p>
+            <a:r>
+              <a:rPr lang="fr-FR" dirty="0" smtClean="0"/>
+              <a:t>Défaillance complète</a:t>
+            </a:r>
+            <a:endParaRPr lang="fr-FR" dirty="0"/>
+          </a:p>
+        </p:txBody>
+      </p:sp>
+      <p:sp>
+        <p:nvSpPr>
+          <p:cNvPr id="68" name="ZoneTexte 67"/>
+          <p:cNvSpPr txBox="1"/>
+          <p:nvPr/>
+        </p:nvSpPr>
+        <p:spPr>
+          <a:xfrm>
+            <a:off x="3113131" y="1251047"/>
+            <a:ext cx="2053639" cy="369332"/>
+          </a:xfrm>
+          <a:prstGeom prst="rect">
+            <a:avLst/>
+          </a:prstGeom>
+          <a:noFill/>
+        </p:spPr>
+        <p:txBody>
+          <a:bodyPr wrap="none" rtlCol="0">
+            <a:spAutoFit/>
+          </a:bodyPr>
+          <a:lstStyle/>
+          <a:p>
+            <a:r>
+              <a:rPr lang="fr-FR" dirty="0" smtClean="0"/>
+              <a:t>Défaillance partielle</a:t>
+            </a:r>
+            <a:endParaRPr lang="fr-FR" dirty="0"/>
+          </a:p>
+        </p:txBody>
+      </p:sp>
+      <p:sp>
+        <p:nvSpPr>
+          <p:cNvPr id="69" name="ZoneTexte 68"/>
+          <p:cNvSpPr txBox="1"/>
+          <p:nvPr/>
+        </p:nvSpPr>
+        <p:spPr>
+          <a:xfrm>
+            <a:off x="1328118" y="1988840"/>
+            <a:ext cx="2053639" cy="369332"/>
+          </a:xfrm>
+          <a:prstGeom prst="rect">
+            <a:avLst/>
+          </a:prstGeom>
+          <a:noFill/>
+        </p:spPr>
+        <p:txBody>
+          <a:bodyPr wrap="none" rtlCol="0">
+            <a:spAutoFit/>
+          </a:bodyPr>
+          <a:lstStyle/>
+          <a:p>
+            <a:r>
+              <a:rPr lang="fr-FR" dirty="0" smtClean="0"/>
+              <a:t>Défaillance partielle</a:t>
+            </a:r>
+            <a:endParaRPr lang="fr-FR" dirty="0"/>
+          </a:p>
+        </p:txBody>
+      </p:sp>
+      <p:sp>
+        <p:nvSpPr>
+          <p:cNvPr id="71" name="ZoneTexte 70"/>
+          <p:cNvSpPr txBox="1"/>
+          <p:nvPr/>
+        </p:nvSpPr>
+        <p:spPr>
+          <a:xfrm>
+            <a:off x="5364088" y="1988840"/>
+            <a:ext cx="2155398" cy="369332"/>
+          </a:xfrm>
+          <a:prstGeom prst="rect">
+            <a:avLst/>
+          </a:prstGeom>
+          <a:noFill/>
+        </p:spPr>
+        <p:txBody>
+          <a:bodyPr wrap="none" rtlCol="0">
+            <a:spAutoFit/>
+          </a:bodyPr>
+          <a:lstStyle/>
+          <a:p>
+            <a:r>
+              <a:rPr lang="fr-FR" dirty="0" smtClean="0"/>
+              <a:t>Défaillance complète</a:t>
+            </a:r>
+            <a:endParaRPr lang="fr-FR" dirty="0"/>
+          </a:p>
+        </p:txBody>
+      </p:sp>
+      <p:sp>
+        <p:nvSpPr>
+          <p:cNvPr id="72" name="ZoneTexte 71"/>
+          <p:cNvSpPr txBox="1"/>
+          <p:nvPr/>
+        </p:nvSpPr>
+        <p:spPr>
+          <a:xfrm>
+            <a:off x="3272587" y="5517232"/>
+            <a:ext cx="2305952" cy="369332"/>
+          </a:xfrm>
+          <a:prstGeom prst="rect">
+            <a:avLst/>
+          </a:prstGeom>
+          <a:noFill/>
+        </p:spPr>
+        <p:txBody>
+          <a:bodyPr wrap="none" rtlCol="0">
+            <a:spAutoFit/>
+          </a:bodyPr>
+          <a:lstStyle/>
+          <a:p>
+            <a:r>
+              <a:rPr lang="fr-FR" dirty="0" smtClean="0"/>
+              <a:t>Restauration complète</a:t>
+            </a:r>
+            <a:endParaRPr lang="fr-FR" dirty="0"/>
+          </a:p>
+        </p:txBody>
+      </p:sp>
+      <p:sp>
+        <p:nvSpPr>
+          <p:cNvPr id="73" name="ZoneTexte 72"/>
+          <p:cNvSpPr txBox="1"/>
+          <p:nvPr/>
+        </p:nvSpPr>
+        <p:spPr>
+          <a:xfrm>
+            <a:off x="1473961" y="4221088"/>
+            <a:ext cx="2305952" cy="369332"/>
+          </a:xfrm>
+          <a:prstGeom prst="rect">
+            <a:avLst/>
+          </a:prstGeom>
+          <a:noFill/>
+        </p:spPr>
+        <p:txBody>
+          <a:bodyPr wrap="none" rtlCol="0">
+            <a:spAutoFit/>
+          </a:bodyPr>
+          <a:lstStyle/>
+          <a:p>
+            <a:r>
+              <a:rPr lang="fr-FR" dirty="0" smtClean="0"/>
+              <a:t>Restauration complète</a:t>
+            </a:r>
+            <a:endParaRPr lang="fr-FR" dirty="0"/>
+          </a:p>
+        </p:txBody>
+      </p:sp>
+      <p:sp>
+        <p:nvSpPr>
+          <p:cNvPr id="74" name="ZoneTexte 73"/>
+          <p:cNvSpPr txBox="1"/>
+          <p:nvPr/>
+        </p:nvSpPr>
+        <p:spPr>
+          <a:xfrm>
+            <a:off x="3685928" y="4738272"/>
+            <a:ext cx="2204193" cy="369332"/>
+          </a:xfrm>
+          <a:prstGeom prst="rect">
+            <a:avLst/>
+          </a:prstGeom>
+          <a:noFill/>
+        </p:spPr>
+        <p:txBody>
+          <a:bodyPr wrap="none" rtlCol="0">
+            <a:spAutoFit/>
+          </a:bodyPr>
+          <a:lstStyle/>
+          <a:p>
+            <a:r>
+              <a:rPr lang="fr-FR" dirty="0" smtClean="0"/>
+              <a:t>Restauration partielle</a:t>
+            </a:r>
+            <a:endParaRPr lang="fr-FR" dirty="0"/>
+          </a:p>
+        </p:txBody>
+      </p:sp>
+      <p:sp>
+        <p:nvSpPr>
+          <p:cNvPr id="75" name="ZoneTexte 74"/>
+          <p:cNvSpPr txBox="1"/>
+          <p:nvPr/>
+        </p:nvSpPr>
+        <p:spPr>
+          <a:xfrm>
+            <a:off x="5433459" y="4149080"/>
+            <a:ext cx="2204193" cy="369332"/>
+          </a:xfrm>
+          <a:prstGeom prst="rect">
+            <a:avLst/>
+          </a:prstGeom>
+          <a:noFill/>
+        </p:spPr>
+        <p:txBody>
+          <a:bodyPr wrap="none" rtlCol="0">
+            <a:spAutoFit/>
+          </a:bodyPr>
+          <a:lstStyle/>
+          <a:p>
+            <a:r>
+              <a:rPr lang="fr-FR" dirty="0" smtClean="0"/>
+              <a:t>Restauration partielle</a:t>
+            </a:r>
+            <a:endParaRPr lang="fr-FR" dirty="0"/>
+          </a:p>
+        </p:txBody>
+      </p:sp>
+    </p:spTree>
+    <p:extLst>
+      <p:ext uri="{BB962C8B-B14F-4D97-AF65-F5344CB8AC3E}">
+        <p14:creationId xmlns:p14="http://schemas.microsoft.com/office/powerpoint/2010/main" val="2282466870"/>
       </p:ext>
     </p:extLst>
   </p:cSld>

--- a/cours/ensg-asi-2014/src/raws/img_gen.pptx
+++ b/cours/ensg-asi-2014/src/raws/img_gen.pptx
@@ -14,6 +14,8 @@
     <p:sldId id="261" r:id="rId8"/>
     <p:sldId id="262" r:id="rId9"/>
     <p:sldId id="264" r:id="rId10"/>
+    <p:sldId id="265" r:id="rId11"/>
+    <p:sldId id="266" r:id="rId12"/>
   </p:sldIdLst>
   <p:sldSz cx="9144000" cy="6858000" type="screen4x3"/>
   <p:notesSz cx="6858000" cy="9144000"/>
@@ -113,6 +115,6570 @@
     </a:lvl9pPr>
   </p:defaultTextStyle>
 </p:presentation>
+</file>
+
+<file path=ppt/diagrams/colors1.xml><?xml version="1.0" encoding="utf-8"?>
+<dgm:colorsDef xmlns:dgm="http://schemas.openxmlformats.org/drawingml/2006/diagram" xmlns:a="http://schemas.openxmlformats.org/drawingml/2006/main" uniqueId="urn:microsoft.com/office/officeart/2005/8/colors/accent1_2">
+  <dgm:title val=""/>
+  <dgm:desc val=""/>
+  <dgm:catLst>
+    <dgm:cat type="accent1" pri="11200"/>
+  </dgm:catLst>
+  <dgm:styleLbl name="node0">
+    <dgm:fillClrLst meth="repeat">
+      <a:schemeClr val="accent1"/>
+    </dgm:fillClrLst>
+    <dgm:linClrLst meth="repeat">
+      <a:schemeClr val="lt1"/>
+    </dgm:linClrLst>
+    <dgm:effectClrLst/>
+    <dgm:txLinClrLst/>
+    <dgm:txFillClrLst/>
+    <dgm:txEffectClrLst/>
+  </dgm:styleLbl>
+  <dgm:styleLbl name="alignNode1">
+    <dgm:fillClrLst meth="repeat">
+      <a:schemeClr val="accent1"/>
+    </dgm:fillClrLst>
+    <dgm:linClrLst meth="repeat">
+      <a:schemeClr val="accent1"/>
+    </dgm:linClrLst>
+    <dgm:effectClrLst/>
+    <dgm:txLinClrLst/>
+    <dgm:txFillClrLst/>
+    <dgm:txEffectClrLst/>
+  </dgm:styleLbl>
+  <dgm:styleLbl name="node1">
+    <dgm:fillClrLst meth="repeat">
+      <a:schemeClr val="accent1"/>
+    </dgm:fillClrLst>
+    <dgm:linClrLst meth="repeat">
+      <a:schemeClr val="lt1"/>
+    </dgm:linClrLst>
+    <dgm:effectClrLst/>
+    <dgm:txLinClrLst/>
+    <dgm:txFillClrLst/>
+    <dgm:txEffectClrLst/>
+  </dgm:styleLbl>
+  <dgm:styleLbl name="lnNode1">
+    <dgm:fillClrLst meth="repeat">
+      <a:schemeClr val="accent1"/>
+    </dgm:fillClrLst>
+    <dgm:linClrLst meth="repeat">
+      <a:schemeClr val="lt1"/>
+    </dgm:linClrLst>
+    <dgm:effectClrLst/>
+    <dgm:txLinClrLst/>
+    <dgm:txFillClrLst/>
+    <dgm:txEffectClrLst/>
+  </dgm:styleLbl>
+  <dgm:styleLbl name="vennNode1">
+    <dgm:fillClrLst meth="repeat">
+      <a:schemeClr val="accent1">
+        <a:alpha val="50000"/>
+      </a:schemeClr>
+    </dgm:fillClrLst>
+    <dgm:linClrLst meth="repeat">
+      <a:schemeClr val="lt1"/>
+    </dgm:linClrLst>
+    <dgm:effectClrLst/>
+    <dgm:txLinClrLst/>
+    <dgm:txFillClrLst/>
+    <dgm:txEffectClrLst/>
+  </dgm:styleLbl>
+  <dgm:styleLbl name="node2">
+    <dgm:fillClrLst meth="repeat">
+      <a:schemeClr val="accent1"/>
+    </dgm:fillClrLst>
+    <dgm:linClrLst meth="repeat">
+      <a:schemeClr val="lt1"/>
+    </dgm:linClrLst>
+    <dgm:effectClrLst/>
+    <dgm:txLinClrLst/>
+    <dgm:txFillClrLst/>
+    <dgm:txEffectClrLst/>
+  </dgm:styleLbl>
+  <dgm:styleLbl name="node3">
+    <dgm:fillClrLst meth="repeat">
+      <a:schemeClr val="accent1"/>
+    </dgm:fillClrLst>
+    <dgm:linClrLst meth="repeat">
+      <a:schemeClr val="lt1"/>
+    </dgm:linClrLst>
+    <dgm:effectClrLst/>
+    <dgm:txLinClrLst/>
+    <dgm:txFillClrLst/>
+    <dgm:txEffectClrLst/>
+  </dgm:styleLbl>
+  <dgm:styleLbl name="node4">
+    <dgm:fillClrLst meth="repeat">
+      <a:schemeClr val="accent1"/>
+    </dgm:fillClrLst>
+    <dgm:linClrLst meth="repeat">
+      <a:schemeClr val="lt1"/>
+    </dgm:linClrLst>
+    <dgm:effectClrLst/>
+    <dgm:txLinClrLst/>
+    <dgm:txFillClrLst/>
+    <dgm:txEffectClrLst/>
+  </dgm:styleLbl>
+  <dgm:styleLbl name="fgImgPlace1">
+    <dgm:fillClrLst meth="repeat">
+      <a:schemeClr val="accent1">
+        <a:tint val="50000"/>
+      </a:schemeClr>
+    </dgm:fillClrLst>
+    <dgm:linClrLst meth="repeat">
+      <a:schemeClr val="lt1"/>
+    </dgm:linClrLst>
+    <dgm:effectClrLst/>
+    <dgm:txLinClrLst/>
+    <dgm:txFillClrLst meth="repeat">
+      <a:schemeClr val="lt1"/>
+    </dgm:txFillClrLst>
+    <dgm:txEffectClrLst/>
+  </dgm:styleLbl>
+  <dgm:styleLbl name="alignImgPlace1">
+    <dgm:fillClrLst meth="repeat">
+      <a:schemeClr val="accent1">
+        <a:tint val="50000"/>
+      </a:schemeClr>
+    </dgm:fillClrLst>
+    <dgm:linClrLst meth="repeat">
+      <a:schemeClr val="lt1"/>
+    </dgm:linClrLst>
+    <dgm:effectClrLst/>
+    <dgm:txLinClrLst/>
+    <dgm:txFillClrLst meth="repeat">
+      <a:schemeClr val="lt1"/>
+    </dgm:txFillClrLst>
+    <dgm:txEffectClrLst/>
+  </dgm:styleLbl>
+  <dgm:styleLbl name="bgImgPlace1">
+    <dgm:fillClrLst meth="repeat">
+      <a:schemeClr val="accent1">
+        <a:tint val="50000"/>
+      </a:schemeClr>
+    </dgm:fillClrLst>
+    <dgm:linClrLst meth="repeat">
+      <a:schemeClr val="lt1"/>
+    </dgm:linClrLst>
+    <dgm:effectClrLst/>
+    <dgm:txLinClrLst/>
+    <dgm:txFillClrLst meth="repeat">
+      <a:schemeClr val="lt1"/>
+    </dgm:txFillClrLst>
+    <dgm:txEffectClrLst/>
+  </dgm:styleLbl>
+  <dgm:styleLbl name="sibTrans2D1">
+    <dgm:fillClrLst meth="repeat">
+      <a:schemeClr val="accent1">
+        <a:tint val="60000"/>
+      </a:schemeClr>
+    </dgm:fillClrLst>
+    <dgm:linClrLst meth="repeat">
+      <a:schemeClr val="accent1">
+        <a:tint val="60000"/>
+      </a:schemeClr>
+    </dgm:linClrLst>
+    <dgm:effectClrLst/>
+    <dgm:txLinClrLst/>
+    <dgm:txFillClrLst/>
+    <dgm:txEffectClrLst/>
+  </dgm:styleLbl>
+  <dgm:styleLbl name="fgSibTrans2D1">
+    <dgm:fillClrLst meth="repeat">
+      <a:schemeClr val="accent1">
+        <a:tint val="60000"/>
+      </a:schemeClr>
+    </dgm:fillClrLst>
+    <dgm:linClrLst meth="repeat">
+      <a:schemeClr val="accent1">
+        <a:tint val="60000"/>
+      </a:schemeClr>
+    </dgm:linClrLst>
+    <dgm:effectClrLst/>
+    <dgm:txLinClrLst/>
+    <dgm:txFillClrLst/>
+    <dgm:txEffectClrLst/>
+  </dgm:styleLbl>
+  <dgm:styleLbl name="bgSibTrans2D1">
+    <dgm:fillClrLst meth="repeat">
+      <a:schemeClr val="accent1">
+        <a:tint val="60000"/>
+      </a:schemeClr>
+    </dgm:fillClrLst>
+    <dgm:linClrLst meth="repeat">
+      <a:schemeClr val="accent1">
+        <a:tint val="60000"/>
+      </a:schemeClr>
+    </dgm:linClrLst>
+    <dgm:effectClrLst/>
+    <dgm:txLinClrLst/>
+    <dgm:txFillClrLst/>
+    <dgm:txEffectClrLst/>
+  </dgm:styleLbl>
+  <dgm:styleLbl name="sibTrans1D1">
+    <dgm:fillClrLst meth="repeat">
+      <a:schemeClr val="accent1"/>
+    </dgm:fillClrLst>
+    <dgm:linClrLst meth="repeat">
+      <a:schemeClr val="accent1"/>
+    </dgm:linClrLst>
+    <dgm:effectClrLst/>
+    <dgm:txLinClrLst/>
+    <dgm:txFillClrLst meth="repeat">
+      <a:schemeClr val="tx1"/>
+    </dgm:txFillClrLst>
+    <dgm:txEffectClrLst/>
+  </dgm:styleLbl>
+  <dgm:styleLbl name="callout">
+    <dgm:fillClrLst meth="repeat">
+      <a:schemeClr val="accent1"/>
+    </dgm:fillClrLst>
+    <dgm:linClrLst meth="repeat">
+      <a:schemeClr val="accent1">
+        <a:tint val="50000"/>
+      </a:schemeClr>
+    </dgm:linClrLst>
+    <dgm:effectClrLst/>
+    <dgm:txLinClrLst/>
+    <dgm:txFillClrLst meth="repeat">
+      <a:schemeClr val="tx1"/>
+    </dgm:txFillClrLst>
+    <dgm:txEffectClrLst/>
+  </dgm:styleLbl>
+  <dgm:styleLbl name="asst0">
+    <dgm:fillClrLst meth="repeat">
+      <a:schemeClr val="accent1"/>
+    </dgm:fillClrLst>
+    <dgm:linClrLst meth="repeat">
+      <a:schemeClr val="lt1"/>
+    </dgm:linClrLst>
+    <dgm:effectClrLst/>
+    <dgm:txLinClrLst/>
+    <dgm:txFillClrLst/>
+    <dgm:txEffectClrLst/>
+  </dgm:styleLbl>
+  <dgm:styleLbl name="asst1">
+    <dgm:fillClrLst meth="repeat">
+      <a:schemeClr val="accent1"/>
+    </dgm:fillClrLst>
+    <dgm:linClrLst meth="repeat">
+      <a:schemeClr val="lt1"/>
+    </dgm:linClrLst>
+    <dgm:effectClrLst/>
+    <dgm:txLinClrLst/>
+    <dgm:txFillClrLst/>
+    <dgm:txEffectClrLst/>
+  </dgm:styleLbl>
+  <dgm:styleLbl name="asst2">
+    <dgm:fillClrLst meth="repeat">
+      <a:schemeClr val="accent1"/>
+    </dgm:fillClrLst>
+    <dgm:linClrLst meth="repeat">
+      <a:schemeClr val="lt1"/>
+    </dgm:linClrLst>
+    <dgm:effectClrLst/>
+    <dgm:txLinClrLst/>
+    <dgm:txFillClrLst/>
+    <dgm:txEffectClrLst/>
+  </dgm:styleLbl>
+  <dgm:styleLbl name="asst3">
+    <dgm:fillClrLst meth="repeat">
+      <a:schemeClr val="accent1"/>
+    </dgm:fillClrLst>
+    <dgm:linClrLst meth="repeat">
+      <a:schemeClr val="lt1"/>
+    </dgm:linClrLst>
+    <dgm:effectClrLst/>
+    <dgm:txLinClrLst/>
+    <dgm:txFillClrLst/>
+    <dgm:txEffectClrLst/>
+  </dgm:styleLbl>
+  <dgm:styleLbl name="asst4">
+    <dgm:fillClrLst meth="repeat">
+      <a:schemeClr val="accent1"/>
+    </dgm:fillClrLst>
+    <dgm:linClrLst meth="repeat">
+      <a:schemeClr val="lt1"/>
+    </dgm:linClrLst>
+    <dgm:effectClrLst/>
+    <dgm:txLinClrLst/>
+    <dgm:txFillClrLst/>
+    <dgm:txEffectClrLst/>
+  </dgm:styleLbl>
+  <dgm:styleLbl name="parChTrans2D1">
+    <dgm:fillClrLst meth="repeat">
+      <a:schemeClr val="accent1">
+        <a:tint val="60000"/>
+      </a:schemeClr>
+    </dgm:fillClrLst>
+    <dgm:linClrLst meth="repeat">
+      <a:schemeClr val="accent1">
+        <a:tint val="60000"/>
+      </a:schemeClr>
+    </dgm:linClrLst>
+    <dgm:effectClrLst/>
+    <dgm:txLinClrLst/>
+    <dgm:txFillClrLst meth="repeat">
+      <a:schemeClr val="lt1"/>
+    </dgm:txFillClrLst>
+    <dgm:txEffectClrLst/>
+  </dgm:styleLbl>
+  <dgm:styleLbl name="parChTrans2D2">
+    <dgm:fillClrLst meth="repeat">
+      <a:schemeClr val="accent1"/>
+    </dgm:fillClrLst>
+    <dgm:linClrLst meth="repeat">
+      <a:schemeClr val="accent1"/>
+    </dgm:linClrLst>
+    <dgm:effectClrLst/>
+    <dgm:txLinClrLst/>
+    <dgm:txFillClrLst meth="repeat">
+      <a:schemeClr val="lt1"/>
+    </dgm:txFillClrLst>
+    <dgm:txEffectClrLst/>
+  </dgm:styleLbl>
+  <dgm:styleLbl name="parChTrans2D3">
+    <dgm:fillClrLst meth="repeat">
+      <a:schemeClr val="accent1"/>
+    </dgm:fillClrLst>
+    <dgm:linClrLst meth="repeat">
+      <a:schemeClr val="accent1"/>
+    </dgm:linClrLst>
+    <dgm:effectClrLst/>
+    <dgm:txLinClrLst/>
+    <dgm:txFillClrLst meth="repeat">
+      <a:schemeClr val="lt1"/>
+    </dgm:txFillClrLst>
+    <dgm:txEffectClrLst/>
+  </dgm:styleLbl>
+  <dgm:styleLbl name="parChTrans2D4">
+    <dgm:fillClrLst meth="repeat">
+      <a:schemeClr val="accent1"/>
+    </dgm:fillClrLst>
+    <dgm:linClrLst meth="repeat">
+      <a:schemeClr val="accent1"/>
+    </dgm:linClrLst>
+    <dgm:effectClrLst/>
+    <dgm:txLinClrLst/>
+    <dgm:txFillClrLst meth="repeat">
+      <a:schemeClr val="lt1"/>
+    </dgm:txFillClrLst>
+    <dgm:txEffectClrLst/>
+  </dgm:styleLbl>
+  <dgm:styleLbl name="parChTrans1D1">
+    <dgm:fillClrLst meth="repeat">
+      <a:schemeClr val="accent1"/>
+    </dgm:fillClrLst>
+    <dgm:linClrLst meth="repeat">
+      <a:schemeClr val="accent1">
+        <a:shade val="60000"/>
+      </a:schemeClr>
+    </dgm:linClrLst>
+    <dgm:effectClrLst/>
+    <dgm:txLinClrLst/>
+    <dgm:txFillClrLst meth="repeat">
+      <a:schemeClr val="tx1"/>
+    </dgm:txFillClrLst>
+    <dgm:txEffectClrLst/>
+  </dgm:styleLbl>
+  <dgm:styleLbl name="parChTrans1D2">
+    <dgm:fillClrLst meth="repeat">
+      <a:schemeClr val="accent1"/>
+    </dgm:fillClrLst>
+    <dgm:linClrLst meth="repeat">
+      <a:schemeClr val="accent1">
+        <a:shade val="60000"/>
+      </a:schemeClr>
+    </dgm:linClrLst>
+    <dgm:effectClrLst/>
+    <dgm:txLinClrLst/>
+    <dgm:txFillClrLst meth="repeat">
+      <a:schemeClr val="tx1"/>
+    </dgm:txFillClrLst>
+    <dgm:txEffectClrLst/>
+  </dgm:styleLbl>
+  <dgm:styleLbl name="parChTrans1D3">
+    <dgm:fillClrLst meth="repeat">
+      <a:schemeClr val="accent1"/>
+    </dgm:fillClrLst>
+    <dgm:linClrLst meth="repeat">
+      <a:schemeClr val="accent1">
+        <a:shade val="80000"/>
+      </a:schemeClr>
+    </dgm:linClrLst>
+    <dgm:effectClrLst/>
+    <dgm:txLinClrLst/>
+    <dgm:txFillClrLst meth="repeat">
+      <a:schemeClr val="tx1"/>
+    </dgm:txFillClrLst>
+    <dgm:txEffectClrLst/>
+  </dgm:styleLbl>
+  <dgm:styleLbl name="parChTrans1D4">
+    <dgm:fillClrLst meth="repeat">
+      <a:schemeClr val="accent1"/>
+    </dgm:fillClrLst>
+    <dgm:linClrLst meth="repeat">
+      <a:schemeClr val="accent1">
+        <a:shade val="80000"/>
+      </a:schemeClr>
+    </dgm:linClrLst>
+    <dgm:effectClrLst/>
+    <dgm:txLinClrLst/>
+    <dgm:txFillClrLst meth="repeat">
+      <a:schemeClr val="tx1"/>
+    </dgm:txFillClrLst>
+    <dgm:txEffectClrLst/>
+  </dgm:styleLbl>
+  <dgm:styleLbl name="fgAcc1">
+    <dgm:fillClrLst meth="repeat">
+      <a:schemeClr val="lt1">
+        <a:alpha val="90000"/>
+      </a:schemeClr>
+    </dgm:fillClrLst>
+    <dgm:linClrLst meth="repeat">
+      <a:schemeClr val="accent1"/>
+    </dgm:linClrLst>
+    <dgm:effectClrLst/>
+    <dgm:txLinClrLst/>
+    <dgm:txFillClrLst meth="repeat">
+      <a:schemeClr val="dk1"/>
+    </dgm:txFillClrLst>
+    <dgm:txEffectClrLst/>
+  </dgm:styleLbl>
+  <dgm:styleLbl name="conFgAcc1">
+    <dgm:fillClrLst meth="repeat">
+      <a:schemeClr val="lt1">
+        <a:alpha val="90000"/>
+      </a:schemeClr>
+    </dgm:fillClrLst>
+    <dgm:linClrLst meth="repeat">
+      <a:schemeClr val="accent1"/>
+    </dgm:linClrLst>
+    <dgm:effectClrLst/>
+    <dgm:txLinClrLst/>
+    <dgm:txFillClrLst meth="repeat">
+      <a:schemeClr val="dk1"/>
+    </dgm:txFillClrLst>
+    <dgm:txEffectClrLst/>
+  </dgm:styleLbl>
+  <dgm:styleLbl name="alignAcc1">
+    <dgm:fillClrLst meth="repeat">
+      <a:schemeClr val="lt1">
+        <a:alpha val="90000"/>
+      </a:schemeClr>
+    </dgm:fillClrLst>
+    <dgm:linClrLst meth="repeat">
+      <a:schemeClr val="accent1"/>
+    </dgm:linClrLst>
+    <dgm:effectClrLst/>
+    <dgm:txLinClrLst/>
+    <dgm:txFillClrLst meth="repeat">
+      <a:schemeClr val="dk1"/>
+    </dgm:txFillClrLst>
+    <dgm:txEffectClrLst/>
+  </dgm:styleLbl>
+  <dgm:styleLbl name="trAlignAcc1">
+    <dgm:fillClrLst meth="repeat">
+      <a:schemeClr val="lt1">
+        <a:alpha val="40000"/>
+      </a:schemeClr>
+    </dgm:fillClrLst>
+    <dgm:linClrLst meth="repeat">
+      <a:schemeClr val="accent1"/>
+    </dgm:linClrLst>
+    <dgm:effectClrLst/>
+    <dgm:txLinClrLst/>
+    <dgm:txFillClrLst meth="repeat">
+      <a:schemeClr val="dk1"/>
+    </dgm:txFillClrLst>
+    <dgm:txEffectClrLst/>
+  </dgm:styleLbl>
+  <dgm:styleLbl name="bgAcc1">
+    <dgm:fillClrLst meth="repeat">
+      <a:schemeClr val="lt1">
+        <a:alpha val="90000"/>
+      </a:schemeClr>
+    </dgm:fillClrLst>
+    <dgm:linClrLst meth="repeat">
+      <a:schemeClr val="accent1"/>
+    </dgm:linClrLst>
+    <dgm:effectClrLst/>
+    <dgm:txLinClrLst/>
+    <dgm:txFillClrLst meth="repeat">
+      <a:schemeClr val="dk1"/>
+    </dgm:txFillClrLst>
+    <dgm:txEffectClrLst/>
+  </dgm:styleLbl>
+  <dgm:styleLbl name="solidFgAcc1">
+    <dgm:fillClrLst meth="repeat">
+      <a:schemeClr val="lt1"/>
+    </dgm:fillClrLst>
+    <dgm:linClrLst meth="repeat">
+      <a:schemeClr val="accent1"/>
+    </dgm:linClrLst>
+    <dgm:effectClrLst/>
+    <dgm:txLinClrLst/>
+    <dgm:txFillClrLst meth="repeat">
+      <a:schemeClr val="dk1"/>
+    </dgm:txFillClrLst>
+    <dgm:txEffectClrLst/>
+  </dgm:styleLbl>
+  <dgm:styleLbl name="solidAlignAcc1">
+    <dgm:fillClrLst meth="repeat">
+      <a:schemeClr val="lt1"/>
+    </dgm:fillClrLst>
+    <dgm:linClrLst meth="repeat">
+      <a:schemeClr val="accent1"/>
+    </dgm:linClrLst>
+    <dgm:effectClrLst/>
+    <dgm:txLinClrLst/>
+    <dgm:txFillClrLst meth="repeat">
+      <a:schemeClr val="dk1"/>
+    </dgm:txFillClrLst>
+    <dgm:txEffectClrLst/>
+  </dgm:styleLbl>
+  <dgm:styleLbl name="solidBgAcc1">
+    <dgm:fillClrLst meth="repeat">
+      <a:schemeClr val="lt1"/>
+    </dgm:fillClrLst>
+    <dgm:linClrLst meth="repeat">
+      <a:schemeClr val="accent1"/>
+    </dgm:linClrLst>
+    <dgm:effectClrLst/>
+    <dgm:txLinClrLst/>
+    <dgm:txFillClrLst meth="repeat">
+      <a:schemeClr val="dk1"/>
+    </dgm:txFillClrLst>
+    <dgm:txEffectClrLst/>
+  </dgm:styleLbl>
+  <dgm:styleLbl name="fgAccFollowNode1">
+    <dgm:fillClrLst meth="repeat">
+      <a:schemeClr val="accent1">
+        <a:alpha val="90000"/>
+        <a:tint val="40000"/>
+      </a:schemeClr>
+    </dgm:fillClrLst>
+    <dgm:linClrLst meth="repeat">
+      <a:schemeClr val="accent1">
+        <a:alpha val="90000"/>
+        <a:tint val="40000"/>
+      </a:schemeClr>
+    </dgm:linClrLst>
+    <dgm:effectClrLst/>
+    <dgm:txLinClrLst/>
+    <dgm:txFillClrLst meth="repeat">
+      <a:schemeClr val="dk1"/>
+    </dgm:txFillClrLst>
+    <dgm:txEffectClrLst/>
+  </dgm:styleLbl>
+  <dgm:styleLbl name="alignAccFollowNode1">
+    <dgm:fillClrLst meth="repeat">
+      <a:schemeClr val="accent1">
+        <a:alpha val="90000"/>
+        <a:tint val="40000"/>
+      </a:schemeClr>
+    </dgm:fillClrLst>
+    <dgm:linClrLst meth="repeat">
+      <a:schemeClr val="accent1">
+        <a:alpha val="90000"/>
+        <a:tint val="40000"/>
+      </a:schemeClr>
+    </dgm:linClrLst>
+    <dgm:effectClrLst/>
+    <dgm:txLinClrLst/>
+    <dgm:txFillClrLst meth="repeat">
+      <a:schemeClr val="dk1"/>
+    </dgm:txFillClrLst>
+    <dgm:txEffectClrLst/>
+  </dgm:styleLbl>
+  <dgm:styleLbl name="bgAccFollowNode1">
+    <dgm:fillClrLst meth="repeat">
+      <a:schemeClr val="accent1">
+        <a:alpha val="90000"/>
+        <a:tint val="40000"/>
+      </a:schemeClr>
+    </dgm:fillClrLst>
+    <dgm:linClrLst meth="repeat">
+      <a:schemeClr val="accent1">
+        <a:alpha val="90000"/>
+        <a:tint val="40000"/>
+      </a:schemeClr>
+    </dgm:linClrLst>
+    <dgm:effectClrLst/>
+    <dgm:txLinClrLst/>
+    <dgm:txFillClrLst meth="repeat">
+      <a:schemeClr val="dk1"/>
+    </dgm:txFillClrLst>
+    <dgm:txEffectClrLst/>
+  </dgm:styleLbl>
+  <dgm:styleLbl name="fgAcc0">
+    <dgm:fillClrLst meth="repeat">
+      <a:schemeClr val="lt1">
+        <a:alpha val="90000"/>
+      </a:schemeClr>
+    </dgm:fillClrLst>
+    <dgm:linClrLst meth="repeat">
+      <a:schemeClr val="accent1"/>
+    </dgm:linClrLst>
+    <dgm:effectClrLst/>
+    <dgm:txLinClrLst/>
+    <dgm:txFillClrLst meth="repeat">
+      <a:schemeClr val="dk1"/>
+    </dgm:txFillClrLst>
+    <dgm:txEffectClrLst/>
+  </dgm:styleLbl>
+  <dgm:styleLbl name="fgAcc2">
+    <dgm:fillClrLst meth="repeat">
+      <a:schemeClr val="lt1">
+        <a:alpha val="90000"/>
+      </a:schemeClr>
+    </dgm:fillClrLst>
+    <dgm:linClrLst meth="repeat">
+      <a:schemeClr val="accent1"/>
+    </dgm:linClrLst>
+    <dgm:effectClrLst/>
+    <dgm:txLinClrLst/>
+    <dgm:txFillClrLst meth="repeat">
+      <a:schemeClr val="dk1"/>
+    </dgm:txFillClrLst>
+    <dgm:txEffectClrLst/>
+  </dgm:styleLbl>
+  <dgm:styleLbl name="fgAcc3">
+    <dgm:fillClrLst meth="repeat">
+      <a:schemeClr val="lt1">
+        <a:alpha val="90000"/>
+      </a:schemeClr>
+    </dgm:fillClrLst>
+    <dgm:linClrLst meth="repeat">
+      <a:schemeClr val="accent1"/>
+    </dgm:linClrLst>
+    <dgm:effectClrLst/>
+    <dgm:txLinClrLst/>
+    <dgm:txFillClrLst meth="repeat">
+      <a:schemeClr val="dk1"/>
+    </dgm:txFillClrLst>
+    <dgm:txEffectClrLst/>
+  </dgm:styleLbl>
+  <dgm:styleLbl name="fgAcc4">
+    <dgm:fillClrLst meth="repeat">
+      <a:schemeClr val="lt1">
+        <a:alpha val="90000"/>
+      </a:schemeClr>
+    </dgm:fillClrLst>
+    <dgm:linClrLst meth="repeat">
+      <a:schemeClr val="accent1"/>
+    </dgm:linClrLst>
+    <dgm:effectClrLst/>
+    <dgm:txLinClrLst/>
+    <dgm:txFillClrLst meth="repeat">
+      <a:schemeClr val="dk1"/>
+    </dgm:txFillClrLst>
+    <dgm:txEffectClrLst/>
+  </dgm:styleLbl>
+  <dgm:styleLbl name="bgShp">
+    <dgm:fillClrLst meth="repeat">
+      <a:schemeClr val="accent1">
+        <a:tint val="40000"/>
+      </a:schemeClr>
+    </dgm:fillClrLst>
+    <dgm:linClrLst meth="repeat">
+      <a:schemeClr val="accent1"/>
+    </dgm:linClrLst>
+    <dgm:effectClrLst/>
+    <dgm:txLinClrLst/>
+    <dgm:txFillClrLst meth="repeat">
+      <a:schemeClr val="dk1"/>
+    </dgm:txFillClrLst>
+    <dgm:txEffectClrLst/>
+  </dgm:styleLbl>
+  <dgm:styleLbl name="dkBgShp">
+    <dgm:fillClrLst meth="repeat">
+      <a:schemeClr val="accent1">
+        <a:shade val="80000"/>
+      </a:schemeClr>
+    </dgm:fillClrLst>
+    <dgm:linClrLst meth="repeat">
+      <a:schemeClr val="accent1"/>
+    </dgm:linClrLst>
+    <dgm:effectClrLst/>
+    <dgm:txLinClrLst/>
+    <dgm:txFillClrLst meth="repeat">
+      <a:schemeClr val="lt1"/>
+    </dgm:txFillClrLst>
+    <dgm:txEffectClrLst/>
+  </dgm:styleLbl>
+  <dgm:styleLbl name="trBgShp">
+    <dgm:fillClrLst meth="repeat">
+      <a:schemeClr val="accent1">
+        <a:tint val="50000"/>
+        <a:alpha val="40000"/>
+      </a:schemeClr>
+    </dgm:fillClrLst>
+    <dgm:linClrLst meth="repeat">
+      <a:schemeClr val="accent1"/>
+    </dgm:linClrLst>
+    <dgm:effectClrLst/>
+    <dgm:txLinClrLst/>
+    <dgm:txFillClrLst meth="repeat">
+      <a:schemeClr val="lt1"/>
+    </dgm:txFillClrLst>
+    <dgm:txEffectClrLst/>
+  </dgm:styleLbl>
+  <dgm:styleLbl name="fgShp">
+    <dgm:fillClrLst meth="repeat">
+      <a:schemeClr val="accent1">
+        <a:tint val="60000"/>
+      </a:schemeClr>
+    </dgm:fillClrLst>
+    <dgm:linClrLst meth="repeat">
+      <a:schemeClr val="lt1"/>
+    </dgm:linClrLst>
+    <dgm:effectClrLst/>
+    <dgm:txLinClrLst/>
+    <dgm:txFillClrLst meth="repeat">
+      <a:schemeClr val="dk1"/>
+    </dgm:txFillClrLst>
+    <dgm:txEffectClrLst/>
+  </dgm:styleLbl>
+  <dgm:styleLbl name="revTx">
+    <dgm:fillClrLst meth="repeat">
+      <a:schemeClr val="lt1">
+        <a:alpha val="0"/>
+      </a:schemeClr>
+    </dgm:fillClrLst>
+    <dgm:linClrLst meth="repeat">
+      <a:schemeClr val="dk1">
+        <a:alpha val="0"/>
+      </a:schemeClr>
+    </dgm:linClrLst>
+    <dgm:effectClrLst/>
+    <dgm:txLinClrLst/>
+    <dgm:txFillClrLst meth="repeat">
+      <a:schemeClr val="tx1"/>
+    </dgm:txFillClrLst>
+    <dgm:txEffectClrLst/>
+  </dgm:styleLbl>
+</dgm:colorsDef>
+</file>
+
+<file path=ppt/diagrams/colors2.xml><?xml version="1.0" encoding="utf-8"?>
+<dgm:colorsDef xmlns:dgm="http://schemas.openxmlformats.org/drawingml/2006/diagram" xmlns:a="http://schemas.openxmlformats.org/drawingml/2006/main" uniqueId="urn:microsoft.com/office/officeart/2005/8/colors/accent1_2">
+  <dgm:title val=""/>
+  <dgm:desc val=""/>
+  <dgm:catLst>
+    <dgm:cat type="accent1" pri="11200"/>
+  </dgm:catLst>
+  <dgm:styleLbl name="node0">
+    <dgm:fillClrLst meth="repeat">
+      <a:schemeClr val="accent1"/>
+    </dgm:fillClrLst>
+    <dgm:linClrLst meth="repeat">
+      <a:schemeClr val="lt1"/>
+    </dgm:linClrLst>
+    <dgm:effectClrLst/>
+    <dgm:txLinClrLst/>
+    <dgm:txFillClrLst/>
+    <dgm:txEffectClrLst/>
+  </dgm:styleLbl>
+  <dgm:styleLbl name="alignNode1">
+    <dgm:fillClrLst meth="repeat">
+      <a:schemeClr val="accent1"/>
+    </dgm:fillClrLst>
+    <dgm:linClrLst meth="repeat">
+      <a:schemeClr val="accent1"/>
+    </dgm:linClrLst>
+    <dgm:effectClrLst/>
+    <dgm:txLinClrLst/>
+    <dgm:txFillClrLst/>
+    <dgm:txEffectClrLst/>
+  </dgm:styleLbl>
+  <dgm:styleLbl name="node1">
+    <dgm:fillClrLst meth="repeat">
+      <a:schemeClr val="accent1"/>
+    </dgm:fillClrLst>
+    <dgm:linClrLst meth="repeat">
+      <a:schemeClr val="lt1"/>
+    </dgm:linClrLst>
+    <dgm:effectClrLst/>
+    <dgm:txLinClrLst/>
+    <dgm:txFillClrLst/>
+    <dgm:txEffectClrLst/>
+  </dgm:styleLbl>
+  <dgm:styleLbl name="lnNode1">
+    <dgm:fillClrLst meth="repeat">
+      <a:schemeClr val="accent1"/>
+    </dgm:fillClrLst>
+    <dgm:linClrLst meth="repeat">
+      <a:schemeClr val="lt1"/>
+    </dgm:linClrLst>
+    <dgm:effectClrLst/>
+    <dgm:txLinClrLst/>
+    <dgm:txFillClrLst/>
+    <dgm:txEffectClrLst/>
+  </dgm:styleLbl>
+  <dgm:styleLbl name="vennNode1">
+    <dgm:fillClrLst meth="repeat">
+      <a:schemeClr val="accent1">
+        <a:alpha val="50000"/>
+      </a:schemeClr>
+    </dgm:fillClrLst>
+    <dgm:linClrLst meth="repeat">
+      <a:schemeClr val="lt1"/>
+    </dgm:linClrLst>
+    <dgm:effectClrLst/>
+    <dgm:txLinClrLst/>
+    <dgm:txFillClrLst/>
+    <dgm:txEffectClrLst/>
+  </dgm:styleLbl>
+  <dgm:styleLbl name="node2">
+    <dgm:fillClrLst meth="repeat">
+      <a:schemeClr val="accent1"/>
+    </dgm:fillClrLst>
+    <dgm:linClrLst meth="repeat">
+      <a:schemeClr val="lt1"/>
+    </dgm:linClrLst>
+    <dgm:effectClrLst/>
+    <dgm:txLinClrLst/>
+    <dgm:txFillClrLst/>
+    <dgm:txEffectClrLst/>
+  </dgm:styleLbl>
+  <dgm:styleLbl name="node3">
+    <dgm:fillClrLst meth="repeat">
+      <a:schemeClr val="accent1"/>
+    </dgm:fillClrLst>
+    <dgm:linClrLst meth="repeat">
+      <a:schemeClr val="lt1"/>
+    </dgm:linClrLst>
+    <dgm:effectClrLst/>
+    <dgm:txLinClrLst/>
+    <dgm:txFillClrLst/>
+    <dgm:txEffectClrLst/>
+  </dgm:styleLbl>
+  <dgm:styleLbl name="node4">
+    <dgm:fillClrLst meth="repeat">
+      <a:schemeClr val="accent1"/>
+    </dgm:fillClrLst>
+    <dgm:linClrLst meth="repeat">
+      <a:schemeClr val="lt1"/>
+    </dgm:linClrLst>
+    <dgm:effectClrLst/>
+    <dgm:txLinClrLst/>
+    <dgm:txFillClrLst/>
+    <dgm:txEffectClrLst/>
+  </dgm:styleLbl>
+  <dgm:styleLbl name="fgImgPlace1">
+    <dgm:fillClrLst meth="repeat">
+      <a:schemeClr val="accent1">
+        <a:tint val="50000"/>
+      </a:schemeClr>
+    </dgm:fillClrLst>
+    <dgm:linClrLst meth="repeat">
+      <a:schemeClr val="lt1"/>
+    </dgm:linClrLst>
+    <dgm:effectClrLst/>
+    <dgm:txLinClrLst/>
+    <dgm:txFillClrLst meth="repeat">
+      <a:schemeClr val="lt1"/>
+    </dgm:txFillClrLst>
+    <dgm:txEffectClrLst/>
+  </dgm:styleLbl>
+  <dgm:styleLbl name="alignImgPlace1">
+    <dgm:fillClrLst meth="repeat">
+      <a:schemeClr val="accent1">
+        <a:tint val="50000"/>
+      </a:schemeClr>
+    </dgm:fillClrLst>
+    <dgm:linClrLst meth="repeat">
+      <a:schemeClr val="lt1"/>
+    </dgm:linClrLst>
+    <dgm:effectClrLst/>
+    <dgm:txLinClrLst/>
+    <dgm:txFillClrLst meth="repeat">
+      <a:schemeClr val="lt1"/>
+    </dgm:txFillClrLst>
+    <dgm:txEffectClrLst/>
+  </dgm:styleLbl>
+  <dgm:styleLbl name="bgImgPlace1">
+    <dgm:fillClrLst meth="repeat">
+      <a:schemeClr val="accent1">
+        <a:tint val="50000"/>
+      </a:schemeClr>
+    </dgm:fillClrLst>
+    <dgm:linClrLst meth="repeat">
+      <a:schemeClr val="lt1"/>
+    </dgm:linClrLst>
+    <dgm:effectClrLst/>
+    <dgm:txLinClrLst/>
+    <dgm:txFillClrLst meth="repeat">
+      <a:schemeClr val="lt1"/>
+    </dgm:txFillClrLst>
+    <dgm:txEffectClrLst/>
+  </dgm:styleLbl>
+  <dgm:styleLbl name="sibTrans2D1">
+    <dgm:fillClrLst meth="repeat">
+      <a:schemeClr val="accent1">
+        <a:tint val="60000"/>
+      </a:schemeClr>
+    </dgm:fillClrLst>
+    <dgm:linClrLst meth="repeat">
+      <a:schemeClr val="accent1">
+        <a:tint val="60000"/>
+      </a:schemeClr>
+    </dgm:linClrLst>
+    <dgm:effectClrLst/>
+    <dgm:txLinClrLst/>
+    <dgm:txFillClrLst/>
+    <dgm:txEffectClrLst/>
+  </dgm:styleLbl>
+  <dgm:styleLbl name="fgSibTrans2D1">
+    <dgm:fillClrLst meth="repeat">
+      <a:schemeClr val="accent1">
+        <a:tint val="60000"/>
+      </a:schemeClr>
+    </dgm:fillClrLst>
+    <dgm:linClrLst meth="repeat">
+      <a:schemeClr val="accent1">
+        <a:tint val="60000"/>
+      </a:schemeClr>
+    </dgm:linClrLst>
+    <dgm:effectClrLst/>
+    <dgm:txLinClrLst/>
+    <dgm:txFillClrLst/>
+    <dgm:txEffectClrLst/>
+  </dgm:styleLbl>
+  <dgm:styleLbl name="bgSibTrans2D1">
+    <dgm:fillClrLst meth="repeat">
+      <a:schemeClr val="accent1">
+        <a:tint val="60000"/>
+      </a:schemeClr>
+    </dgm:fillClrLst>
+    <dgm:linClrLst meth="repeat">
+      <a:schemeClr val="accent1">
+        <a:tint val="60000"/>
+      </a:schemeClr>
+    </dgm:linClrLst>
+    <dgm:effectClrLst/>
+    <dgm:txLinClrLst/>
+    <dgm:txFillClrLst/>
+    <dgm:txEffectClrLst/>
+  </dgm:styleLbl>
+  <dgm:styleLbl name="sibTrans1D1">
+    <dgm:fillClrLst meth="repeat">
+      <a:schemeClr val="accent1"/>
+    </dgm:fillClrLst>
+    <dgm:linClrLst meth="repeat">
+      <a:schemeClr val="accent1"/>
+    </dgm:linClrLst>
+    <dgm:effectClrLst/>
+    <dgm:txLinClrLst/>
+    <dgm:txFillClrLst meth="repeat">
+      <a:schemeClr val="tx1"/>
+    </dgm:txFillClrLst>
+    <dgm:txEffectClrLst/>
+  </dgm:styleLbl>
+  <dgm:styleLbl name="callout">
+    <dgm:fillClrLst meth="repeat">
+      <a:schemeClr val="accent1"/>
+    </dgm:fillClrLst>
+    <dgm:linClrLst meth="repeat">
+      <a:schemeClr val="accent1">
+        <a:tint val="50000"/>
+      </a:schemeClr>
+    </dgm:linClrLst>
+    <dgm:effectClrLst/>
+    <dgm:txLinClrLst/>
+    <dgm:txFillClrLst meth="repeat">
+      <a:schemeClr val="tx1"/>
+    </dgm:txFillClrLst>
+    <dgm:txEffectClrLst/>
+  </dgm:styleLbl>
+  <dgm:styleLbl name="asst0">
+    <dgm:fillClrLst meth="repeat">
+      <a:schemeClr val="accent1"/>
+    </dgm:fillClrLst>
+    <dgm:linClrLst meth="repeat">
+      <a:schemeClr val="lt1"/>
+    </dgm:linClrLst>
+    <dgm:effectClrLst/>
+    <dgm:txLinClrLst/>
+    <dgm:txFillClrLst/>
+    <dgm:txEffectClrLst/>
+  </dgm:styleLbl>
+  <dgm:styleLbl name="asst1">
+    <dgm:fillClrLst meth="repeat">
+      <a:schemeClr val="accent1"/>
+    </dgm:fillClrLst>
+    <dgm:linClrLst meth="repeat">
+      <a:schemeClr val="lt1"/>
+    </dgm:linClrLst>
+    <dgm:effectClrLst/>
+    <dgm:txLinClrLst/>
+    <dgm:txFillClrLst/>
+    <dgm:txEffectClrLst/>
+  </dgm:styleLbl>
+  <dgm:styleLbl name="asst2">
+    <dgm:fillClrLst meth="repeat">
+      <a:schemeClr val="accent1"/>
+    </dgm:fillClrLst>
+    <dgm:linClrLst meth="repeat">
+      <a:schemeClr val="lt1"/>
+    </dgm:linClrLst>
+    <dgm:effectClrLst/>
+    <dgm:txLinClrLst/>
+    <dgm:txFillClrLst/>
+    <dgm:txEffectClrLst/>
+  </dgm:styleLbl>
+  <dgm:styleLbl name="asst3">
+    <dgm:fillClrLst meth="repeat">
+      <a:schemeClr val="accent1"/>
+    </dgm:fillClrLst>
+    <dgm:linClrLst meth="repeat">
+      <a:schemeClr val="lt1"/>
+    </dgm:linClrLst>
+    <dgm:effectClrLst/>
+    <dgm:txLinClrLst/>
+    <dgm:txFillClrLst/>
+    <dgm:txEffectClrLst/>
+  </dgm:styleLbl>
+  <dgm:styleLbl name="asst4">
+    <dgm:fillClrLst meth="repeat">
+      <a:schemeClr val="accent1"/>
+    </dgm:fillClrLst>
+    <dgm:linClrLst meth="repeat">
+      <a:schemeClr val="lt1"/>
+    </dgm:linClrLst>
+    <dgm:effectClrLst/>
+    <dgm:txLinClrLst/>
+    <dgm:txFillClrLst/>
+    <dgm:txEffectClrLst/>
+  </dgm:styleLbl>
+  <dgm:styleLbl name="parChTrans2D1">
+    <dgm:fillClrLst meth="repeat">
+      <a:schemeClr val="accent1">
+        <a:tint val="60000"/>
+      </a:schemeClr>
+    </dgm:fillClrLst>
+    <dgm:linClrLst meth="repeat">
+      <a:schemeClr val="accent1">
+        <a:tint val="60000"/>
+      </a:schemeClr>
+    </dgm:linClrLst>
+    <dgm:effectClrLst/>
+    <dgm:txLinClrLst/>
+    <dgm:txFillClrLst meth="repeat">
+      <a:schemeClr val="lt1"/>
+    </dgm:txFillClrLst>
+    <dgm:txEffectClrLst/>
+  </dgm:styleLbl>
+  <dgm:styleLbl name="parChTrans2D2">
+    <dgm:fillClrLst meth="repeat">
+      <a:schemeClr val="accent1"/>
+    </dgm:fillClrLst>
+    <dgm:linClrLst meth="repeat">
+      <a:schemeClr val="accent1"/>
+    </dgm:linClrLst>
+    <dgm:effectClrLst/>
+    <dgm:txLinClrLst/>
+    <dgm:txFillClrLst meth="repeat">
+      <a:schemeClr val="lt1"/>
+    </dgm:txFillClrLst>
+    <dgm:txEffectClrLst/>
+  </dgm:styleLbl>
+  <dgm:styleLbl name="parChTrans2D3">
+    <dgm:fillClrLst meth="repeat">
+      <a:schemeClr val="accent1"/>
+    </dgm:fillClrLst>
+    <dgm:linClrLst meth="repeat">
+      <a:schemeClr val="accent1"/>
+    </dgm:linClrLst>
+    <dgm:effectClrLst/>
+    <dgm:txLinClrLst/>
+    <dgm:txFillClrLst meth="repeat">
+      <a:schemeClr val="lt1"/>
+    </dgm:txFillClrLst>
+    <dgm:txEffectClrLst/>
+  </dgm:styleLbl>
+  <dgm:styleLbl name="parChTrans2D4">
+    <dgm:fillClrLst meth="repeat">
+      <a:schemeClr val="accent1"/>
+    </dgm:fillClrLst>
+    <dgm:linClrLst meth="repeat">
+      <a:schemeClr val="accent1"/>
+    </dgm:linClrLst>
+    <dgm:effectClrLst/>
+    <dgm:txLinClrLst/>
+    <dgm:txFillClrLst meth="repeat">
+      <a:schemeClr val="lt1"/>
+    </dgm:txFillClrLst>
+    <dgm:txEffectClrLst/>
+  </dgm:styleLbl>
+  <dgm:styleLbl name="parChTrans1D1">
+    <dgm:fillClrLst meth="repeat">
+      <a:schemeClr val="accent1"/>
+    </dgm:fillClrLst>
+    <dgm:linClrLst meth="repeat">
+      <a:schemeClr val="accent1">
+        <a:shade val="60000"/>
+      </a:schemeClr>
+    </dgm:linClrLst>
+    <dgm:effectClrLst/>
+    <dgm:txLinClrLst/>
+    <dgm:txFillClrLst meth="repeat">
+      <a:schemeClr val="tx1"/>
+    </dgm:txFillClrLst>
+    <dgm:txEffectClrLst/>
+  </dgm:styleLbl>
+  <dgm:styleLbl name="parChTrans1D2">
+    <dgm:fillClrLst meth="repeat">
+      <a:schemeClr val="accent1"/>
+    </dgm:fillClrLst>
+    <dgm:linClrLst meth="repeat">
+      <a:schemeClr val="accent1">
+        <a:shade val="60000"/>
+      </a:schemeClr>
+    </dgm:linClrLst>
+    <dgm:effectClrLst/>
+    <dgm:txLinClrLst/>
+    <dgm:txFillClrLst meth="repeat">
+      <a:schemeClr val="tx1"/>
+    </dgm:txFillClrLst>
+    <dgm:txEffectClrLst/>
+  </dgm:styleLbl>
+  <dgm:styleLbl name="parChTrans1D3">
+    <dgm:fillClrLst meth="repeat">
+      <a:schemeClr val="accent1"/>
+    </dgm:fillClrLst>
+    <dgm:linClrLst meth="repeat">
+      <a:schemeClr val="accent1">
+        <a:shade val="80000"/>
+      </a:schemeClr>
+    </dgm:linClrLst>
+    <dgm:effectClrLst/>
+    <dgm:txLinClrLst/>
+    <dgm:txFillClrLst meth="repeat">
+      <a:schemeClr val="tx1"/>
+    </dgm:txFillClrLst>
+    <dgm:txEffectClrLst/>
+  </dgm:styleLbl>
+  <dgm:styleLbl name="parChTrans1D4">
+    <dgm:fillClrLst meth="repeat">
+      <a:schemeClr val="accent1"/>
+    </dgm:fillClrLst>
+    <dgm:linClrLst meth="repeat">
+      <a:schemeClr val="accent1">
+        <a:shade val="80000"/>
+      </a:schemeClr>
+    </dgm:linClrLst>
+    <dgm:effectClrLst/>
+    <dgm:txLinClrLst/>
+    <dgm:txFillClrLst meth="repeat">
+      <a:schemeClr val="tx1"/>
+    </dgm:txFillClrLst>
+    <dgm:txEffectClrLst/>
+  </dgm:styleLbl>
+  <dgm:styleLbl name="fgAcc1">
+    <dgm:fillClrLst meth="repeat">
+      <a:schemeClr val="lt1">
+        <a:alpha val="90000"/>
+      </a:schemeClr>
+    </dgm:fillClrLst>
+    <dgm:linClrLst meth="repeat">
+      <a:schemeClr val="accent1"/>
+    </dgm:linClrLst>
+    <dgm:effectClrLst/>
+    <dgm:txLinClrLst/>
+    <dgm:txFillClrLst meth="repeat">
+      <a:schemeClr val="dk1"/>
+    </dgm:txFillClrLst>
+    <dgm:txEffectClrLst/>
+  </dgm:styleLbl>
+  <dgm:styleLbl name="conFgAcc1">
+    <dgm:fillClrLst meth="repeat">
+      <a:schemeClr val="lt1">
+        <a:alpha val="90000"/>
+      </a:schemeClr>
+    </dgm:fillClrLst>
+    <dgm:linClrLst meth="repeat">
+      <a:schemeClr val="accent1"/>
+    </dgm:linClrLst>
+    <dgm:effectClrLst/>
+    <dgm:txLinClrLst/>
+    <dgm:txFillClrLst meth="repeat">
+      <a:schemeClr val="dk1"/>
+    </dgm:txFillClrLst>
+    <dgm:txEffectClrLst/>
+  </dgm:styleLbl>
+  <dgm:styleLbl name="alignAcc1">
+    <dgm:fillClrLst meth="repeat">
+      <a:schemeClr val="lt1">
+        <a:alpha val="90000"/>
+      </a:schemeClr>
+    </dgm:fillClrLst>
+    <dgm:linClrLst meth="repeat">
+      <a:schemeClr val="accent1"/>
+    </dgm:linClrLst>
+    <dgm:effectClrLst/>
+    <dgm:txLinClrLst/>
+    <dgm:txFillClrLst meth="repeat">
+      <a:schemeClr val="dk1"/>
+    </dgm:txFillClrLst>
+    <dgm:txEffectClrLst/>
+  </dgm:styleLbl>
+  <dgm:styleLbl name="trAlignAcc1">
+    <dgm:fillClrLst meth="repeat">
+      <a:schemeClr val="lt1">
+        <a:alpha val="40000"/>
+      </a:schemeClr>
+    </dgm:fillClrLst>
+    <dgm:linClrLst meth="repeat">
+      <a:schemeClr val="accent1"/>
+    </dgm:linClrLst>
+    <dgm:effectClrLst/>
+    <dgm:txLinClrLst/>
+    <dgm:txFillClrLst meth="repeat">
+      <a:schemeClr val="dk1"/>
+    </dgm:txFillClrLst>
+    <dgm:txEffectClrLst/>
+  </dgm:styleLbl>
+  <dgm:styleLbl name="bgAcc1">
+    <dgm:fillClrLst meth="repeat">
+      <a:schemeClr val="lt1">
+        <a:alpha val="90000"/>
+      </a:schemeClr>
+    </dgm:fillClrLst>
+    <dgm:linClrLst meth="repeat">
+      <a:schemeClr val="accent1"/>
+    </dgm:linClrLst>
+    <dgm:effectClrLst/>
+    <dgm:txLinClrLst/>
+    <dgm:txFillClrLst meth="repeat">
+      <a:schemeClr val="dk1"/>
+    </dgm:txFillClrLst>
+    <dgm:txEffectClrLst/>
+  </dgm:styleLbl>
+  <dgm:styleLbl name="solidFgAcc1">
+    <dgm:fillClrLst meth="repeat">
+      <a:schemeClr val="lt1"/>
+    </dgm:fillClrLst>
+    <dgm:linClrLst meth="repeat">
+      <a:schemeClr val="accent1"/>
+    </dgm:linClrLst>
+    <dgm:effectClrLst/>
+    <dgm:txLinClrLst/>
+    <dgm:txFillClrLst meth="repeat">
+      <a:schemeClr val="dk1"/>
+    </dgm:txFillClrLst>
+    <dgm:txEffectClrLst/>
+  </dgm:styleLbl>
+  <dgm:styleLbl name="solidAlignAcc1">
+    <dgm:fillClrLst meth="repeat">
+      <a:schemeClr val="lt1"/>
+    </dgm:fillClrLst>
+    <dgm:linClrLst meth="repeat">
+      <a:schemeClr val="accent1"/>
+    </dgm:linClrLst>
+    <dgm:effectClrLst/>
+    <dgm:txLinClrLst/>
+    <dgm:txFillClrLst meth="repeat">
+      <a:schemeClr val="dk1"/>
+    </dgm:txFillClrLst>
+    <dgm:txEffectClrLst/>
+  </dgm:styleLbl>
+  <dgm:styleLbl name="solidBgAcc1">
+    <dgm:fillClrLst meth="repeat">
+      <a:schemeClr val="lt1"/>
+    </dgm:fillClrLst>
+    <dgm:linClrLst meth="repeat">
+      <a:schemeClr val="accent1"/>
+    </dgm:linClrLst>
+    <dgm:effectClrLst/>
+    <dgm:txLinClrLst/>
+    <dgm:txFillClrLst meth="repeat">
+      <a:schemeClr val="dk1"/>
+    </dgm:txFillClrLst>
+    <dgm:txEffectClrLst/>
+  </dgm:styleLbl>
+  <dgm:styleLbl name="fgAccFollowNode1">
+    <dgm:fillClrLst meth="repeat">
+      <a:schemeClr val="accent1">
+        <a:alpha val="90000"/>
+        <a:tint val="40000"/>
+      </a:schemeClr>
+    </dgm:fillClrLst>
+    <dgm:linClrLst meth="repeat">
+      <a:schemeClr val="accent1">
+        <a:alpha val="90000"/>
+        <a:tint val="40000"/>
+      </a:schemeClr>
+    </dgm:linClrLst>
+    <dgm:effectClrLst/>
+    <dgm:txLinClrLst/>
+    <dgm:txFillClrLst meth="repeat">
+      <a:schemeClr val="dk1"/>
+    </dgm:txFillClrLst>
+    <dgm:txEffectClrLst/>
+  </dgm:styleLbl>
+  <dgm:styleLbl name="alignAccFollowNode1">
+    <dgm:fillClrLst meth="repeat">
+      <a:schemeClr val="accent1">
+        <a:alpha val="90000"/>
+        <a:tint val="40000"/>
+      </a:schemeClr>
+    </dgm:fillClrLst>
+    <dgm:linClrLst meth="repeat">
+      <a:schemeClr val="accent1">
+        <a:alpha val="90000"/>
+        <a:tint val="40000"/>
+      </a:schemeClr>
+    </dgm:linClrLst>
+    <dgm:effectClrLst/>
+    <dgm:txLinClrLst/>
+    <dgm:txFillClrLst meth="repeat">
+      <a:schemeClr val="dk1"/>
+    </dgm:txFillClrLst>
+    <dgm:txEffectClrLst/>
+  </dgm:styleLbl>
+  <dgm:styleLbl name="bgAccFollowNode1">
+    <dgm:fillClrLst meth="repeat">
+      <a:schemeClr val="accent1">
+        <a:alpha val="90000"/>
+        <a:tint val="40000"/>
+      </a:schemeClr>
+    </dgm:fillClrLst>
+    <dgm:linClrLst meth="repeat">
+      <a:schemeClr val="accent1">
+        <a:alpha val="90000"/>
+        <a:tint val="40000"/>
+      </a:schemeClr>
+    </dgm:linClrLst>
+    <dgm:effectClrLst/>
+    <dgm:txLinClrLst/>
+    <dgm:txFillClrLst meth="repeat">
+      <a:schemeClr val="dk1"/>
+    </dgm:txFillClrLst>
+    <dgm:txEffectClrLst/>
+  </dgm:styleLbl>
+  <dgm:styleLbl name="fgAcc0">
+    <dgm:fillClrLst meth="repeat">
+      <a:schemeClr val="lt1">
+        <a:alpha val="90000"/>
+      </a:schemeClr>
+    </dgm:fillClrLst>
+    <dgm:linClrLst meth="repeat">
+      <a:schemeClr val="accent1"/>
+    </dgm:linClrLst>
+    <dgm:effectClrLst/>
+    <dgm:txLinClrLst/>
+    <dgm:txFillClrLst meth="repeat">
+      <a:schemeClr val="dk1"/>
+    </dgm:txFillClrLst>
+    <dgm:txEffectClrLst/>
+  </dgm:styleLbl>
+  <dgm:styleLbl name="fgAcc2">
+    <dgm:fillClrLst meth="repeat">
+      <a:schemeClr val="lt1">
+        <a:alpha val="90000"/>
+      </a:schemeClr>
+    </dgm:fillClrLst>
+    <dgm:linClrLst meth="repeat">
+      <a:schemeClr val="accent1"/>
+    </dgm:linClrLst>
+    <dgm:effectClrLst/>
+    <dgm:txLinClrLst/>
+    <dgm:txFillClrLst meth="repeat">
+      <a:schemeClr val="dk1"/>
+    </dgm:txFillClrLst>
+    <dgm:txEffectClrLst/>
+  </dgm:styleLbl>
+  <dgm:styleLbl name="fgAcc3">
+    <dgm:fillClrLst meth="repeat">
+      <a:schemeClr val="lt1">
+        <a:alpha val="90000"/>
+      </a:schemeClr>
+    </dgm:fillClrLst>
+    <dgm:linClrLst meth="repeat">
+      <a:schemeClr val="accent1"/>
+    </dgm:linClrLst>
+    <dgm:effectClrLst/>
+    <dgm:txLinClrLst/>
+    <dgm:txFillClrLst meth="repeat">
+      <a:schemeClr val="dk1"/>
+    </dgm:txFillClrLst>
+    <dgm:txEffectClrLst/>
+  </dgm:styleLbl>
+  <dgm:styleLbl name="fgAcc4">
+    <dgm:fillClrLst meth="repeat">
+      <a:schemeClr val="lt1">
+        <a:alpha val="90000"/>
+      </a:schemeClr>
+    </dgm:fillClrLst>
+    <dgm:linClrLst meth="repeat">
+      <a:schemeClr val="accent1"/>
+    </dgm:linClrLst>
+    <dgm:effectClrLst/>
+    <dgm:txLinClrLst/>
+    <dgm:txFillClrLst meth="repeat">
+      <a:schemeClr val="dk1"/>
+    </dgm:txFillClrLst>
+    <dgm:txEffectClrLst/>
+  </dgm:styleLbl>
+  <dgm:styleLbl name="bgShp">
+    <dgm:fillClrLst meth="repeat">
+      <a:schemeClr val="accent1">
+        <a:tint val="40000"/>
+      </a:schemeClr>
+    </dgm:fillClrLst>
+    <dgm:linClrLst meth="repeat">
+      <a:schemeClr val="accent1"/>
+    </dgm:linClrLst>
+    <dgm:effectClrLst/>
+    <dgm:txLinClrLst/>
+    <dgm:txFillClrLst meth="repeat">
+      <a:schemeClr val="dk1"/>
+    </dgm:txFillClrLst>
+    <dgm:txEffectClrLst/>
+  </dgm:styleLbl>
+  <dgm:styleLbl name="dkBgShp">
+    <dgm:fillClrLst meth="repeat">
+      <a:schemeClr val="accent1">
+        <a:shade val="80000"/>
+      </a:schemeClr>
+    </dgm:fillClrLst>
+    <dgm:linClrLst meth="repeat">
+      <a:schemeClr val="accent1"/>
+    </dgm:linClrLst>
+    <dgm:effectClrLst/>
+    <dgm:txLinClrLst/>
+    <dgm:txFillClrLst meth="repeat">
+      <a:schemeClr val="lt1"/>
+    </dgm:txFillClrLst>
+    <dgm:txEffectClrLst/>
+  </dgm:styleLbl>
+  <dgm:styleLbl name="trBgShp">
+    <dgm:fillClrLst meth="repeat">
+      <a:schemeClr val="accent1">
+        <a:tint val="50000"/>
+        <a:alpha val="40000"/>
+      </a:schemeClr>
+    </dgm:fillClrLst>
+    <dgm:linClrLst meth="repeat">
+      <a:schemeClr val="accent1"/>
+    </dgm:linClrLst>
+    <dgm:effectClrLst/>
+    <dgm:txLinClrLst/>
+    <dgm:txFillClrLst meth="repeat">
+      <a:schemeClr val="lt1"/>
+    </dgm:txFillClrLst>
+    <dgm:txEffectClrLst/>
+  </dgm:styleLbl>
+  <dgm:styleLbl name="fgShp">
+    <dgm:fillClrLst meth="repeat">
+      <a:schemeClr val="accent1">
+        <a:tint val="60000"/>
+      </a:schemeClr>
+    </dgm:fillClrLst>
+    <dgm:linClrLst meth="repeat">
+      <a:schemeClr val="lt1"/>
+    </dgm:linClrLst>
+    <dgm:effectClrLst/>
+    <dgm:txLinClrLst/>
+    <dgm:txFillClrLst meth="repeat">
+      <a:schemeClr val="dk1"/>
+    </dgm:txFillClrLst>
+    <dgm:txEffectClrLst/>
+  </dgm:styleLbl>
+  <dgm:styleLbl name="revTx">
+    <dgm:fillClrLst meth="repeat">
+      <a:schemeClr val="lt1">
+        <a:alpha val="0"/>
+      </a:schemeClr>
+    </dgm:fillClrLst>
+    <dgm:linClrLst meth="repeat">
+      <a:schemeClr val="dk1">
+        <a:alpha val="0"/>
+      </a:schemeClr>
+    </dgm:linClrLst>
+    <dgm:effectClrLst/>
+    <dgm:txLinClrLst/>
+    <dgm:txFillClrLst meth="repeat">
+      <a:schemeClr val="tx1"/>
+    </dgm:txFillClrLst>
+    <dgm:txEffectClrLst/>
+  </dgm:styleLbl>
+</dgm:colorsDef>
+</file>
+
+<file path=ppt/diagrams/data1.xml><?xml version="1.0" encoding="utf-8"?>
+<dgm:dataModel xmlns:dgm="http://schemas.openxmlformats.org/drawingml/2006/diagram" xmlns:a="http://schemas.openxmlformats.org/drawingml/2006/main">
+  <dgm:ptLst>
+    <dgm:pt modelId="{4CEC63C6-FF8E-4AC6-8492-E846D10B8AE4}" type="doc">
+      <dgm:prSet loTypeId="urn:microsoft.com/office/officeart/2005/8/layout/architecture+Icon" loCatId="list" qsTypeId="urn:microsoft.com/office/officeart/2005/8/quickstyle/simple1" qsCatId="simple" csTypeId="urn:microsoft.com/office/officeart/2005/8/colors/accent1_2" csCatId="accent1" phldr="1"/>
+      <dgm:spPr/>
+      <dgm:t>
+        <a:bodyPr/>
+        <a:lstStyle/>
+        <a:p>
+          <a:endParaRPr lang="fr-FR"/>
+        </a:p>
+      </dgm:t>
+    </dgm:pt>
+    <dgm:pt modelId="{A5D31EF9-DE03-4CED-A986-E256DD671DF5}">
+      <dgm:prSet phldrT="[Texte]">
+        <dgm:style>
+          <a:lnRef idx="2">
+            <a:schemeClr val="dk1">
+              <a:shade val="50000"/>
+            </a:schemeClr>
+          </a:lnRef>
+          <a:fillRef idx="1">
+            <a:schemeClr val="dk1"/>
+          </a:fillRef>
+          <a:effectRef idx="0">
+            <a:schemeClr val="dk1"/>
+          </a:effectRef>
+          <a:fontRef idx="minor">
+            <a:schemeClr val="lt1"/>
+          </a:fontRef>
+        </dgm:style>
+      </dgm:prSet>
+      <dgm:spPr/>
+      <dgm:t>
+        <a:bodyPr/>
+        <a:lstStyle/>
+        <a:p>
+          <a:r>
+            <a:rPr lang="fr-FR" dirty="0" smtClean="0"/>
+            <a:t>Matériel</a:t>
+          </a:r>
+          <a:endParaRPr lang="fr-FR" dirty="0"/>
+        </a:p>
+      </dgm:t>
+    </dgm:pt>
+    <dgm:pt modelId="{BCD6904D-1D00-4EF3-B670-0F427E5810E0}" type="parTrans" cxnId="{A0CE20A9-36C0-4B26-815D-146C4A8ECA2B}">
+      <dgm:prSet/>
+      <dgm:spPr/>
+      <dgm:t>
+        <a:bodyPr/>
+        <a:lstStyle/>
+        <a:p>
+          <a:endParaRPr lang="fr-FR"/>
+        </a:p>
+      </dgm:t>
+    </dgm:pt>
+    <dgm:pt modelId="{903167E3-90C8-41C5-84C5-2E5A5D42A6FC}" type="sibTrans" cxnId="{A0CE20A9-36C0-4B26-815D-146C4A8ECA2B}">
+      <dgm:prSet/>
+      <dgm:spPr/>
+      <dgm:t>
+        <a:bodyPr/>
+        <a:lstStyle/>
+        <a:p>
+          <a:endParaRPr lang="fr-FR"/>
+        </a:p>
+      </dgm:t>
+    </dgm:pt>
+    <dgm:pt modelId="{ADEDD5E1-FBB6-44DC-8EE7-50A2D9EC5B44}">
+      <dgm:prSet phldrT="[Texte]">
+        <dgm:style>
+          <a:lnRef idx="2">
+            <a:schemeClr val="accent2">
+              <a:shade val="50000"/>
+            </a:schemeClr>
+          </a:lnRef>
+          <a:fillRef idx="1">
+            <a:schemeClr val="accent2"/>
+          </a:fillRef>
+          <a:effectRef idx="0">
+            <a:schemeClr val="accent2"/>
+          </a:effectRef>
+          <a:fontRef idx="minor">
+            <a:schemeClr val="lt1"/>
+          </a:fontRef>
+        </dgm:style>
+      </dgm:prSet>
+      <dgm:spPr/>
+      <dgm:t>
+        <a:bodyPr/>
+        <a:lstStyle/>
+        <a:p>
+          <a:r>
+            <a:rPr lang="fr-FR" dirty="0" smtClean="0"/>
+            <a:t>OS</a:t>
+          </a:r>
+          <a:endParaRPr lang="fr-FR" dirty="0"/>
+        </a:p>
+      </dgm:t>
+    </dgm:pt>
+    <dgm:pt modelId="{5FE16397-314F-4BDA-8C54-6D5E9155FA4F}" type="parTrans" cxnId="{1DA935E1-9597-4922-952D-BD6587CADE37}">
+      <dgm:prSet/>
+      <dgm:spPr/>
+      <dgm:t>
+        <a:bodyPr/>
+        <a:lstStyle/>
+        <a:p>
+          <a:endParaRPr lang="fr-FR"/>
+        </a:p>
+      </dgm:t>
+    </dgm:pt>
+    <dgm:pt modelId="{27324762-80FD-4E6B-8988-0CB2FCD71104}" type="sibTrans" cxnId="{1DA935E1-9597-4922-952D-BD6587CADE37}">
+      <dgm:prSet/>
+      <dgm:spPr/>
+      <dgm:t>
+        <a:bodyPr/>
+        <a:lstStyle/>
+        <a:p>
+          <a:endParaRPr lang="fr-FR"/>
+        </a:p>
+      </dgm:t>
+    </dgm:pt>
+    <dgm:pt modelId="{E9D4D835-E63B-48CE-A70B-28CD296D0120}">
+      <dgm:prSet phldrT="[Texte]"/>
+      <dgm:spPr/>
+      <dgm:t>
+        <a:bodyPr/>
+        <a:lstStyle/>
+        <a:p>
+          <a:r>
+            <a:rPr lang="fr-FR" dirty="0" smtClean="0"/>
+            <a:t>Couche de virtualisation</a:t>
+          </a:r>
+          <a:endParaRPr lang="fr-FR" dirty="0"/>
+        </a:p>
+      </dgm:t>
+    </dgm:pt>
+    <dgm:pt modelId="{BCE39EC0-7A71-47FD-AC7B-4547A2A3BE63}" type="parTrans" cxnId="{2884FFEC-A287-48FF-A044-370A7E9B84A2}">
+      <dgm:prSet/>
+      <dgm:spPr/>
+      <dgm:t>
+        <a:bodyPr/>
+        <a:lstStyle/>
+        <a:p>
+          <a:endParaRPr lang="fr-FR"/>
+        </a:p>
+      </dgm:t>
+    </dgm:pt>
+    <dgm:pt modelId="{B09C6D66-545A-48F1-B9CB-B2B6F433B4D2}" type="sibTrans" cxnId="{2884FFEC-A287-48FF-A044-370A7E9B84A2}">
+      <dgm:prSet/>
+      <dgm:spPr/>
+      <dgm:t>
+        <a:bodyPr/>
+        <a:lstStyle/>
+        <a:p>
+          <a:endParaRPr lang="fr-FR"/>
+        </a:p>
+      </dgm:t>
+    </dgm:pt>
+    <dgm:pt modelId="{793AA13C-4130-4D7E-88A1-EAD1668D1731}">
+      <dgm:prSet phldrT="[Texte]">
+        <dgm:style>
+          <a:lnRef idx="2">
+            <a:schemeClr val="accent3">
+              <a:shade val="50000"/>
+            </a:schemeClr>
+          </a:lnRef>
+          <a:fillRef idx="1">
+            <a:schemeClr val="accent3"/>
+          </a:fillRef>
+          <a:effectRef idx="0">
+            <a:schemeClr val="accent3"/>
+          </a:effectRef>
+          <a:fontRef idx="minor">
+            <a:schemeClr val="lt1"/>
+          </a:fontRef>
+        </dgm:style>
+      </dgm:prSet>
+      <dgm:spPr/>
+      <dgm:t>
+        <a:bodyPr/>
+        <a:lstStyle/>
+        <a:p>
+          <a:r>
+            <a:rPr lang="fr-FR" dirty="0" smtClean="0"/>
+            <a:t>App 1</a:t>
+          </a:r>
+          <a:endParaRPr lang="fr-FR" dirty="0"/>
+        </a:p>
+      </dgm:t>
+    </dgm:pt>
+    <dgm:pt modelId="{5625F234-AE12-46F9-A8A8-7B53280FCB82}" type="parTrans" cxnId="{96F7DFDE-57B0-47BF-9508-C6C8ECF6E77D}">
+      <dgm:prSet/>
+      <dgm:spPr/>
+      <dgm:t>
+        <a:bodyPr/>
+        <a:lstStyle/>
+        <a:p>
+          <a:endParaRPr lang="fr-FR"/>
+        </a:p>
+      </dgm:t>
+    </dgm:pt>
+    <dgm:pt modelId="{422C85AE-05FB-4427-A74A-4757B23C7951}" type="sibTrans" cxnId="{96F7DFDE-57B0-47BF-9508-C6C8ECF6E77D}">
+      <dgm:prSet/>
+      <dgm:spPr/>
+      <dgm:t>
+        <a:bodyPr/>
+        <a:lstStyle/>
+        <a:p>
+          <a:endParaRPr lang="fr-FR"/>
+        </a:p>
+      </dgm:t>
+    </dgm:pt>
+    <dgm:pt modelId="{22D3F6DF-776F-40CF-A53E-C854F304DE60}">
+      <dgm:prSet phldrT="[Texte]">
+        <dgm:style>
+          <a:lnRef idx="2">
+            <a:schemeClr val="accent3">
+              <a:shade val="50000"/>
+            </a:schemeClr>
+          </a:lnRef>
+          <a:fillRef idx="1">
+            <a:schemeClr val="accent3"/>
+          </a:fillRef>
+          <a:effectRef idx="0">
+            <a:schemeClr val="accent3"/>
+          </a:effectRef>
+          <a:fontRef idx="minor">
+            <a:schemeClr val="lt1"/>
+          </a:fontRef>
+        </dgm:style>
+      </dgm:prSet>
+      <dgm:spPr/>
+      <dgm:t>
+        <a:bodyPr/>
+        <a:lstStyle/>
+        <a:p>
+          <a:r>
+            <a:rPr lang="fr-FR" dirty="0" smtClean="0"/>
+            <a:t>App 2</a:t>
+          </a:r>
+          <a:endParaRPr lang="fr-FR" dirty="0"/>
+        </a:p>
+      </dgm:t>
+    </dgm:pt>
+    <dgm:pt modelId="{4AD4F92A-D9E0-4AC8-A949-B05C93CF1A76}" type="parTrans" cxnId="{234B9FBA-91A7-447A-B845-45898735717D}">
+      <dgm:prSet/>
+      <dgm:spPr/>
+      <dgm:t>
+        <a:bodyPr/>
+        <a:lstStyle/>
+        <a:p>
+          <a:endParaRPr lang="fr-FR"/>
+        </a:p>
+      </dgm:t>
+    </dgm:pt>
+    <dgm:pt modelId="{22A6E746-C36C-48DA-A0D5-AEE251550292}" type="sibTrans" cxnId="{234B9FBA-91A7-447A-B845-45898735717D}">
+      <dgm:prSet/>
+      <dgm:spPr/>
+      <dgm:t>
+        <a:bodyPr/>
+        <a:lstStyle/>
+        <a:p>
+          <a:endParaRPr lang="fr-FR"/>
+        </a:p>
+      </dgm:t>
+    </dgm:pt>
+    <dgm:pt modelId="{12DB9BF7-C4CD-4A61-A9AB-51D10D36F2BE}">
+      <dgm:prSet phldrT="[Texte]">
+        <dgm:style>
+          <a:lnRef idx="2">
+            <a:schemeClr val="accent3">
+              <a:shade val="50000"/>
+            </a:schemeClr>
+          </a:lnRef>
+          <a:fillRef idx="1">
+            <a:schemeClr val="accent3"/>
+          </a:fillRef>
+          <a:effectRef idx="0">
+            <a:schemeClr val="accent3"/>
+          </a:effectRef>
+          <a:fontRef idx="minor">
+            <a:schemeClr val="lt1"/>
+          </a:fontRef>
+        </dgm:style>
+      </dgm:prSet>
+      <dgm:spPr/>
+      <dgm:t>
+        <a:bodyPr/>
+        <a:lstStyle/>
+        <a:p>
+          <a:r>
+            <a:rPr lang="fr-FR" dirty="0" smtClean="0"/>
+            <a:t>App 3</a:t>
+          </a:r>
+          <a:endParaRPr lang="fr-FR" dirty="0"/>
+        </a:p>
+      </dgm:t>
+    </dgm:pt>
+    <dgm:pt modelId="{3920209C-2648-414C-BD90-D05B15287DA6}" type="parTrans" cxnId="{3C977DB2-CA13-464F-BA8E-657C7A56CAC6}">
+      <dgm:prSet/>
+      <dgm:spPr/>
+      <dgm:t>
+        <a:bodyPr/>
+        <a:lstStyle/>
+        <a:p>
+          <a:endParaRPr lang="fr-FR"/>
+        </a:p>
+      </dgm:t>
+    </dgm:pt>
+    <dgm:pt modelId="{C06B9C0A-D9A2-41C9-88A0-61E9880CAC81}" type="sibTrans" cxnId="{3C977DB2-CA13-464F-BA8E-657C7A56CAC6}">
+      <dgm:prSet/>
+      <dgm:spPr/>
+      <dgm:t>
+        <a:bodyPr/>
+        <a:lstStyle/>
+        <a:p>
+          <a:endParaRPr lang="fr-FR"/>
+        </a:p>
+      </dgm:t>
+    </dgm:pt>
+    <dgm:pt modelId="{DC2FBCEA-7694-4483-B807-34DEC332DF42}" type="pres">
+      <dgm:prSet presAssocID="{4CEC63C6-FF8E-4AC6-8492-E846D10B8AE4}" presName="Name0" presStyleCnt="0">
+        <dgm:presLayoutVars>
+          <dgm:chPref val="1"/>
+          <dgm:dir/>
+          <dgm:animOne val="branch"/>
+          <dgm:animLvl val="lvl"/>
+          <dgm:resizeHandles/>
+        </dgm:presLayoutVars>
+      </dgm:prSet>
+      <dgm:spPr/>
+    </dgm:pt>
+    <dgm:pt modelId="{A420027C-A16F-4A49-A152-EEFE388B5598}" type="pres">
+      <dgm:prSet presAssocID="{A5D31EF9-DE03-4CED-A986-E256DD671DF5}" presName="vertOne" presStyleCnt="0"/>
+      <dgm:spPr/>
+    </dgm:pt>
+    <dgm:pt modelId="{6478A964-31EB-445D-9D12-4A3451A86D3C}" type="pres">
+      <dgm:prSet presAssocID="{A5D31EF9-DE03-4CED-A986-E256DD671DF5}" presName="txOne" presStyleLbl="node0" presStyleIdx="0" presStyleCnt="1">
+        <dgm:presLayoutVars>
+          <dgm:chPref val="3"/>
+        </dgm:presLayoutVars>
+      </dgm:prSet>
+      <dgm:spPr/>
+      <dgm:t>
+        <a:bodyPr/>
+        <a:lstStyle/>
+        <a:p>
+          <a:endParaRPr lang="fr-FR"/>
+        </a:p>
+      </dgm:t>
+    </dgm:pt>
+    <dgm:pt modelId="{ED267084-B835-4FC5-AA81-C608D52256D4}" type="pres">
+      <dgm:prSet presAssocID="{A5D31EF9-DE03-4CED-A986-E256DD671DF5}" presName="parTransOne" presStyleCnt="0"/>
+      <dgm:spPr/>
+    </dgm:pt>
+    <dgm:pt modelId="{18A8D8E3-A8ED-47C4-A017-F3B30CEF0245}" type="pres">
+      <dgm:prSet presAssocID="{A5D31EF9-DE03-4CED-A986-E256DD671DF5}" presName="horzOne" presStyleCnt="0"/>
+      <dgm:spPr/>
+    </dgm:pt>
+    <dgm:pt modelId="{CAAED129-AF7E-4B59-A49F-D785FC1311D4}" type="pres">
+      <dgm:prSet presAssocID="{ADEDD5E1-FBB6-44DC-8EE7-50A2D9EC5B44}" presName="vertTwo" presStyleCnt="0"/>
+      <dgm:spPr/>
+    </dgm:pt>
+    <dgm:pt modelId="{38AA97D6-BC05-4DF8-8307-3605CFBD985F}" type="pres">
+      <dgm:prSet presAssocID="{ADEDD5E1-FBB6-44DC-8EE7-50A2D9EC5B44}" presName="txTwo" presStyleLbl="node2" presStyleIdx="0" presStyleCnt="1">
+        <dgm:presLayoutVars>
+          <dgm:chPref val="3"/>
+        </dgm:presLayoutVars>
+      </dgm:prSet>
+      <dgm:spPr/>
+    </dgm:pt>
+    <dgm:pt modelId="{59EA9157-E59B-4665-B15F-19C018B55A6C}" type="pres">
+      <dgm:prSet presAssocID="{ADEDD5E1-FBB6-44DC-8EE7-50A2D9EC5B44}" presName="parTransTwo" presStyleCnt="0"/>
+      <dgm:spPr/>
+    </dgm:pt>
+    <dgm:pt modelId="{7EF8FBCB-6004-40C1-836C-2D48A9FBA361}" type="pres">
+      <dgm:prSet presAssocID="{ADEDD5E1-FBB6-44DC-8EE7-50A2D9EC5B44}" presName="horzTwo" presStyleCnt="0"/>
+      <dgm:spPr/>
+    </dgm:pt>
+    <dgm:pt modelId="{24C9CF03-A0BE-4838-A777-F09916B83E12}" type="pres">
+      <dgm:prSet presAssocID="{E9D4D835-E63B-48CE-A70B-28CD296D0120}" presName="vertThree" presStyleCnt="0"/>
+      <dgm:spPr/>
+    </dgm:pt>
+    <dgm:pt modelId="{753C40B7-CE70-4C43-9890-A243E5AEF5E2}" type="pres">
+      <dgm:prSet presAssocID="{E9D4D835-E63B-48CE-A70B-28CD296D0120}" presName="txThree" presStyleLbl="node3" presStyleIdx="0" presStyleCnt="1">
+        <dgm:presLayoutVars>
+          <dgm:chPref val="3"/>
+        </dgm:presLayoutVars>
+      </dgm:prSet>
+      <dgm:spPr/>
+      <dgm:t>
+        <a:bodyPr/>
+        <a:lstStyle/>
+        <a:p>
+          <a:endParaRPr lang="fr-FR"/>
+        </a:p>
+      </dgm:t>
+    </dgm:pt>
+    <dgm:pt modelId="{69C24633-2CD9-4FA4-A88E-8F44E1F07722}" type="pres">
+      <dgm:prSet presAssocID="{E9D4D835-E63B-48CE-A70B-28CD296D0120}" presName="parTransThree" presStyleCnt="0"/>
+      <dgm:spPr/>
+    </dgm:pt>
+    <dgm:pt modelId="{48F003A3-40E4-458E-A51E-B76B7C201C5C}" type="pres">
+      <dgm:prSet presAssocID="{E9D4D835-E63B-48CE-A70B-28CD296D0120}" presName="horzThree" presStyleCnt="0"/>
+      <dgm:spPr/>
+    </dgm:pt>
+    <dgm:pt modelId="{98E1ED70-BDC6-4526-B4C7-E266E5B78763}" type="pres">
+      <dgm:prSet presAssocID="{793AA13C-4130-4D7E-88A1-EAD1668D1731}" presName="vertFour" presStyleCnt="0">
+        <dgm:presLayoutVars>
+          <dgm:chPref val="3"/>
+        </dgm:presLayoutVars>
+      </dgm:prSet>
+      <dgm:spPr/>
+    </dgm:pt>
+    <dgm:pt modelId="{3A63A0DC-182E-4E75-9287-AC720D90D4F8}" type="pres">
+      <dgm:prSet presAssocID="{793AA13C-4130-4D7E-88A1-EAD1668D1731}" presName="txFour" presStyleLbl="node4" presStyleIdx="0" presStyleCnt="3">
+        <dgm:presLayoutVars>
+          <dgm:chPref val="3"/>
+        </dgm:presLayoutVars>
+      </dgm:prSet>
+      <dgm:spPr/>
+      <dgm:t>
+        <a:bodyPr/>
+        <a:lstStyle/>
+        <a:p>
+          <a:endParaRPr lang="fr-FR"/>
+        </a:p>
+      </dgm:t>
+    </dgm:pt>
+    <dgm:pt modelId="{B0512001-B467-4EBA-A03C-1F15F6BCFA83}" type="pres">
+      <dgm:prSet presAssocID="{793AA13C-4130-4D7E-88A1-EAD1668D1731}" presName="horzFour" presStyleCnt="0"/>
+      <dgm:spPr/>
+    </dgm:pt>
+    <dgm:pt modelId="{73AC705E-59FF-4DE0-9ED8-4998B06D7B1A}" type="pres">
+      <dgm:prSet presAssocID="{422C85AE-05FB-4427-A74A-4757B23C7951}" presName="sibSpaceFour" presStyleCnt="0"/>
+      <dgm:spPr/>
+    </dgm:pt>
+    <dgm:pt modelId="{F0FF2641-1797-4E2C-9904-1A4AA09083DC}" type="pres">
+      <dgm:prSet presAssocID="{22D3F6DF-776F-40CF-A53E-C854F304DE60}" presName="vertFour" presStyleCnt="0">
+        <dgm:presLayoutVars>
+          <dgm:chPref val="3"/>
+        </dgm:presLayoutVars>
+      </dgm:prSet>
+      <dgm:spPr/>
+    </dgm:pt>
+    <dgm:pt modelId="{FFB483E8-350F-4DAD-8E10-77DB15C54B0F}" type="pres">
+      <dgm:prSet presAssocID="{22D3F6DF-776F-40CF-A53E-C854F304DE60}" presName="txFour" presStyleLbl="node4" presStyleIdx="1" presStyleCnt="3">
+        <dgm:presLayoutVars>
+          <dgm:chPref val="3"/>
+        </dgm:presLayoutVars>
+      </dgm:prSet>
+      <dgm:spPr/>
+    </dgm:pt>
+    <dgm:pt modelId="{4AA6C301-33D9-44A8-A22F-8DD235C6DBE3}" type="pres">
+      <dgm:prSet presAssocID="{22D3F6DF-776F-40CF-A53E-C854F304DE60}" presName="horzFour" presStyleCnt="0"/>
+      <dgm:spPr/>
+    </dgm:pt>
+    <dgm:pt modelId="{ACE39213-4C9B-4B33-A66C-98E9366F845F}" type="pres">
+      <dgm:prSet presAssocID="{22A6E746-C36C-48DA-A0D5-AEE251550292}" presName="sibSpaceFour" presStyleCnt="0"/>
+      <dgm:spPr/>
+    </dgm:pt>
+    <dgm:pt modelId="{06CA393F-24BC-4C3E-95BF-E13BCBE91FD9}" type="pres">
+      <dgm:prSet presAssocID="{12DB9BF7-C4CD-4A61-A9AB-51D10D36F2BE}" presName="vertFour" presStyleCnt="0">
+        <dgm:presLayoutVars>
+          <dgm:chPref val="3"/>
+        </dgm:presLayoutVars>
+      </dgm:prSet>
+      <dgm:spPr/>
+    </dgm:pt>
+    <dgm:pt modelId="{174503B6-F709-4B31-B8D7-51731BB0ACDA}" type="pres">
+      <dgm:prSet presAssocID="{12DB9BF7-C4CD-4A61-A9AB-51D10D36F2BE}" presName="txFour" presStyleLbl="node4" presStyleIdx="2" presStyleCnt="3">
+        <dgm:presLayoutVars>
+          <dgm:chPref val="3"/>
+        </dgm:presLayoutVars>
+      </dgm:prSet>
+      <dgm:spPr/>
+      <dgm:t>
+        <a:bodyPr/>
+        <a:lstStyle/>
+        <a:p>
+          <a:endParaRPr lang="fr-FR"/>
+        </a:p>
+      </dgm:t>
+    </dgm:pt>
+    <dgm:pt modelId="{C08EFCBC-1A98-46B9-AA05-E1BEB5883D04}" type="pres">
+      <dgm:prSet presAssocID="{12DB9BF7-C4CD-4A61-A9AB-51D10D36F2BE}" presName="horzFour" presStyleCnt="0"/>
+      <dgm:spPr/>
+    </dgm:pt>
+  </dgm:ptLst>
+  <dgm:cxnLst>
+    <dgm:cxn modelId="{2884FFEC-A287-48FF-A044-370A7E9B84A2}" srcId="{ADEDD5E1-FBB6-44DC-8EE7-50A2D9EC5B44}" destId="{E9D4D835-E63B-48CE-A70B-28CD296D0120}" srcOrd="0" destOrd="0" parTransId="{BCE39EC0-7A71-47FD-AC7B-4547A2A3BE63}" sibTransId="{B09C6D66-545A-48F1-B9CB-B2B6F433B4D2}"/>
+    <dgm:cxn modelId="{1DA935E1-9597-4922-952D-BD6587CADE37}" srcId="{A5D31EF9-DE03-4CED-A986-E256DD671DF5}" destId="{ADEDD5E1-FBB6-44DC-8EE7-50A2D9EC5B44}" srcOrd="0" destOrd="0" parTransId="{5FE16397-314F-4BDA-8C54-6D5E9155FA4F}" sibTransId="{27324762-80FD-4E6B-8988-0CB2FCD71104}"/>
+    <dgm:cxn modelId="{3237E485-A684-4CBA-B692-16537EC74B6B}" type="presOf" srcId="{A5D31EF9-DE03-4CED-A986-E256DD671DF5}" destId="{6478A964-31EB-445D-9D12-4A3451A86D3C}" srcOrd="0" destOrd="0" presId="urn:microsoft.com/office/officeart/2005/8/layout/architecture+Icon"/>
+    <dgm:cxn modelId="{96F7DFDE-57B0-47BF-9508-C6C8ECF6E77D}" srcId="{E9D4D835-E63B-48CE-A70B-28CD296D0120}" destId="{793AA13C-4130-4D7E-88A1-EAD1668D1731}" srcOrd="0" destOrd="0" parTransId="{5625F234-AE12-46F9-A8A8-7B53280FCB82}" sibTransId="{422C85AE-05FB-4427-A74A-4757B23C7951}"/>
+    <dgm:cxn modelId="{A0CE20A9-36C0-4B26-815D-146C4A8ECA2B}" srcId="{4CEC63C6-FF8E-4AC6-8492-E846D10B8AE4}" destId="{A5D31EF9-DE03-4CED-A986-E256DD671DF5}" srcOrd="0" destOrd="0" parTransId="{BCD6904D-1D00-4EF3-B670-0F427E5810E0}" sibTransId="{903167E3-90C8-41C5-84C5-2E5A5D42A6FC}"/>
+    <dgm:cxn modelId="{F3C6C80E-B91C-44E1-A706-140F7A1BB33A}" type="presOf" srcId="{12DB9BF7-C4CD-4A61-A9AB-51D10D36F2BE}" destId="{174503B6-F709-4B31-B8D7-51731BB0ACDA}" srcOrd="0" destOrd="0" presId="urn:microsoft.com/office/officeart/2005/8/layout/architecture+Icon"/>
+    <dgm:cxn modelId="{B4632078-9308-43CC-828B-065FB443FA6E}" type="presOf" srcId="{E9D4D835-E63B-48CE-A70B-28CD296D0120}" destId="{753C40B7-CE70-4C43-9890-A243E5AEF5E2}" srcOrd="0" destOrd="0" presId="urn:microsoft.com/office/officeart/2005/8/layout/architecture+Icon"/>
+    <dgm:cxn modelId="{3C977DB2-CA13-464F-BA8E-657C7A56CAC6}" srcId="{E9D4D835-E63B-48CE-A70B-28CD296D0120}" destId="{12DB9BF7-C4CD-4A61-A9AB-51D10D36F2BE}" srcOrd="2" destOrd="0" parTransId="{3920209C-2648-414C-BD90-D05B15287DA6}" sibTransId="{C06B9C0A-D9A2-41C9-88A0-61E9880CAC81}"/>
+    <dgm:cxn modelId="{93376A93-0E41-4B6E-A948-F8FAD68E9A10}" type="presOf" srcId="{4CEC63C6-FF8E-4AC6-8492-E846D10B8AE4}" destId="{DC2FBCEA-7694-4483-B807-34DEC332DF42}" srcOrd="0" destOrd="0" presId="urn:microsoft.com/office/officeart/2005/8/layout/architecture+Icon"/>
+    <dgm:cxn modelId="{234B9FBA-91A7-447A-B845-45898735717D}" srcId="{E9D4D835-E63B-48CE-A70B-28CD296D0120}" destId="{22D3F6DF-776F-40CF-A53E-C854F304DE60}" srcOrd="1" destOrd="0" parTransId="{4AD4F92A-D9E0-4AC8-A949-B05C93CF1A76}" sibTransId="{22A6E746-C36C-48DA-A0D5-AEE251550292}"/>
+    <dgm:cxn modelId="{4DB901EF-5542-4361-880C-8A7765F290B9}" type="presOf" srcId="{22D3F6DF-776F-40CF-A53E-C854F304DE60}" destId="{FFB483E8-350F-4DAD-8E10-77DB15C54B0F}" srcOrd="0" destOrd="0" presId="urn:microsoft.com/office/officeart/2005/8/layout/architecture+Icon"/>
+    <dgm:cxn modelId="{CD64F2F7-3E06-4E82-89E7-491E5F517031}" type="presOf" srcId="{ADEDD5E1-FBB6-44DC-8EE7-50A2D9EC5B44}" destId="{38AA97D6-BC05-4DF8-8307-3605CFBD985F}" srcOrd="0" destOrd="0" presId="urn:microsoft.com/office/officeart/2005/8/layout/architecture+Icon"/>
+    <dgm:cxn modelId="{EE0E55F2-3363-4136-B7C5-C182EE1C434F}" type="presOf" srcId="{793AA13C-4130-4D7E-88A1-EAD1668D1731}" destId="{3A63A0DC-182E-4E75-9287-AC720D90D4F8}" srcOrd="0" destOrd="0" presId="urn:microsoft.com/office/officeart/2005/8/layout/architecture+Icon"/>
+    <dgm:cxn modelId="{3DAD2670-AFDD-4EB6-BE64-0FB2C4E9A4A2}" type="presParOf" srcId="{DC2FBCEA-7694-4483-B807-34DEC332DF42}" destId="{A420027C-A16F-4A49-A152-EEFE388B5598}" srcOrd="0" destOrd="0" presId="urn:microsoft.com/office/officeart/2005/8/layout/architecture+Icon"/>
+    <dgm:cxn modelId="{93E586F4-6D50-4CB6-8C3B-3EEFE8C22EF3}" type="presParOf" srcId="{A420027C-A16F-4A49-A152-EEFE388B5598}" destId="{6478A964-31EB-445D-9D12-4A3451A86D3C}" srcOrd="0" destOrd="0" presId="urn:microsoft.com/office/officeart/2005/8/layout/architecture+Icon"/>
+    <dgm:cxn modelId="{9AD93051-A3A7-4E47-B8E8-5C94BA46AF26}" type="presParOf" srcId="{A420027C-A16F-4A49-A152-EEFE388B5598}" destId="{ED267084-B835-4FC5-AA81-C608D52256D4}" srcOrd="1" destOrd="0" presId="urn:microsoft.com/office/officeart/2005/8/layout/architecture+Icon"/>
+    <dgm:cxn modelId="{E4A5AABF-6DD0-414E-A713-7A563459DB4A}" type="presParOf" srcId="{A420027C-A16F-4A49-A152-EEFE388B5598}" destId="{18A8D8E3-A8ED-47C4-A017-F3B30CEF0245}" srcOrd="2" destOrd="0" presId="urn:microsoft.com/office/officeart/2005/8/layout/architecture+Icon"/>
+    <dgm:cxn modelId="{01B0D857-5C60-4454-803E-1F9F41AD9BAD}" type="presParOf" srcId="{18A8D8E3-A8ED-47C4-A017-F3B30CEF0245}" destId="{CAAED129-AF7E-4B59-A49F-D785FC1311D4}" srcOrd="0" destOrd="0" presId="urn:microsoft.com/office/officeart/2005/8/layout/architecture+Icon"/>
+    <dgm:cxn modelId="{CFD79A80-0AFE-4713-9AC1-BB9EF99B22EE}" type="presParOf" srcId="{CAAED129-AF7E-4B59-A49F-D785FC1311D4}" destId="{38AA97D6-BC05-4DF8-8307-3605CFBD985F}" srcOrd="0" destOrd="0" presId="urn:microsoft.com/office/officeart/2005/8/layout/architecture+Icon"/>
+    <dgm:cxn modelId="{0AB11B8F-EAC4-481C-A211-7445FF14FCF0}" type="presParOf" srcId="{CAAED129-AF7E-4B59-A49F-D785FC1311D4}" destId="{59EA9157-E59B-4665-B15F-19C018B55A6C}" srcOrd="1" destOrd="0" presId="urn:microsoft.com/office/officeart/2005/8/layout/architecture+Icon"/>
+    <dgm:cxn modelId="{EFC42EEE-8955-4969-BA4D-67D40FF02C75}" type="presParOf" srcId="{CAAED129-AF7E-4B59-A49F-D785FC1311D4}" destId="{7EF8FBCB-6004-40C1-836C-2D48A9FBA361}" srcOrd="2" destOrd="0" presId="urn:microsoft.com/office/officeart/2005/8/layout/architecture+Icon"/>
+    <dgm:cxn modelId="{38068019-8563-4C00-B135-B8FA6472AE2E}" type="presParOf" srcId="{7EF8FBCB-6004-40C1-836C-2D48A9FBA361}" destId="{24C9CF03-A0BE-4838-A777-F09916B83E12}" srcOrd="0" destOrd="0" presId="urn:microsoft.com/office/officeart/2005/8/layout/architecture+Icon"/>
+    <dgm:cxn modelId="{785BC88D-4832-4EBC-B25F-DD62A34F0969}" type="presParOf" srcId="{24C9CF03-A0BE-4838-A777-F09916B83E12}" destId="{753C40B7-CE70-4C43-9890-A243E5AEF5E2}" srcOrd="0" destOrd="0" presId="urn:microsoft.com/office/officeart/2005/8/layout/architecture+Icon"/>
+    <dgm:cxn modelId="{8F0D02AA-AB50-44F4-B677-E5895269A1A5}" type="presParOf" srcId="{24C9CF03-A0BE-4838-A777-F09916B83E12}" destId="{69C24633-2CD9-4FA4-A88E-8F44E1F07722}" srcOrd="1" destOrd="0" presId="urn:microsoft.com/office/officeart/2005/8/layout/architecture+Icon"/>
+    <dgm:cxn modelId="{DFF6F673-CC19-4933-9E33-D12908088D49}" type="presParOf" srcId="{24C9CF03-A0BE-4838-A777-F09916B83E12}" destId="{48F003A3-40E4-458E-A51E-B76B7C201C5C}" srcOrd="2" destOrd="0" presId="urn:microsoft.com/office/officeart/2005/8/layout/architecture+Icon"/>
+    <dgm:cxn modelId="{3ABCADE5-F757-4C5C-8D26-393515ABBA0F}" type="presParOf" srcId="{48F003A3-40E4-458E-A51E-B76B7C201C5C}" destId="{98E1ED70-BDC6-4526-B4C7-E266E5B78763}" srcOrd="0" destOrd="0" presId="urn:microsoft.com/office/officeart/2005/8/layout/architecture+Icon"/>
+    <dgm:cxn modelId="{99C731CF-284A-48E1-90B2-6DA738C6F360}" type="presParOf" srcId="{98E1ED70-BDC6-4526-B4C7-E266E5B78763}" destId="{3A63A0DC-182E-4E75-9287-AC720D90D4F8}" srcOrd="0" destOrd="0" presId="urn:microsoft.com/office/officeart/2005/8/layout/architecture+Icon"/>
+    <dgm:cxn modelId="{EF1A55F5-EC66-4CBB-AC33-0678C61E7FE3}" type="presParOf" srcId="{98E1ED70-BDC6-4526-B4C7-E266E5B78763}" destId="{B0512001-B467-4EBA-A03C-1F15F6BCFA83}" srcOrd="1" destOrd="0" presId="urn:microsoft.com/office/officeart/2005/8/layout/architecture+Icon"/>
+    <dgm:cxn modelId="{8D23F3E3-2870-433B-BE5F-7FA2A4522701}" type="presParOf" srcId="{48F003A3-40E4-458E-A51E-B76B7C201C5C}" destId="{73AC705E-59FF-4DE0-9ED8-4998B06D7B1A}" srcOrd="1" destOrd="0" presId="urn:microsoft.com/office/officeart/2005/8/layout/architecture+Icon"/>
+    <dgm:cxn modelId="{D673D7AA-5D7F-49FA-82CD-51828FC2837D}" type="presParOf" srcId="{48F003A3-40E4-458E-A51E-B76B7C201C5C}" destId="{F0FF2641-1797-4E2C-9904-1A4AA09083DC}" srcOrd="2" destOrd="0" presId="urn:microsoft.com/office/officeart/2005/8/layout/architecture+Icon"/>
+    <dgm:cxn modelId="{EA34AB0F-4AB3-4D94-B5BC-ED1B9F1E771B}" type="presParOf" srcId="{F0FF2641-1797-4E2C-9904-1A4AA09083DC}" destId="{FFB483E8-350F-4DAD-8E10-77DB15C54B0F}" srcOrd="0" destOrd="0" presId="urn:microsoft.com/office/officeart/2005/8/layout/architecture+Icon"/>
+    <dgm:cxn modelId="{D836BAC0-D57C-43E6-8424-C81C8CC23407}" type="presParOf" srcId="{F0FF2641-1797-4E2C-9904-1A4AA09083DC}" destId="{4AA6C301-33D9-44A8-A22F-8DD235C6DBE3}" srcOrd="1" destOrd="0" presId="urn:microsoft.com/office/officeart/2005/8/layout/architecture+Icon"/>
+    <dgm:cxn modelId="{8A1D95B0-A9CE-4A14-919D-9858DF762877}" type="presParOf" srcId="{48F003A3-40E4-458E-A51E-B76B7C201C5C}" destId="{ACE39213-4C9B-4B33-A66C-98E9366F845F}" srcOrd="3" destOrd="0" presId="urn:microsoft.com/office/officeart/2005/8/layout/architecture+Icon"/>
+    <dgm:cxn modelId="{3CF40948-C8D5-4164-8E2C-5818BE058FF9}" type="presParOf" srcId="{48F003A3-40E4-458E-A51E-B76B7C201C5C}" destId="{06CA393F-24BC-4C3E-95BF-E13BCBE91FD9}" srcOrd="4" destOrd="0" presId="urn:microsoft.com/office/officeart/2005/8/layout/architecture+Icon"/>
+    <dgm:cxn modelId="{BEA15110-178B-409A-BEE2-FE89A752B556}" type="presParOf" srcId="{06CA393F-24BC-4C3E-95BF-E13BCBE91FD9}" destId="{174503B6-F709-4B31-B8D7-51731BB0ACDA}" srcOrd="0" destOrd="0" presId="urn:microsoft.com/office/officeart/2005/8/layout/architecture+Icon"/>
+    <dgm:cxn modelId="{8B88E36F-9ABD-4544-9E40-4B51CF0E8695}" type="presParOf" srcId="{06CA393F-24BC-4C3E-95BF-E13BCBE91FD9}" destId="{C08EFCBC-1A98-46B9-AA05-E1BEB5883D04}" srcOrd="1" destOrd="0" presId="urn:microsoft.com/office/officeart/2005/8/layout/architecture+Icon"/>
+  </dgm:cxnLst>
+  <dgm:bg/>
+  <dgm:whole/>
+  <dgm:extLst>
+    <a:ext uri="http://schemas.microsoft.com/office/drawing/2008/diagram">
+      <dsp:dataModelExt xmlns:dsp="http://schemas.microsoft.com/office/drawing/2008/diagram" relId="rId6" minVer="http://schemas.openxmlformats.org/drawingml/2006/diagram"/>
+    </a:ext>
+  </dgm:extLst>
+</dgm:dataModel>
+</file>
+
+<file path=ppt/diagrams/data2.xml><?xml version="1.0" encoding="utf-8"?>
+<dgm:dataModel xmlns:dgm="http://schemas.openxmlformats.org/drawingml/2006/diagram" xmlns:a="http://schemas.openxmlformats.org/drawingml/2006/main">
+  <dgm:ptLst>
+    <dgm:pt modelId="{B18DC067-9F63-424D-8553-3F76E8EF746A}" type="doc">
+      <dgm:prSet loTypeId="urn:microsoft.com/office/officeart/2005/8/layout/hierarchy4" loCatId="list" qsTypeId="urn:microsoft.com/office/officeart/2005/8/quickstyle/simple1" qsCatId="simple" csTypeId="urn:microsoft.com/office/officeart/2005/8/colors/accent1_2" csCatId="accent1" phldr="1"/>
+      <dgm:spPr/>
+      <dgm:t>
+        <a:bodyPr/>
+        <a:lstStyle/>
+        <a:p>
+          <a:endParaRPr lang="fr-FR"/>
+        </a:p>
+      </dgm:t>
+    </dgm:pt>
+    <dgm:pt modelId="{B83A7A2C-093C-4CF0-807B-ABB5179346D3}">
+      <dgm:prSet phldrT="[Texte]">
+        <dgm:style>
+          <a:lnRef idx="2">
+            <a:schemeClr val="accent3">
+              <a:shade val="50000"/>
+            </a:schemeClr>
+          </a:lnRef>
+          <a:fillRef idx="1">
+            <a:schemeClr val="accent3"/>
+          </a:fillRef>
+          <a:effectRef idx="0">
+            <a:schemeClr val="accent3"/>
+          </a:effectRef>
+          <a:fontRef idx="minor">
+            <a:schemeClr val="lt1"/>
+          </a:fontRef>
+        </dgm:style>
+      </dgm:prSet>
+      <dgm:spPr/>
+      <dgm:t>
+        <a:bodyPr/>
+        <a:lstStyle/>
+        <a:p>
+          <a:r>
+            <a:rPr lang="fr-FR" smtClean="0"/>
+            <a:t>VLAN</a:t>
+          </a:r>
+          <a:endParaRPr lang="fr-FR"/>
+        </a:p>
+      </dgm:t>
+    </dgm:pt>
+    <dgm:pt modelId="{0A238EC3-2DD4-4C33-8D8A-4F342F670016}" type="parTrans" cxnId="{2AE9C35E-3273-4DAA-A6D8-BCD8A78582CC}">
+      <dgm:prSet/>
+      <dgm:spPr/>
+      <dgm:t>
+        <a:bodyPr/>
+        <a:lstStyle/>
+        <a:p>
+          <a:endParaRPr lang="fr-FR"/>
+        </a:p>
+      </dgm:t>
+    </dgm:pt>
+    <dgm:pt modelId="{96F93F9C-FD31-45EF-B7C3-C2D2BF2EB185}" type="sibTrans" cxnId="{2AE9C35E-3273-4DAA-A6D8-BCD8A78582CC}">
+      <dgm:prSet/>
+      <dgm:spPr/>
+      <dgm:t>
+        <a:bodyPr/>
+        <a:lstStyle/>
+        <a:p>
+          <a:endParaRPr lang="fr-FR"/>
+        </a:p>
+      </dgm:t>
+    </dgm:pt>
+    <dgm:pt modelId="{03863854-F35C-4D1C-A662-F080B785E8F9}">
+      <dgm:prSet phldrT="[Texte]">
+        <dgm:style>
+          <a:lnRef idx="2">
+            <a:schemeClr val="accent2">
+              <a:shade val="50000"/>
+            </a:schemeClr>
+          </a:lnRef>
+          <a:fillRef idx="1">
+            <a:schemeClr val="accent2"/>
+          </a:fillRef>
+          <a:effectRef idx="0">
+            <a:schemeClr val="accent2"/>
+          </a:effectRef>
+          <a:fontRef idx="minor">
+            <a:schemeClr val="lt1"/>
+          </a:fontRef>
+        </dgm:style>
+      </dgm:prSet>
+      <dgm:spPr/>
+      <dgm:t>
+        <a:bodyPr/>
+        <a:lstStyle/>
+        <a:p>
+          <a:r>
+            <a:rPr lang="fr-FR" dirty="0" smtClean="0"/>
+            <a:t>Routeur 1</a:t>
+          </a:r>
+          <a:endParaRPr lang="fr-FR" dirty="0"/>
+        </a:p>
+      </dgm:t>
+    </dgm:pt>
+    <dgm:pt modelId="{932F43F2-A616-4B60-83AC-B1718E87CFD9}" type="parTrans" cxnId="{A019861F-C4F5-44F6-8D98-F6DC604DE51B}">
+      <dgm:prSet/>
+      <dgm:spPr/>
+      <dgm:t>
+        <a:bodyPr/>
+        <a:lstStyle/>
+        <a:p>
+          <a:endParaRPr lang="fr-FR"/>
+        </a:p>
+      </dgm:t>
+    </dgm:pt>
+    <dgm:pt modelId="{EB8E4B3E-AF28-431E-BFA0-0F3614E59D3C}" type="sibTrans" cxnId="{A019861F-C4F5-44F6-8D98-F6DC604DE51B}">
+      <dgm:prSet/>
+      <dgm:spPr/>
+      <dgm:t>
+        <a:bodyPr/>
+        <a:lstStyle/>
+        <a:p>
+          <a:endParaRPr lang="fr-FR"/>
+        </a:p>
+      </dgm:t>
+    </dgm:pt>
+    <dgm:pt modelId="{6B41AD1D-A3FB-4AF2-9542-37F0A7BD4393}">
+      <dgm:prSet phldrT="[Texte]"/>
+      <dgm:spPr/>
+      <dgm:t>
+        <a:bodyPr/>
+        <a:lstStyle/>
+        <a:p>
+          <a:r>
+            <a:rPr lang="fr-FR" dirty="0" err="1" smtClean="0"/>
+            <a:t>Datacentre</a:t>
+          </a:r>
+          <a:r>
+            <a:rPr lang="fr-FR" dirty="0" smtClean="0"/>
+            <a:t> 1</a:t>
+          </a:r>
+          <a:endParaRPr lang="fr-FR" dirty="0"/>
+        </a:p>
+      </dgm:t>
+    </dgm:pt>
+    <dgm:pt modelId="{F6A2ED43-EF8C-46E7-BC68-B6BB9508EC13}" type="parTrans" cxnId="{6E5703AE-2C34-4856-95BA-871F4518A263}">
+      <dgm:prSet/>
+      <dgm:spPr/>
+      <dgm:t>
+        <a:bodyPr/>
+        <a:lstStyle/>
+        <a:p>
+          <a:endParaRPr lang="fr-FR"/>
+        </a:p>
+      </dgm:t>
+    </dgm:pt>
+    <dgm:pt modelId="{9A01A00B-BC54-497C-96C1-5BA53BA1FBDC}" type="sibTrans" cxnId="{6E5703AE-2C34-4856-95BA-871F4518A263}">
+      <dgm:prSet/>
+      <dgm:spPr/>
+      <dgm:t>
+        <a:bodyPr/>
+        <a:lstStyle/>
+        <a:p>
+          <a:endParaRPr lang="fr-FR"/>
+        </a:p>
+      </dgm:t>
+    </dgm:pt>
+    <dgm:pt modelId="{7F8A0140-C8B6-4AF1-B926-86169866F043}">
+      <dgm:prSet phldrT="[Texte]"/>
+      <dgm:spPr/>
+      <dgm:t>
+        <a:bodyPr/>
+        <a:lstStyle/>
+        <a:p>
+          <a:r>
+            <a:rPr lang="fr-FR" dirty="0" err="1" smtClean="0"/>
+            <a:t>Datacentre</a:t>
+          </a:r>
+          <a:r>
+            <a:rPr lang="fr-FR" dirty="0" smtClean="0"/>
+            <a:t> 2</a:t>
+          </a:r>
+          <a:endParaRPr lang="fr-FR" dirty="0"/>
+        </a:p>
+      </dgm:t>
+    </dgm:pt>
+    <dgm:pt modelId="{275EF790-B38B-4A02-BCFA-DCA3E0549F40}" type="parTrans" cxnId="{F05038E6-EE3C-439B-B513-F7D55288AB4F}">
+      <dgm:prSet/>
+      <dgm:spPr/>
+      <dgm:t>
+        <a:bodyPr/>
+        <a:lstStyle/>
+        <a:p>
+          <a:endParaRPr lang="fr-FR"/>
+        </a:p>
+      </dgm:t>
+    </dgm:pt>
+    <dgm:pt modelId="{A66D89F2-F3A9-4E5D-9CDF-2BBA30490511}" type="sibTrans" cxnId="{F05038E6-EE3C-439B-B513-F7D55288AB4F}">
+      <dgm:prSet/>
+      <dgm:spPr/>
+      <dgm:t>
+        <a:bodyPr/>
+        <a:lstStyle/>
+        <a:p>
+          <a:endParaRPr lang="fr-FR"/>
+        </a:p>
+      </dgm:t>
+    </dgm:pt>
+    <dgm:pt modelId="{F8178CC8-7586-44D5-B9F2-3C912B808393}">
+      <dgm:prSet phldrT="[Texte]">
+        <dgm:style>
+          <a:lnRef idx="2">
+            <a:schemeClr val="accent2">
+              <a:shade val="50000"/>
+            </a:schemeClr>
+          </a:lnRef>
+          <a:fillRef idx="1">
+            <a:schemeClr val="accent2"/>
+          </a:fillRef>
+          <a:effectRef idx="0">
+            <a:schemeClr val="accent2"/>
+          </a:effectRef>
+          <a:fontRef idx="minor">
+            <a:schemeClr val="lt1"/>
+          </a:fontRef>
+        </dgm:style>
+      </dgm:prSet>
+      <dgm:spPr/>
+      <dgm:t>
+        <a:bodyPr/>
+        <a:lstStyle/>
+        <a:p>
+          <a:r>
+            <a:rPr lang="fr-FR" dirty="0" smtClean="0"/>
+            <a:t>Routeur 2</a:t>
+          </a:r>
+          <a:endParaRPr lang="fr-FR" dirty="0"/>
+        </a:p>
+      </dgm:t>
+    </dgm:pt>
+    <dgm:pt modelId="{778BF30C-E051-4C74-ACA0-5B9074BCA9B6}" type="parTrans" cxnId="{3F1DA067-5EED-4438-BC3B-96BADE785FB9}">
+      <dgm:prSet/>
+      <dgm:spPr/>
+      <dgm:t>
+        <a:bodyPr/>
+        <a:lstStyle/>
+        <a:p>
+          <a:endParaRPr lang="fr-FR"/>
+        </a:p>
+      </dgm:t>
+    </dgm:pt>
+    <dgm:pt modelId="{14B53E76-3A99-4198-AB6A-BB47496C8EE8}" type="sibTrans" cxnId="{3F1DA067-5EED-4438-BC3B-96BADE785FB9}">
+      <dgm:prSet/>
+      <dgm:spPr/>
+      <dgm:t>
+        <a:bodyPr/>
+        <a:lstStyle/>
+        <a:p>
+          <a:endParaRPr lang="fr-FR"/>
+        </a:p>
+      </dgm:t>
+    </dgm:pt>
+    <dgm:pt modelId="{3EF2CB08-D40A-4E40-B185-EC5E32528E39}">
+      <dgm:prSet phldrT="[Texte]"/>
+      <dgm:spPr/>
+      <dgm:t>
+        <a:bodyPr/>
+        <a:lstStyle/>
+        <a:p>
+          <a:r>
+            <a:rPr lang="fr-FR" dirty="0" err="1" smtClean="0"/>
+            <a:t>Datacentre</a:t>
+          </a:r>
+          <a:r>
+            <a:rPr lang="fr-FR" dirty="0" smtClean="0"/>
+            <a:t> 3</a:t>
+          </a:r>
+          <a:endParaRPr lang="fr-FR" dirty="0"/>
+        </a:p>
+      </dgm:t>
+    </dgm:pt>
+    <dgm:pt modelId="{CC844EF2-C259-4960-9150-3C9C18DC4BC8}" type="parTrans" cxnId="{1728D6AA-DD2B-4F89-986D-C47505562D40}">
+      <dgm:prSet/>
+      <dgm:spPr/>
+      <dgm:t>
+        <a:bodyPr/>
+        <a:lstStyle/>
+        <a:p>
+          <a:endParaRPr lang="fr-FR"/>
+        </a:p>
+      </dgm:t>
+    </dgm:pt>
+    <dgm:pt modelId="{3997AEA7-41FA-429E-909C-A83852D361B3}" type="sibTrans" cxnId="{1728D6AA-DD2B-4F89-986D-C47505562D40}">
+      <dgm:prSet/>
+      <dgm:spPr/>
+      <dgm:t>
+        <a:bodyPr/>
+        <a:lstStyle/>
+        <a:p>
+          <a:endParaRPr lang="fr-FR"/>
+        </a:p>
+      </dgm:t>
+    </dgm:pt>
+    <dgm:pt modelId="{9E3AE8A1-37D1-4C62-8A72-E09AF00023AA}" type="pres">
+      <dgm:prSet presAssocID="{B18DC067-9F63-424D-8553-3F76E8EF746A}" presName="Name0" presStyleCnt="0">
+        <dgm:presLayoutVars>
+          <dgm:chPref val="1"/>
+          <dgm:dir/>
+          <dgm:animOne val="branch"/>
+          <dgm:animLvl val="lvl"/>
+          <dgm:resizeHandles/>
+        </dgm:presLayoutVars>
+      </dgm:prSet>
+      <dgm:spPr/>
+    </dgm:pt>
+    <dgm:pt modelId="{66078A0A-95E2-4CFC-A654-68790941C79A}" type="pres">
+      <dgm:prSet presAssocID="{B83A7A2C-093C-4CF0-807B-ABB5179346D3}" presName="vertOne" presStyleCnt="0"/>
+      <dgm:spPr/>
+    </dgm:pt>
+    <dgm:pt modelId="{6D4C26C8-B30D-4B10-9C88-1544645608C8}" type="pres">
+      <dgm:prSet presAssocID="{B83A7A2C-093C-4CF0-807B-ABB5179346D3}" presName="txOne" presStyleLbl="node0" presStyleIdx="0" presStyleCnt="1">
+        <dgm:presLayoutVars>
+          <dgm:chPref val="3"/>
+        </dgm:presLayoutVars>
+      </dgm:prSet>
+      <dgm:spPr/>
+    </dgm:pt>
+    <dgm:pt modelId="{1C9ACBB3-61DD-41E8-9F47-23213F6FB90B}" type="pres">
+      <dgm:prSet presAssocID="{B83A7A2C-093C-4CF0-807B-ABB5179346D3}" presName="parTransOne" presStyleCnt="0"/>
+      <dgm:spPr/>
+    </dgm:pt>
+    <dgm:pt modelId="{9F5E9854-0435-4753-9126-6D50E14B1CCB}" type="pres">
+      <dgm:prSet presAssocID="{B83A7A2C-093C-4CF0-807B-ABB5179346D3}" presName="horzOne" presStyleCnt="0"/>
+      <dgm:spPr/>
+    </dgm:pt>
+    <dgm:pt modelId="{D0F5B952-CB82-4083-9BA3-FECB113A71AB}" type="pres">
+      <dgm:prSet presAssocID="{03863854-F35C-4D1C-A662-F080B785E8F9}" presName="vertTwo" presStyleCnt="0"/>
+      <dgm:spPr/>
+    </dgm:pt>
+    <dgm:pt modelId="{DA053704-99ED-4498-9AFE-B6BAE31C7D40}" type="pres">
+      <dgm:prSet presAssocID="{03863854-F35C-4D1C-A662-F080B785E8F9}" presName="txTwo" presStyleLbl="node2" presStyleIdx="0" presStyleCnt="2">
+        <dgm:presLayoutVars>
+          <dgm:chPref val="3"/>
+        </dgm:presLayoutVars>
+      </dgm:prSet>
+      <dgm:spPr/>
+    </dgm:pt>
+    <dgm:pt modelId="{2DCE704C-DEF8-47F3-80F9-62EBBF89F324}" type="pres">
+      <dgm:prSet presAssocID="{03863854-F35C-4D1C-A662-F080B785E8F9}" presName="parTransTwo" presStyleCnt="0"/>
+      <dgm:spPr/>
+    </dgm:pt>
+    <dgm:pt modelId="{1C37B8CB-D5FA-46B3-8BF5-0AA597228103}" type="pres">
+      <dgm:prSet presAssocID="{03863854-F35C-4D1C-A662-F080B785E8F9}" presName="horzTwo" presStyleCnt="0"/>
+      <dgm:spPr/>
+    </dgm:pt>
+    <dgm:pt modelId="{CA50BD61-6396-499C-8E88-0AF6275C231E}" type="pres">
+      <dgm:prSet presAssocID="{6B41AD1D-A3FB-4AF2-9542-37F0A7BD4393}" presName="vertThree" presStyleCnt="0"/>
+      <dgm:spPr/>
+    </dgm:pt>
+    <dgm:pt modelId="{6EC877B3-C26C-4423-9711-F7172DDEE7FB}" type="pres">
+      <dgm:prSet presAssocID="{6B41AD1D-A3FB-4AF2-9542-37F0A7BD4393}" presName="txThree" presStyleLbl="node3" presStyleIdx="0" presStyleCnt="3">
+        <dgm:presLayoutVars>
+          <dgm:chPref val="3"/>
+        </dgm:presLayoutVars>
+      </dgm:prSet>
+      <dgm:spPr/>
+      <dgm:t>
+        <a:bodyPr/>
+        <a:lstStyle/>
+        <a:p>
+          <a:endParaRPr lang="fr-FR"/>
+        </a:p>
+      </dgm:t>
+    </dgm:pt>
+    <dgm:pt modelId="{7E277D82-F9D9-4828-919B-C45CF15956CE}" type="pres">
+      <dgm:prSet presAssocID="{6B41AD1D-A3FB-4AF2-9542-37F0A7BD4393}" presName="horzThree" presStyleCnt="0"/>
+      <dgm:spPr/>
+    </dgm:pt>
+    <dgm:pt modelId="{7EA366AC-833A-442B-9557-86227D1398D8}" type="pres">
+      <dgm:prSet presAssocID="{9A01A00B-BC54-497C-96C1-5BA53BA1FBDC}" presName="sibSpaceThree" presStyleCnt="0"/>
+      <dgm:spPr/>
+    </dgm:pt>
+    <dgm:pt modelId="{29142165-FBDC-4B2E-9D13-5B6D7EE53122}" type="pres">
+      <dgm:prSet presAssocID="{7F8A0140-C8B6-4AF1-B926-86169866F043}" presName="vertThree" presStyleCnt="0"/>
+      <dgm:spPr/>
+    </dgm:pt>
+    <dgm:pt modelId="{891DC49C-520D-4C3E-89C0-519A4BB70127}" type="pres">
+      <dgm:prSet presAssocID="{7F8A0140-C8B6-4AF1-B926-86169866F043}" presName="txThree" presStyleLbl="node3" presStyleIdx="1" presStyleCnt="3">
+        <dgm:presLayoutVars>
+          <dgm:chPref val="3"/>
+        </dgm:presLayoutVars>
+      </dgm:prSet>
+      <dgm:spPr/>
+    </dgm:pt>
+    <dgm:pt modelId="{EB44A17F-68A5-4C63-A613-5D562DC0F9D0}" type="pres">
+      <dgm:prSet presAssocID="{7F8A0140-C8B6-4AF1-B926-86169866F043}" presName="horzThree" presStyleCnt="0"/>
+      <dgm:spPr/>
+    </dgm:pt>
+    <dgm:pt modelId="{BB7526F2-480A-480A-8F7C-C4837D235311}" type="pres">
+      <dgm:prSet presAssocID="{EB8E4B3E-AF28-431E-BFA0-0F3614E59D3C}" presName="sibSpaceTwo" presStyleCnt="0"/>
+      <dgm:spPr/>
+    </dgm:pt>
+    <dgm:pt modelId="{E0C4A6FD-42DD-49D6-95C2-E9A00A0556A5}" type="pres">
+      <dgm:prSet presAssocID="{F8178CC8-7586-44D5-B9F2-3C912B808393}" presName="vertTwo" presStyleCnt="0"/>
+      <dgm:spPr/>
+    </dgm:pt>
+    <dgm:pt modelId="{A71E157E-2E6A-46C1-B68C-6F32834BC1CE}" type="pres">
+      <dgm:prSet presAssocID="{F8178CC8-7586-44D5-B9F2-3C912B808393}" presName="txTwo" presStyleLbl="node2" presStyleIdx="1" presStyleCnt="2">
+        <dgm:presLayoutVars>
+          <dgm:chPref val="3"/>
+        </dgm:presLayoutVars>
+      </dgm:prSet>
+      <dgm:spPr/>
+    </dgm:pt>
+    <dgm:pt modelId="{1DBA5C57-AD3F-400A-8B78-50516691C844}" type="pres">
+      <dgm:prSet presAssocID="{F8178CC8-7586-44D5-B9F2-3C912B808393}" presName="parTransTwo" presStyleCnt="0"/>
+      <dgm:spPr/>
+    </dgm:pt>
+    <dgm:pt modelId="{F10944A9-A4D4-4895-8486-04DC235E5060}" type="pres">
+      <dgm:prSet presAssocID="{F8178CC8-7586-44D5-B9F2-3C912B808393}" presName="horzTwo" presStyleCnt="0"/>
+      <dgm:spPr/>
+    </dgm:pt>
+    <dgm:pt modelId="{BC651C30-8936-435C-9193-873DC27B2017}" type="pres">
+      <dgm:prSet presAssocID="{3EF2CB08-D40A-4E40-B185-EC5E32528E39}" presName="vertThree" presStyleCnt="0"/>
+      <dgm:spPr/>
+    </dgm:pt>
+    <dgm:pt modelId="{67CC1F6E-23F5-4B14-84CE-AE1BBE1F85C1}" type="pres">
+      <dgm:prSet presAssocID="{3EF2CB08-D40A-4E40-B185-EC5E32528E39}" presName="txThree" presStyleLbl="node3" presStyleIdx="2" presStyleCnt="3">
+        <dgm:presLayoutVars>
+          <dgm:chPref val="3"/>
+        </dgm:presLayoutVars>
+      </dgm:prSet>
+      <dgm:spPr/>
+    </dgm:pt>
+    <dgm:pt modelId="{A52C7DA2-0DBD-4E1E-BBE8-FD509C492692}" type="pres">
+      <dgm:prSet presAssocID="{3EF2CB08-D40A-4E40-B185-EC5E32528E39}" presName="horzThree" presStyleCnt="0"/>
+      <dgm:spPr/>
+    </dgm:pt>
+  </dgm:ptLst>
+  <dgm:cxnLst>
+    <dgm:cxn modelId="{7A5C532F-061D-4A63-98AA-9A8B5E1E978D}" type="presOf" srcId="{B18DC067-9F63-424D-8553-3F76E8EF746A}" destId="{9E3AE8A1-37D1-4C62-8A72-E09AF00023AA}" srcOrd="0" destOrd="0" presId="urn:microsoft.com/office/officeart/2005/8/layout/hierarchy4"/>
+    <dgm:cxn modelId="{A9D632EB-6B36-4226-B1AB-959A59699BA3}" type="presOf" srcId="{F8178CC8-7586-44D5-B9F2-3C912B808393}" destId="{A71E157E-2E6A-46C1-B68C-6F32834BC1CE}" srcOrd="0" destOrd="0" presId="urn:microsoft.com/office/officeart/2005/8/layout/hierarchy4"/>
+    <dgm:cxn modelId="{B78EBCEE-F2DD-4A50-BFE5-503906CA8023}" type="presOf" srcId="{B83A7A2C-093C-4CF0-807B-ABB5179346D3}" destId="{6D4C26C8-B30D-4B10-9C88-1544645608C8}" srcOrd="0" destOrd="0" presId="urn:microsoft.com/office/officeart/2005/8/layout/hierarchy4"/>
+    <dgm:cxn modelId="{6E5703AE-2C34-4856-95BA-871F4518A263}" srcId="{03863854-F35C-4D1C-A662-F080B785E8F9}" destId="{6B41AD1D-A3FB-4AF2-9542-37F0A7BD4393}" srcOrd="0" destOrd="0" parTransId="{F6A2ED43-EF8C-46E7-BC68-B6BB9508EC13}" sibTransId="{9A01A00B-BC54-497C-96C1-5BA53BA1FBDC}"/>
+    <dgm:cxn modelId="{5FF50579-AABA-49BA-AC98-F016508A8440}" type="presOf" srcId="{6B41AD1D-A3FB-4AF2-9542-37F0A7BD4393}" destId="{6EC877B3-C26C-4423-9711-F7172DDEE7FB}" srcOrd="0" destOrd="0" presId="urn:microsoft.com/office/officeart/2005/8/layout/hierarchy4"/>
+    <dgm:cxn modelId="{1728D6AA-DD2B-4F89-986D-C47505562D40}" srcId="{F8178CC8-7586-44D5-B9F2-3C912B808393}" destId="{3EF2CB08-D40A-4E40-B185-EC5E32528E39}" srcOrd="0" destOrd="0" parTransId="{CC844EF2-C259-4960-9150-3C9C18DC4BC8}" sibTransId="{3997AEA7-41FA-429E-909C-A83852D361B3}"/>
+    <dgm:cxn modelId="{2AE9C35E-3273-4DAA-A6D8-BCD8A78582CC}" srcId="{B18DC067-9F63-424D-8553-3F76E8EF746A}" destId="{B83A7A2C-093C-4CF0-807B-ABB5179346D3}" srcOrd="0" destOrd="0" parTransId="{0A238EC3-2DD4-4C33-8D8A-4F342F670016}" sibTransId="{96F93F9C-FD31-45EF-B7C3-C2D2BF2EB185}"/>
+    <dgm:cxn modelId="{A019861F-C4F5-44F6-8D98-F6DC604DE51B}" srcId="{B83A7A2C-093C-4CF0-807B-ABB5179346D3}" destId="{03863854-F35C-4D1C-A662-F080B785E8F9}" srcOrd="0" destOrd="0" parTransId="{932F43F2-A616-4B60-83AC-B1718E87CFD9}" sibTransId="{EB8E4B3E-AF28-431E-BFA0-0F3614E59D3C}"/>
+    <dgm:cxn modelId="{F05038E6-EE3C-439B-B513-F7D55288AB4F}" srcId="{03863854-F35C-4D1C-A662-F080B785E8F9}" destId="{7F8A0140-C8B6-4AF1-B926-86169866F043}" srcOrd="1" destOrd="0" parTransId="{275EF790-B38B-4A02-BCFA-DCA3E0549F40}" sibTransId="{A66D89F2-F3A9-4E5D-9CDF-2BBA30490511}"/>
+    <dgm:cxn modelId="{8EE64356-BFFC-4F96-86BB-F4B6C49B860E}" type="presOf" srcId="{3EF2CB08-D40A-4E40-B185-EC5E32528E39}" destId="{67CC1F6E-23F5-4B14-84CE-AE1BBE1F85C1}" srcOrd="0" destOrd="0" presId="urn:microsoft.com/office/officeart/2005/8/layout/hierarchy4"/>
+    <dgm:cxn modelId="{4965CC9A-FAFC-4391-9A75-6DEC81152D35}" type="presOf" srcId="{03863854-F35C-4D1C-A662-F080B785E8F9}" destId="{DA053704-99ED-4498-9AFE-B6BAE31C7D40}" srcOrd="0" destOrd="0" presId="urn:microsoft.com/office/officeart/2005/8/layout/hierarchy4"/>
+    <dgm:cxn modelId="{C8F7CBE1-E3E1-4A23-9C6B-1BF17F63877F}" type="presOf" srcId="{7F8A0140-C8B6-4AF1-B926-86169866F043}" destId="{891DC49C-520D-4C3E-89C0-519A4BB70127}" srcOrd="0" destOrd="0" presId="urn:microsoft.com/office/officeart/2005/8/layout/hierarchy4"/>
+    <dgm:cxn modelId="{3F1DA067-5EED-4438-BC3B-96BADE785FB9}" srcId="{B83A7A2C-093C-4CF0-807B-ABB5179346D3}" destId="{F8178CC8-7586-44D5-B9F2-3C912B808393}" srcOrd="1" destOrd="0" parTransId="{778BF30C-E051-4C74-ACA0-5B9074BCA9B6}" sibTransId="{14B53E76-3A99-4198-AB6A-BB47496C8EE8}"/>
+    <dgm:cxn modelId="{CD2EEC64-1857-4549-B595-A14F320D45C6}" type="presParOf" srcId="{9E3AE8A1-37D1-4C62-8A72-E09AF00023AA}" destId="{66078A0A-95E2-4CFC-A654-68790941C79A}" srcOrd="0" destOrd="0" presId="urn:microsoft.com/office/officeart/2005/8/layout/hierarchy4"/>
+    <dgm:cxn modelId="{53997919-5DDD-4F3E-9FCD-C6DB1BD7D0E8}" type="presParOf" srcId="{66078A0A-95E2-4CFC-A654-68790941C79A}" destId="{6D4C26C8-B30D-4B10-9C88-1544645608C8}" srcOrd="0" destOrd="0" presId="urn:microsoft.com/office/officeart/2005/8/layout/hierarchy4"/>
+    <dgm:cxn modelId="{FD3ACD2C-2896-4302-874B-DBBEFB3FEE20}" type="presParOf" srcId="{66078A0A-95E2-4CFC-A654-68790941C79A}" destId="{1C9ACBB3-61DD-41E8-9F47-23213F6FB90B}" srcOrd="1" destOrd="0" presId="urn:microsoft.com/office/officeart/2005/8/layout/hierarchy4"/>
+    <dgm:cxn modelId="{AAA39D34-912B-4DF9-B858-846F535D0E6A}" type="presParOf" srcId="{66078A0A-95E2-4CFC-A654-68790941C79A}" destId="{9F5E9854-0435-4753-9126-6D50E14B1CCB}" srcOrd="2" destOrd="0" presId="urn:microsoft.com/office/officeart/2005/8/layout/hierarchy4"/>
+    <dgm:cxn modelId="{687CED40-547A-4E58-B7CF-EC7B5534646F}" type="presParOf" srcId="{9F5E9854-0435-4753-9126-6D50E14B1CCB}" destId="{D0F5B952-CB82-4083-9BA3-FECB113A71AB}" srcOrd="0" destOrd="0" presId="urn:microsoft.com/office/officeart/2005/8/layout/hierarchy4"/>
+    <dgm:cxn modelId="{43A59866-C7F2-4215-A5AE-22A91846B2C0}" type="presParOf" srcId="{D0F5B952-CB82-4083-9BA3-FECB113A71AB}" destId="{DA053704-99ED-4498-9AFE-B6BAE31C7D40}" srcOrd="0" destOrd="0" presId="urn:microsoft.com/office/officeart/2005/8/layout/hierarchy4"/>
+    <dgm:cxn modelId="{02A03A58-496F-4A8D-ADF4-F1D13ACEDA29}" type="presParOf" srcId="{D0F5B952-CB82-4083-9BA3-FECB113A71AB}" destId="{2DCE704C-DEF8-47F3-80F9-62EBBF89F324}" srcOrd="1" destOrd="0" presId="urn:microsoft.com/office/officeart/2005/8/layout/hierarchy4"/>
+    <dgm:cxn modelId="{49B3A546-29AC-426F-9A69-6FC19DA226A3}" type="presParOf" srcId="{D0F5B952-CB82-4083-9BA3-FECB113A71AB}" destId="{1C37B8CB-D5FA-46B3-8BF5-0AA597228103}" srcOrd="2" destOrd="0" presId="urn:microsoft.com/office/officeart/2005/8/layout/hierarchy4"/>
+    <dgm:cxn modelId="{AAC6BAE0-139C-4054-806F-CA976F8A5B8F}" type="presParOf" srcId="{1C37B8CB-D5FA-46B3-8BF5-0AA597228103}" destId="{CA50BD61-6396-499C-8E88-0AF6275C231E}" srcOrd="0" destOrd="0" presId="urn:microsoft.com/office/officeart/2005/8/layout/hierarchy4"/>
+    <dgm:cxn modelId="{A359112F-1ED1-4103-B035-5D7CD196A502}" type="presParOf" srcId="{CA50BD61-6396-499C-8E88-0AF6275C231E}" destId="{6EC877B3-C26C-4423-9711-F7172DDEE7FB}" srcOrd="0" destOrd="0" presId="urn:microsoft.com/office/officeart/2005/8/layout/hierarchy4"/>
+    <dgm:cxn modelId="{F8D30695-9251-4D19-B4FA-CAD4FF481419}" type="presParOf" srcId="{CA50BD61-6396-499C-8E88-0AF6275C231E}" destId="{7E277D82-F9D9-4828-919B-C45CF15956CE}" srcOrd="1" destOrd="0" presId="urn:microsoft.com/office/officeart/2005/8/layout/hierarchy4"/>
+    <dgm:cxn modelId="{3622409E-01F1-49FB-A194-1F46D3EAAA91}" type="presParOf" srcId="{1C37B8CB-D5FA-46B3-8BF5-0AA597228103}" destId="{7EA366AC-833A-442B-9557-86227D1398D8}" srcOrd="1" destOrd="0" presId="urn:microsoft.com/office/officeart/2005/8/layout/hierarchy4"/>
+    <dgm:cxn modelId="{4F0097C5-EEDE-4A11-872E-29FAED8C37C9}" type="presParOf" srcId="{1C37B8CB-D5FA-46B3-8BF5-0AA597228103}" destId="{29142165-FBDC-4B2E-9D13-5B6D7EE53122}" srcOrd="2" destOrd="0" presId="urn:microsoft.com/office/officeart/2005/8/layout/hierarchy4"/>
+    <dgm:cxn modelId="{A64526AF-3789-4273-B187-8F5A49213CDF}" type="presParOf" srcId="{29142165-FBDC-4B2E-9D13-5B6D7EE53122}" destId="{891DC49C-520D-4C3E-89C0-519A4BB70127}" srcOrd="0" destOrd="0" presId="urn:microsoft.com/office/officeart/2005/8/layout/hierarchy4"/>
+    <dgm:cxn modelId="{CC92580B-E234-44D8-962D-3A52C87C22FB}" type="presParOf" srcId="{29142165-FBDC-4B2E-9D13-5B6D7EE53122}" destId="{EB44A17F-68A5-4C63-A613-5D562DC0F9D0}" srcOrd="1" destOrd="0" presId="urn:microsoft.com/office/officeart/2005/8/layout/hierarchy4"/>
+    <dgm:cxn modelId="{856B5095-DBDE-4290-956F-DCDDE70D2895}" type="presParOf" srcId="{9F5E9854-0435-4753-9126-6D50E14B1CCB}" destId="{BB7526F2-480A-480A-8F7C-C4837D235311}" srcOrd="1" destOrd="0" presId="urn:microsoft.com/office/officeart/2005/8/layout/hierarchy4"/>
+    <dgm:cxn modelId="{6B3573BF-1D06-4A0E-BFCE-5837757454A1}" type="presParOf" srcId="{9F5E9854-0435-4753-9126-6D50E14B1CCB}" destId="{E0C4A6FD-42DD-49D6-95C2-E9A00A0556A5}" srcOrd="2" destOrd="0" presId="urn:microsoft.com/office/officeart/2005/8/layout/hierarchy4"/>
+    <dgm:cxn modelId="{12351734-40EA-4185-B3EC-63A974D8DD58}" type="presParOf" srcId="{E0C4A6FD-42DD-49D6-95C2-E9A00A0556A5}" destId="{A71E157E-2E6A-46C1-B68C-6F32834BC1CE}" srcOrd="0" destOrd="0" presId="urn:microsoft.com/office/officeart/2005/8/layout/hierarchy4"/>
+    <dgm:cxn modelId="{DD7A2155-AF0F-4BD0-9F1D-697850B89395}" type="presParOf" srcId="{E0C4A6FD-42DD-49D6-95C2-E9A00A0556A5}" destId="{1DBA5C57-AD3F-400A-8B78-50516691C844}" srcOrd="1" destOrd="0" presId="urn:microsoft.com/office/officeart/2005/8/layout/hierarchy4"/>
+    <dgm:cxn modelId="{D0EBFF5C-F66E-437E-9840-AC07DB940354}" type="presParOf" srcId="{E0C4A6FD-42DD-49D6-95C2-E9A00A0556A5}" destId="{F10944A9-A4D4-4895-8486-04DC235E5060}" srcOrd="2" destOrd="0" presId="urn:microsoft.com/office/officeart/2005/8/layout/hierarchy4"/>
+    <dgm:cxn modelId="{95A38798-F0FE-4372-A0DB-AAEE8BA77ACC}" type="presParOf" srcId="{F10944A9-A4D4-4895-8486-04DC235E5060}" destId="{BC651C30-8936-435C-9193-873DC27B2017}" srcOrd="0" destOrd="0" presId="urn:microsoft.com/office/officeart/2005/8/layout/hierarchy4"/>
+    <dgm:cxn modelId="{157E4258-D559-4F19-804E-A133A6BAAF5C}" type="presParOf" srcId="{BC651C30-8936-435C-9193-873DC27B2017}" destId="{67CC1F6E-23F5-4B14-84CE-AE1BBE1F85C1}" srcOrd="0" destOrd="0" presId="urn:microsoft.com/office/officeart/2005/8/layout/hierarchy4"/>
+    <dgm:cxn modelId="{9F18B05A-4A85-4D76-835F-8B2094C368C7}" type="presParOf" srcId="{BC651C30-8936-435C-9193-873DC27B2017}" destId="{A52C7DA2-0DBD-4E1E-BBE8-FD509C492692}" srcOrd="1" destOrd="0" presId="urn:microsoft.com/office/officeart/2005/8/layout/hierarchy4"/>
+  </dgm:cxnLst>
+  <dgm:bg/>
+  <dgm:whole/>
+  <dgm:extLst>
+    <a:ext uri="http://schemas.microsoft.com/office/drawing/2008/diagram">
+      <dsp:dataModelExt xmlns:dsp="http://schemas.microsoft.com/office/drawing/2008/diagram" relId="rId6" minVer="http://schemas.openxmlformats.org/drawingml/2006/diagram"/>
+    </a:ext>
+  </dgm:extLst>
+</dgm:dataModel>
+</file>
+
+<file path=ppt/diagrams/drawing1.xml><?xml version="1.0" encoding="utf-8"?>
+<dsp:drawing xmlns:dgm="http://schemas.openxmlformats.org/drawingml/2006/diagram" xmlns:dsp="http://schemas.microsoft.com/office/drawing/2008/diagram" xmlns:a="http://schemas.openxmlformats.org/drawingml/2006/main">
+  <dsp:spTree>
+    <dsp:nvGrpSpPr>
+      <dsp:cNvPr id="0" name=""/>
+      <dsp:cNvGrpSpPr/>
+    </dsp:nvGrpSpPr>
+    <dsp:grpSpPr/>
+    <dsp:sp modelId="{6478A964-31EB-445D-9D12-4A3451A86D3C}">
+      <dsp:nvSpPr>
+        <dsp:cNvPr id="0" name=""/>
+        <dsp:cNvSpPr/>
+      </dsp:nvSpPr>
+      <dsp:spPr>
+        <a:xfrm>
+          <a:off x="1092" y="3107866"/>
+          <a:ext cx="6093815" cy="955476"/>
+        </a:xfrm>
+        <a:prstGeom prst="roundRect">
+          <a:avLst>
+            <a:gd name="adj" fmla="val 10000"/>
+          </a:avLst>
+        </a:prstGeom>
+        <a:solidFill>
+          <a:schemeClr val="dk1"/>
+        </a:solidFill>
+        <a:ln w="25400" cap="flat" cmpd="sng" algn="ctr">
+          <a:solidFill>
+            <a:schemeClr val="dk1">
+              <a:shade val="50000"/>
+            </a:schemeClr>
+          </a:solidFill>
+          <a:prstDash val="solid"/>
+        </a:ln>
+        <a:effectLst/>
+      </dsp:spPr>
+      <dsp:style>
+        <a:lnRef idx="2">
+          <a:schemeClr val="dk1">
+            <a:shade val="50000"/>
+          </a:schemeClr>
+        </a:lnRef>
+        <a:fillRef idx="1">
+          <a:schemeClr val="dk1"/>
+        </a:fillRef>
+        <a:effectRef idx="0">
+          <a:schemeClr val="dk1"/>
+        </a:effectRef>
+        <a:fontRef idx="minor">
+          <a:schemeClr val="lt1"/>
+        </a:fontRef>
+      </dsp:style>
+      <dsp:txBody>
+        <a:bodyPr spcFirstLastPara="0" vert="horz" wrap="square" lIns="156210" tIns="156210" rIns="156210" bIns="156210" numCol="1" spcCol="1270" anchor="ctr" anchorCtr="0">
+          <a:noAutofit/>
+        </a:bodyPr>
+        <a:lstStyle/>
+        <a:p>
+          <a:pPr lvl="0" algn="ctr" defTabSz="1822450">
+            <a:lnSpc>
+              <a:spcPct val="90000"/>
+            </a:lnSpc>
+            <a:spcBef>
+              <a:spcPct val="0"/>
+            </a:spcBef>
+            <a:spcAft>
+              <a:spcPct val="35000"/>
+            </a:spcAft>
+          </a:pPr>
+          <a:r>
+            <a:rPr lang="fr-FR" sz="4100" kern="1200" dirty="0" smtClean="0"/>
+            <a:t>Matériel</a:t>
+          </a:r>
+          <a:endParaRPr lang="fr-FR" sz="4100" kern="1200" dirty="0"/>
+        </a:p>
+      </dsp:txBody>
+      <dsp:txXfrm>
+        <a:off x="29077" y="3135851"/>
+        <a:ext cx="6037845" cy="899506"/>
+      </dsp:txXfrm>
+    </dsp:sp>
+    <dsp:sp modelId="{38AA97D6-BC05-4DF8-8307-3605CFBD985F}">
+      <dsp:nvSpPr>
+        <dsp:cNvPr id="0" name=""/>
+        <dsp:cNvSpPr/>
+      </dsp:nvSpPr>
+      <dsp:spPr>
+        <a:xfrm>
+          <a:off x="1092" y="2072130"/>
+          <a:ext cx="6093815" cy="955476"/>
+        </a:xfrm>
+        <a:prstGeom prst="roundRect">
+          <a:avLst>
+            <a:gd name="adj" fmla="val 10000"/>
+          </a:avLst>
+        </a:prstGeom>
+        <a:solidFill>
+          <a:schemeClr val="accent2"/>
+        </a:solidFill>
+        <a:ln w="25400" cap="flat" cmpd="sng" algn="ctr">
+          <a:solidFill>
+            <a:schemeClr val="accent2">
+              <a:shade val="50000"/>
+            </a:schemeClr>
+          </a:solidFill>
+          <a:prstDash val="solid"/>
+        </a:ln>
+        <a:effectLst/>
+      </dsp:spPr>
+      <dsp:style>
+        <a:lnRef idx="2">
+          <a:schemeClr val="accent2">
+            <a:shade val="50000"/>
+          </a:schemeClr>
+        </a:lnRef>
+        <a:fillRef idx="1">
+          <a:schemeClr val="accent2"/>
+        </a:fillRef>
+        <a:effectRef idx="0">
+          <a:schemeClr val="accent2"/>
+        </a:effectRef>
+        <a:fontRef idx="minor">
+          <a:schemeClr val="lt1"/>
+        </a:fontRef>
+      </dsp:style>
+      <dsp:txBody>
+        <a:bodyPr spcFirstLastPara="0" vert="horz" wrap="square" lIns="156210" tIns="156210" rIns="156210" bIns="156210" numCol="1" spcCol="1270" anchor="ctr" anchorCtr="0">
+          <a:noAutofit/>
+        </a:bodyPr>
+        <a:lstStyle/>
+        <a:p>
+          <a:pPr lvl="0" algn="ctr" defTabSz="1822450">
+            <a:lnSpc>
+              <a:spcPct val="90000"/>
+            </a:lnSpc>
+            <a:spcBef>
+              <a:spcPct val="0"/>
+            </a:spcBef>
+            <a:spcAft>
+              <a:spcPct val="35000"/>
+            </a:spcAft>
+          </a:pPr>
+          <a:r>
+            <a:rPr lang="fr-FR" sz="4100" kern="1200" dirty="0" smtClean="0"/>
+            <a:t>OS</a:t>
+          </a:r>
+          <a:endParaRPr lang="fr-FR" sz="4100" kern="1200" dirty="0"/>
+        </a:p>
+      </dsp:txBody>
+      <dsp:txXfrm>
+        <a:off x="29077" y="2100115"/>
+        <a:ext cx="6037845" cy="899506"/>
+      </dsp:txXfrm>
+    </dsp:sp>
+    <dsp:sp modelId="{753C40B7-CE70-4C43-9890-A243E5AEF5E2}">
+      <dsp:nvSpPr>
+        <dsp:cNvPr id="0" name=""/>
+        <dsp:cNvSpPr/>
+      </dsp:nvSpPr>
+      <dsp:spPr>
+        <a:xfrm>
+          <a:off x="1092" y="1036393"/>
+          <a:ext cx="6093815" cy="955476"/>
+        </a:xfrm>
+        <a:prstGeom prst="roundRect">
+          <a:avLst>
+            <a:gd name="adj" fmla="val 10000"/>
+          </a:avLst>
+        </a:prstGeom>
+        <a:solidFill>
+          <a:schemeClr val="accent1">
+            <a:hueOff val="0"/>
+            <a:satOff val="0"/>
+            <a:lumOff val="0"/>
+            <a:alphaOff val="0"/>
+          </a:schemeClr>
+        </a:solidFill>
+        <a:ln w="25400" cap="flat" cmpd="sng" algn="ctr">
+          <a:solidFill>
+            <a:schemeClr val="lt1">
+              <a:hueOff val="0"/>
+              <a:satOff val="0"/>
+              <a:lumOff val="0"/>
+              <a:alphaOff val="0"/>
+            </a:schemeClr>
+          </a:solidFill>
+          <a:prstDash val="solid"/>
+        </a:ln>
+        <a:effectLst/>
+      </dsp:spPr>
+      <dsp:style>
+        <a:lnRef idx="2">
+          <a:scrgbClr r="0" g="0" b="0"/>
+        </a:lnRef>
+        <a:fillRef idx="1">
+          <a:scrgbClr r="0" g="0" b="0"/>
+        </a:fillRef>
+        <a:effectRef idx="0">
+          <a:scrgbClr r="0" g="0" b="0"/>
+        </a:effectRef>
+        <a:fontRef idx="minor">
+          <a:schemeClr val="lt1"/>
+        </a:fontRef>
+      </dsp:style>
+      <dsp:txBody>
+        <a:bodyPr spcFirstLastPara="0" vert="horz" wrap="square" lIns="156210" tIns="156210" rIns="156210" bIns="156210" numCol="1" spcCol="1270" anchor="ctr" anchorCtr="0">
+          <a:noAutofit/>
+        </a:bodyPr>
+        <a:lstStyle/>
+        <a:p>
+          <a:pPr lvl="0" algn="ctr" defTabSz="1822450">
+            <a:lnSpc>
+              <a:spcPct val="90000"/>
+            </a:lnSpc>
+            <a:spcBef>
+              <a:spcPct val="0"/>
+            </a:spcBef>
+            <a:spcAft>
+              <a:spcPct val="35000"/>
+            </a:spcAft>
+          </a:pPr>
+          <a:r>
+            <a:rPr lang="fr-FR" sz="4100" kern="1200" dirty="0" smtClean="0"/>
+            <a:t>Couche de virtualisation</a:t>
+          </a:r>
+          <a:endParaRPr lang="fr-FR" sz="4100" kern="1200" dirty="0"/>
+        </a:p>
+      </dsp:txBody>
+      <dsp:txXfrm>
+        <a:off x="29077" y="1064378"/>
+        <a:ext cx="6037845" cy="899506"/>
+      </dsp:txXfrm>
+    </dsp:sp>
+    <dsp:sp modelId="{3A63A0DC-182E-4E75-9287-AC720D90D4F8}">
+      <dsp:nvSpPr>
+        <dsp:cNvPr id="0" name=""/>
+        <dsp:cNvSpPr/>
+      </dsp:nvSpPr>
+      <dsp:spPr>
+        <a:xfrm>
+          <a:off x="1092" y="656"/>
+          <a:ext cx="2003226" cy="955476"/>
+        </a:xfrm>
+        <a:prstGeom prst="roundRect">
+          <a:avLst>
+            <a:gd name="adj" fmla="val 10000"/>
+          </a:avLst>
+        </a:prstGeom>
+        <a:solidFill>
+          <a:schemeClr val="accent3"/>
+        </a:solidFill>
+        <a:ln w="25400" cap="flat" cmpd="sng" algn="ctr">
+          <a:solidFill>
+            <a:schemeClr val="accent3">
+              <a:shade val="50000"/>
+            </a:schemeClr>
+          </a:solidFill>
+          <a:prstDash val="solid"/>
+        </a:ln>
+        <a:effectLst/>
+      </dsp:spPr>
+      <dsp:style>
+        <a:lnRef idx="2">
+          <a:schemeClr val="accent3">
+            <a:shade val="50000"/>
+          </a:schemeClr>
+        </a:lnRef>
+        <a:fillRef idx="1">
+          <a:schemeClr val="accent3"/>
+        </a:fillRef>
+        <a:effectRef idx="0">
+          <a:schemeClr val="accent3"/>
+        </a:effectRef>
+        <a:fontRef idx="minor">
+          <a:schemeClr val="lt1"/>
+        </a:fontRef>
+      </dsp:style>
+      <dsp:txBody>
+        <a:bodyPr spcFirstLastPara="0" vert="horz" wrap="square" lIns="156210" tIns="156210" rIns="156210" bIns="156210" numCol="1" spcCol="1270" anchor="ctr" anchorCtr="0">
+          <a:noAutofit/>
+        </a:bodyPr>
+        <a:lstStyle/>
+        <a:p>
+          <a:pPr lvl="0" algn="ctr" defTabSz="1822450">
+            <a:lnSpc>
+              <a:spcPct val="90000"/>
+            </a:lnSpc>
+            <a:spcBef>
+              <a:spcPct val="0"/>
+            </a:spcBef>
+            <a:spcAft>
+              <a:spcPct val="35000"/>
+            </a:spcAft>
+          </a:pPr>
+          <a:r>
+            <a:rPr lang="fr-FR" sz="4100" kern="1200" dirty="0" smtClean="0"/>
+            <a:t>App 1</a:t>
+          </a:r>
+          <a:endParaRPr lang="fr-FR" sz="4100" kern="1200" dirty="0"/>
+        </a:p>
+      </dsp:txBody>
+      <dsp:txXfrm>
+        <a:off x="29077" y="28641"/>
+        <a:ext cx="1947256" cy="899506"/>
+      </dsp:txXfrm>
+    </dsp:sp>
+    <dsp:sp modelId="{FFB483E8-350F-4DAD-8E10-77DB15C54B0F}">
+      <dsp:nvSpPr>
+        <dsp:cNvPr id="0" name=""/>
+        <dsp:cNvSpPr/>
+      </dsp:nvSpPr>
+      <dsp:spPr>
+        <a:xfrm>
+          <a:off x="2046386" y="656"/>
+          <a:ext cx="2003226" cy="955476"/>
+        </a:xfrm>
+        <a:prstGeom prst="roundRect">
+          <a:avLst>
+            <a:gd name="adj" fmla="val 10000"/>
+          </a:avLst>
+        </a:prstGeom>
+        <a:solidFill>
+          <a:schemeClr val="accent3"/>
+        </a:solidFill>
+        <a:ln w="25400" cap="flat" cmpd="sng" algn="ctr">
+          <a:solidFill>
+            <a:schemeClr val="accent3">
+              <a:shade val="50000"/>
+            </a:schemeClr>
+          </a:solidFill>
+          <a:prstDash val="solid"/>
+        </a:ln>
+        <a:effectLst/>
+      </dsp:spPr>
+      <dsp:style>
+        <a:lnRef idx="2">
+          <a:schemeClr val="accent3">
+            <a:shade val="50000"/>
+          </a:schemeClr>
+        </a:lnRef>
+        <a:fillRef idx="1">
+          <a:schemeClr val="accent3"/>
+        </a:fillRef>
+        <a:effectRef idx="0">
+          <a:schemeClr val="accent3"/>
+        </a:effectRef>
+        <a:fontRef idx="minor">
+          <a:schemeClr val="lt1"/>
+        </a:fontRef>
+      </dsp:style>
+      <dsp:txBody>
+        <a:bodyPr spcFirstLastPara="0" vert="horz" wrap="square" lIns="156210" tIns="156210" rIns="156210" bIns="156210" numCol="1" spcCol="1270" anchor="ctr" anchorCtr="0">
+          <a:noAutofit/>
+        </a:bodyPr>
+        <a:lstStyle/>
+        <a:p>
+          <a:pPr lvl="0" algn="ctr" defTabSz="1822450">
+            <a:lnSpc>
+              <a:spcPct val="90000"/>
+            </a:lnSpc>
+            <a:spcBef>
+              <a:spcPct val="0"/>
+            </a:spcBef>
+            <a:spcAft>
+              <a:spcPct val="35000"/>
+            </a:spcAft>
+          </a:pPr>
+          <a:r>
+            <a:rPr lang="fr-FR" sz="4100" kern="1200" dirty="0" smtClean="0"/>
+            <a:t>App 2</a:t>
+          </a:r>
+          <a:endParaRPr lang="fr-FR" sz="4100" kern="1200" dirty="0"/>
+        </a:p>
+      </dsp:txBody>
+      <dsp:txXfrm>
+        <a:off x="2074371" y="28641"/>
+        <a:ext cx="1947256" cy="899506"/>
+      </dsp:txXfrm>
+    </dsp:sp>
+    <dsp:sp modelId="{174503B6-F709-4B31-B8D7-51731BB0ACDA}">
+      <dsp:nvSpPr>
+        <dsp:cNvPr id="0" name=""/>
+        <dsp:cNvSpPr/>
+      </dsp:nvSpPr>
+      <dsp:spPr>
+        <a:xfrm>
+          <a:off x="4091681" y="656"/>
+          <a:ext cx="2003226" cy="955476"/>
+        </a:xfrm>
+        <a:prstGeom prst="roundRect">
+          <a:avLst>
+            <a:gd name="adj" fmla="val 10000"/>
+          </a:avLst>
+        </a:prstGeom>
+        <a:solidFill>
+          <a:schemeClr val="accent3"/>
+        </a:solidFill>
+        <a:ln w="25400" cap="flat" cmpd="sng" algn="ctr">
+          <a:solidFill>
+            <a:schemeClr val="accent3">
+              <a:shade val="50000"/>
+            </a:schemeClr>
+          </a:solidFill>
+          <a:prstDash val="solid"/>
+        </a:ln>
+        <a:effectLst/>
+      </dsp:spPr>
+      <dsp:style>
+        <a:lnRef idx="2">
+          <a:schemeClr val="accent3">
+            <a:shade val="50000"/>
+          </a:schemeClr>
+        </a:lnRef>
+        <a:fillRef idx="1">
+          <a:schemeClr val="accent3"/>
+        </a:fillRef>
+        <a:effectRef idx="0">
+          <a:schemeClr val="accent3"/>
+        </a:effectRef>
+        <a:fontRef idx="minor">
+          <a:schemeClr val="lt1"/>
+        </a:fontRef>
+      </dsp:style>
+      <dsp:txBody>
+        <a:bodyPr spcFirstLastPara="0" vert="horz" wrap="square" lIns="156210" tIns="156210" rIns="156210" bIns="156210" numCol="1" spcCol="1270" anchor="ctr" anchorCtr="0">
+          <a:noAutofit/>
+        </a:bodyPr>
+        <a:lstStyle/>
+        <a:p>
+          <a:pPr lvl="0" algn="ctr" defTabSz="1822450">
+            <a:lnSpc>
+              <a:spcPct val="90000"/>
+            </a:lnSpc>
+            <a:spcBef>
+              <a:spcPct val="0"/>
+            </a:spcBef>
+            <a:spcAft>
+              <a:spcPct val="35000"/>
+            </a:spcAft>
+          </a:pPr>
+          <a:r>
+            <a:rPr lang="fr-FR" sz="4100" kern="1200" dirty="0" smtClean="0"/>
+            <a:t>App 3</a:t>
+          </a:r>
+          <a:endParaRPr lang="fr-FR" sz="4100" kern="1200" dirty="0"/>
+        </a:p>
+      </dsp:txBody>
+      <dsp:txXfrm>
+        <a:off x="4119666" y="28641"/>
+        <a:ext cx="1947256" cy="899506"/>
+      </dsp:txXfrm>
+    </dsp:sp>
+  </dsp:spTree>
+</dsp:drawing>
+</file>
+
+<file path=ppt/diagrams/drawing2.xml><?xml version="1.0" encoding="utf-8"?>
+<dsp:drawing xmlns:dgm="http://schemas.openxmlformats.org/drawingml/2006/diagram" xmlns:dsp="http://schemas.microsoft.com/office/drawing/2008/diagram" xmlns:a="http://schemas.openxmlformats.org/drawingml/2006/main">
+  <dsp:spTree>
+    <dsp:nvGrpSpPr>
+      <dsp:cNvPr id="0" name=""/>
+      <dsp:cNvGrpSpPr/>
+    </dsp:nvGrpSpPr>
+    <dsp:grpSpPr/>
+    <dsp:sp modelId="{6D4C26C8-B30D-4B10-9C88-1544645608C8}">
+      <dsp:nvSpPr>
+        <dsp:cNvPr id="0" name=""/>
+        <dsp:cNvSpPr/>
+      </dsp:nvSpPr>
+      <dsp:spPr>
+        <a:xfrm>
+          <a:off x="979" y="151"/>
+          <a:ext cx="8530481" cy="1256109"/>
+        </a:xfrm>
+        <a:prstGeom prst="roundRect">
+          <a:avLst>
+            <a:gd name="adj" fmla="val 10000"/>
+          </a:avLst>
+        </a:prstGeom>
+        <a:solidFill>
+          <a:schemeClr val="accent3"/>
+        </a:solidFill>
+        <a:ln w="25400" cap="flat" cmpd="sng" algn="ctr">
+          <a:solidFill>
+            <a:schemeClr val="accent3">
+              <a:shade val="50000"/>
+            </a:schemeClr>
+          </a:solidFill>
+          <a:prstDash val="solid"/>
+        </a:ln>
+        <a:effectLst/>
+      </dsp:spPr>
+      <dsp:style>
+        <a:lnRef idx="2">
+          <a:schemeClr val="accent3">
+            <a:shade val="50000"/>
+          </a:schemeClr>
+        </a:lnRef>
+        <a:fillRef idx="1">
+          <a:schemeClr val="accent3"/>
+        </a:fillRef>
+        <a:effectRef idx="0">
+          <a:schemeClr val="accent3"/>
+        </a:effectRef>
+        <a:fontRef idx="minor">
+          <a:schemeClr val="lt1"/>
+        </a:fontRef>
+      </dsp:style>
+      <dsp:txBody>
+        <a:bodyPr spcFirstLastPara="0" vert="horz" wrap="square" lIns="205740" tIns="205740" rIns="205740" bIns="205740" numCol="1" spcCol="1270" anchor="ctr" anchorCtr="0">
+          <a:noAutofit/>
+        </a:bodyPr>
+        <a:lstStyle/>
+        <a:p>
+          <a:pPr lvl="0" algn="ctr" defTabSz="2400300">
+            <a:lnSpc>
+              <a:spcPct val="90000"/>
+            </a:lnSpc>
+            <a:spcBef>
+              <a:spcPct val="0"/>
+            </a:spcBef>
+            <a:spcAft>
+              <a:spcPct val="35000"/>
+            </a:spcAft>
+          </a:pPr>
+          <a:r>
+            <a:rPr lang="fr-FR" sz="5400" kern="1200" smtClean="0"/>
+            <a:t>VLAN</a:t>
+          </a:r>
+          <a:endParaRPr lang="fr-FR" sz="5400" kern="1200"/>
+        </a:p>
+      </dsp:txBody>
+      <dsp:txXfrm>
+        <a:off x="37769" y="36941"/>
+        <a:ext cx="8456901" cy="1182529"/>
+      </dsp:txXfrm>
+    </dsp:sp>
+    <dsp:sp modelId="{DA053704-99ED-4498-9AFE-B6BAE31C7D40}">
+      <dsp:nvSpPr>
+        <dsp:cNvPr id="0" name=""/>
+        <dsp:cNvSpPr/>
+      </dsp:nvSpPr>
+      <dsp:spPr>
+        <a:xfrm>
+          <a:off x="979" y="1403945"/>
+          <a:ext cx="5572374" cy="1256109"/>
+        </a:xfrm>
+        <a:prstGeom prst="roundRect">
+          <a:avLst>
+            <a:gd name="adj" fmla="val 10000"/>
+          </a:avLst>
+        </a:prstGeom>
+        <a:solidFill>
+          <a:schemeClr val="accent2"/>
+        </a:solidFill>
+        <a:ln w="25400" cap="flat" cmpd="sng" algn="ctr">
+          <a:solidFill>
+            <a:schemeClr val="accent2">
+              <a:shade val="50000"/>
+            </a:schemeClr>
+          </a:solidFill>
+          <a:prstDash val="solid"/>
+        </a:ln>
+        <a:effectLst/>
+      </dsp:spPr>
+      <dsp:style>
+        <a:lnRef idx="2">
+          <a:schemeClr val="accent2">
+            <a:shade val="50000"/>
+          </a:schemeClr>
+        </a:lnRef>
+        <a:fillRef idx="1">
+          <a:schemeClr val="accent2"/>
+        </a:fillRef>
+        <a:effectRef idx="0">
+          <a:schemeClr val="accent2"/>
+        </a:effectRef>
+        <a:fontRef idx="minor">
+          <a:schemeClr val="lt1"/>
+        </a:fontRef>
+      </dsp:style>
+      <dsp:txBody>
+        <a:bodyPr spcFirstLastPara="0" vert="horz" wrap="square" lIns="171450" tIns="171450" rIns="171450" bIns="171450" numCol="1" spcCol="1270" anchor="ctr" anchorCtr="0">
+          <a:noAutofit/>
+        </a:bodyPr>
+        <a:lstStyle/>
+        <a:p>
+          <a:pPr lvl="0" algn="ctr" defTabSz="2000250">
+            <a:lnSpc>
+              <a:spcPct val="90000"/>
+            </a:lnSpc>
+            <a:spcBef>
+              <a:spcPct val="0"/>
+            </a:spcBef>
+            <a:spcAft>
+              <a:spcPct val="35000"/>
+            </a:spcAft>
+          </a:pPr>
+          <a:r>
+            <a:rPr lang="fr-FR" sz="4500" kern="1200" dirty="0" smtClean="0"/>
+            <a:t>Routeur 1</a:t>
+          </a:r>
+          <a:endParaRPr lang="fr-FR" sz="4500" kern="1200" dirty="0"/>
+        </a:p>
+      </dsp:txBody>
+      <dsp:txXfrm>
+        <a:off x="37769" y="1440735"/>
+        <a:ext cx="5498794" cy="1182529"/>
+      </dsp:txXfrm>
+    </dsp:sp>
+    <dsp:sp modelId="{6EC877B3-C26C-4423-9711-F7172DDEE7FB}">
+      <dsp:nvSpPr>
+        <dsp:cNvPr id="0" name=""/>
+        <dsp:cNvSpPr/>
+      </dsp:nvSpPr>
+      <dsp:spPr>
+        <a:xfrm>
+          <a:off x="979" y="2807739"/>
+          <a:ext cx="2728880" cy="1256109"/>
+        </a:xfrm>
+        <a:prstGeom prst="roundRect">
+          <a:avLst>
+            <a:gd name="adj" fmla="val 10000"/>
+          </a:avLst>
+        </a:prstGeom>
+        <a:solidFill>
+          <a:schemeClr val="accent1">
+            <a:hueOff val="0"/>
+            <a:satOff val="0"/>
+            <a:lumOff val="0"/>
+            <a:alphaOff val="0"/>
+          </a:schemeClr>
+        </a:solidFill>
+        <a:ln w="25400" cap="flat" cmpd="sng" algn="ctr">
+          <a:solidFill>
+            <a:schemeClr val="lt1">
+              <a:hueOff val="0"/>
+              <a:satOff val="0"/>
+              <a:lumOff val="0"/>
+              <a:alphaOff val="0"/>
+            </a:schemeClr>
+          </a:solidFill>
+          <a:prstDash val="solid"/>
+        </a:ln>
+        <a:effectLst/>
+      </dsp:spPr>
+      <dsp:style>
+        <a:lnRef idx="2">
+          <a:scrgbClr r="0" g="0" b="0"/>
+        </a:lnRef>
+        <a:fillRef idx="1">
+          <a:scrgbClr r="0" g="0" b="0"/>
+        </a:fillRef>
+        <a:effectRef idx="0">
+          <a:scrgbClr r="0" g="0" b="0"/>
+        </a:effectRef>
+        <a:fontRef idx="minor">
+          <a:schemeClr val="lt1"/>
+        </a:fontRef>
+      </dsp:style>
+      <dsp:txBody>
+        <a:bodyPr spcFirstLastPara="0" vert="horz" wrap="square" lIns="133350" tIns="133350" rIns="133350" bIns="133350" numCol="1" spcCol="1270" anchor="ctr" anchorCtr="0">
+          <a:noAutofit/>
+        </a:bodyPr>
+        <a:lstStyle/>
+        <a:p>
+          <a:pPr lvl="0" algn="ctr" defTabSz="1555750">
+            <a:lnSpc>
+              <a:spcPct val="90000"/>
+            </a:lnSpc>
+            <a:spcBef>
+              <a:spcPct val="0"/>
+            </a:spcBef>
+            <a:spcAft>
+              <a:spcPct val="35000"/>
+            </a:spcAft>
+          </a:pPr>
+          <a:r>
+            <a:rPr lang="fr-FR" sz="3500" kern="1200" dirty="0" err="1" smtClean="0"/>
+            <a:t>Datacentre</a:t>
+          </a:r>
+          <a:r>
+            <a:rPr lang="fr-FR" sz="3500" kern="1200" dirty="0" smtClean="0"/>
+            <a:t> 1</a:t>
+          </a:r>
+          <a:endParaRPr lang="fr-FR" sz="3500" kern="1200" dirty="0"/>
+        </a:p>
+      </dsp:txBody>
+      <dsp:txXfrm>
+        <a:off x="37769" y="2844529"/>
+        <a:ext cx="2655300" cy="1182529"/>
+      </dsp:txXfrm>
+    </dsp:sp>
+    <dsp:sp modelId="{891DC49C-520D-4C3E-89C0-519A4BB70127}">
+      <dsp:nvSpPr>
+        <dsp:cNvPr id="0" name=""/>
+        <dsp:cNvSpPr/>
+      </dsp:nvSpPr>
+      <dsp:spPr>
+        <a:xfrm>
+          <a:off x="2844473" y="2807739"/>
+          <a:ext cx="2728880" cy="1256109"/>
+        </a:xfrm>
+        <a:prstGeom prst="roundRect">
+          <a:avLst>
+            <a:gd name="adj" fmla="val 10000"/>
+          </a:avLst>
+        </a:prstGeom>
+        <a:solidFill>
+          <a:schemeClr val="accent1">
+            <a:hueOff val="0"/>
+            <a:satOff val="0"/>
+            <a:lumOff val="0"/>
+            <a:alphaOff val="0"/>
+          </a:schemeClr>
+        </a:solidFill>
+        <a:ln w="25400" cap="flat" cmpd="sng" algn="ctr">
+          <a:solidFill>
+            <a:schemeClr val="lt1">
+              <a:hueOff val="0"/>
+              <a:satOff val="0"/>
+              <a:lumOff val="0"/>
+              <a:alphaOff val="0"/>
+            </a:schemeClr>
+          </a:solidFill>
+          <a:prstDash val="solid"/>
+        </a:ln>
+        <a:effectLst/>
+      </dsp:spPr>
+      <dsp:style>
+        <a:lnRef idx="2">
+          <a:scrgbClr r="0" g="0" b="0"/>
+        </a:lnRef>
+        <a:fillRef idx="1">
+          <a:scrgbClr r="0" g="0" b="0"/>
+        </a:fillRef>
+        <a:effectRef idx="0">
+          <a:scrgbClr r="0" g="0" b="0"/>
+        </a:effectRef>
+        <a:fontRef idx="minor">
+          <a:schemeClr val="lt1"/>
+        </a:fontRef>
+      </dsp:style>
+      <dsp:txBody>
+        <a:bodyPr spcFirstLastPara="0" vert="horz" wrap="square" lIns="133350" tIns="133350" rIns="133350" bIns="133350" numCol="1" spcCol="1270" anchor="ctr" anchorCtr="0">
+          <a:noAutofit/>
+        </a:bodyPr>
+        <a:lstStyle/>
+        <a:p>
+          <a:pPr lvl="0" algn="ctr" defTabSz="1555750">
+            <a:lnSpc>
+              <a:spcPct val="90000"/>
+            </a:lnSpc>
+            <a:spcBef>
+              <a:spcPct val="0"/>
+            </a:spcBef>
+            <a:spcAft>
+              <a:spcPct val="35000"/>
+            </a:spcAft>
+          </a:pPr>
+          <a:r>
+            <a:rPr lang="fr-FR" sz="3500" kern="1200" dirty="0" err="1" smtClean="0"/>
+            <a:t>Datacentre</a:t>
+          </a:r>
+          <a:r>
+            <a:rPr lang="fr-FR" sz="3500" kern="1200" dirty="0" smtClean="0"/>
+            <a:t> 2</a:t>
+          </a:r>
+          <a:endParaRPr lang="fr-FR" sz="3500" kern="1200" dirty="0"/>
+        </a:p>
+      </dsp:txBody>
+      <dsp:txXfrm>
+        <a:off x="2881263" y="2844529"/>
+        <a:ext cx="2655300" cy="1182529"/>
+      </dsp:txXfrm>
+    </dsp:sp>
+    <dsp:sp modelId="{A71E157E-2E6A-46C1-B68C-6F32834BC1CE}">
+      <dsp:nvSpPr>
+        <dsp:cNvPr id="0" name=""/>
+        <dsp:cNvSpPr/>
+      </dsp:nvSpPr>
+      <dsp:spPr>
+        <a:xfrm>
+          <a:off x="5802579" y="1403945"/>
+          <a:ext cx="2728880" cy="1256109"/>
+        </a:xfrm>
+        <a:prstGeom prst="roundRect">
+          <a:avLst>
+            <a:gd name="adj" fmla="val 10000"/>
+          </a:avLst>
+        </a:prstGeom>
+        <a:solidFill>
+          <a:schemeClr val="accent2"/>
+        </a:solidFill>
+        <a:ln w="25400" cap="flat" cmpd="sng" algn="ctr">
+          <a:solidFill>
+            <a:schemeClr val="accent2">
+              <a:shade val="50000"/>
+            </a:schemeClr>
+          </a:solidFill>
+          <a:prstDash val="solid"/>
+        </a:ln>
+        <a:effectLst/>
+      </dsp:spPr>
+      <dsp:style>
+        <a:lnRef idx="2">
+          <a:schemeClr val="accent2">
+            <a:shade val="50000"/>
+          </a:schemeClr>
+        </a:lnRef>
+        <a:fillRef idx="1">
+          <a:schemeClr val="accent2"/>
+        </a:fillRef>
+        <a:effectRef idx="0">
+          <a:schemeClr val="accent2"/>
+        </a:effectRef>
+        <a:fontRef idx="minor">
+          <a:schemeClr val="lt1"/>
+        </a:fontRef>
+      </dsp:style>
+      <dsp:txBody>
+        <a:bodyPr spcFirstLastPara="0" vert="horz" wrap="square" lIns="171450" tIns="171450" rIns="171450" bIns="171450" numCol="1" spcCol="1270" anchor="ctr" anchorCtr="0">
+          <a:noAutofit/>
+        </a:bodyPr>
+        <a:lstStyle/>
+        <a:p>
+          <a:pPr lvl="0" algn="ctr" defTabSz="2000250">
+            <a:lnSpc>
+              <a:spcPct val="90000"/>
+            </a:lnSpc>
+            <a:spcBef>
+              <a:spcPct val="0"/>
+            </a:spcBef>
+            <a:spcAft>
+              <a:spcPct val="35000"/>
+            </a:spcAft>
+          </a:pPr>
+          <a:r>
+            <a:rPr lang="fr-FR" sz="4500" kern="1200" dirty="0" smtClean="0"/>
+            <a:t>Routeur 2</a:t>
+          </a:r>
+          <a:endParaRPr lang="fr-FR" sz="4500" kern="1200" dirty="0"/>
+        </a:p>
+      </dsp:txBody>
+      <dsp:txXfrm>
+        <a:off x="5839369" y="1440735"/>
+        <a:ext cx="2655300" cy="1182529"/>
+      </dsp:txXfrm>
+    </dsp:sp>
+    <dsp:sp modelId="{67CC1F6E-23F5-4B14-84CE-AE1BBE1F85C1}">
+      <dsp:nvSpPr>
+        <dsp:cNvPr id="0" name=""/>
+        <dsp:cNvSpPr/>
+      </dsp:nvSpPr>
+      <dsp:spPr>
+        <a:xfrm>
+          <a:off x="5802579" y="2807739"/>
+          <a:ext cx="2728880" cy="1256109"/>
+        </a:xfrm>
+        <a:prstGeom prst="roundRect">
+          <a:avLst>
+            <a:gd name="adj" fmla="val 10000"/>
+          </a:avLst>
+        </a:prstGeom>
+        <a:solidFill>
+          <a:schemeClr val="accent1">
+            <a:hueOff val="0"/>
+            <a:satOff val="0"/>
+            <a:lumOff val="0"/>
+            <a:alphaOff val="0"/>
+          </a:schemeClr>
+        </a:solidFill>
+        <a:ln w="25400" cap="flat" cmpd="sng" algn="ctr">
+          <a:solidFill>
+            <a:schemeClr val="lt1">
+              <a:hueOff val="0"/>
+              <a:satOff val="0"/>
+              <a:lumOff val="0"/>
+              <a:alphaOff val="0"/>
+            </a:schemeClr>
+          </a:solidFill>
+          <a:prstDash val="solid"/>
+        </a:ln>
+        <a:effectLst/>
+      </dsp:spPr>
+      <dsp:style>
+        <a:lnRef idx="2">
+          <a:scrgbClr r="0" g="0" b="0"/>
+        </a:lnRef>
+        <a:fillRef idx="1">
+          <a:scrgbClr r="0" g="0" b="0"/>
+        </a:fillRef>
+        <a:effectRef idx="0">
+          <a:scrgbClr r="0" g="0" b="0"/>
+        </a:effectRef>
+        <a:fontRef idx="minor">
+          <a:schemeClr val="lt1"/>
+        </a:fontRef>
+      </dsp:style>
+      <dsp:txBody>
+        <a:bodyPr spcFirstLastPara="0" vert="horz" wrap="square" lIns="133350" tIns="133350" rIns="133350" bIns="133350" numCol="1" spcCol="1270" anchor="ctr" anchorCtr="0">
+          <a:noAutofit/>
+        </a:bodyPr>
+        <a:lstStyle/>
+        <a:p>
+          <a:pPr lvl="0" algn="ctr" defTabSz="1555750">
+            <a:lnSpc>
+              <a:spcPct val="90000"/>
+            </a:lnSpc>
+            <a:spcBef>
+              <a:spcPct val="0"/>
+            </a:spcBef>
+            <a:spcAft>
+              <a:spcPct val="35000"/>
+            </a:spcAft>
+          </a:pPr>
+          <a:r>
+            <a:rPr lang="fr-FR" sz="3500" kern="1200" dirty="0" err="1" smtClean="0"/>
+            <a:t>Datacentre</a:t>
+          </a:r>
+          <a:r>
+            <a:rPr lang="fr-FR" sz="3500" kern="1200" dirty="0" smtClean="0"/>
+            <a:t> 3</a:t>
+          </a:r>
+          <a:endParaRPr lang="fr-FR" sz="3500" kern="1200" dirty="0"/>
+        </a:p>
+      </dsp:txBody>
+      <dsp:txXfrm>
+        <a:off x="5839369" y="2844529"/>
+        <a:ext cx="2655300" cy="1182529"/>
+      </dsp:txXfrm>
+    </dsp:sp>
+  </dsp:spTree>
+</dsp:drawing>
+</file>
+
+<file path=ppt/diagrams/layout1.xml><?xml version="1.0" encoding="utf-8"?>
+<dgm:layoutDef xmlns:dgm="http://schemas.openxmlformats.org/drawingml/2006/diagram" xmlns:a="http://schemas.openxmlformats.org/drawingml/2006/main" uniqueId="urn:microsoft.com/office/officeart/2005/8/layout/architecture+Icon">
+  <dgm:title val="Disposition architecture"/>
+  <dgm:desc val="Permet de représenter des relations hiérarchiques de manière verticale. Cette disposition est particulièrement appropriée pour illustrer les composants ou objets d’architecture qui reposent sur d’autres objets."/>
+  <dgm:catLst>
+    <dgm:cat type="hierarchy" pri="4500"/>
+    <dgm:cat type="list" pri="24500"/>
+    <dgm:cat type="relationship" pri="10500"/>
+    <dgm:cat type="officeonline" pri="7000"/>
+  </dgm:catLst>
+  <dgm:sampData>
+    <dgm:dataModel>
+      <dgm:ptLst>
+        <dgm:pt modelId="0" type="doc"/>
+        <dgm:pt modelId="1">
+          <dgm:prSet phldr="1"/>
+        </dgm:pt>
+        <dgm:pt modelId="2">
+          <dgm:prSet phldr="1"/>
+        </dgm:pt>
+        <dgm:pt modelId="21">
+          <dgm:prSet phldr="1"/>
+        </dgm:pt>
+        <dgm:pt modelId="22">
+          <dgm:prSet phldr="1"/>
+        </dgm:pt>
+        <dgm:pt modelId="3">
+          <dgm:prSet phldr="1"/>
+        </dgm:pt>
+        <dgm:pt modelId="31">
+          <dgm:prSet phldr="1"/>
+        </dgm:pt>
+      </dgm:ptLst>
+      <dgm:cxnLst>
+        <dgm:cxn modelId="4" srcId="0" destId="1" srcOrd="0" destOrd="0"/>
+        <dgm:cxn modelId="5" srcId="1" destId="2" srcOrd="0" destOrd="0"/>
+        <dgm:cxn modelId="6" srcId="1" destId="3" srcOrd="1" destOrd="0"/>
+        <dgm:cxn modelId="23" srcId="2" destId="21" srcOrd="0" destOrd="0"/>
+        <dgm:cxn modelId="24" srcId="2" destId="22" srcOrd="1" destOrd="0"/>
+        <dgm:cxn modelId="33" srcId="3" destId="31" srcOrd="0" destOrd="0"/>
+      </dgm:cxnLst>
+      <dgm:bg/>
+      <dgm:whole/>
+    </dgm:dataModel>
+  </dgm:sampData>
+  <dgm:styleData>
+    <dgm:dataModel>
+      <dgm:ptLst>
+        <dgm:pt modelId="0" type="doc"/>
+        <dgm:pt modelId="1"/>
+        <dgm:pt modelId="11"/>
+        <dgm:pt modelId="12"/>
+      </dgm:ptLst>
+      <dgm:cxnLst>
+        <dgm:cxn modelId="2" srcId="0" destId="1" srcOrd="0" destOrd="0"/>
+        <dgm:cxn modelId="13" srcId="1" destId="11" srcOrd="0" destOrd="0"/>
+        <dgm:cxn modelId="14" srcId="1" destId="12" srcOrd="1" destOrd="0"/>
+      </dgm:cxnLst>
+      <dgm:bg/>
+      <dgm:whole/>
+    </dgm:dataModel>
+  </dgm:styleData>
+  <dgm:clrData>
+    <dgm:dataModel>
+      <dgm:ptLst>
+        <dgm:pt modelId="0" type="doc"/>
+        <dgm:pt modelId="1"/>
+        <dgm:pt modelId="2"/>
+        <dgm:pt modelId="21"/>
+        <dgm:pt modelId="211"/>
+        <dgm:pt modelId="3"/>
+        <dgm:pt modelId="31"/>
+        <dgm:pt modelId="311"/>
+      </dgm:ptLst>
+      <dgm:cxnLst>
+        <dgm:cxn modelId="4" srcId="0" destId="1" srcOrd="0" destOrd="0"/>
+        <dgm:cxn modelId="5" srcId="1" destId="2" srcOrd="0" destOrd="0"/>
+        <dgm:cxn modelId="6" srcId="1" destId="3" srcOrd="1" destOrd="0"/>
+        <dgm:cxn modelId="23" srcId="2" destId="21" srcOrd="0" destOrd="0"/>
+        <dgm:cxn modelId="24" srcId="21" destId="211" srcOrd="0" destOrd="0"/>
+        <dgm:cxn modelId="33" srcId="3" destId="31" srcOrd="0" destOrd="0"/>
+        <dgm:cxn modelId="34" srcId="31" destId="311" srcOrd="0" destOrd="0"/>
+      </dgm:cxnLst>
+      <dgm:bg/>
+      <dgm:whole/>
+    </dgm:dataModel>
+  </dgm:clrData>
+  <dgm:layoutNode name="Name0">
+    <dgm:varLst>
+      <dgm:chPref val="1"/>
+      <dgm:dir/>
+      <dgm:animOne val="branch"/>
+      <dgm:animLvl val="lvl"/>
+      <dgm:resizeHandles/>
+    </dgm:varLst>
+    <dgm:choose name="Name1">
+      <dgm:if name="Name2" func="var" arg="dir" op="equ" val="norm">
+        <dgm:alg type="lin">
+          <dgm:param type="linDir" val="fromL"/>
+          <dgm:param type="nodeVertAlign" val="b"/>
+        </dgm:alg>
+      </dgm:if>
+      <dgm:else name="Name3">
+        <dgm:alg type="lin">
+          <dgm:param type="linDir" val="fromR"/>
+          <dgm:param type="nodeVertAlign" val="b"/>
+        </dgm:alg>
+      </dgm:else>
+    </dgm:choose>
+    <dgm:shape xmlns:r="http://schemas.openxmlformats.org/officeDocument/2006/relationships" r:blip="">
+      <dgm:adjLst/>
+    </dgm:shape>
+    <dgm:presOf/>
+    <dgm:constrLst>
+      <dgm:constr type="w" for="ch" forName="vertOne" refType="w"/>
+      <dgm:constr type="w" for="des" forName="horzOne" refType="w"/>
+      <dgm:constr type="w" for="des" forName="txOne" refType="w"/>
+      <dgm:constr type="w" for="des" forName="vertTwo" refType="w"/>
+      <dgm:constr type="w" for="des" forName="horzTwo" refType="w"/>
+      <dgm:constr type="w" for="des" forName="txTwo" refType="w"/>
+      <dgm:constr type="w" for="des" forName="vertThree" refType="w"/>
+      <dgm:constr type="w" for="des" forName="horzThree" refType="w"/>
+      <dgm:constr type="w" for="des" forName="txThree" refType="w"/>
+      <dgm:constr type="w" for="des" forName="vertFour" refType="w"/>
+      <dgm:constr type="w" for="des" forName="horzFour" refType="w"/>
+      <dgm:constr type="w" for="des" forName="txFour" refType="w"/>
+      <dgm:constr type="h" for="des" ptType="node" op="equ"/>
+      <dgm:constr type="h" for="des" forName="txOne" refType="h"/>
+      <dgm:constr type="userH" for="des" ptType="node" refType="h" refFor="des" refForName="txOne"/>
+      <dgm:constr type="primFontSz" for="des" forName="txOne" val="65"/>
+      <dgm:constr type="primFontSz" for="des" forName="txTwo" val="65"/>
+      <dgm:constr type="primFontSz" for="des" forName="txTwo" refType="primFontSz" refFor="des" refForName="txOne" op="lte"/>
+      <dgm:constr type="primFontSz" for="des" forName="txThree" val="65"/>
+      <dgm:constr type="primFontSz" for="des" forName="txThree" refType="primFontSz" refFor="des" refForName="txOne" op="lte"/>
+      <dgm:constr type="primFontSz" for="des" forName="txThree" refType="primFontSz" refFor="des" refForName="txTwo" op="lte"/>
+      <dgm:constr type="primFontSz" for="des" forName="txFour" val="65"/>
+      <dgm:constr type="primFontSz" for="des" forName="txFour" refType="primFontSz" refFor="des" refForName="txOne" op="lte"/>
+      <dgm:constr type="primFontSz" for="des" forName="txFour" refType="primFontSz" refFor="des" refForName="txTwo" op="lte"/>
+      <dgm:constr type="primFontSz" for="des" forName="txFour" refType="primFontSz" refFor="des" refForName="txThree" op="lte"/>
+      <dgm:constr type="w" for="des" forName="sibSpaceOne" refType="w" fact="0.168"/>
+      <dgm:constr type="w" for="des" forName="sibSpaceTwo" refType="w" refFor="des" refForName="sibSpaceOne" op="equ" fact="0.5"/>
+      <dgm:constr type="w" for="des" forName="sibSpaceThree" refType="w" refFor="des" refForName="sibSpaceTwo" op="equ" fact="0.5"/>
+      <dgm:constr type="w" for="des" forName="sibSpaceFour" refType="w" refFor="des" refForName="sibSpaceThree" op="equ" fact="0.5"/>
+      <dgm:constr type="h" for="des" forName="parTransOne" refType="w" fact="0.056"/>
+      <dgm:constr type="h" for="des" forName="parTransTwo" refType="h" refFor="des" refForName="parTransOne" op="equ"/>
+      <dgm:constr type="h" for="des" forName="parTransThree" refType="h" refFor="des" refForName="parTransTwo" op="equ"/>
+      <dgm:constr type="h" for="des" forName="parTransFour" refType="h" refFor="des" refForName="parTransThree" op="equ"/>
+    </dgm:constrLst>
+    <dgm:ruleLst/>
+    <dgm:forEach name="Name4" axis="ch" ptType="node">
+      <dgm:layoutNode name="vertOne">
+        <dgm:alg type="lin">
+          <dgm:param type="linDir" val="fromB"/>
+        </dgm:alg>
+        <dgm:shape xmlns:r="http://schemas.openxmlformats.org/officeDocument/2006/relationships" r:blip="">
+          <dgm:adjLst/>
+        </dgm:shape>
+        <dgm:presOf/>
+        <dgm:constrLst>
+          <dgm:constr type="w" for="ch" forName="txOne" refType="w" refFor="ch" refForName="horzOne" op="gte"/>
+        </dgm:constrLst>
+        <dgm:ruleLst/>
+        <dgm:layoutNode name="txOne" styleLbl="node0">
+          <dgm:varLst>
+            <dgm:chPref val="3"/>
+          </dgm:varLst>
+          <dgm:alg type="tx"/>
+          <dgm:shape xmlns:r="http://schemas.openxmlformats.org/officeDocument/2006/relationships" type="roundRect" r:blip="">
+            <dgm:adjLst>
+              <dgm:adj idx="1" val="0.1"/>
+            </dgm:adjLst>
+          </dgm:shape>
+          <dgm:presOf axis="self"/>
+          <dgm:constrLst>
+            <dgm:constr type="tMarg" refType="primFontSz" fact="0.3"/>
+            <dgm:constr type="bMarg" refType="primFontSz" fact="0.3"/>
+            <dgm:constr type="lMarg" refType="primFontSz" fact="0.3"/>
+            <dgm:constr type="rMarg" refType="primFontSz" fact="0.3"/>
+          </dgm:constrLst>
+          <dgm:ruleLst>
+            <dgm:rule type="primFontSz" val="5" fact="NaN" max="NaN"/>
+          </dgm:ruleLst>
+        </dgm:layoutNode>
+        <dgm:choose name="Name5">
+          <dgm:if name="Name6" axis="des" ptType="node" func="cnt" op="gt" val="0">
+            <dgm:layoutNode name="parTransOne">
+              <dgm:alg type="sp"/>
+              <dgm:shape xmlns:r="http://schemas.openxmlformats.org/officeDocument/2006/relationships" r:blip="">
+                <dgm:adjLst/>
+              </dgm:shape>
+              <dgm:presOf/>
+              <dgm:constrLst/>
+              <dgm:ruleLst/>
+            </dgm:layoutNode>
+          </dgm:if>
+          <dgm:else name="Name7"/>
+        </dgm:choose>
+        <dgm:layoutNode name="horzOne">
+          <dgm:choose name="Name8">
+            <dgm:if name="Name9" func="var" arg="dir" op="equ" val="norm">
+              <dgm:alg type="lin">
+                <dgm:param type="linDir" val="fromL"/>
+                <dgm:param type="nodeVertAlign" val="b"/>
+              </dgm:alg>
+            </dgm:if>
+            <dgm:else name="Name10">
+              <dgm:alg type="lin">
+                <dgm:param type="linDir" val="fromR"/>
+                <dgm:param type="nodeVertAlign" val="b"/>
+              </dgm:alg>
+            </dgm:else>
+          </dgm:choose>
+          <dgm:shape xmlns:r="http://schemas.openxmlformats.org/officeDocument/2006/relationships" r:blip="">
+            <dgm:adjLst/>
+          </dgm:shape>
+          <dgm:presOf/>
+          <dgm:constrLst/>
+          <dgm:ruleLst>
+            <dgm:rule type="w" val="INF" fact="NaN" max="NaN"/>
+          </dgm:ruleLst>
+          <dgm:forEach name="Name11" axis="ch" ptType="node">
+            <dgm:layoutNode name="vertTwo">
+              <dgm:alg type="lin">
+                <dgm:param type="linDir" val="fromB"/>
+              </dgm:alg>
+              <dgm:shape xmlns:r="http://schemas.openxmlformats.org/officeDocument/2006/relationships" r:blip="">
+                <dgm:adjLst/>
+              </dgm:shape>
+              <dgm:presOf/>
+              <dgm:constrLst>
+                <dgm:constr type="w" for="ch" forName="txTwo" refType="w" refFor="ch" refForName="horzTwo" op="gte"/>
+              </dgm:constrLst>
+              <dgm:ruleLst/>
+              <dgm:layoutNode name="txTwo">
+                <dgm:varLst>
+                  <dgm:chPref val="3"/>
+                </dgm:varLst>
+                <dgm:alg type="tx"/>
+                <dgm:shape xmlns:r="http://schemas.openxmlformats.org/officeDocument/2006/relationships" type="roundRect" r:blip="">
+                  <dgm:adjLst>
+                    <dgm:adj idx="1" val="0.1"/>
+                  </dgm:adjLst>
+                </dgm:shape>
+                <dgm:presOf axis="self"/>
+                <dgm:constrLst>
+                  <dgm:constr type="userH"/>
+                  <dgm:constr type="h" refType="userH"/>
+                  <dgm:constr type="tMarg" refType="primFontSz" fact="0.3"/>
+                  <dgm:constr type="bMarg" refType="primFontSz" fact="0.3"/>
+                  <dgm:constr type="lMarg" refType="primFontSz" fact="0.3"/>
+                  <dgm:constr type="rMarg" refType="primFontSz" fact="0.3"/>
+                </dgm:constrLst>
+                <dgm:ruleLst>
+                  <dgm:rule type="primFontSz" val="5" fact="NaN" max="NaN"/>
+                </dgm:ruleLst>
+              </dgm:layoutNode>
+              <dgm:choose name="Name12">
+                <dgm:if name="Name13" axis="des" ptType="node" func="cnt" op="gt" val="0">
+                  <dgm:layoutNode name="parTransTwo">
+                    <dgm:alg type="sp"/>
+                    <dgm:shape xmlns:r="http://schemas.openxmlformats.org/officeDocument/2006/relationships" r:blip="">
+                      <dgm:adjLst/>
+                    </dgm:shape>
+                    <dgm:presOf/>
+                    <dgm:constrLst/>
+                    <dgm:ruleLst/>
+                  </dgm:layoutNode>
+                </dgm:if>
+                <dgm:else name="Name14"/>
+              </dgm:choose>
+              <dgm:layoutNode name="horzTwo">
+                <dgm:choose name="Name15">
+                  <dgm:if name="Name16" func="var" arg="dir" op="equ" val="norm">
+                    <dgm:alg type="lin">
+                      <dgm:param type="linDir" val="fromL"/>
+                      <dgm:param type="nodeVertAlign" val="b"/>
+                    </dgm:alg>
+                  </dgm:if>
+                  <dgm:else name="Name17">
+                    <dgm:alg type="lin">
+                      <dgm:param type="linDir" val="fromR"/>
+                      <dgm:param type="nodeVertAlign" val="b"/>
+                    </dgm:alg>
+                  </dgm:else>
+                </dgm:choose>
+                <dgm:shape xmlns:r="http://schemas.openxmlformats.org/officeDocument/2006/relationships" r:blip="">
+                  <dgm:adjLst/>
+                </dgm:shape>
+                <dgm:presOf/>
+                <dgm:constrLst/>
+                <dgm:ruleLst>
+                  <dgm:rule type="w" val="INF" fact="NaN" max="NaN"/>
+                </dgm:ruleLst>
+                <dgm:forEach name="Name18" axis="ch" ptType="node">
+                  <dgm:layoutNode name="vertThree">
+                    <dgm:alg type="lin">
+                      <dgm:param type="linDir" val="fromB"/>
+                    </dgm:alg>
+                    <dgm:shape xmlns:r="http://schemas.openxmlformats.org/officeDocument/2006/relationships" r:blip="">
+                      <dgm:adjLst/>
+                    </dgm:shape>
+                    <dgm:presOf/>
+                    <dgm:constrLst>
+                      <dgm:constr type="w" for="ch" forName="txThree" refType="w" refFor="ch" refForName="horzThree" op="gte"/>
+                    </dgm:constrLst>
+                    <dgm:ruleLst/>
+                    <dgm:layoutNode name="txThree">
+                      <dgm:varLst>
+                        <dgm:chPref val="3"/>
+                      </dgm:varLst>
+                      <dgm:alg type="tx"/>
+                      <dgm:shape xmlns:r="http://schemas.openxmlformats.org/officeDocument/2006/relationships" type="roundRect" r:blip="">
+                        <dgm:adjLst>
+                          <dgm:adj idx="1" val="0.1"/>
+                        </dgm:adjLst>
+                      </dgm:shape>
+                      <dgm:presOf axis="self"/>
+                      <dgm:constrLst>
+                        <dgm:constr type="userH"/>
+                        <dgm:constr type="h" refType="userH"/>
+                        <dgm:constr type="tMarg" refType="primFontSz" fact="0.3"/>
+                        <dgm:constr type="bMarg" refType="primFontSz" fact="0.3"/>
+                        <dgm:constr type="lMarg" refType="primFontSz" fact="0.3"/>
+                        <dgm:constr type="rMarg" refType="primFontSz" fact="0.3"/>
+                      </dgm:constrLst>
+                      <dgm:ruleLst>
+                        <dgm:rule type="primFontSz" val="5" fact="NaN" max="NaN"/>
+                      </dgm:ruleLst>
+                    </dgm:layoutNode>
+                    <dgm:choose name="Name19">
+                      <dgm:if name="Name20" axis="des" ptType="node" func="cnt" op="gt" val="0">
+                        <dgm:layoutNode name="parTransThree">
+                          <dgm:alg type="sp"/>
+                          <dgm:shape xmlns:r="http://schemas.openxmlformats.org/officeDocument/2006/relationships" r:blip="">
+                            <dgm:adjLst/>
+                          </dgm:shape>
+                          <dgm:presOf/>
+                          <dgm:constrLst/>
+                          <dgm:ruleLst/>
+                        </dgm:layoutNode>
+                      </dgm:if>
+                      <dgm:else name="Name21"/>
+                    </dgm:choose>
+                    <dgm:layoutNode name="horzThree">
+                      <dgm:choose name="Name22">
+                        <dgm:if name="Name23" func="var" arg="dir" op="equ" val="norm">
+                          <dgm:alg type="lin">
+                            <dgm:param type="linDir" val="fromL"/>
+                            <dgm:param type="nodeVertAlign" val="b"/>
+                          </dgm:alg>
+                        </dgm:if>
+                        <dgm:else name="Name24">
+                          <dgm:alg type="lin">
+                            <dgm:param type="linDir" val="fromR"/>
+                            <dgm:param type="nodeVertAlign" val="b"/>
+                          </dgm:alg>
+                        </dgm:else>
+                      </dgm:choose>
+                      <dgm:shape xmlns:r="http://schemas.openxmlformats.org/officeDocument/2006/relationships" r:blip="">
+                        <dgm:adjLst/>
+                      </dgm:shape>
+                      <dgm:presOf/>
+                      <dgm:constrLst/>
+                      <dgm:ruleLst>
+                        <dgm:rule type="w" val="INF" fact="NaN" max="NaN"/>
+                      </dgm:ruleLst>
+                      <dgm:forEach name="repeat" axis="ch" ptType="node">
+                        <dgm:layoutNode name="vertFour">
+                          <dgm:varLst>
+                            <dgm:chPref val="3"/>
+                          </dgm:varLst>
+                          <dgm:alg type="lin">
+                            <dgm:param type="linDir" val="fromB"/>
+                          </dgm:alg>
+                          <dgm:shape xmlns:r="http://schemas.openxmlformats.org/officeDocument/2006/relationships" r:blip="">
+                            <dgm:adjLst/>
+                          </dgm:shape>
+                          <dgm:presOf/>
+                          <dgm:constrLst>
+                            <dgm:constr type="w" for="ch" forName="txFour" refType="w" refFor="ch" refForName="horzFour" op="gte"/>
+                          </dgm:constrLst>
+                          <dgm:ruleLst/>
+                          <dgm:layoutNode name="txFour">
+                            <dgm:varLst>
+                              <dgm:chPref val="3"/>
+                            </dgm:varLst>
+                            <dgm:alg type="tx"/>
+                            <dgm:shape xmlns:r="http://schemas.openxmlformats.org/officeDocument/2006/relationships" type="roundRect" r:blip="">
+                              <dgm:adjLst>
+                                <dgm:adj idx="1" val="0.1"/>
+                              </dgm:adjLst>
+                            </dgm:shape>
+                            <dgm:presOf axis="self"/>
+                            <dgm:constrLst>
+                              <dgm:constr type="userH"/>
+                              <dgm:constr type="h" refType="userH"/>
+                              <dgm:constr type="tMarg" refType="primFontSz" fact="0.3"/>
+                              <dgm:constr type="bMarg" refType="primFontSz" fact="0.3"/>
+                              <dgm:constr type="lMarg" refType="primFontSz" fact="0.3"/>
+                              <dgm:constr type="rMarg" refType="primFontSz" fact="0.3"/>
+                            </dgm:constrLst>
+                            <dgm:ruleLst>
+                              <dgm:rule type="primFontSz" val="5" fact="NaN" max="NaN"/>
+                            </dgm:ruleLst>
+                          </dgm:layoutNode>
+                          <dgm:choose name="Name25">
+                            <dgm:if name="Name26" axis="des" ptType="node" func="cnt" op="gt" val="0">
+                              <dgm:layoutNode name="parTransFour">
+                                <dgm:alg type="sp"/>
+                                <dgm:shape xmlns:r="http://schemas.openxmlformats.org/officeDocument/2006/relationships" r:blip="">
+                                  <dgm:adjLst/>
+                                </dgm:shape>
+                                <dgm:presOf/>
+                                <dgm:constrLst/>
+                                <dgm:ruleLst/>
+                              </dgm:layoutNode>
+                            </dgm:if>
+                            <dgm:else name="Name27"/>
+                          </dgm:choose>
+                          <dgm:layoutNode name="horzFour">
+                            <dgm:choose name="Name28">
+                              <dgm:if name="Name29" func="var" arg="dir" op="equ" val="norm">
+                                <dgm:alg type="lin">
+                                  <dgm:param type="linDir" val="fromL"/>
+                                  <dgm:param type="nodeVertAlign" val="b"/>
+                                </dgm:alg>
+                              </dgm:if>
+                              <dgm:else name="Name30">
+                                <dgm:alg type="lin">
+                                  <dgm:param type="linDir" val="fromR"/>
+                                  <dgm:param type="nodeVertAlign" val="b"/>
+                                </dgm:alg>
+                              </dgm:else>
+                            </dgm:choose>
+                            <dgm:shape xmlns:r="http://schemas.openxmlformats.org/officeDocument/2006/relationships" r:blip="">
+                              <dgm:adjLst/>
+                            </dgm:shape>
+                            <dgm:presOf/>
+                            <dgm:constrLst/>
+                            <dgm:ruleLst>
+                              <dgm:rule type="w" val="INF" fact="NaN" max="NaN"/>
+                            </dgm:ruleLst>
+                            <dgm:forEach name="Name31" ref="repeat"/>
+                          </dgm:layoutNode>
+                        </dgm:layoutNode>
+                        <dgm:choose name="Name32">
+                          <dgm:if name="Name33" axis="self" ptType="node" func="revPos" op="gte" val="2">
+                            <dgm:forEach name="Name34" axis="followSib" ptType="sibTrans" cnt="1">
+                              <dgm:layoutNode name="sibSpaceFour">
+                                <dgm:alg type="sp"/>
+                                <dgm:shape xmlns:r="http://schemas.openxmlformats.org/officeDocument/2006/relationships" r:blip="">
+                                  <dgm:adjLst/>
+                                </dgm:shape>
+                                <dgm:presOf/>
+                                <dgm:constrLst/>
+                                <dgm:ruleLst/>
+                              </dgm:layoutNode>
+                            </dgm:forEach>
+                          </dgm:if>
+                          <dgm:else name="Name35"/>
+                        </dgm:choose>
+                      </dgm:forEach>
+                    </dgm:layoutNode>
+                  </dgm:layoutNode>
+                  <dgm:choose name="Name36">
+                    <dgm:if name="Name37" axis="self" ptType="node" func="revPos" op="gte" val="2">
+                      <dgm:forEach name="Name38" axis="followSib" ptType="sibTrans" cnt="1">
+                        <dgm:layoutNode name="sibSpaceThree">
+                          <dgm:alg type="sp"/>
+                          <dgm:shape xmlns:r="http://schemas.openxmlformats.org/officeDocument/2006/relationships" r:blip="">
+                            <dgm:adjLst/>
+                          </dgm:shape>
+                          <dgm:presOf/>
+                          <dgm:constrLst/>
+                          <dgm:ruleLst/>
+                        </dgm:layoutNode>
+                      </dgm:forEach>
+                    </dgm:if>
+                    <dgm:else name="Name39"/>
+                  </dgm:choose>
+                </dgm:forEach>
+              </dgm:layoutNode>
+            </dgm:layoutNode>
+            <dgm:choose name="Name40">
+              <dgm:if name="Name41" axis="self" ptType="node" func="revPos" op="gte" val="2">
+                <dgm:forEach name="Name42" axis="followSib" ptType="sibTrans" cnt="1">
+                  <dgm:layoutNode name="sibSpaceTwo">
+                    <dgm:alg type="sp"/>
+                    <dgm:shape xmlns:r="http://schemas.openxmlformats.org/officeDocument/2006/relationships" r:blip="">
+                      <dgm:adjLst/>
+                    </dgm:shape>
+                    <dgm:presOf/>
+                    <dgm:constrLst/>
+                    <dgm:ruleLst/>
+                  </dgm:layoutNode>
+                </dgm:forEach>
+              </dgm:if>
+              <dgm:else name="Name43"/>
+            </dgm:choose>
+          </dgm:forEach>
+        </dgm:layoutNode>
+      </dgm:layoutNode>
+      <dgm:choose name="Name44">
+        <dgm:if name="Name45" axis="self" ptType="node" func="revPos" op="gte" val="2">
+          <dgm:forEach name="Name46" axis="followSib" ptType="sibTrans" cnt="1">
+            <dgm:layoutNode name="sibSpaceOne">
+              <dgm:alg type="sp"/>
+              <dgm:shape xmlns:r="http://schemas.openxmlformats.org/officeDocument/2006/relationships" r:blip="">
+                <dgm:adjLst/>
+              </dgm:shape>
+              <dgm:presOf/>
+              <dgm:constrLst/>
+              <dgm:ruleLst/>
+            </dgm:layoutNode>
+          </dgm:forEach>
+        </dgm:if>
+        <dgm:else name="Name47"/>
+      </dgm:choose>
+    </dgm:forEach>
+  </dgm:layoutNode>
+</dgm:layoutDef>
+</file>
+
+<file path=ppt/diagrams/layout2.xml><?xml version="1.0" encoding="utf-8"?>
+<dgm:layoutDef xmlns:dgm="http://schemas.openxmlformats.org/drawingml/2006/diagram" xmlns:a="http://schemas.openxmlformats.org/drawingml/2006/main" uniqueId="urn:microsoft.com/office/officeart/2005/8/layout/hierarchy4">
+  <dgm:title val=""/>
+  <dgm:desc val=""/>
+  <dgm:catLst>
+    <dgm:cat type="hierarchy" pri="4000"/>
+    <dgm:cat type="list" pri="24000"/>
+    <dgm:cat type="relationship" pri="10000"/>
+  </dgm:catLst>
+  <dgm:sampData>
+    <dgm:dataModel>
+      <dgm:ptLst>
+        <dgm:pt modelId="0" type="doc"/>
+        <dgm:pt modelId="1">
+          <dgm:prSet phldr="1"/>
+        </dgm:pt>
+        <dgm:pt modelId="2">
+          <dgm:prSet phldr="1"/>
+        </dgm:pt>
+        <dgm:pt modelId="21">
+          <dgm:prSet phldr="1"/>
+        </dgm:pt>
+        <dgm:pt modelId="22">
+          <dgm:prSet phldr="1"/>
+        </dgm:pt>
+        <dgm:pt modelId="3">
+          <dgm:prSet phldr="1"/>
+        </dgm:pt>
+        <dgm:pt modelId="31">
+          <dgm:prSet phldr="1"/>
+        </dgm:pt>
+      </dgm:ptLst>
+      <dgm:cxnLst>
+        <dgm:cxn modelId="4" srcId="0" destId="1" srcOrd="0" destOrd="0"/>
+        <dgm:cxn modelId="5" srcId="1" destId="2" srcOrd="0" destOrd="0"/>
+        <dgm:cxn modelId="6" srcId="1" destId="3" srcOrd="1" destOrd="0"/>
+        <dgm:cxn modelId="23" srcId="2" destId="21" srcOrd="0" destOrd="0"/>
+        <dgm:cxn modelId="24" srcId="2" destId="22" srcOrd="1" destOrd="0"/>
+        <dgm:cxn modelId="33" srcId="3" destId="31" srcOrd="0" destOrd="0"/>
+      </dgm:cxnLst>
+      <dgm:bg/>
+      <dgm:whole/>
+    </dgm:dataModel>
+  </dgm:sampData>
+  <dgm:styleData>
+    <dgm:dataModel>
+      <dgm:ptLst>
+        <dgm:pt modelId="0" type="doc"/>
+        <dgm:pt modelId="1"/>
+        <dgm:pt modelId="11"/>
+        <dgm:pt modelId="12"/>
+      </dgm:ptLst>
+      <dgm:cxnLst>
+        <dgm:cxn modelId="2" srcId="0" destId="1" srcOrd="0" destOrd="0"/>
+        <dgm:cxn modelId="13" srcId="1" destId="11" srcOrd="0" destOrd="0"/>
+        <dgm:cxn modelId="14" srcId="1" destId="12" srcOrd="1" destOrd="0"/>
+      </dgm:cxnLst>
+      <dgm:bg/>
+      <dgm:whole/>
+    </dgm:dataModel>
+  </dgm:styleData>
+  <dgm:clrData>
+    <dgm:dataModel>
+      <dgm:ptLst>
+        <dgm:pt modelId="0" type="doc"/>
+        <dgm:pt modelId="1"/>
+        <dgm:pt modelId="2"/>
+        <dgm:pt modelId="21"/>
+        <dgm:pt modelId="211"/>
+        <dgm:pt modelId="3"/>
+        <dgm:pt modelId="31"/>
+        <dgm:pt modelId="311"/>
+      </dgm:ptLst>
+      <dgm:cxnLst>
+        <dgm:cxn modelId="4" srcId="0" destId="1" srcOrd="0" destOrd="0"/>
+        <dgm:cxn modelId="5" srcId="1" destId="2" srcOrd="0" destOrd="0"/>
+        <dgm:cxn modelId="6" srcId="1" destId="3" srcOrd="1" destOrd="0"/>
+        <dgm:cxn modelId="23" srcId="2" destId="21" srcOrd="0" destOrd="0"/>
+        <dgm:cxn modelId="24" srcId="21" destId="211" srcOrd="0" destOrd="0"/>
+        <dgm:cxn modelId="33" srcId="3" destId="31" srcOrd="0" destOrd="0"/>
+        <dgm:cxn modelId="34" srcId="31" destId="311" srcOrd="0" destOrd="0"/>
+      </dgm:cxnLst>
+      <dgm:bg/>
+      <dgm:whole/>
+    </dgm:dataModel>
+  </dgm:clrData>
+  <dgm:layoutNode name="Name0">
+    <dgm:varLst>
+      <dgm:chPref val="1"/>
+      <dgm:dir/>
+      <dgm:animOne val="branch"/>
+      <dgm:animLvl val="lvl"/>
+      <dgm:resizeHandles/>
+    </dgm:varLst>
+    <dgm:choose name="Name1">
+      <dgm:if name="Name2" func="var" arg="dir" op="equ" val="norm">
+        <dgm:alg type="lin">
+          <dgm:param type="linDir" val="fromL"/>
+          <dgm:param type="nodeVertAlign" val="t"/>
+        </dgm:alg>
+      </dgm:if>
+      <dgm:else name="Name3">
+        <dgm:alg type="lin">
+          <dgm:param type="linDir" val="fromR"/>
+          <dgm:param type="nodeVertAlign" val="t"/>
+        </dgm:alg>
+      </dgm:else>
+    </dgm:choose>
+    <dgm:shape xmlns:r="http://schemas.openxmlformats.org/officeDocument/2006/relationships" r:blip="">
+      <dgm:adjLst/>
+    </dgm:shape>
+    <dgm:presOf/>
+    <dgm:constrLst>
+      <dgm:constr type="w" for="ch" forName="vertOne" refType="w"/>
+      <dgm:constr type="w" for="des" forName="horzOne" refType="w"/>
+      <dgm:constr type="w" for="des" forName="txOne" refType="w"/>
+      <dgm:constr type="w" for="des" forName="vertTwo" refType="w"/>
+      <dgm:constr type="w" for="des" forName="horzTwo" refType="w"/>
+      <dgm:constr type="w" for="des" forName="txTwo" refType="w"/>
+      <dgm:constr type="w" for="des" forName="vertThree" refType="w"/>
+      <dgm:constr type="w" for="des" forName="horzThree" refType="w"/>
+      <dgm:constr type="w" for="des" forName="txThree" refType="w"/>
+      <dgm:constr type="w" for="des" forName="vertFour" refType="w"/>
+      <dgm:constr type="w" for="des" forName="horzFour" refType="w"/>
+      <dgm:constr type="w" for="des" forName="txFour" refType="w"/>
+      <dgm:constr type="h" for="des" ptType="node" op="equ"/>
+      <dgm:constr type="h" for="des" forName="txOne" refType="h"/>
+      <dgm:constr type="userH" for="des" ptType="node" refType="h" refFor="des" refForName="txOne"/>
+      <dgm:constr type="primFontSz" for="des" forName="txOne" val="65"/>
+      <dgm:constr type="primFontSz" for="des" forName="txTwo" val="65"/>
+      <dgm:constr type="primFontSz" for="des" forName="txTwo" refType="primFontSz" refFor="des" refForName="txOne" op="lte"/>
+      <dgm:constr type="primFontSz" for="des" forName="txThree" val="65"/>
+      <dgm:constr type="primFontSz" for="des" forName="txThree" refType="primFontSz" refFor="des" refForName="txOne" op="lte"/>
+      <dgm:constr type="primFontSz" for="des" forName="txThree" refType="primFontSz" refFor="des" refForName="txTwo" op="lte"/>
+      <dgm:constr type="primFontSz" for="des" forName="txFour" val="65"/>
+      <dgm:constr type="primFontSz" for="des" forName="txFour" refType="primFontSz" refFor="des" refForName="txOne" op="lte"/>
+      <dgm:constr type="primFontSz" for="des" forName="txFour" refType="primFontSz" refFor="des" refForName="txTwo" op="lte"/>
+      <dgm:constr type="primFontSz" for="des" forName="txFour" refType="primFontSz" refFor="des" refForName="txThree" op="lte"/>
+      <dgm:constr type="w" for="des" forName="sibSpaceOne" refType="w" fact="0.168"/>
+      <dgm:constr type="w" for="des" forName="sibSpaceTwo" refType="w" refFor="des" refForName="sibSpaceOne" op="equ" fact="0.5"/>
+      <dgm:constr type="w" for="des" forName="sibSpaceThree" refType="w" refFor="des" refForName="sibSpaceTwo" op="equ" fact="0.5"/>
+      <dgm:constr type="w" for="des" forName="sibSpaceFour" refType="w" refFor="des" refForName="sibSpaceThree" op="equ" fact="0.5"/>
+      <dgm:constr type="h" for="des" forName="parTransOne" refType="w" fact="0.056"/>
+      <dgm:constr type="h" for="des" forName="parTransTwo" refType="h" refFor="des" refForName="parTransOne" op="equ"/>
+      <dgm:constr type="h" for="des" forName="parTransThree" refType="h" refFor="des" refForName="parTransTwo" op="equ"/>
+      <dgm:constr type="h" for="des" forName="parTransFour" refType="h" refFor="des" refForName="parTransThree" op="equ"/>
+    </dgm:constrLst>
+    <dgm:ruleLst/>
+    <dgm:forEach name="Name4" axis="ch" ptType="node">
+      <dgm:layoutNode name="vertOne">
+        <dgm:alg type="lin">
+          <dgm:param type="linDir" val="fromT"/>
+        </dgm:alg>
+        <dgm:shape xmlns:r="http://schemas.openxmlformats.org/officeDocument/2006/relationships" r:blip="">
+          <dgm:adjLst/>
+        </dgm:shape>
+        <dgm:presOf/>
+        <dgm:constrLst>
+          <dgm:constr type="w" for="ch" forName="txOne" refType="w" refFor="ch" refForName="horzOne" op="gte"/>
+        </dgm:constrLst>
+        <dgm:ruleLst/>
+        <dgm:layoutNode name="txOne" styleLbl="node0">
+          <dgm:varLst>
+            <dgm:chPref val="3"/>
+          </dgm:varLst>
+          <dgm:alg type="tx"/>
+          <dgm:shape xmlns:r="http://schemas.openxmlformats.org/officeDocument/2006/relationships" type="roundRect" r:blip="">
+            <dgm:adjLst>
+              <dgm:adj idx="1" val="0.1"/>
+            </dgm:adjLst>
+          </dgm:shape>
+          <dgm:presOf axis="self"/>
+          <dgm:constrLst>
+            <dgm:constr type="tMarg" refType="primFontSz" fact="0.3"/>
+            <dgm:constr type="bMarg" refType="primFontSz" fact="0.3"/>
+            <dgm:constr type="lMarg" refType="primFontSz" fact="0.3"/>
+            <dgm:constr type="rMarg" refType="primFontSz" fact="0.3"/>
+          </dgm:constrLst>
+          <dgm:ruleLst>
+            <dgm:rule type="primFontSz" val="5" fact="NaN" max="NaN"/>
+          </dgm:ruleLst>
+        </dgm:layoutNode>
+        <dgm:choose name="Name5">
+          <dgm:if name="Name6" axis="des" ptType="node" func="cnt" op="gt" val="0">
+            <dgm:layoutNode name="parTransOne">
+              <dgm:alg type="sp"/>
+              <dgm:shape xmlns:r="http://schemas.openxmlformats.org/officeDocument/2006/relationships" r:blip="">
+                <dgm:adjLst/>
+              </dgm:shape>
+              <dgm:presOf/>
+              <dgm:constrLst/>
+              <dgm:ruleLst/>
+            </dgm:layoutNode>
+          </dgm:if>
+          <dgm:else name="Name7"/>
+        </dgm:choose>
+        <dgm:layoutNode name="horzOne">
+          <dgm:choose name="Name8">
+            <dgm:if name="Name9" func="var" arg="dir" op="equ" val="norm">
+              <dgm:alg type="lin">
+                <dgm:param type="linDir" val="fromL"/>
+                <dgm:param type="nodeVertAlign" val="t"/>
+              </dgm:alg>
+            </dgm:if>
+            <dgm:else name="Name10">
+              <dgm:alg type="lin">
+                <dgm:param type="linDir" val="fromR"/>
+                <dgm:param type="nodeVertAlign" val="t"/>
+              </dgm:alg>
+            </dgm:else>
+          </dgm:choose>
+          <dgm:shape xmlns:r="http://schemas.openxmlformats.org/officeDocument/2006/relationships" r:blip="">
+            <dgm:adjLst/>
+          </dgm:shape>
+          <dgm:presOf/>
+          <dgm:constrLst/>
+          <dgm:ruleLst>
+            <dgm:rule type="w" val="INF" fact="NaN" max="NaN"/>
+          </dgm:ruleLst>
+          <dgm:forEach name="Name11" axis="ch" ptType="node">
+            <dgm:layoutNode name="vertTwo">
+              <dgm:alg type="lin">
+                <dgm:param type="linDir" val="fromT"/>
+              </dgm:alg>
+              <dgm:shape xmlns:r="http://schemas.openxmlformats.org/officeDocument/2006/relationships" r:blip="">
+                <dgm:adjLst/>
+              </dgm:shape>
+              <dgm:presOf/>
+              <dgm:constrLst>
+                <dgm:constr type="w" for="ch" forName="txTwo" refType="w" refFor="ch" refForName="horzTwo" op="gte"/>
+              </dgm:constrLst>
+              <dgm:ruleLst/>
+              <dgm:layoutNode name="txTwo">
+                <dgm:varLst>
+                  <dgm:chPref val="3"/>
+                </dgm:varLst>
+                <dgm:alg type="tx"/>
+                <dgm:shape xmlns:r="http://schemas.openxmlformats.org/officeDocument/2006/relationships" type="roundRect" r:blip="">
+                  <dgm:adjLst>
+                    <dgm:adj idx="1" val="0.1"/>
+                  </dgm:adjLst>
+                </dgm:shape>
+                <dgm:presOf axis="self"/>
+                <dgm:constrLst>
+                  <dgm:constr type="userH"/>
+                  <dgm:constr type="h" refType="userH"/>
+                  <dgm:constr type="tMarg" refType="primFontSz" fact="0.3"/>
+                  <dgm:constr type="bMarg" refType="primFontSz" fact="0.3"/>
+                  <dgm:constr type="lMarg" refType="primFontSz" fact="0.3"/>
+                  <dgm:constr type="rMarg" refType="primFontSz" fact="0.3"/>
+                </dgm:constrLst>
+                <dgm:ruleLst>
+                  <dgm:rule type="primFontSz" val="5" fact="NaN" max="NaN"/>
+                </dgm:ruleLst>
+              </dgm:layoutNode>
+              <dgm:choose name="Name12">
+                <dgm:if name="Name13" axis="des" ptType="node" func="cnt" op="gt" val="0">
+                  <dgm:layoutNode name="parTransTwo">
+                    <dgm:alg type="sp"/>
+                    <dgm:shape xmlns:r="http://schemas.openxmlformats.org/officeDocument/2006/relationships" r:blip="">
+                      <dgm:adjLst/>
+                    </dgm:shape>
+                    <dgm:presOf/>
+                    <dgm:constrLst/>
+                    <dgm:ruleLst/>
+                  </dgm:layoutNode>
+                </dgm:if>
+                <dgm:else name="Name14"/>
+              </dgm:choose>
+              <dgm:layoutNode name="horzTwo">
+                <dgm:choose name="Name15">
+                  <dgm:if name="Name16" func="var" arg="dir" op="equ" val="norm">
+                    <dgm:alg type="lin">
+                      <dgm:param type="linDir" val="fromL"/>
+                      <dgm:param type="nodeVertAlign" val="t"/>
+                    </dgm:alg>
+                  </dgm:if>
+                  <dgm:else name="Name17">
+                    <dgm:alg type="lin">
+                      <dgm:param type="linDir" val="fromR"/>
+                      <dgm:param type="nodeVertAlign" val="t"/>
+                    </dgm:alg>
+                  </dgm:else>
+                </dgm:choose>
+                <dgm:shape xmlns:r="http://schemas.openxmlformats.org/officeDocument/2006/relationships" r:blip="">
+                  <dgm:adjLst/>
+                </dgm:shape>
+                <dgm:presOf/>
+                <dgm:constrLst/>
+                <dgm:ruleLst>
+                  <dgm:rule type="w" val="INF" fact="NaN" max="NaN"/>
+                </dgm:ruleLst>
+                <dgm:forEach name="Name18" axis="ch" ptType="node">
+                  <dgm:layoutNode name="vertThree">
+                    <dgm:alg type="lin">
+                      <dgm:param type="linDir" val="fromT"/>
+                    </dgm:alg>
+                    <dgm:shape xmlns:r="http://schemas.openxmlformats.org/officeDocument/2006/relationships" r:blip="">
+                      <dgm:adjLst/>
+                    </dgm:shape>
+                    <dgm:presOf/>
+                    <dgm:constrLst>
+                      <dgm:constr type="w" for="ch" forName="txThree" refType="w" refFor="ch" refForName="horzThree" op="gte"/>
+                    </dgm:constrLst>
+                    <dgm:ruleLst/>
+                    <dgm:layoutNode name="txThree">
+                      <dgm:varLst>
+                        <dgm:chPref val="3"/>
+                      </dgm:varLst>
+                      <dgm:alg type="tx"/>
+                      <dgm:shape xmlns:r="http://schemas.openxmlformats.org/officeDocument/2006/relationships" type="roundRect" r:blip="">
+                        <dgm:adjLst>
+                          <dgm:adj idx="1" val="0.1"/>
+                        </dgm:adjLst>
+                      </dgm:shape>
+                      <dgm:presOf axis="self"/>
+                      <dgm:constrLst>
+                        <dgm:constr type="userH"/>
+                        <dgm:constr type="h" refType="userH"/>
+                        <dgm:constr type="tMarg" refType="primFontSz" fact="0.3"/>
+                        <dgm:constr type="bMarg" refType="primFontSz" fact="0.3"/>
+                        <dgm:constr type="lMarg" refType="primFontSz" fact="0.3"/>
+                        <dgm:constr type="rMarg" refType="primFontSz" fact="0.3"/>
+                      </dgm:constrLst>
+                      <dgm:ruleLst>
+                        <dgm:rule type="primFontSz" val="5" fact="NaN" max="NaN"/>
+                      </dgm:ruleLst>
+                    </dgm:layoutNode>
+                    <dgm:choose name="Name19">
+                      <dgm:if name="Name20" axis="des" ptType="node" func="cnt" op="gt" val="0">
+                        <dgm:layoutNode name="parTransThree">
+                          <dgm:alg type="sp"/>
+                          <dgm:shape xmlns:r="http://schemas.openxmlformats.org/officeDocument/2006/relationships" r:blip="">
+                            <dgm:adjLst/>
+                          </dgm:shape>
+                          <dgm:presOf/>
+                          <dgm:constrLst/>
+                          <dgm:ruleLst/>
+                        </dgm:layoutNode>
+                      </dgm:if>
+                      <dgm:else name="Name21"/>
+                    </dgm:choose>
+                    <dgm:layoutNode name="horzThree">
+                      <dgm:choose name="Name22">
+                        <dgm:if name="Name23" func="var" arg="dir" op="equ" val="norm">
+                          <dgm:alg type="lin">
+                            <dgm:param type="linDir" val="fromL"/>
+                            <dgm:param type="nodeVertAlign" val="t"/>
+                          </dgm:alg>
+                        </dgm:if>
+                        <dgm:else name="Name24">
+                          <dgm:alg type="lin">
+                            <dgm:param type="linDir" val="fromR"/>
+                            <dgm:param type="nodeVertAlign" val="t"/>
+                          </dgm:alg>
+                        </dgm:else>
+                      </dgm:choose>
+                      <dgm:shape xmlns:r="http://schemas.openxmlformats.org/officeDocument/2006/relationships" r:blip="">
+                        <dgm:adjLst/>
+                      </dgm:shape>
+                      <dgm:presOf/>
+                      <dgm:constrLst/>
+                      <dgm:ruleLst>
+                        <dgm:rule type="w" val="INF" fact="NaN" max="NaN"/>
+                      </dgm:ruleLst>
+                      <dgm:forEach name="repeat" axis="ch" ptType="node">
+                        <dgm:layoutNode name="vertFour">
+                          <dgm:varLst>
+                            <dgm:chPref val="3"/>
+                          </dgm:varLst>
+                          <dgm:alg type="lin">
+                            <dgm:param type="linDir" val="fromT"/>
+                          </dgm:alg>
+                          <dgm:shape xmlns:r="http://schemas.openxmlformats.org/officeDocument/2006/relationships" r:blip="">
+                            <dgm:adjLst/>
+                          </dgm:shape>
+                          <dgm:presOf/>
+                          <dgm:constrLst>
+                            <dgm:constr type="w" for="ch" forName="txFour" refType="w" refFor="ch" refForName="horzFour" op="gte"/>
+                          </dgm:constrLst>
+                          <dgm:ruleLst/>
+                          <dgm:layoutNode name="txFour">
+                            <dgm:varLst>
+                              <dgm:chPref val="3"/>
+                            </dgm:varLst>
+                            <dgm:alg type="tx"/>
+                            <dgm:shape xmlns:r="http://schemas.openxmlformats.org/officeDocument/2006/relationships" type="roundRect" r:blip="">
+                              <dgm:adjLst>
+                                <dgm:adj idx="1" val="0.1"/>
+                              </dgm:adjLst>
+                            </dgm:shape>
+                            <dgm:presOf axis="self"/>
+                            <dgm:constrLst>
+                              <dgm:constr type="userH"/>
+                              <dgm:constr type="h" refType="userH"/>
+                              <dgm:constr type="tMarg" refType="primFontSz" fact="0.3"/>
+                              <dgm:constr type="bMarg" refType="primFontSz" fact="0.3"/>
+                              <dgm:constr type="lMarg" refType="primFontSz" fact="0.3"/>
+                              <dgm:constr type="rMarg" refType="primFontSz" fact="0.3"/>
+                            </dgm:constrLst>
+                            <dgm:ruleLst>
+                              <dgm:rule type="primFontSz" val="5" fact="NaN" max="NaN"/>
+                            </dgm:ruleLst>
+                          </dgm:layoutNode>
+                          <dgm:choose name="Name25">
+                            <dgm:if name="Name26" axis="des" ptType="node" func="cnt" op="gt" val="0">
+                              <dgm:layoutNode name="parTransFour">
+                                <dgm:alg type="sp"/>
+                                <dgm:shape xmlns:r="http://schemas.openxmlformats.org/officeDocument/2006/relationships" r:blip="">
+                                  <dgm:adjLst/>
+                                </dgm:shape>
+                                <dgm:presOf/>
+                                <dgm:constrLst/>
+                                <dgm:ruleLst/>
+                              </dgm:layoutNode>
+                            </dgm:if>
+                            <dgm:else name="Name27"/>
+                          </dgm:choose>
+                          <dgm:layoutNode name="horzFour">
+                            <dgm:choose name="Name28">
+                              <dgm:if name="Name29" func="var" arg="dir" op="equ" val="norm">
+                                <dgm:alg type="lin">
+                                  <dgm:param type="linDir" val="fromL"/>
+                                  <dgm:param type="nodeVertAlign" val="t"/>
+                                </dgm:alg>
+                              </dgm:if>
+                              <dgm:else name="Name30">
+                                <dgm:alg type="lin">
+                                  <dgm:param type="linDir" val="fromR"/>
+                                  <dgm:param type="nodeVertAlign" val="t"/>
+                                </dgm:alg>
+                              </dgm:else>
+                            </dgm:choose>
+                            <dgm:shape xmlns:r="http://schemas.openxmlformats.org/officeDocument/2006/relationships" r:blip="">
+                              <dgm:adjLst/>
+                            </dgm:shape>
+                            <dgm:presOf/>
+                            <dgm:constrLst/>
+                            <dgm:ruleLst>
+                              <dgm:rule type="w" val="INF" fact="NaN" max="NaN"/>
+                            </dgm:ruleLst>
+                            <dgm:forEach name="Name31" ref="repeat"/>
+                          </dgm:layoutNode>
+                        </dgm:layoutNode>
+                        <dgm:choose name="Name32">
+                          <dgm:if name="Name33" axis="self" ptType="node" func="revPos" op="gte" val="2">
+                            <dgm:forEach name="Name34" axis="followSib" ptType="sibTrans" cnt="1">
+                              <dgm:layoutNode name="sibSpaceFour">
+                                <dgm:alg type="sp"/>
+                                <dgm:shape xmlns:r="http://schemas.openxmlformats.org/officeDocument/2006/relationships" r:blip="">
+                                  <dgm:adjLst/>
+                                </dgm:shape>
+                                <dgm:presOf/>
+                                <dgm:constrLst/>
+                                <dgm:ruleLst/>
+                              </dgm:layoutNode>
+                            </dgm:forEach>
+                          </dgm:if>
+                          <dgm:else name="Name35"/>
+                        </dgm:choose>
+                      </dgm:forEach>
+                    </dgm:layoutNode>
+                  </dgm:layoutNode>
+                  <dgm:choose name="Name36">
+                    <dgm:if name="Name37" axis="self" ptType="node" func="revPos" op="gte" val="2">
+                      <dgm:forEach name="Name38" axis="followSib" ptType="sibTrans" cnt="1">
+                        <dgm:layoutNode name="sibSpaceThree">
+                          <dgm:alg type="sp"/>
+                          <dgm:shape xmlns:r="http://schemas.openxmlformats.org/officeDocument/2006/relationships" r:blip="">
+                            <dgm:adjLst/>
+                          </dgm:shape>
+                          <dgm:presOf/>
+                          <dgm:constrLst/>
+                          <dgm:ruleLst/>
+                        </dgm:layoutNode>
+                      </dgm:forEach>
+                    </dgm:if>
+                    <dgm:else name="Name39"/>
+                  </dgm:choose>
+                </dgm:forEach>
+              </dgm:layoutNode>
+            </dgm:layoutNode>
+            <dgm:choose name="Name40">
+              <dgm:if name="Name41" axis="self" ptType="node" func="revPos" op="gte" val="2">
+                <dgm:forEach name="Name42" axis="followSib" ptType="sibTrans" cnt="1">
+                  <dgm:layoutNode name="sibSpaceTwo">
+                    <dgm:alg type="sp"/>
+                    <dgm:shape xmlns:r="http://schemas.openxmlformats.org/officeDocument/2006/relationships" r:blip="">
+                      <dgm:adjLst/>
+                    </dgm:shape>
+                    <dgm:presOf/>
+                    <dgm:constrLst/>
+                    <dgm:ruleLst/>
+                  </dgm:layoutNode>
+                </dgm:forEach>
+              </dgm:if>
+              <dgm:else name="Name43"/>
+            </dgm:choose>
+          </dgm:forEach>
+        </dgm:layoutNode>
+      </dgm:layoutNode>
+      <dgm:choose name="Name44">
+        <dgm:if name="Name45" axis="self" ptType="node" func="revPos" op="gte" val="2">
+          <dgm:forEach name="Name46" axis="followSib" ptType="sibTrans" cnt="1">
+            <dgm:layoutNode name="sibSpaceOne">
+              <dgm:alg type="sp"/>
+              <dgm:shape xmlns:r="http://schemas.openxmlformats.org/officeDocument/2006/relationships" r:blip="">
+                <dgm:adjLst/>
+              </dgm:shape>
+              <dgm:presOf/>
+              <dgm:constrLst/>
+              <dgm:ruleLst/>
+            </dgm:layoutNode>
+          </dgm:forEach>
+        </dgm:if>
+        <dgm:else name="Name47"/>
+      </dgm:choose>
+    </dgm:forEach>
+  </dgm:layoutNode>
+</dgm:layoutDef>
+</file>
+
+<file path=ppt/diagrams/quickStyle1.xml><?xml version="1.0" encoding="utf-8"?>
+<dgm:styleDef xmlns:dgm="http://schemas.openxmlformats.org/drawingml/2006/diagram" xmlns:a="http://schemas.openxmlformats.org/drawingml/2006/main" uniqueId="urn:microsoft.com/office/officeart/2005/8/quickstyle/simple1">
+  <dgm:title val=""/>
+  <dgm:desc val=""/>
+  <dgm:catLst>
+    <dgm:cat type="simple" pri="10100"/>
+  </dgm:catLst>
+  <dgm:scene3d>
+    <a:camera prst="orthographicFront"/>
+    <a:lightRig rig="threePt" dir="t"/>
+  </dgm:scene3d>
+  <dgm:styleLbl name="node0">
+    <dgm:scene3d>
+      <a:camera prst="orthographicFront"/>
+      <a:lightRig rig="threePt" dir="t"/>
+    </dgm:scene3d>
+    <dgm:sp3d/>
+    <dgm:txPr/>
+    <dgm:style>
+      <a:lnRef idx="2">
+        <a:scrgbClr r="0" g="0" b="0"/>
+      </a:lnRef>
+      <a:fillRef idx="1">
+        <a:scrgbClr r="0" g="0" b="0"/>
+      </a:fillRef>
+      <a:effectRef idx="0">
+        <a:scrgbClr r="0" g="0" b="0"/>
+      </a:effectRef>
+      <a:fontRef idx="minor">
+        <a:schemeClr val="lt1"/>
+      </a:fontRef>
+    </dgm:style>
+  </dgm:styleLbl>
+  <dgm:styleLbl name="lnNode1">
+    <dgm:scene3d>
+      <a:camera prst="orthographicFront"/>
+      <a:lightRig rig="threePt" dir="t"/>
+    </dgm:scene3d>
+    <dgm:sp3d/>
+    <dgm:txPr/>
+    <dgm:style>
+      <a:lnRef idx="2">
+        <a:scrgbClr r="0" g="0" b="0"/>
+      </a:lnRef>
+      <a:fillRef idx="1">
+        <a:scrgbClr r="0" g="0" b="0"/>
+      </a:fillRef>
+      <a:effectRef idx="0">
+        <a:scrgbClr r="0" g="0" b="0"/>
+      </a:effectRef>
+      <a:fontRef idx="minor">
+        <a:schemeClr val="lt1"/>
+      </a:fontRef>
+    </dgm:style>
+  </dgm:styleLbl>
+  <dgm:styleLbl name="vennNode1">
+    <dgm:scene3d>
+      <a:camera prst="orthographicFront"/>
+      <a:lightRig rig="threePt" dir="t"/>
+    </dgm:scene3d>
+    <dgm:sp3d/>
+    <dgm:txPr/>
+    <dgm:style>
+      <a:lnRef idx="2">
+        <a:scrgbClr r="0" g="0" b="0"/>
+      </a:lnRef>
+      <a:fillRef idx="1">
+        <a:scrgbClr r="0" g="0" b="0"/>
+      </a:fillRef>
+      <a:effectRef idx="0">
+        <a:scrgbClr r="0" g="0" b="0"/>
+      </a:effectRef>
+      <a:fontRef idx="minor">
+        <a:schemeClr val="tx1"/>
+      </a:fontRef>
+    </dgm:style>
+  </dgm:styleLbl>
+  <dgm:styleLbl name="alignNode1">
+    <dgm:scene3d>
+      <a:camera prst="orthographicFront"/>
+      <a:lightRig rig="threePt" dir="t"/>
+    </dgm:scene3d>
+    <dgm:sp3d/>
+    <dgm:txPr/>
+    <dgm:style>
+      <a:lnRef idx="2">
+        <a:scrgbClr r="0" g="0" b="0"/>
+      </a:lnRef>
+      <a:fillRef idx="1">
+        <a:scrgbClr r="0" g="0" b="0"/>
+      </a:fillRef>
+      <a:effectRef idx="0">
+        <a:scrgbClr r="0" g="0" b="0"/>
+      </a:effectRef>
+      <a:fontRef idx="minor">
+        <a:schemeClr val="lt1"/>
+      </a:fontRef>
+    </dgm:style>
+  </dgm:styleLbl>
+  <dgm:styleLbl name="node1">
+    <dgm:scene3d>
+      <a:camera prst="orthographicFront"/>
+      <a:lightRig rig="threePt" dir="t"/>
+    </dgm:scene3d>
+    <dgm:sp3d/>
+    <dgm:txPr/>
+    <dgm:style>
+      <a:lnRef idx="2">
+        <a:scrgbClr r="0" g="0" b="0"/>
+      </a:lnRef>
+      <a:fillRef idx="1">
+        <a:scrgbClr r="0" g="0" b="0"/>
+      </a:fillRef>
+      <a:effectRef idx="0">
+        <a:scrgbClr r="0" g="0" b="0"/>
+      </a:effectRef>
+      <a:fontRef idx="minor">
+        <a:schemeClr val="lt1"/>
+      </a:fontRef>
+    </dgm:style>
+  </dgm:styleLbl>
+  <dgm:styleLbl name="node2">
+    <dgm:scene3d>
+      <a:camera prst="orthographicFront"/>
+      <a:lightRig rig="threePt" dir="t"/>
+    </dgm:scene3d>
+    <dgm:sp3d/>
+    <dgm:txPr/>
+    <dgm:style>
+      <a:lnRef idx="2">
+        <a:scrgbClr r="0" g="0" b="0"/>
+      </a:lnRef>
+      <a:fillRef idx="1">
+        <a:scrgbClr r="0" g="0" b="0"/>
+      </a:fillRef>
+      <a:effectRef idx="0">
+        <a:scrgbClr r="0" g="0" b="0"/>
+      </a:effectRef>
+      <a:fontRef idx="minor">
+        <a:schemeClr val="lt1"/>
+      </a:fontRef>
+    </dgm:style>
+  </dgm:styleLbl>
+  <dgm:styleLbl name="node3">
+    <dgm:scene3d>
+      <a:camera prst="orthographicFront"/>
+      <a:lightRig rig="threePt" dir="t"/>
+    </dgm:scene3d>
+    <dgm:sp3d/>
+    <dgm:txPr/>
+    <dgm:style>
+      <a:lnRef idx="2">
+        <a:scrgbClr r="0" g="0" b="0"/>
+      </a:lnRef>
+      <a:fillRef idx="1">
+        <a:scrgbClr r="0" g="0" b="0"/>
+      </a:fillRef>
+      <a:effectRef idx="0">
+        <a:scrgbClr r="0" g="0" b="0"/>
+      </a:effectRef>
+      <a:fontRef idx="minor">
+        <a:schemeClr val="lt1"/>
+      </a:fontRef>
+    </dgm:style>
+  </dgm:styleLbl>
+  <dgm:styleLbl name="node4">
+    <dgm:scene3d>
+      <a:camera prst="orthographicFront"/>
+      <a:lightRig rig="threePt" dir="t"/>
+    </dgm:scene3d>
+    <dgm:sp3d/>
+    <dgm:txPr/>
+    <dgm:style>
+      <a:lnRef idx="2">
+        <a:scrgbClr r="0" g="0" b="0"/>
+      </a:lnRef>
+      <a:fillRef idx="1">
+        <a:scrgbClr r="0" g="0" b="0"/>
+      </a:fillRef>
+      <a:effectRef idx="0">
+        <a:scrgbClr r="0" g="0" b="0"/>
+      </a:effectRef>
+      <a:fontRef idx="minor">
+        <a:schemeClr val="lt1"/>
+      </a:fontRef>
+    </dgm:style>
+  </dgm:styleLbl>
+  <dgm:styleLbl name="fgImgPlace1">
+    <dgm:scene3d>
+      <a:camera prst="orthographicFront"/>
+      <a:lightRig rig="threePt" dir="t"/>
+    </dgm:scene3d>
+    <dgm:sp3d/>
+    <dgm:txPr/>
+    <dgm:style>
+      <a:lnRef idx="2">
+        <a:scrgbClr r="0" g="0" b="0"/>
+      </a:lnRef>
+      <a:fillRef idx="1">
+        <a:scrgbClr r="0" g="0" b="0"/>
+      </a:fillRef>
+      <a:effectRef idx="0">
+        <a:scrgbClr r="0" g="0" b="0"/>
+      </a:effectRef>
+      <a:fontRef idx="minor"/>
+    </dgm:style>
+  </dgm:styleLbl>
+  <dgm:styleLbl name="alignImgPlace1">
+    <dgm:scene3d>
+      <a:camera prst="orthographicFront"/>
+      <a:lightRig rig="threePt" dir="t"/>
+    </dgm:scene3d>
+    <dgm:sp3d/>
+    <dgm:txPr/>
+    <dgm:style>
+      <a:lnRef idx="2">
+        <a:scrgbClr r="0" g="0" b="0"/>
+      </a:lnRef>
+      <a:fillRef idx="1">
+        <a:scrgbClr r="0" g="0" b="0"/>
+      </a:fillRef>
+      <a:effectRef idx="0">
+        <a:scrgbClr r="0" g="0" b="0"/>
+      </a:effectRef>
+      <a:fontRef idx="minor"/>
+    </dgm:style>
+  </dgm:styleLbl>
+  <dgm:styleLbl name="bgImgPlace1">
+    <dgm:scene3d>
+      <a:camera prst="orthographicFront"/>
+      <a:lightRig rig="threePt" dir="t"/>
+    </dgm:scene3d>
+    <dgm:sp3d/>
+    <dgm:txPr/>
+    <dgm:style>
+      <a:lnRef idx="2">
+        <a:scrgbClr r="0" g="0" b="0"/>
+      </a:lnRef>
+      <a:fillRef idx="1">
+        <a:scrgbClr r="0" g="0" b="0"/>
+      </a:fillRef>
+      <a:effectRef idx="0">
+        <a:scrgbClr r="0" g="0" b="0"/>
+      </a:effectRef>
+      <a:fontRef idx="minor"/>
+    </dgm:style>
+  </dgm:styleLbl>
+  <dgm:styleLbl name="sibTrans2D1">
+    <dgm:scene3d>
+      <a:camera prst="orthographicFront"/>
+      <a:lightRig rig="threePt" dir="t"/>
+    </dgm:scene3d>
+    <dgm:sp3d/>
+    <dgm:txPr/>
+    <dgm:style>
+      <a:lnRef idx="0">
+        <a:scrgbClr r="0" g="0" b="0"/>
+      </a:lnRef>
+      <a:fillRef idx="1">
+        <a:scrgbClr r="0" g="0" b="0"/>
+      </a:fillRef>
+      <a:effectRef idx="0">
+        <a:scrgbClr r="0" g="0" b="0"/>
+      </a:effectRef>
+      <a:fontRef idx="minor">
+        <a:schemeClr val="lt1"/>
+      </a:fontRef>
+    </dgm:style>
+  </dgm:styleLbl>
+  <dgm:styleLbl name="fgSibTrans2D1">
+    <dgm:scene3d>
+      <a:camera prst="orthographicFront"/>
+      <a:lightRig rig="threePt" dir="t"/>
+    </dgm:scene3d>
+    <dgm:sp3d/>
+    <dgm:txPr/>
+    <dgm:style>
+      <a:lnRef idx="0">
+        <a:scrgbClr r="0" g="0" b="0"/>
+      </a:lnRef>
+      <a:fillRef idx="1">
+        <a:scrgbClr r="0" g="0" b="0"/>
+      </a:fillRef>
+      <a:effectRef idx="0">
+        <a:scrgbClr r="0" g="0" b="0"/>
+      </a:effectRef>
+      <a:fontRef idx="minor">
+        <a:schemeClr val="lt1"/>
+      </a:fontRef>
+    </dgm:style>
+  </dgm:styleLbl>
+  <dgm:styleLbl name="bgSibTrans2D1">
+    <dgm:scene3d>
+      <a:camera prst="orthographicFront"/>
+      <a:lightRig rig="threePt" dir="t"/>
+    </dgm:scene3d>
+    <dgm:sp3d/>
+    <dgm:txPr/>
+    <dgm:style>
+      <a:lnRef idx="0">
+        <a:scrgbClr r="0" g="0" b="0"/>
+      </a:lnRef>
+      <a:fillRef idx="1">
+        <a:scrgbClr r="0" g="0" b="0"/>
+      </a:fillRef>
+      <a:effectRef idx="0">
+        <a:scrgbClr r="0" g="0" b="0"/>
+      </a:effectRef>
+      <a:fontRef idx="minor">
+        <a:schemeClr val="lt1"/>
+      </a:fontRef>
+    </dgm:style>
+  </dgm:styleLbl>
+  <dgm:styleLbl name="sibTrans1D1">
+    <dgm:scene3d>
+      <a:camera prst="orthographicFront"/>
+      <a:lightRig rig="threePt" dir="t"/>
+    </dgm:scene3d>
+    <dgm:sp3d/>
+    <dgm:txPr/>
+    <dgm:style>
+      <a:lnRef idx="1">
+        <a:scrgbClr r="0" g="0" b="0"/>
+      </a:lnRef>
+      <a:fillRef idx="0">
+        <a:scrgbClr r="0" g="0" b="0"/>
+      </a:fillRef>
+      <a:effectRef idx="0">
+        <a:scrgbClr r="0" g="0" b="0"/>
+      </a:effectRef>
+      <a:fontRef idx="minor"/>
+    </dgm:style>
+  </dgm:styleLbl>
+  <dgm:styleLbl name="callout">
+    <dgm:scene3d>
+      <a:camera prst="orthographicFront"/>
+      <a:lightRig rig="threePt" dir="t"/>
+    </dgm:scene3d>
+    <dgm:sp3d/>
+    <dgm:txPr/>
+    <dgm:style>
+      <a:lnRef idx="2">
+        <a:scrgbClr r="0" g="0" b="0"/>
+      </a:lnRef>
+      <a:fillRef idx="1">
+        <a:scrgbClr r="0" g="0" b="0"/>
+      </a:fillRef>
+      <a:effectRef idx="0">
+        <a:scrgbClr r="0" g="0" b="0"/>
+      </a:effectRef>
+      <a:fontRef idx="minor"/>
+    </dgm:style>
+  </dgm:styleLbl>
+  <dgm:styleLbl name="asst0">
+    <dgm:scene3d>
+      <a:camera prst="orthographicFront"/>
+      <a:lightRig rig="threePt" dir="t"/>
+    </dgm:scene3d>
+    <dgm:sp3d/>
+    <dgm:txPr/>
+    <dgm:style>
+      <a:lnRef idx="2">
+        <a:scrgbClr r="0" g="0" b="0"/>
+      </a:lnRef>
+      <a:fillRef idx="1">
+        <a:scrgbClr r="0" g="0" b="0"/>
+      </a:fillRef>
+      <a:effectRef idx="0">
+        <a:scrgbClr r="0" g="0" b="0"/>
+      </a:effectRef>
+      <a:fontRef idx="minor">
+        <a:schemeClr val="lt1"/>
+      </a:fontRef>
+    </dgm:style>
+  </dgm:styleLbl>
+  <dgm:styleLbl name="asst1">
+    <dgm:scene3d>
+      <a:camera prst="orthographicFront"/>
+      <a:lightRig rig="threePt" dir="t"/>
+    </dgm:scene3d>
+    <dgm:sp3d/>
+    <dgm:txPr/>
+    <dgm:style>
+      <a:lnRef idx="2">
+        <a:scrgbClr r="0" g="0" b="0"/>
+      </a:lnRef>
+      <a:fillRef idx="1">
+        <a:scrgbClr r="0" g="0" b="0"/>
+      </a:fillRef>
+      <a:effectRef idx="0">
+        <a:scrgbClr r="0" g="0" b="0"/>
+      </a:effectRef>
+      <a:fontRef idx="minor">
+        <a:schemeClr val="lt1"/>
+      </a:fontRef>
+    </dgm:style>
+  </dgm:styleLbl>
+  <dgm:styleLbl name="asst2">
+    <dgm:scene3d>
+      <a:camera prst="orthographicFront"/>
+      <a:lightRig rig="threePt" dir="t"/>
+    </dgm:scene3d>
+    <dgm:sp3d/>
+    <dgm:txPr/>
+    <dgm:style>
+      <a:lnRef idx="2">
+        <a:scrgbClr r="0" g="0" b="0"/>
+      </a:lnRef>
+      <a:fillRef idx="1">
+        <a:scrgbClr r="0" g="0" b="0"/>
+      </a:fillRef>
+      <a:effectRef idx="0">
+        <a:scrgbClr r="0" g="0" b="0"/>
+      </a:effectRef>
+      <a:fontRef idx="minor">
+        <a:schemeClr val="lt1"/>
+      </a:fontRef>
+    </dgm:style>
+  </dgm:styleLbl>
+  <dgm:styleLbl name="asst3">
+    <dgm:scene3d>
+      <a:camera prst="orthographicFront"/>
+      <a:lightRig rig="threePt" dir="t"/>
+    </dgm:scene3d>
+    <dgm:sp3d/>
+    <dgm:txPr/>
+    <dgm:style>
+      <a:lnRef idx="2">
+        <a:scrgbClr r="0" g="0" b="0"/>
+      </a:lnRef>
+      <a:fillRef idx="1">
+        <a:scrgbClr r="0" g="0" b="0"/>
+      </a:fillRef>
+      <a:effectRef idx="0">
+        <a:scrgbClr r="0" g="0" b="0"/>
+      </a:effectRef>
+      <a:fontRef idx="minor">
+        <a:schemeClr val="lt1"/>
+      </a:fontRef>
+    </dgm:style>
+  </dgm:styleLbl>
+  <dgm:styleLbl name="asst4">
+    <dgm:scene3d>
+      <a:camera prst="orthographicFront"/>
+      <a:lightRig rig="threePt" dir="t"/>
+    </dgm:scene3d>
+    <dgm:sp3d/>
+    <dgm:txPr/>
+    <dgm:style>
+      <a:lnRef idx="2">
+        <a:scrgbClr r="0" g="0" b="0"/>
+      </a:lnRef>
+      <a:fillRef idx="1">
+        <a:scrgbClr r="0" g="0" b="0"/>
+      </a:fillRef>
+      <a:effectRef idx="0">
+        <a:scrgbClr r="0" g="0" b="0"/>
+      </a:effectRef>
+      <a:fontRef idx="minor">
+        <a:schemeClr val="lt1"/>
+      </a:fontRef>
+    </dgm:style>
+  </dgm:styleLbl>
+  <dgm:styleLbl name="parChTrans2D1">
+    <dgm:scene3d>
+      <a:camera prst="orthographicFront"/>
+      <a:lightRig rig="threePt" dir="t"/>
+    </dgm:scene3d>
+    <dgm:sp3d/>
+    <dgm:txPr/>
+    <dgm:style>
+      <a:lnRef idx="2">
+        <a:scrgbClr r="0" g="0" b="0"/>
+      </a:lnRef>
+      <a:fillRef idx="1">
+        <a:scrgbClr r="0" g="0" b="0"/>
+      </a:fillRef>
+      <a:effectRef idx="0">
+        <a:scrgbClr r="0" g="0" b="0"/>
+      </a:effectRef>
+      <a:fontRef idx="minor">
+        <a:schemeClr val="lt1"/>
+      </a:fontRef>
+    </dgm:style>
+  </dgm:styleLbl>
+  <dgm:styleLbl name="parChTrans2D2">
+    <dgm:scene3d>
+      <a:camera prst="orthographicFront"/>
+      <a:lightRig rig="threePt" dir="t"/>
+    </dgm:scene3d>
+    <dgm:sp3d/>
+    <dgm:txPr/>
+    <dgm:style>
+      <a:lnRef idx="2">
+        <a:scrgbClr r="0" g="0" b="0"/>
+      </a:lnRef>
+      <a:fillRef idx="1">
+        <a:scrgbClr r="0" g="0" b="0"/>
+      </a:fillRef>
+      <a:effectRef idx="0">
+        <a:scrgbClr r="0" g="0" b="0"/>
+      </a:effectRef>
+      <a:fontRef idx="minor">
+        <a:schemeClr val="lt1"/>
+      </a:fontRef>
+    </dgm:style>
+  </dgm:styleLbl>
+  <dgm:styleLbl name="parChTrans2D3">
+    <dgm:scene3d>
+      <a:camera prst="orthographicFront"/>
+      <a:lightRig rig="threePt" dir="t"/>
+    </dgm:scene3d>
+    <dgm:sp3d/>
+    <dgm:txPr/>
+    <dgm:style>
+      <a:lnRef idx="2">
+        <a:scrgbClr r="0" g="0" b="0"/>
+      </a:lnRef>
+      <a:fillRef idx="1">
+        <a:scrgbClr r="0" g="0" b="0"/>
+      </a:fillRef>
+      <a:effectRef idx="0">
+        <a:scrgbClr r="0" g="0" b="0"/>
+      </a:effectRef>
+      <a:fontRef idx="minor">
+        <a:schemeClr val="lt1"/>
+      </a:fontRef>
+    </dgm:style>
+  </dgm:styleLbl>
+  <dgm:styleLbl name="parChTrans2D4">
+    <dgm:scene3d>
+      <a:camera prst="orthographicFront"/>
+      <a:lightRig rig="threePt" dir="t"/>
+    </dgm:scene3d>
+    <dgm:sp3d/>
+    <dgm:txPr/>
+    <dgm:style>
+      <a:lnRef idx="2">
+        <a:scrgbClr r="0" g="0" b="0"/>
+      </a:lnRef>
+      <a:fillRef idx="1">
+        <a:scrgbClr r="0" g="0" b="0"/>
+      </a:fillRef>
+      <a:effectRef idx="0">
+        <a:scrgbClr r="0" g="0" b="0"/>
+      </a:effectRef>
+      <a:fontRef idx="minor">
+        <a:schemeClr val="lt1"/>
+      </a:fontRef>
+    </dgm:style>
+  </dgm:styleLbl>
+  <dgm:styleLbl name="parChTrans1D1">
+    <dgm:scene3d>
+      <a:camera prst="orthographicFront"/>
+      <a:lightRig rig="threePt" dir="t"/>
+    </dgm:scene3d>
+    <dgm:sp3d/>
+    <dgm:txPr/>
+    <dgm:style>
+      <a:lnRef idx="2">
+        <a:scrgbClr r="0" g="0" b="0"/>
+      </a:lnRef>
+      <a:fillRef idx="0">
+        <a:scrgbClr r="0" g="0" b="0"/>
+      </a:fillRef>
+      <a:effectRef idx="0">
+        <a:scrgbClr r="0" g="0" b="0"/>
+      </a:effectRef>
+      <a:fontRef idx="minor"/>
+    </dgm:style>
+  </dgm:styleLbl>
+  <dgm:styleLbl name="parChTrans1D2">
+    <dgm:scene3d>
+      <a:camera prst="orthographicFront"/>
+      <a:lightRig rig="threePt" dir="t"/>
+    </dgm:scene3d>
+    <dgm:sp3d/>
+    <dgm:txPr/>
+    <dgm:style>
+      <a:lnRef idx="2">
+        <a:scrgbClr r="0" g="0" b="0"/>
+      </a:lnRef>
+      <a:fillRef idx="0">
+        <a:scrgbClr r="0" g="0" b="0"/>
+      </a:fillRef>
+      <a:effectRef idx="0">
+        <a:scrgbClr r="0" g="0" b="0"/>
+      </a:effectRef>
+      <a:fontRef idx="minor"/>
+    </dgm:style>
+  </dgm:styleLbl>
+  <dgm:styleLbl name="parChTrans1D3">
+    <dgm:scene3d>
+      <a:camera prst="orthographicFront"/>
+      <a:lightRig rig="threePt" dir="t"/>
+    </dgm:scene3d>
+    <dgm:sp3d/>
+    <dgm:txPr/>
+    <dgm:style>
+      <a:lnRef idx="2">
+        <a:scrgbClr r="0" g="0" b="0"/>
+      </a:lnRef>
+      <a:fillRef idx="0">
+        <a:scrgbClr r="0" g="0" b="0"/>
+      </a:fillRef>
+      <a:effectRef idx="0">
+        <a:scrgbClr r="0" g="0" b="0"/>
+      </a:effectRef>
+      <a:fontRef idx="minor"/>
+    </dgm:style>
+  </dgm:styleLbl>
+  <dgm:styleLbl name="parChTrans1D4">
+    <dgm:scene3d>
+      <a:camera prst="orthographicFront"/>
+      <a:lightRig rig="threePt" dir="t"/>
+    </dgm:scene3d>
+    <dgm:sp3d/>
+    <dgm:txPr/>
+    <dgm:style>
+      <a:lnRef idx="2">
+        <a:scrgbClr r="0" g="0" b="0"/>
+      </a:lnRef>
+      <a:fillRef idx="0">
+        <a:scrgbClr r="0" g="0" b="0"/>
+      </a:fillRef>
+      <a:effectRef idx="0">
+        <a:scrgbClr r="0" g="0" b="0"/>
+      </a:effectRef>
+      <a:fontRef idx="minor"/>
+    </dgm:style>
+  </dgm:styleLbl>
+  <dgm:styleLbl name="fgAcc1">
+    <dgm:scene3d>
+      <a:camera prst="orthographicFront"/>
+      <a:lightRig rig="threePt" dir="t"/>
+    </dgm:scene3d>
+    <dgm:sp3d/>
+    <dgm:txPr/>
+    <dgm:style>
+      <a:lnRef idx="2">
+        <a:scrgbClr r="0" g="0" b="0"/>
+      </a:lnRef>
+      <a:fillRef idx="1">
+        <a:scrgbClr r="0" g="0" b="0"/>
+      </a:fillRef>
+      <a:effectRef idx="0">
+        <a:scrgbClr r="0" g="0" b="0"/>
+      </a:effectRef>
+      <a:fontRef idx="minor"/>
+    </dgm:style>
+  </dgm:styleLbl>
+  <dgm:styleLbl name="conFgAcc1">
+    <dgm:scene3d>
+      <a:camera prst="orthographicFront"/>
+      <a:lightRig rig="threePt" dir="t"/>
+    </dgm:scene3d>
+    <dgm:sp3d/>
+    <dgm:txPr/>
+    <dgm:style>
+      <a:lnRef idx="2">
+        <a:scrgbClr r="0" g="0" b="0"/>
+      </a:lnRef>
+      <a:fillRef idx="1">
+        <a:scrgbClr r="0" g="0" b="0"/>
+      </a:fillRef>
+      <a:effectRef idx="0">
+        <a:scrgbClr r="0" g="0" b="0"/>
+      </a:effectRef>
+      <a:fontRef idx="minor"/>
+    </dgm:style>
+  </dgm:styleLbl>
+  <dgm:styleLbl name="alignAcc1">
+    <dgm:scene3d>
+      <a:camera prst="orthographicFront"/>
+      <a:lightRig rig="threePt" dir="t"/>
+    </dgm:scene3d>
+    <dgm:sp3d/>
+    <dgm:txPr/>
+    <dgm:style>
+      <a:lnRef idx="2">
+        <a:scrgbClr r="0" g="0" b="0"/>
+      </a:lnRef>
+      <a:fillRef idx="1">
+        <a:scrgbClr r="0" g="0" b="0"/>
+      </a:fillRef>
+      <a:effectRef idx="0">
+        <a:scrgbClr r="0" g="0" b="0"/>
+      </a:effectRef>
+      <a:fontRef idx="minor"/>
+    </dgm:style>
+  </dgm:styleLbl>
+  <dgm:styleLbl name="trAlignAcc1">
+    <dgm:scene3d>
+      <a:camera prst="orthographicFront"/>
+      <a:lightRig rig="threePt" dir="t"/>
+    </dgm:scene3d>
+    <dgm:sp3d/>
+    <dgm:txPr/>
+    <dgm:style>
+      <a:lnRef idx="1">
+        <a:scrgbClr r="0" g="0" b="0"/>
+      </a:lnRef>
+      <a:fillRef idx="1">
+        <a:scrgbClr r="0" g="0" b="0"/>
+      </a:fillRef>
+      <a:effectRef idx="0">
+        <a:scrgbClr r="0" g="0" b="0"/>
+      </a:effectRef>
+      <a:fontRef idx="minor"/>
+    </dgm:style>
+  </dgm:styleLbl>
+  <dgm:styleLbl name="bgAcc1">
+    <dgm:scene3d>
+      <a:camera prst="orthographicFront"/>
+      <a:lightRig rig="threePt" dir="t"/>
+    </dgm:scene3d>
+    <dgm:sp3d/>
+    <dgm:txPr/>
+    <dgm:style>
+      <a:lnRef idx="2">
+        <a:scrgbClr r="0" g="0" b="0"/>
+      </a:lnRef>
+      <a:fillRef idx="1">
+        <a:scrgbClr r="0" g="0" b="0"/>
+      </a:fillRef>
+      <a:effectRef idx="0">
+        <a:scrgbClr r="0" g="0" b="0"/>
+      </a:effectRef>
+      <a:fontRef idx="minor"/>
+    </dgm:style>
+  </dgm:styleLbl>
+  <dgm:styleLbl name="solidFgAcc1">
+    <dgm:scene3d>
+      <a:camera prst="orthographicFront"/>
+      <a:lightRig rig="threePt" dir="t"/>
+    </dgm:scene3d>
+    <dgm:sp3d/>
+    <dgm:txPr/>
+    <dgm:style>
+      <a:lnRef idx="2">
+        <a:scrgbClr r="0" g="0" b="0"/>
+      </a:lnRef>
+      <a:fillRef idx="1">
+        <a:scrgbClr r="0" g="0" b="0"/>
+      </a:fillRef>
+      <a:effectRef idx="0">
+        <a:scrgbClr r="0" g="0" b="0"/>
+      </a:effectRef>
+      <a:fontRef idx="minor"/>
+    </dgm:style>
+  </dgm:styleLbl>
+  <dgm:styleLbl name="solidAlignAcc1">
+    <dgm:scene3d>
+      <a:camera prst="orthographicFront"/>
+      <a:lightRig rig="threePt" dir="t"/>
+    </dgm:scene3d>
+    <dgm:sp3d/>
+    <dgm:txPr/>
+    <dgm:style>
+      <a:lnRef idx="2">
+        <a:scrgbClr r="0" g="0" b="0"/>
+      </a:lnRef>
+      <a:fillRef idx="1">
+        <a:scrgbClr r="0" g="0" b="0"/>
+      </a:fillRef>
+      <a:effectRef idx="0">
+        <a:scrgbClr r="0" g="0" b="0"/>
+      </a:effectRef>
+      <a:fontRef idx="minor"/>
+    </dgm:style>
+  </dgm:styleLbl>
+  <dgm:styleLbl name="solidBgAcc1">
+    <dgm:scene3d>
+      <a:camera prst="orthographicFront"/>
+      <a:lightRig rig="threePt" dir="t"/>
+    </dgm:scene3d>
+    <dgm:sp3d/>
+    <dgm:txPr/>
+    <dgm:style>
+      <a:lnRef idx="2">
+        <a:scrgbClr r="0" g="0" b="0"/>
+      </a:lnRef>
+      <a:fillRef idx="1">
+        <a:scrgbClr r="0" g="0" b="0"/>
+      </a:fillRef>
+      <a:effectRef idx="0">
+        <a:scrgbClr r="0" g="0" b="0"/>
+      </a:effectRef>
+      <a:fontRef idx="minor"/>
+    </dgm:style>
+  </dgm:styleLbl>
+  <dgm:styleLbl name="fgAccFollowNode1">
+    <dgm:scene3d>
+      <a:camera prst="orthographicFront"/>
+      <a:lightRig rig="threePt" dir="t"/>
+    </dgm:scene3d>
+    <dgm:sp3d/>
+    <dgm:txPr/>
+    <dgm:style>
+      <a:lnRef idx="2">
+        <a:scrgbClr r="0" g="0" b="0"/>
+      </a:lnRef>
+      <a:fillRef idx="1">
+        <a:scrgbClr r="0" g="0" b="0"/>
+      </a:fillRef>
+      <a:effectRef idx="0">
+        <a:scrgbClr r="0" g="0" b="0"/>
+      </a:effectRef>
+      <a:fontRef idx="minor"/>
+    </dgm:style>
+  </dgm:styleLbl>
+  <dgm:styleLbl name="alignAccFollowNode1">
+    <dgm:scene3d>
+      <a:camera prst="orthographicFront"/>
+      <a:lightRig rig="threePt" dir="t"/>
+    </dgm:scene3d>
+    <dgm:sp3d/>
+    <dgm:txPr/>
+    <dgm:style>
+      <a:lnRef idx="2">
+        <a:scrgbClr r="0" g="0" b="0"/>
+      </a:lnRef>
+      <a:fillRef idx="1">
+        <a:scrgbClr r="0" g="0" b="0"/>
+      </a:fillRef>
+      <a:effectRef idx="0">
+        <a:scrgbClr r="0" g="0" b="0"/>
+      </a:effectRef>
+      <a:fontRef idx="minor"/>
+    </dgm:style>
+  </dgm:styleLbl>
+  <dgm:styleLbl name="bgAccFollowNode1">
+    <dgm:scene3d>
+      <a:camera prst="orthographicFront"/>
+      <a:lightRig rig="threePt" dir="t"/>
+    </dgm:scene3d>
+    <dgm:sp3d/>
+    <dgm:txPr/>
+    <dgm:style>
+      <a:lnRef idx="2">
+        <a:scrgbClr r="0" g="0" b="0"/>
+      </a:lnRef>
+      <a:fillRef idx="1">
+        <a:scrgbClr r="0" g="0" b="0"/>
+      </a:fillRef>
+      <a:effectRef idx="0">
+        <a:scrgbClr r="0" g="0" b="0"/>
+      </a:effectRef>
+      <a:fontRef idx="minor"/>
+    </dgm:style>
+  </dgm:styleLbl>
+  <dgm:styleLbl name="fgAcc0">
+    <dgm:scene3d>
+      <a:camera prst="orthographicFront"/>
+      <a:lightRig rig="threePt" dir="t"/>
+    </dgm:scene3d>
+    <dgm:sp3d/>
+    <dgm:txPr/>
+    <dgm:style>
+      <a:lnRef idx="2">
+        <a:scrgbClr r="0" g="0" b="0"/>
+      </a:lnRef>
+      <a:fillRef idx="1">
+        <a:scrgbClr r="0" g="0" b="0"/>
+      </a:fillRef>
+      <a:effectRef idx="0">
+        <a:scrgbClr r="0" g="0" b="0"/>
+      </a:effectRef>
+      <a:fontRef idx="minor"/>
+    </dgm:style>
+  </dgm:styleLbl>
+  <dgm:styleLbl name="fgAcc2">
+    <dgm:scene3d>
+      <a:camera prst="orthographicFront"/>
+      <a:lightRig rig="threePt" dir="t"/>
+    </dgm:scene3d>
+    <dgm:sp3d/>
+    <dgm:txPr/>
+    <dgm:style>
+      <a:lnRef idx="2">
+        <a:scrgbClr r="0" g="0" b="0"/>
+      </a:lnRef>
+      <a:fillRef idx="1">
+        <a:scrgbClr r="0" g="0" b="0"/>
+      </a:fillRef>
+      <a:effectRef idx="0">
+        <a:scrgbClr r="0" g="0" b="0"/>
+      </a:effectRef>
+      <a:fontRef idx="minor"/>
+    </dgm:style>
+  </dgm:styleLbl>
+  <dgm:styleLbl name="fgAcc3">
+    <dgm:scene3d>
+      <a:camera prst="orthographicFront"/>
+      <a:lightRig rig="threePt" dir="t"/>
+    </dgm:scene3d>
+    <dgm:sp3d/>
+    <dgm:txPr/>
+    <dgm:style>
+      <a:lnRef idx="2">
+        <a:scrgbClr r="0" g="0" b="0"/>
+      </a:lnRef>
+      <a:fillRef idx="1">
+        <a:scrgbClr r="0" g="0" b="0"/>
+      </a:fillRef>
+      <a:effectRef idx="0">
+        <a:scrgbClr r="0" g="0" b="0"/>
+      </a:effectRef>
+      <a:fontRef idx="minor"/>
+    </dgm:style>
+  </dgm:styleLbl>
+  <dgm:styleLbl name="fgAcc4">
+    <dgm:scene3d>
+      <a:camera prst="orthographicFront"/>
+      <a:lightRig rig="threePt" dir="t"/>
+    </dgm:scene3d>
+    <dgm:sp3d/>
+    <dgm:txPr/>
+    <dgm:style>
+      <a:lnRef idx="2">
+        <a:scrgbClr r="0" g="0" b="0"/>
+      </a:lnRef>
+      <a:fillRef idx="1">
+        <a:scrgbClr r="0" g="0" b="0"/>
+      </a:fillRef>
+      <a:effectRef idx="0">
+        <a:scrgbClr r="0" g="0" b="0"/>
+      </a:effectRef>
+      <a:fontRef idx="minor"/>
+    </dgm:style>
+  </dgm:styleLbl>
+  <dgm:styleLbl name="bgShp">
+    <dgm:scene3d>
+      <a:camera prst="orthographicFront"/>
+      <a:lightRig rig="threePt" dir="t"/>
+    </dgm:scene3d>
+    <dgm:sp3d/>
+    <dgm:txPr/>
+    <dgm:style>
+      <a:lnRef idx="0">
+        <a:scrgbClr r="0" g="0" b="0"/>
+      </a:lnRef>
+      <a:fillRef idx="1">
+        <a:scrgbClr r="0" g="0" b="0"/>
+      </a:fillRef>
+      <a:effectRef idx="0">
+        <a:scrgbClr r="0" g="0" b="0"/>
+      </a:effectRef>
+      <a:fontRef idx="minor"/>
+    </dgm:style>
+  </dgm:styleLbl>
+  <dgm:styleLbl name="dkBgShp">
+    <dgm:scene3d>
+      <a:camera prst="orthographicFront"/>
+      <a:lightRig rig="threePt" dir="t"/>
+    </dgm:scene3d>
+    <dgm:sp3d/>
+    <dgm:txPr/>
+    <dgm:style>
+      <a:lnRef idx="0">
+        <a:scrgbClr r="0" g="0" b="0"/>
+      </a:lnRef>
+      <a:fillRef idx="1">
+        <a:scrgbClr r="0" g="0" b="0"/>
+      </a:fillRef>
+      <a:effectRef idx="0">
+        <a:scrgbClr r="0" g="0" b="0"/>
+      </a:effectRef>
+      <a:fontRef idx="minor"/>
+    </dgm:style>
+  </dgm:styleLbl>
+  <dgm:styleLbl name="trBgShp">
+    <dgm:scene3d>
+      <a:camera prst="orthographicFront"/>
+      <a:lightRig rig="threePt" dir="t"/>
+    </dgm:scene3d>
+    <dgm:sp3d/>
+    <dgm:txPr/>
+    <dgm:style>
+      <a:lnRef idx="0">
+        <a:scrgbClr r="0" g="0" b="0"/>
+      </a:lnRef>
+      <a:fillRef idx="1">
+        <a:scrgbClr r="0" g="0" b="0"/>
+      </a:fillRef>
+      <a:effectRef idx="0">
+        <a:scrgbClr r="0" g="0" b="0"/>
+      </a:effectRef>
+      <a:fontRef idx="minor"/>
+    </dgm:style>
+  </dgm:styleLbl>
+  <dgm:styleLbl name="fgShp">
+    <dgm:scene3d>
+      <a:camera prst="orthographicFront"/>
+      <a:lightRig rig="threePt" dir="t"/>
+    </dgm:scene3d>
+    <dgm:sp3d/>
+    <dgm:txPr/>
+    <dgm:style>
+      <a:lnRef idx="2">
+        <a:scrgbClr r="0" g="0" b="0"/>
+      </a:lnRef>
+      <a:fillRef idx="1">
+        <a:scrgbClr r="0" g="0" b="0"/>
+      </a:fillRef>
+      <a:effectRef idx="0">
+        <a:scrgbClr r="0" g="0" b="0"/>
+      </a:effectRef>
+      <a:fontRef idx="minor"/>
+    </dgm:style>
+  </dgm:styleLbl>
+  <dgm:styleLbl name="revTx">
+    <dgm:scene3d>
+      <a:camera prst="orthographicFront"/>
+      <a:lightRig rig="threePt" dir="t"/>
+    </dgm:scene3d>
+    <dgm:sp3d/>
+    <dgm:txPr/>
+    <dgm:style>
+      <a:lnRef idx="0">
+        <a:scrgbClr r="0" g="0" b="0"/>
+      </a:lnRef>
+      <a:fillRef idx="0">
+        <a:scrgbClr r="0" g="0" b="0"/>
+      </a:fillRef>
+      <a:effectRef idx="0">
+        <a:scrgbClr r="0" g="0" b="0"/>
+      </a:effectRef>
+      <a:fontRef idx="minor"/>
+    </dgm:style>
+  </dgm:styleLbl>
+</dgm:styleDef>
+</file>
+
+<file path=ppt/diagrams/quickStyle2.xml><?xml version="1.0" encoding="utf-8"?>
+<dgm:styleDef xmlns:dgm="http://schemas.openxmlformats.org/drawingml/2006/diagram" xmlns:a="http://schemas.openxmlformats.org/drawingml/2006/main" uniqueId="urn:microsoft.com/office/officeart/2005/8/quickstyle/simple1">
+  <dgm:title val=""/>
+  <dgm:desc val=""/>
+  <dgm:catLst>
+    <dgm:cat type="simple" pri="10100"/>
+  </dgm:catLst>
+  <dgm:scene3d>
+    <a:camera prst="orthographicFront"/>
+    <a:lightRig rig="threePt" dir="t"/>
+  </dgm:scene3d>
+  <dgm:styleLbl name="node0">
+    <dgm:scene3d>
+      <a:camera prst="orthographicFront"/>
+      <a:lightRig rig="threePt" dir="t"/>
+    </dgm:scene3d>
+    <dgm:sp3d/>
+    <dgm:txPr/>
+    <dgm:style>
+      <a:lnRef idx="2">
+        <a:scrgbClr r="0" g="0" b="0"/>
+      </a:lnRef>
+      <a:fillRef idx="1">
+        <a:scrgbClr r="0" g="0" b="0"/>
+      </a:fillRef>
+      <a:effectRef idx="0">
+        <a:scrgbClr r="0" g="0" b="0"/>
+      </a:effectRef>
+      <a:fontRef idx="minor">
+        <a:schemeClr val="lt1"/>
+      </a:fontRef>
+    </dgm:style>
+  </dgm:styleLbl>
+  <dgm:styleLbl name="lnNode1">
+    <dgm:scene3d>
+      <a:camera prst="orthographicFront"/>
+      <a:lightRig rig="threePt" dir="t"/>
+    </dgm:scene3d>
+    <dgm:sp3d/>
+    <dgm:txPr/>
+    <dgm:style>
+      <a:lnRef idx="2">
+        <a:scrgbClr r="0" g="0" b="0"/>
+      </a:lnRef>
+      <a:fillRef idx="1">
+        <a:scrgbClr r="0" g="0" b="0"/>
+      </a:fillRef>
+      <a:effectRef idx="0">
+        <a:scrgbClr r="0" g="0" b="0"/>
+      </a:effectRef>
+      <a:fontRef idx="minor">
+        <a:schemeClr val="lt1"/>
+      </a:fontRef>
+    </dgm:style>
+  </dgm:styleLbl>
+  <dgm:styleLbl name="vennNode1">
+    <dgm:scene3d>
+      <a:camera prst="orthographicFront"/>
+      <a:lightRig rig="threePt" dir="t"/>
+    </dgm:scene3d>
+    <dgm:sp3d/>
+    <dgm:txPr/>
+    <dgm:style>
+      <a:lnRef idx="2">
+        <a:scrgbClr r="0" g="0" b="0"/>
+      </a:lnRef>
+      <a:fillRef idx="1">
+        <a:scrgbClr r="0" g="0" b="0"/>
+      </a:fillRef>
+      <a:effectRef idx="0">
+        <a:scrgbClr r="0" g="0" b="0"/>
+      </a:effectRef>
+      <a:fontRef idx="minor">
+        <a:schemeClr val="tx1"/>
+      </a:fontRef>
+    </dgm:style>
+  </dgm:styleLbl>
+  <dgm:styleLbl name="alignNode1">
+    <dgm:scene3d>
+      <a:camera prst="orthographicFront"/>
+      <a:lightRig rig="threePt" dir="t"/>
+    </dgm:scene3d>
+    <dgm:sp3d/>
+    <dgm:txPr/>
+    <dgm:style>
+      <a:lnRef idx="2">
+        <a:scrgbClr r="0" g="0" b="0"/>
+      </a:lnRef>
+      <a:fillRef idx="1">
+        <a:scrgbClr r="0" g="0" b="0"/>
+      </a:fillRef>
+      <a:effectRef idx="0">
+        <a:scrgbClr r="0" g="0" b="0"/>
+      </a:effectRef>
+      <a:fontRef idx="minor">
+        <a:schemeClr val="lt1"/>
+      </a:fontRef>
+    </dgm:style>
+  </dgm:styleLbl>
+  <dgm:styleLbl name="node1">
+    <dgm:scene3d>
+      <a:camera prst="orthographicFront"/>
+      <a:lightRig rig="threePt" dir="t"/>
+    </dgm:scene3d>
+    <dgm:sp3d/>
+    <dgm:txPr/>
+    <dgm:style>
+      <a:lnRef idx="2">
+        <a:scrgbClr r="0" g="0" b="0"/>
+      </a:lnRef>
+      <a:fillRef idx="1">
+        <a:scrgbClr r="0" g="0" b="0"/>
+      </a:fillRef>
+      <a:effectRef idx="0">
+        <a:scrgbClr r="0" g="0" b="0"/>
+      </a:effectRef>
+      <a:fontRef idx="minor">
+        <a:schemeClr val="lt1"/>
+      </a:fontRef>
+    </dgm:style>
+  </dgm:styleLbl>
+  <dgm:styleLbl name="node2">
+    <dgm:scene3d>
+      <a:camera prst="orthographicFront"/>
+      <a:lightRig rig="threePt" dir="t"/>
+    </dgm:scene3d>
+    <dgm:sp3d/>
+    <dgm:txPr/>
+    <dgm:style>
+      <a:lnRef idx="2">
+        <a:scrgbClr r="0" g="0" b="0"/>
+      </a:lnRef>
+      <a:fillRef idx="1">
+        <a:scrgbClr r="0" g="0" b="0"/>
+      </a:fillRef>
+      <a:effectRef idx="0">
+        <a:scrgbClr r="0" g="0" b="0"/>
+      </a:effectRef>
+      <a:fontRef idx="minor">
+        <a:schemeClr val="lt1"/>
+      </a:fontRef>
+    </dgm:style>
+  </dgm:styleLbl>
+  <dgm:styleLbl name="node3">
+    <dgm:scene3d>
+      <a:camera prst="orthographicFront"/>
+      <a:lightRig rig="threePt" dir="t"/>
+    </dgm:scene3d>
+    <dgm:sp3d/>
+    <dgm:txPr/>
+    <dgm:style>
+      <a:lnRef idx="2">
+        <a:scrgbClr r="0" g="0" b="0"/>
+      </a:lnRef>
+      <a:fillRef idx="1">
+        <a:scrgbClr r="0" g="0" b="0"/>
+      </a:fillRef>
+      <a:effectRef idx="0">
+        <a:scrgbClr r="0" g="0" b="0"/>
+      </a:effectRef>
+      <a:fontRef idx="minor">
+        <a:schemeClr val="lt1"/>
+      </a:fontRef>
+    </dgm:style>
+  </dgm:styleLbl>
+  <dgm:styleLbl name="node4">
+    <dgm:scene3d>
+      <a:camera prst="orthographicFront"/>
+      <a:lightRig rig="threePt" dir="t"/>
+    </dgm:scene3d>
+    <dgm:sp3d/>
+    <dgm:txPr/>
+    <dgm:style>
+      <a:lnRef idx="2">
+        <a:scrgbClr r="0" g="0" b="0"/>
+      </a:lnRef>
+      <a:fillRef idx="1">
+        <a:scrgbClr r="0" g="0" b="0"/>
+      </a:fillRef>
+      <a:effectRef idx="0">
+        <a:scrgbClr r="0" g="0" b="0"/>
+      </a:effectRef>
+      <a:fontRef idx="minor">
+        <a:schemeClr val="lt1"/>
+      </a:fontRef>
+    </dgm:style>
+  </dgm:styleLbl>
+  <dgm:styleLbl name="fgImgPlace1">
+    <dgm:scene3d>
+      <a:camera prst="orthographicFront"/>
+      <a:lightRig rig="threePt" dir="t"/>
+    </dgm:scene3d>
+    <dgm:sp3d/>
+    <dgm:txPr/>
+    <dgm:style>
+      <a:lnRef idx="2">
+        <a:scrgbClr r="0" g="0" b="0"/>
+      </a:lnRef>
+      <a:fillRef idx="1">
+        <a:scrgbClr r="0" g="0" b="0"/>
+      </a:fillRef>
+      <a:effectRef idx="0">
+        <a:scrgbClr r="0" g="0" b="0"/>
+      </a:effectRef>
+      <a:fontRef idx="minor"/>
+    </dgm:style>
+  </dgm:styleLbl>
+  <dgm:styleLbl name="alignImgPlace1">
+    <dgm:scene3d>
+      <a:camera prst="orthographicFront"/>
+      <a:lightRig rig="threePt" dir="t"/>
+    </dgm:scene3d>
+    <dgm:sp3d/>
+    <dgm:txPr/>
+    <dgm:style>
+      <a:lnRef idx="2">
+        <a:scrgbClr r="0" g="0" b="0"/>
+      </a:lnRef>
+      <a:fillRef idx="1">
+        <a:scrgbClr r="0" g="0" b="0"/>
+      </a:fillRef>
+      <a:effectRef idx="0">
+        <a:scrgbClr r="0" g="0" b="0"/>
+      </a:effectRef>
+      <a:fontRef idx="minor"/>
+    </dgm:style>
+  </dgm:styleLbl>
+  <dgm:styleLbl name="bgImgPlace1">
+    <dgm:scene3d>
+      <a:camera prst="orthographicFront"/>
+      <a:lightRig rig="threePt" dir="t"/>
+    </dgm:scene3d>
+    <dgm:sp3d/>
+    <dgm:txPr/>
+    <dgm:style>
+      <a:lnRef idx="2">
+        <a:scrgbClr r="0" g="0" b="0"/>
+      </a:lnRef>
+      <a:fillRef idx="1">
+        <a:scrgbClr r="0" g="0" b="0"/>
+      </a:fillRef>
+      <a:effectRef idx="0">
+        <a:scrgbClr r="0" g="0" b="0"/>
+      </a:effectRef>
+      <a:fontRef idx="minor"/>
+    </dgm:style>
+  </dgm:styleLbl>
+  <dgm:styleLbl name="sibTrans2D1">
+    <dgm:scene3d>
+      <a:camera prst="orthographicFront"/>
+      <a:lightRig rig="threePt" dir="t"/>
+    </dgm:scene3d>
+    <dgm:sp3d/>
+    <dgm:txPr/>
+    <dgm:style>
+      <a:lnRef idx="0">
+        <a:scrgbClr r="0" g="0" b="0"/>
+      </a:lnRef>
+      <a:fillRef idx="1">
+        <a:scrgbClr r="0" g="0" b="0"/>
+      </a:fillRef>
+      <a:effectRef idx="0">
+        <a:scrgbClr r="0" g="0" b="0"/>
+      </a:effectRef>
+      <a:fontRef idx="minor">
+        <a:schemeClr val="lt1"/>
+      </a:fontRef>
+    </dgm:style>
+  </dgm:styleLbl>
+  <dgm:styleLbl name="fgSibTrans2D1">
+    <dgm:scene3d>
+      <a:camera prst="orthographicFront"/>
+      <a:lightRig rig="threePt" dir="t"/>
+    </dgm:scene3d>
+    <dgm:sp3d/>
+    <dgm:txPr/>
+    <dgm:style>
+      <a:lnRef idx="0">
+        <a:scrgbClr r="0" g="0" b="0"/>
+      </a:lnRef>
+      <a:fillRef idx="1">
+        <a:scrgbClr r="0" g="0" b="0"/>
+      </a:fillRef>
+      <a:effectRef idx="0">
+        <a:scrgbClr r="0" g="0" b="0"/>
+      </a:effectRef>
+      <a:fontRef idx="minor">
+        <a:schemeClr val="lt1"/>
+      </a:fontRef>
+    </dgm:style>
+  </dgm:styleLbl>
+  <dgm:styleLbl name="bgSibTrans2D1">
+    <dgm:scene3d>
+      <a:camera prst="orthographicFront"/>
+      <a:lightRig rig="threePt" dir="t"/>
+    </dgm:scene3d>
+    <dgm:sp3d/>
+    <dgm:txPr/>
+    <dgm:style>
+      <a:lnRef idx="0">
+        <a:scrgbClr r="0" g="0" b="0"/>
+      </a:lnRef>
+      <a:fillRef idx="1">
+        <a:scrgbClr r="0" g="0" b="0"/>
+      </a:fillRef>
+      <a:effectRef idx="0">
+        <a:scrgbClr r="0" g="0" b="0"/>
+      </a:effectRef>
+      <a:fontRef idx="minor">
+        <a:schemeClr val="lt1"/>
+      </a:fontRef>
+    </dgm:style>
+  </dgm:styleLbl>
+  <dgm:styleLbl name="sibTrans1D1">
+    <dgm:scene3d>
+      <a:camera prst="orthographicFront"/>
+      <a:lightRig rig="threePt" dir="t"/>
+    </dgm:scene3d>
+    <dgm:sp3d/>
+    <dgm:txPr/>
+    <dgm:style>
+      <a:lnRef idx="1">
+        <a:scrgbClr r="0" g="0" b="0"/>
+      </a:lnRef>
+      <a:fillRef idx="0">
+        <a:scrgbClr r="0" g="0" b="0"/>
+      </a:fillRef>
+      <a:effectRef idx="0">
+        <a:scrgbClr r="0" g="0" b="0"/>
+      </a:effectRef>
+      <a:fontRef idx="minor"/>
+    </dgm:style>
+  </dgm:styleLbl>
+  <dgm:styleLbl name="callout">
+    <dgm:scene3d>
+      <a:camera prst="orthographicFront"/>
+      <a:lightRig rig="threePt" dir="t"/>
+    </dgm:scene3d>
+    <dgm:sp3d/>
+    <dgm:txPr/>
+    <dgm:style>
+      <a:lnRef idx="2">
+        <a:scrgbClr r="0" g="0" b="0"/>
+      </a:lnRef>
+      <a:fillRef idx="1">
+        <a:scrgbClr r="0" g="0" b="0"/>
+      </a:fillRef>
+      <a:effectRef idx="0">
+        <a:scrgbClr r="0" g="0" b="0"/>
+      </a:effectRef>
+      <a:fontRef idx="minor"/>
+    </dgm:style>
+  </dgm:styleLbl>
+  <dgm:styleLbl name="asst0">
+    <dgm:scene3d>
+      <a:camera prst="orthographicFront"/>
+      <a:lightRig rig="threePt" dir="t"/>
+    </dgm:scene3d>
+    <dgm:sp3d/>
+    <dgm:txPr/>
+    <dgm:style>
+      <a:lnRef idx="2">
+        <a:scrgbClr r="0" g="0" b="0"/>
+      </a:lnRef>
+      <a:fillRef idx="1">
+        <a:scrgbClr r="0" g="0" b="0"/>
+      </a:fillRef>
+      <a:effectRef idx="0">
+        <a:scrgbClr r="0" g="0" b="0"/>
+      </a:effectRef>
+      <a:fontRef idx="minor">
+        <a:schemeClr val="lt1"/>
+      </a:fontRef>
+    </dgm:style>
+  </dgm:styleLbl>
+  <dgm:styleLbl name="asst1">
+    <dgm:scene3d>
+      <a:camera prst="orthographicFront"/>
+      <a:lightRig rig="threePt" dir="t"/>
+    </dgm:scene3d>
+    <dgm:sp3d/>
+    <dgm:txPr/>
+    <dgm:style>
+      <a:lnRef idx="2">
+        <a:scrgbClr r="0" g="0" b="0"/>
+      </a:lnRef>
+      <a:fillRef idx="1">
+        <a:scrgbClr r="0" g="0" b="0"/>
+      </a:fillRef>
+      <a:effectRef idx="0">
+        <a:scrgbClr r="0" g="0" b="0"/>
+      </a:effectRef>
+      <a:fontRef idx="minor">
+        <a:schemeClr val="lt1"/>
+      </a:fontRef>
+    </dgm:style>
+  </dgm:styleLbl>
+  <dgm:styleLbl name="asst2">
+    <dgm:scene3d>
+      <a:camera prst="orthographicFront"/>
+      <a:lightRig rig="threePt" dir="t"/>
+    </dgm:scene3d>
+    <dgm:sp3d/>
+    <dgm:txPr/>
+    <dgm:style>
+      <a:lnRef idx="2">
+        <a:scrgbClr r="0" g="0" b="0"/>
+      </a:lnRef>
+      <a:fillRef idx="1">
+        <a:scrgbClr r="0" g="0" b="0"/>
+      </a:fillRef>
+      <a:effectRef idx="0">
+        <a:scrgbClr r="0" g="0" b="0"/>
+      </a:effectRef>
+      <a:fontRef idx="minor">
+        <a:schemeClr val="lt1"/>
+      </a:fontRef>
+    </dgm:style>
+  </dgm:styleLbl>
+  <dgm:styleLbl name="asst3">
+    <dgm:scene3d>
+      <a:camera prst="orthographicFront"/>
+      <a:lightRig rig="threePt" dir="t"/>
+    </dgm:scene3d>
+    <dgm:sp3d/>
+    <dgm:txPr/>
+    <dgm:style>
+      <a:lnRef idx="2">
+        <a:scrgbClr r="0" g="0" b="0"/>
+      </a:lnRef>
+      <a:fillRef idx="1">
+        <a:scrgbClr r="0" g="0" b="0"/>
+      </a:fillRef>
+      <a:effectRef idx="0">
+        <a:scrgbClr r="0" g="0" b="0"/>
+      </a:effectRef>
+      <a:fontRef idx="minor">
+        <a:schemeClr val="lt1"/>
+      </a:fontRef>
+    </dgm:style>
+  </dgm:styleLbl>
+  <dgm:styleLbl name="asst4">
+    <dgm:scene3d>
+      <a:camera prst="orthographicFront"/>
+      <a:lightRig rig="threePt" dir="t"/>
+    </dgm:scene3d>
+    <dgm:sp3d/>
+    <dgm:txPr/>
+    <dgm:style>
+      <a:lnRef idx="2">
+        <a:scrgbClr r="0" g="0" b="0"/>
+      </a:lnRef>
+      <a:fillRef idx="1">
+        <a:scrgbClr r="0" g="0" b="0"/>
+      </a:fillRef>
+      <a:effectRef idx="0">
+        <a:scrgbClr r="0" g="0" b="0"/>
+      </a:effectRef>
+      <a:fontRef idx="minor">
+        <a:schemeClr val="lt1"/>
+      </a:fontRef>
+    </dgm:style>
+  </dgm:styleLbl>
+  <dgm:styleLbl name="parChTrans2D1">
+    <dgm:scene3d>
+      <a:camera prst="orthographicFront"/>
+      <a:lightRig rig="threePt" dir="t"/>
+    </dgm:scene3d>
+    <dgm:sp3d/>
+    <dgm:txPr/>
+    <dgm:style>
+      <a:lnRef idx="2">
+        <a:scrgbClr r="0" g="0" b="0"/>
+      </a:lnRef>
+      <a:fillRef idx="1">
+        <a:scrgbClr r="0" g="0" b="0"/>
+      </a:fillRef>
+      <a:effectRef idx="0">
+        <a:scrgbClr r="0" g="0" b="0"/>
+      </a:effectRef>
+      <a:fontRef idx="minor">
+        <a:schemeClr val="lt1"/>
+      </a:fontRef>
+    </dgm:style>
+  </dgm:styleLbl>
+  <dgm:styleLbl name="parChTrans2D2">
+    <dgm:scene3d>
+      <a:camera prst="orthographicFront"/>
+      <a:lightRig rig="threePt" dir="t"/>
+    </dgm:scene3d>
+    <dgm:sp3d/>
+    <dgm:txPr/>
+    <dgm:style>
+      <a:lnRef idx="2">
+        <a:scrgbClr r="0" g="0" b="0"/>
+      </a:lnRef>
+      <a:fillRef idx="1">
+        <a:scrgbClr r="0" g="0" b="0"/>
+      </a:fillRef>
+      <a:effectRef idx="0">
+        <a:scrgbClr r="0" g="0" b="0"/>
+      </a:effectRef>
+      <a:fontRef idx="minor">
+        <a:schemeClr val="lt1"/>
+      </a:fontRef>
+    </dgm:style>
+  </dgm:styleLbl>
+  <dgm:styleLbl name="parChTrans2D3">
+    <dgm:scene3d>
+      <a:camera prst="orthographicFront"/>
+      <a:lightRig rig="threePt" dir="t"/>
+    </dgm:scene3d>
+    <dgm:sp3d/>
+    <dgm:txPr/>
+    <dgm:style>
+      <a:lnRef idx="2">
+        <a:scrgbClr r="0" g="0" b="0"/>
+      </a:lnRef>
+      <a:fillRef idx="1">
+        <a:scrgbClr r="0" g="0" b="0"/>
+      </a:fillRef>
+      <a:effectRef idx="0">
+        <a:scrgbClr r="0" g="0" b="0"/>
+      </a:effectRef>
+      <a:fontRef idx="minor">
+        <a:schemeClr val="lt1"/>
+      </a:fontRef>
+    </dgm:style>
+  </dgm:styleLbl>
+  <dgm:styleLbl name="parChTrans2D4">
+    <dgm:scene3d>
+      <a:camera prst="orthographicFront"/>
+      <a:lightRig rig="threePt" dir="t"/>
+    </dgm:scene3d>
+    <dgm:sp3d/>
+    <dgm:txPr/>
+    <dgm:style>
+      <a:lnRef idx="2">
+        <a:scrgbClr r="0" g="0" b="0"/>
+      </a:lnRef>
+      <a:fillRef idx="1">
+        <a:scrgbClr r="0" g="0" b="0"/>
+      </a:fillRef>
+      <a:effectRef idx="0">
+        <a:scrgbClr r="0" g="0" b="0"/>
+      </a:effectRef>
+      <a:fontRef idx="minor">
+        <a:schemeClr val="lt1"/>
+      </a:fontRef>
+    </dgm:style>
+  </dgm:styleLbl>
+  <dgm:styleLbl name="parChTrans1D1">
+    <dgm:scene3d>
+      <a:camera prst="orthographicFront"/>
+      <a:lightRig rig="threePt" dir="t"/>
+    </dgm:scene3d>
+    <dgm:sp3d/>
+    <dgm:txPr/>
+    <dgm:style>
+      <a:lnRef idx="2">
+        <a:scrgbClr r="0" g="0" b="0"/>
+      </a:lnRef>
+      <a:fillRef idx="0">
+        <a:scrgbClr r="0" g="0" b="0"/>
+      </a:fillRef>
+      <a:effectRef idx="0">
+        <a:scrgbClr r="0" g="0" b="0"/>
+      </a:effectRef>
+      <a:fontRef idx="minor"/>
+    </dgm:style>
+  </dgm:styleLbl>
+  <dgm:styleLbl name="parChTrans1D2">
+    <dgm:scene3d>
+      <a:camera prst="orthographicFront"/>
+      <a:lightRig rig="threePt" dir="t"/>
+    </dgm:scene3d>
+    <dgm:sp3d/>
+    <dgm:txPr/>
+    <dgm:style>
+      <a:lnRef idx="2">
+        <a:scrgbClr r="0" g="0" b="0"/>
+      </a:lnRef>
+      <a:fillRef idx="0">
+        <a:scrgbClr r="0" g="0" b="0"/>
+      </a:fillRef>
+      <a:effectRef idx="0">
+        <a:scrgbClr r="0" g="0" b="0"/>
+      </a:effectRef>
+      <a:fontRef idx="minor"/>
+    </dgm:style>
+  </dgm:styleLbl>
+  <dgm:styleLbl name="parChTrans1D3">
+    <dgm:scene3d>
+      <a:camera prst="orthographicFront"/>
+      <a:lightRig rig="threePt" dir="t"/>
+    </dgm:scene3d>
+    <dgm:sp3d/>
+    <dgm:txPr/>
+    <dgm:style>
+      <a:lnRef idx="2">
+        <a:scrgbClr r="0" g="0" b="0"/>
+      </a:lnRef>
+      <a:fillRef idx="0">
+        <a:scrgbClr r="0" g="0" b="0"/>
+      </a:fillRef>
+      <a:effectRef idx="0">
+        <a:scrgbClr r="0" g="0" b="0"/>
+      </a:effectRef>
+      <a:fontRef idx="minor"/>
+    </dgm:style>
+  </dgm:styleLbl>
+  <dgm:styleLbl name="parChTrans1D4">
+    <dgm:scene3d>
+      <a:camera prst="orthographicFront"/>
+      <a:lightRig rig="threePt" dir="t"/>
+    </dgm:scene3d>
+    <dgm:sp3d/>
+    <dgm:txPr/>
+    <dgm:style>
+      <a:lnRef idx="2">
+        <a:scrgbClr r="0" g="0" b="0"/>
+      </a:lnRef>
+      <a:fillRef idx="0">
+        <a:scrgbClr r="0" g="0" b="0"/>
+      </a:fillRef>
+      <a:effectRef idx="0">
+        <a:scrgbClr r="0" g="0" b="0"/>
+      </a:effectRef>
+      <a:fontRef idx="minor"/>
+    </dgm:style>
+  </dgm:styleLbl>
+  <dgm:styleLbl name="fgAcc1">
+    <dgm:scene3d>
+      <a:camera prst="orthographicFront"/>
+      <a:lightRig rig="threePt" dir="t"/>
+    </dgm:scene3d>
+    <dgm:sp3d/>
+    <dgm:txPr/>
+    <dgm:style>
+      <a:lnRef idx="2">
+        <a:scrgbClr r="0" g="0" b="0"/>
+      </a:lnRef>
+      <a:fillRef idx="1">
+        <a:scrgbClr r="0" g="0" b="0"/>
+      </a:fillRef>
+      <a:effectRef idx="0">
+        <a:scrgbClr r="0" g="0" b="0"/>
+      </a:effectRef>
+      <a:fontRef idx="minor"/>
+    </dgm:style>
+  </dgm:styleLbl>
+  <dgm:styleLbl name="conFgAcc1">
+    <dgm:scene3d>
+      <a:camera prst="orthographicFront"/>
+      <a:lightRig rig="threePt" dir="t"/>
+    </dgm:scene3d>
+    <dgm:sp3d/>
+    <dgm:txPr/>
+    <dgm:style>
+      <a:lnRef idx="2">
+        <a:scrgbClr r="0" g="0" b="0"/>
+      </a:lnRef>
+      <a:fillRef idx="1">
+        <a:scrgbClr r="0" g="0" b="0"/>
+      </a:fillRef>
+      <a:effectRef idx="0">
+        <a:scrgbClr r="0" g="0" b="0"/>
+      </a:effectRef>
+      <a:fontRef idx="minor"/>
+    </dgm:style>
+  </dgm:styleLbl>
+  <dgm:styleLbl name="alignAcc1">
+    <dgm:scene3d>
+      <a:camera prst="orthographicFront"/>
+      <a:lightRig rig="threePt" dir="t"/>
+    </dgm:scene3d>
+    <dgm:sp3d/>
+    <dgm:txPr/>
+    <dgm:style>
+      <a:lnRef idx="2">
+        <a:scrgbClr r="0" g="0" b="0"/>
+      </a:lnRef>
+      <a:fillRef idx="1">
+        <a:scrgbClr r="0" g="0" b="0"/>
+      </a:fillRef>
+      <a:effectRef idx="0">
+        <a:scrgbClr r="0" g="0" b="0"/>
+      </a:effectRef>
+      <a:fontRef idx="minor"/>
+    </dgm:style>
+  </dgm:styleLbl>
+  <dgm:styleLbl name="trAlignAcc1">
+    <dgm:scene3d>
+      <a:camera prst="orthographicFront"/>
+      <a:lightRig rig="threePt" dir="t"/>
+    </dgm:scene3d>
+    <dgm:sp3d/>
+    <dgm:txPr/>
+    <dgm:style>
+      <a:lnRef idx="1">
+        <a:scrgbClr r="0" g="0" b="0"/>
+      </a:lnRef>
+      <a:fillRef idx="1">
+        <a:scrgbClr r="0" g="0" b="0"/>
+      </a:fillRef>
+      <a:effectRef idx="0">
+        <a:scrgbClr r="0" g="0" b="0"/>
+      </a:effectRef>
+      <a:fontRef idx="minor"/>
+    </dgm:style>
+  </dgm:styleLbl>
+  <dgm:styleLbl name="bgAcc1">
+    <dgm:scene3d>
+      <a:camera prst="orthographicFront"/>
+      <a:lightRig rig="threePt" dir="t"/>
+    </dgm:scene3d>
+    <dgm:sp3d/>
+    <dgm:txPr/>
+    <dgm:style>
+      <a:lnRef idx="2">
+        <a:scrgbClr r="0" g="0" b="0"/>
+      </a:lnRef>
+      <a:fillRef idx="1">
+        <a:scrgbClr r="0" g="0" b="0"/>
+      </a:fillRef>
+      <a:effectRef idx="0">
+        <a:scrgbClr r="0" g="0" b="0"/>
+      </a:effectRef>
+      <a:fontRef idx="minor"/>
+    </dgm:style>
+  </dgm:styleLbl>
+  <dgm:styleLbl name="solidFgAcc1">
+    <dgm:scene3d>
+      <a:camera prst="orthographicFront"/>
+      <a:lightRig rig="threePt" dir="t"/>
+    </dgm:scene3d>
+    <dgm:sp3d/>
+    <dgm:txPr/>
+    <dgm:style>
+      <a:lnRef idx="2">
+        <a:scrgbClr r="0" g="0" b="0"/>
+      </a:lnRef>
+      <a:fillRef idx="1">
+        <a:scrgbClr r="0" g="0" b="0"/>
+      </a:fillRef>
+      <a:effectRef idx="0">
+        <a:scrgbClr r="0" g="0" b="0"/>
+      </a:effectRef>
+      <a:fontRef idx="minor"/>
+    </dgm:style>
+  </dgm:styleLbl>
+  <dgm:styleLbl name="solidAlignAcc1">
+    <dgm:scene3d>
+      <a:camera prst="orthographicFront"/>
+      <a:lightRig rig="threePt" dir="t"/>
+    </dgm:scene3d>
+    <dgm:sp3d/>
+    <dgm:txPr/>
+    <dgm:style>
+      <a:lnRef idx="2">
+        <a:scrgbClr r="0" g="0" b="0"/>
+      </a:lnRef>
+      <a:fillRef idx="1">
+        <a:scrgbClr r="0" g="0" b="0"/>
+      </a:fillRef>
+      <a:effectRef idx="0">
+        <a:scrgbClr r="0" g="0" b="0"/>
+      </a:effectRef>
+      <a:fontRef idx="minor"/>
+    </dgm:style>
+  </dgm:styleLbl>
+  <dgm:styleLbl name="solidBgAcc1">
+    <dgm:scene3d>
+      <a:camera prst="orthographicFront"/>
+      <a:lightRig rig="threePt" dir="t"/>
+    </dgm:scene3d>
+    <dgm:sp3d/>
+    <dgm:txPr/>
+    <dgm:style>
+      <a:lnRef idx="2">
+        <a:scrgbClr r="0" g="0" b="0"/>
+      </a:lnRef>
+      <a:fillRef idx="1">
+        <a:scrgbClr r="0" g="0" b="0"/>
+      </a:fillRef>
+      <a:effectRef idx="0">
+        <a:scrgbClr r="0" g="0" b="0"/>
+      </a:effectRef>
+      <a:fontRef idx="minor"/>
+    </dgm:style>
+  </dgm:styleLbl>
+  <dgm:styleLbl name="fgAccFollowNode1">
+    <dgm:scene3d>
+      <a:camera prst="orthographicFront"/>
+      <a:lightRig rig="threePt" dir="t"/>
+    </dgm:scene3d>
+    <dgm:sp3d/>
+    <dgm:txPr/>
+    <dgm:style>
+      <a:lnRef idx="2">
+        <a:scrgbClr r="0" g="0" b="0"/>
+      </a:lnRef>
+      <a:fillRef idx="1">
+        <a:scrgbClr r="0" g="0" b="0"/>
+      </a:fillRef>
+      <a:effectRef idx="0">
+        <a:scrgbClr r="0" g="0" b="0"/>
+      </a:effectRef>
+      <a:fontRef idx="minor"/>
+    </dgm:style>
+  </dgm:styleLbl>
+  <dgm:styleLbl name="alignAccFollowNode1">
+    <dgm:scene3d>
+      <a:camera prst="orthographicFront"/>
+      <a:lightRig rig="threePt" dir="t"/>
+    </dgm:scene3d>
+    <dgm:sp3d/>
+    <dgm:txPr/>
+    <dgm:style>
+      <a:lnRef idx="2">
+        <a:scrgbClr r="0" g="0" b="0"/>
+      </a:lnRef>
+      <a:fillRef idx="1">
+        <a:scrgbClr r="0" g="0" b="0"/>
+      </a:fillRef>
+      <a:effectRef idx="0">
+        <a:scrgbClr r="0" g="0" b="0"/>
+      </a:effectRef>
+      <a:fontRef idx="minor"/>
+    </dgm:style>
+  </dgm:styleLbl>
+  <dgm:styleLbl name="bgAccFollowNode1">
+    <dgm:scene3d>
+      <a:camera prst="orthographicFront"/>
+      <a:lightRig rig="threePt" dir="t"/>
+    </dgm:scene3d>
+    <dgm:sp3d/>
+    <dgm:txPr/>
+    <dgm:style>
+      <a:lnRef idx="2">
+        <a:scrgbClr r="0" g="0" b="0"/>
+      </a:lnRef>
+      <a:fillRef idx="1">
+        <a:scrgbClr r="0" g="0" b="0"/>
+      </a:fillRef>
+      <a:effectRef idx="0">
+        <a:scrgbClr r="0" g="0" b="0"/>
+      </a:effectRef>
+      <a:fontRef idx="minor"/>
+    </dgm:style>
+  </dgm:styleLbl>
+  <dgm:styleLbl name="fgAcc0">
+    <dgm:scene3d>
+      <a:camera prst="orthographicFront"/>
+      <a:lightRig rig="threePt" dir="t"/>
+    </dgm:scene3d>
+    <dgm:sp3d/>
+    <dgm:txPr/>
+    <dgm:style>
+      <a:lnRef idx="2">
+        <a:scrgbClr r="0" g="0" b="0"/>
+      </a:lnRef>
+      <a:fillRef idx="1">
+        <a:scrgbClr r="0" g="0" b="0"/>
+      </a:fillRef>
+      <a:effectRef idx="0">
+        <a:scrgbClr r="0" g="0" b="0"/>
+      </a:effectRef>
+      <a:fontRef idx="minor"/>
+    </dgm:style>
+  </dgm:styleLbl>
+  <dgm:styleLbl name="fgAcc2">
+    <dgm:scene3d>
+      <a:camera prst="orthographicFront"/>
+      <a:lightRig rig="threePt" dir="t"/>
+    </dgm:scene3d>
+    <dgm:sp3d/>
+    <dgm:txPr/>
+    <dgm:style>
+      <a:lnRef idx="2">
+        <a:scrgbClr r="0" g="0" b="0"/>
+      </a:lnRef>
+      <a:fillRef idx="1">
+        <a:scrgbClr r="0" g="0" b="0"/>
+      </a:fillRef>
+      <a:effectRef idx="0">
+        <a:scrgbClr r="0" g="0" b="0"/>
+      </a:effectRef>
+      <a:fontRef idx="minor"/>
+    </dgm:style>
+  </dgm:styleLbl>
+  <dgm:styleLbl name="fgAcc3">
+    <dgm:scene3d>
+      <a:camera prst="orthographicFront"/>
+      <a:lightRig rig="threePt" dir="t"/>
+    </dgm:scene3d>
+    <dgm:sp3d/>
+    <dgm:txPr/>
+    <dgm:style>
+      <a:lnRef idx="2">
+        <a:scrgbClr r="0" g="0" b="0"/>
+      </a:lnRef>
+      <a:fillRef idx="1">
+        <a:scrgbClr r="0" g="0" b="0"/>
+      </a:fillRef>
+      <a:effectRef idx="0">
+        <a:scrgbClr r="0" g="0" b="0"/>
+      </a:effectRef>
+      <a:fontRef idx="minor"/>
+    </dgm:style>
+  </dgm:styleLbl>
+  <dgm:styleLbl name="fgAcc4">
+    <dgm:scene3d>
+      <a:camera prst="orthographicFront"/>
+      <a:lightRig rig="threePt" dir="t"/>
+    </dgm:scene3d>
+    <dgm:sp3d/>
+    <dgm:txPr/>
+    <dgm:style>
+      <a:lnRef idx="2">
+        <a:scrgbClr r="0" g="0" b="0"/>
+      </a:lnRef>
+      <a:fillRef idx="1">
+        <a:scrgbClr r="0" g="0" b="0"/>
+      </a:fillRef>
+      <a:effectRef idx="0">
+        <a:scrgbClr r="0" g="0" b="0"/>
+      </a:effectRef>
+      <a:fontRef idx="minor"/>
+    </dgm:style>
+  </dgm:styleLbl>
+  <dgm:styleLbl name="bgShp">
+    <dgm:scene3d>
+      <a:camera prst="orthographicFront"/>
+      <a:lightRig rig="threePt" dir="t"/>
+    </dgm:scene3d>
+    <dgm:sp3d/>
+    <dgm:txPr/>
+    <dgm:style>
+      <a:lnRef idx="0">
+        <a:scrgbClr r="0" g="0" b="0"/>
+      </a:lnRef>
+      <a:fillRef idx="1">
+        <a:scrgbClr r="0" g="0" b="0"/>
+      </a:fillRef>
+      <a:effectRef idx="0">
+        <a:scrgbClr r="0" g="0" b="0"/>
+      </a:effectRef>
+      <a:fontRef idx="minor"/>
+    </dgm:style>
+  </dgm:styleLbl>
+  <dgm:styleLbl name="dkBgShp">
+    <dgm:scene3d>
+      <a:camera prst="orthographicFront"/>
+      <a:lightRig rig="threePt" dir="t"/>
+    </dgm:scene3d>
+    <dgm:sp3d/>
+    <dgm:txPr/>
+    <dgm:style>
+      <a:lnRef idx="0">
+        <a:scrgbClr r="0" g="0" b="0"/>
+      </a:lnRef>
+      <a:fillRef idx="1">
+        <a:scrgbClr r="0" g="0" b="0"/>
+      </a:fillRef>
+      <a:effectRef idx="0">
+        <a:scrgbClr r="0" g="0" b="0"/>
+      </a:effectRef>
+      <a:fontRef idx="minor"/>
+    </dgm:style>
+  </dgm:styleLbl>
+  <dgm:styleLbl name="trBgShp">
+    <dgm:scene3d>
+      <a:camera prst="orthographicFront"/>
+      <a:lightRig rig="threePt" dir="t"/>
+    </dgm:scene3d>
+    <dgm:sp3d/>
+    <dgm:txPr/>
+    <dgm:style>
+      <a:lnRef idx="0">
+        <a:scrgbClr r="0" g="0" b="0"/>
+      </a:lnRef>
+      <a:fillRef idx="1">
+        <a:scrgbClr r="0" g="0" b="0"/>
+      </a:fillRef>
+      <a:effectRef idx="0">
+        <a:scrgbClr r="0" g="0" b="0"/>
+      </a:effectRef>
+      <a:fontRef idx="minor"/>
+    </dgm:style>
+  </dgm:styleLbl>
+  <dgm:styleLbl name="fgShp">
+    <dgm:scene3d>
+      <a:camera prst="orthographicFront"/>
+      <a:lightRig rig="threePt" dir="t"/>
+    </dgm:scene3d>
+    <dgm:sp3d/>
+    <dgm:txPr/>
+    <dgm:style>
+      <a:lnRef idx="2">
+        <a:scrgbClr r="0" g="0" b="0"/>
+      </a:lnRef>
+      <a:fillRef idx="1">
+        <a:scrgbClr r="0" g="0" b="0"/>
+      </a:fillRef>
+      <a:effectRef idx="0">
+        <a:scrgbClr r="0" g="0" b="0"/>
+      </a:effectRef>
+      <a:fontRef idx="minor"/>
+    </dgm:style>
+  </dgm:styleLbl>
+  <dgm:styleLbl name="revTx">
+    <dgm:scene3d>
+      <a:camera prst="orthographicFront"/>
+      <a:lightRig rig="threePt" dir="t"/>
+    </dgm:scene3d>
+    <dgm:sp3d/>
+    <dgm:txPr/>
+    <dgm:style>
+      <a:lnRef idx="0">
+        <a:scrgbClr r="0" g="0" b="0"/>
+      </a:lnRef>
+      <a:fillRef idx="0">
+        <a:scrgbClr r="0" g="0" b="0"/>
+      </a:fillRef>
+      <a:effectRef idx="0">
+        <a:scrgbClr r="0" g="0" b="0"/>
+      </a:effectRef>
+      <a:fontRef idx="minor"/>
+    </dgm:style>
+  </dgm:styleLbl>
+</dgm:styleDef>
 </file>
 
 <file path=ppt/slideLayouts/slideLayout1.xml><?xml version="1.0" encoding="utf-8"?>
@@ -296,7 +6862,7 @@
           <a:p>
             <a:fld id="{B511EEBD-DB93-4DB6-9ADA-68547254FD74}" type="datetimeFigureOut">
               <a:rPr lang="fr-FR" smtClean="0"/>
-              <a:t>14/11/2014</a:t>
+              <a:t>16/11/2014</a:t>
             </a:fld>
             <a:endParaRPr lang="fr-FR"/>
           </a:p>
@@ -466,7 +7032,7 @@
           <a:p>
             <a:fld id="{B511EEBD-DB93-4DB6-9ADA-68547254FD74}" type="datetimeFigureOut">
               <a:rPr lang="fr-FR" smtClean="0"/>
-              <a:t>14/11/2014</a:t>
+              <a:t>16/11/2014</a:t>
             </a:fld>
             <a:endParaRPr lang="fr-FR"/>
           </a:p>
@@ -646,7 +7212,7 @@
           <a:p>
             <a:fld id="{B511EEBD-DB93-4DB6-9ADA-68547254FD74}" type="datetimeFigureOut">
               <a:rPr lang="fr-FR" smtClean="0"/>
-              <a:t>14/11/2014</a:t>
+              <a:t>16/11/2014</a:t>
             </a:fld>
             <a:endParaRPr lang="fr-FR"/>
           </a:p>
@@ -816,7 +7382,7 @@
           <a:p>
             <a:fld id="{B511EEBD-DB93-4DB6-9ADA-68547254FD74}" type="datetimeFigureOut">
               <a:rPr lang="fr-FR" smtClean="0"/>
-              <a:t>14/11/2014</a:t>
+              <a:t>16/11/2014</a:t>
             </a:fld>
             <a:endParaRPr lang="fr-FR"/>
           </a:p>
@@ -1062,7 +7628,7 @@
           <a:p>
             <a:fld id="{B511EEBD-DB93-4DB6-9ADA-68547254FD74}" type="datetimeFigureOut">
               <a:rPr lang="fr-FR" smtClean="0"/>
-              <a:t>14/11/2014</a:t>
+              <a:t>16/11/2014</a:t>
             </a:fld>
             <a:endParaRPr lang="fr-FR"/>
           </a:p>
@@ -1350,7 +7916,7 @@
           <a:p>
             <a:fld id="{B511EEBD-DB93-4DB6-9ADA-68547254FD74}" type="datetimeFigureOut">
               <a:rPr lang="fr-FR" smtClean="0"/>
-              <a:t>14/11/2014</a:t>
+              <a:t>16/11/2014</a:t>
             </a:fld>
             <a:endParaRPr lang="fr-FR"/>
           </a:p>
@@ -1772,7 +8338,7 @@
           <a:p>
             <a:fld id="{B511EEBD-DB93-4DB6-9ADA-68547254FD74}" type="datetimeFigureOut">
               <a:rPr lang="fr-FR" smtClean="0"/>
-              <a:t>14/11/2014</a:t>
+              <a:t>16/11/2014</a:t>
             </a:fld>
             <a:endParaRPr lang="fr-FR"/>
           </a:p>
@@ -1890,7 +8456,7 @@
           <a:p>
             <a:fld id="{B511EEBD-DB93-4DB6-9ADA-68547254FD74}" type="datetimeFigureOut">
               <a:rPr lang="fr-FR" smtClean="0"/>
-              <a:t>14/11/2014</a:t>
+              <a:t>16/11/2014</a:t>
             </a:fld>
             <a:endParaRPr lang="fr-FR"/>
           </a:p>
@@ -1985,7 +8551,7 @@
           <a:p>
             <a:fld id="{B511EEBD-DB93-4DB6-9ADA-68547254FD74}" type="datetimeFigureOut">
               <a:rPr lang="fr-FR" smtClean="0"/>
-              <a:t>14/11/2014</a:t>
+              <a:t>16/11/2014</a:t>
             </a:fld>
             <a:endParaRPr lang="fr-FR"/>
           </a:p>
@@ -2262,7 +8828,7 @@
           <a:p>
             <a:fld id="{B511EEBD-DB93-4DB6-9ADA-68547254FD74}" type="datetimeFigureOut">
               <a:rPr lang="fr-FR" smtClean="0"/>
-              <a:t>14/11/2014</a:t>
+              <a:t>16/11/2014</a:t>
             </a:fld>
             <a:endParaRPr lang="fr-FR"/>
           </a:p>
@@ -2515,7 +9081,7 @@
           <a:p>
             <a:fld id="{B511EEBD-DB93-4DB6-9ADA-68547254FD74}" type="datetimeFigureOut">
               <a:rPr lang="fr-FR" smtClean="0"/>
-              <a:t>14/11/2014</a:t>
+              <a:t>16/11/2014</a:t>
             </a:fld>
             <a:endParaRPr lang="fr-FR"/>
           </a:p>
@@ -2728,7 +9294,7 @@
           <a:p>
             <a:fld id="{B511EEBD-DB93-4DB6-9ADA-68547254FD74}" type="datetimeFigureOut">
               <a:rPr lang="fr-FR" smtClean="0"/>
-              <a:t>14/11/2014</a:t>
+              <a:t>16/11/2014</a:t>
             </a:fld>
             <a:endParaRPr lang="fr-FR"/>
           </a:p>
@@ -3149,6 +9715,110 @@
     <p:extLst>
       <p:ext uri="{BB962C8B-B14F-4D97-AF65-F5344CB8AC3E}">
         <p14:creationId xmlns:p14="http://schemas.microsoft.com/office/powerpoint/2010/main" val="1123632165"/>
+      </p:ext>
+    </p:extLst>
+  </p:cSld>
+  <p:clrMapOvr>
+    <a:masterClrMapping/>
+  </p:clrMapOvr>
+</p:sld>
+</file>
+
+<file path=ppt/slides/slide10.xml><?xml version="1.0" encoding="utf-8"?>
+<p:sld xmlns:a="http://schemas.openxmlformats.org/drawingml/2006/main" xmlns:r="http://schemas.openxmlformats.org/officeDocument/2006/relationships" xmlns:p="http://schemas.openxmlformats.org/presentationml/2006/main">
+  <p:cSld>
+    <p:spTree>
+      <p:nvGrpSpPr>
+        <p:cNvPr id="1" name=""/>
+        <p:cNvGrpSpPr/>
+        <p:nvPr/>
+      </p:nvGrpSpPr>
+      <p:grpSpPr>
+        <a:xfrm>
+          <a:off x="0" y="0"/>
+          <a:ext cx="0" cy="0"/>
+          <a:chOff x="0" y="0"/>
+          <a:chExt cx="0" cy="0"/>
+        </a:xfrm>
+      </p:grpSpPr>
+      <p:graphicFrame>
+        <p:nvGraphicFramePr>
+          <p:cNvPr id="2" name="Diagramme 1"/>
+          <p:cNvGraphicFramePr/>
+          <p:nvPr>
+            <p:extLst>
+              <p:ext uri="{D42A27DB-BD31-4B8C-83A1-F6EECF244321}">
+                <p14:modId xmlns:p14="http://schemas.microsoft.com/office/powerpoint/2010/main" val="95035397"/>
+              </p:ext>
+            </p:extLst>
+          </p:nvPr>
+        </p:nvGraphicFramePr>
+        <p:xfrm>
+          <a:off x="1524000" y="1397000"/>
+          <a:ext cx="6096000" cy="4064000"/>
+        </p:xfrm>
+        <a:graphic>
+          <a:graphicData uri="http://schemas.openxmlformats.org/drawingml/2006/diagram">
+            <dgm:relIds xmlns:dgm="http://schemas.openxmlformats.org/drawingml/2006/diagram" xmlns:r="http://schemas.openxmlformats.org/officeDocument/2006/relationships" r:dm="rId2" r:lo="rId3" r:qs="rId4" r:cs="rId5"/>
+          </a:graphicData>
+        </a:graphic>
+      </p:graphicFrame>
+    </p:spTree>
+    <p:extLst>
+      <p:ext uri="{BB962C8B-B14F-4D97-AF65-F5344CB8AC3E}">
+        <p14:creationId xmlns:p14="http://schemas.microsoft.com/office/powerpoint/2010/main" val="1516703035"/>
+      </p:ext>
+    </p:extLst>
+  </p:cSld>
+  <p:clrMapOvr>
+    <a:masterClrMapping/>
+  </p:clrMapOvr>
+</p:sld>
+</file>
+
+<file path=ppt/slides/slide11.xml><?xml version="1.0" encoding="utf-8"?>
+<p:sld xmlns:a="http://schemas.openxmlformats.org/drawingml/2006/main" xmlns:r="http://schemas.openxmlformats.org/officeDocument/2006/relationships" xmlns:p="http://schemas.openxmlformats.org/presentationml/2006/main">
+  <p:cSld>
+    <p:spTree>
+      <p:nvGrpSpPr>
+        <p:cNvPr id="1" name=""/>
+        <p:cNvGrpSpPr/>
+        <p:nvPr/>
+      </p:nvGrpSpPr>
+      <p:grpSpPr>
+        <a:xfrm>
+          <a:off x="0" y="0"/>
+          <a:ext cx="0" cy="0"/>
+          <a:chOff x="0" y="0"/>
+          <a:chExt cx="0" cy="0"/>
+        </a:xfrm>
+      </p:grpSpPr>
+      <p:graphicFrame>
+        <p:nvGraphicFramePr>
+          <p:cNvPr id="3" name="Diagramme 2"/>
+          <p:cNvGraphicFramePr/>
+          <p:nvPr>
+            <p:extLst>
+              <p:ext uri="{D42A27DB-BD31-4B8C-83A1-F6EECF244321}">
+                <p14:modId xmlns:p14="http://schemas.microsoft.com/office/powerpoint/2010/main" val="825770790"/>
+              </p:ext>
+            </p:extLst>
+          </p:nvPr>
+        </p:nvGraphicFramePr>
+        <p:xfrm>
+          <a:off x="251520" y="980728"/>
+          <a:ext cx="8532440" cy="4064000"/>
+        </p:xfrm>
+        <a:graphic>
+          <a:graphicData uri="http://schemas.openxmlformats.org/drawingml/2006/diagram">
+            <dgm:relIds xmlns:dgm="http://schemas.openxmlformats.org/drawingml/2006/diagram" xmlns:r="http://schemas.openxmlformats.org/officeDocument/2006/relationships" r:dm="rId2" r:lo="rId3" r:qs="rId4" r:cs="rId5"/>
+          </a:graphicData>
+        </a:graphic>
+      </p:graphicFrame>
+    </p:spTree>
+    <p:extLst>
+      <p:ext uri="{BB962C8B-B14F-4D97-AF65-F5344CB8AC3E}">
+        <p14:creationId xmlns:p14="http://schemas.microsoft.com/office/powerpoint/2010/main" val="230987548"/>
       </p:ext>
     </p:extLst>
   </p:cSld>

--- a/cours/ensg-asi-2014/src/raws/img_gen.pptx
+++ b/cours/ensg-asi-2014/src/raws/img_gen.pptx
@@ -21,6 +21,7 @@
     <p:sldId id="269" r:id="rId15"/>
     <p:sldId id="270" r:id="rId16"/>
     <p:sldId id="271" r:id="rId17"/>
+    <p:sldId id="272" r:id="rId18"/>
   </p:sldIdLst>
   <p:sldSz cx="9144000" cy="6858000" type="screen4x3"/>
   <p:notesSz cx="6858000" cy="9144000"/>
@@ -7135,19 +7136,19 @@
     </dgm:pt>
   </dgm:ptLst>
   <dgm:cxnLst>
+    <dgm:cxn modelId="{2AE9C35E-3273-4DAA-A6D8-BCD8A78582CC}" srcId="{B18DC067-9F63-424D-8553-3F76E8EF746A}" destId="{B83A7A2C-093C-4CF0-807B-ABB5179346D3}" srcOrd="0" destOrd="0" parTransId="{0A238EC3-2DD4-4C33-8D8A-4F342F670016}" sibTransId="{96F93F9C-FD31-45EF-B7C3-C2D2BF2EB185}"/>
+    <dgm:cxn modelId="{5FF50579-AABA-49BA-AC98-F016508A8440}" type="presOf" srcId="{6B41AD1D-A3FB-4AF2-9542-37F0A7BD4393}" destId="{6EC877B3-C26C-4423-9711-F7172DDEE7FB}" srcOrd="0" destOrd="0" presId="urn:microsoft.com/office/officeart/2005/8/layout/hierarchy4"/>
     <dgm:cxn modelId="{A019861F-C4F5-44F6-8D98-F6DC604DE51B}" srcId="{B83A7A2C-093C-4CF0-807B-ABB5179346D3}" destId="{03863854-F35C-4D1C-A662-F080B785E8F9}" srcOrd="0" destOrd="0" parTransId="{932F43F2-A616-4B60-83AC-B1718E87CFD9}" sibTransId="{EB8E4B3E-AF28-431E-BFA0-0F3614E59D3C}"/>
+    <dgm:cxn modelId="{C8F7CBE1-E3E1-4A23-9C6B-1BF17F63877F}" type="presOf" srcId="{7F8A0140-C8B6-4AF1-B926-86169866F043}" destId="{891DC49C-520D-4C3E-89C0-519A4BB70127}" srcOrd="0" destOrd="0" presId="urn:microsoft.com/office/officeart/2005/8/layout/hierarchy4"/>
     <dgm:cxn modelId="{7A5C532F-061D-4A63-98AA-9A8B5E1E978D}" type="presOf" srcId="{B18DC067-9F63-424D-8553-3F76E8EF746A}" destId="{9E3AE8A1-37D1-4C62-8A72-E09AF00023AA}" srcOrd="0" destOrd="0" presId="urn:microsoft.com/office/officeart/2005/8/layout/hierarchy4"/>
+    <dgm:cxn modelId="{A9D632EB-6B36-4226-B1AB-959A59699BA3}" type="presOf" srcId="{F8178CC8-7586-44D5-B9F2-3C912B808393}" destId="{A71E157E-2E6A-46C1-B68C-6F32834BC1CE}" srcOrd="0" destOrd="0" presId="urn:microsoft.com/office/officeart/2005/8/layout/hierarchy4"/>
+    <dgm:cxn modelId="{B78EBCEE-F2DD-4A50-BFE5-503906CA8023}" type="presOf" srcId="{B83A7A2C-093C-4CF0-807B-ABB5179346D3}" destId="{6D4C26C8-B30D-4B10-9C88-1544645608C8}" srcOrd="0" destOrd="0" presId="urn:microsoft.com/office/officeart/2005/8/layout/hierarchy4"/>
+    <dgm:cxn modelId="{4965CC9A-FAFC-4391-9A75-6DEC81152D35}" type="presOf" srcId="{03863854-F35C-4D1C-A662-F080B785E8F9}" destId="{DA053704-99ED-4498-9AFE-B6BAE31C7D40}" srcOrd="0" destOrd="0" presId="urn:microsoft.com/office/officeart/2005/8/layout/hierarchy4"/>
+    <dgm:cxn modelId="{3F1DA067-5EED-4438-BC3B-96BADE785FB9}" srcId="{B83A7A2C-093C-4CF0-807B-ABB5179346D3}" destId="{F8178CC8-7586-44D5-B9F2-3C912B808393}" srcOrd="1" destOrd="0" parTransId="{778BF30C-E051-4C74-ACA0-5B9074BCA9B6}" sibTransId="{14B53E76-3A99-4198-AB6A-BB47496C8EE8}"/>
+    <dgm:cxn modelId="{8EE64356-BFFC-4F96-86BB-F4B6C49B860E}" type="presOf" srcId="{3EF2CB08-D40A-4E40-B185-EC5E32528E39}" destId="{67CC1F6E-23F5-4B14-84CE-AE1BBE1F85C1}" srcOrd="0" destOrd="0" presId="urn:microsoft.com/office/officeart/2005/8/layout/hierarchy4"/>
     <dgm:cxn modelId="{1728D6AA-DD2B-4F89-986D-C47505562D40}" srcId="{F8178CC8-7586-44D5-B9F2-3C912B808393}" destId="{3EF2CB08-D40A-4E40-B185-EC5E32528E39}" srcOrd="0" destOrd="0" parTransId="{CC844EF2-C259-4960-9150-3C9C18DC4BC8}" sibTransId="{3997AEA7-41FA-429E-909C-A83852D361B3}"/>
     <dgm:cxn modelId="{6E5703AE-2C34-4856-95BA-871F4518A263}" srcId="{03863854-F35C-4D1C-A662-F080B785E8F9}" destId="{6B41AD1D-A3FB-4AF2-9542-37F0A7BD4393}" srcOrd="0" destOrd="0" parTransId="{F6A2ED43-EF8C-46E7-BC68-B6BB9508EC13}" sibTransId="{9A01A00B-BC54-497C-96C1-5BA53BA1FBDC}"/>
     <dgm:cxn modelId="{F05038E6-EE3C-439B-B513-F7D55288AB4F}" srcId="{03863854-F35C-4D1C-A662-F080B785E8F9}" destId="{7F8A0140-C8B6-4AF1-B926-86169866F043}" srcOrd="1" destOrd="0" parTransId="{275EF790-B38B-4A02-BCFA-DCA3E0549F40}" sibTransId="{A66D89F2-F3A9-4E5D-9CDF-2BBA30490511}"/>
-    <dgm:cxn modelId="{C8F7CBE1-E3E1-4A23-9C6B-1BF17F63877F}" type="presOf" srcId="{7F8A0140-C8B6-4AF1-B926-86169866F043}" destId="{891DC49C-520D-4C3E-89C0-519A4BB70127}" srcOrd="0" destOrd="0" presId="urn:microsoft.com/office/officeart/2005/8/layout/hierarchy4"/>
-    <dgm:cxn modelId="{A9D632EB-6B36-4226-B1AB-959A59699BA3}" type="presOf" srcId="{F8178CC8-7586-44D5-B9F2-3C912B808393}" destId="{A71E157E-2E6A-46C1-B68C-6F32834BC1CE}" srcOrd="0" destOrd="0" presId="urn:microsoft.com/office/officeart/2005/8/layout/hierarchy4"/>
-    <dgm:cxn modelId="{5FF50579-AABA-49BA-AC98-F016508A8440}" type="presOf" srcId="{6B41AD1D-A3FB-4AF2-9542-37F0A7BD4393}" destId="{6EC877B3-C26C-4423-9711-F7172DDEE7FB}" srcOrd="0" destOrd="0" presId="urn:microsoft.com/office/officeart/2005/8/layout/hierarchy4"/>
-    <dgm:cxn modelId="{8EE64356-BFFC-4F96-86BB-F4B6C49B860E}" type="presOf" srcId="{3EF2CB08-D40A-4E40-B185-EC5E32528E39}" destId="{67CC1F6E-23F5-4B14-84CE-AE1BBE1F85C1}" srcOrd="0" destOrd="0" presId="urn:microsoft.com/office/officeart/2005/8/layout/hierarchy4"/>
-    <dgm:cxn modelId="{4965CC9A-FAFC-4391-9A75-6DEC81152D35}" type="presOf" srcId="{03863854-F35C-4D1C-A662-F080B785E8F9}" destId="{DA053704-99ED-4498-9AFE-B6BAE31C7D40}" srcOrd="0" destOrd="0" presId="urn:microsoft.com/office/officeart/2005/8/layout/hierarchy4"/>
-    <dgm:cxn modelId="{3F1DA067-5EED-4438-BC3B-96BADE785FB9}" srcId="{B83A7A2C-093C-4CF0-807B-ABB5179346D3}" destId="{F8178CC8-7586-44D5-B9F2-3C912B808393}" srcOrd="1" destOrd="0" parTransId="{778BF30C-E051-4C74-ACA0-5B9074BCA9B6}" sibTransId="{14B53E76-3A99-4198-AB6A-BB47496C8EE8}"/>
-    <dgm:cxn modelId="{B78EBCEE-F2DD-4A50-BFE5-503906CA8023}" type="presOf" srcId="{B83A7A2C-093C-4CF0-807B-ABB5179346D3}" destId="{6D4C26C8-B30D-4B10-9C88-1544645608C8}" srcOrd="0" destOrd="0" presId="urn:microsoft.com/office/officeart/2005/8/layout/hierarchy4"/>
-    <dgm:cxn modelId="{2AE9C35E-3273-4DAA-A6D8-BCD8A78582CC}" srcId="{B18DC067-9F63-424D-8553-3F76E8EF746A}" destId="{B83A7A2C-093C-4CF0-807B-ABB5179346D3}" srcOrd="0" destOrd="0" parTransId="{0A238EC3-2DD4-4C33-8D8A-4F342F670016}" sibTransId="{96F93F9C-FD31-45EF-B7C3-C2D2BF2EB185}"/>
     <dgm:cxn modelId="{CD2EEC64-1857-4549-B595-A14F320D45C6}" type="presParOf" srcId="{9E3AE8A1-37D1-4C62-8A72-E09AF00023AA}" destId="{66078A0A-95E2-4CFC-A654-68790941C79A}" srcOrd="0" destOrd="0" presId="urn:microsoft.com/office/officeart/2005/8/layout/hierarchy4"/>
     <dgm:cxn modelId="{53997919-5DDD-4F3E-9FCD-C6DB1BD7D0E8}" type="presParOf" srcId="{66078A0A-95E2-4CFC-A654-68790941C79A}" destId="{6D4C26C8-B30D-4B10-9C88-1544645608C8}" srcOrd="0" destOrd="0" presId="urn:microsoft.com/office/officeart/2005/8/layout/hierarchy4"/>
     <dgm:cxn modelId="{FD3ACD2C-2896-4302-874B-DBBEFB3FEE20}" type="presParOf" srcId="{66078A0A-95E2-4CFC-A654-68790941C79A}" destId="{1C9ACBB3-61DD-41E8-9F47-23213F6FB90B}" srcOrd="1" destOrd="0" presId="urn:microsoft.com/office/officeart/2005/8/layout/hierarchy4"/>
@@ -7542,15 +7543,15 @@
     </dgm:pt>
   </dgm:ptLst>
   <dgm:cxnLst>
+    <dgm:cxn modelId="{2AE9C35E-3273-4DAA-A6D8-BCD8A78582CC}" srcId="{B18DC067-9F63-424D-8553-3F76E8EF746A}" destId="{B83A7A2C-093C-4CF0-807B-ABB5179346D3}" srcOrd="0" destOrd="0" parTransId="{0A238EC3-2DD4-4C33-8D8A-4F342F670016}" sibTransId="{96F93F9C-FD31-45EF-B7C3-C2D2BF2EB185}"/>
+    <dgm:cxn modelId="{D3E50154-6BA3-484F-9D6B-EFBA69858E43}" type="presOf" srcId="{03863854-F35C-4D1C-A662-F080B785E8F9}" destId="{DA053704-99ED-4498-9AFE-B6BAE31C7D40}" srcOrd="0" destOrd="0" presId="urn:microsoft.com/office/officeart/2005/8/layout/hierarchy4"/>
+    <dgm:cxn modelId="{26C7A706-EFD5-4E2D-B81C-D65BFE31E7CC}" type="presOf" srcId="{F8178CC8-7586-44D5-B9F2-3C912B808393}" destId="{A71E157E-2E6A-46C1-B68C-6F32834BC1CE}" srcOrd="0" destOrd="0" presId="urn:microsoft.com/office/officeart/2005/8/layout/hierarchy4"/>
+    <dgm:cxn modelId="{A019861F-C4F5-44F6-8D98-F6DC604DE51B}" srcId="{B83A7A2C-093C-4CF0-807B-ABB5179346D3}" destId="{03863854-F35C-4D1C-A662-F080B785E8F9}" srcOrd="0" destOrd="0" parTransId="{932F43F2-A616-4B60-83AC-B1718E87CFD9}" sibTransId="{EB8E4B3E-AF28-431E-BFA0-0F3614E59D3C}"/>
     <dgm:cxn modelId="{5340FA8C-1E9A-4AFF-B76F-9CD33E14D70D}" srcId="{B83A7A2C-093C-4CF0-807B-ABB5179346D3}" destId="{A9E802D3-78E7-497F-8F6C-D445DA800F60}" srcOrd="2" destOrd="0" parTransId="{E8939A17-4564-4C87-AB5B-6B2B1656B080}" sibTransId="{D192A7F6-E9E8-4B7A-AF5C-BE03FC369DED}"/>
     <dgm:cxn modelId="{3F1DA067-5EED-4438-BC3B-96BADE785FB9}" srcId="{B83A7A2C-093C-4CF0-807B-ABB5179346D3}" destId="{F8178CC8-7586-44D5-B9F2-3C912B808393}" srcOrd="1" destOrd="0" parTransId="{778BF30C-E051-4C74-ACA0-5B9074BCA9B6}" sibTransId="{14B53E76-3A99-4198-AB6A-BB47496C8EE8}"/>
+    <dgm:cxn modelId="{4EF08A49-BBAC-4E83-A893-78B3EC18C50B}" type="presOf" srcId="{B83A7A2C-093C-4CF0-807B-ABB5179346D3}" destId="{6D4C26C8-B30D-4B10-9C88-1544645608C8}" srcOrd="0" destOrd="0" presId="urn:microsoft.com/office/officeart/2005/8/layout/hierarchy4"/>
     <dgm:cxn modelId="{704BF9DC-2907-4E1D-A021-FAB28AF47D48}" type="presOf" srcId="{B18DC067-9F63-424D-8553-3F76E8EF746A}" destId="{9E3AE8A1-37D1-4C62-8A72-E09AF00023AA}" srcOrd="0" destOrd="0" presId="urn:microsoft.com/office/officeart/2005/8/layout/hierarchy4"/>
-    <dgm:cxn modelId="{2AE9C35E-3273-4DAA-A6D8-BCD8A78582CC}" srcId="{B18DC067-9F63-424D-8553-3F76E8EF746A}" destId="{B83A7A2C-093C-4CF0-807B-ABB5179346D3}" srcOrd="0" destOrd="0" parTransId="{0A238EC3-2DD4-4C33-8D8A-4F342F670016}" sibTransId="{96F93F9C-FD31-45EF-B7C3-C2D2BF2EB185}"/>
     <dgm:cxn modelId="{86DB97D7-52E3-46FC-A8D4-A18D8ED2E076}" type="presOf" srcId="{A9E802D3-78E7-497F-8F6C-D445DA800F60}" destId="{7C7D4639-DA1F-4E5F-BB1A-E5F0BBAA04AB}" srcOrd="0" destOrd="0" presId="urn:microsoft.com/office/officeart/2005/8/layout/hierarchy4"/>
-    <dgm:cxn modelId="{D3E50154-6BA3-484F-9D6B-EFBA69858E43}" type="presOf" srcId="{03863854-F35C-4D1C-A662-F080B785E8F9}" destId="{DA053704-99ED-4498-9AFE-B6BAE31C7D40}" srcOrd="0" destOrd="0" presId="urn:microsoft.com/office/officeart/2005/8/layout/hierarchy4"/>
-    <dgm:cxn modelId="{4EF08A49-BBAC-4E83-A893-78B3EC18C50B}" type="presOf" srcId="{B83A7A2C-093C-4CF0-807B-ABB5179346D3}" destId="{6D4C26C8-B30D-4B10-9C88-1544645608C8}" srcOrd="0" destOrd="0" presId="urn:microsoft.com/office/officeart/2005/8/layout/hierarchy4"/>
-    <dgm:cxn modelId="{26C7A706-EFD5-4E2D-B81C-D65BFE31E7CC}" type="presOf" srcId="{F8178CC8-7586-44D5-B9F2-3C912B808393}" destId="{A71E157E-2E6A-46C1-B68C-6F32834BC1CE}" srcOrd="0" destOrd="0" presId="urn:microsoft.com/office/officeart/2005/8/layout/hierarchy4"/>
-    <dgm:cxn modelId="{A019861F-C4F5-44F6-8D98-F6DC604DE51B}" srcId="{B83A7A2C-093C-4CF0-807B-ABB5179346D3}" destId="{03863854-F35C-4D1C-A662-F080B785E8F9}" srcOrd="0" destOrd="0" parTransId="{932F43F2-A616-4B60-83AC-B1718E87CFD9}" sibTransId="{EB8E4B3E-AF28-431E-BFA0-0F3614E59D3C}"/>
     <dgm:cxn modelId="{34DDC6BA-AB30-4669-82D5-9D96F63F6894}" type="presParOf" srcId="{9E3AE8A1-37D1-4C62-8A72-E09AF00023AA}" destId="{66078A0A-95E2-4CFC-A654-68790941C79A}" srcOrd="0" destOrd="0" presId="urn:microsoft.com/office/officeart/2005/8/layout/hierarchy4"/>
     <dgm:cxn modelId="{FE6EA36A-7F50-4FEC-802E-9E7E14FD857B}" type="presParOf" srcId="{66078A0A-95E2-4CFC-A654-68790941C79A}" destId="{6D4C26C8-B30D-4B10-9C88-1544645608C8}" srcOrd="0" destOrd="0" presId="urn:microsoft.com/office/officeart/2005/8/layout/hierarchy4"/>
     <dgm:cxn modelId="{1F10D99B-BC40-458E-834C-238C2B527288}" type="presParOf" srcId="{66078A0A-95E2-4CFC-A654-68790941C79A}" destId="{1C9ACBB3-61DD-41E8-9F47-23213F6FB90B}" srcOrd="1" destOrd="0" presId="urn:microsoft.com/office/officeart/2005/8/layout/hierarchy4"/>
@@ -8094,19 +8095,19 @@
     </dgm:pt>
   </dgm:ptLst>
   <dgm:cxnLst>
+    <dgm:cxn modelId="{A019861F-C4F5-44F6-8D98-F6DC604DE51B}" srcId="{B83A7A2C-093C-4CF0-807B-ABB5179346D3}" destId="{03863854-F35C-4D1C-A662-F080B785E8F9}" srcOrd="0" destOrd="0" parTransId="{932F43F2-A616-4B60-83AC-B1718E87CFD9}" sibTransId="{EB8E4B3E-AF28-431E-BFA0-0F3614E59D3C}"/>
+    <dgm:cxn modelId="{4BDB184D-21C7-484A-B15C-011B0C655040}" srcId="{03863854-F35C-4D1C-A662-F080B785E8F9}" destId="{0CE5D43B-924E-4F93-B2F4-C36CFA52DA0D}" srcOrd="1" destOrd="0" parTransId="{47F9DBBE-F22E-4740-9E87-C5BE4906DE7C}" sibTransId="{66A0B46A-0BCD-4AFC-8834-082114CE4097}"/>
+    <dgm:cxn modelId="{BDB8FEB0-E692-47A5-816B-4630A3548941}" type="presOf" srcId="{533A1FF3-A7E7-4ADF-8BCA-6A2D4138BBEC}" destId="{35CCB740-5A45-43A3-ADCF-C0F53AECA88A}" srcOrd="0" destOrd="0" presId="urn:microsoft.com/office/officeart/2005/8/layout/architecture+Icon"/>
+    <dgm:cxn modelId="{CEBDA1ED-9963-4E33-93C4-99438BA9B556}" type="presOf" srcId="{F8178CC8-7586-44D5-B9F2-3C912B808393}" destId="{18DD8FA2-C839-49EC-ACCB-109796FA0281}" srcOrd="0" destOrd="0" presId="urn:microsoft.com/office/officeart/2005/8/layout/architecture+Icon"/>
+    <dgm:cxn modelId="{C5DE49A3-54C1-4F44-BBBC-6128857D6058}" type="presOf" srcId="{FE60BC2C-ACDF-4A21-B777-3704BDAF93F1}" destId="{DD7C41A9-2E4A-4D5E-BB5E-B5ECE88EEBD6}" srcOrd="0" destOrd="0" presId="urn:microsoft.com/office/officeart/2005/8/layout/architecture+Icon"/>
+    <dgm:cxn modelId="{8A090514-9CE7-4435-BA8A-0B8B009CCA70}" type="presOf" srcId="{B18DC067-9F63-424D-8553-3F76E8EF746A}" destId="{8AA6436F-3153-4D92-AE51-65A9E786216A}" srcOrd="0" destOrd="0" presId="urn:microsoft.com/office/officeart/2005/8/layout/architecture+Icon"/>
+    <dgm:cxn modelId="{79B756B3-AD8D-4704-A6FE-B09C5B5D4BF1}" type="presOf" srcId="{B83A7A2C-093C-4CF0-807B-ABB5179346D3}" destId="{4D640D6A-6E7A-4469-B741-CFE7F2FB08DB}" srcOrd="0" destOrd="0" presId="urn:microsoft.com/office/officeart/2005/8/layout/architecture+Icon"/>
+    <dgm:cxn modelId="{D598B296-89CC-41C0-9E87-F6D063334971}" type="presOf" srcId="{0CE5D43B-924E-4F93-B2F4-C36CFA52DA0D}" destId="{33BD29BD-90A9-41ED-AE87-202838B68EC4}" srcOrd="0" destOrd="0" presId="urn:microsoft.com/office/officeart/2005/8/layout/architecture+Icon"/>
+    <dgm:cxn modelId="{A4B7D22C-754C-4EFB-897C-4774434D42D5}" srcId="{F8178CC8-7586-44D5-B9F2-3C912B808393}" destId="{FE60BC2C-ACDF-4A21-B777-3704BDAF93F1}" srcOrd="0" destOrd="0" parTransId="{0A9F16FB-572F-4D7D-83B5-F91CB6162D03}" sibTransId="{EA5CFD38-043D-434C-B6FA-82141CA7D8B3}"/>
+    <dgm:cxn modelId="{A16BB8E8-5A62-49A9-AE25-31595CCD97D8}" type="presOf" srcId="{03863854-F35C-4D1C-A662-F080B785E8F9}" destId="{CC59C373-2F08-4536-B3F7-CC479FF541AF}" srcOrd="0" destOrd="0" presId="urn:microsoft.com/office/officeart/2005/8/layout/architecture+Icon"/>
+    <dgm:cxn modelId="{3F1DA067-5EED-4438-BC3B-96BADE785FB9}" srcId="{B83A7A2C-093C-4CF0-807B-ABB5179346D3}" destId="{F8178CC8-7586-44D5-B9F2-3C912B808393}" srcOrd="1" destOrd="0" parTransId="{778BF30C-E051-4C74-ACA0-5B9074BCA9B6}" sibTransId="{14B53E76-3A99-4198-AB6A-BB47496C8EE8}"/>
     <dgm:cxn modelId="{2AE9C35E-3273-4DAA-A6D8-BCD8A78582CC}" srcId="{B18DC067-9F63-424D-8553-3F76E8EF746A}" destId="{B83A7A2C-093C-4CF0-807B-ABB5179346D3}" srcOrd="0" destOrd="0" parTransId="{0A238EC3-2DD4-4C33-8D8A-4F342F670016}" sibTransId="{96F93F9C-FD31-45EF-B7C3-C2D2BF2EB185}"/>
-    <dgm:cxn modelId="{BDB8FEB0-E692-47A5-816B-4630A3548941}" type="presOf" srcId="{533A1FF3-A7E7-4ADF-8BCA-6A2D4138BBEC}" destId="{35CCB740-5A45-43A3-ADCF-C0F53AECA88A}" srcOrd="0" destOrd="0" presId="urn:microsoft.com/office/officeart/2005/8/layout/architecture+Icon"/>
-    <dgm:cxn modelId="{A16BB8E8-5A62-49A9-AE25-31595CCD97D8}" type="presOf" srcId="{03863854-F35C-4D1C-A662-F080B785E8F9}" destId="{CC59C373-2F08-4536-B3F7-CC479FF541AF}" srcOrd="0" destOrd="0" presId="urn:microsoft.com/office/officeart/2005/8/layout/architecture+Icon"/>
-    <dgm:cxn modelId="{4BDB184D-21C7-484A-B15C-011B0C655040}" srcId="{03863854-F35C-4D1C-A662-F080B785E8F9}" destId="{0CE5D43B-924E-4F93-B2F4-C36CFA52DA0D}" srcOrd="1" destOrd="0" parTransId="{47F9DBBE-F22E-4740-9E87-C5BE4906DE7C}" sibTransId="{66A0B46A-0BCD-4AFC-8834-082114CE4097}"/>
-    <dgm:cxn modelId="{3F1DA067-5EED-4438-BC3B-96BADE785FB9}" srcId="{B83A7A2C-093C-4CF0-807B-ABB5179346D3}" destId="{F8178CC8-7586-44D5-B9F2-3C912B808393}" srcOrd="1" destOrd="0" parTransId="{778BF30C-E051-4C74-ACA0-5B9074BCA9B6}" sibTransId="{14B53E76-3A99-4198-AB6A-BB47496C8EE8}"/>
-    <dgm:cxn modelId="{D598B296-89CC-41C0-9E87-F6D063334971}" type="presOf" srcId="{0CE5D43B-924E-4F93-B2F4-C36CFA52DA0D}" destId="{33BD29BD-90A9-41ED-AE87-202838B68EC4}" srcOrd="0" destOrd="0" presId="urn:microsoft.com/office/officeart/2005/8/layout/architecture+Icon"/>
-    <dgm:cxn modelId="{8A090514-9CE7-4435-BA8A-0B8B009CCA70}" type="presOf" srcId="{B18DC067-9F63-424D-8553-3F76E8EF746A}" destId="{8AA6436F-3153-4D92-AE51-65A9E786216A}" srcOrd="0" destOrd="0" presId="urn:microsoft.com/office/officeart/2005/8/layout/architecture+Icon"/>
-    <dgm:cxn modelId="{A019861F-C4F5-44F6-8D98-F6DC604DE51B}" srcId="{B83A7A2C-093C-4CF0-807B-ABB5179346D3}" destId="{03863854-F35C-4D1C-A662-F080B785E8F9}" srcOrd="0" destOrd="0" parTransId="{932F43F2-A616-4B60-83AC-B1718E87CFD9}" sibTransId="{EB8E4B3E-AF28-431E-BFA0-0F3614E59D3C}"/>
-    <dgm:cxn modelId="{A4B7D22C-754C-4EFB-897C-4774434D42D5}" srcId="{F8178CC8-7586-44D5-B9F2-3C912B808393}" destId="{FE60BC2C-ACDF-4A21-B777-3704BDAF93F1}" srcOrd="0" destOrd="0" parTransId="{0A9F16FB-572F-4D7D-83B5-F91CB6162D03}" sibTransId="{EA5CFD38-043D-434C-B6FA-82141CA7D8B3}"/>
-    <dgm:cxn modelId="{C5DE49A3-54C1-4F44-BBBC-6128857D6058}" type="presOf" srcId="{FE60BC2C-ACDF-4A21-B777-3704BDAF93F1}" destId="{DD7C41A9-2E4A-4D5E-BB5E-B5ECE88EEBD6}" srcOrd="0" destOrd="0" presId="urn:microsoft.com/office/officeart/2005/8/layout/architecture+Icon"/>
-    <dgm:cxn modelId="{79B756B3-AD8D-4704-A6FE-B09C5B5D4BF1}" type="presOf" srcId="{B83A7A2C-093C-4CF0-807B-ABB5179346D3}" destId="{4D640D6A-6E7A-4469-B741-CFE7F2FB08DB}" srcOrd="0" destOrd="0" presId="urn:microsoft.com/office/officeart/2005/8/layout/architecture+Icon"/>
     <dgm:cxn modelId="{27AB1436-B291-46B8-81A2-48C35AB8FF0A}" srcId="{03863854-F35C-4D1C-A662-F080B785E8F9}" destId="{533A1FF3-A7E7-4ADF-8BCA-6A2D4138BBEC}" srcOrd="0" destOrd="0" parTransId="{EB31E545-D574-46FA-B182-C4784ACB737F}" sibTransId="{22930ECE-989F-4B67-B185-CA53C81128EE}"/>
-    <dgm:cxn modelId="{CEBDA1ED-9963-4E33-93C4-99438BA9B556}" type="presOf" srcId="{F8178CC8-7586-44D5-B9F2-3C912B808393}" destId="{18DD8FA2-C839-49EC-ACCB-109796FA0281}" srcOrd="0" destOrd="0" presId="urn:microsoft.com/office/officeart/2005/8/layout/architecture+Icon"/>
     <dgm:cxn modelId="{081A95CF-3269-4138-9B3A-87E6C3405CEF}" type="presParOf" srcId="{8AA6436F-3153-4D92-AE51-65A9E786216A}" destId="{7870DEC9-9C8A-463B-8E27-B3D4EBBF5940}" srcOrd="0" destOrd="0" presId="urn:microsoft.com/office/officeart/2005/8/layout/architecture+Icon"/>
     <dgm:cxn modelId="{9B4E7C2B-3B41-4AC1-837B-CFAEB9941634}" type="presParOf" srcId="{7870DEC9-9C8A-463B-8E27-B3D4EBBF5940}" destId="{4D640D6A-6E7A-4469-B741-CFE7F2FB08DB}" srcOrd="0" destOrd="0" presId="urn:microsoft.com/office/officeart/2005/8/layout/architecture+Icon"/>
     <dgm:cxn modelId="{FDE2E3DE-4DE8-4E7C-8C75-9F1214CB3A2A}" type="presParOf" srcId="{7870DEC9-9C8A-463B-8E27-B3D4EBBF5940}" destId="{047602EB-9C50-483E-8AD3-834FE62DA816}" srcOrd="1" destOrd="0" presId="urn:microsoft.com/office/officeart/2005/8/layout/architecture+Icon"/>
@@ -9418,37 +9419,37 @@
     </dgm:pt>
   </dgm:ptLst>
   <dgm:cxnLst>
+    <dgm:cxn modelId="{A0CE20A9-36C0-4B26-815D-146C4A8ECA2B}" srcId="{4CEC63C6-FF8E-4AC6-8492-E846D10B8AE4}" destId="{A5D31EF9-DE03-4CED-A986-E256DD671DF5}" srcOrd="0" destOrd="0" parTransId="{BCD6904D-1D00-4EF3-B670-0F427E5810E0}" sibTransId="{903167E3-90C8-41C5-84C5-2E5A5D42A6FC}"/>
+    <dgm:cxn modelId="{3DC6D727-287E-4DAD-81DC-B96D224F14D2}" type="presOf" srcId="{DE45FF6A-02BE-4DBD-960A-EBF41434D832}" destId="{6461C92D-485D-43C3-8F45-18BA77B3D0A1}" srcOrd="0" destOrd="0" presId="urn:microsoft.com/office/officeart/2005/8/layout/architecture+Icon"/>
+    <dgm:cxn modelId="{1C7EFB57-68EF-4C53-9970-64DFE754BD72}" srcId="{793AA13C-4130-4D7E-88A1-EAD1668D1731}" destId="{88D96294-E886-45F5-830B-64863D6D8E7D}" srcOrd="0" destOrd="0" parTransId="{89D10763-C98A-4ABC-9FF3-68423C1ACE12}" sibTransId="{33227532-0AEB-4E74-8C84-A69807C79A9D}"/>
+    <dgm:cxn modelId="{2E086BFB-E357-4D55-A072-8C887E3AF875}" type="presOf" srcId="{C64A0489-94BF-42A5-95B6-3E11A5F88BCA}" destId="{C8DAD4FD-39BC-4BAE-953F-EBDC79C48CB3}" srcOrd="0" destOrd="0" presId="urn:microsoft.com/office/officeart/2005/8/layout/architecture+Icon"/>
+    <dgm:cxn modelId="{E0DFB5AE-84D3-4E82-BD50-59E0463B21FC}" type="presOf" srcId="{AB032CFF-0141-423C-BCC7-49E26744869B}" destId="{0F6251B7-B9B9-41E4-9D33-7E1322AFC0FC}" srcOrd="0" destOrd="0" presId="urn:microsoft.com/office/officeart/2005/8/layout/architecture+Icon"/>
+    <dgm:cxn modelId="{1027D71A-2008-4445-9175-988ADFD507C6}" type="presOf" srcId="{F63F6530-09F9-459F-B601-FC383A3BC997}" destId="{88768B6E-E3E6-46A6-A444-40AD01521686}" srcOrd="0" destOrd="0" presId="urn:microsoft.com/office/officeart/2005/8/layout/architecture+Icon"/>
+    <dgm:cxn modelId="{07BA7A6C-F25A-4B93-99AC-24E9244D00D8}" srcId="{DE45FF6A-02BE-4DBD-960A-EBF41434D832}" destId="{AB032CFF-0141-423C-BCC7-49E26744869B}" srcOrd="0" destOrd="0" parTransId="{F1EFCD37-9621-4274-BFB1-B27D068CC9B3}" sibTransId="{D2F860A9-5523-457F-B15A-AA740F86A5E3}"/>
+    <dgm:cxn modelId="{2D110CB6-EBBD-4833-9DE0-3B8BF6A54507}" srcId="{E9D4D835-E63B-48CE-A70B-28CD296D0120}" destId="{DE45FF6A-02BE-4DBD-960A-EBF41434D832}" srcOrd="2" destOrd="0" parTransId="{214A0DCD-1B1A-4F6F-8E86-46946946F267}" sibTransId="{0CC784DE-FD11-4D9F-B2EB-468699D00E67}"/>
+    <dgm:cxn modelId="{31A971A5-A56B-46D8-A91E-F139942957D7}" type="presOf" srcId="{A6BEF1BA-C141-4F89-B902-06B1257F0716}" destId="{2A6E3044-8CDF-49C1-92CC-57D3C5CB2DB6}" srcOrd="0" destOrd="0" presId="urn:microsoft.com/office/officeart/2005/8/layout/architecture+Icon"/>
     <dgm:cxn modelId="{3686AEAF-DC92-4566-9FF5-95881C776147}" type="presOf" srcId="{793AA13C-4130-4D7E-88A1-EAD1668D1731}" destId="{3A63A0DC-182E-4E75-9287-AC720D90D4F8}" srcOrd="0" destOrd="0" presId="urn:microsoft.com/office/officeart/2005/8/layout/architecture+Icon"/>
-    <dgm:cxn modelId="{31A971A5-A56B-46D8-A91E-F139942957D7}" type="presOf" srcId="{A6BEF1BA-C141-4F89-B902-06B1257F0716}" destId="{2A6E3044-8CDF-49C1-92CC-57D3C5CB2DB6}" srcOrd="0" destOrd="0" presId="urn:microsoft.com/office/officeart/2005/8/layout/architecture+Icon"/>
-    <dgm:cxn modelId="{2E086BFB-E357-4D55-A072-8C887E3AF875}" type="presOf" srcId="{C64A0489-94BF-42A5-95B6-3E11A5F88BCA}" destId="{C8DAD4FD-39BC-4BAE-953F-EBDC79C48CB3}" srcOrd="0" destOrd="0" presId="urn:microsoft.com/office/officeart/2005/8/layout/architecture+Icon"/>
+    <dgm:cxn modelId="{DAD04671-A447-4FC9-8D9A-6ABF09FD512F}" type="presOf" srcId="{A5D31EF9-DE03-4CED-A986-E256DD671DF5}" destId="{6478A964-31EB-445D-9D12-4A3451A86D3C}" srcOrd="0" destOrd="0" presId="urn:microsoft.com/office/officeart/2005/8/layout/architecture+Icon"/>
+    <dgm:cxn modelId="{AEBAB589-70AA-465A-924B-335BE2F4C09E}" srcId="{88D96294-E886-45F5-830B-64863D6D8E7D}" destId="{A6BEF1BA-C141-4F89-B902-06B1257F0716}" srcOrd="0" destOrd="0" parTransId="{F79191C1-8C20-46C1-8457-0D9A7BC78F1F}" sibTransId="{334B50B2-FA64-4C5A-B19F-18D387CBA274}"/>
+    <dgm:cxn modelId="{96F7DFDE-57B0-47BF-9508-C6C8ECF6E77D}" srcId="{E9D4D835-E63B-48CE-A70B-28CD296D0120}" destId="{793AA13C-4130-4D7E-88A1-EAD1668D1731}" srcOrd="0" destOrd="0" parTransId="{5625F234-AE12-46F9-A8A8-7B53280FCB82}" sibTransId="{422C85AE-05FB-4427-A74A-4757B23C7951}"/>
+    <dgm:cxn modelId="{DD77B619-4DE4-4886-8A68-D9243778C299}" type="presOf" srcId="{E9D4D835-E63B-48CE-A70B-28CD296D0120}" destId="{753C40B7-CE70-4C43-9890-A243E5AEF5E2}" srcOrd="0" destOrd="0" presId="urn:microsoft.com/office/officeart/2005/8/layout/architecture+Icon"/>
     <dgm:cxn modelId="{41744944-0E3B-41C5-AF40-0DBB63C01FD7}" srcId="{22D3F6DF-776F-40CF-A53E-C854F304DE60}" destId="{F63F6530-09F9-459F-B601-FC383A3BC997}" srcOrd="0" destOrd="0" parTransId="{09E36FE7-3560-4664-8FBC-99A67B95965F}" sibTransId="{59980989-7DBD-4E8D-A7C0-2507E6EC7329}"/>
+    <dgm:cxn modelId="{97C5E837-AA3B-438B-AFD8-DED4DE3AED88}" type="presOf" srcId="{4CEC63C6-FF8E-4AC6-8492-E846D10B8AE4}" destId="{DC2FBCEA-7694-4483-B807-34DEC332DF42}" srcOrd="0" destOrd="0" presId="urn:microsoft.com/office/officeart/2005/8/layout/architecture+Icon"/>
+    <dgm:cxn modelId="{49293975-AE88-4F64-AF71-769F4E3C0819}" srcId="{F63F6530-09F9-459F-B601-FC383A3BC997}" destId="{C64A0489-94BF-42A5-95B6-3E11A5F88BCA}" srcOrd="1" destOrd="0" parTransId="{12E7DF05-CB6A-4546-9015-75605E339A04}" sibTransId="{D7E9DD33-A0D1-46C5-B9A6-F9C82B49B363}"/>
     <dgm:cxn modelId="{0EC95D36-181D-4C1F-8064-1B1A1FD5F243}" type="presOf" srcId="{22D3F6DF-776F-40CF-A53E-C854F304DE60}" destId="{FFB483E8-350F-4DAD-8E10-77DB15C54B0F}" srcOrd="0" destOrd="0" presId="urn:microsoft.com/office/officeart/2005/8/layout/architecture+Icon"/>
-    <dgm:cxn modelId="{AEBAB589-70AA-465A-924B-335BE2F4C09E}" srcId="{88D96294-E886-45F5-830B-64863D6D8E7D}" destId="{A6BEF1BA-C141-4F89-B902-06B1257F0716}" srcOrd="0" destOrd="0" parTransId="{F79191C1-8C20-46C1-8457-0D9A7BC78F1F}" sibTransId="{334B50B2-FA64-4C5A-B19F-18D387CBA274}"/>
-    <dgm:cxn modelId="{3DC6D727-287E-4DAD-81DC-B96D224F14D2}" type="presOf" srcId="{DE45FF6A-02BE-4DBD-960A-EBF41434D832}" destId="{6461C92D-485D-43C3-8F45-18BA77B3D0A1}" srcOrd="0" destOrd="0" presId="urn:microsoft.com/office/officeart/2005/8/layout/architecture+Icon"/>
+    <dgm:cxn modelId="{60F54DB5-C03B-467F-B9B2-F21A19EC805C}" type="presOf" srcId="{750CC285-E108-4CA9-8FCD-972912E16797}" destId="{7196DF31-6366-497B-AA87-E553EC0F0266}" srcOrd="0" destOrd="0" presId="urn:microsoft.com/office/officeart/2005/8/layout/architecture+Icon"/>
+    <dgm:cxn modelId="{CF8274BA-3AD5-4A34-8A9A-1FA3216E24D6}" srcId="{F63F6530-09F9-459F-B601-FC383A3BC997}" destId="{21F68997-80C8-439E-B271-4A8B4F156602}" srcOrd="0" destOrd="0" parTransId="{73640D61-5306-4029-BC5F-3B540CE920C9}" sibTransId="{A0609183-30E5-41C3-AF7C-CCDB192AD5F2}"/>
+    <dgm:cxn modelId="{28C9D71C-B7D1-495F-B0A8-17B58A93511C}" srcId="{AB032CFF-0141-423C-BCC7-49E26744869B}" destId="{750CC285-E108-4CA9-8FCD-972912E16797}" srcOrd="0" destOrd="0" parTransId="{67219C64-87E4-44AB-956E-A7A7772D7866}" sibTransId="{B92A60A4-BB40-4B68-BCBF-B98A79B43BB1}"/>
+    <dgm:cxn modelId="{2E4195CB-B5E4-4C6F-9FA4-AD1C40CBACD8}" type="presOf" srcId="{ADEDD5E1-FBB6-44DC-8EE7-50A2D9EC5B44}" destId="{38AA97D6-BC05-4DF8-8307-3605CFBD985F}" srcOrd="0" destOrd="0" presId="urn:microsoft.com/office/officeart/2005/8/layout/architecture+Icon"/>
+    <dgm:cxn modelId="{3EFFF737-3F61-4A8E-906C-018EE8552932}" type="presOf" srcId="{7427E5FE-C05A-4A34-87CD-A785FFA8EEEA}" destId="{0BD06233-EC09-4F02-A27D-3AF5B69376FF}" srcOrd="0" destOrd="0" presId="urn:microsoft.com/office/officeart/2005/8/layout/architecture+Icon"/>
     <dgm:cxn modelId="{2884FFEC-A287-48FF-A044-370A7E9B84A2}" srcId="{ADEDD5E1-FBB6-44DC-8EE7-50A2D9EC5B44}" destId="{E9D4D835-E63B-48CE-A70B-28CD296D0120}" srcOrd="0" destOrd="0" parTransId="{BCE39EC0-7A71-47FD-AC7B-4547A2A3BE63}" sibTransId="{B09C6D66-545A-48F1-B9CB-B2B6F433B4D2}"/>
-    <dgm:cxn modelId="{97C5E837-AA3B-438B-AFD8-DED4DE3AED88}" type="presOf" srcId="{4CEC63C6-FF8E-4AC6-8492-E846D10B8AE4}" destId="{DC2FBCEA-7694-4483-B807-34DEC332DF42}" srcOrd="0" destOrd="0" presId="urn:microsoft.com/office/officeart/2005/8/layout/architecture+Icon"/>
-    <dgm:cxn modelId="{2D110CB6-EBBD-4833-9DE0-3B8BF6A54507}" srcId="{E9D4D835-E63B-48CE-A70B-28CD296D0120}" destId="{DE45FF6A-02BE-4DBD-960A-EBF41434D832}" srcOrd="2" destOrd="0" parTransId="{214A0DCD-1B1A-4F6F-8E86-46946946F267}" sibTransId="{0CC784DE-FD11-4D9F-B2EB-468699D00E67}"/>
-    <dgm:cxn modelId="{DAD04671-A447-4FC9-8D9A-6ABF09FD512F}" type="presOf" srcId="{A5D31EF9-DE03-4CED-A986-E256DD671DF5}" destId="{6478A964-31EB-445D-9D12-4A3451A86D3C}" srcOrd="0" destOrd="0" presId="urn:microsoft.com/office/officeart/2005/8/layout/architecture+Icon"/>
-    <dgm:cxn modelId="{96F7DFDE-57B0-47BF-9508-C6C8ECF6E77D}" srcId="{E9D4D835-E63B-48CE-A70B-28CD296D0120}" destId="{793AA13C-4130-4D7E-88A1-EAD1668D1731}" srcOrd="0" destOrd="0" parTransId="{5625F234-AE12-46F9-A8A8-7B53280FCB82}" sibTransId="{422C85AE-05FB-4427-A74A-4757B23C7951}"/>
-    <dgm:cxn modelId="{B683FF2A-CCD9-4554-930E-D00CA85F80C2}" type="presOf" srcId="{88D96294-E886-45F5-830B-64863D6D8E7D}" destId="{2A8D64FB-4E0D-4C37-B1CA-8AFFFCDA5E26}" srcOrd="0" destOrd="0" presId="urn:microsoft.com/office/officeart/2005/8/layout/architecture+Icon"/>
-    <dgm:cxn modelId="{1027D71A-2008-4445-9175-988ADFD507C6}" type="presOf" srcId="{F63F6530-09F9-459F-B601-FC383A3BC997}" destId="{88768B6E-E3E6-46A6-A444-40AD01521686}" srcOrd="0" destOrd="0" presId="urn:microsoft.com/office/officeart/2005/8/layout/architecture+Icon"/>
-    <dgm:cxn modelId="{234B9FBA-91A7-447A-B845-45898735717D}" srcId="{E9D4D835-E63B-48CE-A70B-28CD296D0120}" destId="{22D3F6DF-776F-40CF-A53E-C854F304DE60}" srcOrd="1" destOrd="0" parTransId="{4AD4F92A-D9E0-4AC8-A949-B05C93CF1A76}" sibTransId="{22A6E746-C36C-48DA-A0D5-AEE251550292}"/>
-    <dgm:cxn modelId="{49293975-AE88-4F64-AF71-769F4E3C0819}" srcId="{F63F6530-09F9-459F-B601-FC383A3BC997}" destId="{C64A0489-94BF-42A5-95B6-3E11A5F88BCA}" srcOrd="1" destOrd="0" parTransId="{12E7DF05-CB6A-4546-9015-75605E339A04}" sibTransId="{D7E9DD33-A0D1-46C5-B9A6-F9C82B49B363}"/>
-    <dgm:cxn modelId="{E0DFB5AE-84D3-4E82-BD50-59E0463B21FC}" type="presOf" srcId="{AB032CFF-0141-423C-BCC7-49E26744869B}" destId="{0F6251B7-B9B9-41E4-9D33-7E1322AFC0FC}" srcOrd="0" destOrd="0" presId="urn:microsoft.com/office/officeart/2005/8/layout/architecture+Icon"/>
-    <dgm:cxn modelId="{CF8274BA-3AD5-4A34-8A9A-1FA3216E24D6}" srcId="{F63F6530-09F9-459F-B601-FC383A3BC997}" destId="{21F68997-80C8-439E-B271-4A8B4F156602}" srcOrd="0" destOrd="0" parTransId="{73640D61-5306-4029-BC5F-3B540CE920C9}" sibTransId="{A0609183-30E5-41C3-AF7C-CCDB192AD5F2}"/>
-    <dgm:cxn modelId="{60F54DB5-C03B-467F-B9B2-F21A19EC805C}" type="presOf" srcId="{750CC285-E108-4CA9-8FCD-972912E16797}" destId="{7196DF31-6366-497B-AA87-E553EC0F0266}" srcOrd="0" destOrd="0" presId="urn:microsoft.com/office/officeart/2005/8/layout/architecture+Icon"/>
+    <dgm:cxn modelId="{264EE677-28FF-4817-8918-AAE42CE7FBCD}" srcId="{F63F6530-09F9-459F-B601-FC383A3BC997}" destId="{CCF84C63-FC6E-4769-AB69-B40498B6757B}" srcOrd="2" destOrd="0" parTransId="{4EACAE68-0030-4A6C-A76D-C6F2B3B4D452}" sibTransId="{9DF18AF0-EF86-4882-BDDB-9F9394D0B735}"/>
+    <dgm:cxn modelId="{AA906958-5200-4BD5-9EEE-28C4BC7889A9}" type="presOf" srcId="{CCF84C63-FC6E-4769-AB69-B40498B6757B}" destId="{A0B5AD7C-2DFA-4B34-8132-7DCFAE4E3006}" srcOrd="0" destOrd="0" presId="urn:microsoft.com/office/officeart/2005/8/layout/architecture+Icon"/>
     <dgm:cxn modelId="{08A75220-9F18-4384-85D6-3123D04CDC39}" type="presOf" srcId="{21F68997-80C8-439E-B271-4A8B4F156602}" destId="{7C85E38F-9729-4BF7-82D7-C837F3D2E167}" srcOrd="0" destOrd="0" presId="urn:microsoft.com/office/officeart/2005/8/layout/architecture+Icon"/>
-    <dgm:cxn modelId="{264EE677-28FF-4817-8918-AAE42CE7FBCD}" srcId="{F63F6530-09F9-459F-B601-FC383A3BC997}" destId="{CCF84C63-FC6E-4769-AB69-B40498B6757B}" srcOrd="2" destOrd="0" parTransId="{4EACAE68-0030-4A6C-A76D-C6F2B3B4D452}" sibTransId="{9DF18AF0-EF86-4882-BDDB-9F9394D0B735}"/>
-    <dgm:cxn modelId="{A0CE20A9-36C0-4B26-815D-146C4A8ECA2B}" srcId="{4CEC63C6-FF8E-4AC6-8492-E846D10B8AE4}" destId="{A5D31EF9-DE03-4CED-A986-E256DD671DF5}" srcOrd="0" destOrd="0" parTransId="{BCD6904D-1D00-4EF3-B670-0F427E5810E0}" sibTransId="{903167E3-90C8-41C5-84C5-2E5A5D42A6FC}"/>
-    <dgm:cxn modelId="{DD77B619-4DE4-4886-8A68-D9243778C299}" type="presOf" srcId="{E9D4D835-E63B-48CE-A70B-28CD296D0120}" destId="{753C40B7-CE70-4C43-9890-A243E5AEF5E2}" srcOrd="0" destOrd="0" presId="urn:microsoft.com/office/officeart/2005/8/layout/architecture+Icon"/>
-    <dgm:cxn modelId="{1C7EFB57-68EF-4C53-9970-64DFE754BD72}" srcId="{793AA13C-4130-4D7E-88A1-EAD1668D1731}" destId="{88D96294-E886-45F5-830B-64863D6D8E7D}" srcOrd="0" destOrd="0" parTransId="{89D10763-C98A-4ABC-9FF3-68423C1ACE12}" sibTransId="{33227532-0AEB-4E74-8C84-A69807C79A9D}"/>
-    <dgm:cxn modelId="{3EFFF737-3F61-4A8E-906C-018EE8552932}" type="presOf" srcId="{7427E5FE-C05A-4A34-87CD-A785FFA8EEEA}" destId="{0BD06233-EC09-4F02-A27D-3AF5B69376FF}" srcOrd="0" destOrd="0" presId="urn:microsoft.com/office/officeart/2005/8/layout/architecture+Icon"/>
-    <dgm:cxn modelId="{07BA7A6C-F25A-4B93-99AC-24E9244D00D8}" srcId="{DE45FF6A-02BE-4DBD-960A-EBF41434D832}" destId="{AB032CFF-0141-423C-BCC7-49E26744869B}" srcOrd="0" destOrd="0" parTransId="{F1EFCD37-9621-4274-BFB1-B27D068CC9B3}" sibTransId="{D2F860A9-5523-457F-B15A-AA740F86A5E3}"/>
-    <dgm:cxn modelId="{2E4195CB-B5E4-4C6F-9FA4-AD1C40CBACD8}" type="presOf" srcId="{ADEDD5E1-FBB6-44DC-8EE7-50A2D9EC5B44}" destId="{38AA97D6-BC05-4DF8-8307-3605CFBD985F}" srcOrd="0" destOrd="0" presId="urn:microsoft.com/office/officeart/2005/8/layout/architecture+Icon"/>
     <dgm:cxn modelId="{749666F8-469A-42FD-B091-FFC0FB6BE09D}" srcId="{88D96294-E886-45F5-830B-64863D6D8E7D}" destId="{7427E5FE-C05A-4A34-87CD-A785FFA8EEEA}" srcOrd="1" destOrd="0" parTransId="{2666876B-6F99-4B34-9595-F618547F348C}" sibTransId="{EB2E2764-D7D9-4F22-9EFA-F783D1AE9290}"/>
     <dgm:cxn modelId="{1DA935E1-9597-4922-952D-BD6587CADE37}" srcId="{A5D31EF9-DE03-4CED-A986-E256DD671DF5}" destId="{ADEDD5E1-FBB6-44DC-8EE7-50A2D9EC5B44}" srcOrd="0" destOrd="0" parTransId="{5FE16397-314F-4BDA-8C54-6D5E9155FA4F}" sibTransId="{27324762-80FD-4E6B-8988-0CB2FCD71104}"/>
-    <dgm:cxn modelId="{AA906958-5200-4BD5-9EEE-28C4BC7889A9}" type="presOf" srcId="{CCF84C63-FC6E-4769-AB69-B40498B6757B}" destId="{A0B5AD7C-2DFA-4B34-8132-7DCFAE4E3006}" srcOrd="0" destOrd="0" presId="urn:microsoft.com/office/officeart/2005/8/layout/architecture+Icon"/>
-    <dgm:cxn modelId="{28C9D71C-B7D1-495F-B0A8-17B58A93511C}" srcId="{AB032CFF-0141-423C-BCC7-49E26744869B}" destId="{750CC285-E108-4CA9-8FCD-972912E16797}" srcOrd="0" destOrd="0" parTransId="{67219C64-87E4-44AB-956E-A7A7772D7866}" sibTransId="{B92A60A4-BB40-4B68-BCBF-B98A79B43BB1}"/>
+    <dgm:cxn modelId="{B683FF2A-CCD9-4554-930E-D00CA85F80C2}" type="presOf" srcId="{88D96294-E886-45F5-830B-64863D6D8E7D}" destId="{2A8D64FB-4E0D-4C37-B1CA-8AFFFCDA5E26}" srcOrd="0" destOrd="0" presId="urn:microsoft.com/office/officeart/2005/8/layout/architecture+Icon"/>
+    <dgm:cxn modelId="{234B9FBA-91A7-447A-B845-45898735717D}" srcId="{E9D4D835-E63B-48CE-A70B-28CD296D0120}" destId="{22D3F6DF-776F-40CF-A53E-C854F304DE60}" srcOrd="1" destOrd="0" parTransId="{4AD4F92A-D9E0-4AC8-A949-B05C93CF1A76}" sibTransId="{22A6E746-C36C-48DA-A0D5-AEE251550292}"/>
     <dgm:cxn modelId="{0FBBBE2F-F94E-45F1-AF56-1B22A1AB7E7E}" type="presParOf" srcId="{DC2FBCEA-7694-4483-B807-34DEC332DF42}" destId="{A420027C-A16F-4A49-A152-EEFE388B5598}" srcOrd="0" destOrd="0" presId="urn:microsoft.com/office/officeart/2005/8/layout/architecture+Icon"/>
     <dgm:cxn modelId="{E1D88C69-D8A9-4ABB-AFB8-3EB4788B4052}" type="presParOf" srcId="{A420027C-A16F-4A49-A152-EEFE388B5598}" destId="{6478A964-31EB-445D-9D12-4A3451A86D3C}" srcOrd="0" destOrd="0" presId="urn:microsoft.com/office/officeart/2005/8/layout/architecture+Icon"/>
     <dgm:cxn modelId="{4A01A3A2-E460-4354-ABF0-189FA7A5B292}" type="presParOf" srcId="{A420027C-A16F-4A49-A152-EEFE388B5598}" destId="{ED267084-B835-4FC5-AA81-C608D52256D4}" srcOrd="1" destOrd="0" presId="urn:microsoft.com/office/officeart/2005/8/layout/architecture+Icon"/>
@@ -10193,23 +10194,23 @@
     </dgm:pt>
   </dgm:ptLst>
   <dgm:cxnLst>
-    <dgm:cxn modelId="{71B5766E-4C81-43A6-8379-085E41DAA064}" type="presOf" srcId="{88D96294-E886-45F5-830B-64863D6D8E7D}" destId="{2A8D64FB-4E0D-4C37-B1CA-8AFFFCDA5E26}" srcOrd="0" destOrd="0" presId="urn:microsoft.com/office/officeart/2005/8/layout/architecture+Icon"/>
     <dgm:cxn modelId="{2884FFEC-A287-48FF-A044-370A7E9B84A2}" srcId="{ADEDD5E1-FBB6-44DC-8EE7-50A2D9EC5B44}" destId="{E9D4D835-E63B-48CE-A70B-28CD296D0120}" srcOrd="0" destOrd="0" parTransId="{BCE39EC0-7A71-47FD-AC7B-4547A2A3BE63}" sibTransId="{B09C6D66-545A-48F1-B9CB-B2B6F433B4D2}"/>
-    <dgm:cxn modelId="{A0CE20A9-36C0-4B26-815D-146C4A8ECA2B}" srcId="{4CEC63C6-FF8E-4AC6-8492-E846D10B8AE4}" destId="{A5D31EF9-DE03-4CED-A986-E256DD671DF5}" srcOrd="0" destOrd="0" parTransId="{BCD6904D-1D00-4EF3-B670-0F427E5810E0}" sibTransId="{903167E3-90C8-41C5-84C5-2E5A5D42A6FC}"/>
-    <dgm:cxn modelId="{E2BE12F1-A8CD-4D41-9DE6-05B12E7AA6A6}" type="presOf" srcId="{ADEDD5E1-FBB6-44DC-8EE7-50A2D9EC5B44}" destId="{38AA97D6-BC05-4DF8-8307-3605CFBD985F}" srcOrd="0" destOrd="0" presId="urn:microsoft.com/office/officeart/2005/8/layout/architecture+Icon"/>
-    <dgm:cxn modelId="{1C7EFB57-68EF-4C53-9970-64DFE754BD72}" srcId="{793AA13C-4130-4D7E-88A1-EAD1668D1731}" destId="{88D96294-E886-45F5-830B-64863D6D8E7D}" srcOrd="0" destOrd="0" parTransId="{89D10763-C98A-4ABC-9FF3-68423C1ACE12}" sibTransId="{33227532-0AEB-4E74-8C84-A69807C79A9D}"/>
-    <dgm:cxn modelId="{EEFEF122-77E2-46F3-9FF9-659A8C751C7F}" type="presOf" srcId="{A6BEF1BA-C141-4F89-B902-06B1257F0716}" destId="{2A6E3044-8CDF-49C1-92CC-57D3C5CB2DB6}" srcOrd="0" destOrd="0" presId="urn:microsoft.com/office/officeart/2005/8/layout/architecture+Icon"/>
-    <dgm:cxn modelId="{CF8274BA-3AD5-4A34-8A9A-1FA3216E24D6}" srcId="{ADEDD5E1-FBB6-44DC-8EE7-50A2D9EC5B44}" destId="{21F68997-80C8-439E-B271-4A8B4F156602}" srcOrd="1" destOrd="0" parTransId="{73640D61-5306-4029-BC5F-3B540CE920C9}" sibTransId="{A0609183-30E5-41C3-AF7C-CCDB192AD5F2}"/>
-    <dgm:cxn modelId="{0D1D8E82-EF15-49F6-9FFE-81B6999A713A}" type="presOf" srcId="{4CEC63C6-FF8E-4AC6-8492-E846D10B8AE4}" destId="{DC2FBCEA-7694-4483-B807-34DEC332DF42}" srcOrd="0" destOrd="0" presId="urn:microsoft.com/office/officeart/2005/8/layout/architecture+Icon"/>
-    <dgm:cxn modelId="{23CF4669-1C43-4D17-AAB3-3125055169E8}" type="presOf" srcId="{21F68997-80C8-439E-B271-4A8B4F156602}" destId="{0FB3050D-B589-48BC-AE0A-AA5874B5FED8}" srcOrd="0" destOrd="0" presId="urn:microsoft.com/office/officeart/2005/8/layout/architecture+Icon"/>
-    <dgm:cxn modelId="{8155ABE8-EEC2-4DC5-AE39-D880D709BF1D}" type="presOf" srcId="{750CC285-E108-4CA9-8FCD-972912E16797}" destId="{81A0DC83-ECC3-4AAD-BDA9-27C929C4E2D3}" srcOrd="0" destOrd="0" presId="urn:microsoft.com/office/officeart/2005/8/layout/architecture+Icon"/>
     <dgm:cxn modelId="{1DA935E1-9597-4922-952D-BD6587CADE37}" srcId="{A5D31EF9-DE03-4CED-A986-E256DD671DF5}" destId="{ADEDD5E1-FBB6-44DC-8EE7-50A2D9EC5B44}" srcOrd="0" destOrd="0" parTransId="{5FE16397-314F-4BDA-8C54-6D5E9155FA4F}" sibTransId="{27324762-80FD-4E6B-8988-0CB2FCD71104}"/>
     <dgm:cxn modelId="{F6DFB6FC-6C0B-464A-89B1-E64D4F5A40FF}" type="presOf" srcId="{E9D4D835-E63B-48CE-A70B-28CD296D0120}" destId="{753C40B7-CE70-4C43-9890-A243E5AEF5E2}" srcOrd="0" destOrd="0" presId="urn:microsoft.com/office/officeart/2005/8/layout/architecture+Icon"/>
+    <dgm:cxn modelId="{96F7DFDE-57B0-47BF-9508-C6C8ECF6E77D}" srcId="{E9D4D835-E63B-48CE-A70B-28CD296D0120}" destId="{793AA13C-4130-4D7E-88A1-EAD1668D1731}" srcOrd="0" destOrd="0" parTransId="{5625F234-AE12-46F9-A8A8-7B53280FCB82}" sibTransId="{422C85AE-05FB-4427-A74A-4757B23C7951}"/>
+    <dgm:cxn modelId="{A0CE20A9-36C0-4B26-815D-146C4A8ECA2B}" srcId="{4CEC63C6-FF8E-4AC6-8492-E846D10B8AE4}" destId="{A5D31EF9-DE03-4CED-A986-E256DD671DF5}" srcOrd="0" destOrd="0" parTransId="{BCD6904D-1D00-4EF3-B670-0F427E5810E0}" sibTransId="{903167E3-90C8-41C5-84C5-2E5A5D42A6FC}"/>
+    <dgm:cxn modelId="{23CF4669-1C43-4D17-AAB3-3125055169E8}" type="presOf" srcId="{21F68997-80C8-439E-B271-4A8B4F156602}" destId="{0FB3050D-B589-48BC-AE0A-AA5874B5FED8}" srcOrd="0" destOrd="0" presId="urn:microsoft.com/office/officeart/2005/8/layout/architecture+Icon"/>
+    <dgm:cxn modelId="{E5B9BC76-E1C1-475C-BC49-6BA45924A1E0}" type="presOf" srcId="{793AA13C-4130-4D7E-88A1-EAD1668D1731}" destId="{3A63A0DC-182E-4E75-9287-AC720D90D4F8}" srcOrd="0" destOrd="0" presId="urn:microsoft.com/office/officeart/2005/8/layout/architecture+Icon"/>
+    <dgm:cxn modelId="{1C7EFB57-68EF-4C53-9970-64DFE754BD72}" srcId="{793AA13C-4130-4D7E-88A1-EAD1668D1731}" destId="{88D96294-E886-45F5-830B-64863D6D8E7D}" srcOrd="0" destOrd="0" parTransId="{89D10763-C98A-4ABC-9FF3-68423C1ACE12}" sibTransId="{33227532-0AEB-4E74-8C84-A69807C79A9D}"/>
+    <dgm:cxn modelId="{CF8274BA-3AD5-4A34-8A9A-1FA3216E24D6}" srcId="{ADEDD5E1-FBB6-44DC-8EE7-50A2D9EC5B44}" destId="{21F68997-80C8-439E-B271-4A8B4F156602}" srcOrd="1" destOrd="0" parTransId="{73640D61-5306-4029-BC5F-3B540CE920C9}" sibTransId="{A0609183-30E5-41C3-AF7C-CCDB192AD5F2}"/>
+    <dgm:cxn modelId="{CF8691D2-4D4B-4BC0-8339-59675406870D}" type="presOf" srcId="{A5D31EF9-DE03-4CED-A986-E256DD671DF5}" destId="{6478A964-31EB-445D-9D12-4A3451A86D3C}" srcOrd="0" destOrd="0" presId="urn:microsoft.com/office/officeart/2005/8/layout/architecture+Icon"/>
+    <dgm:cxn modelId="{AEBAB589-70AA-465A-924B-335BE2F4C09E}" srcId="{88D96294-E886-45F5-830B-64863D6D8E7D}" destId="{A6BEF1BA-C141-4F89-B902-06B1257F0716}" srcOrd="0" destOrd="0" parTransId="{F79191C1-8C20-46C1-8457-0D9A7BC78F1F}" sibTransId="{334B50B2-FA64-4C5A-B19F-18D387CBA274}"/>
+    <dgm:cxn modelId="{EEFEF122-77E2-46F3-9FF9-659A8C751C7F}" type="presOf" srcId="{A6BEF1BA-C141-4F89-B902-06B1257F0716}" destId="{2A6E3044-8CDF-49C1-92CC-57D3C5CB2DB6}" srcOrd="0" destOrd="0" presId="urn:microsoft.com/office/officeart/2005/8/layout/architecture+Icon"/>
+    <dgm:cxn modelId="{0D1D8E82-EF15-49F6-9FFE-81B6999A713A}" type="presOf" srcId="{4CEC63C6-FF8E-4AC6-8492-E846D10B8AE4}" destId="{DC2FBCEA-7694-4483-B807-34DEC332DF42}" srcOrd="0" destOrd="0" presId="urn:microsoft.com/office/officeart/2005/8/layout/architecture+Icon"/>
     <dgm:cxn modelId="{28C9D71C-B7D1-495F-B0A8-17B58A93511C}" srcId="{ADEDD5E1-FBB6-44DC-8EE7-50A2D9EC5B44}" destId="{750CC285-E108-4CA9-8FCD-972912E16797}" srcOrd="2" destOrd="0" parTransId="{67219C64-87E4-44AB-956E-A7A7772D7866}" sibTransId="{B92A60A4-BB40-4B68-BCBF-B98A79B43BB1}"/>
-    <dgm:cxn modelId="{E5B9BC76-E1C1-475C-BC49-6BA45924A1E0}" type="presOf" srcId="{793AA13C-4130-4D7E-88A1-EAD1668D1731}" destId="{3A63A0DC-182E-4E75-9287-AC720D90D4F8}" srcOrd="0" destOrd="0" presId="urn:microsoft.com/office/officeart/2005/8/layout/architecture+Icon"/>
-    <dgm:cxn modelId="{96F7DFDE-57B0-47BF-9508-C6C8ECF6E77D}" srcId="{E9D4D835-E63B-48CE-A70B-28CD296D0120}" destId="{793AA13C-4130-4D7E-88A1-EAD1668D1731}" srcOrd="0" destOrd="0" parTransId="{5625F234-AE12-46F9-A8A8-7B53280FCB82}" sibTransId="{422C85AE-05FB-4427-A74A-4757B23C7951}"/>
-    <dgm:cxn modelId="{AEBAB589-70AA-465A-924B-335BE2F4C09E}" srcId="{88D96294-E886-45F5-830B-64863D6D8E7D}" destId="{A6BEF1BA-C141-4F89-B902-06B1257F0716}" srcOrd="0" destOrd="0" parTransId="{F79191C1-8C20-46C1-8457-0D9A7BC78F1F}" sibTransId="{334B50B2-FA64-4C5A-B19F-18D387CBA274}"/>
-    <dgm:cxn modelId="{CF8691D2-4D4B-4BC0-8339-59675406870D}" type="presOf" srcId="{A5D31EF9-DE03-4CED-A986-E256DD671DF5}" destId="{6478A964-31EB-445D-9D12-4A3451A86D3C}" srcOrd="0" destOrd="0" presId="urn:microsoft.com/office/officeart/2005/8/layout/architecture+Icon"/>
+    <dgm:cxn modelId="{8155ABE8-EEC2-4DC5-AE39-D880D709BF1D}" type="presOf" srcId="{750CC285-E108-4CA9-8FCD-972912E16797}" destId="{81A0DC83-ECC3-4AAD-BDA9-27C929C4E2D3}" srcOrd="0" destOrd="0" presId="urn:microsoft.com/office/officeart/2005/8/layout/architecture+Icon"/>
+    <dgm:cxn modelId="{E2BE12F1-A8CD-4D41-9DE6-05B12E7AA6A6}" type="presOf" srcId="{ADEDD5E1-FBB6-44DC-8EE7-50A2D9EC5B44}" destId="{38AA97D6-BC05-4DF8-8307-3605CFBD985F}" srcOrd="0" destOrd="0" presId="urn:microsoft.com/office/officeart/2005/8/layout/architecture+Icon"/>
+    <dgm:cxn modelId="{71B5766E-4C81-43A6-8379-085E41DAA064}" type="presOf" srcId="{88D96294-E886-45F5-830B-64863D6D8E7D}" destId="{2A8D64FB-4E0D-4C37-B1CA-8AFFFCDA5E26}" srcOrd="0" destOrd="0" presId="urn:microsoft.com/office/officeart/2005/8/layout/architecture+Icon"/>
     <dgm:cxn modelId="{2BDC3684-90CC-4B90-A9CF-DC7C898F5D40}" type="presParOf" srcId="{DC2FBCEA-7694-4483-B807-34DEC332DF42}" destId="{A420027C-A16F-4A49-A152-EEFE388B5598}" srcOrd="0" destOrd="0" presId="urn:microsoft.com/office/officeart/2005/8/layout/architecture+Icon"/>
     <dgm:cxn modelId="{34A68FD2-EAA9-49FA-9945-6CC644669B5F}" type="presParOf" srcId="{A420027C-A16F-4A49-A152-EEFE388B5598}" destId="{6478A964-31EB-445D-9D12-4A3451A86D3C}" srcOrd="0" destOrd="0" presId="urn:microsoft.com/office/officeart/2005/8/layout/architecture+Icon"/>
     <dgm:cxn modelId="{289E68AA-877F-42CA-9CA2-8AF9597B5A59}" type="presParOf" srcId="{A420027C-A16F-4A49-A152-EEFE388B5598}" destId="{ED267084-B835-4FC5-AA81-C608D52256D4}" srcOrd="1" destOrd="0" presId="urn:microsoft.com/office/officeart/2005/8/layout/architecture+Icon"/>
@@ -11310,31 +11311,31 @@
     </dgm:pt>
   </dgm:ptLst>
   <dgm:cxnLst>
+    <dgm:cxn modelId="{B6E3476A-C6D3-4666-966E-402A813F9704}" type="presOf" srcId="{21F68997-80C8-439E-B271-4A8B4F156602}" destId="{7C85E38F-9729-4BF7-82D7-C837F3D2E167}" srcOrd="0" destOrd="0" presId="urn:microsoft.com/office/officeart/2005/8/layout/architecture+Icon"/>
+    <dgm:cxn modelId="{A0CE20A9-36C0-4B26-815D-146C4A8ECA2B}" srcId="{4CEC63C6-FF8E-4AC6-8492-E846D10B8AE4}" destId="{A5D31EF9-DE03-4CED-A986-E256DD671DF5}" srcOrd="0" destOrd="0" parTransId="{BCD6904D-1D00-4EF3-B670-0F427E5810E0}" sibTransId="{903167E3-90C8-41C5-84C5-2E5A5D42A6FC}"/>
+    <dgm:cxn modelId="{1C7EFB57-68EF-4C53-9970-64DFE754BD72}" srcId="{793AA13C-4130-4D7E-88A1-EAD1668D1731}" destId="{88D96294-E886-45F5-830B-64863D6D8E7D}" srcOrd="0" destOrd="0" parTransId="{89D10763-C98A-4ABC-9FF3-68423C1ACE12}" sibTransId="{33227532-0AEB-4E74-8C84-A69807C79A9D}"/>
+    <dgm:cxn modelId="{07BA7A6C-F25A-4B93-99AC-24E9244D00D8}" srcId="{DE45FF6A-02BE-4DBD-960A-EBF41434D832}" destId="{AB032CFF-0141-423C-BCC7-49E26744869B}" srcOrd="0" destOrd="0" parTransId="{F1EFCD37-9621-4274-BFB1-B27D068CC9B3}" sibTransId="{D2F860A9-5523-457F-B15A-AA740F86A5E3}"/>
+    <dgm:cxn modelId="{2D110CB6-EBBD-4833-9DE0-3B8BF6A54507}" srcId="{E9D4D835-E63B-48CE-A70B-28CD296D0120}" destId="{DE45FF6A-02BE-4DBD-960A-EBF41434D832}" srcOrd="2" destOrd="0" parTransId="{214A0DCD-1B1A-4F6F-8E86-46946946F267}" sibTransId="{0CC784DE-FD11-4D9F-B2EB-468699D00E67}"/>
+    <dgm:cxn modelId="{AEBAB589-70AA-465A-924B-335BE2F4C09E}" srcId="{88D96294-E886-45F5-830B-64863D6D8E7D}" destId="{A6BEF1BA-C141-4F89-B902-06B1257F0716}" srcOrd="0" destOrd="0" parTransId="{F79191C1-8C20-46C1-8457-0D9A7BC78F1F}" sibTransId="{334B50B2-FA64-4C5A-B19F-18D387CBA274}"/>
+    <dgm:cxn modelId="{96F7DFDE-57B0-47BF-9508-C6C8ECF6E77D}" srcId="{E9D4D835-E63B-48CE-A70B-28CD296D0120}" destId="{793AA13C-4130-4D7E-88A1-EAD1668D1731}" srcOrd="0" destOrd="0" parTransId="{5625F234-AE12-46F9-A8A8-7B53280FCB82}" sibTransId="{422C85AE-05FB-4427-A74A-4757B23C7951}"/>
+    <dgm:cxn modelId="{A645906F-6161-4527-B056-2F159BEA70CD}" type="presOf" srcId="{4CEC63C6-FF8E-4AC6-8492-E846D10B8AE4}" destId="{DC2FBCEA-7694-4483-B807-34DEC332DF42}" srcOrd="0" destOrd="0" presId="urn:microsoft.com/office/officeart/2005/8/layout/architecture+Icon"/>
+    <dgm:cxn modelId="{B2CBB7B4-01DF-4256-9280-B49DCD9ABABD}" type="presOf" srcId="{ADEDD5E1-FBB6-44DC-8EE7-50A2D9EC5B44}" destId="{38AA97D6-BC05-4DF8-8307-3605CFBD985F}" srcOrd="0" destOrd="0" presId="urn:microsoft.com/office/officeart/2005/8/layout/architecture+Icon"/>
+    <dgm:cxn modelId="{41744944-0E3B-41C5-AF40-0DBB63C01FD7}" srcId="{22D3F6DF-776F-40CF-A53E-C854F304DE60}" destId="{F63F6530-09F9-459F-B601-FC383A3BC997}" srcOrd="0" destOrd="0" parTransId="{09E36FE7-3560-4664-8FBC-99A67B95965F}" sibTransId="{59980989-7DBD-4E8D-A7C0-2507E6EC7329}"/>
+    <dgm:cxn modelId="{1F1EBE34-F0DC-4709-8E12-E25B9E56834D}" type="presOf" srcId="{A5D31EF9-DE03-4CED-A986-E256DD671DF5}" destId="{6478A964-31EB-445D-9D12-4A3451A86D3C}" srcOrd="0" destOrd="0" presId="urn:microsoft.com/office/officeart/2005/8/layout/architecture+Icon"/>
+    <dgm:cxn modelId="{B6F89B81-3F8B-4FD8-907F-A6BDAF1DCD7B}" type="presOf" srcId="{22D3F6DF-776F-40CF-A53E-C854F304DE60}" destId="{FFB483E8-350F-4DAD-8E10-77DB15C54B0F}" srcOrd="0" destOrd="0" presId="urn:microsoft.com/office/officeart/2005/8/layout/architecture+Icon"/>
+    <dgm:cxn modelId="{80D0A6B3-2BDE-4BAA-9008-1563F0642FF4}" type="presOf" srcId="{793AA13C-4130-4D7E-88A1-EAD1668D1731}" destId="{3A63A0DC-182E-4E75-9287-AC720D90D4F8}" srcOrd="0" destOrd="0" presId="urn:microsoft.com/office/officeart/2005/8/layout/architecture+Icon"/>
+    <dgm:cxn modelId="{CF8274BA-3AD5-4A34-8A9A-1FA3216E24D6}" srcId="{F63F6530-09F9-459F-B601-FC383A3BC997}" destId="{21F68997-80C8-439E-B271-4A8B4F156602}" srcOrd="0" destOrd="0" parTransId="{73640D61-5306-4029-BC5F-3B540CE920C9}" sibTransId="{A0609183-30E5-41C3-AF7C-CCDB192AD5F2}"/>
+    <dgm:cxn modelId="{6849BB6B-BDF4-4BA1-B197-7DA4FDC3342F}" type="presOf" srcId="{88D96294-E886-45F5-830B-64863D6D8E7D}" destId="{2A8D64FB-4E0D-4C37-B1CA-8AFFFCDA5E26}" srcOrd="0" destOrd="0" presId="urn:microsoft.com/office/officeart/2005/8/layout/architecture+Icon"/>
+    <dgm:cxn modelId="{3EB77376-9B7D-4862-BA85-0EF7800A5890}" type="presOf" srcId="{E9D4D835-E63B-48CE-A70B-28CD296D0120}" destId="{753C40B7-CE70-4C43-9890-A243E5AEF5E2}" srcOrd="0" destOrd="0" presId="urn:microsoft.com/office/officeart/2005/8/layout/architecture+Icon"/>
+    <dgm:cxn modelId="{D53709C8-CAC9-4882-9C24-0D84DFF0232D}" type="presOf" srcId="{DE45FF6A-02BE-4DBD-960A-EBF41434D832}" destId="{6461C92D-485D-43C3-8F45-18BA77B3D0A1}" srcOrd="0" destOrd="0" presId="urn:microsoft.com/office/officeart/2005/8/layout/architecture+Icon"/>
+    <dgm:cxn modelId="{60F4D574-C351-4AB2-9B88-2E8E2591F556}" type="presOf" srcId="{F63F6530-09F9-459F-B601-FC383A3BC997}" destId="{88768B6E-E3E6-46A6-A444-40AD01521686}" srcOrd="0" destOrd="0" presId="urn:microsoft.com/office/officeart/2005/8/layout/architecture+Icon"/>
+    <dgm:cxn modelId="{28C9D71C-B7D1-495F-B0A8-17B58A93511C}" srcId="{AB032CFF-0141-423C-BCC7-49E26744869B}" destId="{750CC285-E108-4CA9-8FCD-972912E16797}" srcOrd="0" destOrd="0" parTransId="{67219C64-87E4-44AB-956E-A7A7772D7866}" sibTransId="{B92A60A4-BB40-4B68-BCBF-B98A79B43BB1}"/>
+    <dgm:cxn modelId="{D3BF8141-630A-4F71-8537-8512EA634BB4}" type="presOf" srcId="{A6BEF1BA-C141-4F89-B902-06B1257F0716}" destId="{2A6E3044-8CDF-49C1-92CC-57D3C5CB2DB6}" srcOrd="0" destOrd="0" presId="urn:microsoft.com/office/officeart/2005/8/layout/architecture+Icon"/>
+    <dgm:cxn modelId="{7D9F7876-FE41-49A6-B8D3-54E2F5C99BD5}" type="presOf" srcId="{750CC285-E108-4CA9-8FCD-972912E16797}" destId="{7196DF31-6366-497B-AA87-E553EC0F0266}" srcOrd="0" destOrd="0" presId="urn:microsoft.com/office/officeart/2005/8/layout/architecture+Icon"/>
+    <dgm:cxn modelId="{2884FFEC-A287-48FF-A044-370A7E9B84A2}" srcId="{ADEDD5E1-FBB6-44DC-8EE7-50A2D9EC5B44}" destId="{E9D4D835-E63B-48CE-A70B-28CD296D0120}" srcOrd="0" destOrd="0" parTransId="{BCE39EC0-7A71-47FD-AC7B-4547A2A3BE63}" sibTransId="{B09C6D66-545A-48F1-B9CB-B2B6F433B4D2}"/>
     <dgm:cxn modelId="{F664813C-522C-4A4F-B689-11D73D6F3A8A}" type="presOf" srcId="{AB032CFF-0141-423C-BCC7-49E26744869B}" destId="{0F6251B7-B9B9-41E4-9D33-7E1322AFC0FC}" srcOrd="0" destOrd="0" presId="urn:microsoft.com/office/officeart/2005/8/layout/architecture+Icon"/>
-    <dgm:cxn modelId="{D53709C8-CAC9-4882-9C24-0D84DFF0232D}" type="presOf" srcId="{DE45FF6A-02BE-4DBD-960A-EBF41434D832}" destId="{6461C92D-485D-43C3-8F45-18BA77B3D0A1}" srcOrd="0" destOrd="0" presId="urn:microsoft.com/office/officeart/2005/8/layout/architecture+Icon"/>
-    <dgm:cxn modelId="{CF8274BA-3AD5-4A34-8A9A-1FA3216E24D6}" srcId="{F63F6530-09F9-459F-B601-FC383A3BC997}" destId="{21F68997-80C8-439E-B271-4A8B4F156602}" srcOrd="0" destOrd="0" parTransId="{73640D61-5306-4029-BC5F-3B540CE920C9}" sibTransId="{A0609183-30E5-41C3-AF7C-CCDB192AD5F2}"/>
+    <dgm:cxn modelId="{1DA935E1-9597-4922-952D-BD6587CADE37}" srcId="{A5D31EF9-DE03-4CED-A986-E256DD671DF5}" destId="{ADEDD5E1-FBB6-44DC-8EE7-50A2D9EC5B44}" srcOrd="0" destOrd="0" parTransId="{5FE16397-314F-4BDA-8C54-6D5E9155FA4F}" sibTransId="{27324762-80FD-4E6B-8988-0CB2FCD71104}"/>
     <dgm:cxn modelId="{234B9FBA-91A7-447A-B845-45898735717D}" srcId="{E9D4D835-E63B-48CE-A70B-28CD296D0120}" destId="{22D3F6DF-776F-40CF-A53E-C854F304DE60}" srcOrd="1" destOrd="0" parTransId="{4AD4F92A-D9E0-4AC8-A949-B05C93CF1A76}" sibTransId="{22A6E746-C36C-48DA-A0D5-AEE251550292}"/>
-    <dgm:cxn modelId="{96F7DFDE-57B0-47BF-9508-C6C8ECF6E77D}" srcId="{E9D4D835-E63B-48CE-A70B-28CD296D0120}" destId="{793AA13C-4130-4D7E-88A1-EAD1668D1731}" srcOrd="0" destOrd="0" parTransId="{5625F234-AE12-46F9-A8A8-7B53280FCB82}" sibTransId="{422C85AE-05FB-4427-A74A-4757B23C7951}"/>
-    <dgm:cxn modelId="{1C7EFB57-68EF-4C53-9970-64DFE754BD72}" srcId="{793AA13C-4130-4D7E-88A1-EAD1668D1731}" destId="{88D96294-E886-45F5-830B-64863D6D8E7D}" srcOrd="0" destOrd="0" parTransId="{89D10763-C98A-4ABC-9FF3-68423C1ACE12}" sibTransId="{33227532-0AEB-4E74-8C84-A69807C79A9D}"/>
-    <dgm:cxn modelId="{B6F89B81-3F8B-4FD8-907F-A6BDAF1DCD7B}" type="presOf" srcId="{22D3F6DF-776F-40CF-A53E-C854F304DE60}" destId="{FFB483E8-350F-4DAD-8E10-77DB15C54B0F}" srcOrd="0" destOrd="0" presId="urn:microsoft.com/office/officeart/2005/8/layout/architecture+Icon"/>
-    <dgm:cxn modelId="{3EB77376-9B7D-4862-BA85-0EF7800A5890}" type="presOf" srcId="{E9D4D835-E63B-48CE-A70B-28CD296D0120}" destId="{753C40B7-CE70-4C43-9890-A243E5AEF5E2}" srcOrd="0" destOrd="0" presId="urn:microsoft.com/office/officeart/2005/8/layout/architecture+Icon"/>
-    <dgm:cxn modelId="{1DA935E1-9597-4922-952D-BD6587CADE37}" srcId="{A5D31EF9-DE03-4CED-A986-E256DD671DF5}" destId="{ADEDD5E1-FBB6-44DC-8EE7-50A2D9EC5B44}" srcOrd="0" destOrd="0" parTransId="{5FE16397-314F-4BDA-8C54-6D5E9155FA4F}" sibTransId="{27324762-80FD-4E6B-8988-0CB2FCD71104}"/>
-    <dgm:cxn modelId="{07BA7A6C-F25A-4B93-99AC-24E9244D00D8}" srcId="{DE45FF6A-02BE-4DBD-960A-EBF41434D832}" destId="{AB032CFF-0141-423C-BCC7-49E26744869B}" srcOrd="0" destOrd="0" parTransId="{F1EFCD37-9621-4274-BFB1-B27D068CC9B3}" sibTransId="{D2F860A9-5523-457F-B15A-AA740F86A5E3}"/>
-    <dgm:cxn modelId="{80D0A6B3-2BDE-4BAA-9008-1563F0642FF4}" type="presOf" srcId="{793AA13C-4130-4D7E-88A1-EAD1668D1731}" destId="{3A63A0DC-182E-4E75-9287-AC720D90D4F8}" srcOrd="0" destOrd="0" presId="urn:microsoft.com/office/officeart/2005/8/layout/architecture+Icon"/>
-    <dgm:cxn modelId="{2D110CB6-EBBD-4833-9DE0-3B8BF6A54507}" srcId="{E9D4D835-E63B-48CE-A70B-28CD296D0120}" destId="{DE45FF6A-02BE-4DBD-960A-EBF41434D832}" srcOrd="2" destOrd="0" parTransId="{214A0DCD-1B1A-4F6F-8E86-46946946F267}" sibTransId="{0CC784DE-FD11-4D9F-B2EB-468699D00E67}"/>
-    <dgm:cxn modelId="{B6E3476A-C6D3-4666-966E-402A813F9704}" type="presOf" srcId="{21F68997-80C8-439E-B271-4A8B4F156602}" destId="{7C85E38F-9729-4BF7-82D7-C837F3D2E167}" srcOrd="0" destOrd="0" presId="urn:microsoft.com/office/officeart/2005/8/layout/architecture+Icon"/>
-    <dgm:cxn modelId="{A645906F-6161-4527-B056-2F159BEA70CD}" type="presOf" srcId="{4CEC63C6-FF8E-4AC6-8492-E846D10B8AE4}" destId="{DC2FBCEA-7694-4483-B807-34DEC332DF42}" srcOrd="0" destOrd="0" presId="urn:microsoft.com/office/officeart/2005/8/layout/architecture+Icon"/>
-    <dgm:cxn modelId="{7D9F7876-FE41-49A6-B8D3-54E2F5C99BD5}" type="presOf" srcId="{750CC285-E108-4CA9-8FCD-972912E16797}" destId="{7196DF31-6366-497B-AA87-E553EC0F0266}" srcOrd="0" destOrd="0" presId="urn:microsoft.com/office/officeart/2005/8/layout/architecture+Icon"/>
-    <dgm:cxn modelId="{6849BB6B-BDF4-4BA1-B197-7DA4FDC3342F}" type="presOf" srcId="{88D96294-E886-45F5-830B-64863D6D8E7D}" destId="{2A8D64FB-4E0D-4C37-B1CA-8AFFFCDA5E26}" srcOrd="0" destOrd="0" presId="urn:microsoft.com/office/officeart/2005/8/layout/architecture+Icon"/>
-    <dgm:cxn modelId="{2884FFEC-A287-48FF-A044-370A7E9B84A2}" srcId="{ADEDD5E1-FBB6-44DC-8EE7-50A2D9EC5B44}" destId="{E9D4D835-E63B-48CE-A70B-28CD296D0120}" srcOrd="0" destOrd="0" parTransId="{BCE39EC0-7A71-47FD-AC7B-4547A2A3BE63}" sibTransId="{B09C6D66-545A-48F1-B9CB-B2B6F433B4D2}"/>
-    <dgm:cxn modelId="{28C9D71C-B7D1-495F-B0A8-17B58A93511C}" srcId="{AB032CFF-0141-423C-BCC7-49E26744869B}" destId="{750CC285-E108-4CA9-8FCD-972912E16797}" srcOrd="0" destOrd="0" parTransId="{67219C64-87E4-44AB-956E-A7A7772D7866}" sibTransId="{B92A60A4-BB40-4B68-BCBF-B98A79B43BB1}"/>
-    <dgm:cxn modelId="{A0CE20A9-36C0-4B26-815D-146C4A8ECA2B}" srcId="{4CEC63C6-FF8E-4AC6-8492-E846D10B8AE4}" destId="{A5D31EF9-DE03-4CED-A986-E256DD671DF5}" srcOrd="0" destOrd="0" parTransId="{BCD6904D-1D00-4EF3-B670-0F427E5810E0}" sibTransId="{903167E3-90C8-41C5-84C5-2E5A5D42A6FC}"/>
-    <dgm:cxn modelId="{41744944-0E3B-41C5-AF40-0DBB63C01FD7}" srcId="{22D3F6DF-776F-40CF-A53E-C854F304DE60}" destId="{F63F6530-09F9-459F-B601-FC383A3BC997}" srcOrd="0" destOrd="0" parTransId="{09E36FE7-3560-4664-8FBC-99A67B95965F}" sibTransId="{59980989-7DBD-4E8D-A7C0-2507E6EC7329}"/>
-    <dgm:cxn modelId="{AEBAB589-70AA-465A-924B-335BE2F4C09E}" srcId="{88D96294-E886-45F5-830B-64863D6D8E7D}" destId="{A6BEF1BA-C141-4F89-B902-06B1257F0716}" srcOrd="0" destOrd="0" parTransId="{F79191C1-8C20-46C1-8457-0D9A7BC78F1F}" sibTransId="{334B50B2-FA64-4C5A-B19F-18D387CBA274}"/>
-    <dgm:cxn modelId="{1F1EBE34-F0DC-4709-8E12-E25B9E56834D}" type="presOf" srcId="{A5D31EF9-DE03-4CED-A986-E256DD671DF5}" destId="{6478A964-31EB-445D-9D12-4A3451A86D3C}" srcOrd="0" destOrd="0" presId="urn:microsoft.com/office/officeart/2005/8/layout/architecture+Icon"/>
-    <dgm:cxn modelId="{B2CBB7B4-01DF-4256-9280-B49DCD9ABABD}" type="presOf" srcId="{ADEDD5E1-FBB6-44DC-8EE7-50A2D9EC5B44}" destId="{38AA97D6-BC05-4DF8-8307-3605CFBD985F}" srcOrd="0" destOrd="0" presId="urn:microsoft.com/office/officeart/2005/8/layout/architecture+Icon"/>
-    <dgm:cxn modelId="{60F4D574-C351-4AB2-9B88-2E8E2591F556}" type="presOf" srcId="{F63F6530-09F9-459F-B601-FC383A3BC997}" destId="{88768B6E-E3E6-46A6-A444-40AD01521686}" srcOrd="0" destOrd="0" presId="urn:microsoft.com/office/officeart/2005/8/layout/architecture+Icon"/>
-    <dgm:cxn modelId="{D3BF8141-630A-4F71-8537-8512EA634BB4}" type="presOf" srcId="{A6BEF1BA-C141-4F89-B902-06B1257F0716}" destId="{2A6E3044-8CDF-49C1-92CC-57D3C5CB2DB6}" srcOrd="0" destOrd="0" presId="urn:microsoft.com/office/officeart/2005/8/layout/architecture+Icon"/>
     <dgm:cxn modelId="{2161FDD7-A5BF-48AF-A958-D626A46BDBEF}" type="presParOf" srcId="{DC2FBCEA-7694-4483-B807-34DEC332DF42}" destId="{A420027C-A16F-4A49-A152-EEFE388B5598}" srcOrd="0" destOrd="0" presId="urn:microsoft.com/office/officeart/2005/8/layout/architecture+Icon"/>
     <dgm:cxn modelId="{6D176A7E-D5E5-4EB5-831E-6345814F3F5D}" type="presParOf" srcId="{A420027C-A16F-4A49-A152-EEFE388B5598}" destId="{6478A964-31EB-445D-9D12-4A3451A86D3C}" srcOrd="0" destOrd="0" presId="urn:microsoft.com/office/officeart/2005/8/layout/architecture+Icon"/>
     <dgm:cxn modelId="{A9B1BB1B-9CA4-402B-824B-B044E4AEE1D5}" type="presParOf" srcId="{A420027C-A16F-4A49-A152-EEFE388B5598}" destId="{ED267084-B835-4FC5-AA81-C608D52256D4}" srcOrd="1" destOrd="0" presId="urn:microsoft.com/office/officeart/2005/8/layout/architecture+Icon"/>
@@ -11999,21 +12000,21 @@
     </dgm:pt>
   </dgm:ptLst>
   <dgm:cxnLst>
-    <dgm:cxn modelId="{28C131C6-4F98-4E30-B502-8BD765B9A6B1}" type="presOf" srcId="{750CC285-E108-4CA9-8FCD-972912E16797}" destId="{81A0DC83-ECC3-4AAD-BDA9-27C929C4E2D3}" srcOrd="0" destOrd="0" presId="urn:microsoft.com/office/officeart/2005/8/layout/architecture+Icon"/>
-    <dgm:cxn modelId="{A0CE20A9-36C0-4B26-815D-146C4A8ECA2B}" srcId="{4CEC63C6-FF8E-4AC6-8492-E846D10B8AE4}" destId="{A5D31EF9-DE03-4CED-A986-E256DD671DF5}" srcOrd="0" destOrd="0" parTransId="{BCD6904D-1D00-4EF3-B670-0F427E5810E0}" sibTransId="{903167E3-90C8-41C5-84C5-2E5A5D42A6FC}"/>
-    <dgm:cxn modelId="{C72FFB5A-A6A7-4EF0-906F-6191151D2293}" type="presOf" srcId="{793AA13C-4130-4D7E-88A1-EAD1668D1731}" destId="{3C47D861-06C9-4CC3-96E5-1945DC033C9B}" srcOrd="0" destOrd="0" presId="urn:microsoft.com/office/officeart/2005/8/layout/architecture+Icon"/>
-    <dgm:cxn modelId="{0D01297C-B36A-4380-A317-348FA0AF48AC}" type="presOf" srcId="{ADEDD5E1-FBB6-44DC-8EE7-50A2D9EC5B44}" destId="{38AA97D6-BC05-4DF8-8307-3605CFBD985F}" srcOrd="0" destOrd="0" presId="urn:microsoft.com/office/officeart/2005/8/layout/architecture+Icon"/>
-    <dgm:cxn modelId="{12BE8014-02DA-432C-BB29-5ABD14D45B23}" type="presOf" srcId="{4CEC63C6-FF8E-4AC6-8492-E846D10B8AE4}" destId="{DC2FBCEA-7694-4483-B807-34DEC332DF42}" srcOrd="0" destOrd="0" presId="urn:microsoft.com/office/officeart/2005/8/layout/architecture+Icon"/>
-    <dgm:cxn modelId="{065B4A3B-1D87-468F-9E76-B2412D091EB5}" type="presOf" srcId="{AE0E4FE4-5564-455E-B09E-14FD9711CA63}" destId="{3710832E-1664-4EE1-AD19-AE1F37C15FB7}" srcOrd="0" destOrd="0" presId="urn:microsoft.com/office/officeart/2005/8/layout/architecture+Icon"/>
-    <dgm:cxn modelId="{CF8274BA-3AD5-4A34-8A9A-1FA3216E24D6}" srcId="{ADEDD5E1-FBB6-44DC-8EE7-50A2D9EC5B44}" destId="{21F68997-80C8-439E-B271-4A8B4F156602}" srcOrd="1" destOrd="0" parTransId="{73640D61-5306-4029-BC5F-3B540CE920C9}" sibTransId="{A0609183-30E5-41C3-AF7C-CCDB192AD5F2}"/>
-    <dgm:cxn modelId="{C6FD0122-399F-4D83-8645-E0833BA46A17}" srcId="{21F68997-80C8-439E-B271-4A8B4F156602}" destId="{259D4E1E-9A6C-44AE-95F4-595BDA7B8D82}" srcOrd="0" destOrd="0" parTransId="{D66E8ABE-68D3-463A-B806-E52896C134BB}" sibTransId="{D2DFD8E0-6B43-4FC8-9C76-58F9A66C5D86}"/>
-    <dgm:cxn modelId="{13BAC0C2-2B65-40C6-9A70-C5785214987F}" type="presOf" srcId="{259D4E1E-9A6C-44AE-95F4-595BDA7B8D82}" destId="{2F94DD08-CCEB-4AAD-B19D-DD0BB62AFF74}" srcOrd="0" destOrd="0" presId="urn:microsoft.com/office/officeart/2005/8/layout/architecture+Icon"/>
     <dgm:cxn modelId="{1DA935E1-9597-4922-952D-BD6587CADE37}" srcId="{A5D31EF9-DE03-4CED-A986-E256DD671DF5}" destId="{ADEDD5E1-FBB6-44DC-8EE7-50A2D9EC5B44}" srcOrd="0" destOrd="0" parTransId="{5FE16397-314F-4BDA-8C54-6D5E9155FA4F}" sibTransId="{27324762-80FD-4E6B-8988-0CB2FCD71104}"/>
     <dgm:cxn modelId="{EC92E760-76C3-4CB2-A3D6-E6DDFB542B95}" srcId="{750CC285-E108-4CA9-8FCD-972912E16797}" destId="{AE0E4FE4-5564-455E-B09E-14FD9711CA63}" srcOrd="0" destOrd="0" parTransId="{0B18E685-F2F1-4948-BB98-EE4BC7FBB51C}" sibTransId="{A1198D7B-B6C7-4BCE-AF86-DEE429CC899E}"/>
+    <dgm:cxn modelId="{065B4A3B-1D87-468F-9E76-B2412D091EB5}" type="presOf" srcId="{AE0E4FE4-5564-455E-B09E-14FD9711CA63}" destId="{3710832E-1664-4EE1-AD19-AE1F37C15FB7}" srcOrd="0" destOrd="0" presId="urn:microsoft.com/office/officeart/2005/8/layout/architecture+Icon"/>
+    <dgm:cxn modelId="{13BAC0C2-2B65-40C6-9A70-C5785214987F}" type="presOf" srcId="{259D4E1E-9A6C-44AE-95F4-595BDA7B8D82}" destId="{2F94DD08-CCEB-4AAD-B19D-DD0BB62AFF74}" srcOrd="0" destOrd="0" presId="urn:microsoft.com/office/officeart/2005/8/layout/architecture+Icon"/>
+    <dgm:cxn modelId="{C228CC8C-9576-4D49-9211-D4A08490495B}" type="presOf" srcId="{A5D31EF9-DE03-4CED-A986-E256DD671DF5}" destId="{6478A964-31EB-445D-9D12-4A3451A86D3C}" srcOrd="0" destOrd="0" presId="urn:microsoft.com/office/officeart/2005/8/layout/architecture+Icon"/>
+    <dgm:cxn modelId="{C6FD0122-399F-4D83-8645-E0833BA46A17}" srcId="{21F68997-80C8-439E-B271-4A8B4F156602}" destId="{259D4E1E-9A6C-44AE-95F4-595BDA7B8D82}" srcOrd="0" destOrd="0" parTransId="{D66E8ABE-68D3-463A-B806-E52896C134BB}" sibTransId="{D2DFD8E0-6B43-4FC8-9C76-58F9A66C5D86}"/>
+    <dgm:cxn modelId="{CF8274BA-3AD5-4A34-8A9A-1FA3216E24D6}" srcId="{ADEDD5E1-FBB6-44DC-8EE7-50A2D9EC5B44}" destId="{21F68997-80C8-439E-B271-4A8B4F156602}" srcOrd="1" destOrd="0" parTransId="{73640D61-5306-4029-BC5F-3B540CE920C9}" sibTransId="{A0609183-30E5-41C3-AF7C-CCDB192AD5F2}"/>
+    <dgm:cxn modelId="{EFF8F611-4199-4759-9BE6-0662E96722B3}" type="presOf" srcId="{21F68997-80C8-439E-B271-4A8B4F156602}" destId="{0FB3050D-B589-48BC-AE0A-AA5874B5FED8}" srcOrd="0" destOrd="0" presId="urn:microsoft.com/office/officeart/2005/8/layout/architecture+Icon"/>
+    <dgm:cxn modelId="{0D01297C-B36A-4380-A317-348FA0AF48AC}" type="presOf" srcId="{ADEDD5E1-FBB6-44DC-8EE7-50A2D9EC5B44}" destId="{38AA97D6-BC05-4DF8-8307-3605CFBD985F}" srcOrd="0" destOrd="0" presId="urn:microsoft.com/office/officeart/2005/8/layout/architecture+Icon"/>
+    <dgm:cxn modelId="{C72FFB5A-A6A7-4EF0-906F-6191151D2293}" type="presOf" srcId="{793AA13C-4130-4D7E-88A1-EAD1668D1731}" destId="{3C47D861-06C9-4CC3-96E5-1945DC033C9B}" srcOrd="0" destOrd="0" presId="urn:microsoft.com/office/officeart/2005/8/layout/architecture+Icon"/>
+    <dgm:cxn modelId="{A0CE20A9-36C0-4B26-815D-146C4A8ECA2B}" srcId="{4CEC63C6-FF8E-4AC6-8492-E846D10B8AE4}" destId="{A5D31EF9-DE03-4CED-A986-E256DD671DF5}" srcOrd="0" destOrd="0" parTransId="{BCD6904D-1D00-4EF3-B670-0F427E5810E0}" sibTransId="{903167E3-90C8-41C5-84C5-2E5A5D42A6FC}"/>
+    <dgm:cxn modelId="{12BE8014-02DA-432C-BB29-5ABD14D45B23}" type="presOf" srcId="{4CEC63C6-FF8E-4AC6-8492-E846D10B8AE4}" destId="{DC2FBCEA-7694-4483-B807-34DEC332DF42}" srcOrd="0" destOrd="0" presId="urn:microsoft.com/office/officeart/2005/8/layout/architecture+Icon"/>
+    <dgm:cxn modelId="{28C131C6-4F98-4E30-B502-8BD765B9A6B1}" type="presOf" srcId="{750CC285-E108-4CA9-8FCD-972912E16797}" destId="{81A0DC83-ECC3-4AAD-BDA9-27C929C4E2D3}" srcOrd="0" destOrd="0" presId="urn:microsoft.com/office/officeart/2005/8/layout/architecture+Icon"/>
+    <dgm:cxn modelId="{96F7DFDE-57B0-47BF-9508-C6C8ECF6E77D}" srcId="{ADEDD5E1-FBB6-44DC-8EE7-50A2D9EC5B44}" destId="{793AA13C-4130-4D7E-88A1-EAD1668D1731}" srcOrd="0" destOrd="0" parTransId="{5625F234-AE12-46F9-A8A8-7B53280FCB82}" sibTransId="{422C85AE-05FB-4427-A74A-4757B23C7951}"/>
     <dgm:cxn modelId="{28C9D71C-B7D1-495F-B0A8-17B58A93511C}" srcId="{ADEDD5E1-FBB6-44DC-8EE7-50A2D9EC5B44}" destId="{750CC285-E108-4CA9-8FCD-972912E16797}" srcOrd="2" destOrd="0" parTransId="{67219C64-87E4-44AB-956E-A7A7772D7866}" sibTransId="{B92A60A4-BB40-4B68-BCBF-B98A79B43BB1}"/>
-    <dgm:cxn modelId="{C228CC8C-9576-4D49-9211-D4A08490495B}" type="presOf" srcId="{A5D31EF9-DE03-4CED-A986-E256DD671DF5}" destId="{6478A964-31EB-445D-9D12-4A3451A86D3C}" srcOrd="0" destOrd="0" presId="urn:microsoft.com/office/officeart/2005/8/layout/architecture+Icon"/>
-    <dgm:cxn modelId="{EFF8F611-4199-4759-9BE6-0662E96722B3}" type="presOf" srcId="{21F68997-80C8-439E-B271-4A8B4F156602}" destId="{0FB3050D-B589-48BC-AE0A-AA5874B5FED8}" srcOrd="0" destOrd="0" presId="urn:microsoft.com/office/officeart/2005/8/layout/architecture+Icon"/>
-    <dgm:cxn modelId="{96F7DFDE-57B0-47BF-9508-C6C8ECF6E77D}" srcId="{ADEDD5E1-FBB6-44DC-8EE7-50A2D9EC5B44}" destId="{793AA13C-4130-4D7E-88A1-EAD1668D1731}" srcOrd="0" destOrd="0" parTransId="{5625F234-AE12-46F9-A8A8-7B53280FCB82}" sibTransId="{422C85AE-05FB-4427-A74A-4757B23C7951}"/>
     <dgm:cxn modelId="{DE63F96E-0B32-406C-8CFB-423A05CEC156}" type="presParOf" srcId="{DC2FBCEA-7694-4483-B807-34DEC332DF42}" destId="{A420027C-A16F-4A49-A152-EEFE388B5598}" srcOrd="0" destOrd="0" presId="urn:microsoft.com/office/officeart/2005/8/layout/architecture+Icon"/>
     <dgm:cxn modelId="{909BF88E-71D6-494B-B710-BBB6D05FA03C}" type="presParOf" srcId="{A420027C-A16F-4A49-A152-EEFE388B5598}" destId="{6478A964-31EB-445D-9D12-4A3451A86D3C}" srcOrd="0" destOrd="0" presId="urn:microsoft.com/office/officeart/2005/8/layout/architecture+Icon"/>
     <dgm:cxn modelId="{53631DE2-2354-4603-BF89-1DE6870C26A0}" type="presParOf" srcId="{A420027C-A16F-4A49-A152-EEFE388B5598}" destId="{ED267084-B835-4FC5-AA81-C608D52256D4}" srcOrd="1" destOrd="0" presId="urn:microsoft.com/office/officeart/2005/8/layout/architecture+Icon"/>
@@ -12060,450 +12061,6 @@
       <dsp:cNvGrpSpPr/>
     </dsp:nvGrpSpPr>
     <dsp:grpSpPr/>
-    <dsp:sp modelId="{6478A964-31EB-445D-9D12-4A3451A86D3C}">
-      <dsp:nvSpPr>
-        <dsp:cNvPr id="0" name=""/>
-        <dsp:cNvSpPr/>
-      </dsp:nvSpPr>
-      <dsp:spPr>
-        <a:xfrm>
-          <a:off x="1092" y="3107866"/>
-          <a:ext cx="6093815" cy="955476"/>
-        </a:xfrm>
-        <a:prstGeom prst="roundRect">
-          <a:avLst>
-            <a:gd name="adj" fmla="val 10000"/>
-          </a:avLst>
-        </a:prstGeom>
-        <a:solidFill>
-          <a:schemeClr val="dk1"/>
-        </a:solidFill>
-        <a:ln w="25400" cap="flat" cmpd="sng" algn="ctr">
-          <a:solidFill>
-            <a:schemeClr val="dk1">
-              <a:shade val="50000"/>
-            </a:schemeClr>
-          </a:solidFill>
-          <a:prstDash val="solid"/>
-        </a:ln>
-        <a:effectLst/>
-      </dsp:spPr>
-      <dsp:style>
-        <a:lnRef idx="2">
-          <a:schemeClr val="dk1">
-            <a:shade val="50000"/>
-          </a:schemeClr>
-        </a:lnRef>
-        <a:fillRef idx="1">
-          <a:schemeClr val="dk1"/>
-        </a:fillRef>
-        <a:effectRef idx="0">
-          <a:schemeClr val="dk1"/>
-        </a:effectRef>
-        <a:fontRef idx="minor">
-          <a:schemeClr val="lt1"/>
-        </a:fontRef>
-      </dsp:style>
-      <dsp:txBody>
-        <a:bodyPr spcFirstLastPara="0" vert="horz" wrap="square" lIns="156210" tIns="156210" rIns="156210" bIns="156210" numCol="1" spcCol="1270" anchor="ctr" anchorCtr="0">
-          <a:noAutofit/>
-        </a:bodyPr>
-        <a:lstStyle/>
-        <a:p>
-          <a:pPr lvl="0" algn="ctr" defTabSz="1822450">
-            <a:lnSpc>
-              <a:spcPct val="90000"/>
-            </a:lnSpc>
-            <a:spcBef>
-              <a:spcPct val="0"/>
-            </a:spcBef>
-            <a:spcAft>
-              <a:spcPct val="35000"/>
-            </a:spcAft>
-          </a:pPr>
-          <a:r>
-            <a:rPr lang="fr-FR" sz="4100" kern="1200" dirty="0" smtClean="0"/>
-            <a:t>Matériel</a:t>
-          </a:r>
-          <a:endParaRPr lang="fr-FR" sz="4100" kern="1200" dirty="0"/>
-        </a:p>
-      </dsp:txBody>
-      <dsp:txXfrm>
-        <a:off x="29077" y="3135851"/>
-        <a:ext cx="6037845" cy="899506"/>
-      </dsp:txXfrm>
-    </dsp:sp>
-    <dsp:sp modelId="{38AA97D6-BC05-4DF8-8307-3605CFBD985F}">
-      <dsp:nvSpPr>
-        <dsp:cNvPr id="0" name=""/>
-        <dsp:cNvSpPr/>
-      </dsp:nvSpPr>
-      <dsp:spPr>
-        <a:xfrm>
-          <a:off x="1092" y="2072130"/>
-          <a:ext cx="6093815" cy="955476"/>
-        </a:xfrm>
-        <a:prstGeom prst="roundRect">
-          <a:avLst>
-            <a:gd name="adj" fmla="val 10000"/>
-          </a:avLst>
-        </a:prstGeom>
-        <a:solidFill>
-          <a:schemeClr val="accent2"/>
-        </a:solidFill>
-        <a:ln w="25400" cap="flat" cmpd="sng" algn="ctr">
-          <a:solidFill>
-            <a:schemeClr val="accent2">
-              <a:shade val="50000"/>
-            </a:schemeClr>
-          </a:solidFill>
-          <a:prstDash val="solid"/>
-        </a:ln>
-        <a:effectLst/>
-      </dsp:spPr>
-      <dsp:style>
-        <a:lnRef idx="2">
-          <a:schemeClr val="accent2">
-            <a:shade val="50000"/>
-          </a:schemeClr>
-        </a:lnRef>
-        <a:fillRef idx="1">
-          <a:schemeClr val="accent2"/>
-        </a:fillRef>
-        <a:effectRef idx="0">
-          <a:schemeClr val="accent2"/>
-        </a:effectRef>
-        <a:fontRef idx="minor">
-          <a:schemeClr val="lt1"/>
-        </a:fontRef>
-      </dsp:style>
-      <dsp:txBody>
-        <a:bodyPr spcFirstLastPara="0" vert="horz" wrap="square" lIns="156210" tIns="156210" rIns="156210" bIns="156210" numCol="1" spcCol="1270" anchor="ctr" anchorCtr="0">
-          <a:noAutofit/>
-        </a:bodyPr>
-        <a:lstStyle/>
-        <a:p>
-          <a:pPr lvl="0" algn="ctr" defTabSz="1822450">
-            <a:lnSpc>
-              <a:spcPct val="90000"/>
-            </a:lnSpc>
-            <a:spcBef>
-              <a:spcPct val="0"/>
-            </a:spcBef>
-            <a:spcAft>
-              <a:spcPct val="35000"/>
-            </a:spcAft>
-          </a:pPr>
-          <a:r>
-            <a:rPr lang="fr-FR" sz="4100" kern="1200" dirty="0" smtClean="0"/>
-            <a:t>OS</a:t>
-          </a:r>
-          <a:endParaRPr lang="fr-FR" sz="4100" kern="1200" dirty="0"/>
-        </a:p>
-      </dsp:txBody>
-      <dsp:txXfrm>
-        <a:off x="29077" y="2100115"/>
-        <a:ext cx="6037845" cy="899506"/>
-      </dsp:txXfrm>
-    </dsp:sp>
-    <dsp:sp modelId="{753C40B7-CE70-4C43-9890-A243E5AEF5E2}">
-      <dsp:nvSpPr>
-        <dsp:cNvPr id="0" name=""/>
-        <dsp:cNvSpPr/>
-      </dsp:nvSpPr>
-      <dsp:spPr>
-        <a:xfrm>
-          <a:off x="1092" y="1036393"/>
-          <a:ext cx="6093815" cy="955476"/>
-        </a:xfrm>
-        <a:prstGeom prst="roundRect">
-          <a:avLst>
-            <a:gd name="adj" fmla="val 10000"/>
-          </a:avLst>
-        </a:prstGeom>
-        <a:solidFill>
-          <a:schemeClr val="accent1">
-            <a:hueOff val="0"/>
-            <a:satOff val="0"/>
-            <a:lumOff val="0"/>
-            <a:alphaOff val="0"/>
-          </a:schemeClr>
-        </a:solidFill>
-        <a:ln w="25400" cap="flat" cmpd="sng" algn="ctr">
-          <a:solidFill>
-            <a:schemeClr val="lt1">
-              <a:hueOff val="0"/>
-              <a:satOff val="0"/>
-              <a:lumOff val="0"/>
-              <a:alphaOff val="0"/>
-            </a:schemeClr>
-          </a:solidFill>
-          <a:prstDash val="solid"/>
-        </a:ln>
-        <a:effectLst/>
-      </dsp:spPr>
-      <dsp:style>
-        <a:lnRef idx="2">
-          <a:scrgbClr r="0" g="0" b="0"/>
-        </a:lnRef>
-        <a:fillRef idx="1">
-          <a:scrgbClr r="0" g="0" b="0"/>
-        </a:fillRef>
-        <a:effectRef idx="0">
-          <a:scrgbClr r="0" g="0" b="0"/>
-        </a:effectRef>
-        <a:fontRef idx="minor">
-          <a:schemeClr val="lt1"/>
-        </a:fontRef>
-      </dsp:style>
-      <dsp:txBody>
-        <a:bodyPr spcFirstLastPara="0" vert="horz" wrap="square" lIns="156210" tIns="156210" rIns="156210" bIns="156210" numCol="1" spcCol="1270" anchor="ctr" anchorCtr="0">
-          <a:noAutofit/>
-        </a:bodyPr>
-        <a:lstStyle/>
-        <a:p>
-          <a:pPr lvl="0" algn="ctr" defTabSz="1822450">
-            <a:lnSpc>
-              <a:spcPct val="90000"/>
-            </a:lnSpc>
-            <a:spcBef>
-              <a:spcPct val="0"/>
-            </a:spcBef>
-            <a:spcAft>
-              <a:spcPct val="35000"/>
-            </a:spcAft>
-          </a:pPr>
-          <a:r>
-            <a:rPr lang="fr-FR" sz="4100" kern="1200" dirty="0" smtClean="0"/>
-            <a:t>Couche de virtualisation</a:t>
-          </a:r>
-          <a:endParaRPr lang="fr-FR" sz="4100" kern="1200" dirty="0"/>
-        </a:p>
-      </dsp:txBody>
-      <dsp:txXfrm>
-        <a:off x="29077" y="1064378"/>
-        <a:ext cx="6037845" cy="899506"/>
-      </dsp:txXfrm>
-    </dsp:sp>
-    <dsp:sp modelId="{3A63A0DC-182E-4E75-9287-AC720D90D4F8}">
-      <dsp:nvSpPr>
-        <dsp:cNvPr id="0" name=""/>
-        <dsp:cNvSpPr/>
-      </dsp:nvSpPr>
-      <dsp:spPr>
-        <a:xfrm>
-          <a:off x="1092" y="656"/>
-          <a:ext cx="2003226" cy="955476"/>
-        </a:xfrm>
-        <a:prstGeom prst="roundRect">
-          <a:avLst>
-            <a:gd name="adj" fmla="val 10000"/>
-          </a:avLst>
-        </a:prstGeom>
-        <a:solidFill>
-          <a:schemeClr val="accent3"/>
-        </a:solidFill>
-        <a:ln w="25400" cap="flat" cmpd="sng" algn="ctr">
-          <a:solidFill>
-            <a:schemeClr val="accent3">
-              <a:shade val="50000"/>
-            </a:schemeClr>
-          </a:solidFill>
-          <a:prstDash val="solid"/>
-        </a:ln>
-        <a:effectLst/>
-      </dsp:spPr>
-      <dsp:style>
-        <a:lnRef idx="2">
-          <a:schemeClr val="accent3">
-            <a:shade val="50000"/>
-          </a:schemeClr>
-        </a:lnRef>
-        <a:fillRef idx="1">
-          <a:schemeClr val="accent3"/>
-        </a:fillRef>
-        <a:effectRef idx="0">
-          <a:schemeClr val="accent3"/>
-        </a:effectRef>
-        <a:fontRef idx="minor">
-          <a:schemeClr val="lt1"/>
-        </a:fontRef>
-      </dsp:style>
-      <dsp:txBody>
-        <a:bodyPr spcFirstLastPara="0" vert="horz" wrap="square" lIns="156210" tIns="156210" rIns="156210" bIns="156210" numCol="1" spcCol="1270" anchor="ctr" anchorCtr="0">
-          <a:noAutofit/>
-        </a:bodyPr>
-        <a:lstStyle/>
-        <a:p>
-          <a:pPr lvl="0" algn="ctr" defTabSz="1822450">
-            <a:lnSpc>
-              <a:spcPct val="90000"/>
-            </a:lnSpc>
-            <a:spcBef>
-              <a:spcPct val="0"/>
-            </a:spcBef>
-            <a:spcAft>
-              <a:spcPct val="35000"/>
-            </a:spcAft>
-          </a:pPr>
-          <a:r>
-            <a:rPr lang="fr-FR" sz="4100" kern="1200" dirty="0" smtClean="0"/>
-            <a:t>App 1</a:t>
-          </a:r>
-          <a:endParaRPr lang="fr-FR" sz="4100" kern="1200" dirty="0"/>
-        </a:p>
-      </dsp:txBody>
-      <dsp:txXfrm>
-        <a:off x="29077" y="28641"/>
-        <a:ext cx="1947256" cy="899506"/>
-      </dsp:txXfrm>
-    </dsp:sp>
-    <dsp:sp modelId="{FFB483E8-350F-4DAD-8E10-77DB15C54B0F}">
-      <dsp:nvSpPr>
-        <dsp:cNvPr id="0" name=""/>
-        <dsp:cNvSpPr/>
-      </dsp:nvSpPr>
-      <dsp:spPr>
-        <a:xfrm>
-          <a:off x="2046386" y="656"/>
-          <a:ext cx="2003226" cy="955476"/>
-        </a:xfrm>
-        <a:prstGeom prst="roundRect">
-          <a:avLst>
-            <a:gd name="adj" fmla="val 10000"/>
-          </a:avLst>
-        </a:prstGeom>
-        <a:solidFill>
-          <a:schemeClr val="accent3"/>
-        </a:solidFill>
-        <a:ln w="25400" cap="flat" cmpd="sng" algn="ctr">
-          <a:solidFill>
-            <a:schemeClr val="accent3">
-              <a:shade val="50000"/>
-            </a:schemeClr>
-          </a:solidFill>
-          <a:prstDash val="solid"/>
-        </a:ln>
-        <a:effectLst/>
-      </dsp:spPr>
-      <dsp:style>
-        <a:lnRef idx="2">
-          <a:schemeClr val="accent3">
-            <a:shade val="50000"/>
-          </a:schemeClr>
-        </a:lnRef>
-        <a:fillRef idx="1">
-          <a:schemeClr val="accent3"/>
-        </a:fillRef>
-        <a:effectRef idx="0">
-          <a:schemeClr val="accent3"/>
-        </a:effectRef>
-        <a:fontRef idx="minor">
-          <a:schemeClr val="lt1"/>
-        </a:fontRef>
-      </dsp:style>
-      <dsp:txBody>
-        <a:bodyPr spcFirstLastPara="0" vert="horz" wrap="square" lIns="156210" tIns="156210" rIns="156210" bIns="156210" numCol="1" spcCol="1270" anchor="ctr" anchorCtr="0">
-          <a:noAutofit/>
-        </a:bodyPr>
-        <a:lstStyle/>
-        <a:p>
-          <a:pPr lvl="0" algn="ctr" defTabSz="1822450">
-            <a:lnSpc>
-              <a:spcPct val="90000"/>
-            </a:lnSpc>
-            <a:spcBef>
-              <a:spcPct val="0"/>
-            </a:spcBef>
-            <a:spcAft>
-              <a:spcPct val="35000"/>
-            </a:spcAft>
-          </a:pPr>
-          <a:r>
-            <a:rPr lang="fr-FR" sz="4100" kern="1200" dirty="0" smtClean="0"/>
-            <a:t>App 2</a:t>
-          </a:r>
-          <a:endParaRPr lang="fr-FR" sz="4100" kern="1200" dirty="0"/>
-        </a:p>
-      </dsp:txBody>
-      <dsp:txXfrm>
-        <a:off x="2074371" y="28641"/>
-        <a:ext cx="1947256" cy="899506"/>
-      </dsp:txXfrm>
-    </dsp:sp>
-    <dsp:sp modelId="{174503B6-F709-4B31-B8D7-51731BB0ACDA}">
-      <dsp:nvSpPr>
-        <dsp:cNvPr id="0" name=""/>
-        <dsp:cNvSpPr/>
-      </dsp:nvSpPr>
-      <dsp:spPr>
-        <a:xfrm>
-          <a:off x="4091681" y="656"/>
-          <a:ext cx="2003226" cy="955476"/>
-        </a:xfrm>
-        <a:prstGeom prst="roundRect">
-          <a:avLst>
-            <a:gd name="adj" fmla="val 10000"/>
-          </a:avLst>
-        </a:prstGeom>
-        <a:solidFill>
-          <a:schemeClr val="accent3"/>
-        </a:solidFill>
-        <a:ln w="25400" cap="flat" cmpd="sng" algn="ctr">
-          <a:solidFill>
-            <a:schemeClr val="accent3">
-              <a:shade val="50000"/>
-            </a:schemeClr>
-          </a:solidFill>
-          <a:prstDash val="solid"/>
-        </a:ln>
-        <a:effectLst/>
-      </dsp:spPr>
-      <dsp:style>
-        <a:lnRef idx="2">
-          <a:schemeClr val="accent3">
-            <a:shade val="50000"/>
-          </a:schemeClr>
-        </a:lnRef>
-        <a:fillRef idx="1">
-          <a:schemeClr val="accent3"/>
-        </a:fillRef>
-        <a:effectRef idx="0">
-          <a:schemeClr val="accent3"/>
-        </a:effectRef>
-        <a:fontRef idx="minor">
-          <a:schemeClr val="lt1"/>
-        </a:fontRef>
-      </dsp:style>
-      <dsp:txBody>
-        <a:bodyPr spcFirstLastPara="0" vert="horz" wrap="square" lIns="156210" tIns="156210" rIns="156210" bIns="156210" numCol="1" spcCol="1270" anchor="ctr" anchorCtr="0">
-          <a:noAutofit/>
-        </a:bodyPr>
-        <a:lstStyle/>
-        <a:p>
-          <a:pPr lvl="0" algn="ctr" defTabSz="1822450">
-            <a:lnSpc>
-              <a:spcPct val="90000"/>
-            </a:lnSpc>
-            <a:spcBef>
-              <a:spcPct val="0"/>
-            </a:spcBef>
-            <a:spcAft>
-              <a:spcPct val="35000"/>
-            </a:spcAft>
-          </a:pPr>
-          <a:r>
-            <a:rPr lang="fr-FR" sz="4100" kern="1200" dirty="0" smtClean="0"/>
-            <a:t>App 3</a:t>
-          </a:r>
-          <a:endParaRPr lang="fr-FR" sz="4100" kern="1200" dirty="0"/>
-        </a:p>
-      </dsp:txBody>
-      <dsp:txXfrm>
-        <a:off x="4119666" y="28641"/>
-        <a:ext cx="1947256" cy="899506"/>
-      </dsp:txXfrm>
-    </dsp:sp>
   </dsp:spTree>
 </dsp:drawing>
 </file>
@@ -12516,474 +12073,6 @@
       <dsp:cNvGrpSpPr/>
     </dsp:nvGrpSpPr>
     <dsp:grpSpPr/>
-    <dsp:sp modelId="{6D4C26C8-B30D-4B10-9C88-1544645608C8}">
-      <dsp:nvSpPr>
-        <dsp:cNvPr id="0" name=""/>
-        <dsp:cNvSpPr/>
-      </dsp:nvSpPr>
-      <dsp:spPr>
-        <a:xfrm>
-          <a:off x="979" y="151"/>
-          <a:ext cx="8530481" cy="1256109"/>
-        </a:xfrm>
-        <a:prstGeom prst="roundRect">
-          <a:avLst>
-            <a:gd name="adj" fmla="val 10000"/>
-          </a:avLst>
-        </a:prstGeom>
-        <a:solidFill>
-          <a:schemeClr val="accent3"/>
-        </a:solidFill>
-        <a:ln w="25400" cap="flat" cmpd="sng" algn="ctr">
-          <a:solidFill>
-            <a:schemeClr val="accent3">
-              <a:shade val="50000"/>
-            </a:schemeClr>
-          </a:solidFill>
-          <a:prstDash val="solid"/>
-        </a:ln>
-        <a:effectLst/>
-      </dsp:spPr>
-      <dsp:style>
-        <a:lnRef idx="2">
-          <a:schemeClr val="accent3">
-            <a:shade val="50000"/>
-          </a:schemeClr>
-        </a:lnRef>
-        <a:fillRef idx="1">
-          <a:schemeClr val="accent3"/>
-        </a:fillRef>
-        <a:effectRef idx="0">
-          <a:schemeClr val="accent3"/>
-        </a:effectRef>
-        <a:fontRef idx="minor">
-          <a:schemeClr val="lt1"/>
-        </a:fontRef>
-      </dsp:style>
-      <dsp:txBody>
-        <a:bodyPr spcFirstLastPara="0" vert="horz" wrap="square" lIns="205740" tIns="205740" rIns="205740" bIns="205740" numCol="1" spcCol="1270" anchor="ctr" anchorCtr="0">
-          <a:noAutofit/>
-        </a:bodyPr>
-        <a:lstStyle/>
-        <a:p>
-          <a:pPr lvl="0" algn="ctr" defTabSz="2400300">
-            <a:lnSpc>
-              <a:spcPct val="90000"/>
-            </a:lnSpc>
-            <a:spcBef>
-              <a:spcPct val="0"/>
-            </a:spcBef>
-            <a:spcAft>
-              <a:spcPct val="35000"/>
-            </a:spcAft>
-          </a:pPr>
-          <a:r>
-            <a:rPr lang="fr-FR" sz="5400" kern="1200" smtClean="0"/>
-            <a:t>VLAN</a:t>
-          </a:r>
-          <a:endParaRPr lang="fr-FR" sz="5400" kern="1200"/>
-        </a:p>
-      </dsp:txBody>
-      <dsp:txXfrm>
-        <a:off x="37769" y="36941"/>
-        <a:ext cx="8456901" cy="1182529"/>
-      </dsp:txXfrm>
-    </dsp:sp>
-    <dsp:sp modelId="{DA053704-99ED-4498-9AFE-B6BAE31C7D40}">
-      <dsp:nvSpPr>
-        <dsp:cNvPr id="0" name=""/>
-        <dsp:cNvSpPr/>
-      </dsp:nvSpPr>
-      <dsp:spPr>
-        <a:xfrm>
-          <a:off x="979" y="1403945"/>
-          <a:ext cx="5572374" cy="1256109"/>
-        </a:xfrm>
-        <a:prstGeom prst="roundRect">
-          <a:avLst>
-            <a:gd name="adj" fmla="val 10000"/>
-          </a:avLst>
-        </a:prstGeom>
-        <a:solidFill>
-          <a:schemeClr val="accent2"/>
-        </a:solidFill>
-        <a:ln w="25400" cap="flat" cmpd="sng" algn="ctr">
-          <a:solidFill>
-            <a:schemeClr val="accent2">
-              <a:shade val="50000"/>
-            </a:schemeClr>
-          </a:solidFill>
-          <a:prstDash val="solid"/>
-        </a:ln>
-        <a:effectLst/>
-      </dsp:spPr>
-      <dsp:style>
-        <a:lnRef idx="2">
-          <a:schemeClr val="accent2">
-            <a:shade val="50000"/>
-          </a:schemeClr>
-        </a:lnRef>
-        <a:fillRef idx="1">
-          <a:schemeClr val="accent2"/>
-        </a:fillRef>
-        <a:effectRef idx="0">
-          <a:schemeClr val="accent2"/>
-        </a:effectRef>
-        <a:fontRef idx="minor">
-          <a:schemeClr val="lt1"/>
-        </a:fontRef>
-      </dsp:style>
-      <dsp:txBody>
-        <a:bodyPr spcFirstLastPara="0" vert="horz" wrap="square" lIns="171450" tIns="171450" rIns="171450" bIns="171450" numCol="1" spcCol="1270" anchor="ctr" anchorCtr="0">
-          <a:noAutofit/>
-        </a:bodyPr>
-        <a:lstStyle/>
-        <a:p>
-          <a:pPr lvl="0" algn="ctr" defTabSz="2000250">
-            <a:lnSpc>
-              <a:spcPct val="90000"/>
-            </a:lnSpc>
-            <a:spcBef>
-              <a:spcPct val="0"/>
-            </a:spcBef>
-            <a:spcAft>
-              <a:spcPct val="35000"/>
-            </a:spcAft>
-          </a:pPr>
-          <a:r>
-            <a:rPr lang="fr-FR" sz="4500" kern="1200" dirty="0" smtClean="0"/>
-            <a:t>Routeur 1</a:t>
-          </a:r>
-          <a:endParaRPr lang="fr-FR" sz="4500" kern="1200" dirty="0"/>
-        </a:p>
-      </dsp:txBody>
-      <dsp:txXfrm>
-        <a:off x="37769" y="1440735"/>
-        <a:ext cx="5498794" cy="1182529"/>
-      </dsp:txXfrm>
-    </dsp:sp>
-    <dsp:sp modelId="{6EC877B3-C26C-4423-9711-F7172DDEE7FB}">
-      <dsp:nvSpPr>
-        <dsp:cNvPr id="0" name=""/>
-        <dsp:cNvSpPr/>
-      </dsp:nvSpPr>
-      <dsp:spPr>
-        <a:xfrm>
-          <a:off x="979" y="2807739"/>
-          <a:ext cx="2728880" cy="1256109"/>
-        </a:xfrm>
-        <a:prstGeom prst="roundRect">
-          <a:avLst>
-            <a:gd name="adj" fmla="val 10000"/>
-          </a:avLst>
-        </a:prstGeom>
-        <a:solidFill>
-          <a:schemeClr val="accent1">
-            <a:hueOff val="0"/>
-            <a:satOff val="0"/>
-            <a:lumOff val="0"/>
-            <a:alphaOff val="0"/>
-          </a:schemeClr>
-        </a:solidFill>
-        <a:ln w="25400" cap="flat" cmpd="sng" algn="ctr">
-          <a:solidFill>
-            <a:schemeClr val="lt1">
-              <a:hueOff val="0"/>
-              <a:satOff val="0"/>
-              <a:lumOff val="0"/>
-              <a:alphaOff val="0"/>
-            </a:schemeClr>
-          </a:solidFill>
-          <a:prstDash val="solid"/>
-        </a:ln>
-        <a:effectLst/>
-      </dsp:spPr>
-      <dsp:style>
-        <a:lnRef idx="2">
-          <a:scrgbClr r="0" g="0" b="0"/>
-        </a:lnRef>
-        <a:fillRef idx="1">
-          <a:scrgbClr r="0" g="0" b="0"/>
-        </a:fillRef>
-        <a:effectRef idx="0">
-          <a:scrgbClr r="0" g="0" b="0"/>
-        </a:effectRef>
-        <a:fontRef idx="minor">
-          <a:schemeClr val="lt1"/>
-        </a:fontRef>
-      </dsp:style>
-      <dsp:txBody>
-        <a:bodyPr spcFirstLastPara="0" vert="horz" wrap="square" lIns="133350" tIns="133350" rIns="133350" bIns="133350" numCol="1" spcCol="1270" anchor="ctr" anchorCtr="0">
-          <a:noAutofit/>
-        </a:bodyPr>
-        <a:lstStyle/>
-        <a:p>
-          <a:pPr lvl="0" algn="ctr" defTabSz="1555750">
-            <a:lnSpc>
-              <a:spcPct val="90000"/>
-            </a:lnSpc>
-            <a:spcBef>
-              <a:spcPct val="0"/>
-            </a:spcBef>
-            <a:spcAft>
-              <a:spcPct val="35000"/>
-            </a:spcAft>
-          </a:pPr>
-          <a:r>
-            <a:rPr lang="fr-FR" sz="3500" kern="1200" dirty="0" err="1" smtClean="0"/>
-            <a:t>Datacentre</a:t>
-          </a:r>
-          <a:r>
-            <a:rPr lang="fr-FR" sz="3500" kern="1200" dirty="0" smtClean="0"/>
-            <a:t> 1</a:t>
-          </a:r>
-          <a:endParaRPr lang="fr-FR" sz="3500" kern="1200" dirty="0"/>
-        </a:p>
-      </dsp:txBody>
-      <dsp:txXfrm>
-        <a:off x="37769" y="2844529"/>
-        <a:ext cx="2655300" cy="1182529"/>
-      </dsp:txXfrm>
-    </dsp:sp>
-    <dsp:sp modelId="{891DC49C-520D-4C3E-89C0-519A4BB70127}">
-      <dsp:nvSpPr>
-        <dsp:cNvPr id="0" name=""/>
-        <dsp:cNvSpPr/>
-      </dsp:nvSpPr>
-      <dsp:spPr>
-        <a:xfrm>
-          <a:off x="2844473" y="2807739"/>
-          <a:ext cx="2728880" cy="1256109"/>
-        </a:xfrm>
-        <a:prstGeom prst="roundRect">
-          <a:avLst>
-            <a:gd name="adj" fmla="val 10000"/>
-          </a:avLst>
-        </a:prstGeom>
-        <a:solidFill>
-          <a:schemeClr val="accent1">
-            <a:hueOff val="0"/>
-            <a:satOff val="0"/>
-            <a:lumOff val="0"/>
-            <a:alphaOff val="0"/>
-          </a:schemeClr>
-        </a:solidFill>
-        <a:ln w="25400" cap="flat" cmpd="sng" algn="ctr">
-          <a:solidFill>
-            <a:schemeClr val="lt1">
-              <a:hueOff val="0"/>
-              <a:satOff val="0"/>
-              <a:lumOff val="0"/>
-              <a:alphaOff val="0"/>
-            </a:schemeClr>
-          </a:solidFill>
-          <a:prstDash val="solid"/>
-        </a:ln>
-        <a:effectLst/>
-      </dsp:spPr>
-      <dsp:style>
-        <a:lnRef idx="2">
-          <a:scrgbClr r="0" g="0" b="0"/>
-        </a:lnRef>
-        <a:fillRef idx="1">
-          <a:scrgbClr r="0" g="0" b="0"/>
-        </a:fillRef>
-        <a:effectRef idx="0">
-          <a:scrgbClr r="0" g="0" b="0"/>
-        </a:effectRef>
-        <a:fontRef idx="minor">
-          <a:schemeClr val="lt1"/>
-        </a:fontRef>
-      </dsp:style>
-      <dsp:txBody>
-        <a:bodyPr spcFirstLastPara="0" vert="horz" wrap="square" lIns="133350" tIns="133350" rIns="133350" bIns="133350" numCol="1" spcCol="1270" anchor="ctr" anchorCtr="0">
-          <a:noAutofit/>
-        </a:bodyPr>
-        <a:lstStyle/>
-        <a:p>
-          <a:pPr lvl="0" algn="ctr" defTabSz="1555750">
-            <a:lnSpc>
-              <a:spcPct val="90000"/>
-            </a:lnSpc>
-            <a:spcBef>
-              <a:spcPct val="0"/>
-            </a:spcBef>
-            <a:spcAft>
-              <a:spcPct val="35000"/>
-            </a:spcAft>
-          </a:pPr>
-          <a:r>
-            <a:rPr lang="fr-FR" sz="3500" kern="1200" dirty="0" err="1" smtClean="0"/>
-            <a:t>Datacentre</a:t>
-          </a:r>
-          <a:r>
-            <a:rPr lang="fr-FR" sz="3500" kern="1200" dirty="0" smtClean="0"/>
-            <a:t> 2</a:t>
-          </a:r>
-          <a:endParaRPr lang="fr-FR" sz="3500" kern="1200" dirty="0"/>
-        </a:p>
-      </dsp:txBody>
-      <dsp:txXfrm>
-        <a:off x="2881263" y="2844529"/>
-        <a:ext cx="2655300" cy="1182529"/>
-      </dsp:txXfrm>
-    </dsp:sp>
-    <dsp:sp modelId="{A71E157E-2E6A-46C1-B68C-6F32834BC1CE}">
-      <dsp:nvSpPr>
-        <dsp:cNvPr id="0" name=""/>
-        <dsp:cNvSpPr/>
-      </dsp:nvSpPr>
-      <dsp:spPr>
-        <a:xfrm>
-          <a:off x="5802579" y="1403945"/>
-          <a:ext cx="2728880" cy="1256109"/>
-        </a:xfrm>
-        <a:prstGeom prst="roundRect">
-          <a:avLst>
-            <a:gd name="adj" fmla="val 10000"/>
-          </a:avLst>
-        </a:prstGeom>
-        <a:solidFill>
-          <a:schemeClr val="accent2"/>
-        </a:solidFill>
-        <a:ln w="25400" cap="flat" cmpd="sng" algn="ctr">
-          <a:solidFill>
-            <a:schemeClr val="accent2">
-              <a:shade val="50000"/>
-            </a:schemeClr>
-          </a:solidFill>
-          <a:prstDash val="solid"/>
-        </a:ln>
-        <a:effectLst/>
-      </dsp:spPr>
-      <dsp:style>
-        <a:lnRef idx="2">
-          <a:schemeClr val="accent2">
-            <a:shade val="50000"/>
-          </a:schemeClr>
-        </a:lnRef>
-        <a:fillRef idx="1">
-          <a:schemeClr val="accent2"/>
-        </a:fillRef>
-        <a:effectRef idx="0">
-          <a:schemeClr val="accent2"/>
-        </a:effectRef>
-        <a:fontRef idx="minor">
-          <a:schemeClr val="lt1"/>
-        </a:fontRef>
-      </dsp:style>
-      <dsp:txBody>
-        <a:bodyPr spcFirstLastPara="0" vert="horz" wrap="square" lIns="171450" tIns="171450" rIns="171450" bIns="171450" numCol="1" spcCol="1270" anchor="ctr" anchorCtr="0">
-          <a:noAutofit/>
-        </a:bodyPr>
-        <a:lstStyle/>
-        <a:p>
-          <a:pPr lvl="0" algn="ctr" defTabSz="2000250">
-            <a:lnSpc>
-              <a:spcPct val="90000"/>
-            </a:lnSpc>
-            <a:spcBef>
-              <a:spcPct val="0"/>
-            </a:spcBef>
-            <a:spcAft>
-              <a:spcPct val="35000"/>
-            </a:spcAft>
-          </a:pPr>
-          <a:r>
-            <a:rPr lang="fr-FR" sz="4500" kern="1200" dirty="0" smtClean="0"/>
-            <a:t>Routeur 2</a:t>
-          </a:r>
-          <a:endParaRPr lang="fr-FR" sz="4500" kern="1200" dirty="0"/>
-        </a:p>
-      </dsp:txBody>
-      <dsp:txXfrm>
-        <a:off x="5839369" y="1440735"/>
-        <a:ext cx="2655300" cy="1182529"/>
-      </dsp:txXfrm>
-    </dsp:sp>
-    <dsp:sp modelId="{67CC1F6E-23F5-4B14-84CE-AE1BBE1F85C1}">
-      <dsp:nvSpPr>
-        <dsp:cNvPr id="0" name=""/>
-        <dsp:cNvSpPr/>
-      </dsp:nvSpPr>
-      <dsp:spPr>
-        <a:xfrm>
-          <a:off x="5802579" y="2807739"/>
-          <a:ext cx="2728880" cy="1256109"/>
-        </a:xfrm>
-        <a:prstGeom prst="roundRect">
-          <a:avLst>
-            <a:gd name="adj" fmla="val 10000"/>
-          </a:avLst>
-        </a:prstGeom>
-        <a:solidFill>
-          <a:schemeClr val="accent1">
-            <a:hueOff val="0"/>
-            <a:satOff val="0"/>
-            <a:lumOff val="0"/>
-            <a:alphaOff val="0"/>
-          </a:schemeClr>
-        </a:solidFill>
-        <a:ln w="25400" cap="flat" cmpd="sng" algn="ctr">
-          <a:solidFill>
-            <a:schemeClr val="lt1">
-              <a:hueOff val="0"/>
-              <a:satOff val="0"/>
-              <a:lumOff val="0"/>
-              <a:alphaOff val="0"/>
-            </a:schemeClr>
-          </a:solidFill>
-          <a:prstDash val="solid"/>
-        </a:ln>
-        <a:effectLst/>
-      </dsp:spPr>
-      <dsp:style>
-        <a:lnRef idx="2">
-          <a:scrgbClr r="0" g="0" b="0"/>
-        </a:lnRef>
-        <a:fillRef idx="1">
-          <a:scrgbClr r="0" g="0" b="0"/>
-        </a:fillRef>
-        <a:effectRef idx="0">
-          <a:scrgbClr r="0" g="0" b="0"/>
-        </a:effectRef>
-        <a:fontRef idx="minor">
-          <a:schemeClr val="lt1"/>
-        </a:fontRef>
-      </dsp:style>
-      <dsp:txBody>
-        <a:bodyPr spcFirstLastPara="0" vert="horz" wrap="square" lIns="133350" tIns="133350" rIns="133350" bIns="133350" numCol="1" spcCol="1270" anchor="ctr" anchorCtr="0">
-          <a:noAutofit/>
-        </a:bodyPr>
-        <a:lstStyle/>
-        <a:p>
-          <a:pPr lvl="0" algn="ctr" defTabSz="1555750">
-            <a:lnSpc>
-              <a:spcPct val="90000"/>
-            </a:lnSpc>
-            <a:spcBef>
-              <a:spcPct val="0"/>
-            </a:spcBef>
-            <a:spcAft>
-              <a:spcPct val="35000"/>
-            </a:spcAft>
-          </a:pPr>
-          <a:r>
-            <a:rPr lang="fr-FR" sz="3500" kern="1200" dirty="0" err="1" smtClean="0"/>
-            <a:t>Datacentre</a:t>
-          </a:r>
-          <a:r>
-            <a:rPr lang="fr-FR" sz="3500" kern="1200" dirty="0" smtClean="0"/>
-            <a:t> 3</a:t>
-          </a:r>
-          <a:endParaRPr lang="fr-FR" sz="3500" kern="1200" dirty="0"/>
-        </a:p>
-      </dsp:txBody>
-      <dsp:txXfrm>
-        <a:off x="5839369" y="2844529"/>
-        <a:ext cx="2655300" cy="1182529"/>
-      </dsp:txXfrm>
-    </dsp:sp>
   </dsp:spTree>
 </dsp:drawing>
 </file>
@@ -12996,292 +12085,6 @@
       <dsp:cNvGrpSpPr/>
     </dsp:nvGrpSpPr>
     <dsp:grpSpPr/>
-    <dsp:sp modelId="{6D4C26C8-B30D-4B10-9C88-1544645608C8}">
-      <dsp:nvSpPr>
-        <dsp:cNvPr id="0" name=""/>
-        <dsp:cNvSpPr/>
-      </dsp:nvSpPr>
-      <dsp:spPr>
-        <a:xfrm>
-          <a:off x="2691" y="0"/>
-          <a:ext cx="7483449" cy="1699993"/>
-        </a:xfrm>
-        <a:prstGeom prst="roundRect">
-          <a:avLst>
-            <a:gd name="adj" fmla="val 10000"/>
-          </a:avLst>
-        </a:prstGeom>
-        <a:noFill/>
-        <a:ln w="25400" cap="flat" cmpd="sng" algn="ctr">
-          <a:noFill/>
-          <a:prstDash val="solid"/>
-        </a:ln>
-        <a:effectLst/>
-      </dsp:spPr>
-      <dsp:style>
-        <a:lnRef idx="2">
-          <a:schemeClr val="accent3">
-            <a:shade val="50000"/>
-          </a:schemeClr>
-        </a:lnRef>
-        <a:fillRef idx="1">
-          <a:schemeClr val="accent3"/>
-        </a:fillRef>
-        <a:effectRef idx="0">
-          <a:schemeClr val="accent3"/>
-        </a:effectRef>
-        <a:fontRef idx="minor">
-          <a:schemeClr val="lt1"/>
-        </a:fontRef>
-      </dsp:style>
-      <dsp:txBody>
-        <a:bodyPr spcFirstLastPara="0" vert="horz" wrap="square" lIns="247650" tIns="247650" rIns="247650" bIns="247650" numCol="1" spcCol="1270" anchor="ctr" anchorCtr="0">
-          <a:noAutofit/>
-        </a:bodyPr>
-        <a:lstStyle/>
-        <a:p>
-          <a:pPr lvl="0" algn="ctr" defTabSz="2889250">
-            <a:lnSpc>
-              <a:spcPct val="90000"/>
-            </a:lnSpc>
-            <a:spcBef>
-              <a:spcPct val="0"/>
-            </a:spcBef>
-            <a:spcAft>
-              <a:spcPct val="35000"/>
-            </a:spcAft>
-          </a:pPr>
-          <a:r>
-            <a:rPr lang="fr-FR" sz="6500" kern="1200" dirty="0" smtClean="0"/>
-            <a:t> </a:t>
-          </a:r>
-          <a:endParaRPr lang="fr-FR" sz="6500" kern="1200" dirty="0"/>
-        </a:p>
-      </dsp:txBody>
-      <dsp:txXfrm>
-        <a:off x="52482" y="49791"/>
-        <a:ext cx="7383867" cy="1600411"/>
-      </dsp:txXfrm>
-    </dsp:sp>
-    <dsp:sp modelId="{DA053704-99ED-4498-9AFE-B6BAE31C7D40}">
-      <dsp:nvSpPr>
-        <dsp:cNvPr id="0" name=""/>
-        <dsp:cNvSpPr/>
-      </dsp:nvSpPr>
-      <dsp:spPr>
-        <a:xfrm>
-          <a:off x="2691" y="1899207"/>
-          <a:ext cx="2362199" cy="1699993"/>
-        </a:xfrm>
-        <a:prstGeom prst="roundRect">
-          <a:avLst>
-            <a:gd name="adj" fmla="val 10000"/>
-          </a:avLst>
-        </a:prstGeom>
-        <a:solidFill>
-          <a:schemeClr val="dk1"/>
-        </a:solidFill>
-        <a:ln w="25400" cap="flat" cmpd="sng" algn="ctr">
-          <a:solidFill>
-            <a:schemeClr val="dk1">
-              <a:shade val="50000"/>
-            </a:schemeClr>
-          </a:solidFill>
-          <a:prstDash val="solid"/>
-        </a:ln>
-        <a:effectLst/>
-      </dsp:spPr>
-      <dsp:style>
-        <a:lnRef idx="2">
-          <a:schemeClr val="dk1">
-            <a:shade val="50000"/>
-          </a:schemeClr>
-        </a:lnRef>
-        <a:fillRef idx="1">
-          <a:schemeClr val="dk1"/>
-        </a:fillRef>
-        <a:effectRef idx="0">
-          <a:schemeClr val="dk1"/>
-        </a:effectRef>
-        <a:fontRef idx="minor">
-          <a:schemeClr val="lt1"/>
-        </a:fontRef>
-      </dsp:style>
-      <dsp:txBody>
-        <a:bodyPr spcFirstLastPara="0" vert="horz" wrap="square" lIns="163830" tIns="163830" rIns="163830" bIns="163830" numCol="1" spcCol="1270" anchor="ctr" anchorCtr="0">
-          <a:noAutofit/>
-        </a:bodyPr>
-        <a:lstStyle/>
-        <a:p>
-          <a:pPr lvl="0" algn="ctr" defTabSz="1911350">
-            <a:lnSpc>
-              <a:spcPct val="90000"/>
-            </a:lnSpc>
-            <a:spcBef>
-              <a:spcPct val="0"/>
-            </a:spcBef>
-            <a:spcAft>
-              <a:spcPct val="35000"/>
-            </a:spcAft>
-          </a:pPr>
-          <a:r>
-            <a:rPr lang="fr-FR" sz="4300" kern="1200" dirty="0" smtClean="0"/>
-            <a:t>Disque 1</a:t>
-          </a:r>
-          <a:endParaRPr lang="fr-FR" sz="4300" kern="1200" dirty="0"/>
-        </a:p>
-      </dsp:txBody>
-      <dsp:txXfrm>
-        <a:off x="52482" y="1948998"/>
-        <a:ext cx="2262617" cy="1600411"/>
-      </dsp:txXfrm>
-    </dsp:sp>
-    <dsp:sp modelId="{A71E157E-2E6A-46C1-B68C-6F32834BC1CE}">
-      <dsp:nvSpPr>
-        <dsp:cNvPr id="0" name=""/>
-        <dsp:cNvSpPr/>
-      </dsp:nvSpPr>
-      <dsp:spPr>
-        <a:xfrm>
-          <a:off x="2563316" y="1899207"/>
-          <a:ext cx="2362199" cy="1699993"/>
-        </a:xfrm>
-        <a:prstGeom prst="roundRect">
-          <a:avLst>
-            <a:gd name="adj" fmla="val 10000"/>
-          </a:avLst>
-        </a:prstGeom>
-        <a:solidFill>
-          <a:schemeClr val="dk1"/>
-        </a:solidFill>
-        <a:ln w="25400" cap="flat" cmpd="sng" algn="ctr">
-          <a:solidFill>
-            <a:schemeClr val="dk1">
-              <a:shade val="50000"/>
-            </a:schemeClr>
-          </a:solidFill>
-          <a:prstDash val="solid"/>
-        </a:ln>
-        <a:effectLst/>
-      </dsp:spPr>
-      <dsp:style>
-        <a:lnRef idx="2">
-          <a:schemeClr val="dk1">
-            <a:shade val="50000"/>
-          </a:schemeClr>
-        </a:lnRef>
-        <a:fillRef idx="1">
-          <a:schemeClr val="dk1"/>
-        </a:fillRef>
-        <a:effectRef idx="0">
-          <a:schemeClr val="dk1"/>
-        </a:effectRef>
-        <a:fontRef idx="minor">
-          <a:schemeClr val="lt1"/>
-        </a:fontRef>
-      </dsp:style>
-      <dsp:txBody>
-        <a:bodyPr spcFirstLastPara="0" vert="horz" wrap="square" lIns="163830" tIns="163830" rIns="163830" bIns="163830" numCol="1" spcCol="1270" anchor="ctr" anchorCtr="0">
-          <a:noAutofit/>
-        </a:bodyPr>
-        <a:lstStyle/>
-        <a:p>
-          <a:pPr lvl="0" algn="ctr" defTabSz="1911350">
-            <a:lnSpc>
-              <a:spcPct val="90000"/>
-            </a:lnSpc>
-            <a:spcBef>
-              <a:spcPct val="0"/>
-            </a:spcBef>
-            <a:spcAft>
-              <a:spcPct val="35000"/>
-            </a:spcAft>
-          </a:pPr>
-          <a:r>
-            <a:rPr lang="fr-FR" sz="4300" kern="1200" dirty="0" smtClean="0"/>
-            <a:t>Disque 2</a:t>
-          </a:r>
-          <a:endParaRPr lang="fr-FR" sz="4300" kern="1200" dirty="0"/>
-        </a:p>
-      </dsp:txBody>
-      <dsp:txXfrm>
-        <a:off x="2613107" y="1948998"/>
-        <a:ext cx="2262617" cy="1600411"/>
-      </dsp:txXfrm>
-    </dsp:sp>
-    <dsp:sp modelId="{7C7D4639-DA1F-4E5F-BB1A-E5F0BBAA04AB}">
-      <dsp:nvSpPr>
-        <dsp:cNvPr id="0" name=""/>
-        <dsp:cNvSpPr/>
-      </dsp:nvSpPr>
-      <dsp:spPr>
-        <a:xfrm>
-          <a:off x="5123940" y="1899207"/>
-          <a:ext cx="2362199" cy="1699993"/>
-        </a:xfrm>
-        <a:prstGeom prst="roundRect">
-          <a:avLst>
-            <a:gd name="adj" fmla="val 10000"/>
-          </a:avLst>
-        </a:prstGeom>
-        <a:solidFill>
-          <a:schemeClr val="dk1"/>
-        </a:solidFill>
-        <a:ln w="25400" cap="flat" cmpd="sng" algn="ctr">
-          <a:solidFill>
-            <a:schemeClr val="dk1">
-              <a:shade val="50000"/>
-            </a:schemeClr>
-          </a:solidFill>
-          <a:prstDash val="solid"/>
-        </a:ln>
-        <a:effectLst/>
-      </dsp:spPr>
-      <dsp:style>
-        <a:lnRef idx="2">
-          <a:schemeClr val="dk1">
-            <a:shade val="50000"/>
-          </a:schemeClr>
-        </a:lnRef>
-        <a:fillRef idx="1">
-          <a:schemeClr val="dk1"/>
-        </a:fillRef>
-        <a:effectRef idx="0">
-          <a:schemeClr val="dk1"/>
-        </a:effectRef>
-        <a:fontRef idx="minor">
-          <a:schemeClr val="lt1"/>
-        </a:fontRef>
-      </dsp:style>
-      <dsp:txBody>
-        <a:bodyPr spcFirstLastPara="0" vert="horz" wrap="square" lIns="163830" tIns="163830" rIns="163830" bIns="163830" numCol="1" spcCol="1270" anchor="ctr" anchorCtr="0">
-          <a:noAutofit/>
-        </a:bodyPr>
-        <a:lstStyle/>
-        <a:p>
-          <a:pPr lvl="0" algn="ctr" defTabSz="1911350">
-            <a:lnSpc>
-              <a:spcPct val="90000"/>
-            </a:lnSpc>
-            <a:spcBef>
-              <a:spcPct val="0"/>
-            </a:spcBef>
-            <a:spcAft>
-              <a:spcPct val="35000"/>
-            </a:spcAft>
-          </a:pPr>
-          <a:r>
-            <a:rPr lang="fr-FR" sz="4300" kern="1200" dirty="0" smtClean="0"/>
-            <a:t>Rack (10 disques)</a:t>
-          </a:r>
-          <a:endParaRPr lang="fr-FR" sz="4300" kern="1200" dirty="0"/>
-        </a:p>
-      </dsp:txBody>
-      <dsp:txXfrm>
-        <a:off x="5173731" y="1948998"/>
-        <a:ext cx="2262617" cy="1600411"/>
-      </dsp:txXfrm>
-    </dsp:sp>
   </dsp:spTree>
 </dsp:drawing>
 </file>
@@ -13294,444 +12097,6 @@
       <dsp:cNvGrpSpPr/>
     </dsp:nvGrpSpPr>
     <dsp:grpSpPr/>
-    <dsp:sp modelId="{4D640D6A-6E7A-4469-B741-CFE7F2FB08DB}">
-      <dsp:nvSpPr>
-        <dsp:cNvPr id="0" name=""/>
-        <dsp:cNvSpPr/>
-      </dsp:nvSpPr>
-      <dsp:spPr>
-        <a:xfrm>
-          <a:off x="35" y="2680891"/>
-          <a:ext cx="7487113" cy="1207540"/>
-        </a:xfrm>
-        <a:prstGeom prst="roundRect">
-          <a:avLst>
-            <a:gd name="adj" fmla="val 10000"/>
-          </a:avLst>
-        </a:prstGeom>
-        <a:solidFill>
-          <a:schemeClr val="accent6"/>
-        </a:solidFill>
-        <a:ln w="25400" cap="flat" cmpd="sng" algn="ctr">
-          <a:solidFill>
-            <a:schemeClr val="accent6">
-              <a:shade val="50000"/>
-            </a:schemeClr>
-          </a:solidFill>
-          <a:prstDash val="solid"/>
-        </a:ln>
-        <a:effectLst/>
-      </dsp:spPr>
-      <dsp:style>
-        <a:lnRef idx="2">
-          <a:schemeClr val="accent6">
-            <a:shade val="50000"/>
-          </a:schemeClr>
-        </a:lnRef>
-        <a:fillRef idx="1">
-          <a:schemeClr val="accent6"/>
-        </a:fillRef>
-        <a:effectRef idx="0">
-          <a:schemeClr val="accent6"/>
-        </a:effectRef>
-        <a:fontRef idx="minor">
-          <a:schemeClr val="lt1"/>
-        </a:fontRef>
-      </dsp:style>
-      <dsp:txBody>
-        <a:bodyPr spcFirstLastPara="0" vert="horz" wrap="square" lIns="160020" tIns="160020" rIns="160020" bIns="160020" numCol="1" spcCol="1270" anchor="ctr" anchorCtr="0">
-          <a:noAutofit/>
-        </a:bodyPr>
-        <a:lstStyle/>
-        <a:p>
-          <a:pPr lvl="0" algn="ctr" defTabSz="1866900">
-            <a:lnSpc>
-              <a:spcPct val="90000"/>
-            </a:lnSpc>
-            <a:spcBef>
-              <a:spcPct val="0"/>
-            </a:spcBef>
-            <a:spcAft>
-              <a:spcPct val="35000"/>
-            </a:spcAft>
-          </a:pPr>
-          <a:r>
-            <a:rPr lang="fr-FR" sz="4200" kern="1200" dirty="0" smtClean="0"/>
-            <a:t>Gestionnaire de Volume Logique</a:t>
-          </a:r>
-          <a:endParaRPr lang="fr-FR" sz="4200" kern="1200" dirty="0"/>
-        </a:p>
-      </dsp:txBody>
-      <dsp:txXfrm>
-        <a:off x="35403" y="2716259"/>
-        <a:ext cx="7416377" cy="1136804"/>
-      </dsp:txXfrm>
-    </dsp:sp>
-    <dsp:sp modelId="{CC59C373-2F08-4536-B3F7-CC479FF541AF}">
-      <dsp:nvSpPr>
-        <dsp:cNvPr id="0" name=""/>
-        <dsp:cNvSpPr/>
-      </dsp:nvSpPr>
-      <dsp:spPr>
-        <a:xfrm>
-          <a:off x="859" y="1340445"/>
-          <a:ext cx="4890814" cy="1207540"/>
-        </a:xfrm>
-        <a:prstGeom prst="roundRect">
-          <a:avLst>
-            <a:gd name="adj" fmla="val 10000"/>
-          </a:avLst>
-        </a:prstGeom>
-        <a:solidFill>
-          <a:schemeClr val="accent4"/>
-        </a:solidFill>
-        <a:ln w="25400" cap="flat" cmpd="sng" algn="ctr">
-          <a:solidFill>
-            <a:schemeClr val="accent4">
-              <a:shade val="50000"/>
-            </a:schemeClr>
-          </a:solidFill>
-          <a:prstDash val="solid"/>
-        </a:ln>
-        <a:effectLst/>
-      </dsp:spPr>
-      <dsp:style>
-        <a:lnRef idx="2">
-          <a:schemeClr val="accent4">
-            <a:shade val="50000"/>
-          </a:schemeClr>
-        </a:lnRef>
-        <a:fillRef idx="1">
-          <a:schemeClr val="accent4"/>
-        </a:fillRef>
-        <a:effectRef idx="0">
-          <a:schemeClr val="accent4"/>
-        </a:effectRef>
-        <a:fontRef idx="minor">
-          <a:schemeClr val="lt1"/>
-        </a:fontRef>
-      </dsp:style>
-      <dsp:txBody>
-        <a:bodyPr spcFirstLastPara="0" vert="horz" wrap="square" lIns="156210" tIns="156210" rIns="156210" bIns="156210" numCol="1" spcCol="1270" anchor="ctr" anchorCtr="0">
-          <a:noAutofit/>
-        </a:bodyPr>
-        <a:lstStyle/>
-        <a:p>
-          <a:pPr lvl="0" algn="ctr" defTabSz="1822450">
-            <a:lnSpc>
-              <a:spcPct val="90000"/>
-            </a:lnSpc>
-            <a:spcBef>
-              <a:spcPct val="0"/>
-            </a:spcBef>
-            <a:spcAft>
-              <a:spcPct val="35000"/>
-            </a:spcAft>
-          </a:pPr>
-          <a:r>
-            <a:rPr lang="fr-FR" sz="4100" kern="1200" dirty="0" smtClean="0"/>
-            <a:t>Volume 1</a:t>
-          </a:r>
-          <a:endParaRPr lang="fr-FR" sz="4100" kern="1200" dirty="0"/>
-        </a:p>
-      </dsp:txBody>
-      <dsp:txXfrm>
-        <a:off x="36227" y="1375813"/>
-        <a:ext cx="4820078" cy="1136804"/>
-      </dsp:txXfrm>
-    </dsp:sp>
-    <dsp:sp modelId="{35CCB740-5A45-43A3-ADCF-C0F53AECA88A}">
-      <dsp:nvSpPr>
-        <dsp:cNvPr id="0" name=""/>
-        <dsp:cNvSpPr/>
-      </dsp:nvSpPr>
-      <dsp:spPr>
-        <a:xfrm>
-          <a:off x="859" y="2669"/>
-          <a:ext cx="2395109" cy="1207540"/>
-        </a:xfrm>
-        <a:prstGeom prst="roundRect">
-          <a:avLst>
-            <a:gd name="adj" fmla="val 10000"/>
-          </a:avLst>
-        </a:prstGeom>
-        <a:solidFill>
-          <a:schemeClr val="accent2"/>
-        </a:solidFill>
-        <a:ln w="25400" cap="flat" cmpd="sng" algn="ctr">
-          <a:solidFill>
-            <a:schemeClr val="accent2">
-              <a:shade val="50000"/>
-            </a:schemeClr>
-          </a:solidFill>
-          <a:prstDash val="solid"/>
-        </a:ln>
-        <a:effectLst/>
-      </dsp:spPr>
-      <dsp:style>
-        <a:lnRef idx="2">
-          <a:schemeClr val="accent2">
-            <a:shade val="50000"/>
-          </a:schemeClr>
-        </a:lnRef>
-        <a:fillRef idx="1">
-          <a:schemeClr val="accent2"/>
-        </a:fillRef>
-        <a:effectRef idx="0">
-          <a:schemeClr val="accent2"/>
-        </a:effectRef>
-        <a:fontRef idx="minor">
-          <a:schemeClr val="lt1"/>
-        </a:fontRef>
-      </dsp:style>
-      <dsp:txBody>
-        <a:bodyPr spcFirstLastPara="0" vert="horz" wrap="square" lIns="156210" tIns="156210" rIns="156210" bIns="156210" numCol="1" spcCol="1270" anchor="ctr" anchorCtr="0">
-          <a:noAutofit/>
-        </a:bodyPr>
-        <a:lstStyle/>
-        <a:p>
-          <a:pPr lvl="0" algn="ctr" defTabSz="1822450">
-            <a:lnSpc>
-              <a:spcPct val="90000"/>
-            </a:lnSpc>
-            <a:spcBef>
-              <a:spcPct val="0"/>
-            </a:spcBef>
-            <a:spcAft>
-              <a:spcPct val="35000"/>
-            </a:spcAft>
-          </a:pPr>
-          <a:r>
-            <a:rPr lang="fr-FR" sz="4100" kern="1200" dirty="0" smtClean="0"/>
-            <a:t>Srv1</a:t>
-          </a:r>
-          <a:endParaRPr lang="fr-FR" sz="4100" kern="1200" dirty="0"/>
-        </a:p>
-      </dsp:txBody>
-      <dsp:txXfrm>
-        <a:off x="36227" y="38037"/>
-        <a:ext cx="2324373" cy="1136804"/>
-      </dsp:txXfrm>
-    </dsp:sp>
-    <dsp:sp modelId="{33BD29BD-90A9-41ED-AE87-202838B68EC4}">
-      <dsp:nvSpPr>
-        <dsp:cNvPr id="0" name=""/>
-        <dsp:cNvSpPr/>
-      </dsp:nvSpPr>
-      <dsp:spPr>
-        <a:xfrm>
-          <a:off x="2496563" y="2669"/>
-          <a:ext cx="2395109" cy="1207540"/>
-        </a:xfrm>
-        <a:prstGeom prst="roundRect">
-          <a:avLst>
-            <a:gd name="adj" fmla="val 10000"/>
-          </a:avLst>
-        </a:prstGeom>
-        <a:solidFill>
-          <a:schemeClr val="accent2"/>
-        </a:solidFill>
-        <a:ln w="25400" cap="flat" cmpd="sng" algn="ctr">
-          <a:solidFill>
-            <a:schemeClr val="accent2">
-              <a:shade val="50000"/>
-            </a:schemeClr>
-          </a:solidFill>
-          <a:prstDash val="solid"/>
-        </a:ln>
-        <a:effectLst/>
-      </dsp:spPr>
-      <dsp:style>
-        <a:lnRef idx="2">
-          <a:schemeClr val="accent2">
-            <a:shade val="50000"/>
-          </a:schemeClr>
-        </a:lnRef>
-        <a:fillRef idx="1">
-          <a:schemeClr val="accent2"/>
-        </a:fillRef>
-        <a:effectRef idx="0">
-          <a:schemeClr val="accent2"/>
-        </a:effectRef>
-        <a:fontRef idx="minor">
-          <a:schemeClr val="lt1"/>
-        </a:fontRef>
-      </dsp:style>
-      <dsp:txBody>
-        <a:bodyPr spcFirstLastPara="0" vert="horz" wrap="square" lIns="156210" tIns="156210" rIns="156210" bIns="156210" numCol="1" spcCol="1270" anchor="ctr" anchorCtr="0">
-          <a:noAutofit/>
-        </a:bodyPr>
-        <a:lstStyle/>
-        <a:p>
-          <a:pPr lvl="0" algn="ctr" defTabSz="1822450">
-            <a:lnSpc>
-              <a:spcPct val="90000"/>
-            </a:lnSpc>
-            <a:spcBef>
-              <a:spcPct val="0"/>
-            </a:spcBef>
-            <a:spcAft>
-              <a:spcPct val="35000"/>
-            </a:spcAft>
-          </a:pPr>
-          <a:r>
-            <a:rPr lang="fr-FR" sz="4100" kern="1200" dirty="0" smtClean="0"/>
-            <a:t>Srv2</a:t>
-          </a:r>
-          <a:endParaRPr lang="fr-FR" sz="4100" kern="1200" dirty="0"/>
-        </a:p>
-      </dsp:txBody>
-      <dsp:txXfrm>
-        <a:off x="2531931" y="38037"/>
-        <a:ext cx="2324373" cy="1136804"/>
-      </dsp:txXfrm>
-    </dsp:sp>
-    <dsp:sp modelId="{18DD8FA2-C839-49EC-ACCB-109796FA0281}">
-      <dsp:nvSpPr>
-        <dsp:cNvPr id="0" name=""/>
-        <dsp:cNvSpPr/>
-      </dsp:nvSpPr>
-      <dsp:spPr>
-        <a:xfrm>
-          <a:off x="5092862" y="1340445"/>
-          <a:ext cx="2395109" cy="1207540"/>
-        </a:xfrm>
-        <a:prstGeom prst="roundRect">
-          <a:avLst>
-            <a:gd name="adj" fmla="val 10000"/>
-          </a:avLst>
-        </a:prstGeom>
-        <a:solidFill>
-          <a:schemeClr val="accent4"/>
-        </a:solidFill>
-        <a:ln w="25400" cap="flat" cmpd="sng" algn="ctr">
-          <a:solidFill>
-            <a:schemeClr val="accent4">
-              <a:shade val="50000"/>
-            </a:schemeClr>
-          </a:solidFill>
-          <a:prstDash val="solid"/>
-        </a:ln>
-        <a:effectLst/>
-      </dsp:spPr>
-      <dsp:style>
-        <a:lnRef idx="2">
-          <a:schemeClr val="accent4">
-            <a:shade val="50000"/>
-          </a:schemeClr>
-        </a:lnRef>
-        <a:fillRef idx="1">
-          <a:schemeClr val="accent4"/>
-        </a:fillRef>
-        <a:effectRef idx="0">
-          <a:schemeClr val="accent4"/>
-        </a:effectRef>
-        <a:fontRef idx="minor">
-          <a:schemeClr val="lt1"/>
-        </a:fontRef>
-      </dsp:style>
-      <dsp:txBody>
-        <a:bodyPr spcFirstLastPara="0" vert="horz" wrap="square" lIns="156210" tIns="156210" rIns="156210" bIns="156210" numCol="1" spcCol="1270" anchor="ctr" anchorCtr="0">
-          <a:noAutofit/>
-        </a:bodyPr>
-        <a:lstStyle/>
-        <a:p>
-          <a:pPr lvl="0" algn="ctr" defTabSz="1822450">
-            <a:lnSpc>
-              <a:spcPct val="90000"/>
-            </a:lnSpc>
-            <a:spcBef>
-              <a:spcPct val="0"/>
-            </a:spcBef>
-            <a:spcAft>
-              <a:spcPct val="35000"/>
-            </a:spcAft>
-          </a:pPr>
-          <a:r>
-            <a:rPr lang="fr-FR" sz="4100" kern="1200" dirty="0" smtClean="0"/>
-            <a:t>Volume 2</a:t>
-          </a:r>
-          <a:endParaRPr lang="fr-FR" sz="4100" kern="1200" dirty="0"/>
-        </a:p>
-      </dsp:txBody>
-      <dsp:txXfrm>
-        <a:off x="5128230" y="1375813"/>
-        <a:ext cx="2324373" cy="1136804"/>
-      </dsp:txXfrm>
-    </dsp:sp>
-    <dsp:sp modelId="{DD7C41A9-2E4A-4D5E-BB5E-B5ECE88EEBD6}">
-      <dsp:nvSpPr>
-        <dsp:cNvPr id="0" name=""/>
-        <dsp:cNvSpPr/>
-      </dsp:nvSpPr>
-      <dsp:spPr>
-        <a:xfrm>
-          <a:off x="5092862" y="2669"/>
-          <a:ext cx="2395109" cy="1207540"/>
-        </a:xfrm>
-        <a:prstGeom prst="roundRect">
-          <a:avLst>
-            <a:gd name="adj" fmla="val 10000"/>
-          </a:avLst>
-        </a:prstGeom>
-        <a:solidFill>
-          <a:schemeClr val="accent2"/>
-        </a:solidFill>
-        <a:ln w="25400" cap="flat" cmpd="sng" algn="ctr">
-          <a:solidFill>
-            <a:schemeClr val="accent2">
-              <a:shade val="50000"/>
-            </a:schemeClr>
-          </a:solidFill>
-          <a:prstDash val="solid"/>
-        </a:ln>
-        <a:effectLst/>
-      </dsp:spPr>
-      <dsp:style>
-        <a:lnRef idx="2">
-          <a:schemeClr val="accent2">
-            <a:shade val="50000"/>
-          </a:schemeClr>
-        </a:lnRef>
-        <a:fillRef idx="1">
-          <a:schemeClr val="accent2"/>
-        </a:fillRef>
-        <a:effectRef idx="0">
-          <a:schemeClr val="accent2"/>
-        </a:effectRef>
-        <a:fontRef idx="minor">
-          <a:schemeClr val="lt1"/>
-        </a:fontRef>
-      </dsp:style>
-      <dsp:txBody>
-        <a:bodyPr spcFirstLastPara="0" vert="horz" wrap="square" lIns="156210" tIns="156210" rIns="156210" bIns="156210" numCol="1" spcCol="1270" anchor="ctr" anchorCtr="0">
-          <a:noAutofit/>
-        </a:bodyPr>
-        <a:lstStyle/>
-        <a:p>
-          <a:pPr lvl="0" algn="ctr" defTabSz="1822450">
-            <a:lnSpc>
-              <a:spcPct val="90000"/>
-            </a:lnSpc>
-            <a:spcBef>
-              <a:spcPct val="0"/>
-            </a:spcBef>
-            <a:spcAft>
-              <a:spcPct val="35000"/>
-            </a:spcAft>
-          </a:pPr>
-          <a:r>
-            <a:rPr lang="fr-FR" sz="4100" kern="1200" dirty="0" smtClean="0"/>
-            <a:t>Srv3</a:t>
-          </a:r>
-          <a:endParaRPr lang="fr-FR" sz="4100" kern="1200" dirty="0"/>
-        </a:p>
-      </dsp:txBody>
-      <dsp:txXfrm>
-        <a:off x="5128230" y="38037"/>
-        <a:ext cx="2324373" cy="1136804"/>
-      </dsp:txXfrm>
-    </dsp:sp>
   </dsp:spTree>
 </dsp:drawing>
 </file>
@@ -29569,7 +27934,7 @@
           <a:p>
             <a:fld id="{B511EEBD-DB93-4DB6-9ADA-68547254FD74}" type="datetimeFigureOut">
               <a:rPr lang="fr-FR" smtClean="0"/>
-              <a:t>16/11/2014</a:t>
+              <a:t>18/11/2014</a:t>
             </a:fld>
             <a:endParaRPr lang="fr-FR"/>
           </a:p>
@@ -29739,7 +28104,7 @@
           <a:p>
             <a:fld id="{B511EEBD-DB93-4DB6-9ADA-68547254FD74}" type="datetimeFigureOut">
               <a:rPr lang="fr-FR" smtClean="0"/>
-              <a:t>16/11/2014</a:t>
+              <a:t>18/11/2014</a:t>
             </a:fld>
             <a:endParaRPr lang="fr-FR"/>
           </a:p>
@@ -29919,7 +28284,7 @@
           <a:p>
             <a:fld id="{B511EEBD-DB93-4DB6-9ADA-68547254FD74}" type="datetimeFigureOut">
               <a:rPr lang="fr-FR" smtClean="0"/>
-              <a:t>16/11/2014</a:t>
+              <a:t>18/11/2014</a:t>
             </a:fld>
             <a:endParaRPr lang="fr-FR"/>
           </a:p>
@@ -30089,7 +28454,7 @@
           <a:p>
             <a:fld id="{B511EEBD-DB93-4DB6-9ADA-68547254FD74}" type="datetimeFigureOut">
               <a:rPr lang="fr-FR" smtClean="0"/>
-              <a:t>16/11/2014</a:t>
+              <a:t>18/11/2014</a:t>
             </a:fld>
             <a:endParaRPr lang="fr-FR"/>
           </a:p>
@@ -30335,7 +28700,7 @@
           <a:p>
             <a:fld id="{B511EEBD-DB93-4DB6-9ADA-68547254FD74}" type="datetimeFigureOut">
               <a:rPr lang="fr-FR" smtClean="0"/>
-              <a:t>16/11/2014</a:t>
+              <a:t>18/11/2014</a:t>
             </a:fld>
             <a:endParaRPr lang="fr-FR"/>
           </a:p>
@@ -30623,7 +28988,7 @@
           <a:p>
             <a:fld id="{B511EEBD-DB93-4DB6-9ADA-68547254FD74}" type="datetimeFigureOut">
               <a:rPr lang="fr-FR" smtClean="0"/>
-              <a:t>16/11/2014</a:t>
+              <a:t>18/11/2014</a:t>
             </a:fld>
             <a:endParaRPr lang="fr-FR"/>
           </a:p>
@@ -31045,7 +29410,7 @@
           <a:p>
             <a:fld id="{B511EEBD-DB93-4DB6-9ADA-68547254FD74}" type="datetimeFigureOut">
               <a:rPr lang="fr-FR" smtClean="0"/>
-              <a:t>16/11/2014</a:t>
+              <a:t>18/11/2014</a:t>
             </a:fld>
             <a:endParaRPr lang="fr-FR"/>
           </a:p>
@@ -31163,7 +29528,7 @@
           <a:p>
             <a:fld id="{B511EEBD-DB93-4DB6-9ADA-68547254FD74}" type="datetimeFigureOut">
               <a:rPr lang="fr-FR" smtClean="0"/>
-              <a:t>16/11/2014</a:t>
+              <a:t>18/11/2014</a:t>
             </a:fld>
             <a:endParaRPr lang="fr-FR"/>
           </a:p>
@@ -31258,7 +29623,7 @@
           <a:p>
             <a:fld id="{B511EEBD-DB93-4DB6-9ADA-68547254FD74}" type="datetimeFigureOut">
               <a:rPr lang="fr-FR" smtClean="0"/>
-              <a:t>16/11/2014</a:t>
+              <a:t>18/11/2014</a:t>
             </a:fld>
             <a:endParaRPr lang="fr-FR"/>
           </a:p>
@@ -31535,7 +29900,7 @@
           <a:p>
             <a:fld id="{B511EEBD-DB93-4DB6-9ADA-68547254FD74}" type="datetimeFigureOut">
               <a:rPr lang="fr-FR" smtClean="0"/>
-              <a:t>16/11/2014</a:t>
+              <a:t>18/11/2014</a:t>
             </a:fld>
             <a:endParaRPr lang="fr-FR"/>
           </a:p>
@@ -31788,7 +30153,7 @@
           <a:p>
             <a:fld id="{B511EEBD-DB93-4DB6-9ADA-68547254FD74}" type="datetimeFigureOut">
               <a:rPr lang="fr-FR" smtClean="0"/>
-              <a:t>16/11/2014</a:t>
+              <a:t>18/11/2014</a:t>
             </a:fld>
             <a:endParaRPr lang="fr-FR"/>
           </a:p>
@@ -32001,7 +30366,7 @@
           <a:p>
             <a:fld id="{B511EEBD-DB93-4DB6-9ADA-68547254FD74}" type="datetimeFigureOut">
               <a:rPr lang="fr-FR" smtClean="0"/>
-              <a:t>16/11/2014</a:t>
+              <a:t>18/11/2014</a:t>
             </a:fld>
             <a:endParaRPr lang="fr-FR"/>
           </a:p>
@@ -32808,6 +31173,36 @@
     <p:extLst>
       <p:ext uri="{BB962C8B-B14F-4D97-AF65-F5344CB8AC3E}">
         <p14:creationId xmlns:p14="http://schemas.microsoft.com/office/powerpoint/2010/main" val="3878105305"/>
+      </p:ext>
+    </p:extLst>
+  </p:cSld>
+  <p:clrMapOvr>
+    <a:masterClrMapping/>
+  </p:clrMapOvr>
+</p:sld>
+</file>
+
+<file path=ppt/slides/slide17.xml><?xml version="1.0" encoding="utf-8"?>
+<p:sld xmlns:a="http://schemas.openxmlformats.org/drawingml/2006/main" xmlns:r="http://schemas.openxmlformats.org/officeDocument/2006/relationships" xmlns:p="http://schemas.openxmlformats.org/presentationml/2006/main">
+  <p:cSld>
+    <p:spTree>
+      <p:nvGrpSpPr>
+        <p:cNvPr id="1" name=""/>
+        <p:cNvGrpSpPr/>
+        <p:nvPr/>
+      </p:nvGrpSpPr>
+      <p:grpSpPr>
+        <a:xfrm>
+          <a:off x="0" y="0"/>
+          <a:ext cx="0" cy="0"/>
+          <a:chOff x="0" y="0"/>
+          <a:chExt cx="0" cy="0"/>
+        </a:xfrm>
+      </p:grpSpPr>
+    </p:spTree>
+    <p:extLst>
+      <p:ext uri="{BB962C8B-B14F-4D97-AF65-F5344CB8AC3E}">
+        <p14:creationId xmlns:p14="http://schemas.microsoft.com/office/powerpoint/2010/main" val="1013534168"/>
       </p:ext>
     </p:extLst>
   </p:cSld>

--- a/cours/ensg-asi-2014/src/raws/img_gen.pptx
+++ b/cours/ensg-asi-2014/src/raws/img_gen.pptx
@@ -22,6 +22,9 @@
     <p:sldId id="270" r:id="rId16"/>
     <p:sldId id="271" r:id="rId17"/>
     <p:sldId id="272" r:id="rId18"/>
+    <p:sldId id="273" r:id="rId19"/>
+    <p:sldId id="276" r:id="rId20"/>
+    <p:sldId id="275" r:id="rId21"/>
   </p:sldIdLst>
   <p:sldSz cx="9144000" cy="6858000" type="screen4x3"/>
   <p:notesSz cx="6858000" cy="9144000"/>
@@ -7136,19 +7139,19 @@
     </dgm:pt>
   </dgm:ptLst>
   <dgm:cxnLst>
-    <dgm:cxn modelId="{2AE9C35E-3273-4DAA-A6D8-BCD8A78582CC}" srcId="{B18DC067-9F63-424D-8553-3F76E8EF746A}" destId="{B83A7A2C-093C-4CF0-807B-ABB5179346D3}" srcOrd="0" destOrd="0" parTransId="{0A238EC3-2DD4-4C33-8D8A-4F342F670016}" sibTransId="{96F93F9C-FD31-45EF-B7C3-C2D2BF2EB185}"/>
-    <dgm:cxn modelId="{5FF50579-AABA-49BA-AC98-F016508A8440}" type="presOf" srcId="{6B41AD1D-A3FB-4AF2-9542-37F0A7BD4393}" destId="{6EC877B3-C26C-4423-9711-F7172DDEE7FB}" srcOrd="0" destOrd="0" presId="urn:microsoft.com/office/officeart/2005/8/layout/hierarchy4"/>
     <dgm:cxn modelId="{A019861F-C4F5-44F6-8D98-F6DC604DE51B}" srcId="{B83A7A2C-093C-4CF0-807B-ABB5179346D3}" destId="{03863854-F35C-4D1C-A662-F080B785E8F9}" srcOrd="0" destOrd="0" parTransId="{932F43F2-A616-4B60-83AC-B1718E87CFD9}" sibTransId="{EB8E4B3E-AF28-431E-BFA0-0F3614E59D3C}"/>
-    <dgm:cxn modelId="{C8F7CBE1-E3E1-4A23-9C6B-1BF17F63877F}" type="presOf" srcId="{7F8A0140-C8B6-4AF1-B926-86169866F043}" destId="{891DC49C-520D-4C3E-89C0-519A4BB70127}" srcOrd="0" destOrd="0" presId="urn:microsoft.com/office/officeart/2005/8/layout/hierarchy4"/>
     <dgm:cxn modelId="{7A5C532F-061D-4A63-98AA-9A8B5E1E978D}" type="presOf" srcId="{B18DC067-9F63-424D-8553-3F76E8EF746A}" destId="{9E3AE8A1-37D1-4C62-8A72-E09AF00023AA}" srcOrd="0" destOrd="0" presId="urn:microsoft.com/office/officeart/2005/8/layout/hierarchy4"/>
-    <dgm:cxn modelId="{A9D632EB-6B36-4226-B1AB-959A59699BA3}" type="presOf" srcId="{F8178CC8-7586-44D5-B9F2-3C912B808393}" destId="{A71E157E-2E6A-46C1-B68C-6F32834BC1CE}" srcOrd="0" destOrd="0" presId="urn:microsoft.com/office/officeart/2005/8/layout/hierarchy4"/>
-    <dgm:cxn modelId="{B78EBCEE-F2DD-4A50-BFE5-503906CA8023}" type="presOf" srcId="{B83A7A2C-093C-4CF0-807B-ABB5179346D3}" destId="{6D4C26C8-B30D-4B10-9C88-1544645608C8}" srcOrd="0" destOrd="0" presId="urn:microsoft.com/office/officeart/2005/8/layout/hierarchy4"/>
-    <dgm:cxn modelId="{4965CC9A-FAFC-4391-9A75-6DEC81152D35}" type="presOf" srcId="{03863854-F35C-4D1C-A662-F080B785E8F9}" destId="{DA053704-99ED-4498-9AFE-B6BAE31C7D40}" srcOrd="0" destOrd="0" presId="urn:microsoft.com/office/officeart/2005/8/layout/hierarchy4"/>
-    <dgm:cxn modelId="{3F1DA067-5EED-4438-BC3B-96BADE785FB9}" srcId="{B83A7A2C-093C-4CF0-807B-ABB5179346D3}" destId="{F8178CC8-7586-44D5-B9F2-3C912B808393}" srcOrd="1" destOrd="0" parTransId="{778BF30C-E051-4C74-ACA0-5B9074BCA9B6}" sibTransId="{14B53E76-3A99-4198-AB6A-BB47496C8EE8}"/>
-    <dgm:cxn modelId="{8EE64356-BFFC-4F96-86BB-F4B6C49B860E}" type="presOf" srcId="{3EF2CB08-D40A-4E40-B185-EC5E32528E39}" destId="{67CC1F6E-23F5-4B14-84CE-AE1BBE1F85C1}" srcOrd="0" destOrd="0" presId="urn:microsoft.com/office/officeart/2005/8/layout/hierarchy4"/>
     <dgm:cxn modelId="{1728D6AA-DD2B-4F89-986D-C47505562D40}" srcId="{F8178CC8-7586-44D5-B9F2-3C912B808393}" destId="{3EF2CB08-D40A-4E40-B185-EC5E32528E39}" srcOrd="0" destOrd="0" parTransId="{CC844EF2-C259-4960-9150-3C9C18DC4BC8}" sibTransId="{3997AEA7-41FA-429E-909C-A83852D361B3}"/>
     <dgm:cxn modelId="{6E5703AE-2C34-4856-95BA-871F4518A263}" srcId="{03863854-F35C-4D1C-A662-F080B785E8F9}" destId="{6B41AD1D-A3FB-4AF2-9542-37F0A7BD4393}" srcOrd="0" destOrd="0" parTransId="{F6A2ED43-EF8C-46E7-BC68-B6BB9508EC13}" sibTransId="{9A01A00B-BC54-497C-96C1-5BA53BA1FBDC}"/>
     <dgm:cxn modelId="{F05038E6-EE3C-439B-B513-F7D55288AB4F}" srcId="{03863854-F35C-4D1C-A662-F080B785E8F9}" destId="{7F8A0140-C8B6-4AF1-B926-86169866F043}" srcOrd="1" destOrd="0" parTransId="{275EF790-B38B-4A02-BCFA-DCA3E0549F40}" sibTransId="{A66D89F2-F3A9-4E5D-9CDF-2BBA30490511}"/>
+    <dgm:cxn modelId="{C8F7CBE1-E3E1-4A23-9C6B-1BF17F63877F}" type="presOf" srcId="{7F8A0140-C8B6-4AF1-B926-86169866F043}" destId="{891DC49C-520D-4C3E-89C0-519A4BB70127}" srcOrd="0" destOrd="0" presId="urn:microsoft.com/office/officeart/2005/8/layout/hierarchy4"/>
+    <dgm:cxn modelId="{A9D632EB-6B36-4226-B1AB-959A59699BA3}" type="presOf" srcId="{F8178CC8-7586-44D5-B9F2-3C912B808393}" destId="{A71E157E-2E6A-46C1-B68C-6F32834BC1CE}" srcOrd="0" destOrd="0" presId="urn:microsoft.com/office/officeart/2005/8/layout/hierarchy4"/>
+    <dgm:cxn modelId="{5FF50579-AABA-49BA-AC98-F016508A8440}" type="presOf" srcId="{6B41AD1D-A3FB-4AF2-9542-37F0A7BD4393}" destId="{6EC877B3-C26C-4423-9711-F7172DDEE7FB}" srcOrd="0" destOrd="0" presId="urn:microsoft.com/office/officeart/2005/8/layout/hierarchy4"/>
+    <dgm:cxn modelId="{8EE64356-BFFC-4F96-86BB-F4B6C49B860E}" type="presOf" srcId="{3EF2CB08-D40A-4E40-B185-EC5E32528E39}" destId="{67CC1F6E-23F5-4B14-84CE-AE1BBE1F85C1}" srcOrd="0" destOrd="0" presId="urn:microsoft.com/office/officeart/2005/8/layout/hierarchy4"/>
+    <dgm:cxn modelId="{4965CC9A-FAFC-4391-9A75-6DEC81152D35}" type="presOf" srcId="{03863854-F35C-4D1C-A662-F080B785E8F9}" destId="{DA053704-99ED-4498-9AFE-B6BAE31C7D40}" srcOrd="0" destOrd="0" presId="urn:microsoft.com/office/officeart/2005/8/layout/hierarchy4"/>
+    <dgm:cxn modelId="{3F1DA067-5EED-4438-BC3B-96BADE785FB9}" srcId="{B83A7A2C-093C-4CF0-807B-ABB5179346D3}" destId="{F8178CC8-7586-44D5-B9F2-3C912B808393}" srcOrd="1" destOrd="0" parTransId="{778BF30C-E051-4C74-ACA0-5B9074BCA9B6}" sibTransId="{14B53E76-3A99-4198-AB6A-BB47496C8EE8}"/>
+    <dgm:cxn modelId="{B78EBCEE-F2DD-4A50-BFE5-503906CA8023}" type="presOf" srcId="{B83A7A2C-093C-4CF0-807B-ABB5179346D3}" destId="{6D4C26C8-B30D-4B10-9C88-1544645608C8}" srcOrd="0" destOrd="0" presId="urn:microsoft.com/office/officeart/2005/8/layout/hierarchy4"/>
+    <dgm:cxn modelId="{2AE9C35E-3273-4DAA-A6D8-BCD8A78582CC}" srcId="{B18DC067-9F63-424D-8553-3F76E8EF746A}" destId="{B83A7A2C-093C-4CF0-807B-ABB5179346D3}" srcOrd="0" destOrd="0" parTransId="{0A238EC3-2DD4-4C33-8D8A-4F342F670016}" sibTransId="{96F93F9C-FD31-45EF-B7C3-C2D2BF2EB185}"/>
     <dgm:cxn modelId="{CD2EEC64-1857-4549-B595-A14F320D45C6}" type="presParOf" srcId="{9E3AE8A1-37D1-4C62-8A72-E09AF00023AA}" destId="{66078A0A-95E2-4CFC-A654-68790941C79A}" srcOrd="0" destOrd="0" presId="urn:microsoft.com/office/officeart/2005/8/layout/hierarchy4"/>
     <dgm:cxn modelId="{53997919-5DDD-4F3E-9FCD-C6DB1BD7D0E8}" type="presParOf" srcId="{66078A0A-95E2-4CFC-A654-68790941C79A}" destId="{6D4C26C8-B30D-4B10-9C88-1544645608C8}" srcOrd="0" destOrd="0" presId="urn:microsoft.com/office/officeart/2005/8/layout/hierarchy4"/>
     <dgm:cxn modelId="{FD3ACD2C-2896-4302-874B-DBBEFB3FEE20}" type="presParOf" srcId="{66078A0A-95E2-4CFC-A654-68790941C79A}" destId="{1C9ACBB3-61DD-41E8-9F47-23213F6FB90B}" srcOrd="1" destOrd="0" presId="urn:microsoft.com/office/officeart/2005/8/layout/hierarchy4"/>
@@ -12109,1107 +12112,6 @@
       <dsp:cNvGrpSpPr/>
     </dsp:nvGrpSpPr>
     <dsp:grpSpPr/>
-    <dsp:sp modelId="{6478A964-31EB-445D-9D12-4A3451A86D3C}">
-      <dsp:nvSpPr>
-        <dsp:cNvPr id="0" name=""/>
-        <dsp:cNvSpPr/>
-      </dsp:nvSpPr>
-      <dsp:spPr>
-        <a:xfrm>
-          <a:off x="4204" y="3430964"/>
-          <a:ext cx="6087591" cy="633015"/>
-        </a:xfrm>
-        <a:prstGeom prst="roundRect">
-          <a:avLst>
-            <a:gd name="adj" fmla="val 10000"/>
-          </a:avLst>
-        </a:prstGeom>
-        <a:solidFill>
-          <a:schemeClr val="dk1"/>
-        </a:solidFill>
-        <a:ln w="25400" cap="flat" cmpd="sng" algn="ctr">
-          <a:solidFill>
-            <a:schemeClr val="dk1">
-              <a:shade val="50000"/>
-            </a:schemeClr>
-          </a:solidFill>
-          <a:prstDash val="solid"/>
-        </a:ln>
-        <a:effectLst/>
-      </dsp:spPr>
-      <dsp:style>
-        <a:lnRef idx="2">
-          <a:schemeClr val="dk1">
-            <a:shade val="50000"/>
-          </a:schemeClr>
-        </a:lnRef>
-        <a:fillRef idx="1">
-          <a:schemeClr val="dk1"/>
-        </a:fillRef>
-        <a:effectRef idx="0">
-          <a:schemeClr val="dk1"/>
-        </a:effectRef>
-        <a:fontRef idx="minor">
-          <a:schemeClr val="lt1"/>
-        </a:fontRef>
-      </dsp:style>
-      <dsp:txBody>
-        <a:bodyPr spcFirstLastPara="0" vert="horz" wrap="square" lIns="102870" tIns="102870" rIns="102870" bIns="102870" numCol="1" spcCol="1270" anchor="ctr" anchorCtr="0">
-          <a:noAutofit/>
-        </a:bodyPr>
-        <a:lstStyle/>
-        <a:p>
-          <a:pPr lvl="0" algn="ctr" defTabSz="1200150">
-            <a:lnSpc>
-              <a:spcPct val="90000"/>
-            </a:lnSpc>
-            <a:spcBef>
-              <a:spcPct val="0"/>
-            </a:spcBef>
-            <a:spcAft>
-              <a:spcPct val="35000"/>
-            </a:spcAft>
-          </a:pPr>
-          <a:r>
-            <a:rPr lang="fr-FR" sz="2700" kern="1200" dirty="0" smtClean="0"/>
-            <a:t>Matériel</a:t>
-          </a:r>
-          <a:endParaRPr lang="fr-FR" sz="2700" kern="1200" dirty="0"/>
-        </a:p>
-      </dsp:txBody>
-      <dsp:txXfrm>
-        <a:off x="22744" y="3449504"/>
-        <a:ext cx="6050511" cy="595935"/>
-      </dsp:txXfrm>
-    </dsp:sp>
-    <dsp:sp modelId="{38AA97D6-BC05-4DF8-8307-3605CFBD985F}">
-      <dsp:nvSpPr>
-        <dsp:cNvPr id="0" name=""/>
-        <dsp:cNvSpPr/>
-      </dsp:nvSpPr>
-      <dsp:spPr>
-        <a:xfrm>
-          <a:off x="4204" y="2744775"/>
-          <a:ext cx="6087591" cy="633015"/>
-        </a:xfrm>
-        <a:prstGeom prst="roundRect">
-          <a:avLst>
-            <a:gd name="adj" fmla="val 10000"/>
-          </a:avLst>
-        </a:prstGeom>
-        <a:solidFill>
-          <a:schemeClr val="accent2"/>
-        </a:solidFill>
-        <a:ln w="25400" cap="flat" cmpd="sng" algn="ctr">
-          <a:solidFill>
-            <a:schemeClr val="accent2">
-              <a:shade val="50000"/>
-            </a:schemeClr>
-          </a:solidFill>
-          <a:prstDash val="solid"/>
-        </a:ln>
-        <a:effectLst/>
-      </dsp:spPr>
-      <dsp:style>
-        <a:lnRef idx="2">
-          <a:schemeClr val="accent2">
-            <a:shade val="50000"/>
-          </a:schemeClr>
-        </a:lnRef>
-        <a:fillRef idx="1">
-          <a:schemeClr val="accent2"/>
-        </a:fillRef>
-        <a:effectRef idx="0">
-          <a:schemeClr val="accent2"/>
-        </a:effectRef>
-        <a:fontRef idx="minor">
-          <a:schemeClr val="lt1"/>
-        </a:fontRef>
-      </dsp:style>
-      <dsp:txBody>
-        <a:bodyPr spcFirstLastPara="0" vert="horz" wrap="square" lIns="102870" tIns="102870" rIns="102870" bIns="102870" numCol="1" spcCol="1270" anchor="ctr" anchorCtr="0">
-          <a:noAutofit/>
-        </a:bodyPr>
-        <a:lstStyle/>
-        <a:p>
-          <a:pPr lvl="0" algn="ctr" defTabSz="1200150">
-            <a:lnSpc>
-              <a:spcPct val="90000"/>
-            </a:lnSpc>
-            <a:spcBef>
-              <a:spcPct val="0"/>
-            </a:spcBef>
-            <a:spcAft>
-              <a:spcPct val="35000"/>
-            </a:spcAft>
-          </a:pPr>
-          <a:r>
-            <a:rPr lang="fr-FR" sz="2700" kern="1200" dirty="0" smtClean="0"/>
-            <a:t>OS</a:t>
-          </a:r>
-          <a:endParaRPr lang="fr-FR" sz="2700" kern="1200" dirty="0"/>
-        </a:p>
-      </dsp:txBody>
-      <dsp:txXfrm>
-        <a:off x="22744" y="2763315"/>
-        <a:ext cx="6050511" cy="595935"/>
-      </dsp:txXfrm>
-    </dsp:sp>
-    <dsp:sp modelId="{753C40B7-CE70-4C43-9890-A243E5AEF5E2}">
-      <dsp:nvSpPr>
-        <dsp:cNvPr id="0" name=""/>
-        <dsp:cNvSpPr/>
-      </dsp:nvSpPr>
-      <dsp:spPr>
-        <a:xfrm>
-          <a:off x="4204" y="2058586"/>
-          <a:ext cx="6087591" cy="633015"/>
-        </a:xfrm>
-        <a:prstGeom prst="roundRect">
-          <a:avLst>
-            <a:gd name="adj" fmla="val 10000"/>
-          </a:avLst>
-        </a:prstGeom>
-        <a:solidFill>
-          <a:schemeClr val="accent1">
-            <a:hueOff val="0"/>
-            <a:satOff val="0"/>
-            <a:lumOff val="0"/>
-            <a:alphaOff val="0"/>
-          </a:schemeClr>
-        </a:solidFill>
-        <a:ln w="25400" cap="flat" cmpd="sng" algn="ctr">
-          <a:solidFill>
-            <a:schemeClr val="lt1">
-              <a:hueOff val="0"/>
-              <a:satOff val="0"/>
-              <a:lumOff val="0"/>
-              <a:alphaOff val="0"/>
-            </a:schemeClr>
-          </a:solidFill>
-          <a:prstDash val="solid"/>
-        </a:ln>
-        <a:effectLst/>
-      </dsp:spPr>
-      <dsp:style>
-        <a:lnRef idx="2">
-          <a:scrgbClr r="0" g="0" b="0"/>
-        </a:lnRef>
-        <a:fillRef idx="1">
-          <a:scrgbClr r="0" g="0" b="0"/>
-        </a:fillRef>
-        <a:effectRef idx="0">
-          <a:scrgbClr r="0" g="0" b="0"/>
-        </a:effectRef>
-        <a:fontRef idx="minor">
-          <a:schemeClr val="lt1"/>
-        </a:fontRef>
-      </dsp:style>
-      <dsp:txBody>
-        <a:bodyPr spcFirstLastPara="0" vert="horz" wrap="square" lIns="102870" tIns="102870" rIns="102870" bIns="102870" numCol="1" spcCol="1270" anchor="ctr" anchorCtr="0">
-          <a:noAutofit/>
-        </a:bodyPr>
-        <a:lstStyle/>
-        <a:p>
-          <a:pPr lvl="0" algn="ctr" defTabSz="1200150">
-            <a:lnSpc>
-              <a:spcPct val="90000"/>
-            </a:lnSpc>
-            <a:spcBef>
-              <a:spcPct val="0"/>
-            </a:spcBef>
-            <a:spcAft>
-              <a:spcPct val="35000"/>
-            </a:spcAft>
-          </a:pPr>
-          <a:r>
-            <a:rPr lang="fr-FR" sz="2700" kern="1200" dirty="0" smtClean="0"/>
-            <a:t>Hyperviseur</a:t>
-          </a:r>
-          <a:endParaRPr lang="fr-FR" sz="2700" kern="1200" dirty="0"/>
-        </a:p>
-      </dsp:txBody>
-      <dsp:txXfrm>
-        <a:off x="22744" y="2077126"/>
-        <a:ext cx="6050511" cy="595935"/>
-      </dsp:txXfrm>
-    </dsp:sp>
-    <dsp:sp modelId="{3A63A0DC-182E-4E75-9287-AC720D90D4F8}">
-      <dsp:nvSpPr>
-        <dsp:cNvPr id="0" name=""/>
-        <dsp:cNvSpPr/>
-      </dsp:nvSpPr>
-      <dsp:spPr>
-        <a:xfrm>
-          <a:off x="4204" y="1372397"/>
-          <a:ext cx="2015236" cy="633015"/>
-        </a:xfrm>
-        <a:prstGeom prst="roundRect">
-          <a:avLst>
-            <a:gd name="adj" fmla="val 10000"/>
-          </a:avLst>
-        </a:prstGeom>
-        <a:solidFill>
-          <a:schemeClr val="accent6"/>
-        </a:solidFill>
-        <a:ln w="25400" cap="flat" cmpd="sng" algn="ctr">
-          <a:solidFill>
-            <a:schemeClr val="accent6">
-              <a:shade val="50000"/>
-            </a:schemeClr>
-          </a:solidFill>
-          <a:prstDash val="solid"/>
-        </a:ln>
-        <a:effectLst/>
-      </dsp:spPr>
-      <dsp:style>
-        <a:lnRef idx="2">
-          <a:schemeClr val="accent6">
-            <a:shade val="50000"/>
-          </a:schemeClr>
-        </a:lnRef>
-        <a:fillRef idx="1">
-          <a:schemeClr val="accent6"/>
-        </a:fillRef>
-        <a:effectRef idx="0">
-          <a:schemeClr val="accent6"/>
-        </a:effectRef>
-        <a:fontRef idx="minor">
-          <a:schemeClr val="lt1"/>
-        </a:fontRef>
-      </dsp:style>
-      <dsp:txBody>
-        <a:bodyPr spcFirstLastPara="0" vert="horz" wrap="square" lIns="60960" tIns="60960" rIns="60960" bIns="60960" numCol="1" spcCol="1270" anchor="ctr" anchorCtr="0">
-          <a:noAutofit/>
-        </a:bodyPr>
-        <a:lstStyle/>
-        <a:p>
-          <a:pPr lvl="0" algn="ctr" defTabSz="711200">
-            <a:lnSpc>
-              <a:spcPct val="90000"/>
-            </a:lnSpc>
-            <a:spcBef>
-              <a:spcPct val="0"/>
-            </a:spcBef>
-            <a:spcAft>
-              <a:spcPct val="35000"/>
-            </a:spcAft>
-          </a:pPr>
-          <a:r>
-            <a:rPr lang="fr-FR" sz="1600" kern="1200" dirty="0" smtClean="0"/>
-            <a:t>Matériel V1</a:t>
-          </a:r>
-          <a:endParaRPr lang="fr-FR" sz="1600" kern="1200" dirty="0"/>
-        </a:p>
-      </dsp:txBody>
-      <dsp:txXfrm>
-        <a:off x="22744" y="1390937"/>
-        <a:ext cx="1978156" cy="595935"/>
-      </dsp:txXfrm>
-    </dsp:sp>
-    <dsp:sp modelId="{2A8D64FB-4E0D-4C37-B1CA-8AFFFCDA5E26}">
-      <dsp:nvSpPr>
-        <dsp:cNvPr id="0" name=""/>
-        <dsp:cNvSpPr/>
-      </dsp:nvSpPr>
-      <dsp:spPr>
-        <a:xfrm>
-          <a:off x="4204" y="686208"/>
-          <a:ext cx="2015236" cy="633015"/>
-        </a:xfrm>
-        <a:prstGeom prst="roundRect">
-          <a:avLst>
-            <a:gd name="adj" fmla="val 10000"/>
-          </a:avLst>
-        </a:prstGeom>
-        <a:solidFill>
-          <a:schemeClr val="accent4"/>
-        </a:solidFill>
-        <a:ln w="25400" cap="flat" cmpd="sng" algn="ctr">
-          <a:solidFill>
-            <a:schemeClr val="accent4">
-              <a:shade val="50000"/>
-            </a:schemeClr>
-          </a:solidFill>
-          <a:prstDash val="solid"/>
-        </a:ln>
-        <a:effectLst/>
-      </dsp:spPr>
-      <dsp:style>
-        <a:lnRef idx="2">
-          <a:schemeClr val="accent4">
-            <a:shade val="50000"/>
-          </a:schemeClr>
-        </a:lnRef>
-        <a:fillRef idx="1">
-          <a:schemeClr val="accent4"/>
-        </a:fillRef>
-        <a:effectRef idx="0">
-          <a:schemeClr val="accent4"/>
-        </a:effectRef>
-        <a:fontRef idx="minor">
-          <a:schemeClr val="lt1"/>
-        </a:fontRef>
-      </dsp:style>
-      <dsp:txBody>
-        <a:bodyPr spcFirstLastPara="0" vert="horz" wrap="square" lIns="60960" tIns="60960" rIns="60960" bIns="60960" numCol="1" spcCol="1270" anchor="ctr" anchorCtr="0">
-          <a:noAutofit/>
-        </a:bodyPr>
-        <a:lstStyle/>
-        <a:p>
-          <a:pPr lvl="0" algn="ctr" defTabSz="711200">
-            <a:lnSpc>
-              <a:spcPct val="90000"/>
-            </a:lnSpc>
-            <a:spcBef>
-              <a:spcPct val="0"/>
-            </a:spcBef>
-            <a:spcAft>
-              <a:spcPct val="35000"/>
-            </a:spcAft>
-          </a:pPr>
-          <a:r>
-            <a:rPr lang="fr-FR" sz="1600" kern="1200" dirty="0" smtClean="0"/>
-            <a:t>OS 1</a:t>
-          </a:r>
-          <a:endParaRPr lang="fr-FR" sz="1600" kern="1200" dirty="0"/>
-        </a:p>
-      </dsp:txBody>
-      <dsp:txXfrm>
-        <a:off x="22744" y="704748"/>
-        <a:ext cx="1978156" cy="595935"/>
-      </dsp:txXfrm>
-    </dsp:sp>
-    <dsp:sp modelId="{2A6E3044-8CDF-49C1-92CC-57D3C5CB2DB6}">
-      <dsp:nvSpPr>
-        <dsp:cNvPr id="0" name=""/>
-        <dsp:cNvSpPr/>
-      </dsp:nvSpPr>
-      <dsp:spPr>
-        <a:xfrm>
-          <a:off x="4204" y="19"/>
-          <a:ext cx="997148" cy="633015"/>
-        </a:xfrm>
-        <a:prstGeom prst="roundRect">
-          <a:avLst>
-            <a:gd name="adj" fmla="val 10000"/>
-          </a:avLst>
-        </a:prstGeom>
-        <a:solidFill>
-          <a:schemeClr val="accent3"/>
-        </a:solidFill>
-        <a:ln w="25400" cap="flat" cmpd="sng" algn="ctr">
-          <a:solidFill>
-            <a:schemeClr val="accent3">
-              <a:shade val="50000"/>
-            </a:schemeClr>
-          </a:solidFill>
-          <a:prstDash val="solid"/>
-        </a:ln>
-        <a:effectLst/>
-      </dsp:spPr>
-      <dsp:style>
-        <a:lnRef idx="2">
-          <a:schemeClr val="accent3">
-            <a:shade val="50000"/>
-          </a:schemeClr>
-        </a:lnRef>
-        <a:fillRef idx="1">
-          <a:schemeClr val="accent3"/>
-        </a:fillRef>
-        <a:effectRef idx="0">
-          <a:schemeClr val="accent3"/>
-        </a:effectRef>
-        <a:fontRef idx="minor">
-          <a:schemeClr val="lt1"/>
-        </a:fontRef>
-      </dsp:style>
-      <dsp:txBody>
-        <a:bodyPr spcFirstLastPara="0" vert="horz" wrap="square" lIns="60960" tIns="60960" rIns="60960" bIns="60960" numCol="1" spcCol="1270" anchor="ctr" anchorCtr="0">
-          <a:noAutofit/>
-        </a:bodyPr>
-        <a:lstStyle/>
-        <a:p>
-          <a:pPr lvl="0" algn="ctr" defTabSz="711200">
-            <a:lnSpc>
-              <a:spcPct val="90000"/>
-            </a:lnSpc>
-            <a:spcBef>
-              <a:spcPct val="0"/>
-            </a:spcBef>
-            <a:spcAft>
-              <a:spcPct val="35000"/>
-            </a:spcAft>
-          </a:pPr>
-          <a:r>
-            <a:rPr lang="fr-FR" sz="1600" kern="1200" dirty="0" smtClean="0"/>
-            <a:t>App A</a:t>
-          </a:r>
-          <a:endParaRPr lang="fr-FR" sz="1600" kern="1200" dirty="0"/>
-        </a:p>
-      </dsp:txBody>
-      <dsp:txXfrm>
-        <a:off x="22744" y="18559"/>
-        <a:ext cx="960068" cy="595935"/>
-      </dsp:txXfrm>
-    </dsp:sp>
-    <dsp:sp modelId="{0BD06233-EC09-4F02-A27D-3AF5B69376FF}">
-      <dsp:nvSpPr>
-        <dsp:cNvPr id="0" name=""/>
-        <dsp:cNvSpPr/>
-      </dsp:nvSpPr>
-      <dsp:spPr>
-        <a:xfrm>
-          <a:off x="1022292" y="19"/>
-          <a:ext cx="997148" cy="633015"/>
-        </a:xfrm>
-        <a:prstGeom prst="roundRect">
-          <a:avLst>
-            <a:gd name="adj" fmla="val 10000"/>
-          </a:avLst>
-        </a:prstGeom>
-        <a:solidFill>
-          <a:schemeClr val="accent3"/>
-        </a:solidFill>
-        <a:ln w="25400" cap="flat" cmpd="sng" algn="ctr">
-          <a:solidFill>
-            <a:schemeClr val="accent3">
-              <a:shade val="50000"/>
-            </a:schemeClr>
-          </a:solidFill>
-          <a:prstDash val="solid"/>
-        </a:ln>
-        <a:effectLst/>
-      </dsp:spPr>
-      <dsp:style>
-        <a:lnRef idx="2">
-          <a:schemeClr val="accent3">
-            <a:shade val="50000"/>
-          </a:schemeClr>
-        </a:lnRef>
-        <a:fillRef idx="1">
-          <a:schemeClr val="accent3"/>
-        </a:fillRef>
-        <a:effectRef idx="0">
-          <a:schemeClr val="accent3"/>
-        </a:effectRef>
-        <a:fontRef idx="minor">
-          <a:schemeClr val="lt1"/>
-        </a:fontRef>
-      </dsp:style>
-      <dsp:txBody>
-        <a:bodyPr spcFirstLastPara="0" vert="horz" wrap="square" lIns="60960" tIns="60960" rIns="60960" bIns="60960" numCol="1" spcCol="1270" anchor="ctr" anchorCtr="0">
-          <a:noAutofit/>
-        </a:bodyPr>
-        <a:lstStyle/>
-        <a:p>
-          <a:pPr lvl="0" algn="ctr" defTabSz="711200">
-            <a:lnSpc>
-              <a:spcPct val="90000"/>
-            </a:lnSpc>
-            <a:spcBef>
-              <a:spcPct val="0"/>
-            </a:spcBef>
-            <a:spcAft>
-              <a:spcPct val="35000"/>
-            </a:spcAft>
-          </a:pPr>
-          <a:r>
-            <a:rPr lang="fr-FR" sz="1600" kern="1200" dirty="0" smtClean="0"/>
-            <a:t>App B</a:t>
-          </a:r>
-          <a:endParaRPr lang="fr-FR" sz="1600" kern="1200" dirty="0"/>
-        </a:p>
-      </dsp:txBody>
-      <dsp:txXfrm>
-        <a:off x="1040832" y="18559"/>
-        <a:ext cx="960068" cy="595935"/>
-      </dsp:txXfrm>
-    </dsp:sp>
-    <dsp:sp modelId="{FFB483E8-350F-4DAD-8E10-77DB15C54B0F}">
-      <dsp:nvSpPr>
-        <dsp:cNvPr id="0" name=""/>
-        <dsp:cNvSpPr/>
-      </dsp:nvSpPr>
-      <dsp:spPr>
-        <a:xfrm>
-          <a:off x="2040381" y="1372397"/>
-          <a:ext cx="3033325" cy="633015"/>
-        </a:xfrm>
-        <a:prstGeom prst="roundRect">
-          <a:avLst>
-            <a:gd name="adj" fmla="val 10000"/>
-          </a:avLst>
-        </a:prstGeom>
-        <a:solidFill>
-          <a:schemeClr val="accent6"/>
-        </a:solidFill>
-        <a:ln w="25400" cap="flat" cmpd="sng" algn="ctr">
-          <a:solidFill>
-            <a:schemeClr val="accent6">
-              <a:shade val="50000"/>
-            </a:schemeClr>
-          </a:solidFill>
-          <a:prstDash val="solid"/>
-        </a:ln>
-        <a:effectLst/>
-      </dsp:spPr>
-      <dsp:style>
-        <a:lnRef idx="2">
-          <a:schemeClr val="accent6">
-            <a:shade val="50000"/>
-          </a:schemeClr>
-        </a:lnRef>
-        <a:fillRef idx="1">
-          <a:schemeClr val="accent6"/>
-        </a:fillRef>
-        <a:effectRef idx="0">
-          <a:schemeClr val="accent6"/>
-        </a:effectRef>
-        <a:fontRef idx="minor">
-          <a:schemeClr val="lt1"/>
-        </a:fontRef>
-      </dsp:style>
-      <dsp:txBody>
-        <a:bodyPr spcFirstLastPara="0" vert="horz" wrap="square" lIns="60960" tIns="60960" rIns="60960" bIns="60960" numCol="1" spcCol="1270" anchor="ctr" anchorCtr="0">
-          <a:noAutofit/>
-        </a:bodyPr>
-        <a:lstStyle/>
-        <a:p>
-          <a:pPr lvl="0" algn="ctr" defTabSz="711200">
-            <a:lnSpc>
-              <a:spcPct val="90000"/>
-            </a:lnSpc>
-            <a:spcBef>
-              <a:spcPct val="0"/>
-            </a:spcBef>
-            <a:spcAft>
-              <a:spcPct val="35000"/>
-            </a:spcAft>
-          </a:pPr>
-          <a:r>
-            <a:rPr lang="fr-FR" sz="1600" kern="1200" dirty="0" smtClean="0"/>
-            <a:t>Matériel V2</a:t>
-          </a:r>
-          <a:endParaRPr lang="fr-FR" sz="1600" kern="1200" dirty="0"/>
-        </a:p>
-      </dsp:txBody>
-      <dsp:txXfrm>
-        <a:off x="2058921" y="1390937"/>
-        <a:ext cx="2996245" cy="595935"/>
-      </dsp:txXfrm>
-    </dsp:sp>
-    <dsp:sp modelId="{88768B6E-E3E6-46A6-A444-40AD01521686}">
-      <dsp:nvSpPr>
-        <dsp:cNvPr id="0" name=""/>
-        <dsp:cNvSpPr/>
-      </dsp:nvSpPr>
-      <dsp:spPr>
-        <a:xfrm>
-          <a:off x="2040381" y="686208"/>
-          <a:ext cx="3033325" cy="633015"/>
-        </a:xfrm>
-        <a:prstGeom prst="roundRect">
-          <a:avLst>
-            <a:gd name="adj" fmla="val 10000"/>
-          </a:avLst>
-        </a:prstGeom>
-        <a:solidFill>
-          <a:schemeClr val="accent4"/>
-        </a:solidFill>
-        <a:ln w="25400" cap="flat" cmpd="sng" algn="ctr">
-          <a:solidFill>
-            <a:schemeClr val="accent4">
-              <a:shade val="50000"/>
-            </a:schemeClr>
-          </a:solidFill>
-          <a:prstDash val="solid"/>
-        </a:ln>
-        <a:effectLst/>
-      </dsp:spPr>
-      <dsp:style>
-        <a:lnRef idx="2">
-          <a:schemeClr val="accent4">
-            <a:shade val="50000"/>
-          </a:schemeClr>
-        </a:lnRef>
-        <a:fillRef idx="1">
-          <a:schemeClr val="accent4"/>
-        </a:fillRef>
-        <a:effectRef idx="0">
-          <a:schemeClr val="accent4"/>
-        </a:effectRef>
-        <a:fontRef idx="minor">
-          <a:schemeClr val="lt1"/>
-        </a:fontRef>
-      </dsp:style>
-      <dsp:txBody>
-        <a:bodyPr spcFirstLastPara="0" vert="horz" wrap="square" lIns="60960" tIns="60960" rIns="60960" bIns="60960" numCol="1" spcCol="1270" anchor="ctr" anchorCtr="0">
-          <a:noAutofit/>
-        </a:bodyPr>
-        <a:lstStyle/>
-        <a:p>
-          <a:pPr lvl="0" algn="ctr" defTabSz="711200">
-            <a:lnSpc>
-              <a:spcPct val="90000"/>
-            </a:lnSpc>
-            <a:spcBef>
-              <a:spcPct val="0"/>
-            </a:spcBef>
-            <a:spcAft>
-              <a:spcPct val="35000"/>
-            </a:spcAft>
-          </a:pPr>
-          <a:r>
-            <a:rPr lang="fr-FR" sz="1600" kern="1200" dirty="0" smtClean="0"/>
-            <a:t>OS 2</a:t>
-          </a:r>
-          <a:endParaRPr lang="fr-FR" sz="1600" kern="1200" dirty="0"/>
-        </a:p>
-      </dsp:txBody>
-      <dsp:txXfrm>
-        <a:off x="2058921" y="704748"/>
-        <a:ext cx="2996245" cy="595935"/>
-      </dsp:txXfrm>
-    </dsp:sp>
-    <dsp:sp modelId="{7C85E38F-9729-4BF7-82D7-C837F3D2E167}">
-      <dsp:nvSpPr>
-        <dsp:cNvPr id="0" name=""/>
-        <dsp:cNvSpPr/>
-      </dsp:nvSpPr>
-      <dsp:spPr>
-        <a:xfrm>
-          <a:off x="2040381" y="19"/>
-          <a:ext cx="997148" cy="633015"/>
-        </a:xfrm>
-        <a:prstGeom prst="roundRect">
-          <a:avLst>
-            <a:gd name="adj" fmla="val 10000"/>
-          </a:avLst>
-        </a:prstGeom>
-        <a:solidFill>
-          <a:schemeClr val="accent3"/>
-        </a:solidFill>
-        <a:ln w="25400" cap="flat" cmpd="sng" algn="ctr">
-          <a:solidFill>
-            <a:schemeClr val="accent3">
-              <a:shade val="50000"/>
-            </a:schemeClr>
-          </a:solidFill>
-          <a:prstDash val="solid"/>
-        </a:ln>
-        <a:effectLst/>
-      </dsp:spPr>
-      <dsp:style>
-        <a:lnRef idx="2">
-          <a:schemeClr val="accent3">
-            <a:shade val="50000"/>
-          </a:schemeClr>
-        </a:lnRef>
-        <a:fillRef idx="1">
-          <a:schemeClr val="accent3"/>
-        </a:fillRef>
-        <a:effectRef idx="0">
-          <a:schemeClr val="accent3"/>
-        </a:effectRef>
-        <a:fontRef idx="minor">
-          <a:schemeClr val="lt1"/>
-        </a:fontRef>
-      </dsp:style>
-      <dsp:txBody>
-        <a:bodyPr spcFirstLastPara="0" vert="horz" wrap="square" lIns="60960" tIns="60960" rIns="60960" bIns="60960" numCol="1" spcCol="1270" anchor="ctr" anchorCtr="0">
-          <a:noAutofit/>
-        </a:bodyPr>
-        <a:lstStyle/>
-        <a:p>
-          <a:pPr lvl="0" algn="ctr" defTabSz="711200">
-            <a:lnSpc>
-              <a:spcPct val="90000"/>
-            </a:lnSpc>
-            <a:spcBef>
-              <a:spcPct val="0"/>
-            </a:spcBef>
-            <a:spcAft>
-              <a:spcPct val="35000"/>
-            </a:spcAft>
-          </a:pPr>
-          <a:r>
-            <a:rPr lang="fr-FR" sz="1600" kern="1200" dirty="0" smtClean="0"/>
-            <a:t>App C</a:t>
-          </a:r>
-          <a:endParaRPr lang="fr-FR" sz="1600" kern="1200" dirty="0"/>
-        </a:p>
-      </dsp:txBody>
-      <dsp:txXfrm>
-        <a:off x="2058921" y="18559"/>
-        <a:ext cx="960068" cy="595935"/>
-      </dsp:txXfrm>
-    </dsp:sp>
-    <dsp:sp modelId="{C8DAD4FD-39BC-4BAE-953F-EBDC79C48CB3}">
-      <dsp:nvSpPr>
-        <dsp:cNvPr id="0" name=""/>
-        <dsp:cNvSpPr/>
-      </dsp:nvSpPr>
-      <dsp:spPr>
-        <a:xfrm>
-          <a:off x="3058470" y="19"/>
-          <a:ext cx="997148" cy="633015"/>
-        </a:xfrm>
-        <a:prstGeom prst="roundRect">
-          <a:avLst>
-            <a:gd name="adj" fmla="val 10000"/>
-          </a:avLst>
-        </a:prstGeom>
-        <a:solidFill>
-          <a:schemeClr val="accent3"/>
-        </a:solidFill>
-        <a:ln w="25400" cap="flat" cmpd="sng" algn="ctr">
-          <a:solidFill>
-            <a:schemeClr val="accent3">
-              <a:shade val="50000"/>
-            </a:schemeClr>
-          </a:solidFill>
-          <a:prstDash val="solid"/>
-        </a:ln>
-        <a:effectLst/>
-      </dsp:spPr>
-      <dsp:style>
-        <a:lnRef idx="2">
-          <a:schemeClr val="accent3">
-            <a:shade val="50000"/>
-          </a:schemeClr>
-        </a:lnRef>
-        <a:fillRef idx="1">
-          <a:schemeClr val="accent3"/>
-        </a:fillRef>
-        <a:effectRef idx="0">
-          <a:schemeClr val="accent3"/>
-        </a:effectRef>
-        <a:fontRef idx="minor">
-          <a:schemeClr val="lt1"/>
-        </a:fontRef>
-      </dsp:style>
-      <dsp:txBody>
-        <a:bodyPr spcFirstLastPara="0" vert="horz" wrap="square" lIns="60960" tIns="60960" rIns="60960" bIns="60960" numCol="1" spcCol="1270" anchor="ctr" anchorCtr="0">
-          <a:noAutofit/>
-        </a:bodyPr>
-        <a:lstStyle/>
-        <a:p>
-          <a:pPr lvl="0" algn="ctr" defTabSz="711200">
-            <a:lnSpc>
-              <a:spcPct val="90000"/>
-            </a:lnSpc>
-            <a:spcBef>
-              <a:spcPct val="0"/>
-            </a:spcBef>
-            <a:spcAft>
-              <a:spcPct val="35000"/>
-            </a:spcAft>
-          </a:pPr>
-          <a:r>
-            <a:rPr lang="fr-FR" sz="1600" kern="1200" dirty="0" smtClean="0"/>
-            <a:t>App  D</a:t>
-          </a:r>
-          <a:endParaRPr lang="fr-FR" sz="1600" kern="1200" dirty="0"/>
-        </a:p>
-      </dsp:txBody>
-      <dsp:txXfrm>
-        <a:off x="3077010" y="18559"/>
-        <a:ext cx="960068" cy="595935"/>
-      </dsp:txXfrm>
-    </dsp:sp>
-    <dsp:sp modelId="{A0B5AD7C-2DFA-4B34-8132-7DCFAE4E3006}">
-      <dsp:nvSpPr>
-        <dsp:cNvPr id="0" name=""/>
-        <dsp:cNvSpPr/>
-      </dsp:nvSpPr>
-      <dsp:spPr>
-        <a:xfrm>
-          <a:off x="4076558" y="19"/>
-          <a:ext cx="997148" cy="633015"/>
-        </a:xfrm>
-        <a:prstGeom prst="roundRect">
-          <a:avLst>
-            <a:gd name="adj" fmla="val 10000"/>
-          </a:avLst>
-        </a:prstGeom>
-        <a:solidFill>
-          <a:schemeClr val="accent3"/>
-        </a:solidFill>
-        <a:ln w="25400" cap="flat" cmpd="sng" algn="ctr">
-          <a:solidFill>
-            <a:schemeClr val="accent3">
-              <a:shade val="50000"/>
-            </a:schemeClr>
-          </a:solidFill>
-          <a:prstDash val="solid"/>
-        </a:ln>
-        <a:effectLst/>
-      </dsp:spPr>
-      <dsp:style>
-        <a:lnRef idx="2">
-          <a:schemeClr val="accent3">
-            <a:shade val="50000"/>
-          </a:schemeClr>
-        </a:lnRef>
-        <a:fillRef idx="1">
-          <a:schemeClr val="accent3"/>
-        </a:fillRef>
-        <a:effectRef idx="0">
-          <a:schemeClr val="accent3"/>
-        </a:effectRef>
-        <a:fontRef idx="minor">
-          <a:schemeClr val="lt1"/>
-        </a:fontRef>
-      </dsp:style>
-      <dsp:txBody>
-        <a:bodyPr spcFirstLastPara="0" vert="horz" wrap="square" lIns="60960" tIns="60960" rIns="60960" bIns="60960" numCol="1" spcCol="1270" anchor="ctr" anchorCtr="0">
-          <a:noAutofit/>
-        </a:bodyPr>
-        <a:lstStyle/>
-        <a:p>
-          <a:pPr lvl="0" algn="ctr" defTabSz="711200">
-            <a:lnSpc>
-              <a:spcPct val="90000"/>
-            </a:lnSpc>
-            <a:spcBef>
-              <a:spcPct val="0"/>
-            </a:spcBef>
-            <a:spcAft>
-              <a:spcPct val="35000"/>
-            </a:spcAft>
-          </a:pPr>
-          <a:r>
-            <a:rPr lang="fr-FR" sz="1600" kern="1200" dirty="0" smtClean="0"/>
-            <a:t>App E</a:t>
-          </a:r>
-          <a:endParaRPr lang="fr-FR" sz="1600" kern="1200" dirty="0"/>
-        </a:p>
-      </dsp:txBody>
-      <dsp:txXfrm>
-        <a:off x="4095098" y="18559"/>
-        <a:ext cx="960068" cy="595935"/>
-      </dsp:txXfrm>
-    </dsp:sp>
-    <dsp:sp modelId="{6461C92D-485D-43C3-8F45-18BA77B3D0A1}">
-      <dsp:nvSpPr>
-        <dsp:cNvPr id="0" name=""/>
-        <dsp:cNvSpPr/>
-      </dsp:nvSpPr>
-      <dsp:spPr>
-        <a:xfrm>
-          <a:off x="5094647" y="1372397"/>
-          <a:ext cx="997148" cy="633015"/>
-        </a:xfrm>
-        <a:prstGeom prst="roundRect">
-          <a:avLst>
-            <a:gd name="adj" fmla="val 10000"/>
-          </a:avLst>
-        </a:prstGeom>
-        <a:solidFill>
-          <a:schemeClr val="accent6"/>
-        </a:solidFill>
-        <a:ln w="25400" cap="flat" cmpd="sng" algn="ctr">
-          <a:solidFill>
-            <a:schemeClr val="accent6">
-              <a:shade val="50000"/>
-            </a:schemeClr>
-          </a:solidFill>
-          <a:prstDash val="solid"/>
-        </a:ln>
-        <a:effectLst/>
-      </dsp:spPr>
-      <dsp:style>
-        <a:lnRef idx="2">
-          <a:schemeClr val="accent6">
-            <a:shade val="50000"/>
-          </a:schemeClr>
-        </a:lnRef>
-        <a:fillRef idx="1">
-          <a:schemeClr val="accent6"/>
-        </a:fillRef>
-        <a:effectRef idx="0">
-          <a:schemeClr val="accent6"/>
-        </a:effectRef>
-        <a:fontRef idx="minor">
-          <a:schemeClr val="lt1"/>
-        </a:fontRef>
-      </dsp:style>
-      <dsp:txBody>
-        <a:bodyPr spcFirstLastPara="0" vert="horz" wrap="square" lIns="60960" tIns="60960" rIns="60960" bIns="60960" numCol="1" spcCol="1270" anchor="ctr" anchorCtr="0">
-          <a:noAutofit/>
-        </a:bodyPr>
-        <a:lstStyle/>
-        <a:p>
-          <a:pPr lvl="0" algn="ctr" defTabSz="711200">
-            <a:lnSpc>
-              <a:spcPct val="90000"/>
-            </a:lnSpc>
-            <a:spcBef>
-              <a:spcPct val="0"/>
-            </a:spcBef>
-            <a:spcAft>
-              <a:spcPct val="35000"/>
-            </a:spcAft>
-          </a:pPr>
-          <a:r>
-            <a:rPr lang="fr-FR" sz="1600" kern="1200" dirty="0" smtClean="0"/>
-            <a:t>Matériel V3</a:t>
-          </a:r>
-          <a:endParaRPr lang="fr-FR" sz="1600" kern="1200" dirty="0"/>
-        </a:p>
-      </dsp:txBody>
-      <dsp:txXfrm>
-        <a:off x="5113187" y="1390937"/>
-        <a:ext cx="960068" cy="595935"/>
-      </dsp:txXfrm>
-    </dsp:sp>
-    <dsp:sp modelId="{0F6251B7-B9B9-41E4-9D33-7E1322AFC0FC}">
-      <dsp:nvSpPr>
-        <dsp:cNvPr id="0" name=""/>
-        <dsp:cNvSpPr/>
-      </dsp:nvSpPr>
-      <dsp:spPr>
-        <a:xfrm>
-          <a:off x="5094647" y="686208"/>
-          <a:ext cx="997148" cy="633015"/>
-        </a:xfrm>
-        <a:prstGeom prst="roundRect">
-          <a:avLst>
-            <a:gd name="adj" fmla="val 10000"/>
-          </a:avLst>
-        </a:prstGeom>
-        <a:solidFill>
-          <a:schemeClr val="accent4"/>
-        </a:solidFill>
-        <a:ln w="25400" cap="flat" cmpd="sng" algn="ctr">
-          <a:solidFill>
-            <a:schemeClr val="accent4">
-              <a:shade val="50000"/>
-            </a:schemeClr>
-          </a:solidFill>
-          <a:prstDash val="solid"/>
-        </a:ln>
-        <a:effectLst/>
-      </dsp:spPr>
-      <dsp:style>
-        <a:lnRef idx="2">
-          <a:schemeClr val="accent4">
-            <a:shade val="50000"/>
-          </a:schemeClr>
-        </a:lnRef>
-        <a:fillRef idx="1">
-          <a:schemeClr val="accent4"/>
-        </a:fillRef>
-        <a:effectRef idx="0">
-          <a:schemeClr val="accent4"/>
-        </a:effectRef>
-        <a:fontRef idx="minor">
-          <a:schemeClr val="lt1"/>
-        </a:fontRef>
-      </dsp:style>
-      <dsp:txBody>
-        <a:bodyPr spcFirstLastPara="0" vert="horz" wrap="square" lIns="60960" tIns="60960" rIns="60960" bIns="60960" numCol="1" spcCol="1270" anchor="ctr" anchorCtr="0">
-          <a:noAutofit/>
-        </a:bodyPr>
-        <a:lstStyle/>
-        <a:p>
-          <a:pPr lvl="0" algn="ctr" defTabSz="711200">
-            <a:lnSpc>
-              <a:spcPct val="90000"/>
-            </a:lnSpc>
-            <a:spcBef>
-              <a:spcPct val="0"/>
-            </a:spcBef>
-            <a:spcAft>
-              <a:spcPct val="35000"/>
-            </a:spcAft>
-          </a:pPr>
-          <a:r>
-            <a:rPr lang="fr-FR" sz="1600" kern="1200" dirty="0" smtClean="0"/>
-            <a:t>OS 3</a:t>
-          </a:r>
-          <a:endParaRPr lang="fr-FR" sz="1600" kern="1200" dirty="0"/>
-        </a:p>
-      </dsp:txBody>
-      <dsp:txXfrm>
-        <a:off x="5113187" y="704748"/>
-        <a:ext cx="960068" cy="595935"/>
-      </dsp:txXfrm>
-    </dsp:sp>
-    <dsp:sp modelId="{7196DF31-6366-497B-AA87-E553EC0F0266}">
-      <dsp:nvSpPr>
-        <dsp:cNvPr id="0" name=""/>
-        <dsp:cNvSpPr/>
-      </dsp:nvSpPr>
-      <dsp:spPr>
-        <a:xfrm>
-          <a:off x="5094647" y="19"/>
-          <a:ext cx="997148" cy="633015"/>
-        </a:xfrm>
-        <a:prstGeom prst="roundRect">
-          <a:avLst>
-            <a:gd name="adj" fmla="val 10000"/>
-          </a:avLst>
-        </a:prstGeom>
-        <a:solidFill>
-          <a:schemeClr val="accent3"/>
-        </a:solidFill>
-        <a:ln w="25400" cap="flat" cmpd="sng" algn="ctr">
-          <a:solidFill>
-            <a:schemeClr val="accent3">
-              <a:shade val="50000"/>
-            </a:schemeClr>
-          </a:solidFill>
-          <a:prstDash val="solid"/>
-        </a:ln>
-        <a:effectLst/>
-      </dsp:spPr>
-      <dsp:style>
-        <a:lnRef idx="2">
-          <a:schemeClr val="accent3">
-            <a:shade val="50000"/>
-          </a:schemeClr>
-        </a:lnRef>
-        <a:fillRef idx="1">
-          <a:schemeClr val="accent3"/>
-        </a:fillRef>
-        <a:effectRef idx="0">
-          <a:schemeClr val="accent3"/>
-        </a:effectRef>
-        <a:fontRef idx="minor">
-          <a:schemeClr val="lt1"/>
-        </a:fontRef>
-      </dsp:style>
-      <dsp:txBody>
-        <a:bodyPr spcFirstLastPara="0" vert="horz" wrap="square" lIns="60960" tIns="60960" rIns="60960" bIns="60960" numCol="1" spcCol="1270" anchor="ctr" anchorCtr="0">
-          <a:noAutofit/>
-        </a:bodyPr>
-        <a:lstStyle/>
-        <a:p>
-          <a:pPr lvl="0" algn="ctr" defTabSz="711200">
-            <a:lnSpc>
-              <a:spcPct val="90000"/>
-            </a:lnSpc>
-            <a:spcBef>
-              <a:spcPct val="0"/>
-            </a:spcBef>
-            <a:spcAft>
-              <a:spcPct val="35000"/>
-            </a:spcAft>
-          </a:pPr>
-          <a:r>
-            <a:rPr lang="fr-FR" sz="1600" kern="1200" dirty="0" smtClean="0"/>
-            <a:t>App F</a:t>
-          </a:r>
-          <a:endParaRPr lang="fr-FR" sz="1600" kern="1200" dirty="0"/>
-        </a:p>
-      </dsp:txBody>
-      <dsp:txXfrm>
-        <a:off x="5113187" y="18559"/>
-        <a:ext cx="960068" cy="595935"/>
-      </dsp:txXfrm>
-    </dsp:sp>
   </dsp:spTree>
 </dsp:drawing>
 </file>
@@ -27934,7 +26836,7 @@
           <a:p>
             <a:fld id="{B511EEBD-DB93-4DB6-9ADA-68547254FD74}" type="datetimeFigureOut">
               <a:rPr lang="fr-FR" smtClean="0"/>
-              <a:t>18/11/2014</a:t>
+              <a:t>19/11/2014</a:t>
             </a:fld>
             <a:endParaRPr lang="fr-FR"/>
           </a:p>
@@ -28104,7 +27006,7 @@
           <a:p>
             <a:fld id="{B511EEBD-DB93-4DB6-9ADA-68547254FD74}" type="datetimeFigureOut">
               <a:rPr lang="fr-FR" smtClean="0"/>
-              <a:t>18/11/2014</a:t>
+              <a:t>19/11/2014</a:t>
             </a:fld>
             <a:endParaRPr lang="fr-FR"/>
           </a:p>
@@ -28284,7 +27186,7 @@
           <a:p>
             <a:fld id="{B511EEBD-DB93-4DB6-9ADA-68547254FD74}" type="datetimeFigureOut">
               <a:rPr lang="fr-FR" smtClean="0"/>
-              <a:t>18/11/2014</a:t>
+              <a:t>19/11/2014</a:t>
             </a:fld>
             <a:endParaRPr lang="fr-FR"/>
           </a:p>
@@ -28454,7 +27356,7 @@
           <a:p>
             <a:fld id="{B511EEBD-DB93-4DB6-9ADA-68547254FD74}" type="datetimeFigureOut">
               <a:rPr lang="fr-FR" smtClean="0"/>
-              <a:t>18/11/2014</a:t>
+              <a:t>19/11/2014</a:t>
             </a:fld>
             <a:endParaRPr lang="fr-FR"/>
           </a:p>
@@ -28700,7 +27602,7 @@
           <a:p>
             <a:fld id="{B511EEBD-DB93-4DB6-9ADA-68547254FD74}" type="datetimeFigureOut">
               <a:rPr lang="fr-FR" smtClean="0"/>
-              <a:t>18/11/2014</a:t>
+              <a:t>19/11/2014</a:t>
             </a:fld>
             <a:endParaRPr lang="fr-FR"/>
           </a:p>
@@ -28988,7 +27890,7 @@
           <a:p>
             <a:fld id="{B511EEBD-DB93-4DB6-9ADA-68547254FD74}" type="datetimeFigureOut">
               <a:rPr lang="fr-FR" smtClean="0"/>
-              <a:t>18/11/2014</a:t>
+              <a:t>19/11/2014</a:t>
             </a:fld>
             <a:endParaRPr lang="fr-FR"/>
           </a:p>
@@ -29410,7 +28312,7 @@
           <a:p>
             <a:fld id="{B511EEBD-DB93-4DB6-9ADA-68547254FD74}" type="datetimeFigureOut">
               <a:rPr lang="fr-FR" smtClean="0"/>
-              <a:t>18/11/2014</a:t>
+              <a:t>19/11/2014</a:t>
             </a:fld>
             <a:endParaRPr lang="fr-FR"/>
           </a:p>
@@ -29528,7 +28430,7 @@
           <a:p>
             <a:fld id="{B511EEBD-DB93-4DB6-9ADA-68547254FD74}" type="datetimeFigureOut">
               <a:rPr lang="fr-FR" smtClean="0"/>
-              <a:t>18/11/2014</a:t>
+              <a:t>19/11/2014</a:t>
             </a:fld>
             <a:endParaRPr lang="fr-FR"/>
           </a:p>
@@ -29623,7 +28525,7 @@
           <a:p>
             <a:fld id="{B511EEBD-DB93-4DB6-9ADA-68547254FD74}" type="datetimeFigureOut">
               <a:rPr lang="fr-FR" smtClean="0"/>
-              <a:t>18/11/2014</a:t>
+              <a:t>19/11/2014</a:t>
             </a:fld>
             <a:endParaRPr lang="fr-FR"/>
           </a:p>
@@ -29900,7 +28802,7 @@
           <a:p>
             <a:fld id="{B511EEBD-DB93-4DB6-9ADA-68547254FD74}" type="datetimeFigureOut">
               <a:rPr lang="fr-FR" smtClean="0"/>
-              <a:t>18/11/2014</a:t>
+              <a:t>19/11/2014</a:t>
             </a:fld>
             <a:endParaRPr lang="fr-FR"/>
           </a:p>
@@ -30153,7 +29055,7 @@
           <a:p>
             <a:fld id="{B511EEBD-DB93-4DB6-9ADA-68547254FD74}" type="datetimeFigureOut">
               <a:rPr lang="fr-FR" smtClean="0"/>
-              <a:t>18/11/2014</a:t>
+              <a:t>19/11/2014</a:t>
             </a:fld>
             <a:endParaRPr lang="fr-FR"/>
           </a:p>
@@ -30366,7 +29268,7 @@
           <a:p>
             <a:fld id="{B511EEBD-DB93-4DB6-9ADA-68547254FD74}" type="datetimeFigureOut">
               <a:rPr lang="fr-FR" smtClean="0"/>
-              <a:t>18/11/2014</a:t>
+              <a:t>19/11/2014</a:t>
             </a:fld>
             <a:endParaRPr lang="fr-FR"/>
           </a:p>
@@ -31199,10 +30101,1447 @@
           <a:chExt cx="0" cy="0"/>
         </a:xfrm>
       </p:grpSpPr>
+      <p:sp>
+        <p:nvSpPr>
+          <p:cNvPr id="2" name="Nuage 1"/>
+          <p:cNvSpPr/>
+          <p:nvPr/>
+        </p:nvSpPr>
+        <p:spPr>
+          <a:xfrm>
+            <a:off x="395536" y="980728"/>
+            <a:ext cx="8280920" cy="1872208"/>
+          </a:xfrm>
+          <a:prstGeom prst="cloud">
+            <a:avLst/>
+          </a:prstGeom>
+        </p:spPr>
+        <p:style>
+          <a:lnRef idx="2">
+            <a:schemeClr val="accent6"/>
+          </a:lnRef>
+          <a:fillRef idx="1">
+            <a:schemeClr val="lt1"/>
+          </a:fillRef>
+          <a:effectRef idx="0">
+            <a:schemeClr val="accent6"/>
+          </a:effectRef>
+          <a:fontRef idx="minor">
+            <a:schemeClr val="dk1"/>
+          </a:fontRef>
+        </p:style>
+        <p:txBody>
+          <a:bodyPr rtlCol="0" anchor="ctr"/>
+          <a:lstStyle/>
+          <a:p>
+            <a:pPr algn="ctr"/>
+            <a:r>
+              <a:rPr lang="fr-FR" sz="4400" dirty="0" smtClean="0"/>
+              <a:t>?</a:t>
+            </a:r>
+            <a:endParaRPr lang="fr-FR" sz="4400" dirty="0"/>
+          </a:p>
+        </p:txBody>
+      </p:sp>
+      <p:sp>
+        <p:nvSpPr>
+          <p:cNvPr id="3" name="Nuage 2"/>
+          <p:cNvSpPr/>
+          <p:nvPr/>
+        </p:nvSpPr>
+        <p:spPr>
+          <a:xfrm>
+            <a:off x="378590" y="3861048"/>
+            <a:ext cx="8280920" cy="1872208"/>
+          </a:xfrm>
+          <a:prstGeom prst="cloud">
+            <a:avLst/>
+          </a:prstGeom>
+        </p:spPr>
+        <p:style>
+          <a:lnRef idx="2">
+            <a:schemeClr val="accent6"/>
+          </a:lnRef>
+          <a:fillRef idx="1">
+            <a:schemeClr val="lt1"/>
+          </a:fillRef>
+          <a:effectRef idx="0">
+            <a:schemeClr val="accent6"/>
+          </a:effectRef>
+          <a:fontRef idx="minor">
+            <a:schemeClr val="dk1"/>
+          </a:fontRef>
+        </p:style>
+        <p:txBody>
+          <a:bodyPr rtlCol="0" anchor="ctr"/>
+          <a:lstStyle/>
+          <a:p>
+            <a:pPr algn="ctr"/>
+            <a:r>
+              <a:rPr lang="fr-FR" sz="4400" dirty="0" smtClean="0"/>
+              <a:t>?</a:t>
+            </a:r>
+            <a:endParaRPr lang="fr-FR" sz="4400" dirty="0"/>
+          </a:p>
+        </p:txBody>
+      </p:sp>
+      <p:sp>
+        <p:nvSpPr>
+          <p:cNvPr id="4" name="Émoticône 3"/>
+          <p:cNvSpPr/>
+          <p:nvPr/>
+        </p:nvSpPr>
+        <p:spPr>
+          <a:xfrm>
+            <a:off x="3995936" y="188640"/>
+            <a:ext cx="720080" cy="720080"/>
+          </a:xfrm>
+          <a:prstGeom prst="smileyFace">
+            <a:avLst/>
+          </a:prstGeom>
+        </p:spPr>
+        <p:style>
+          <a:lnRef idx="2">
+            <a:schemeClr val="accent1">
+              <a:shade val="50000"/>
+            </a:schemeClr>
+          </a:lnRef>
+          <a:fillRef idx="1">
+            <a:schemeClr val="accent1"/>
+          </a:fillRef>
+          <a:effectRef idx="0">
+            <a:schemeClr val="accent1"/>
+          </a:effectRef>
+          <a:fontRef idx="minor">
+            <a:schemeClr val="lt1"/>
+          </a:fontRef>
+        </p:style>
+        <p:txBody>
+          <a:bodyPr rtlCol="0" anchor="ctr"/>
+          <a:lstStyle/>
+          <a:p>
+            <a:pPr algn="ctr"/>
+            <a:endParaRPr lang="fr-FR"/>
+          </a:p>
+        </p:txBody>
+      </p:sp>
+      <p:sp>
+        <p:nvSpPr>
+          <p:cNvPr id="5" name="Rectangle à coins arrondis 4"/>
+          <p:cNvSpPr/>
+          <p:nvPr/>
+        </p:nvSpPr>
+        <p:spPr>
+          <a:xfrm>
+            <a:off x="1619672" y="2492896"/>
+            <a:ext cx="2160240" cy="1512168"/>
+          </a:xfrm>
+          <a:prstGeom prst="roundRect">
+            <a:avLst/>
+          </a:prstGeom>
+        </p:spPr>
+        <p:style>
+          <a:lnRef idx="2">
+            <a:schemeClr val="accent3">
+              <a:shade val="50000"/>
+            </a:schemeClr>
+          </a:lnRef>
+          <a:fillRef idx="1">
+            <a:schemeClr val="accent3"/>
+          </a:fillRef>
+          <a:effectRef idx="0">
+            <a:schemeClr val="accent3"/>
+          </a:effectRef>
+          <a:fontRef idx="minor">
+            <a:schemeClr val="lt1"/>
+          </a:fontRef>
+        </p:style>
+        <p:txBody>
+          <a:bodyPr rtlCol="0" anchor="ctr"/>
+          <a:lstStyle/>
+          <a:p>
+            <a:pPr algn="ctr"/>
+            <a:r>
+              <a:rPr lang="fr-FR" dirty="0" err="1" smtClean="0"/>
+              <a:t>Géoserveur</a:t>
+            </a:r>
+            <a:r>
+              <a:rPr lang="fr-FR" dirty="0" smtClean="0"/>
+              <a:t> 1</a:t>
+            </a:r>
+            <a:endParaRPr lang="fr-FR" dirty="0"/>
+          </a:p>
+        </p:txBody>
+      </p:sp>
+      <p:sp>
+        <p:nvSpPr>
+          <p:cNvPr id="6" name="Rectangle à coins arrondis 5"/>
+          <p:cNvSpPr/>
+          <p:nvPr/>
+        </p:nvSpPr>
+        <p:spPr>
+          <a:xfrm>
+            <a:off x="5148064" y="2492896"/>
+            <a:ext cx="2160240" cy="1512168"/>
+          </a:xfrm>
+          <a:prstGeom prst="roundRect">
+            <a:avLst/>
+          </a:prstGeom>
+        </p:spPr>
+        <p:style>
+          <a:lnRef idx="2">
+            <a:schemeClr val="accent3">
+              <a:shade val="50000"/>
+            </a:schemeClr>
+          </a:lnRef>
+          <a:fillRef idx="1">
+            <a:schemeClr val="accent3"/>
+          </a:fillRef>
+          <a:effectRef idx="0">
+            <a:schemeClr val="accent3"/>
+          </a:effectRef>
+          <a:fontRef idx="minor">
+            <a:schemeClr val="lt1"/>
+          </a:fontRef>
+        </p:style>
+        <p:txBody>
+          <a:bodyPr rtlCol="0" anchor="ctr"/>
+          <a:lstStyle/>
+          <a:p>
+            <a:pPr algn="ctr"/>
+            <a:r>
+              <a:rPr lang="fr-FR" dirty="0" err="1" smtClean="0"/>
+              <a:t>Géoserveur</a:t>
+            </a:r>
+            <a:r>
+              <a:rPr lang="fr-FR" dirty="0" smtClean="0"/>
+              <a:t> 2</a:t>
+            </a:r>
+            <a:endParaRPr lang="fr-FR" dirty="0"/>
+          </a:p>
+        </p:txBody>
+      </p:sp>
+      <p:sp>
+        <p:nvSpPr>
+          <p:cNvPr id="7" name="Organigramme : Disque magnétique 6"/>
+          <p:cNvSpPr/>
+          <p:nvPr/>
+        </p:nvSpPr>
+        <p:spPr>
+          <a:xfrm>
+            <a:off x="3419872" y="5301208"/>
+            <a:ext cx="1872208" cy="1224136"/>
+          </a:xfrm>
+          <a:prstGeom prst="flowChartMagneticDisk">
+            <a:avLst/>
+          </a:prstGeom>
+        </p:spPr>
+        <p:style>
+          <a:lnRef idx="2">
+            <a:schemeClr val="accent4">
+              <a:shade val="50000"/>
+            </a:schemeClr>
+          </a:lnRef>
+          <a:fillRef idx="1">
+            <a:schemeClr val="accent4"/>
+          </a:fillRef>
+          <a:effectRef idx="0">
+            <a:schemeClr val="accent4"/>
+          </a:effectRef>
+          <a:fontRef idx="minor">
+            <a:schemeClr val="lt1"/>
+          </a:fontRef>
+        </p:style>
+        <p:txBody>
+          <a:bodyPr rtlCol="0" anchor="ctr"/>
+          <a:lstStyle/>
+          <a:p>
+            <a:pPr algn="ctr"/>
+            <a:r>
+              <a:rPr lang="fr-FR" dirty="0" err="1" smtClean="0"/>
+              <a:t>PgSQL</a:t>
+            </a:r>
+            <a:r>
+              <a:rPr lang="fr-FR" dirty="0" smtClean="0"/>
+              <a:t> + </a:t>
+            </a:r>
+            <a:r>
+              <a:rPr lang="fr-FR" dirty="0" err="1" smtClean="0"/>
+              <a:t>PostGIS</a:t>
+            </a:r>
+            <a:endParaRPr lang="fr-FR" dirty="0"/>
+          </a:p>
+        </p:txBody>
+      </p:sp>
+      <p:cxnSp>
+        <p:nvCxnSpPr>
+          <p:cNvPr id="9" name="Connecteur droit 8"/>
+          <p:cNvCxnSpPr>
+            <a:stCxn id="5" idx="2"/>
+            <a:endCxn id="7" idx="1"/>
+          </p:cNvCxnSpPr>
+          <p:nvPr/>
+        </p:nvCxnSpPr>
+        <p:spPr>
+          <a:xfrm>
+            <a:off x="2699792" y="4005064"/>
+            <a:ext cx="1656184" cy="1296144"/>
+          </a:xfrm>
+          <a:prstGeom prst="line">
+            <a:avLst/>
+          </a:prstGeom>
+        </p:spPr>
+        <p:style>
+          <a:lnRef idx="2">
+            <a:schemeClr val="dk1"/>
+          </a:lnRef>
+          <a:fillRef idx="0">
+            <a:schemeClr val="dk1"/>
+          </a:fillRef>
+          <a:effectRef idx="1">
+            <a:schemeClr val="dk1"/>
+          </a:effectRef>
+          <a:fontRef idx="minor">
+            <a:schemeClr val="tx1"/>
+          </a:fontRef>
+        </p:style>
+      </p:cxnSp>
+      <p:cxnSp>
+        <p:nvCxnSpPr>
+          <p:cNvPr id="10" name="Connecteur droit 9"/>
+          <p:cNvCxnSpPr>
+            <a:stCxn id="6" idx="2"/>
+            <a:endCxn id="7" idx="1"/>
+          </p:cNvCxnSpPr>
+          <p:nvPr/>
+        </p:nvCxnSpPr>
+        <p:spPr>
+          <a:xfrm flipH="1">
+            <a:off x="4355976" y="4005064"/>
+            <a:ext cx="1872208" cy="1296144"/>
+          </a:xfrm>
+          <a:prstGeom prst="line">
+            <a:avLst/>
+          </a:prstGeom>
+        </p:spPr>
+        <p:style>
+          <a:lnRef idx="2">
+            <a:schemeClr val="dk1"/>
+          </a:lnRef>
+          <a:fillRef idx="0">
+            <a:schemeClr val="dk1"/>
+          </a:fillRef>
+          <a:effectRef idx="1">
+            <a:schemeClr val="dk1"/>
+          </a:effectRef>
+          <a:fontRef idx="minor">
+            <a:schemeClr val="tx1"/>
+          </a:fontRef>
+        </p:style>
+      </p:cxnSp>
+      <p:cxnSp>
+        <p:nvCxnSpPr>
+          <p:cNvPr id="13" name="Connecteur droit 12"/>
+          <p:cNvCxnSpPr>
+            <a:stCxn id="4" idx="4"/>
+            <a:endCxn id="5" idx="0"/>
+          </p:cNvCxnSpPr>
+          <p:nvPr/>
+        </p:nvCxnSpPr>
+        <p:spPr>
+          <a:xfrm flipH="1">
+            <a:off x="2699792" y="908720"/>
+            <a:ext cx="1656184" cy="1584176"/>
+          </a:xfrm>
+          <a:prstGeom prst="line">
+            <a:avLst/>
+          </a:prstGeom>
+        </p:spPr>
+        <p:style>
+          <a:lnRef idx="2">
+            <a:schemeClr val="dk1"/>
+          </a:lnRef>
+          <a:fillRef idx="0">
+            <a:schemeClr val="dk1"/>
+          </a:fillRef>
+          <a:effectRef idx="1">
+            <a:schemeClr val="dk1"/>
+          </a:effectRef>
+          <a:fontRef idx="minor">
+            <a:schemeClr val="tx1"/>
+          </a:fontRef>
+        </p:style>
+      </p:cxnSp>
+      <p:cxnSp>
+        <p:nvCxnSpPr>
+          <p:cNvPr id="16" name="Connecteur droit 15"/>
+          <p:cNvCxnSpPr>
+            <a:stCxn id="4" idx="4"/>
+            <a:endCxn id="6" idx="0"/>
+          </p:cNvCxnSpPr>
+          <p:nvPr/>
+        </p:nvCxnSpPr>
+        <p:spPr>
+          <a:xfrm>
+            <a:off x="4355976" y="908720"/>
+            <a:ext cx="1872208" cy="1584176"/>
+          </a:xfrm>
+          <a:prstGeom prst="line">
+            <a:avLst/>
+          </a:prstGeom>
+        </p:spPr>
+        <p:style>
+          <a:lnRef idx="2">
+            <a:schemeClr val="dk1"/>
+          </a:lnRef>
+          <a:fillRef idx="0">
+            <a:schemeClr val="dk1"/>
+          </a:fillRef>
+          <a:effectRef idx="1">
+            <a:schemeClr val="dk1"/>
+          </a:effectRef>
+          <a:fontRef idx="minor">
+            <a:schemeClr val="tx1"/>
+          </a:fontRef>
+        </p:style>
+      </p:cxnSp>
     </p:spTree>
     <p:extLst>
       <p:ext uri="{BB962C8B-B14F-4D97-AF65-F5344CB8AC3E}">
         <p14:creationId xmlns:p14="http://schemas.microsoft.com/office/powerpoint/2010/main" val="1013534168"/>
+      </p:ext>
+    </p:extLst>
+  </p:cSld>
+  <p:clrMapOvr>
+    <a:masterClrMapping/>
+  </p:clrMapOvr>
+</p:sld>
+</file>
+
+<file path=ppt/slides/slide18.xml><?xml version="1.0" encoding="utf-8"?>
+<p:sld xmlns:a="http://schemas.openxmlformats.org/drawingml/2006/main" xmlns:r="http://schemas.openxmlformats.org/officeDocument/2006/relationships" xmlns:p="http://schemas.openxmlformats.org/presentationml/2006/main">
+  <p:cSld>
+    <p:spTree>
+      <p:nvGrpSpPr>
+        <p:cNvPr id="1" name=""/>
+        <p:cNvGrpSpPr/>
+        <p:nvPr/>
+      </p:nvGrpSpPr>
+      <p:grpSpPr>
+        <a:xfrm>
+          <a:off x="0" y="0"/>
+          <a:ext cx="0" cy="0"/>
+          <a:chOff x="0" y="0"/>
+          <a:chExt cx="0" cy="0"/>
+        </a:xfrm>
+      </p:grpSpPr>
+      <p:sp>
+        <p:nvSpPr>
+          <p:cNvPr id="2" name="Rectangle à coins arrondis 1"/>
+          <p:cNvSpPr/>
+          <p:nvPr/>
+        </p:nvSpPr>
+        <p:spPr>
+          <a:xfrm>
+            <a:off x="1835696" y="917104"/>
+            <a:ext cx="1872208" cy="936104"/>
+          </a:xfrm>
+          <a:prstGeom prst="roundRect">
+            <a:avLst/>
+          </a:prstGeom>
+        </p:spPr>
+        <p:style>
+          <a:lnRef idx="2">
+            <a:schemeClr val="dk1">
+              <a:shade val="50000"/>
+            </a:schemeClr>
+          </a:lnRef>
+          <a:fillRef idx="1">
+            <a:schemeClr val="dk1"/>
+          </a:fillRef>
+          <a:effectRef idx="0">
+            <a:schemeClr val="dk1"/>
+          </a:effectRef>
+          <a:fontRef idx="minor">
+            <a:schemeClr val="lt1"/>
+          </a:fontRef>
+        </p:style>
+        <p:txBody>
+          <a:bodyPr rtlCol="0" anchor="ctr"/>
+          <a:lstStyle/>
+          <a:p>
+            <a:pPr algn="ctr"/>
+            <a:r>
+              <a:rPr lang="fr-FR" dirty="0" smtClean="0"/>
+              <a:t>App A</a:t>
+            </a:r>
+            <a:endParaRPr lang="fr-FR" dirty="0"/>
+          </a:p>
+        </p:txBody>
+      </p:sp>
+      <p:sp>
+        <p:nvSpPr>
+          <p:cNvPr id="3" name="Rectangle à coins arrondis 2"/>
+          <p:cNvSpPr/>
+          <p:nvPr/>
+        </p:nvSpPr>
+        <p:spPr>
+          <a:xfrm>
+            <a:off x="5148064" y="917104"/>
+            <a:ext cx="1872208" cy="936104"/>
+          </a:xfrm>
+          <a:prstGeom prst="roundRect">
+            <a:avLst/>
+          </a:prstGeom>
+        </p:spPr>
+        <p:style>
+          <a:lnRef idx="2">
+            <a:schemeClr val="accent1">
+              <a:shade val="50000"/>
+            </a:schemeClr>
+          </a:lnRef>
+          <a:fillRef idx="1">
+            <a:schemeClr val="accent1"/>
+          </a:fillRef>
+          <a:effectRef idx="0">
+            <a:schemeClr val="accent1"/>
+          </a:effectRef>
+          <a:fontRef idx="minor">
+            <a:schemeClr val="lt1"/>
+          </a:fontRef>
+        </p:style>
+        <p:txBody>
+          <a:bodyPr rtlCol="0" anchor="ctr"/>
+          <a:lstStyle/>
+          <a:p>
+            <a:pPr algn="ctr"/>
+            <a:r>
+              <a:rPr lang="fr-FR" dirty="0" smtClean="0"/>
+              <a:t>App B</a:t>
+            </a:r>
+            <a:endParaRPr lang="fr-FR" dirty="0"/>
+          </a:p>
+        </p:txBody>
+      </p:sp>
+      <p:sp>
+        <p:nvSpPr>
+          <p:cNvPr id="4" name="Rectangle à coins arrondis 3"/>
+          <p:cNvSpPr/>
+          <p:nvPr/>
+        </p:nvSpPr>
+        <p:spPr>
+          <a:xfrm>
+            <a:off x="683568" y="2979084"/>
+            <a:ext cx="1872208" cy="936104"/>
+          </a:xfrm>
+          <a:prstGeom prst="roundRect">
+            <a:avLst/>
+          </a:prstGeom>
+        </p:spPr>
+        <p:style>
+          <a:lnRef idx="2">
+            <a:schemeClr val="accent2">
+              <a:shade val="50000"/>
+            </a:schemeClr>
+          </a:lnRef>
+          <a:fillRef idx="1">
+            <a:schemeClr val="accent2"/>
+          </a:fillRef>
+          <a:effectRef idx="0">
+            <a:schemeClr val="accent2"/>
+          </a:effectRef>
+          <a:fontRef idx="minor">
+            <a:schemeClr val="lt1"/>
+          </a:fontRef>
+        </p:style>
+        <p:txBody>
+          <a:bodyPr rtlCol="0" anchor="ctr"/>
+          <a:lstStyle/>
+          <a:p>
+            <a:pPr algn="ctr"/>
+            <a:r>
+              <a:rPr lang="fr-FR" dirty="0" smtClean="0"/>
+              <a:t>App C</a:t>
+            </a:r>
+            <a:endParaRPr lang="fr-FR" dirty="0"/>
+          </a:p>
+        </p:txBody>
+      </p:sp>
+      <p:sp>
+        <p:nvSpPr>
+          <p:cNvPr id="5" name="Rectangle à coins arrondis 4"/>
+          <p:cNvSpPr/>
+          <p:nvPr/>
+        </p:nvSpPr>
+        <p:spPr>
+          <a:xfrm>
+            <a:off x="6732240" y="3059208"/>
+            <a:ext cx="1872208" cy="936104"/>
+          </a:xfrm>
+          <a:prstGeom prst="roundRect">
+            <a:avLst/>
+          </a:prstGeom>
+        </p:spPr>
+        <p:style>
+          <a:lnRef idx="2">
+            <a:schemeClr val="accent4">
+              <a:shade val="50000"/>
+            </a:schemeClr>
+          </a:lnRef>
+          <a:fillRef idx="1">
+            <a:schemeClr val="accent4"/>
+          </a:fillRef>
+          <a:effectRef idx="0">
+            <a:schemeClr val="accent4"/>
+          </a:effectRef>
+          <a:fontRef idx="minor">
+            <a:schemeClr val="lt1"/>
+          </a:fontRef>
+        </p:style>
+        <p:txBody>
+          <a:bodyPr rtlCol="0" anchor="ctr"/>
+          <a:lstStyle/>
+          <a:p>
+            <a:pPr algn="ctr"/>
+            <a:r>
+              <a:rPr lang="fr-FR" dirty="0" smtClean="0"/>
+              <a:t>App D</a:t>
+            </a:r>
+            <a:endParaRPr lang="fr-FR" dirty="0"/>
+          </a:p>
+        </p:txBody>
+      </p:sp>
+      <p:sp>
+        <p:nvSpPr>
+          <p:cNvPr id="6" name="Rectangle à coins arrondis 5"/>
+          <p:cNvSpPr/>
+          <p:nvPr/>
+        </p:nvSpPr>
+        <p:spPr>
+          <a:xfrm>
+            <a:off x="3743641" y="4772655"/>
+            <a:ext cx="1872208" cy="936104"/>
+          </a:xfrm>
+          <a:prstGeom prst="roundRect">
+            <a:avLst/>
+          </a:prstGeom>
+        </p:spPr>
+        <p:style>
+          <a:lnRef idx="2">
+            <a:schemeClr val="accent6">
+              <a:shade val="50000"/>
+            </a:schemeClr>
+          </a:lnRef>
+          <a:fillRef idx="1">
+            <a:schemeClr val="accent6"/>
+          </a:fillRef>
+          <a:effectRef idx="0">
+            <a:schemeClr val="accent6"/>
+          </a:effectRef>
+          <a:fontRef idx="minor">
+            <a:schemeClr val="lt1"/>
+          </a:fontRef>
+        </p:style>
+        <p:txBody>
+          <a:bodyPr rtlCol="0" anchor="ctr"/>
+          <a:lstStyle/>
+          <a:p>
+            <a:pPr algn="ctr"/>
+            <a:r>
+              <a:rPr lang="fr-FR" dirty="0" smtClean="0"/>
+              <a:t>App E</a:t>
+            </a:r>
+            <a:endParaRPr lang="fr-FR" dirty="0"/>
+          </a:p>
+        </p:txBody>
+      </p:sp>
+      <p:cxnSp>
+        <p:nvCxnSpPr>
+          <p:cNvPr id="8" name="Connecteur droit 7"/>
+          <p:cNvCxnSpPr>
+            <a:stCxn id="2" idx="2"/>
+            <a:endCxn id="4" idx="0"/>
+          </p:cNvCxnSpPr>
+          <p:nvPr/>
+        </p:nvCxnSpPr>
+        <p:spPr>
+          <a:xfrm flipH="1">
+            <a:off x="1619672" y="1853208"/>
+            <a:ext cx="1152128" cy="1125876"/>
+          </a:xfrm>
+          <a:prstGeom prst="line">
+            <a:avLst/>
+          </a:prstGeom>
+        </p:spPr>
+        <p:style>
+          <a:lnRef idx="1">
+            <a:schemeClr val="accent1"/>
+          </a:lnRef>
+          <a:fillRef idx="0">
+            <a:schemeClr val="accent1"/>
+          </a:fillRef>
+          <a:effectRef idx="0">
+            <a:schemeClr val="accent1"/>
+          </a:effectRef>
+          <a:fontRef idx="minor">
+            <a:schemeClr val="tx1"/>
+          </a:fontRef>
+        </p:style>
+      </p:cxnSp>
+      <p:cxnSp>
+        <p:nvCxnSpPr>
+          <p:cNvPr id="10" name="Connecteur droit 9"/>
+          <p:cNvCxnSpPr>
+            <a:stCxn id="4" idx="2"/>
+          </p:cNvCxnSpPr>
+          <p:nvPr/>
+        </p:nvCxnSpPr>
+        <p:spPr>
+          <a:xfrm>
+            <a:off x="1619672" y="3915188"/>
+            <a:ext cx="2232248" cy="1325519"/>
+          </a:xfrm>
+          <a:prstGeom prst="line">
+            <a:avLst/>
+          </a:prstGeom>
+        </p:spPr>
+        <p:style>
+          <a:lnRef idx="1">
+            <a:schemeClr val="accent1"/>
+          </a:lnRef>
+          <a:fillRef idx="0">
+            <a:schemeClr val="accent1"/>
+          </a:fillRef>
+          <a:effectRef idx="0">
+            <a:schemeClr val="accent1"/>
+          </a:effectRef>
+          <a:fontRef idx="minor">
+            <a:schemeClr val="tx1"/>
+          </a:fontRef>
+        </p:style>
+      </p:cxnSp>
+      <p:cxnSp>
+        <p:nvCxnSpPr>
+          <p:cNvPr id="12" name="Connecteur droit 11"/>
+          <p:cNvCxnSpPr>
+            <a:stCxn id="2" idx="3"/>
+            <a:endCxn id="3" idx="1"/>
+          </p:cNvCxnSpPr>
+          <p:nvPr/>
+        </p:nvCxnSpPr>
+        <p:spPr>
+          <a:xfrm>
+            <a:off x="3707904" y="1385156"/>
+            <a:ext cx="1440160" cy="0"/>
+          </a:xfrm>
+          <a:prstGeom prst="line">
+            <a:avLst/>
+          </a:prstGeom>
+        </p:spPr>
+        <p:style>
+          <a:lnRef idx="1">
+            <a:schemeClr val="accent1"/>
+          </a:lnRef>
+          <a:fillRef idx="0">
+            <a:schemeClr val="accent1"/>
+          </a:fillRef>
+          <a:effectRef idx="0">
+            <a:schemeClr val="accent1"/>
+          </a:effectRef>
+          <a:fontRef idx="minor">
+            <a:schemeClr val="tx1"/>
+          </a:fontRef>
+        </p:style>
+      </p:cxnSp>
+      <p:cxnSp>
+        <p:nvCxnSpPr>
+          <p:cNvPr id="16" name="Connecteur droit 15"/>
+          <p:cNvCxnSpPr>
+            <a:stCxn id="3" idx="2"/>
+          </p:cNvCxnSpPr>
+          <p:nvPr/>
+        </p:nvCxnSpPr>
+        <p:spPr>
+          <a:xfrm>
+            <a:off x="6084168" y="1853208"/>
+            <a:ext cx="1872208" cy="1359768"/>
+          </a:xfrm>
+          <a:prstGeom prst="line">
+            <a:avLst/>
+          </a:prstGeom>
+        </p:spPr>
+        <p:style>
+          <a:lnRef idx="1">
+            <a:schemeClr val="accent1"/>
+          </a:lnRef>
+          <a:fillRef idx="0">
+            <a:schemeClr val="accent1"/>
+          </a:fillRef>
+          <a:effectRef idx="0">
+            <a:schemeClr val="accent1"/>
+          </a:effectRef>
+          <a:fontRef idx="minor">
+            <a:schemeClr val="tx1"/>
+          </a:fontRef>
+        </p:style>
+      </p:cxnSp>
+      <p:cxnSp>
+        <p:nvCxnSpPr>
+          <p:cNvPr id="18" name="Connecteur droit 17"/>
+          <p:cNvCxnSpPr>
+            <a:stCxn id="6" idx="3"/>
+            <a:endCxn id="5" idx="2"/>
+          </p:cNvCxnSpPr>
+          <p:nvPr/>
+        </p:nvCxnSpPr>
+        <p:spPr>
+          <a:xfrm flipV="1">
+            <a:off x="5615849" y="3995312"/>
+            <a:ext cx="2052495" cy="1245395"/>
+          </a:xfrm>
+          <a:prstGeom prst="line">
+            <a:avLst/>
+          </a:prstGeom>
+        </p:spPr>
+        <p:style>
+          <a:lnRef idx="1">
+            <a:schemeClr val="accent1"/>
+          </a:lnRef>
+          <a:fillRef idx="0">
+            <a:schemeClr val="accent1"/>
+          </a:fillRef>
+          <a:effectRef idx="0">
+            <a:schemeClr val="accent1"/>
+          </a:effectRef>
+          <a:fontRef idx="minor">
+            <a:schemeClr val="tx1"/>
+          </a:fontRef>
+        </p:style>
+      </p:cxnSp>
+      <p:cxnSp>
+        <p:nvCxnSpPr>
+          <p:cNvPr id="20" name="Connecteur droit 19"/>
+          <p:cNvCxnSpPr>
+            <a:stCxn id="2" idx="2"/>
+            <a:endCxn id="6" idx="0"/>
+          </p:cNvCxnSpPr>
+          <p:nvPr/>
+        </p:nvCxnSpPr>
+        <p:spPr>
+          <a:xfrm>
+            <a:off x="2771800" y="1853208"/>
+            <a:ext cx="1907945" cy="2919447"/>
+          </a:xfrm>
+          <a:prstGeom prst="line">
+            <a:avLst/>
+          </a:prstGeom>
+        </p:spPr>
+        <p:style>
+          <a:lnRef idx="1">
+            <a:schemeClr val="accent1"/>
+          </a:lnRef>
+          <a:fillRef idx="0">
+            <a:schemeClr val="accent1"/>
+          </a:fillRef>
+          <a:effectRef idx="0">
+            <a:schemeClr val="accent1"/>
+          </a:effectRef>
+          <a:fontRef idx="minor">
+            <a:schemeClr val="tx1"/>
+          </a:fontRef>
+        </p:style>
+      </p:cxnSp>
+      <p:cxnSp>
+        <p:nvCxnSpPr>
+          <p:cNvPr id="22" name="Connecteur droit 21"/>
+          <p:cNvCxnSpPr>
+            <a:stCxn id="2" idx="2"/>
+            <a:endCxn id="5" idx="1"/>
+          </p:cNvCxnSpPr>
+          <p:nvPr/>
+        </p:nvCxnSpPr>
+        <p:spPr>
+          <a:xfrm>
+            <a:off x="2771800" y="1853208"/>
+            <a:ext cx="3960440" cy="1674052"/>
+          </a:xfrm>
+          <a:prstGeom prst="line">
+            <a:avLst/>
+          </a:prstGeom>
+        </p:spPr>
+        <p:style>
+          <a:lnRef idx="1">
+            <a:schemeClr val="accent1"/>
+          </a:lnRef>
+          <a:fillRef idx="0">
+            <a:schemeClr val="accent1"/>
+          </a:fillRef>
+          <a:effectRef idx="0">
+            <a:schemeClr val="accent1"/>
+          </a:effectRef>
+          <a:fontRef idx="minor">
+            <a:schemeClr val="tx1"/>
+          </a:fontRef>
+        </p:style>
+      </p:cxnSp>
+      <p:cxnSp>
+        <p:nvCxnSpPr>
+          <p:cNvPr id="24" name="Connecteur droit 23"/>
+          <p:cNvCxnSpPr>
+            <a:stCxn id="3" idx="2"/>
+            <a:endCxn id="4" idx="3"/>
+          </p:cNvCxnSpPr>
+          <p:nvPr/>
+        </p:nvCxnSpPr>
+        <p:spPr>
+          <a:xfrm flipH="1">
+            <a:off x="2555776" y="1853208"/>
+            <a:ext cx="3528392" cy="1593928"/>
+          </a:xfrm>
+          <a:prstGeom prst="line">
+            <a:avLst/>
+          </a:prstGeom>
+        </p:spPr>
+        <p:style>
+          <a:lnRef idx="1">
+            <a:schemeClr val="accent1"/>
+          </a:lnRef>
+          <a:fillRef idx="0">
+            <a:schemeClr val="accent1"/>
+          </a:fillRef>
+          <a:effectRef idx="0">
+            <a:schemeClr val="accent1"/>
+          </a:effectRef>
+          <a:fontRef idx="minor">
+            <a:schemeClr val="tx1"/>
+          </a:fontRef>
+        </p:style>
+      </p:cxnSp>
+      <p:cxnSp>
+        <p:nvCxnSpPr>
+          <p:cNvPr id="26" name="Connecteur droit 25"/>
+          <p:cNvCxnSpPr>
+            <a:stCxn id="3" idx="2"/>
+            <a:endCxn id="6" idx="0"/>
+          </p:cNvCxnSpPr>
+          <p:nvPr/>
+        </p:nvCxnSpPr>
+        <p:spPr>
+          <a:xfrm flipH="1">
+            <a:off x="4679745" y="1853208"/>
+            <a:ext cx="1404423" cy="2919447"/>
+          </a:xfrm>
+          <a:prstGeom prst="line">
+            <a:avLst/>
+          </a:prstGeom>
+        </p:spPr>
+        <p:style>
+          <a:lnRef idx="1">
+            <a:schemeClr val="accent1"/>
+          </a:lnRef>
+          <a:fillRef idx="0">
+            <a:schemeClr val="accent1"/>
+          </a:fillRef>
+          <a:effectRef idx="0">
+            <a:schemeClr val="accent1"/>
+          </a:effectRef>
+          <a:fontRef idx="minor">
+            <a:schemeClr val="tx1"/>
+          </a:fontRef>
+        </p:style>
+      </p:cxnSp>
+      <p:cxnSp>
+        <p:nvCxnSpPr>
+          <p:cNvPr id="28" name="Connecteur droit 27"/>
+          <p:cNvCxnSpPr>
+            <a:stCxn id="4" idx="3"/>
+            <a:endCxn id="5" idx="1"/>
+          </p:cNvCxnSpPr>
+          <p:nvPr/>
+        </p:nvCxnSpPr>
+        <p:spPr>
+          <a:xfrm>
+            <a:off x="2555776" y="3447136"/>
+            <a:ext cx="4176464" cy="80124"/>
+          </a:xfrm>
+          <a:prstGeom prst="line">
+            <a:avLst/>
+          </a:prstGeom>
+        </p:spPr>
+        <p:style>
+          <a:lnRef idx="1">
+            <a:schemeClr val="accent1"/>
+          </a:lnRef>
+          <a:fillRef idx="0">
+            <a:schemeClr val="accent1"/>
+          </a:fillRef>
+          <a:effectRef idx="0">
+            <a:schemeClr val="accent1"/>
+          </a:effectRef>
+          <a:fontRef idx="minor">
+            <a:schemeClr val="tx1"/>
+          </a:fontRef>
+        </p:style>
+      </p:cxnSp>
+    </p:spTree>
+    <p:extLst>
+      <p:ext uri="{BB962C8B-B14F-4D97-AF65-F5344CB8AC3E}">
+        <p14:creationId xmlns:p14="http://schemas.microsoft.com/office/powerpoint/2010/main" val="3716341983"/>
+      </p:ext>
+    </p:extLst>
+  </p:cSld>
+  <p:clrMapOvr>
+    <a:masterClrMapping/>
+  </p:clrMapOvr>
+</p:sld>
+</file>
+
+<file path=ppt/slides/slide19.xml><?xml version="1.0" encoding="utf-8"?>
+<p:sld xmlns:a="http://schemas.openxmlformats.org/drawingml/2006/main" xmlns:r="http://schemas.openxmlformats.org/officeDocument/2006/relationships" xmlns:p="http://schemas.openxmlformats.org/presentationml/2006/main">
+  <p:cSld>
+    <p:spTree>
+      <p:nvGrpSpPr>
+        <p:cNvPr id="1" name=""/>
+        <p:cNvGrpSpPr/>
+        <p:nvPr/>
+      </p:nvGrpSpPr>
+      <p:grpSpPr>
+        <a:xfrm>
+          <a:off x="0" y="0"/>
+          <a:ext cx="0" cy="0"/>
+          <a:chOff x="0" y="0"/>
+          <a:chExt cx="0" cy="0"/>
+        </a:xfrm>
+      </p:grpSpPr>
+      <p:sp>
+        <p:nvSpPr>
+          <p:cNvPr id="2" name="Rectangle à coins arrondis 1"/>
+          <p:cNvSpPr/>
+          <p:nvPr/>
+        </p:nvSpPr>
+        <p:spPr>
+          <a:xfrm>
+            <a:off x="1835696" y="917104"/>
+            <a:ext cx="1872208" cy="936104"/>
+          </a:xfrm>
+          <a:prstGeom prst="roundRect">
+            <a:avLst/>
+          </a:prstGeom>
+        </p:spPr>
+        <p:style>
+          <a:lnRef idx="2">
+            <a:schemeClr val="dk1">
+              <a:shade val="50000"/>
+            </a:schemeClr>
+          </a:lnRef>
+          <a:fillRef idx="1">
+            <a:schemeClr val="dk1"/>
+          </a:fillRef>
+          <a:effectRef idx="0">
+            <a:schemeClr val="dk1"/>
+          </a:effectRef>
+          <a:fontRef idx="minor">
+            <a:schemeClr val="lt1"/>
+          </a:fontRef>
+        </p:style>
+        <p:txBody>
+          <a:bodyPr rtlCol="0" anchor="ctr"/>
+          <a:lstStyle/>
+          <a:p>
+            <a:pPr algn="ctr"/>
+            <a:r>
+              <a:rPr lang="fr-FR" dirty="0" smtClean="0"/>
+              <a:t>App A</a:t>
+            </a:r>
+            <a:endParaRPr lang="fr-FR" dirty="0"/>
+          </a:p>
+        </p:txBody>
+      </p:sp>
+      <p:sp>
+        <p:nvSpPr>
+          <p:cNvPr id="3" name="Rectangle à coins arrondis 2"/>
+          <p:cNvSpPr/>
+          <p:nvPr/>
+        </p:nvSpPr>
+        <p:spPr>
+          <a:xfrm>
+            <a:off x="5148064" y="917104"/>
+            <a:ext cx="1872208" cy="936104"/>
+          </a:xfrm>
+          <a:prstGeom prst="roundRect">
+            <a:avLst/>
+          </a:prstGeom>
+        </p:spPr>
+        <p:style>
+          <a:lnRef idx="2">
+            <a:schemeClr val="accent1">
+              <a:shade val="50000"/>
+            </a:schemeClr>
+          </a:lnRef>
+          <a:fillRef idx="1">
+            <a:schemeClr val="accent1"/>
+          </a:fillRef>
+          <a:effectRef idx="0">
+            <a:schemeClr val="accent1"/>
+          </a:effectRef>
+          <a:fontRef idx="minor">
+            <a:schemeClr val="lt1"/>
+          </a:fontRef>
+        </p:style>
+        <p:txBody>
+          <a:bodyPr rtlCol="0" anchor="ctr"/>
+          <a:lstStyle/>
+          <a:p>
+            <a:pPr algn="ctr"/>
+            <a:r>
+              <a:rPr lang="fr-FR" dirty="0" smtClean="0"/>
+              <a:t>App B</a:t>
+            </a:r>
+            <a:endParaRPr lang="fr-FR" dirty="0"/>
+          </a:p>
+        </p:txBody>
+      </p:sp>
+      <p:sp>
+        <p:nvSpPr>
+          <p:cNvPr id="4" name="Rectangle à coins arrondis 3"/>
+          <p:cNvSpPr/>
+          <p:nvPr/>
+        </p:nvSpPr>
+        <p:spPr>
+          <a:xfrm>
+            <a:off x="670961" y="2826810"/>
+            <a:ext cx="1872208" cy="936104"/>
+          </a:xfrm>
+          <a:prstGeom prst="roundRect">
+            <a:avLst/>
+          </a:prstGeom>
+        </p:spPr>
+        <p:style>
+          <a:lnRef idx="2">
+            <a:schemeClr val="accent2">
+              <a:shade val="50000"/>
+            </a:schemeClr>
+          </a:lnRef>
+          <a:fillRef idx="1">
+            <a:schemeClr val="accent2"/>
+          </a:fillRef>
+          <a:effectRef idx="0">
+            <a:schemeClr val="accent2"/>
+          </a:effectRef>
+          <a:fontRef idx="minor">
+            <a:schemeClr val="lt1"/>
+          </a:fontRef>
+        </p:style>
+        <p:txBody>
+          <a:bodyPr rtlCol="0" anchor="ctr"/>
+          <a:lstStyle/>
+          <a:p>
+            <a:pPr algn="ctr"/>
+            <a:r>
+              <a:rPr lang="fr-FR" dirty="0" smtClean="0"/>
+              <a:t>App C</a:t>
+            </a:r>
+            <a:endParaRPr lang="fr-FR" dirty="0"/>
+          </a:p>
+        </p:txBody>
+      </p:sp>
+      <p:sp>
+        <p:nvSpPr>
+          <p:cNvPr id="5" name="Rectangle à coins arrondis 4"/>
+          <p:cNvSpPr/>
+          <p:nvPr/>
+        </p:nvSpPr>
+        <p:spPr>
+          <a:xfrm>
+            <a:off x="6876256" y="2877568"/>
+            <a:ext cx="1872208" cy="936104"/>
+          </a:xfrm>
+          <a:prstGeom prst="roundRect">
+            <a:avLst/>
+          </a:prstGeom>
+        </p:spPr>
+        <p:style>
+          <a:lnRef idx="2">
+            <a:schemeClr val="accent4">
+              <a:shade val="50000"/>
+            </a:schemeClr>
+          </a:lnRef>
+          <a:fillRef idx="1">
+            <a:schemeClr val="accent4"/>
+          </a:fillRef>
+          <a:effectRef idx="0">
+            <a:schemeClr val="accent4"/>
+          </a:effectRef>
+          <a:fontRef idx="minor">
+            <a:schemeClr val="lt1"/>
+          </a:fontRef>
+        </p:style>
+        <p:txBody>
+          <a:bodyPr rtlCol="0" anchor="ctr"/>
+          <a:lstStyle/>
+          <a:p>
+            <a:pPr algn="ctr"/>
+            <a:r>
+              <a:rPr lang="fr-FR" dirty="0" smtClean="0"/>
+              <a:t>App D</a:t>
+            </a:r>
+            <a:endParaRPr lang="fr-FR" dirty="0"/>
+          </a:p>
+        </p:txBody>
+      </p:sp>
+      <p:sp>
+        <p:nvSpPr>
+          <p:cNvPr id="6" name="Rectangle à coins arrondis 5"/>
+          <p:cNvSpPr/>
+          <p:nvPr/>
+        </p:nvSpPr>
+        <p:spPr>
+          <a:xfrm>
+            <a:off x="3743641" y="4772655"/>
+            <a:ext cx="1872208" cy="936104"/>
+          </a:xfrm>
+          <a:prstGeom prst="roundRect">
+            <a:avLst/>
+          </a:prstGeom>
+        </p:spPr>
+        <p:style>
+          <a:lnRef idx="2">
+            <a:schemeClr val="accent6">
+              <a:shade val="50000"/>
+            </a:schemeClr>
+          </a:lnRef>
+          <a:fillRef idx="1">
+            <a:schemeClr val="accent6"/>
+          </a:fillRef>
+          <a:effectRef idx="0">
+            <a:schemeClr val="accent6"/>
+          </a:effectRef>
+          <a:fontRef idx="minor">
+            <a:schemeClr val="lt1"/>
+          </a:fontRef>
+        </p:style>
+        <p:txBody>
+          <a:bodyPr rtlCol="0" anchor="ctr"/>
+          <a:lstStyle/>
+          <a:p>
+            <a:pPr algn="ctr"/>
+            <a:r>
+              <a:rPr lang="fr-FR" dirty="0" smtClean="0"/>
+              <a:t>App E</a:t>
+            </a:r>
+            <a:endParaRPr lang="fr-FR" dirty="0"/>
+          </a:p>
+        </p:txBody>
+      </p:sp>
+      <p:sp>
+        <p:nvSpPr>
+          <p:cNvPr id="7" name="Rectangle à coins arrondis 6"/>
+          <p:cNvSpPr/>
+          <p:nvPr/>
+        </p:nvSpPr>
+        <p:spPr>
+          <a:xfrm>
+            <a:off x="3203848" y="2492896"/>
+            <a:ext cx="3024336" cy="1502416"/>
+          </a:xfrm>
+          <a:prstGeom prst="roundRect">
+            <a:avLst/>
+          </a:prstGeom>
+        </p:spPr>
+        <p:style>
+          <a:lnRef idx="1">
+            <a:schemeClr val="accent5"/>
+          </a:lnRef>
+          <a:fillRef idx="2">
+            <a:schemeClr val="accent5"/>
+          </a:fillRef>
+          <a:effectRef idx="1">
+            <a:schemeClr val="accent5"/>
+          </a:effectRef>
+          <a:fontRef idx="minor">
+            <a:schemeClr val="dk1"/>
+          </a:fontRef>
+        </p:style>
+        <p:txBody>
+          <a:bodyPr rtlCol="0" anchor="ctr"/>
+          <a:lstStyle/>
+          <a:p>
+            <a:pPr algn="ctr"/>
+            <a:r>
+              <a:rPr lang="fr-FR" sz="4400" dirty="0" smtClean="0"/>
+              <a:t>EAI</a:t>
+            </a:r>
+            <a:endParaRPr lang="fr-FR" sz="4400" dirty="0"/>
+          </a:p>
+        </p:txBody>
+      </p:sp>
+      <p:cxnSp>
+        <p:nvCxnSpPr>
+          <p:cNvPr id="11" name="Connecteur droit 10"/>
+          <p:cNvCxnSpPr>
+            <a:stCxn id="2" idx="2"/>
+          </p:cNvCxnSpPr>
+          <p:nvPr/>
+        </p:nvCxnSpPr>
+        <p:spPr>
+          <a:xfrm>
+            <a:off x="2771800" y="1853208"/>
+            <a:ext cx="972108" cy="639688"/>
+          </a:xfrm>
+          <a:prstGeom prst="line">
+            <a:avLst/>
+          </a:prstGeom>
+        </p:spPr>
+        <p:style>
+          <a:lnRef idx="1">
+            <a:schemeClr val="accent1"/>
+          </a:lnRef>
+          <a:fillRef idx="0">
+            <a:schemeClr val="accent1"/>
+          </a:fillRef>
+          <a:effectRef idx="0">
+            <a:schemeClr val="accent1"/>
+          </a:effectRef>
+          <a:fontRef idx="minor">
+            <a:schemeClr val="tx1"/>
+          </a:fontRef>
+        </p:style>
+      </p:cxnSp>
+      <p:cxnSp>
+        <p:nvCxnSpPr>
+          <p:cNvPr id="14" name="Connecteur droit 13"/>
+          <p:cNvCxnSpPr>
+            <a:stCxn id="3" idx="2"/>
+          </p:cNvCxnSpPr>
+          <p:nvPr/>
+        </p:nvCxnSpPr>
+        <p:spPr>
+          <a:xfrm flipH="1">
+            <a:off x="5615849" y="1853208"/>
+            <a:ext cx="468319" cy="639688"/>
+          </a:xfrm>
+          <a:prstGeom prst="line">
+            <a:avLst/>
+          </a:prstGeom>
+        </p:spPr>
+        <p:style>
+          <a:lnRef idx="1">
+            <a:schemeClr val="accent1"/>
+          </a:lnRef>
+          <a:fillRef idx="0">
+            <a:schemeClr val="accent1"/>
+          </a:fillRef>
+          <a:effectRef idx="0">
+            <a:schemeClr val="accent1"/>
+          </a:effectRef>
+          <a:fontRef idx="minor">
+            <a:schemeClr val="tx1"/>
+          </a:fontRef>
+        </p:style>
+      </p:cxnSp>
+      <p:cxnSp>
+        <p:nvCxnSpPr>
+          <p:cNvPr id="17" name="Connecteur droit 16"/>
+          <p:cNvCxnSpPr>
+            <a:stCxn id="4" idx="3"/>
+            <a:endCxn id="7" idx="1"/>
+          </p:cNvCxnSpPr>
+          <p:nvPr/>
+        </p:nvCxnSpPr>
+        <p:spPr>
+          <a:xfrm flipV="1">
+            <a:off x="2543169" y="3244104"/>
+            <a:ext cx="660679" cy="50758"/>
+          </a:xfrm>
+          <a:prstGeom prst="line">
+            <a:avLst/>
+          </a:prstGeom>
+        </p:spPr>
+        <p:style>
+          <a:lnRef idx="1">
+            <a:schemeClr val="accent1"/>
+          </a:lnRef>
+          <a:fillRef idx="0">
+            <a:schemeClr val="accent1"/>
+          </a:fillRef>
+          <a:effectRef idx="0">
+            <a:schemeClr val="accent1"/>
+          </a:effectRef>
+          <a:fontRef idx="minor">
+            <a:schemeClr val="tx1"/>
+          </a:fontRef>
+        </p:style>
+      </p:cxnSp>
+      <p:cxnSp>
+        <p:nvCxnSpPr>
+          <p:cNvPr id="21" name="Connecteur droit 20"/>
+          <p:cNvCxnSpPr>
+            <a:stCxn id="6" idx="0"/>
+            <a:endCxn id="7" idx="2"/>
+          </p:cNvCxnSpPr>
+          <p:nvPr/>
+        </p:nvCxnSpPr>
+        <p:spPr>
+          <a:xfrm flipV="1">
+            <a:off x="4679745" y="3995312"/>
+            <a:ext cx="36271" cy="777343"/>
+          </a:xfrm>
+          <a:prstGeom prst="line">
+            <a:avLst/>
+          </a:prstGeom>
+        </p:spPr>
+        <p:style>
+          <a:lnRef idx="1">
+            <a:schemeClr val="accent1"/>
+          </a:lnRef>
+          <a:fillRef idx="0">
+            <a:schemeClr val="accent1"/>
+          </a:fillRef>
+          <a:effectRef idx="0">
+            <a:schemeClr val="accent1"/>
+          </a:effectRef>
+          <a:fontRef idx="minor">
+            <a:schemeClr val="tx1"/>
+          </a:fontRef>
+        </p:style>
+      </p:cxnSp>
+      <p:cxnSp>
+        <p:nvCxnSpPr>
+          <p:cNvPr id="27" name="Connecteur droit 26"/>
+          <p:cNvCxnSpPr>
+            <a:stCxn id="5" idx="1"/>
+            <a:endCxn id="7" idx="3"/>
+          </p:cNvCxnSpPr>
+          <p:nvPr/>
+        </p:nvCxnSpPr>
+        <p:spPr>
+          <a:xfrm flipH="1" flipV="1">
+            <a:off x="6228184" y="3244104"/>
+            <a:ext cx="648072" cy="101516"/>
+          </a:xfrm>
+          <a:prstGeom prst="line">
+            <a:avLst/>
+          </a:prstGeom>
+        </p:spPr>
+        <p:style>
+          <a:lnRef idx="1">
+            <a:schemeClr val="accent1"/>
+          </a:lnRef>
+          <a:fillRef idx="0">
+            <a:schemeClr val="accent1"/>
+          </a:fillRef>
+          <a:effectRef idx="0">
+            <a:schemeClr val="accent1"/>
+          </a:effectRef>
+          <a:fontRef idx="minor">
+            <a:schemeClr val="tx1"/>
+          </a:fontRef>
+        </p:style>
+      </p:cxnSp>
+    </p:spTree>
+    <p:extLst>
+      <p:ext uri="{BB962C8B-B14F-4D97-AF65-F5344CB8AC3E}">
+        <p14:creationId xmlns:p14="http://schemas.microsoft.com/office/powerpoint/2010/main" val="2621665047"/>
       </p:ext>
     </p:extLst>
   </p:cSld>
@@ -31455,6 +31794,533 @@
     <p:extLst>
       <p:ext uri="{BB962C8B-B14F-4D97-AF65-F5344CB8AC3E}">
         <p14:creationId xmlns:p14="http://schemas.microsoft.com/office/powerpoint/2010/main" val="442698763"/>
+      </p:ext>
+    </p:extLst>
+  </p:cSld>
+  <p:clrMapOvr>
+    <a:masterClrMapping/>
+  </p:clrMapOvr>
+</p:sld>
+</file>
+
+<file path=ppt/slides/slide20.xml><?xml version="1.0" encoding="utf-8"?>
+<p:sld xmlns:a="http://schemas.openxmlformats.org/drawingml/2006/main" xmlns:r="http://schemas.openxmlformats.org/officeDocument/2006/relationships" xmlns:p="http://schemas.openxmlformats.org/presentationml/2006/main">
+  <p:cSld>
+    <p:spTree>
+      <p:nvGrpSpPr>
+        <p:cNvPr id="1" name=""/>
+        <p:cNvGrpSpPr/>
+        <p:nvPr/>
+      </p:nvGrpSpPr>
+      <p:grpSpPr>
+        <a:xfrm>
+          <a:off x="0" y="0"/>
+          <a:ext cx="0" cy="0"/>
+          <a:chOff x="0" y="0"/>
+          <a:chExt cx="0" cy="0"/>
+        </a:xfrm>
+      </p:grpSpPr>
+      <p:sp>
+        <p:nvSpPr>
+          <p:cNvPr id="2" name="Rectangle à coins arrondis 1"/>
+          <p:cNvSpPr/>
+          <p:nvPr/>
+        </p:nvSpPr>
+        <p:spPr>
+          <a:xfrm>
+            <a:off x="1043608" y="449052"/>
+            <a:ext cx="1872208" cy="936104"/>
+          </a:xfrm>
+          <a:prstGeom prst="roundRect">
+            <a:avLst/>
+          </a:prstGeom>
+        </p:spPr>
+        <p:style>
+          <a:lnRef idx="2">
+            <a:schemeClr val="dk1">
+              <a:shade val="50000"/>
+            </a:schemeClr>
+          </a:lnRef>
+          <a:fillRef idx="1">
+            <a:schemeClr val="dk1"/>
+          </a:fillRef>
+          <a:effectRef idx="0">
+            <a:schemeClr val="dk1"/>
+          </a:effectRef>
+          <a:fontRef idx="minor">
+            <a:schemeClr val="lt1"/>
+          </a:fontRef>
+        </p:style>
+        <p:txBody>
+          <a:bodyPr rtlCol="0" anchor="ctr"/>
+          <a:lstStyle/>
+          <a:p>
+            <a:pPr algn="ctr"/>
+            <a:r>
+              <a:rPr lang="fr-FR" dirty="0" smtClean="0"/>
+              <a:t>App A</a:t>
+            </a:r>
+            <a:endParaRPr lang="fr-FR" dirty="0"/>
+          </a:p>
+        </p:txBody>
+      </p:sp>
+      <p:sp>
+        <p:nvSpPr>
+          <p:cNvPr id="3" name="Rectangle à coins arrondis 2"/>
+          <p:cNvSpPr/>
+          <p:nvPr/>
+        </p:nvSpPr>
+        <p:spPr>
+          <a:xfrm>
+            <a:off x="6642096" y="491818"/>
+            <a:ext cx="1872208" cy="936104"/>
+          </a:xfrm>
+          <a:prstGeom prst="roundRect">
+            <a:avLst/>
+          </a:prstGeom>
+        </p:spPr>
+        <p:style>
+          <a:lnRef idx="2">
+            <a:schemeClr val="accent1">
+              <a:shade val="50000"/>
+            </a:schemeClr>
+          </a:lnRef>
+          <a:fillRef idx="1">
+            <a:schemeClr val="accent1"/>
+          </a:fillRef>
+          <a:effectRef idx="0">
+            <a:schemeClr val="accent1"/>
+          </a:effectRef>
+          <a:fontRef idx="minor">
+            <a:schemeClr val="lt1"/>
+          </a:fontRef>
+        </p:style>
+        <p:txBody>
+          <a:bodyPr rtlCol="0" anchor="ctr"/>
+          <a:lstStyle/>
+          <a:p>
+            <a:pPr algn="ctr"/>
+            <a:r>
+              <a:rPr lang="fr-FR" dirty="0" smtClean="0"/>
+              <a:t>App B</a:t>
+            </a:r>
+            <a:endParaRPr lang="fr-FR" dirty="0"/>
+          </a:p>
+        </p:txBody>
+      </p:sp>
+      <p:sp>
+        <p:nvSpPr>
+          <p:cNvPr id="4" name="Rectangle à coins arrondis 3"/>
+          <p:cNvSpPr/>
+          <p:nvPr/>
+        </p:nvSpPr>
+        <p:spPr>
+          <a:xfrm>
+            <a:off x="662577" y="4772655"/>
+            <a:ext cx="1872208" cy="936104"/>
+          </a:xfrm>
+          <a:prstGeom prst="roundRect">
+            <a:avLst/>
+          </a:prstGeom>
+        </p:spPr>
+        <p:style>
+          <a:lnRef idx="2">
+            <a:schemeClr val="accent2">
+              <a:shade val="50000"/>
+            </a:schemeClr>
+          </a:lnRef>
+          <a:fillRef idx="1">
+            <a:schemeClr val="accent2"/>
+          </a:fillRef>
+          <a:effectRef idx="0">
+            <a:schemeClr val="accent2"/>
+          </a:effectRef>
+          <a:fontRef idx="minor">
+            <a:schemeClr val="lt1"/>
+          </a:fontRef>
+        </p:style>
+        <p:txBody>
+          <a:bodyPr rtlCol="0" anchor="ctr"/>
+          <a:lstStyle/>
+          <a:p>
+            <a:pPr algn="ctr"/>
+            <a:r>
+              <a:rPr lang="fr-FR" dirty="0" smtClean="0"/>
+              <a:t>App C</a:t>
+            </a:r>
+            <a:endParaRPr lang="fr-FR" dirty="0"/>
+          </a:p>
+        </p:txBody>
+      </p:sp>
+      <p:sp>
+        <p:nvSpPr>
+          <p:cNvPr id="5" name="Rectangle à coins arrondis 4"/>
+          <p:cNvSpPr/>
+          <p:nvPr/>
+        </p:nvSpPr>
+        <p:spPr>
+          <a:xfrm>
+            <a:off x="6634665" y="4772655"/>
+            <a:ext cx="1872208" cy="936104"/>
+          </a:xfrm>
+          <a:prstGeom prst="roundRect">
+            <a:avLst/>
+          </a:prstGeom>
+        </p:spPr>
+        <p:style>
+          <a:lnRef idx="2">
+            <a:schemeClr val="accent4">
+              <a:shade val="50000"/>
+            </a:schemeClr>
+          </a:lnRef>
+          <a:fillRef idx="1">
+            <a:schemeClr val="accent4"/>
+          </a:fillRef>
+          <a:effectRef idx="0">
+            <a:schemeClr val="accent4"/>
+          </a:effectRef>
+          <a:fontRef idx="minor">
+            <a:schemeClr val="lt1"/>
+          </a:fontRef>
+        </p:style>
+        <p:txBody>
+          <a:bodyPr rtlCol="0" anchor="ctr"/>
+          <a:lstStyle/>
+          <a:p>
+            <a:pPr algn="ctr"/>
+            <a:r>
+              <a:rPr lang="fr-FR" dirty="0" smtClean="0"/>
+              <a:t>App D</a:t>
+            </a:r>
+            <a:endParaRPr lang="fr-FR" dirty="0"/>
+          </a:p>
+        </p:txBody>
+      </p:sp>
+      <p:sp>
+        <p:nvSpPr>
+          <p:cNvPr id="6" name="Rectangle à coins arrondis 5"/>
+          <p:cNvSpPr/>
+          <p:nvPr/>
+        </p:nvSpPr>
+        <p:spPr>
+          <a:xfrm>
+            <a:off x="3743641" y="4772655"/>
+            <a:ext cx="1872208" cy="936104"/>
+          </a:xfrm>
+          <a:prstGeom prst="roundRect">
+            <a:avLst/>
+          </a:prstGeom>
+        </p:spPr>
+        <p:style>
+          <a:lnRef idx="2">
+            <a:schemeClr val="accent6">
+              <a:shade val="50000"/>
+            </a:schemeClr>
+          </a:lnRef>
+          <a:fillRef idx="1">
+            <a:schemeClr val="accent6"/>
+          </a:fillRef>
+          <a:effectRef idx="0">
+            <a:schemeClr val="accent6"/>
+          </a:effectRef>
+          <a:fontRef idx="minor">
+            <a:schemeClr val="lt1"/>
+          </a:fontRef>
+        </p:style>
+        <p:txBody>
+          <a:bodyPr rtlCol="0" anchor="ctr"/>
+          <a:lstStyle/>
+          <a:p>
+            <a:pPr algn="ctr"/>
+            <a:r>
+              <a:rPr lang="fr-FR" dirty="0" smtClean="0"/>
+              <a:t>App E</a:t>
+            </a:r>
+            <a:endParaRPr lang="fr-FR" dirty="0"/>
+          </a:p>
+        </p:txBody>
+      </p:sp>
+      <p:cxnSp>
+        <p:nvCxnSpPr>
+          <p:cNvPr id="8" name="Connecteur droit 7"/>
+          <p:cNvCxnSpPr>
+            <a:stCxn id="2" idx="2"/>
+            <a:endCxn id="4" idx="0"/>
+          </p:cNvCxnSpPr>
+          <p:nvPr/>
+        </p:nvCxnSpPr>
+        <p:spPr>
+          <a:xfrm flipH="1">
+            <a:off x="1598681" y="1385156"/>
+            <a:ext cx="381031" cy="3387499"/>
+          </a:xfrm>
+          <a:prstGeom prst="line">
+            <a:avLst/>
+          </a:prstGeom>
+        </p:spPr>
+        <p:style>
+          <a:lnRef idx="1">
+            <a:schemeClr val="accent1"/>
+          </a:lnRef>
+          <a:fillRef idx="0">
+            <a:schemeClr val="accent1"/>
+          </a:fillRef>
+          <a:effectRef idx="0">
+            <a:schemeClr val="accent1"/>
+          </a:effectRef>
+          <a:fontRef idx="minor">
+            <a:schemeClr val="tx1"/>
+          </a:fontRef>
+        </p:style>
+      </p:cxnSp>
+      <p:cxnSp>
+        <p:nvCxnSpPr>
+          <p:cNvPr id="12" name="Connecteur droit 11"/>
+          <p:cNvCxnSpPr>
+            <a:stCxn id="2" idx="3"/>
+            <a:endCxn id="3" idx="1"/>
+          </p:cNvCxnSpPr>
+          <p:nvPr/>
+        </p:nvCxnSpPr>
+        <p:spPr>
+          <a:xfrm>
+            <a:off x="2915816" y="917104"/>
+            <a:ext cx="3726280" cy="42766"/>
+          </a:xfrm>
+          <a:prstGeom prst="line">
+            <a:avLst/>
+          </a:prstGeom>
+        </p:spPr>
+        <p:style>
+          <a:lnRef idx="1">
+            <a:schemeClr val="accent1"/>
+          </a:lnRef>
+          <a:fillRef idx="0">
+            <a:schemeClr val="accent1"/>
+          </a:fillRef>
+          <a:effectRef idx="0">
+            <a:schemeClr val="accent1"/>
+          </a:effectRef>
+          <a:fontRef idx="minor">
+            <a:schemeClr val="tx1"/>
+          </a:fontRef>
+        </p:style>
+      </p:cxnSp>
+      <p:cxnSp>
+        <p:nvCxnSpPr>
+          <p:cNvPr id="20" name="Connecteur droit 19"/>
+          <p:cNvCxnSpPr>
+            <a:stCxn id="2" idx="2"/>
+            <a:endCxn id="6" idx="0"/>
+          </p:cNvCxnSpPr>
+          <p:nvPr/>
+        </p:nvCxnSpPr>
+        <p:spPr>
+          <a:xfrm>
+            <a:off x="1979712" y="1385156"/>
+            <a:ext cx="2700033" cy="3387499"/>
+          </a:xfrm>
+          <a:prstGeom prst="line">
+            <a:avLst/>
+          </a:prstGeom>
+        </p:spPr>
+        <p:style>
+          <a:lnRef idx="1">
+            <a:schemeClr val="accent1"/>
+          </a:lnRef>
+          <a:fillRef idx="0">
+            <a:schemeClr val="accent1"/>
+          </a:fillRef>
+          <a:effectRef idx="0">
+            <a:schemeClr val="accent1"/>
+          </a:effectRef>
+          <a:fontRef idx="minor">
+            <a:schemeClr val="tx1"/>
+          </a:fontRef>
+        </p:style>
+      </p:cxnSp>
+      <p:cxnSp>
+        <p:nvCxnSpPr>
+          <p:cNvPr id="22" name="Connecteur droit 21"/>
+          <p:cNvCxnSpPr>
+            <a:stCxn id="2" idx="2"/>
+          </p:cNvCxnSpPr>
+          <p:nvPr/>
+        </p:nvCxnSpPr>
+        <p:spPr>
+          <a:xfrm>
+            <a:off x="1979712" y="1385156"/>
+            <a:ext cx="5400600" cy="3387499"/>
+          </a:xfrm>
+          <a:prstGeom prst="line">
+            <a:avLst/>
+          </a:prstGeom>
+        </p:spPr>
+        <p:style>
+          <a:lnRef idx="1">
+            <a:schemeClr val="accent1"/>
+          </a:lnRef>
+          <a:fillRef idx="0">
+            <a:schemeClr val="accent1"/>
+          </a:fillRef>
+          <a:effectRef idx="0">
+            <a:schemeClr val="accent1"/>
+          </a:effectRef>
+          <a:fontRef idx="minor">
+            <a:schemeClr val="tx1"/>
+          </a:fontRef>
+        </p:style>
+      </p:cxnSp>
+      <p:cxnSp>
+        <p:nvCxnSpPr>
+          <p:cNvPr id="24" name="Connecteur droit 23"/>
+          <p:cNvCxnSpPr>
+            <a:stCxn id="3" idx="2"/>
+            <a:endCxn id="4" idx="0"/>
+          </p:cNvCxnSpPr>
+          <p:nvPr/>
+        </p:nvCxnSpPr>
+        <p:spPr>
+          <a:xfrm flipH="1">
+            <a:off x="1598681" y="1427922"/>
+            <a:ext cx="5979519" cy="3344733"/>
+          </a:xfrm>
+          <a:prstGeom prst="line">
+            <a:avLst/>
+          </a:prstGeom>
+        </p:spPr>
+        <p:style>
+          <a:lnRef idx="1">
+            <a:schemeClr val="accent1"/>
+          </a:lnRef>
+          <a:fillRef idx="0">
+            <a:schemeClr val="accent1"/>
+          </a:fillRef>
+          <a:effectRef idx="0">
+            <a:schemeClr val="accent1"/>
+          </a:effectRef>
+          <a:fontRef idx="minor">
+            <a:schemeClr val="tx1"/>
+          </a:fontRef>
+        </p:style>
+      </p:cxnSp>
+      <p:cxnSp>
+        <p:nvCxnSpPr>
+          <p:cNvPr id="26" name="Connecteur droit 25"/>
+          <p:cNvCxnSpPr>
+            <a:stCxn id="3" idx="2"/>
+            <a:endCxn id="6" idx="0"/>
+          </p:cNvCxnSpPr>
+          <p:nvPr/>
+        </p:nvCxnSpPr>
+        <p:spPr>
+          <a:xfrm flipH="1">
+            <a:off x="4679745" y="1427922"/>
+            <a:ext cx="2898455" cy="3344733"/>
+          </a:xfrm>
+          <a:prstGeom prst="line">
+            <a:avLst/>
+          </a:prstGeom>
+        </p:spPr>
+        <p:style>
+          <a:lnRef idx="1">
+            <a:schemeClr val="accent1"/>
+          </a:lnRef>
+          <a:fillRef idx="0">
+            <a:schemeClr val="accent1"/>
+          </a:fillRef>
+          <a:effectRef idx="0">
+            <a:schemeClr val="accent1"/>
+          </a:effectRef>
+          <a:fontRef idx="minor">
+            <a:schemeClr val="tx1"/>
+          </a:fontRef>
+        </p:style>
+      </p:cxnSp>
+      <p:sp>
+        <p:nvSpPr>
+          <p:cNvPr id="30" name="Rectangle à coins arrondis 29"/>
+          <p:cNvSpPr/>
+          <p:nvPr/>
+        </p:nvSpPr>
+        <p:spPr>
+          <a:xfrm>
+            <a:off x="539552" y="1988840"/>
+            <a:ext cx="7992888" cy="1969266"/>
+          </a:xfrm>
+          <a:prstGeom prst="roundRect">
+            <a:avLst/>
+          </a:prstGeom>
+          <a:solidFill>
+            <a:srgbClr val="000000">
+              <a:alpha val="45098"/>
+            </a:srgbClr>
+          </a:solidFill>
+        </p:spPr>
+        <p:style>
+          <a:lnRef idx="1">
+            <a:schemeClr val="accent5"/>
+          </a:lnRef>
+          <a:fillRef idx="2">
+            <a:schemeClr val="accent5"/>
+          </a:fillRef>
+          <a:effectRef idx="1">
+            <a:schemeClr val="accent5"/>
+          </a:effectRef>
+          <a:fontRef idx="minor">
+            <a:schemeClr val="dk1"/>
+          </a:fontRef>
+        </p:style>
+        <p:txBody>
+          <a:bodyPr rtlCol="0" anchor="ctr"/>
+          <a:lstStyle/>
+          <a:p>
+            <a:pPr algn="ctr"/>
+            <a:r>
+              <a:rPr lang="fr-FR" sz="4800" dirty="0" smtClean="0"/>
+              <a:t>ESB</a:t>
+            </a:r>
+            <a:endParaRPr lang="fr-FR" sz="4800" dirty="0"/>
+          </a:p>
+        </p:txBody>
+      </p:sp>
+      <p:cxnSp>
+        <p:nvCxnSpPr>
+          <p:cNvPr id="32" name="Connecteur droit 31"/>
+          <p:cNvCxnSpPr>
+            <a:stCxn id="3" idx="2"/>
+            <a:endCxn id="5" idx="0"/>
+          </p:cNvCxnSpPr>
+          <p:nvPr/>
+        </p:nvCxnSpPr>
+        <p:spPr>
+          <a:xfrm flipH="1">
+            <a:off x="7570769" y="1427922"/>
+            <a:ext cx="7431" cy="3344733"/>
+          </a:xfrm>
+          <a:prstGeom prst="line">
+            <a:avLst/>
+          </a:prstGeom>
+        </p:spPr>
+        <p:style>
+          <a:lnRef idx="1">
+            <a:schemeClr val="accent1"/>
+          </a:lnRef>
+          <a:fillRef idx="0">
+            <a:schemeClr val="accent1"/>
+          </a:fillRef>
+          <a:effectRef idx="0">
+            <a:schemeClr val="accent1"/>
+          </a:effectRef>
+          <a:fontRef idx="minor">
+            <a:schemeClr val="tx1"/>
+          </a:fontRef>
+        </p:style>
+      </p:cxnSp>
+    </p:spTree>
+    <p:extLst>
+      <p:ext uri="{BB962C8B-B14F-4D97-AF65-F5344CB8AC3E}">
+        <p14:creationId xmlns:p14="http://schemas.microsoft.com/office/powerpoint/2010/main" val="684939019"/>
       </p:ext>
     </p:extLst>
   </p:cSld>
